--- a/Use case - Hydrocarbons accumulation.pptx
+++ b/Use case - Hydrocarbons accumulation.pptx
@@ -5,12 +5,14 @@
     <p:sldMasterId id="2147483648" r:id="rId1"/>
   </p:sldMasterIdLst>
   <p:notesMasterIdLst>
-    <p:notesMasterId r:id="rId5"/>
+    <p:notesMasterId r:id="rId7"/>
   </p:notesMasterIdLst>
   <p:sldIdLst>
     <p:sldId id="256" r:id="rId2"/>
     <p:sldId id="257" r:id="rId3"/>
     <p:sldId id="258" r:id="rId4"/>
+    <p:sldId id="260" r:id="rId5"/>
+    <p:sldId id="259" r:id="rId6"/>
   </p:sldIdLst>
   <p:sldSz cx="12192000" cy="6858000"/>
   <p:notesSz cx="6858000" cy="9144000"/>
@@ -199,7 +201,7 @@
           <a:p>
             <a:fld id="{6B2A15CB-664D-4830-9EA4-27796825A25D}" type="datetimeFigureOut">
               <a:rPr lang="nb-NO" smtClean="0"/>
-              <a:t>16.12.2018</a:t>
+              <a:t>17.01.2019</a:t>
             </a:fld>
             <a:endParaRPr lang="nb-NO"/>
           </a:p>
@@ -598,7 +600,7 @@
           <a:p>
             <a:fld id="{A633C1C8-95AF-4880-8893-8625E4421F7B}" type="datetime1">
               <a:rPr lang="nb-NO" smtClean="0"/>
-              <a:t>16.12.2018</a:t>
+              <a:t>17.01.2019</a:t>
             </a:fld>
             <a:endParaRPr lang="nb-NO"/>
           </a:p>
@@ -768,7 +770,7 @@
           <a:p>
             <a:fld id="{D6CB3B24-54D0-4549-BFEE-D3C8E478EE60}" type="datetime1">
               <a:rPr lang="nb-NO" smtClean="0"/>
-              <a:t>16.12.2018</a:t>
+              <a:t>17.01.2019</a:t>
             </a:fld>
             <a:endParaRPr lang="nb-NO"/>
           </a:p>
@@ -948,7 +950,7 @@
           <a:p>
             <a:fld id="{6244CEE8-045C-4D90-8B0F-9185B74536CF}" type="datetime1">
               <a:rPr lang="nb-NO" smtClean="0"/>
-              <a:t>16.12.2018</a:t>
+              <a:t>17.01.2019</a:t>
             </a:fld>
             <a:endParaRPr lang="nb-NO"/>
           </a:p>
@@ -1118,7 +1120,7 @@
           <a:p>
             <a:fld id="{0BF30CB0-DCFE-4EAE-ADDC-CAD8AB1F9870}" type="datetime1">
               <a:rPr lang="nb-NO" smtClean="0"/>
-              <a:t>16.12.2018</a:t>
+              <a:t>17.01.2019</a:t>
             </a:fld>
             <a:endParaRPr lang="nb-NO"/>
           </a:p>
@@ -1364,7 +1366,7 @@
           <a:p>
             <a:fld id="{1377CAEB-BB00-4759-9FF9-D2439DE2817D}" type="datetime1">
               <a:rPr lang="nb-NO" smtClean="0"/>
-              <a:t>16.12.2018</a:t>
+              <a:t>17.01.2019</a:t>
             </a:fld>
             <a:endParaRPr lang="nb-NO"/>
           </a:p>
@@ -1596,7 +1598,7 @@
           <a:p>
             <a:fld id="{FDF79DEE-87EF-4A0C-A1C6-4EDE8D07193C}" type="datetime1">
               <a:rPr lang="nb-NO" smtClean="0"/>
-              <a:t>16.12.2018</a:t>
+              <a:t>17.01.2019</a:t>
             </a:fld>
             <a:endParaRPr lang="nb-NO"/>
           </a:p>
@@ -1963,7 +1965,7 @@
           <a:p>
             <a:fld id="{AC195D7B-C9F1-4187-916F-59326C4FB91E}" type="datetime1">
               <a:rPr lang="nb-NO" smtClean="0"/>
-              <a:t>16.12.2018</a:t>
+              <a:t>17.01.2019</a:t>
             </a:fld>
             <a:endParaRPr lang="nb-NO"/>
           </a:p>
@@ -2081,7 +2083,7 @@
           <a:p>
             <a:fld id="{DF6118D9-7F91-43D2-BB96-93C20A1DE500}" type="datetime1">
               <a:rPr lang="nb-NO" smtClean="0"/>
-              <a:t>16.12.2018</a:t>
+              <a:t>17.01.2019</a:t>
             </a:fld>
             <a:endParaRPr lang="nb-NO"/>
           </a:p>
@@ -2176,7 +2178,7 @@
           <a:p>
             <a:fld id="{28DB77A6-762F-416B-9494-0EE6E926EDAA}" type="datetime1">
               <a:rPr lang="nb-NO" smtClean="0"/>
-              <a:t>16.12.2018</a:t>
+              <a:t>17.01.2019</a:t>
             </a:fld>
             <a:endParaRPr lang="nb-NO"/>
           </a:p>
@@ -2453,7 +2455,7 @@
           <a:p>
             <a:fld id="{F93E5D7B-255A-438A-BCE9-B20F4E91AC97}" type="datetime1">
               <a:rPr lang="nb-NO" smtClean="0"/>
-              <a:t>16.12.2018</a:t>
+              <a:t>17.01.2019</a:t>
             </a:fld>
             <a:endParaRPr lang="nb-NO"/>
           </a:p>
@@ -2706,7 +2708,7 @@
           <a:p>
             <a:fld id="{2697C88B-F6B5-4853-BF93-2AD79DFD64E1}" type="datetime1">
               <a:rPr lang="nb-NO" smtClean="0"/>
-              <a:t>16.12.2018</a:t>
+              <a:t>17.01.2019</a:t>
             </a:fld>
             <a:endParaRPr lang="nb-NO"/>
           </a:p>
@@ -2919,7 +2921,7 @@
           <a:p>
             <a:fld id="{5D31363F-C92B-4642-9D00-1E6A0DA91778}" type="datetime1">
               <a:rPr lang="nb-NO" smtClean="0"/>
-              <a:t>16.12.2018</a:t>
+              <a:t>17.01.2019</a:t>
             </a:fld>
             <a:endParaRPr lang="nb-NO"/>
           </a:p>
@@ -13186,6 +13188,6132 @@
 </p:sld>
 </file>
 
+<file path=ppt/slides/slide4.xml><?xml version="1.0" encoding="utf-8"?>
+<p:sld xmlns:a="http://schemas.openxmlformats.org/drawingml/2006/main" xmlns:r="http://schemas.openxmlformats.org/officeDocument/2006/relationships" xmlns:p="http://schemas.openxmlformats.org/presentationml/2006/main">
+  <p:cSld>
+    <p:spTree>
+      <p:nvGrpSpPr>
+        <p:cNvPr id="1" name=""/>
+        <p:cNvGrpSpPr/>
+        <p:nvPr/>
+      </p:nvGrpSpPr>
+      <p:grpSpPr>
+        <a:xfrm>
+          <a:off x="0" y="0"/>
+          <a:ext cx="0" cy="0"/>
+          <a:chOff x="0" y="0"/>
+          <a:chExt cx="0" cy="0"/>
+        </a:xfrm>
+      </p:grpSpPr>
+      <p:sp>
+        <p:nvSpPr>
+          <p:cNvPr id="2" name="Title 1"/>
+          <p:cNvSpPr>
+            <a:spLocks noGrp="1"/>
+          </p:cNvSpPr>
+          <p:nvPr>
+            <p:ph type="title"/>
+          </p:nvPr>
+        </p:nvSpPr>
+        <p:spPr>
+          <a:xfrm>
+            <a:off x="556846" y="1936018"/>
+            <a:ext cx="10515600" cy="1325563"/>
+          </a:xfrm>
+        </p:spPr>
+        <p:txBody>
+          <a:bodyPr/>
+          <a:lstStyle/>
+          <a:p>
+            <a:r>
+              <a:rPr lang="nb-NO" dirty="0" err="1" smtClean="0"/>
+              <a:t>Trying</a:t>
+            </a:r>
+            <a:r>
+              <a:rPr lang="nb-NO" dirty="0" smtClean="0"/>
+              <a:t> to </a:t>
+            </a:r>
+            <a:r>
+              <a:rPr lang="nb-NO" dirty="0" err="1" smtClean="0"/>
+              <a:t>incorporate</a:t>
+            </a:r>
+            <a:r>
+              <a:rPr lang="nb-NO" dirty="0" smtClean="0"/>
+              <a:t> different </a:t>
+            </a:r>
+            <a:r>
+              <a:rPr lang="nb-NO" dirty="0" err="1" smtClean="0"/>
+              <a:t>reservoir</a:t>
+            </a:r>
+            <a:r>
+              <a:rPr lang="nb-NO" dirty="0" smtClean="0"/>
+              <a:t> </a:t>
+            </a:r>
+            <a:r>
+              <a:rPr lang="nb-NO" dirty="0" err="1" smtClean="0"/>
+              <a:t>facies</a:t>
+            </a:r>
+            <a:endParaRPr lang="nb-NO" dirty="0"/>
+          </a:p>
+        </p:txBody>
+      </p:sp>
+      <p:sp>
+        <p:nvSpPr>
+          <p:cNvPr id="4" name="Slide Number Placeholder 3"/>
+          <p:cNvSpPr>
+            <a:spLocks noGrp="1"/>
+          </p:cNvSpPr>
+          <p:nvPr>
+            <p:ph type="sldNum" sz="quarter" idx="12"/>
+          </p:nvPr>
+        </p:nvSpPr>
+        <p:spPr/>
+        <p:txBody>
+          <a:bodyPr/>
+          <a:lstStyle/>
+          <a:p>
+            <a:fld id="{F8185FFD-C0D8-4A3C-913D-981A0B9B7DC1}" type="slidenum">
+              <a:rPr lang="nb-NO" smtClean="0"/>
+              <a:t>4</a:t>
+            </a:fld>
+            <a:endParaRPr lang="nb-NO"/>
+          </a:p>
+        </p:txBody>
+      </p:sp>
+    </p:spTree>
+    <p:extLst>
+      <p:ext uri="{BB962C8B-B14F-4D97-AF65-F5344CB8AC3E}">
+        <p14:creationId xmlns:p14="http://schemas.microsoft.com/office/powerpoint/2010/main" val="285755376"/>
+      </p:ext>
+    </p:extLst>
+  </p:cSld>
+  <p:clrMapOvr>
+    <a:masterClrMapping/>
+  </p:clrMapOvr>
+</p:sld>
+</file>
+
+<file path=ppt/slides/slide5.xml><?xml version="1.0" encoding="utf-8"?>
+<p:sld xmlns:a="http://schemas.openxmlformats.org/drawingml/2006/main" xmlns:r="http://schemas.openxmlformats.org/officeDocument/2006/relationships" xmlns:p="http://schemas.openxmlformats.org/presentationml/2006/main">
+  <p:cSld>
+    <p:spTree>
+      <p:nvGrpSpPr>
+        <p:cNvPr id="1" name=""/>
+        <p:cNvGrpSpPr/>
+        <p:nvPr/>
+      </p:nvGrpSpPr>
+      <p:grpSpPr>
+        <a:xfrm>
+          <a:off x="0" y="0"/>
+          <a:ext cx="0" cy="0"/>
+          <a:chOff x="0" y="0"/>
+          <a:chExt cx="0" cy="0"/>
+        </a:xfrm>
+      </p:grpSpPr>
+      <p:sp>
+        <p:nvSpPr>
+          <p:cNvPr id="4" name="Slide Number Placeholder 3"/>
+          <p:cNvSpPr>
+            <a:spLocks noGrp="1"/>
+          </p:cNvSpPr>
+          <p:nvPr>
+            <p:ph type="sldNum" sz="quarter" idx="12"/>
+          </p:nvPr>
+        </p:nvSpPr>
+        <p:spPr/>
+        <p:txBody>
+          <a:bodyPr/>
+          <a:lstStyle/>
+          <a:p>
+            <a:fld id="{F8185FFD-C0D8-4A3C-913D-981A0B9B7DC1}" type="slidenum">
+              <a:rPr lang="nb-NO" smtClean="0"/>
+              <a:t>5</a:t>
+            </a:fld>
+            <a:endParaRPr lang="nb-NO"/>
+          </a:p>
+        </p:txBody>
+      </p:sp>
+      <p:sp>
+        <p:nvSpPr>
+          <p:cNvPr id="102" name="TextBox 101"/>
+          <p:cNvSpPr txBox="1"/>
+          <p:nvPr/>
+        </p:nvSpPr>
+        <p:spPr>
+          <a:xfrm rot="-1800000">
+            <a:off x="420828" y="2453014"/>
+            <a:ext cx="2379113" cy="646331"/>
+          </a:xfrm>
+          <a:prstGeom prst="rect">
+            <a:avLst/>
+          </a:prstGeom>
+          <a:noFill/>
+        </p:spPr>
+        <p:txBody>
+          <a:bodyPr wrap="none" rtlCol="0">
+            <a:spAutoFit/>
+          </a:bodyPr>
+          <a:lstStyle/>
+          <a:p>
+            <a:r>
+              <a:rPr lang="nb-NO" dirty="0" err="1" smtClean="0"/>
+              <a:t>Middle</a:t>
+            </a:r>
+            <a:r>
+              <a:rPr lang="nb-NO" dirty="0" smtClean="0"/>
+              <a:t> fan;</a:t>
+            </a:r>
+          </a:p>
+          <a:p>
+            <a:r>
+              <a:rPr lang="nb-NO" dirty="0" smtClean="0"/>
+              <a:t>Channels and </a:t>
+            </a:r>
+            <a:r>
+              <a:rPr lang="nb-NO" dirty="0" err="1" smtClean="0"/>
+              <a:t>overbank</a:t>
+            </a:r>
+            <a:endParaRPr lang="nb-NO" dirty="0"/>
+          </a:p>
+        </p:txBody>
+      </p:sp>
+      <p:sp>
+        <p:nvSpPr>
+          <p:cNvPr id="103" name="TextBox 102"/>
+          <p:cNvSpPr txBox="1"/>
+          <p:nvPr/>
+        </p:nvSpPr>
+        <p:spPr>
+          <a:xfrm rot="-1800000">
+            <a:off x="4553756" y="181581"/>
+            <a:ext cx="2167260" cy="646331"/>
+          </a:xfrm>
+          <a:prstGeom prst="rect">
+            <a:avLst/>
+          </a:prstGeom>
+          <a:noFill/>
+        </p:spPr>
+        <p:txBody>
+          <a:bodyPr wrap="none" rtlCol="0">
+            <a:spAutoFit/>
+          </a:bodyPr>
+          <a:lstStyle/>
+          <a:p>
+            <a:r>
+              <a:rPr lang="nb-NO" dirty="0" err="1" smtClean="0"/>
+              <a:t>Lower</a:t>
+            </a:r>
+            <a:r>
+              <a:rPr lang="nb-NO" dirty="0" smtClean="0"/>
+              <a:t> fan:</a:t>
+            </a:r>
+          </a:p>
+          <a:p>
+            <a:r>
+              <a:rPr lang="nb-NO" dirty="0" err="1" smtClean="0"/>
+              <a:t>Lobe</a:t>
+            </a:r>
+            <a:r>
+              <a:rPr lang="nb-NO" dirty="0" smtClean="0"/>
+              <a:t> and </a:t>
+            </a:r>
+            <a:r>
+              <a:rPr lang="nb-NO" dirty="0" err="1" smtClean="0"/>
+              <a:t>lobe</a:t>
+            </a:r>
+            <a:r>
+              <a:rPr lang="nb-NO" dirty="0" smtClean="0"/>
+              <a:t> </a:t>
+            </a:r>
+            <a:r>
+              <a:rPr lang="nb-NO" dirty="0" err="1" smtClean="0"/>
+              <a:t>fringe</a:t>
+            </a:r>
+            <a:r>
+              <a:rPr lang="nb-NO" dirty="0" smtClean="0"/>
+              <a:t> </a:t>
+            </a:r>
+            <a:endParaRPr lang="nb-NO" dirty="0"/>
+          </a:p>
+        </p:txBody>
+      </p:sp>
+      <p:sp>
+        <p:nvSpPr>
+          <p:cNvPr id="104" name="Left Brace 103"/>
+          <p:cNvSpPr/>
+          <p:nvPr/>
+        </p:nvSpPr>
+        <p:spPr>
+          <a:xfrm rot="3600000">
+            <a:off x="5089334" y="234802"/>
+            <a:ext cx="663031" cy="2832541"/>
+          </a:xfrm>
+          <a:prstGeom prst="leftBrace">
+            <a:avLst>
+              <a:gd name="adj1" fmla="val 0"/>
+              <a:gd name="adj2" fmla="val 50000"/>
+            </a:avLst>
+          </a:prstGeom>
+        </p:spPr>
+        <p:style>
+          <a:lnRef idx="1">
+            <a:schemeClr val="accent1"/>
+          </a:lnRef>
+          <a:fillRef idx="0">
+            <a:schemeClr val="accent1"/>
+          </a:fillRef>
+          <a:effectRef idx="0">
+            <a:schemeClr val="accent1"/>
+          </a:effectRef>
+          <a:fontRef idx="minor">
+            <a:schemeClr val="tx1"/>
+          </a:fontRef>
+        </p:style>
+        <p:txBody>
+          <a:bodyPr rtlCol="0" anchor="ctr"/>
+          <a:lstStyle/>
+          <a:p>
+            <a:pPr algn="ctr"/>
+            <a:endParaRPr lang="nb-NO"/>
+          </a:p>
+        </p:txBody>
+      </p:sp>
+      <p:sp>
+        <p:nvSpPr>
+          <p:cNvPr id="105" name="Left Brace 104"/>
+          <p:cNvSpPr/>
+          <p:nvPr/>
+        </p:nvSpPr>
+        <p:spPr>
+          <a:xfrm rot="3600000">
+            <a:off x="1818542" y="1238815"/>
+            <a:ext cx="663031" cy="4625338"/>
+          </a:xfrm>
+          <a:prstGeom prst="leftBrace">
+            <a:avLst>
+              <a:gd name="adj1" fmla="val 0"/>
+              <a:gd name="adj2" fmla="val 50000"/>
+            </a:avLst>
+          </a:prstGeom>
+        </p:spPr>
+        <p:style>
+          <a:lnRef idx="1">
+            <a:schemeClr val="accent1"/>
+          </a:lnRef>
+          <a:fillRef idx="0">
+            <a:schemeClr val="accent1"/>
+          </a:fillRef>
+          <a:effectRef idx="0">
+            <a:schemeClr val="accent1"/>
+          </a:effectRef>
+          <a:fontRef idx="minor">
+            <a:schemeClr val="tx1"/>
+          </a:fontRef>
+        </p:style>
+        <p:txBody>
+          <a:bodyPr rtlCol="0" anchor="ctr"/>
+          <a:lstStyle/>
+          <a:p>
+            <a:pPr algn="ctr"/>
+            <a:endParaRPr lang="nb-NO"/>
+          </a:p>
+        </p:txBody>
+      </p:sp>
+      <p:sp>
+        <p:nvSpPr>
+          <p:cNvPr id="106" name="Left Brace 105"/>
+          <p:cNvSpPr/>
+          <p:nvPr/>
+        </p:nvSpPr>
+        <p:spPr>
+          <a:xfrm rot="3600000">
+            <a:off x="6984172" y="-202409"/>
+            <a:ext cx="663031" cy="1492285"/>
+          </a:xfrm>
+          <a:prstGeom prst="leftBrace">
+            <a:avLst>
+              <a:gd name="adj1" fmla="val 0"/>
+              <a:gd name="adj2" fmla="val 50000"/>
+            </a:avLst>
+          </a:prstGeom>
+        </p:spPr>
+        <p:style>
+          <a:lnRef idx="1">
+            <a:schemeClr val="accent1"/>
+          </a:lnRef>
+          <a:fillRef idx="0">
+            <a:schemeClr val="accent1"/>
+          </a:fillRef>
+          <a:effectRef idx="0">
+            <a:schemeClr val="accent1"/>
+          </a:effectRef>
+          <a:fontRef idx="minor">
+            <a:schemeClr val="tx1"/>
+          </a:fontRef>
+        </p:style>
+        <p:txBody>
+          <a:bodyPr rtlCol="0" anchor="ctr"/>
+          <a:lstStyle/>
+          <a:p>
+            <a:pPr algn="ctr"/>
+            <a:endParaRPr lang="nb-NO"/>
+          </a:p>
+        </p:txBody>
+      </p:sp>
+      <p:grpSp>
+        <p:nvGrpSpPr>
+          <p:cNvPr id="109" name="Group 108"/>
+          <p:cNvGrpSpPr/>
+          <p:nvPr/>
+        </p:nvGrpSpPr>
+        <p:grpSpPr>
+          <a:xfrm>
+            <a:off x="760934" y="573016"/>
+            <a:ext cx="9305636" cy="5980183"/>
+            <a:chOff x="760934" y="573016"/>
+            <a:chExt cx="9305636" cy="5980183"/>
+          </a:xfrm>
+        </p:grpSpPr>
+        <p:grpSp>
+          <p:nvGrpSpPr>
+            <p:cNvPr id="100" name="Group 99"/>
+            <p:cNvGrpSpPr/>
+            <p:nvPr/>
+          </p:nvGrpSpPr>
+          <p:grpSpPr>
+            <a:xfrm>
+              <a:off x="760934" y="573016"/>
+              <a:ext cx="9305636" cy="5980183"/>
+              <a:chOff x="760934" y="573016"/>
+              <a:chExt cx="9305636" cy="5980183"/>
+            </a:xfrm>
+          </p:grpSpPr>
+          <p:grpSp>
+            <p:nvGrpSpPr>
+              <p:cNvPr id="99" name="Group 98"/>
+              <p:cNvGrpSpPr/>
+              <p:nvPr/>
+            </p:nvGrpSpPr>
+            <p:grpSpPr>
+              <a:xfrm>
+                <a:off x="7326384" y="1441226"/>
+                <a:ext cx="1499239" cy="418028"/>
+                <a:chOff x="1689494" y="1159220"/>
+                <a:chExt cx="1499239" cy="418028"/>
+              </a:xfrm>
+            </p:grpSpPr>
+            <p:sp>
+              <p:nvSpPr>
+                <p:cNvPr id="96" name="Rectangle 7"/>
+                <p:cNvSpPr/>
+                <p:nvPr/>
+              </p:nvSpPr>
+              <p:spPr>
+                <a:xfrm rot="9000000">
+                  <a:off x="1689494" y="1159220"/>
+                  <a:ext cx="1499239" cy="418028"/>
+                </a:xfrm>
+                <a:custGeom>
+                  <a:avLst/>
+                  <a:gdLst>
+                    <a:gd name="connsiteX0" fmla="*/ 0 w 2409568"/>
+                    <a:gd name="connsiteY0" fmla="*/ 0 h 633075"/>
+                    <a:gd name="connsiteX1" fmla="*/ 2409568 w 2409568"/>
+                    <a:gd name="connsiteY1" fmla="*/ 0 h 633075"/>
+                    <a:gd name="connsiteX2" fmla="*/ 2409568 w 2409568"/>
+                    <a:gd name="connsiteY2" fmla="*/ 633075 h 633075"/>
+                    <a:gd name="connsiteX3" fmla="*/ 0 w 2409568"/>
+                    <a:gd name="connsiteY3" fmla="*/ 633075 h 633075"/>
+                    <a:gd name="connsiteX4" fmla="*/ 0 w 2409568"/>
+                    <a:gd name="connsiteY4" fmla="*/ 0 h 633075"/>
+                    <a:gd name="connsiteX0" fmla="*/ 325646 w 2735214"/>
+                    <a:gd name="connsiteY0" fmla="*/ 0 h 640217"/>
+                    <a:gd name="connsiteX1" fmla="*/ 2735214 w 2735214"/>
+                    <a:gd name="connsiteY1" fmla="*/ 0 h 640217"/>
+                    <a:gd name="connsiteX2" fmla="*/ 2735214 w 2735214"/>
+                    <a:gd name="connsiteY2" fmla="*/ 633075 h 640217"/>
+                    <a:gd name="connsiteX3" fmla="*/ 0 w 2735214"/>
+                    <a:gd name="connsiteY3" fmla="*/ 640217 h 640217"/>
+                    <a:gd name="connsiteX4" fmla="*/ 325646 w 2735214"/>
+                    <a:gd name="connsiteY4" fmla="*/ 0 h 640217"/>
+                    <a:gd name="connsiteX0" fmla="*/ 325646 w 2735214"/>
+                    <a:gd name="connsiteY0" fmla="*/ 0 h 640217"/>
+                    <a:gd name="connsiteX1" fmla="*/ 2703341 w 2735214"/>
+                    <a:gd name="connsiteY1" fmla="*/ 9139 h 640217"/>
+                    <a:gd name="connsiteX2" fmla="*/ 2735214 w 2735214"/>
+                    <a:gd name="connsiteY2" fmla="*/ 633075 h 640217"/>
+                    <a:gd name="connsiteX3" fmla="*/ 0 w 2735214"/>
+                    <a:gd name="connsiteY3" fmla="*/ 640217 h 640217"/>
+                    <a:gd name="connsiteX4" fmla="*/ 325646 w 2735214"/>
+                    <a:gd name="connsiteY4" fmla="*/ 0 h 640217"/>
+                    <a:gd name="connsiteX0" fmla="*/ 325646 w 2745467"/>
+                    <a:gd name="connsiteY0" fmla="*/ 0 h 640217"/>
+                    <a:gd name="connsiteX1" fmla="*/ 2745467 w 2745467"/>
+                    <a:gd name="connsiteY1" fmla="*/ 5683 h 640217"/>
+                    <a:gd name="connsiteX2" fmla="*/ 2735214 w 2745467"/>
+                    <a:gd name="connsiteY2" fmla="*/ 633075 h 640217"/>
+                    <a:gd name="connsiteX3" fmla="*/ 0 w 2745467"/>
+                    <a:gd name="connsiteY3" fmla="*/ 640217 h 640217"/>
+                    <a:gd name="connsiteX4" fmla="*/ 325646 w 2745467"/>
+                    <a:gd name="connsiteY4" fmla="*/ 0 h 640217"/>
+                    <a:gd name="connsiteX0" fmla="*/ 423511 w 2843332"/>
+                    <a:gd name="connsiteY0" fmla="*/ 0 h 663088"/>
+                    <a:gd name="connsiteX1" fmla="*/ 2843332 w 2843332"/>
+                    <a:gd name="connsiteY1" fmla="*/ 5683 h 663088"/>
+                    <a:gd name="connsiteX2" fmla="*/ 2833079 w 2843332"/>
+                    <a:gd name="connsiteY2" fmla="*/ 633075 h 663088"/>
+                    <a:gd name="connsiteX3" fmla="*/ 0 w 2843332"/>
+                    <a:gd name="connsiteY3" fmla="*/ 663088 h 663088"/>
+                    <a:gd name="connsiteX4" fmla="*/ 423511 w 2843332"/>
+                    <a:gd name="connsiteY4" fmla="*/ 0 h 663088"/>
+                    <a:gd name="connsiteX0" fmla="*/ 488636 w 2908457"/>
+                    <a:gd name="connsiteY0" fmla="*/ 0 h 660103"/>
+                    <a:gd name="connsiteX1" fmla="*/ 2908457 w 2908457"/>
+                    <a:gd name="connsiteY1" fmla="*/ 5683 h 660103"/>
+                    <a:gd name="connsiteX2" fmla="*/ 2898204 w 2908457"/>
+                    <a:gd name="connsiteY2" fmla="*/ 633075 h 660103"/>
+                    <a:gd name="connsiteX3" fmla="*/ 0 w 2908457"/>
+                    <a:gd name="connsiteY3" fmla="*/ 660103 h 660103"/>
+                    <a:gd name="connsiteX4" fmla="*/ 488636 w 2908457"/>
+                    <a:gd name="connsiteY4" fmla="*/ 0 h 660103"/>
+                    <a:gd name="connsiteX0" fmla="*/ 0 w 2419821"/>
+                    <a:gd name="connsiteY0" fmla="*/ 0 h 647051"/>
+                    <a:gd name="connsiteX1" fmla="*/ 2419821 w 2419821"/>
+                    <a:gd name="connsiteY1" fmla="*/ 5683 h 647051"/>
+                    <a:gd name="connsiteX2" fmla="*/ 2409568 w 2419821"/>
+                    <a:gd name="connsiteY2" fmla="*/ 633075 h 647051"/>
+                    <a:gd name="connsiteX3" fmla="*/ 123556 w 2419821"/>
+                    <a:gd name="connsiteY3" fmla="*/ 647052 h 647051"/>
+                    <a:gd name="connsiteX4" fmla="*/ 0 w 2419821"/>
+                    <a:gd name="connsiteY4" fmla="*/ 0 h 647051"/>
+                    <a:gd name="connsiteX0" fmla="*/ 0 w 2409568"/>
+                    <a:gd name="connsiteY0" fmla="*/ 0 h 647052"/>
+                    <a:gd name="connsiteX1" fmla="*/ 2369604 w 2409568"/>
+                    <a:gd name="connsiteY1" fmla="*/ 2955 h 647052"/>
+                    <a:gd name="connsiteX2" fmla="*/ 2409568 w 2409568"/>
+                    <a:gd name="connsiteY2" fmla="*/ 633075 h 647052"/>
+                    <a:gd name="connsiteX3" fmla="*/ 123556 w 2409568"/>
+                    <a:gd name="connsiteY3" fmla="*/ 647052 h 647052"/>
+                    <a:gd name="connsiteX4" fmla="*/ 0 w 2409568"/>
+                    <a:gd name="connsiteY4" fmla="*/ 0 h 647052"/>
+                    <a:gd name="connsiteX0" fmla="*/ 0 w 2409568"/>
+                    <a:gd name="connsiteY0" fmla="*/ 0 h 647052"/>
+                    <a:gd name="connsiteX1" fmla="*/ 2352731 w 2409568"/>
+                    <a:gd name="connsiteY1" fmla="*/ 31924 h 647052"/>
+                    <a:gd name="connsiteX2" fmla="*/ 2409568 w 2409568"/>
+                    <a:gd name="connsiteY2" fmla="*/ 633075 h 647052"/>
+                    <a:gd name="connsiteX3" fmla="*/ 123556 w 2409568"/>
+                    <a:gd name="connsiteY3" fmla="*/ 647052 h 647052"/>
+                    <a:gd name="connsiteX4" fmla="*/ 0 w 2409568"/>
+                    <a:gd name="connsiteY4" fmla="*/ 0 h 647052"/>
+                    <a:gd name="connsiteX0" fmla="*/ 0 w 2409568"/>
+                    <a:gd name="connsiteY0" fmla="*/ 1523 h 648575"/>
+                    <a:gd name="connsiteX1" fmla="*/ 2294281 w 2409568"/>
+                    <a:gd name="connsiteY1" fmla="*/ 0 h 648575"/>
+                    <a:gd name="connsiteX2" fmla="*/ 2409568 w 2409568"/>
+                    <a:gd name="connsiteY2" fmla="*/ 634598 h 648575"/>
+                    <a:gd name="connsiteX3" fmla="*/ 123556 w 2409568"/>
+                    <a:gd name="connsiteY3" fmla="*/ 648575 h 648575"/>
+                    <a:gd name="connsiteX4" fmla="*/ 0 w 2409568"/>
+                    <a:gd name="connsiteY4" fmla="*/ 1523 h 648575"/>
+                    <a:gd name="connsiteX0" fmla="*/ 0 w 2409568"/>
+                    <a:gd name="connsiteY0" fmla="*/ 12273 h 659325"/>
+                    <a:gd name="connsiteX1" fmla="*/ 2365490 w 2409568"/>
+                    <a:gd name="connsiteY1" fmla="*/ 0 h 659325"/>
+                    <a:gd name="connsiteX2" fmla="*/ 2409568 w 2409568"/>
+                    <a:gd name="connsiteY2" fmla="*/ 645348 h 659325"/>
+                    <a:gd name="connsiteX3" fmla="*/ 123556 w 2409568"/>
+                    <a:gd name="connsiteY3" fmla="*/ 659325 h 659325"/>
+                    <a:gd name="connsiteX4" fmla="*/ 0 w 2409568"/>
+                    <a:gd name="connsiteY4" fmla="*/ 12273 h 659325"/>
+                    <a:gd name="connsiteX0" fmla="*/ 0 w 2409568"/>
+                    <a:gd name="connsiteY0" fmla="*/ 12273 h 656340"/>
+                    <a:gd name="connsiteX1" fmla="*/ 2365490 w 2409568"/>
+                    <a:gd name="connsiteY1" fmla="*/ 0 h 656340"/>
+                    <a:gd name="connsiteX2" fmla="*/ 2409568 w 2409568"/>
+                    <a:gd name="connsiteY2" fmla="*/ 645348 h 656340"/>
+                    <a:gd name="connsiteX3" fmla="*/ 73338 w 2409568"/>
+                    <a:gd name="connsiteY3" fmla="*/ 656340 h 656340"/>
+                    <a:gd name="connsiteX4" fmla="*/ 0 w 2409568"/>
+                    <a:gd name="connsiteY4" fmla="*/ 12273 h 656340"/>
+                    <a:gd name="connsiteX0" fmla="*/ 0 w 2409568"/>
+                    <a:gd name="connsiteY0" fmla="*/ 4111 h 648178"/>
+                    <a:gd name="connsiteX1" fmla="*/ 2334759 w 2409568"/>
+                    <a:gd name="connsiteY1" fmla="*/ 1 h 648178"/>
+                    <a:gd name="connsiteX2" fmla="*/ 2409568 w 2409568"/>
+                    <a:gd name="connsiteY2" fmla="*/ 637186 h 648178"/>
+                    <a:gd name="connsiteX3" fmla="*/ 73338 w 2409568"/>
+                    <a:gd name="connsiteY3" fmla="*/ 648178 h 648178"/>
+                    <a:gd name="connsiteX4" fmla="*/ 0 w 2409568"/>
+                    <a:gd name="connsiteY4" fmla="*/ 4111 h 648178"/>
+                    <a:gd name="connsiteX0" fmla="*/ 0 w 2430918"/>
+                    <a:gd name="connsiteY0" fmla="*/ 4110 h 649287"/>
+                    <a:gd name="connsiteX1" fmla="*/ 2334759 w 2430918"/>
+                    <a:gd name="connsiteY1" fmla="*/ 0 h 649287"/>
+                    <a:gd name="connsiteX2" fmla="*/ 2430918 w 2430918"/>
+                    <a:gd name="connsiteY2" fmla="*/ 649288 h 649287"/>
+                    <a:gd name="connsiteX3" fmla="*/ 73338 w 2430918"/>
+                    <a:gd name="connsiteY3" fmla="*/ 648177 h 649287"/>
+                    <a:gd name="connsiteX4" fmla="*/ 0 w 2430918"/>
+                    <a:gd name="connsiteY4" fmla="*/ 4110 h 649287"/>
+                  </a:gdLst>
+                  <a:ahLst/>
+                  <a:cxnLst>
+                    <a:cxn ang="0">
+                      <a:pos x="connsiteX0" y="connsiteY0"/>
+                    </a:cxn>
+                    <a:cxn ang="0">
+                      <a:pos x="connsiteX1" y="connsiteY1"/>
+                    </a:cxn>
+                    <a:cxn ang="0">
+                      <a:pos x="connsiteX2" y="connsiteY2"/>
+                    </a:cxn>
+                    <a:cxn ang="0">
+                      <a:pos x="connsiteX3" y="connsiteY3"/>
+                    </a:cxn>
+                    <a:cxn ang="0">
+                      <a:pos x="connsiteX4" y="connsiteY4"/>
+                    </a:cxn>
+                  </a:cxnLst>
+                  <a:rect l="l" t="t" r="r" b="b"/>
+                  <a:pathLst>
+                    <a:path w="2430918" h="649287">
+                      <a:moveTo>
+                        <a:pt x="0" y="4110"/>
+                      </a:moveTo>
+                      <a:lnTo>
+                        <a:pt x="2334759" y="0"/>
+                      </a:lnTo>
+                      <a:lnTo>
+                        <a:pt x="2430918" y="649288"/>
+                      </a:lnTo>
+                      <a:lnTo>
+                        <a:pt x="73338" y="648177"/>
+                      </a:lnTo>
+                      <a:lnTo>
+                        <a:pt x="0" y="4110"/>
+                      </a:lnTo>
+                      <a:close/>
+                    </a:path>
+                  </a:pathLst>
+                </a:custGeom>
+                <a:solidFill>
+                  <a:schemeClr val="accent6">
+                    <a:alpha val="52000"/>
+                  </a:schemeClr>
+                </a:solidFill>
+                <a:ln>
+                  <a:noFill/>
+                </a:ln>
+              </p:spPr>
+              <p:style>
+                <a:lnRef idx="2">
+                  <a:schemeClr val="accent1">
+                    <a:shade val="50000"/>
+                  </a:schemeClr>
+                </a:lnRef>
+                <a:fillRef idx="1">
+                  <a:schemeClr val="accent1"/>
+                </a:fillRef>
+                <a:effectRef idx="0">
+                  <a:schemeClr val="accent1"/>
+                </a:effectRef>
+                <a:fontRef idx="minor">
+                  <a:schemeClr val="lt1"/>
+                </a:fontRef>
+              </p:style>
+              <p:txBody>
+                <a:bodyPr rtlCol="0" anchor="ctr"/>
+                <a:lstStyle/>
+                <a:p>
+                  <a:pPr algn="ctr"/>
+                  <a:endParaRPr lang="nb-NO" sz="1400" dirty="0"/>
+                </a:p>
+              </p:txBody>
+            </p:sp>
+            <p:sp>
+              <p:nvSpPr>
+                <p:cNvPr id="97" name="Rectangle 96"/>
+                <p:cNvSpPr/>
+                <p:nvPr/>
+              </p:nvSpPr>
+              <p:spPr>
+                <a:xfrm rot="8940000">
+                  <a:off x="1694009" y="1273957"/>
+                  <a:ext cx="1396967" cy="45719"/>
+                </a:xfrm>
+                <a:prstGeom prst="rect">
+                  <a:avLst/>
+                </a:prstGeom>
+                <a:solidFill>
+                  <a:srgbClr val="FFFF00"/>
+                </a:solidFill>
+                <a:ln>
+                  <a:noFill/>
+                </a:ln>
+              </p:spPr>
+              <p:style>
+                <a:lnRef idx="2">
+                  <a:schemeClr val="accent1">
+                    <a:shade val="50000"/>
+                  </a:schemeClr>
+                </a:lnRef>
+                <a:fillRef idx="1">
+                  <a:schemeClr val="accent1"/>
+                </a:fillRef>
+                <a:effectRef idx="0">
+                  <a:schemeClr val="accent1"/>
+                </a:effectRef>
+                <a:fontRef idx="minor">
+                  <a:schemeClr val="lt1"/>
+                </a:fontRef>
+              </p:style>
+              <p:txBody>
+                <a:bodyPr rtlCol="0" anchor="ctr"/>
+                <a:lstStyle/>
+                <a:p>
+                  <a:pPr algn="ctr"/>
+                  <a:endParaRPr lang="nb-NO"/>
+                </a:p>
+              </p:txBody>
+            </p:sp>
+            <p:sp>
+              <p:nvSpPr>
+                <p:cNvPr id="98" name="Rectangle 97"/>
+                <p:cNvSpPr/>
+                <p:nvPr/>
+              </p:nvSpPr>
+              <p:spPr>
+                <a:xfrm rot="8940000">
+                  <a:off x="1781877" y="1432502"/>
+                  <a:ext cx="1396967" cy="45719"/>
+                </a:xfrm>
+                <a:prstGeom prst="rect">
+                  <a:avLst/>
+                </a:prstGeom>
+                <a:solidFill>
+                  <a:srgbClr val="FFFF00"/>
+                </a:solidFill>
+                <a:ln>
+                  <a:noFill/>
+                </a:ln>
+              </p:spPr>
+              <p:style>
+                <a:lnRef idx="2">
+                  <a:schemeClr val="accent1">
+                    <a:shade val="50000"/>
+                  </a:schemeClr>
+                </a:lnRef>
+                <a:fillRef idx="1">
+                  <a:schemeClr val="accent1"/>
+                </a:fillRef>
+                <a:effectRef idx="0">
+                  <a:schemeClr val="accent1"/>
+                </a:effectRef>
+                <a:fontRef idx="minor">
+                  <a:schemeClr val="lt1"/>
+                </a:fontRef>
+              </p:style>
+              <p:txBody>
+                <a:bodyPr rtlCol="0" anchor="ctr"/>
+                <a:lstStyle/>
+                <a:p>
+                  <a:pPr algn="ctr"/>
+                  <a:endParaRPr lang="nb-NO"/>
+                </a:p>
+              </p:txBody>
+            </p:sp>
+          </p:grpSp>
+          <p:grpSp>
+            <p:nvGrpSpPr>
+              <p:cNvPr id="95" name="Group 94"/>
+              <p:cNvGrpSpPr/>
+              <p:nvPr/>
+            </p:nvGrpSpPr>
+            <p:grpSpPr>
+              <a:xfrm>
+                <a:off x="760934" y="573016"/>
+                <a:ext cx="9305636" cy="5980183"/>
+                <a:chOff x="760934" y="573016"/>
+                <a:chExt cx="9305636" cy="5980183"/>
+              </a:xfrm>
+            </p:grpSpPr>
+            <p:grpSp>
+              <p:nvGrpSpPr>
+                <p:cNvPr id="93" name="Group 92"/>
+                <p:cNvGrpSpPr/>
+                <p:nvPr/>
+              </p:nvGrpSpPr>
+              <p:grpSpPr>
+                <a:xfrm>
+                  <a:off x="760934" y="573016"/>
+                  <a:ext cx="9305636" cy="5965896"/>
+                  <a:chOff x="831273" y="573016"/>
+                  <a:chExt cx="9305636" cy="5965896"/>
+                </a:xfrm>
+              </p:grpSpPr>
+              <p:grpSp>
+                <p:nvGrpSpPr>
+                  <p:cNvPr id="91" name="Group 90"/>
+                  <p:cNvGrpSpPr/>
+                  <p:nvPr/>
+                </p:nvGrpSpPr>
+                <p:grpSpPr>
+                  <a:xfrm>
+                    <a:off x="831273" y="573016"/>
+                    <a:ext cx="9305636" cy="5965896"/>
+                    <a:chOff x="831273" y="573016"/>
+                    <a:chExt cx="9305636" cy="5965896"/>
+                  </a:xfrm>
+                </p:grpSpPr>
+                <p:grpSp>
+                  <p:nvGrpSpPr>
+                    <p:cNvPr id="84" name="Group 83"/>
+                    <p:cNvGrpSpPr/>
+                    <p:nvPr/>
+                  </p:nvGrpSpPr>
+                  <p:grpSpPr>
+                    <a:xfrm>
+                      <a:off x="831273" y="573016"/>
+                      <a:ext cx="9305636" cy="5965896"/>
+                      <a:chOff x="831273" y="573016"/>
+                      <a:chExt cx="9305636" cy="5965896"/>
+                    </a:xfrm>
+                  </p:grpSpPr>
+                  <p:sp>
+                    <p:nvSpPr>
+                      <p:cNvPr id="83" name="Rectangle 7"/>
+                      <p:cNvSpPr/>
+                      <p:nvPr/>
+                    </p:nvSpPr>
+                    <p:spPr>
+                      <a:xfrm rot="9000000">
+                        <a:off x="5273338" y="3479298"/>
+                        <a:ext cx="1486073" cy="450730"/>
+                      </a:xfrm>
+                      <a:custGeom>
+                        <a:avLst/>
+                        <a:gdLst>
+                          <a:gd name="connsiteX0" fmla="*/ 0 w 2409568"/>
+                          <a:gd name="connsiteY0" fmla="*/ 0 h 633075"/>
+                          <a:gd name="connsiteX1" fmla="*/ 2409568 w 2409568"/>
+                          <a:gd name="connsiteY1" fmla="*/ 0 h 633075"/>
+                          <a:gd name="connsiteX2" fmla="*/ 2409568 w 2409568"/>
+                          <a:gd name="connsiteY2" fmla="*/ 633075 h 633075"/>
+                          <a:gd name="connsiteX3" fmla="*/ 0 w 2409568"/>
+                          <a:gd name="connsiteY3" fmla="*/ 633075 h 633075"/>
+                          <a:gd name="connsiteX4" fmla="*/ 0 w 2409568"/>
+                          <a:gd name="connsiteY4" fmla="*/ 0 h 633075"/>
+                          <a:gd name="connsiteX0" fmla="*/ 325646 w 2735214"/>
+                          <a:gd name="connsiteY0" fmla="*/ 0 h 640217"/>
+                          <a:gd name="connsiteX1" fmla="*/ 2735214 w 2735214"/>
+                          <a:gd name="connsiteY1" fmla="*/ 0 h 640217"/>
+                          <a:gd name="connsiteX2" fmla="*/ 2735214 w 2735214"/>
+                          <a:gd name="connsiteY2" fmla="*/ 633075 h 640217"/>
+                          <a:gd name="connsiteX3" fmla="*/ 0 w 2735214"/>
+                          <a:gd name="connsiteY3" fmla="*/ 640217 h 640217"/>
+                          <a:gd name="connsiteX4" fmla="*/ 325646 w 2735214"/>
+                          <a:gd name="connsiteY4" fmla="*/ 0 h 640217"/>
+                          <a:gd name="connsiteX0" fmla="*/ 325646 w 2735214"/>
+                          <a:gd name="connsiteY0" fmla="*/ 0 h 640217"/>
+                          <a:gd name="connsiteX1" fmla="*/ 2703341 w 2735214"/>
+                          <a:gd name="connsiteY1" fmla="*/ 9139 h 640217"/>
+                          <a:gd name="connsiteX2" fmla="*/ 2735214 w 2735214"/>
+                          <a:gd name="connsiteY2" fmla="*/ 633075 h 640217"/>
+                          <a:gd name="connsiteX3" fmla="*/ 0 w 2735214"/>
+                          <a:gd name="connsiteY3" fmla="*/ 640217 h 640217"/>
+                          <a:gd name="connsiteX4" fmla="*/ 325646 w 2735214"/>
+                          <a:gd name="connsiteY4" fmla="*/ 0 h 640217"/>
+                          <a:gd name="connsiteX0" fmla="*/ 325646 w 2745467"/>
+                          <a:gd name="connsiteY0" fmla="*/ 0 h 640217"/>
+                          <a:gd name="connsiteX1" fmla="*/ 2745467 w 2745467"/>
+                          <a:gd name="connsiteY1" fmla="*/ 5683 h 640217"/>
+                          <a:gd name="connsiteX2" fmla="*/ 2735214 w 2745467"/>
+                          <a:gd name="connsiteY2" fmla="*/ 633075 h 640217"/>
+                          <a:gd name="connsiteX3" fmla="*/ 0 w 2745467"/>
+                          <a:gd name="connsiteY3" fmla="*/ 640217 h 640217"/>
+                          <a:gd name="connsiteX4" fmla="*/ 325646 w 2745467"/>
+                          <a:gd name="connsiteY4" fmla="*/ 0 h 640217"/>
+                          <a:gd name="connsiteX0" fmla="*/ 423511 w 2843332"/>
+                          <a:gd name="connsiteY0" fmla="*/ 0 h 663088"/>
+                          <a:gd name="connsiteX1" fmla="*/ 2843332 w 2843332"/>
+                          <a:gd name="connsiteY1" fmla="*/ 5683 h 663088"/>
+                          <a:gd name="connsiteX2" fmla="*/ 2833079 w 2843332"/>
+                          <a:gd name="connsiteY2" fmla="*/ 633075 h 663088"/>
+                          <a:gd name="connsiteX3" fmla="*/ 0 w 2843332"/>
+                          <a:gd name="connsiteY3" fmla="*/ 663088 h 663088"/>
+                          <a:gd name="connsiteX4" fmla="*/ 423511 w 2843332"/>
+                          <a:gd name="connsiteY4" fmla="*/ 0 h 663088"/>
+                          <a:gd name="connsiteX0" fmla="*/ 488636 w 2908457"/>
+                          <a:gd name="connsiteY0" fmla="*/ 0 h 660103"/>
+                          <a:gd name="connsiteX1" fmla="*/ 2908457 w 2908457"/>
+                          <a:gd name="connsiteY1" fmla="*/ 5683 h 660103"/>
+                          <a:gd name="connsiteX2" fmla="*/ 2898204 w 2908457"/>
+                          <a:gd name="connsiteY2" fmla="*/ 633075 h 660103"/>
+                          <a:gd name="connsiteX3" fmla="*/ 0 w 2908457"/>
+                          <a:gd name="connsiteY3" fmla="*/ 660103 h 660103"/>
+                          <a:gd name="connsiteX4" fmla="*/ 488636 w 2908457"/>
+                          <a:gd name="connsiteY4" fmla="*/ 0 h 660103"/>
+                          <a:gd name="connsiteX0" fmla="*/ 0 w 2419821"/>
+                          <a:gd name="connsiteY0" fmla="*/ 0 h 647051"/>
+                          <a:gd name="connsiteX1" fmla="*/ 2419821 w 2419821"/>
+                          <a:gd name="connsiteY1" fmla="*/ 5683 h 647051"/>
+                          <a:gd name="connsiteX2" fmla="*/ 2409568 w 2419821"/>
+                          <a:gd name="connsiteY2" fmla="*/ 633075 h 647051"/>
+                          <a:gd name="connsiteX3" fmla="*/ 123556 w 2419821"/>
+                          <a:gd name="connsiteY3" fmla="*/ 647052 h 647051"/>
+                          <a:gd name="connsiteX4" fmla="*/ 0 w 2419821"/>
+                          <a:gd name="connsiteY4" fmla="*/ 0 h 647051"/>
+                          <a:gd name="connsiteX0" fmla="*/ 0 w 2409568"/>
+                          <a:gd name="connsiteY0" fmla="*/ 0 h 647052"/>
+                          <a:gd name="connsiteX1" fmla="*/ 2369604 w 2409568"/>
+                          <a:gd name="connsiteY1" fmla="*/ 2955 h 647052"/>
+                          <a:gd name="connsiteX2" fmla="*/ 2409568 w 2409568"/>
+                          <a:gd name="connsiteY2" fmla="*/ 633075 h 647052"/>
+                          <a:gd name="connsiteX3" fmla="*/ 123556 w 2409568"/>
+                          <a:gd name="connsiteY3" fmla="*/ 647052 h 647052"/>
+                          <a:gd name="connsiteX4" fmla="*/ 0 w 2409568"/>
+                          <a:gd name="connsiteY4" fmla="*/ 0 h 647052"/>
+                          <a:gd name="connsiteX0" fmla="*/ 0 w 2409568"/>
+                          <a:gd name="connsiteY0" fmla="*/ 0 h 639234"/>
+                          <a:gd name="connsiteX1" fmla="*/ 2369604 w 2409568"/>
+                          <a:gd name="connsiteY1" fmla="*/ 2955 h 639234"/>
+                          <a:gd name="connsiteX2" fmla="*/ 2409568 w 2409568"/>
+                          <a:gd name="connsiteY2" fmla="*/ 633075 h 639234"/>
+                          <a:gd name="connsiteX3" fmla="*/ 63597 w 2409568"/>
+                          <a:gd name="connsiteY3" fmla="*/ 639234 h 639234"/>
+                          <a:gd name="connsiteX4" fmla="*/ 0 w 2409568"/>
+                          <a:gd name="connsiteY4" fmla="*/ 0 h 639234"/>
+                        </a:gdLst>
+                        <a:ahLst/>
+                        <a:cxnLst>
+                          <a:cxn ang="0">
+                            <a:pos x="connsiteX0" y="connsiteY0"/>
+                          </a:cxn>
+                          <a:cxn ang="0">
+                            <a:pos x="connsiteX1" y="connsiteY1"/>
+                          </a:cxn>
+                          <a:cxn ang="0">
+                            <a:pos x="connsiteX2" y="connsiteY2"/>
+                          </a:cxn>
+                          <a:cxn ang="0">
+                            <a:pos x="connsiteX3" y="connsiteY3"/>
+                          </a:cxn>
+                          <a:cxn ang="0">
+                            <a:pos x="connsiteX4" y="connsiteY4"/>
+                          </a:cxn>
+                        </a:cxnLst>
+                        <a:rect l="l" t="t" r="r" b="b"/>
+                        <a:pathLst>
+                          <a:path w="2409568" h="639234">
+                            <a:moveTo>
+                              <a:pt x="0" y="0"/>
+                            </a:moveTo>
+                            <a:lnTo>
+                              <a:pt x="2369604" y="2955"/>
+                            </a:lnTo>
+                            <a:lnTo>
+                              <a:pt x="2409568" y="633075"/>
+                            </a:lnTo>
+                            <a:lnTo>
+                              <a:pt x="63597" y="639234"/>
+                            </a:lnTo>
+                            <a:lnTo>
+                              <a:pt x="0" y="0"/>
+                            </a:lnTo>
+                            <a:close/>
+                          </a:path>
+                        </a:pathLst>
+                      </a:custGeom>
+                      <a:pattFill prst="solidDmnd">
+                        <a:fgClr>
+                          <a:srgbClr val="FFFF00"/>
+                        </a:fgClr>
+                        <a:bgClr>
+                          <a:schemeClr val="bg1"/>
+                        </a:bgClr>
+                      </a:pattFill>
+                      <a:ln>
+                        <a:noFill/>
+                      </a:ln>
+                    </p:spPr>
+                    <p:style>
+                      <a:lnRef idx="2">
+                        <a:schemeClr val="accent1">
+                          <a:shade val="50000"/>
+                        </a:schemeClr>
+                      </a:lnRef>
+                      <a:fillRef idx="1">
+                        <a:schemeClr val="accent1"/>
+                      </a:fillRef>
+                      <a:effectRef idx="0">
+                        <a:schemeClr val="accent1"/>
+                      </a:effectRef>
+                      <a:fontRef idx="minor">
+                        <a:schemeClr val="lt1"/>
+                      </a:fontRef>
+                    </p:style>
+                    <p:txBody>
+                      <a:bodyPr rtlCol="0" anchor="ctr"/>
+                      <a:lstStyle/>
+                      <a:p>
+                        <a:pPr algn="ctr"/>
+                        <a:endParaRPr lang="nb-NO" sz="1400" dirty="0"/>
+                      </a:p>
+                    </p:txBody>
+                  </p:sp>
+                  <p:grpSp>
+                    <p:nvGrpSpPr>
+                      <p:cNvPr id="82" name="Group 81"/>
+                      <p:cNvGrpSpPr/>
+                      <p:nvPr/>
+                    </p:nvGrpSpPr>
+                    <p:grpSpPr>
+                      <a:xfrm>
+                        <a:off x="831273" y="573016"/>
+                        <a:ext cx="9305636" cy="5965896"/>
+                        <a:chOff x="831273" y="573016"/>
+                        <a:chExt cx="9305636" cy="5965896"/>
+                      </a:xfrm>
+                    </p:grpSpPr>
+                    <p:sp>
+                      <p:nvSpPr>
+                        <p:cNvPr id="75" name="Rectangle 7"/>
+                        <p:cNvSpPr/>
+                        <p:nvPr/>
+                      </p:nvSpPr>
+                      <p:spPr>
+                        <a:xfrm rot="19740000">
+                          <a:off x="1720787" y="5428483"/>
+                          <a:ext cx="4276582" cy="453000"/>
+                        </a:xfrm>
+                        <a:custGeom>
+                          <a:avLst/>
+                          <a:gdLst>
+                            <a:gd name="connsiteX0" fmla="*/ 0 w 2409568"/>
+                            <a:gd name="connsiteY0" fmla="*/ 0 h 633075"/>
+                            <a:gd name="connsiteX1" fmla="*/ 2409568 w 2409568"/>
+                            <a:gd name="connsiteY1" fmla="*/ 0 h 633075"/>
+                            <a:gd name="connsiteX2" fmla="*/ 2409568 w 2409568"/>
+                            <a:gd name="connsiteY2" fmla="*/ 633075 h 633075"/>
+                            <a:gd name="connsiteX3" fmla="*/ 0 w 2409568"/>
+                            <a:gd name="connsiteY3" fmla="*/ 633075 h 633075"/>
+                            <a:gd name="connsiteX4" fmla="*/ 0 w 2409568"/>
+                            <a:gd name="connsiteY4" fmla="*/ 0 h 633075"/>
+                            <a:gd name="connsiteX0" fmla="*/ 325646 w 2735214"/>
+                            <a:gd name="connsiteY0" fmla="*/ 0 h 640217"/>
+                            <a:gd name="connsiteX1" fmla="*/ 2735214 w 2735214"/>
+                            <a:gd name="connsiteY1" fmla="*/ 0 h 640217"/>
+                            <a:gd name="connsiteX2" fmla="*/ 2735214 w 2735214"/>
+                            <a:gd name="connsiteY2" fmla="*/ 633075 h 640217"/>
+                            <a:gd name="connsiteX3" fmla="*/ 0 w 2735214"/>
+                            <a:gd name="connsiteY3" fmla="*/ 640217 h 640217"/>
+                            <a:gd name="connsiteX4" fmla="*/ 325646 w 2735214"/>
+                            <a:gd name="connsiteY4" fmla="*/ 0 h 640217"/>
+                            <a:gd name="connsiteX0" fmla="*/ 325646 w 2735214"/>
+                            <a:gd name="connsiteY0" fmla="*/ 0 h 640217"/>
+                            <a:gd name="connsiteX1" fmla="*/ 2703341 w 2735214"/>
+                            <a:gd name="connsiteY1" fmla="*/ 9139 h 640217"/>
+                            <a:gd name="connsiteX2" fmla="*/ 2735214 w 2735214"/>
+                            <a:gd name="connsiteY2" fmla="*/ 633075 h 640217"/>
+                            <a:gd name="connsiteX3" fmla="*/ 0 w 2735214"/>
+                            <a:gd name="connsiteY3" fmla="*/ 640217 h 640217"/>
+                            <a:gd name="connsiteX4" fmla="*/ 325646 w 2735214"/>
+                            <a:gd name="connsiteY4" fmla="*/ 0 h 640217"/>
+                            <a:gd name="connsiteX0" fmla="*/ 325646 w 2745467"/>
+                            <a:gd name="connsiteY0" fmla="*/ 0 h 640217"/>
+                            <a:gd name="connsiteX1" fmla="*/ 2745467 w 2745467"/>
+                            <a:gd name="connsiteY1" fmla="*/ 5683 h 640217"/>
+                            <a:gd name="connsiteX2" fmla="*/ 2735214 w 2745467"/>
+                            <a:gd name="connsiteY2" fmla="*/ 633075 h 640217"/>
+                            <a:gd name="connsiteX3" fmla="*/ 0 w 2745467"/>
+                            <a:gd name="connsiteY3" fmla="*/ 640217 h 640217"/>
+                            <a:gd name="connsiteX4" fmla="*/ 325646 w 2745467"/>
+                            <a:gd name="connsiteY4" fmla="*/ 0 h 640217"/>
+                            <a:gd name="connsiteX0" fmla="*/ 423511 w 2843332"/>
+                            <a:gd name="connsiteY0" fmla="*/ 0 h 663088"/>
+                            <a:gd name="connsiteX1" fmla="*/ 2843332 w 2843332"/>
+                            <a:gd name="connsiteY1" fmla="*/ 5683 h 663088"/>
+                            <a:gd name="connsiteX2" fmla="*/ 2833079 w 2843332"/>
+                            <a:gd name="connsiteY2" fmla="*/ 633075 h 663088"/>
+                            <a:gd name="connsiteX3" fmla="*/ 0 w 2843332"/>
+                            <a:gd name="connsiteY3" fmla="*/ 663088 h 663088"/>
+                            <a:gd name="connsiteX4" fmla="*/ 423511 w 2843332"/>
+                            <a:gd name="connsiteY4" fmla="*/ 0 h 663088"/>
+                            <a:gd name="connsiteX0" fmla="*/ 0 w 2419821"/>
+                            <a:gd name="connsiteY0" fmla="*/ 0 h 680951"/>
+                            <a:gd name="connsiteX1" fmla="*/ 2419821 w 2419821"/>
+                            <a:gd name="connsiteY1" fmla="*/ 5683 h 680951"/>
+                            <a:gd name="connsiteX2" fmla="*/ 2409568 w 2419821"/>
+                            <a:gd name="connsiteY2" fmla="*/ 633075 h 680951"/>
+                            <a:gd name="connsiteX3" fmla="*/ 79828 w 2419821"/>
+                            <a:gd name="connsiteY3" fmla="*/ 680951 h 680951"/>
+                            <a:gd name="connsiteX4" fmla="*/ 0 w 2419821"/>
+                            <a:gd name="connsiteY4" fmla="*/ 0 h 680951"/>
+                            <a:gd name="connsiteX0" fmla="*/ 0 w 2409568"/>
+                            <a:gd name="connsiteY0" fmla="*/ 0 h 680951"/>
+                            <a:gd name="connsiteX1" fmla="*/ 2384585 w 2409568"/>
+                            <a:gd name="connsiteY1" fmla="*/ 7412 h 680951"/>
+                            <a:gd name="connsiteX2" fmla="*/ 2409568 w 2409568"/>
+                            <a:gd name="connsiteY2" fmla="*/ 633075 h 680951"/>
+                            <a:gd name="connsiteX3" fmla="*/ 79828 w 2409568"/>
+                            <a:gd name="connsiteY3" fmla="*/ 680951 h 680951"/>
+                            <a:gd name="connsiteX4" fmla="*/ 0 w 2409568"/>
+                            <a:gd name="connsiteY4" fmla="*/ 0 h 680951"/>
+                            <a:gd name="connsiteX0" fmla="*/ 0 w 2372006"/>
+                            <a:gd name="connsiteY0" fmla="*/ 32582 h 673539"/>
+                            <a:gd name="connsiteX1" fmla="*/ 2347023 w 2372006"/>
+                            <a:gd name="connsiteY1" fmla="*/ 0 h 673539"/>
+                            <a:gd name="connsiteX2" fmla="*/ 2372006 w 2372006"/>
+                            <a:gd name="connsiteY2" fmla="*/ 625663 h 673539"/>
+                            <a:gd name="connsiteX3" fmla="*/ 42266 w 2372006"/>
+                            <a:gd name="connsiteY3" fmla="*/ 673539 h 673539"/>
+                            <a:gd name="connsiteX4" fmla="*/ 0 w 2372006"/>
+                            <a:gd name="connsiteY4" fmla="*/ 32582 h 673539"/>
+                            <a:gd name="connsiteX0" fmla="*/ 0 w 2708960"/>
+                            <a:gd name="connsiteY0" fmla="*/ 32090 h 673539"/>
+                            <a:gd name="connsiteX1" fmla="*/ 2683977 w 2708960"/>
+                            <a:gd name="connsiteY1" fmla="*/ 0 h 673539"/>
+                            <a:gd name="connsiteX2" fmla="*/ 2708960 w 2708960"/>
+                            <a:gd name="connsiteY2" fmla="*/ 625663 h 673539"/>
+                            <a:gd name="connsiteX3" fmla="*/ 379220 w 2708960"/>
+                            <a:gd name="connsiteY3" fmla="*/ 673539 h 673539"/>
+                            <a:gd name="connsiteX4" fmla="*/ 0 w 2708960"/>
+                            <a:gd name="connsiteY4" fmla="*/ 32090 h 673539"/>
+                            <a:gd name="connsiteX0" fmla="*/ 0 w 2708960"/>
+                            <a:gd name="connsiteY0" fmla="*/ 32090 h 656482"/>
+                            <a:gd name="connsiteX1" fmla="*/ 2683977 w 2708960"/>
+                            <a:gd name="connsiteY1" fmla="*/ 0 h 656482"/>
+                            <a:gd name="connsiteX2" fmla="*/ 2708960 w 2708960"/>
+                            <a:gd name="connsiteY2" fmla="*/ 625663 h 656482"/>
+                            <a:gd name="connsiteX3" fmla="*/ 422996 w 2708960"/>
+                            <a:gd name="connsiteY3" fmla="*/ 656481 h 656482"/>
+                            <a:gd name="connsiteX4" fmla="*/ 0 w 2708960"/>
+                            <a:gd name="connsiteY4" fmla="*/ 32090 h 656482"/>
+                            <a:gd name="connsiteX0" fmla="*/ 0 w 2708960"/>
+                            <a:gd name="connsiteY0" fmla="*/ 20663 h 645054"/>
+                            <a:gd name="connsiteX1" fmla="*/ 2692233 w 2708960"/>
+                            <a:gd name="connsiteY1" fmla="*/ 0 h 645054"/>
+                            <a:gd name="connsiteX2" fmla="*/ 2708960 w 2708960"/>
+                            <a:gd name="connsiteY2" fmla="*/ 614236 h 645054"/>
+                            <a:gd name="connsiteX3" fmla="*/ 422996 w 2708960"/>
+                            <a:gd name="connsiteY3" fmla="*/ 645054 h 645054"/>
+                            <a:gd name="connsiteX4" fmla="*/ 0 w 2708960"/>
+                            <a:gd name="connsiteY4" fmla="*/ 20663 h 645054"/>
+                          </a:gdLst>
+                          <a:ahLst/>
+                          <a:cxnLst>
+                            <a:cxn ang="0">
+                              <a:pos x="connsiteX0" y="connsiteY0"/>
+                            </a:cxn>
+                            <a:cxn ang="0">
+                              <a:pos x="connsiteX1" y="connsiteY1"/>
+                            </a:cxn>
+                            <a:cxn ang="0">
+                              <a:pos x="connsiteX2" y="connsiteY2"/>
+                            </a:cxn>
+                            <a:cxn ang="0">
+                              <a:pos x="connsiteX3" y="connsiteY3"/>
+                            </a:cxn>
+                            <a:cxn ang="0">
+                              <a:pos x="connsiteX4" y="connsiteY4"/>
+                            </a:cxn>
+                          </a:cxnLst>
+                          <a:rect l="l" t="t" r="r" b="b"/>
+                          <a:pathLst>
+                            <a:path w="2708960" h="645054">
+                              <a:moveTo>
+                                <a:pt x="0" y="20663"/>
+                              </a:moveTo>
+                              <a:lnTo>
+                                <a:pt x="2692233" y="0"/>
+                              </a:lnTo>
+                              <a:lnTo>
+                                <a:pt x="2708960" y="614236"/>
+                              </a:lnTo>
+                              <a:lnTo>
+                                <a:pt x="422996" y="645054"/>
+                              </a:lnTo>
+                              <a:lnTo>
+                                <a:pt x="0" y="20663"/>
+                              </a:lnTo>
+                              <a:close/>
+                            </a:path>
+                          </a:pathLst>
+                        </a:custGeom>
+                        <a:solidFill>
+                          <a:schemeClr val="accent6">
+                            <a:alpha val="45000"/>
+                          </a:schemeClr>
+                        </a:solidFill>
+                        <a:ln>
+                          <a:solidFill>
+                            <a:schemeClr val="tx1"/>
+                          </a:solidFill>
+                        </a:ln>
+                      </p:spPr>
+                      <p:style>
+                        <a:lnRef idx="2">
+                          <a:schemeClr val="accent1">
+                            <a:shade val="50000"/>
+                          </a:schemeClr>
+                        </a:lnRef>
+                        <a:fillRef idx="1">
+                          <a:schemeClr val="accent1"/>
+                        </a:fillRef>
+                        <a:effectRef idx="0">
+                          <a:schemeClr val="accent1"/>
+                        </a:effectRef>
+                        <a:fontRef idx="minor">
+                          <a:schemeClr val="lt1"/>
+                        </a:fontRef>
+                      </p:style>
+                      <p:txBody>
+                        <a:bodyPr rtlCol="0" anchor="ctr"/>
+                        <a:lstStyle/>
+                        <a:p>
+                          <a:pPr algn="ctr"/>
+                          <a:endParaRPr lang="nb-NO" sz="1400" dirty="0">
+                            <a:solidFill>
+                              <a:schemeClr val="tx1"/>
+                            </a:solidFill>
+                          </a:endParaRPr>
+                        </a:p>
+                      </p:txBody>
+                    </p:sp>
+                    <p:sp>
+                      <p:nvSpPr>
+                        <p:cNvPr id="76" name="Rectangle 7"/>
+                        <p:cNvSpPr/>
+                        <p:nvPr/>
+                      </p:nvSpPr>
+                      <p:spPr>
+                        <a:xfrm rot="9000000">
+                          <a:off x="6408903" y="2576550"/>
+                          <a:ext cx="1486073" cy="450730"/>
+                        </a:xfrm>
+                        <a:custGeom>
+                          <a:avLst/>
+                          <a:gdLst>
+                            <a:gd name="connsiteX0" fmla="*/ 0 w 2409568"/>
+                            <a:gd name="connsiteY0" fmla="*/ 0 h 633075"/>
+                            <a:gd name="connsiteX1" fmla="*/ 2409568 w 2409568"/>
+                            <a:gd name="connsiteY1" fmla="*/ 0 h 633075"/>
+                            <a:gd name="connsiteX2" fmla="*/ 2409568 w 2409568"/>
+                            <a:gd name="connsiteY2" fmla="*/ 633075 h 633075"/>
+                            <a:gd name="connsiteX3" fmla="*/ 0 w 2409568"/>
+                            <a:gd name="connsiteY3" fmla="*/ 633075 h 633075"/>
+                            <a:gd name="connsiteX4" fmla="*/ 0 w 2409568"/>
+                            <a:gd name="connsiteY4" fmla="*/ 0 h 633075"/>
+                            <a:gd name="connsiteX0" fmla="*/ 325646 w 2735214"/>
+                            <a:gd name="connsiteY0" fmla="*/ 0 h 640217"/>
+                            <a:gd name="connsiteX1" fmla="*/ 2735214 w 2735214"/>
+                            <a:gd name="connsiteY1" fmla="*/ 0 h 640217"/>
+                            <a:gd name="connsiteX2" fmla="*/ 2735214 w 2735214"/>
+                            <a:gd name="connsiteY2" fmla="*/ 633075 h 640217"/>
+                            <a:gd name="connsiteX3" fmla="*/ 0 w 2735214"/>
+                            <a:gd name="connsiteY3" fmla="*/ 640217 h 640217"/>
+                            <a:gd name="connsiteX4" fmla="*/ 325646 w 2735214"/>
+                            <a:gd name="connsiteY4" fmla="*/ 0 h 640217"/>
+                            <a:gd name="connsiteX0" fmla="*/ 325646 w 2735214"/>
+                            <a:gd name="connsiteY0" fmla="*/ 0 h 640217"/>
+                            <a:gd name="connsiteX1" fmla="*/ 2703341 w 2735214"/>
+                            <a:gd name="connsiteY1" fmla="*/ 9139 h 640217"/>
+                            <a:gd name="connsiteX2" fmla="*/ 2735214 w 2735214"/>
+                            <a:gd name="connsiteY2" fmla="*/ 633075 h 640217"/>
+                            <a:gd name="connsiteX3" fmla="*/ 0 w 2735214"/>
+                            <a:gd name="connsiteY3" fmla="*/ 640217 h 640217"/>
+                            <a:gd name="connsiteX4" fmla="*/ 325646 w 2735214"/>
+                            <a:gd name="connsiteY4" fmla="*/ 0 h 640217"/>
+                            <a:gd name="connsiteX0" fmla="*/ 325646 w 2745467"/>
+                            <a:gd name="connsiteY0" fmla="*/ 0 h 640217"/>
+                            <a:gd name="connsiteX1" fmla="*/ 2745467 w 2745467"/>
+                            <a:gd name="connsiteY1" fmla="*/ 5683 h 640217"/>
+                            <a:gd name="connsiteX2" fmla="*/ 2735214 w 2745467"/>
+                            <a:gd name="connsiteY2" fmla="*/ 633075 h 640217"/>
+                            <a:gd name="connsiteX3" fmla="*/ 0 w 2745467"/>
+                            <a:gd name="connsiteY3" fmla="*/ 640217 h 640217"/>
+                            <a:gd name="connsiteX4" fmla="*/ 325646 w 2745467"/>
+                            <a:gd name="connsiteY4" fmla="*/ 0 h 640217"/>
+                            <a:gd name="connsiteX0" fmla="*/ 423511 w 2843332"/>
+                            <a:gd name="connsiteY0" fmla="*/ 0 h 663088"/>
+                            <a:gd name="connsiteX1" fmla="*/ 2843332 w 2843332"/>
+                            <a:gd name="connsiteY1" fmla="*/ 5683 h 663088"/>
+                            <a:gd name="connsiteX2" fmla="*/ 2833079 w 2843332"/>
+                            <a:gd name="connsiteY2" fmla="*/ 633075 h 663088"/>
+                            <a:gd name="connsiteX3" fmla="*/ 0 w 2843332"/>
+                            <a:gd name="connsiteY3" fmla="*/ 663088 h 663088"/>
+                            <a:gd name="connsiteX4" fmla="*/ 423511 w 2843332"/>
+                            <a:gd name="connsiteY4" fmla="*/ 0 h 663088"/>
+                            <a:gd name="connsiteX0" fmla="*/ 488636 w 2908457"/>
+                            <a:gd name="connsiteY0" fmla="*/ 0 h 660103"/>
+                            <a:gd name="connsiteX1" fmla="*/ 2908457 w 2908457"/>
+                            <a:gd name="connsiteY1" fmla="*/ 5683 h 660103"/>
+                            <a:gd name="connsiteX2" fmla="*/ 2898204 w 2908457"/>
+                            <a:gd name="connsiteY2" fmla="*/ 633075 h 660103"/>
+                            <a:gd name="connsiteX3" fmla="*/ 0 w 2908457"/>
+                            <a:gd name="connsiteY3" fmla="*/ 660103 h 660103"/>
+                            <a:gd name="connsiteX4" fmla="*/ 488636 w 2908457"/>
+                            <a:gd name="connsiteY4" fmla="*/ 0 h 660103"/>
+                            <a:gd name="connsiteX0" fmla="*/ 0 w 2419821"/>
+                            <a:gd name="connsiteY0" fmla="*/ 0 h 647051"/>
+                            <a:gd name="connsiteX1" fmla="*/ 2419821 w 2419821"/>
+                            <a:gd name="connsiteY1" fmla="*/ 5683 h 647051"/>
+                            <a:gd name="connsiteX2" fmla="*/ 2409568 w 2419821"/>
+                            <a:gd name="connsiteY2" fmla="*/ 633075 h 647051"/>
+                            <a:gd name="connsiteX3" fmla="*/ 123556 w 2419821"/>
+                            <a:gd name="connsiteY3" fmla="*/ 647052 h 647051"/>
+                            <a:gd name="connsiteX4" fmla="*/ 0 w 2419821"/>
+                            <a:gd name="connsiteY4" fmla="*/ 0 h 647051"/>
+                            <a:gd name="connsiteX0" fmla="*/ 0 w 2409568"/>
+                            <a:gd name="connsiteY0" fmla="*/ 0 h 647052"/>
+                            <a:gd name="connsiteX1" fmla="*/ 2369604 w 2409568"/>
+                            <a:gd name="connsiteY1" fmla="*/ 2955 h 647052"/>
+                            <a:gd name="connsiteX2" fmla="*/ 2409568 w 2409568"/>
+                            <a:gd name="connsiteY2" fmla="*/ 633075 h 647052"/>
+                            <a:gd name="connsiteX3" fmla="*/ 123556 w 2409568"/>
+                            <a:gd name="connsiteY3" fmla="*/ 647052 h 647052"/>
+                            <a:gd name="connsiteX4" fmla="*/ 0 w 2409568"/>
+                            <a:gd name="connsiteY4" fmla="*/ 0 h 647052"/>
+                            <a:gd name="connsiteX0" fmla="*/ 0 w 2409568"/>
+                            <a:gd name="connsiteY0" fmla="*/ 0 h 639234"/>
+                            <a:gd name="connsiteX1" fmla="*/ 2369604 w 2409568"/>
+                            <a:gd name="connsiteY1" fmla="*/ 2955 h 639234"/>
+                            <a:gd name="connsiteX2" fmla="*/ 2409568 w 2409568"/>
+                            <a:gd name="connsiteY2" fmla="*/ 633075 h 639234"/>
+                            <a:gd name="connsiteX3" fmla="*/ 63597 w 2409568"/>
+                            <a:gd name="connsiteY3" fmla="*/ 639234 h 639234"/>
+                            <a:gd name="connsiteX4" fmla="*/ 0 w 2409568"/>
+                            <a:gd name="connsiteY4" fmla="*/ 0 h 639234"/>
+                          </a:gdLst>
+                          <a:ahLst/>
+                          <a:cxnLst>
+                            <a:cxn ang="0">
+                              <a:pos x="connsiteX0" y="connsiteY0"/>
+                            </a:cxn>
+                            <a:cxn ang="0">
+                              <a:pos x="connsiteX1" y="connsiteY1"/>
+                            </a:cxn>
+                            <a:cxn ang="0">
+                              <a:pos x="connsiteX2" y="connsiteY2"/>
+                            </a:cxn>
+                            <a:cxn ang="0">
+                              <a:pos x="connsiteX3" y="connsiteY3"/>
+                            </a:cxn>
+                            <a:cxn ang="0">
+                              <a:pos x="connsiteX4" y="connsiteY4"/>
+                            </a:cxn>
+                          </a:cxnLst>
+                          <a:rect l="l" t="t" r="r" b="b"/>
+                          <a:pathLst>
+                            <a:path w="2409568" h="639234">
+                              <a:moveTo>
+                                <a:pt x="0" y="0"/>
+                              </a:moveTo>
+                              <a:lnTo>
+                                <a:pt x="2369604" y="2955"/>
+                              </a:lnTo>
+                              <a:lnTo>
+                                <a:pt x="2409568" y="633075"/>
+                              </a:lnTo>
+                              <a:lnTo>
+                                <a:pt x="63597" y="639234"/>
+                              </a:lnTo>
+                              <a:lnTo>
+                                <a:pt x="0" y="0"/>
+                              </a:lnTo>
+                              <a:close/>
+                            </a:path>
+                          </a:pathLst>
+                        </a:custGeom>
+                        <a:pattFill prst="plaid">
+                          <a:fgClr>
+                            <a:srgbClr val="FFFF00"/>
+                          </a:fgClr>
+                          <a:bgClr>
+                            <a:schemeClr val="bg1"/>
+                          </a:bgClr>
+                        </a:pattFill>
+                        <a:ln>
+                          <a:noFill/>
+                        </a:ln>
+                      </p:spPr>
+                      <p:style>
+                        <a:lnRef idx="2">
+                          <a:schemeClr val="accent1">
+                            <a:shade val="50000"/>
+                          </a:schemeClr>
+                        </a:lnRef>
+                        <a:fillRef idx="1">
+                          <a:schemeClr val="accent1"/>
+                        </a:fillRef>
+                        <a:effectRef idx="0">
+                          <a:schemeClr val="accent1"/>
+                        </a:effectRef>
+                        <a:fontRef idx="minor">
+                          <a:schemeClr val="lt1"/>
+                        </a:fontRef>
+                      </p:style>
+                      <p:txBody>
+                        <a:bodyPr rtlCol="0" anchor="ctr"/>
+                        <a:lstStyle/>
+                        <a:p>
+                          <a:pPr algn="ctr"/>
+                          <a:endParaRPr lang="nb-NO" sz="1400" dirty="0"/>
+                        </a:p>
+                      </p:txBody>
+                    </p:sp>
+                    <p:sp>
+                      <p:nvSpPr>
+                        <p:cNvPr id="77" name="Rectangle 76"/>
+                        <p:cNvSpPr/>
+                        <p:nvPr/>
+                      </p:nvSpPr>
+                      <p:spPr>
+                        <a:xfrm rot="9000000" flipV="1">
+                          <a:off x="6375855" y="2653069"/>
+                          <a:ext cx="1402412" cy="45719"/>
+                        </a:xfrm>
+                        <a:prstGeom prst="rect">
+                          <a:avLst/>
+                        </a:prstGeom>
+                        <a:solidFill>
+                          <a:schemeClr val="accent6">
+                            <a:alpha val="46000"/>
+                          </a:schemeClr>
+                        </a:solidFill>
+                        <a:ln>
+                          <a:noFill/>
+                        </a:ln>
+                      </p:spPr>
+                      <p:style>
+                        <a:lnRef idx="2">
+                          <a:schemeClr val="accent1">
+                            <a:shade val="50000"/>
+                          </a:schemeClr>
+                        </a:lnRef>
+                        <a:fillRef idx="1">
+                          <a:schemeClr val="accent1"/>
+                        </a:fillRef>
+                        <a:effectRef idx="0">
+                          <a:schemeClr val="accent1"/>
+                        </a:effectRef>
+                        <a:fontRef idx="minor">
+                          <a:schemeClr val="lt1"/>
+                        </a:fontRef>
+                      </p:style>
+                      <p:txBody>
+                        <a:bodyPr rtlCol="0" anchor="ctr"/>
+                        <a:lstStyle/>
+                        <a:p>
+                          <a:pPr algn="ctr"/>
+                          <a:endParaRPr lang="nb-NO"/>
+                        </a:p>
+                      </p:txBody>
+                    </p:sp>
+                    <p:sp>
+                      <p:nvSpPr>
+                        <p:cNvPr id="78" name="Rectangle 77"/>
+                        <p:cNvSpPr/>
+                        <p:nvPr/>
+                      </p:nvSpPr>
+                      <p:spPr>
+                        <a:xfrm rot="9000000" flipV="1">
+                          <a:off x="6503952" y="2842366"/>
+                          <a:ext cx="1402412" cy="45719"/>
+                        </a:xfrm>
+                        <a:prstGeom prst="rect">
+                          <a:avLst/>
+                        </a:prstGeom>
+                        <a:solidFill>
+                          <a:schemeClr val="accent6">
+                            <a:alpha val="46000"/>
+                          </a:schemeClr>
+                        </a:solidFill>
+                        <a:ln>
+                          <a:noFill/>
+                        </a:ln>
+                      </p:spPr>
+                      <p:style>
+                        <a:lnRef idx="2">
+                          <a:schemeClr val="accent1">
+                            <a:shade val="50000"/>
+                          </a:schemeClr>
+                        </a:lnRef>
+                        <a:fillRef idx="1">
+                          <a:schemeClr val="accent1"/>
+                        </a:fillRef>
+                        <a:effectRef idx="0">
+                          <a:schemeClr val="accent1"/>
+                        </a:effectRef>
+                        <a:fontRef idx="minor">
+                          <a:schemeClr val="lt1"/>
+                        </a:fontRef>
+                      </p:style>
+                      <p:txBody>
+                        <a:bodyPr rtlCol="0" anchor="ctr"/>
+                        <a:lstStyle/>
+                        <a:p>
+                          <a:pPr algn="ctr"/>
+                          <a:endParaRPr lang="nb-NO"/>
+                        </a:p>
+                      </p:txBody>
+                    </p:sp>
+                    <p:grpSp>
+                      <p:nvGrpSpPr>
+                        <p:cNvPr id="5" name="Group 4"/>
+                        <p:cNvGrpSpPr/>
+                        <p:nvPr/>
+                      </p:nvGrpSpPr>
+                      <p:grpSpPr>
+                        <a:xfrm>
+                          <a:off x="831273" y="573016"/>
+                          <a:ext cx="9305636" cy="5965896"/>
+                          <a:chOff x="-300996" y="-175437"/>
+                          <a:chExt cx="11081954" cy="6933114"/>
+                        </a:xfrm>
+                      </p:grpSpPr>
+                      <p:grpSp>
+                        <p:nvGrpSpPr>
+                          <p:cNvPr id="6" name="Group 5"/>
+                          <p:cNvGrpSpPr/>
+                          <p:nvPr/>
+                        </p:nvGrpSpPr>
+                        <p:grpSpPr>
+                          <a:xfrm>
+                            <a:off x="-300996" y="-175437"/>
+                            <a:ext cx="11081954" cy="6933114"/>
+                            <a:chOff x="-300996" y="-175437"/>
+                            <a:chExt cx="11081954" cy="6933114"/>
+                          </a:xfrm>
+                        </p:grpSpPr>
+                        <p:grpSp>
+                          <p:nvGrpSpPr>
+                            <p:cNvPr id="8" name="Group 7"/>
+                            <p:cNvGrpSpPr/>
+                            <p:nvPr/>
+                          </p:nvGrpSpPr>
+                          <p:grpSpPr>
+                            <a:xfrm>
+                              <a:off x="-300996" y="-175437"/>
+                              <a:ext cx="11081954" cy="6933114"/>
+                              <a:chOff x="-300996" y="-175437"/>
+                              <a:chExt cx="11081954" cy="6933114"/>
+                            </a:xfrm>
+                          </p:grpSpPr>
+                          <p:grpSp>
+                            <p:nvGrpSpPr>
+                              <p:cNvPr id="10" name="Group 9"/>
+                              <p:cNvGrpSpPr/>
+                              <p:nvPr/>
+                            </p:nvGrpSpPr>
+                            <p:grpSpPr>
+                              <a:xfrm>
+                                <a:off x="-300996" y="-175437"/>
+                                <a:ext cx="11081954" cy="6933114"/>
+                                <a:chOff x="-300996" y="-175437"/>
+                                <a:chExt cx="11081954" cy="6933114"/>
+                              </a:xfrm>
+                            </p:grpSpPr>
+                            <p:grpSp>
+                              <p:nvGrpSpPr>
+                                <p:cNvPr id="12" name="Group 11"/>
+                                <p:cNvGrpSpPr/>
+                                <p:nvPr/>
+                              </p:nvGrpSpPr>
+                              <p:grpSpPr>
+                                <a:xfrm>
+                                  <a:off x="-300996" y="-175437"/>
+                                  <a:ext cx="11081954" cy="6933114"/>
+                                  <a:chOff x="-300996" y="-175437"/>
+                                  <a:chExt cx="11081954" cy="6933114"/>
+                                </a:xfrm>
+                              </p:grpSpPr>
+                              <p:grpSp>
+                                <p:nvGrpSpPr>
+                                  <p:cNvPr id="14" name="Group 13"/>
+                                  <p:cNvGrpSpPr/>
+                                  <p:nvPr/>
+                                </p:nvGrpSpPr>
+                                <p:grpSpPr>
+                                  <a:xfrm>
+                                    <a:off x="-300996" y="-175437"/>
+                                    <a:ext cx="11081954" cy="6933114"/>
+                                    <a:chOff x="-300996" y="-175437"/>
+                                    <a:chExt cx="11081954" cy="6933114"/>
+                                  </a:xfrm>
+                                </p:grpSpPr>
+                                <p:grpSp>
+                                  <p:nvGrpSpPr>
+                                    <p:cNvPr id="16" name="Group 15"/>
+                                    <p:cNvGrpSpPr/>
+                                    <p:nvPr/>
+                                  </p:nvGrpSpPr>
+                                  <p:grpSpPr>
+                                    <a:xfrm>
+                                      <a:off x="-300996" y="-175437"/>
+                                      <a:ext cx="11081954" cy="6933114"/>
+                                      <a:chOff x="-300996" y="-175437"/>
+                                      <a:chExt cx="11081954" cy="6933114"/>
+                                    </a:xfrm>
+                                  </p:grpSpPr>
+                                  <p:grpSp>
+                                    <p:nvGrpSpPr>
+                                      <p:cNvPr id="18" name="Group 17"/>
+                                      <p:cNvGrpSpPr/>
+                                      <p:nvPr/>
+                                    </p:nvGrpSpPr>
+                                    <p:grpSpPr>
+                                      <a:xfrm>
+                                        <a:off x="-300996" y="-175437"/>
+                                        <a:ext cx="11081954" cy="6933114"/>
+                                        <a:chOff x="-300996" y="-175437"/>
+                                        <a:chExt cx="11081954" cy="6933114"/>
+                                      </a:xfrm>
+                                    </p:grpSpPr>
+                                    <p:grpSp>
+                                      <p:nvGrpSpPr>
+                                        <p:cNvPr id="20" name="Group 19"/>
+                                        <p:cNvGrpSpPr/>
+                                        <p:nvPr/>
+                                      </p:nvGrpSpPr>
+                                      <p:grpSpPr>
+                                        <a:xfrm>
+                                          <a:off x="-300996" y="-175437"/>
+                                          <a:ext cx="11081954" cy="6933114"/>
+                                          <a:chOff x="-300996" y="-175437"/>
+                                          <a:chExt cx="11081954" cy="6933114"/>
+                                        </a:xfrm>
+                                      </p:grpSpPr>
+                                      <p:grpSp>
+                                        <p:nvGrpSpPr>
+                                          <p:cNvPr id="22" name="Group 21"/>
+                                          <p:cNvGrpSpPr/>
+                                          <p:nvPr/>
+                                        </p:nvGrpSpPr>
+                                        <p:grpSpPr>
+                                          <a:xfrm>
+                                            <a:off x="-300996" y="-175437"/>
+                                            <a:ext cx="11081954" cy="6933114"/>
+                                            <a:chOff x="-300996" y="-175437"/>
+                                            <a:chExt cx="11081954" cy="6933114"/>
+                                          </a:xfrm>
+                                        </p:grpSpPr>
+                                        <p:grpSp>
+                                          <p:nvGrpSpPr>
+                                            <p:cNvPr id="24" name="Group 23"/>
+                                            <p:cNvGrpSpPr/>
+                                            <p:nvPr/>
+                                          </p:nvGrpSpPr>
+                                          <p:grpSpPr>
+                                            <a:xfrm>
+                                              <a:off x="-300996" y="-175437"/>
+                                              <a:ext cx="11081954" cy="6933114"/>
+                                              <a:chOff x="-300996" y="-175437"/>
+                                              <a:chExt cx="11081954" cy="6933114"/>
+                                            </a:xfrm>
+                                          </p:grpSpPr>
+                                          <p:grpSp>
+                                            <p:nvGrpSpPr>
+                                              <p:cNvPr id="26" name="Group 25"/>
+                                              <p:cNvGrpSpPr/>
+                                              <p:nvPr/>
+                                            </p:nvGrpSpPr>
+                                            <p:grpSpPr>
+                                              <a:xfrm>
+                                                <a:off x="-300996" y="-175437"/>
+                                                <a:ext cx="11081954" cy="6933114"/>
+                                                <a:chOff x="-300996" y="-175437"/>
+                                                <a:chExt cx="11081954" cy="6933114"/>
+                                              </a:xfrm>
+                                            </p:grpSpPr>
+                                            <p:grpSp>
+                                              <p:nvGrpSpPr>
+                                                <p:cNvPr id="28" name="Group 27"/>
+                                                <p:cNvGrpSpPr/>
+                                                <p:nvPr/>
+                                              </p:nvGrpSpPr>
+                                              <p:grpSpPr>
+                                                <a:xfrm>
+                                                  <a:off x="-300996" y="-175437"/>
+                                                  <a:ext cx="11081954" cy="6933114"/>
+                                                  <a:chOff x="-300996" y="-175437"/>
+                                                  <a:chExt cx="11081954" cy="6933114"/>
+                                                </a:xfrm>
+                                              </p:grpSpPr>
+                                              <p:grpSp>
+                                                <p:nvGrpSpPr>
+                                                  <p:cNvPr id="30" name="Group 29"/>
+                                                  <p:cNvGrpSpPr/>
+                                                  <p:nvPr/>
+                                                </p:nvGrpSpPr>
+                                                <p:grpSpPr>
+                                                  <a:xfrm>
+                                                    <a:off x="-300996" y="-27159"/>
+                                                    <a:ext cx="10314129" cy="6784836"/>
+                                                    <a:chOff x="-300996" y="-27159"/>
+                                                    <a:chExt cx="10314129" cy="6784836"/>
+                                                  </a:xfrm>
+                                                </p:grpSpPr>
+                                                <p:grpSp>
+                                                  <p:nvGrpSpPr>
+                                                    <p:cNvPr id="32" name="Group 31"/>
+                                                    <p:cNvGrpSpPr/>
+                                                    <p:nvPr/>
+                                                  </p:nvGrpSpPr>
+                                                  <p:grpSpPr>
+                                                    <a:xfrm>
+                                                      <a:off x="-300996" y="-27159"/>
+                                                      <a:ext cx="10314129" cy="6784836"/>
+                                                      <a:chOff x="-300996" y="-27159"/>
+                                                      <a:chExt cx="10314129" cy="6784836"/>
+                                                    </a:xfrm>
+                                                  </p:grpSpPr>
+                                                  <p:grpSp>
+                                                    <p:nvGrpSpPr>
+                                                      <p:cNvPr id="36" name="Group 35"/>
+                                                      <p:cNvGrpSpPr/>
+                                                      <p:nvPr/>
+                                                    </p:nvGrpSpPr>
+                                                    <p:grpSpPr>
+                                                      <a:xfrm>
+                                                        <a:off x="-300996" y="-27159"/>
+                                                        <a:ext cx="10314129" cy="6784836"/>
+                                                        <a:chOff x="-300996" y="-27159"/>
+                                                        <a:chExt cx="10314129" cy="6784836"/>
+                                                      </a:xfrm>
+                                                    </p:grpSpPr>
+                                                    <p:grpSp>
+                                                      <p:nvGrpSpPr>
+                                                        <p:cNvPr id="40" name="Group 39"/>
+                                                        <p:cNvGrpSpPr/>
+                                                        <p:nvPr/>
+                                                      </p:nvGrpSpPr>
+                                                      <p:grpSpPr>
+                                                        <a:xfrm>
+                                                          <a:off x="-300996" y="-27159"/>
+                                                          <a:ext cx="10314129" cy="6343239"/>
+                                                          <a:chOff x="-2374240" y="0"/>
+                                                          <a:chExt cx="10314129" cy="6343239"/>
+                                                        </a:xfrm>
+                                                      </p:grpSpPr>
+                                                      <p:grpSp>
+                                                        <p:nvGrpSpPr>
+                                                          <p:cNvPr id="42" name="Group 41"/>
+                                                          <p:cNvGrpSpPr/>
+                                                          <p:nvPr/>
+                                                        </p:nvGrpSpPr>
+                                                        <p:grpSpPr>
+                                                          <a:xfrm>
+                                                            <a:off x="-2374240" y="468740"/>
+                                                            <a:ext cx="9912822" cy="5874499"/>
+                                                            <a:chOff x="-3017230" y="-76129"/>
+                                                            <a:chExt cx="10862485" cy="6375469"/>
+                                                          </a:xfrm>
+                                                        </p:grpSpPr>
+                                                        <p:grpSp>
+                                                          <p:nvGrpSpPr>
+                                                            <p:cNvPr id="44" name="Group 43"/>
+                                                            <p:cNvGrpSpPr/>
+                                                            <p:nvPr/>
+                                                          </p:nvGrpSpPr>
+                                                          <p:grpSpPr>
+                                                            <a:xfrm>
+                                                              <a:off x="-3017230" y="137499"/>
+                                                              <a:ext cx="10002631" cy="6161841"/>
+                                                              <a:chOff x="-3017230" y="137499"/>
+                                                              <a:chExt cx="10002631" cy="6161841"/>
+                                                            </a:xfrm>
+                                                          </p:grpSpPr>
+                                                          <p:sp>
+                                                            <p:nvSpPr>
+                                                              <p:cNvPr id="52" name="Rectangle 7"/>
+                                                              <p:cNvSpPr/>
+                                                              <p:nvPr/>
+                                                            </p:nvSpPr>
+                                                            <p:spPr>
+                                                              <a:xfrm rot="9000000">
+                                                                <a:off x="3946184" y="1340658"/>
+                                                                <a:ext cx="1926920" cy="527189"/>
+                                                              </a:xfrm>
+                                                              <a:custGeom>
+                                                                <a:avLst/>
+                                                                <a:gdLst>
+                                                                  <a:gd name="connsiteX0" fmla="*/ 0 w 2409568"/>
+                                                                  <a:gd name="connsiteY0" fmla="*/ 0 h 633075"/>
+                                                                  <a:gd name="connsiteX1" fmla="*/ 2409568 w 2409568"/>
+                                                                  <a:gd name="connsiteY1" fmla="*/ 0 h 633075"/>
+                                                                  <a:gd name="connsiteX2" fmla="*/ 2409568 w 2409568"/>
+                                                                  <a:gd name="connsiteY2" fmla="*/ 633075 h 633075"/>
+                                                                  <a:gd name="connsiteX3" fmla="*/ 0 w 2409568"/>
+                                                                  <a:gd name="connsiteY3" fmla="*/ 633075 h 633075"/>
+                                                                  <a:gd name="connsiteX4" fmla="*/ 0 w 2409568"/>
+                                                                  <a:gd name="connsiteY4" fmla="*/ 0 h 633075"/>
+                                                                  <a:gd name="connsiteX0" fmla="*/ 325646 w 2735214"/>
+                                                                  <a:gd name="connsiteY0" fmla="*/ 0 h 640217"/>
+                                                                  <a:gd name="connsiteX1" fmla="*/ 2735214 w 2735214"/>
+                                                                  <a:gd name="connsiteY1" fmla="*/ 0 h 640217"/>
+                                                                  <a:gd name="connsiteX2" fmla="*/ 2735214 w 2735214"/>
+                                                                  <a:gd name="connsiteY2" fmla="*/ 633075 h 640217"/>
+                                                                  <a:gd name="connsiteX3" fmla="*/ 0 w 2735214"/>
+                                                                  <a:gd name="connsiteY3" fmla="*/ 640217 h 640217"/>
+                                                                  <a:gd name="connsiteX4" fmla="*/ 325646 w 2735214"/>
+                                                                  <a:gd name="connsiteY4" fmla="*/ 0 h 640217"/>
+                                                                  <a:gd name="connsiteX0" fmla="*/ 325646 w 2735214"/>
+                                                                  <a:gd name="connsiteY0" fmla="*/ 0 h 640217"/>
+                                                                  <a:gd name="connsiteX1" fmla="*/ 2703341 w 2735214"/>
+                                                                  <a:gd name="connsiteY1" fmla="*/ 9139 h 640217"/>
+                                                                  <a:gd name="connsiteX2" fmla="*/ 2735214 w 2735214"/>
+                                                                  <a:gd name="connsiteY2" fmla="*/ 633075 h 640217"/>
+                                                                  <a:gd name="connsiteX3" fmla="*/ 0 w 2735214"/>
+                                                                  <a:gd name="connsiteY3" fmla="*/ 640217 h 640217"/>
+                                                                  <a:gd name="connsiteX4" fmla="*/ 325646 w 2735214"/>
+                                                                  <a:gd name="connsiteY4" fmla="*/ 0 h 640217"/>
+                                                                  <a:gd name="connsiteX0" fmla="*/ 325646 w 2745467"/>
+                                                                  <a:gd name="connsiteY0" fmla="*/ 0 h 640217"/>
+                                                                  <a:gd name="connsiteX1" fmla="*/ 2745467 w 2745467"/>
+                                                                  <a:gd name="connsiteY1" fmla="*/ 5683 h 640217"/>
+                                                                  <a:gd name="connsiteX2" fmla="*/ 2735214 w 2745467"/>
+                                                                  <a:gd name="connsiteY2" fmla="*/ 633075 h 640217"/>
+                                                                  <a:gd name="connsiteX3" fmla="*/ 0 w 2745467"/>
+                                                                  <a:gd name="connsiteY3" fmla="*/ 640217 h 640217"/>
+                                                                  <a:gd name="connsiteX4" fmla="*/ 325646 w 2745467"/>
+                                                                  <a:gd name="connsiteY4" fmla="*/ 0 h 640217"/>
+                                                                  <a:gd name="connsiteX0" fmla="*/ 423511 w 2843332"/>
+                                                                  <a:gd name="connsiteY0" fmla="*/ 0 h 663088"/>
+                                                                  <a:gd name="connsiteX1" fmla="*/ 2843332 w 2843332"/>
+                                                                  <a:gd name="connsiteY1" fmla="*/ 5683 h 663088"/>
+                                                                  <a:gd name="connsiteX2" fmla="*/ 2833079 w 2843332"/>
+                                                                  <a:gd name="connsiteY2" fmla="*/ 633075 h 663088"/>
+                                                                  <a:gd name="connsiteX3" fmla="*/ 0 w 2843332"/>
+                                                                  <a:gd name="connsiteY3" fmla="*/ 663088 h 663088"/>
+                                                                  <a:gd name="connsiteX4" fmla="*/ 423511 w 2843332"/>
+                                                                  <a:gd name="connsiteY4" fmla="*/ 0 h 663088"/>
+                                                                  <a:gd name="connsiteX0" fmla="*/ 488636 w 2908457"/>
+                                                                  <a:gd name="connsiteY0" fmla="*/ 0 h 660103"/>
+                                                                  <a:gd name="connsiteX1" fmla="*/ 2908457 w 2908457"/>
+                                                                  <a:gd name="connsiteY1" fmla="*/ 5683 h 660103"/>
+                                                                  <a:gd name="connsiteX2" fmla="*/ 2898204 w 2908457"/>
+                                                                  <a:gd name="connsiteY2" fmla="*/ 633075 h 660103"/>
+                                                                  <a:gd name="connsiteX3" fmla="*/ 0 w 2908457"/>
+                                                                  <a:gd name="connsiteY3" fmla="*/ 660103 h 660103"/>
+                                                                  <a:gd name="connsiteX4" fmla="*/ 488636 w 2908457"/>
+                                                                  <a:gd name="connsiteY4" fmla="*/ 0 h 660103"/>
+                                                                  <a:gd name="connsiteX0" fmla="*/ 0 w 2419821"/>
+                                                                  <a:gd name="connsiteY0" fmla="*/ 0 h 647051"/>
+                                                                  <a:gd name="connsiteX1" fmla="*/ 2419821 w 2419821"/>
+                                                                  <a:gd name="connsiteY1" fmla="*/ 5683 h 647051"/>
+                                                                  <a:gd name="connsiteX2" fmla="*/ 2409568 w 2419821"/>
+                                                                  <a:gd name="connsiteY2" fmla="*/ 633075 h 647051"/>
+                                                                  <a:gd name="connsiteX3" fmla="*/ 123556 w 2419821"/>
+                                                                  <a:gd name="connsiteY3" fmla="*/ 647052 h 647051"/>
+                                                                  <a:gd name="connsiteX4" fmla="*/ 0 w 2419821"/>
+                                                                  <a:gd name="connsiteY4" fmla="*/ 0 h 647051"/>
+                                                                  <a:gd name="connsiteX0" fmla="*/ 0 w 2409568"/>
+                                                                  <a:gd name="connsiteY0" fmla="*/ 0 h 647052"/>
+                                                                  <a:gd name="connsiteX1" fmla="*/ 2369604 w 2409568"/>
+                                                                  <a:gd name="connsiteY1" fmla="*/ 2955 h 647052"/>
+                                                                  <a:gd name="connsiteX2" fmla="*/ 2409568 w 2409568"/>
+                                                                  <a:gd name="connsiteY2" fmla="*/ 633075 h 647052"/>
+                                                                  <a:gd name="connsiteX3" fmla="*/ 123556 w 2409568"/>
+                                                                  <a:gd name="connsiteY3" fmla="*/ 647052 h 647052"/>
+                                                                  <a:gd name="connsiteX4" fmla="*/ 0 w 2409568"/>
+                                                                  <a:gd name="connsiteY4" fmla="*/ 0 h 647052"/>
+                                                                  <a:gd name="connsiteX0" fmla="*/ 0 w 2409568"/>
+                                                                  <a:gd name="connsiteY0" fmla="*/ 0 h 647052"/>
+                                                                  <a:gd name="connsiteX1" fmla="*/ 2352731 w 2409568"/>
+                                                                  <a:gd name="connsiteY1" fmla="*/ 31924 h 647052"/>
+                                                                  <a:gd name="connsiteX2" fmla="*/ 2409568 w 2409568"/>
+                                                                  <a:gd name="connsiteY2" fmla="*/ 633075 h 647052"/>
+                                                                  <a:gd name="connsiteX3" fmla="*/ 123556 w 2409568"/>
+                                                                  <a:gd name="connsiteY3" fmla="*/ 647052 h 647052"/>
+                                                                  <a:gd name="connsiteX4" fmla="*/ 0 w 2409568"/>
+                                                                  <a:gd name="connsiteY4" fmla="*/ 0 h 647052"/>
+                                                                  <a:gd name="connsiteX0" fmla="*/ 0 w 2409568"/>
+                                                                  <a:gd name="connsiteY0" fmla="*/ 1523 h 648575"/>
+                                                                  <a:gd name="connsiteX1" fmla="*/ 2294281 w 2409568"/>
+                                                                  <a:gd name="connsiteY1" fmla="*/ 0 h 648575"/>
+                                                                  <a:gd name="connsiteX2" fmla="*/ 2409568 w 2409568"/>
+                                                                  <a:gd name="connsiteY2" fmla="*/ 634598 h 648575"/>
+                                                                  <a:gd name="connsiteX3" fmla="*/ 123556 w 2409568"/>
+                                                                  <a:gd name="connsiteY3" fmla="*/ 648575 h 648575"/>
+                                                                  <a:gd name="connsiteX4" fmla="*/ 0 w 2409568"/>
+                                                                  <a:gd name="connsiteY4" fmla="*/ 1523 h 648575"/>
+                                                                  <a:gd name="connsiteX0" fmla="*/ 0 w 2409568"/>
+                                                                  <a:gd name="connsiteY0" fmla="*/ 12273 h 659325"/>
+                                                                  <a:gd name="connsiteX1" fmla="*/ 2365490 w 2409568"/>
+                                                                  <a:gd name="connsiteY1" fmla="*/ 0 h 659325"/>
+                                                                  <a:gd name="connsiteX2" fmla="*/ 2409568 w 2409568"/>
+                                                                  <a:gd name="connsiteY2" fmla="*/ 645348 h 659325"/>
+                                                                  <a:gd name="connsiteX3" fmla="*/ 123556 w 2409568"/>
+                                                                  <a:gd name="connsiteY3" fmla="*/ 659325 h 659325"/>
+                                                                  <a:gd name="connsiteX4" fmla="*/ 0 w 2409568"/>
+                                                                  <a:gd name="connsiteY4" fmla="*/ 12273 h 659325"/>
+                                                                  <a:gd name="connsiteX0" fmla="*/ 0 w 2409568"/>
+                                                                  <a:gd name="connsiteY0" fmla="*/ 12273 h 656340"/>
+                                                                  <a:gd name="connsiteX1" fmla="*/ 2365490 w 2409568"/>
+                                                                  <a:gd name="connsiteY1" fmla="*/ 0 h 656340"/>
+                                                                  <a:gd name="connsiteX2" fmla="*/ 2409568 w 2409568"/>
+                                                                  <a:gd name="connsiteY2" fmla="*/ 645348 h 656340"/>
+                                                                  <a:gd name="connsiteX3" fmla="*/ 73338 w 2409568"/>
+                                                                  <a:gd name="connsiteY3" fmla="*/ 656340 h 656340"/>
+                                                                  <a:gd name="connsiteX4" fmla="*/ 0 w 2409568"/>
+                                                                  <a:gd name="connsiteY4" fmla="*/ 12273 h 656340"/>
+                                                                  <a:gd name="connsiteX0" fmla="*/ 0 w 2409568"/>
+                                                                  <a:gd name="connsiteY0" fmla="*/ 4111 h 648178"/>
+                                                                  <a:gd name="connsiteX1" fmla="*/ 2334759 w 2409568"/>
+                                                                  <a:gd name="connsiteY1" fmla="*/ 1 h 648178"/>
+                                                                  <a:gd name="connsiteX2" fmla="*/ 2409568 w 2409568"/>
+                                                                  <a:gd name="connsiteY2" fmla="*/ 637186 h 648178"/>
+                                                                  <a:gd name="connsiteX3" fmla="*/ 73338 w 2409568"/>
+                                                                  <a:gd name="connsiteY3" fmla="*/ 648178 h 648178"/>
+                                                                  <a:gd name="connsiteX4" fmla="*/ 0 w 2409568"/>
+                                                                  <a:gd name="connsiteY4" fmla="*/ 4111 h 648178"/>
+                                                                  <a:gd name="connsiteX0" fmla="*/ 1 w 2463903"/>
+                                                                  <a:gd name="connsiteY0" fmla="*/ 0 h 662285"/>
+                                                                  <a:gd name="connsiteX1" fmla="*/ 2389094 w 2463903"/>
+                                                                  <a:gd name="connsiteY1" fmla="*/ 14108 h 662285"/>
+                                                                  <a:gd name="connsiteX2" fmla="*/ 2463903 w 2463903"/>
+                                                                  <a:gd name="connsiteY2" fmla="*/ 651293 h 662285"/>
+                                                                  <a:gd name="connsiteX3" fmla="*/ 127673 w 2463903"/>
+                                                                  <a:gd name="connsiteY3" fmla="*/ 662285 h 662285"/>
+                                                                  <a:gd name="connsiteX4" fmla="*/ 1 w 2463903"/>
+                                                                  <a:gd name="connsiteY4" fmla="*/ 0 h 662285"/>
+                                                                  <a:gd name="connsiteX0" fmla="*/ 0 w 2463902"/>
+                                                                  <a:gd name="connsiteY0" fmla="*/ 0 h 657804"/>
+                                                                  <a:gd name="connsiteX1" fmla="*/ 2389093 w 2463902"/>
+                                                                  <a:gd name="connsiteY1" fmla="*/ 14108 h 657804"/>
+                                                                  <a:gd name="connsiteX2" fmla="*/ 2463902 w 2463902"/>
+                                                                  <a:gd name="connsiteY2" fmla="*/ 651293 h 657804"/>
+                                                                  <a:gd name="connsiteX3" fmla="*/ 52348 w 2463902"/>
+                                                                  <a:gd name="connsiteY3" fmla="*/ 657803 h 657804"/>
+                                                                  <a:gd name="connsiteX4" fmla="*/ 0 w 2463902"/>
+                                                                  <a:gd name="connsiteY4" fmla="*/ 0 h 657804"/>
+                                                                  <a:gd name="connsiteX0" fmla="*/ 0 w 2463902"/>
+                                                                  <a:gd name="connsiteY0" fmla="*/ 0 h 663779"/>
+                                                                  <a:gd name="connsiteX1" fmla="*/ 2389093 w 2463902"/>
+                                                                  <a:gd name="connsiteY1" fmla="*/ 14108 h 663779"/>
+                                                                  <a:gd name="connsiteX2" fmla="*/ 2463902 w 2463902"/>
+                                                                  <a:gd name="connsiteY2" fmla="*/ 651293 h 663779"/>
+                                                                  <a:gd name="connsiteX3" fmla="*/ 152780 w 2463902"/>
+                                                                  <a:gd name="connsiteY3" fmla="*/ 663779 h 663779"/>
+                                                                  <a:gd name="connsiteX4" fmla="*/ 0 w 2463902"/>
+                                                                  <a:gd name="connsiteY4" fmla="*/ 0 h 663779"/>
+                                                                  <a:gd name="connsiteX0" fmla="*/ 0 w 2423426"/>
+                                                                  <a:gd name="connsiteY0" fmla="*/ 0 h 666366"/>
+                                                                  <a:gd name="connsiteX1" fmla="*/ 2348617 w 2423426"/>
+                                                                  <a:gd name="connsiteY1" fmla="*/ 16695 h 666366"/>
+                                                                  <a:gd name="connsiteX2" fmla="*/ 2423426 w 2423426"/>
+                                                                  <a:gd name="connsiteY2" fmla="*/ 653880 h 666366"/>
+                                                                  <a:gd name="connsiteX3" fmla="*/ 112304 w 2423426"/>
+                                                                  <a:gd name="connsiteY3" fmla="*/ 666366 h 666366"/>
+                                                                  <a:gd name="connsiteX4" fmla="*/ 0 w 2423426"/>
+                                                                  <a:gd name="connsiteY4" fmla="*/ 0 h 666366"/>
+                                                                  <a:gd name="connsiteX0" fmla="*/ 0 w 2394201"/>
+                                                                  <a:gd name="connsiteY0" fmla="*/ 28 h 649670"/>
+                                                                  <a:gd name="connsiteX1" fmla="*/ 2319392 w 2394201"/>
+                                                                  <a:gd name="connsiteY1" fmla="*/ -1 h 649670"/>
+                                                                  <a:gd name="connsiteX2" fmla="*/ 2394201 w 2394201"/>
+                                                                  <a:gd name="connsiteY2" fmla="*/ 637184 h 649670"/>
+                                                                  <a:gd name="connsiteX3" fmla="*/ 83079 w 2394201"/>
+                                                                  <a:gd name="connsiteY3" fmla="*/ 649670 h 649670"/>
+                                                                  <a:gd name="connsiteX4" fmla="*/ 0 w 2394201"/>
+                                                                  <a:gd name="connsiteY4" fmla="*/ 28 h 649670"/>
+                                                                  <a:gd name="connsiteX0" fmla="*/ 0 w 2394201"/>
+                                                                  <a:gd name="connsiteY0" fmla="*/ 2837 h 652479"/>
+                                                                  <a:gd name="connsiteX1" fmla="*/ 2363744 w 2394201"/>
+                                                                  <a:gd name="connsiteY1" fmla="*/ 0 h 652479"/>
+                                                                  <a:gd name="connsiteX2" fmla="*/ 2394201 w 2394201"/>
+                                                                  <a:gd name="connsiteY2" fmla="*/ 639993 h 652479"/>
+                                                                  <a:gd name="connsiteX3" fmla="*/ 83079 w 2394201"/>
+                                                                  <a:gd name="connsiteY3" fmla="*/ 652479 h 652479"/>
+                                                                  <a:gd name="connsiteX4" fmla="*/ 0 w 2394201"/>
+                                                                  <a:gd name="connsiteY4" fmla="*/ 2837 h 652479"/>
+                                                                  <a:gd name="connsiteX0" fmla="*/ 0 w 2394201"/>
+                                                                  <a:gd name="connsiteY0" fmla="*/ 2837 h 649237"/>
+                                                                  <a:gd name="connsiteX1" fmla="*/ 2363744 w 2394201"/>
+                                                                  <a:gd name="connsiteY1" fmla="*/ 0 h 649237"/>
+                                                                  <a:gd name="connsiteX2" fmla="*/ 2394201 w 2394201"/>
+                                                                  <a:gd name="connsiteY2" fmla="*/ 639993 h 649237"/>
+                                                                  <a:gd name="connsiteX3" fmla="*/ 28052 w 2394201"/>
+                                                                  <a:gd name="connsiteY3" fmla="*/ 649237 h 649237"/>
+                                                                  <a:gd name="connsiteX4" fmla="*/ 0 w 2394201"/>
+                                                                  <a:gd name="connsiteY4" fmla="*/ 2837 h 649237"/>
+                                                                </a:gdLst>
+                                                                <a:ahLst/>
+                                                                <a:cxnLst>
+                                                                  <a:cxn ang="0">
+                                                                    <a:pos x="connsiteX0" y="connsiteY0"/>
+                                                                  </a:cxn>
+                                                                  <a:cxn ang="0">
+                                                                    <a:pos x="connsiteX1" y="connsiteY1"/>
+                                                                  </a:cxn>
+                                                                  <a:cxn ang="0">
+                                                                    <a:pos x="connsiteX2" y="connsiteY2"/>
+                                                                  </a:cxn>
+                                                                  <a:cxn ang="0">
+                                                                    <a:pos x="connsiteX3" y="connsiteY3"/>
+                                                                  </a:cxn>
+                                                                  <a:cxn ang="0">
+                                                                    <a:pos x="connsiteX4" y="connsiteY4"/>
+                                                                  </a:cxn>
+                                                                </a:cxnLst>
+                                                                <a:rect l="l" t="t" r="r" b="b"/>
+                                                                <a:pathLst>
+                                                                  <a:path w="2394201" h="649237">
+                                                                    <a:moveTo>
+                                                                      <a:pt x="0" y="2837"/>
+                                                                    </a:moveTo>
+                                                                    <a:lnTo>
+                                                                      <a:pt x="2363744" y="0"/>
+                                                                    </a:lnTo>
+                                                                    <a:lnTo>
+                                                                      <a:pt x="2394201" y="639993"/>
+                                                                    </a:lnTo>
+                                                                    <a:lnTo>
+                                                                      <a:pt x="28052" y="649237"/>
+                                                                    </a:lnTo>
+                                                                    <a:lnTo>
+                                                                      <a:pt x="0" y="2837"/>
+                                                                    </a:lnTo>
+                                                                    <a:close/>
+                                                                  </a:path>
+                                                                </a:pathLst>
+                                                              </a:custGeom>
+                                                              <a:solidFill>
+                                                                <a:srgbClr val="00B050"/>
+                                                              </a:solidFill>
+                                                              <a:ln>
+                                                                <a:noFill/>
+                                                              </a:ln>
+                                                            </p:spPr>
+                                                            <p:style>
+                                                              <a:lnRef idx="2">
+                                                                <a:schemeClr val="accent1">
+                                                                  <a:shade val="50000"/>
+                                                                </a:schemeClr>
+                                                              </a:lnRef>
+                                                              <a:fillRef idx="1">
+                                                                <a:schemeClr val="accent1"/>
+                                                              </a:fillRef>
+                                                              <a:effectRef idx="0">
+                                                                <a:schemeClr val="accent1"/>
+                                                              </a:effectRef>
+                                                              <a:fontRef idx="minor">
+                                                                <a:schemeClr val="lt1"/>
+                                                              </a:fontRef>
+                                                            </p:style>
+                                                            <p:txBody>
+                                                              <a:bodyPr rtlCol="0" anchor="ctr"/>
+                                                              <a:lstStyle/>
+                                                              <a:p>
+                                                                <a:pPr algn="ctr"/>
+                                                                <a:endParaRPr lang="nb-NO" sz="1400" dirty="0"/>
+                                                              </a:p>
+                                                            </p:txBody>
+                                                          </p:sp>
+                                                          <p:grpSp>
+                                                            <p:nvGrpSpPr>
+                                                              <p:cNvPr id="53" name="Group 52"/>
+                                                              <p:cNvGrpSpPr/>
+                                                              <p:nvPr/>
+                                                            </p:nvGrpSpPr>
+                                                            <p:grpSpPr>
+                                                              <a:xfrm>
+                                                                <a:off x="-3017230" y="137499"/>
+                                                                <a:ext cx="10002631" cy="6161841"/>
+                                                                <a:chOff x="-2944802" y="-383074"/>
+                                                                <a:chExt cx="10002631" cy="6161841"/>
+                                                              </a:xfrm>
+                                                            </p:grpSpPr>
+                                                            <p:sp>
+                                                              <p:nvSpPr>
+                                                                <p:cNvPr id="56" name="Rectangle 55"/>
+                                                                <p:cNvSpPr/>
+                                                                <p:nvPr/>
+                                                              </p:nvSpPr>
+                                                              <p:spPr>
+                                                                <a:xfrm>
+                                                                  <a:off x="3471140" y="2500378"/>
+                                                                  <a:ext cx="487826" cy="388177"/>
+                                                                </a:xfrm>
+                                                                <a:prstGeom prst="rect">
+                                                                  <a:avLst/>
+                                                                </a:prstGeom>
+                                                              </p:spPr>
+                                                              <p:txBody>
+                                                                <a:bodyPr wrap="none">
+                                                                  <a:spAutoFit/>
+                                                                </a:bodyPr>
+                                                                <a:lstStyle/>
+                                                                <a:p>
+                                                                  <a:pPr algn="ctr"/>
+                                                                  <a:r>
+                                                                    <a:rPr lang="nb-NO" sz="1400" dirty="0" smtClean="0"/>
+                                                                    <a:t>R2</a:t>
+                                                                  </a:r>
+                                                                  <a:endParaRPr lang="nb-NO" sz="1400" dirty="0"/>
+                                                                </a:p>
+                                                              </p:txBody>
+                                                            </p:sp>
+                                                            <p:sp>
+                                                              <p:nvSpPr>
+                                                                <p:cNvPr id="58" name="TextBox 57"/>
+                                                                <p:cNvSpPr txBox="1"/>
+                                                                <p:nvPr/>
+                                                              </p:nvSpPr>
+                                                              <p:spPr>
+                                                                <a:xfrm>
+                                                                  <a:off x="2914110" y="3182644"/>
+                                                                  <a:ext cx="241069" cy="388177"/>
+                                                                </a:xfrm>
+                                                                <a:prstGeom prst="rect">
+                                                                  <a:avLst/>
+                                                                </a:prstGeom>
+                                                                <a:noFill/>
+                                                              </p:spPr>
+                                                              <p:txBody>
+                                                                <a:bodyPr wrap="none" rtlCol="0">
+                                                                  <a:spAutoFit/>
+                                                                </a:bodyPr>
+                                                                <a:lstStyle/>
+                                                                <a:p>
+                                                                  <a:endParaRPr lang="nb-NO" sz="1400" dirty="0"/>
+                                                                </a:p>
+                                                              </p:txBody>
+                                                            </p:sp>
+                                                            <p:cxnSp>
+                                                              <p:nvCxnSpPr>
+                                                                <p:cNvPr id="59" name="Straight Connector 58"/>
+                                                                <p:cNvCxnSpPr/>
+                                                                <p:nvPr/>
+                                                              </p:nvCxnSpPr>
+                                                              <p:spPr>
+                                                                <a:xfrm>
+                                                                  <a:off x="3538989" y="705621"/>
+                                                                  <a:ext cx="2162214" cy="2988193"/>
+                                                                </a:xfrm>
+                                                                <a:prstGeom prst="line">
+                                                                  <a:avLst/>
+                                                                </a:prstGeom>
+                                                              </p:spPr>
+                                                              <p:style>
+                                                                <a:lnRef idx="3">
+                                                                  <a:schemeClr val="dk1"/>
+                                                                </a:lnRef>
+                                                                <a:fillRef idx="0">
+                                                                  <a:schemeClr val="dk1"/>
+                                                                </a:fillRef>
+                                                                <a:effectRef idx="2">
+                                                                  <a:schemeClr val="dk1"/>
+                                                                </a:effectRef>
+                                                                <a:fontRef idx="minor">
+                                                                  <a:schemeClr val="tx1"/>
+                                                                </a:fontRef>
+                                                              </p:style>
+                                                            </p:cxnSp>
+                                                            <p:sp>
+                                                              <p:nvSpPr>
+                                                                <p:cNvPr id="61" name="Rectangle 7"/>
+                                                                <p:cNvSpPr/>
+                                                                <p:nvPr/>
+                                                              </p:nvSpPr>
+                                                              <p:spPr>
+                                                                <a:xfrm rot="19740000">
+                                                                  <a:off x="-2944802" y="4528745"/>
+                                                                  <a:ext cx="6472855" cy="689053"/>
+                                                                </a:xfrm>
+                                                                <a:custGeom>
+                                                                  <a:avLst/>
+                                                                  <a:gdLst>
+                                                                    <a:gd name="connsiteX0" fmla="*/ 0 w 2409568"/>
+                                                                    <a:gd name="connsiteY0" fmla="*/ 0 h 633075"/>
+                                                                    <a:gd name="connsiteX1" fmla="*/ 2409568 w 2409568"/>
+                                                                    <a:gd name="connsiteY1" fmla="*/ 0 h 633075"/>
+                                                                    <a:gd name="connsiteX2" fmla="*/ 2409568 w 2409568"/>
+                                                                    <a:gd name="connsiteY2" fmla="*/ 633075 h 633075"/>
+                                                                    <a:gd name="connsiteX3" fmla="*/ 0 w 2409568"/>
+                                                                    <a:gd name="connsiteY3" fmla="*/ 633075 h 633075"/>
+                                                                    <a:gd name="connsiteX4" fmla="*/ 0 w 2409568"/>
+                                                                    <a:gd name="connsiteY4" fmla="*/ 0 h 633075"/>
+                                                                    <a:gd name="connsiteX0" fmla="*/ 325646 w 2735214"/>
+                                                                    <a:gd name="connsiteY0" fmla="*/ 0 h 640217"/>
+                                                                    <a:gd name="connsiteX1" fmla="*/ 2735214 w 2735214"/>
+                                                                    <a:gd name="connsiteY1" fmla="*/ 0 h 640217"/>
+                                                                    <a:gd name="connsiteX2" fmla="*/ 2735214 w 2735214"/>
+                                                                    <a:gd name="connsiteY2" fmla="*/ 633075 h 640217"/>
+                                                                    <a:gd name="connsiteX3" fmla="*/ 0 w 2735214"/>
+                                                                    <a:gd name="connsiteY3" fmla="*/ 640217 h 640217"/>
+                                                                    <a:gd name="connsiteX4" fmla="*/ 325646 w 2735214"/>
+                                                                    <a:gd name="connsiteY4" fmla="*/ 0 h 640217"/>
+                                                                    <a:gd name="connsiteX0" fmla="*/ 325646 w 2735214"/>
+                                                                    <a:gd name="connsiteY0" fmla="*/ 0 h 640217"/>
+                                                                    <a:gd name="connsiteX1" fmla="*/ 2703341 w 2735214"/>
+                                                                    <a:gd name="connsiteY1" fmla="*/ 9139 h 640217"/>
+                                                                    <a:gd name="connsiteX2" fmla="*/ 2735214 w 2735214"/>
+                                                                    <a:gd name="connsiteY2" fmla="*/ 633075 h 640217"/>
+                                                                    <a:gd name="connsiteX3" fmla="*/ 0 w 2735214"/>
+                                                                    <a:gd name="connsiteY3" fmla="*/ 640217 h 640217"/>
+                                                                    <a:gd name="connsiteX4" fmla="*/ 325646 w 2735214"/>
+                                                                    <a:gd name="connsiteY4" fmla="*/ 0 h 640217"/>
+                                                                    <a:gd name="connsiteX0" fmla="*/ 325646 w 2745467"/>
+                                                                    <a:gd name="connsiteY0" fmla="*/ 0 h 640217"/>
+                                                                    <a:gd name="connsiteX1" fmla="*/ 2745467 w 2745467"/>
+                                                                    <a:gd name="connsiteY1" fmla="*/ 5683 h 640217"/>
+                                                                    <a:gd name="connsiteX2" fmla="*/ 2735214 w 2745467"/>
+                                                                    <a:gd name="connsiteY2" fmla="*/ 633075 h 640217"/>
+                                                                    <a:gd name="connsiteX3" fmla="*/ 0 w 2745467"/>
+                                                                    <a:gd name="connsiteY3" fmla="*/ 640217 h 640217"/>
+                                                                    <a:gd name="connsiteX4" fmla="*/ 325646 w 2745467"/>
+                                                                    <a:gd name="connsiteY4" fmla="*/ 0 h 640217"/>
+                                                                    <a:gd name="connsiteX0" fmla="*/ 423511 w 2843332"/>
+                                                                    <a:gd name="connsiteY0" fmla="*/ 0 h 663088"/>
+                                                                    <a:gd name="connsiteX1" fmla="*/ 2843332 w 2843332"/>
+                                                                    <a:gd name="connsiteY1" fmla="*/ 5683 h 663088"/>
+                                                                    <a:gd name="connsiteX2" fmla="*/ 2833079 w 2843332"/>
+                                                                    <a:gd name="connsiteY2" fmla="*/ 633075 h 663088"/>
+                                                                    <a:gd name="connsiteX3" fmla="*/ 0 w 2843332"/>
+                                                                    <a:gd name="connsiteY3" fmla="*/ 663088 h 663088"/>
+                                                                    <a:gd name="connsiteX4" fmla="*/ 423511 w 2843332"/>
+                                                                    <a:gd name="connsiteY4" fmla="*/ 0 h 663088"/>
+                                                                    <a:gd name="connsiteX0" fmla="*/ 0 w 2419821"/>
+                                                                    <a:gd name="connsiteY0" fmla="*/ 0 h 680951"/>
+                                                                    <a:gd name="connsiteX1" fmla="*/ 2419821 w 2419821"/>
+                                                                    <a:gd name="connsiteY1" fmla="*/ 5683 h 680951"/>
+                                                                    <a:gd name="connsiteX2" fmla="*/ 2409568 w 2419821"/>
+                                                                    <a:gd name="connsiteY2" fmla="*/ 633075 h 680951"/>
+                                                                    <a:gd name="connsiteX3" fmla="*/ 79828 w 2419821"/>
+                                                                    <a:gd name="connsiteY3" fmla="*/ 680951 h 680951"/>
+                                                                    <a:gd name="connsiteX4" fmla="*/ 0 w 2419821"/>
+                                                                    <a:gd name="connsiteY4" fmla="*/ 0 h 680951"/>
+                                                                    <a:gd name="connsiteX0" fmla="*/ 0 w 2409568"/>
+                                                                    <a:gd name="connsiteY0" fmla="*/ 0 h 680951"/>
+                                                                    <a:gd name="connsiteX1" fmla="*/ 2384585 w 2409568"/>
+                                                                    <a:gd name="connsiteY1" fmla="*/ 7412 h 680951"/>
+                                                                    <a:gd name="connsiteX2" fmla="*/ 2409568 w 2409568"/>
+                                                                    <a:gd name="connsiteY2" fmla="*/ 633075 h 680951"/>
+                                                                    <a:gd name="connsiteX3" fmla="*/ 79828 w 2409568"/>
+                                                                    <a:gd name="connsiteY3" fmla="*/ 680951 h 680951"/>
+                                                                    <a:gd name="connsiteX4" fmla="*/ 0 w 2409568"/>
+                                                                    <a:gd name="connsiteY4" fmla="*/ 0 h 680951"/>
+                                                                    <a:gd name="connsiteX0" fmla="*/ 0 w 2448398"/>
+                                                                    <a:gd name="connsiteY0" fmla="*/ 83701 h 764652"/>
+                                                                    <a:gd name="connsiteX1" fmla="*/ 2448398 w 2448398"/>
+                                                                    <a:gd name="connsiteY1" fmla="*/ 0 h 764652"/>
+                                                                    <a:gd name="connsiteX2" fmla="*/ 2409568 w 2448398"/>
+                                                                    <a:gd name="connsiteY2" fmla="*/ 716776 h 764652"/>
+                                                                    <a:gd name="connsiteX3" fmla="*/ 79828 w 2448398"/>
+                                                                    <a:gd name="connsiteY3" fmla="*/ 764652 h 764652"/>
+                                                                    <a:gd name="connsiteX4" fmla="*/ 0 w 2448398"/>
+                                                                    <a:gd name="connsiteY4" fmla="*/ 83701 h 764652"/>
+                                                                    <a:gd name="connsiteX0" fmla="*/ 0 w 2448398"/>
+                                                                    <a:gd name="connsiteY0" fmla="*/ 83701 h 764652"/>
+                                                                    <a:gd name="connsiteX1" fmla="*/ 2448398 w 2448398"/>
+                                                                    <a:gd name="connsiteY1" fmla="*/ 0 h 764652"/>
+                                                                    <a:gd name="connsiteX2" fmla="*/ 2444803 w 2448398"/>
+                                                                    <a:gd name="connsiteY2" fmla="*/ 715046 h 764652"/>
+                                                                    <a:gd name="connsiteX3" fmla="*/ 79828 w 2448398"/>
+                                                                    <a:gd name="connsiteY3" fmla="*/ 764652 h 764652"/>
+                                                                    <a:gd name="connsiteX4" fmla="*/ 0 w 2448398"/>
+                                                                    <a:gd name="connsiteY4" fmla="*/ 83701 h 764652"/>
+                                                                    <a:gd name="connsiteX0" fmla="*/ 0 w 2485288"/>
+                                                                    <a:gd name="connsiteY0" fmla="*/ 48617 h 764652"/>
+                                                                    <a:gd name="connsiteX1" fmla="*/ 2485288 w 2485288"/>
+                                                                    <a:gd name="connsiteY1" fmla="*/ 0 h 764652"/>
+                                                                    <a:gd name="connsiteX2" fmla="*/ 2481693 w 2485288"/>
+                                                                    <a:gd name="connsiteY2" fmla="*/ 715046 h 764652"/>
+                                                                    <a:gd name="connsiteX3" fmla="*/ 116718 w 2485288"/>
+                                                                    <a:gd name="connsiteY3" fmla="*/ 764652 h 764652"/>
+                                                                    <a:gd name="connsiteX4" fmla="*/ 0 w 2485288"/>
+                                                                    <a:gd name="connsiteY4" fmla="*/ 48617 h 764652"/>
+                                                                    <a:gd name="connsiteX0" fmla="*/ 0 w 2515268"/>
+                                                                    <a:gd name="connsiteY0" fmla="*/ 48617 h 764652"/>
+                                                                    <a:gd name="connsiteX1" fmla="*/ 2485288 w 2515268"/>
+                                                                    <a:gd name="connsiteY1" fmla="*/ 0 h 764652"/>
+                                                                    <a:gd name="connsiteX2" fmla="*/ 2515236 w 2515268"/>
+                                                                    <a:gd name="connsiteY2" fmla="*/ 736105 h 764652"/>
+                                                                    <a:gd name="connsiteX3" fmla="*/ 116718 w 2515268"/>
+                                                                    <a:gd name="connsiteY3" fmla="*/ 764652 h 764652"/>
+                                                                    <a:gd name="connsiteX4" fmla="*/ 0 w 2515268"/>
+                                                                    <a:gd name="connsiteY4" fmla="*/ 48617 h 764652"/>
+                                                                    <a:gd name="connsiteX0" fmla="*/ 0 w 2515268"/>
+                                                                    <a:gd name="connsiteY0" fmla="*/ 48617 h 781751"/>
+                                                                    <a:gd name="connsiteX1" fmla="*/ 2485288 w 2515268"/>
+                                                                    <a:gd name="connsiteY1" fmla="*/ 0 h 781751"/>
+                                                                    <a:gd name="connsiteX2" fmla="*/ 2515236 w 2515268"/>
+                                                                    <a:gd name="connsiteY2" fmla="*/ 736105 h 781751"/>
+                                                                    <a:gd name="connsiteX3" fmla="*/ 96120 w 2515268"/>
+                                                                    <a:gd name="connsiteY3" fmla="*/ 781751 h 781751"/>
+                                                                    <a:gd name="connsiteX4" fmla="*/ 0 w 2515268"/>
+                                                                    <a:gd name="connsiteY4" fmla="*/ 48617 h 781751"/>
+                                                                    <a:gd name="connsiteX0" fmla="*/ 0 w 2448078"/>
+                                                                    <a:gd name="connsiteY0" fmla="*/ 67716 h 781751"/>
+                                                                    <a:gd name="connsiteX1" fmla="*/ 2418098 w 2448078"/>
+                                                                    <a:gd name="connsiteY1" fmla="*/ 0 h 781751"/>
+                                                                    <a:gd name="connsiteX2" fmla="*/ 2448046 w 2448078"/>
+                                                                    <a:gd name="connsiteY2" fmla="*/ 736105 h 781751"/>
+                                                                    <a:gd name="connsiteX3" fmla="*/ 28930 w 2448078"/>
+                                                                    <a:gd name="connsiteY3" fmla="*/ 781751 h 781751"/>
+                                                                    <a:gd name="connsiteX4" fmla="*/ 0 w 2448078"/>
+                                                                    <a:gd name="connsiteY4" fmla="*/ 67716 h 781751"/>
+                                                                    <a:gd name="connsiteX0" fmla="*/ 0 w 2448078"/>
+                                                                    <a:gd name="connsiteY0" fmla="*/ 67716 h 795097"/>
+                                                                    <a:gd name="connsiteX1" fmla="*/ 2418098 w 2448078"/>
+                                                                    <a:gd name="connsiteY1" fmla="*/ 0 h 795097"/>
+                                                                    <a:gd name="connsiteX2" fmla="*/ 2448046 w 2448078"/>
+                                                                    <a:gd name="connsiteY2" fmla="*/ 736105 h 795097"/>
+                                                                    <a:gd name="connsiteX3" fmla="*/ 53852 w 2448078"/>
+                                                                    <a:gd name="connsiteY3" fmla="*/ 795097 h 795097"/>
+                                                                    <a:gd name="connsiteX4" fmla="*/ 0 w 2448078"/>
+                                                                    <a:gd name="connsiteY4" fmla="*/ 67716 h 795097"/>
+                                                                    <a:gd name="connsiteX0" fmla="*/ 0 w 2743626"/>
+                                                                    <a:gd name="connsiteY0" fmla="*/ 57720 h 795097"/>
+                                                                    <a:gd name="connsiteX1" fmla="*/ 2713646 w 2743626"/>
+                                                                    <a:gd name="connsiteY1" fmla="*/ 0 h 795097"/>
+                                                                    <a:gd name="connsiteX2" fmla="*/ 2743594 w 2743626"/>
+                                                                    <a:gd name="connsiteY2" fmla="*/ 736105 h 795097"/>
+                                                                    <a:gd name="connsiteX3" fmla="*/ 349400 w 2743626"/>
+                                                                    <a:gd name="connsiteY3" fmla="*/ 795097 h 795097"/>
+                                                                    <a:gd name="connsiteX4" fmla="*/ 0 w 2743626"/>
+                                                                    <a:gd name="connsiteY4" fmla="*/ 57720 h 795097"/>
+                                                                    <a:gd name="connsiteX0" fmla="*/ 4565 w 2748191"/>
+                                                                    <a:gd name="connsiteY0" fmla="*/ 57720 h 795097"/>
+                                                                    <a:gd name="connsiteX1" fmla="*/ 2718211 w 2748191"/>
+                                                                    <a:gd name="connsiteY1" fmla="*/ 0 h 795097"/>
+                                                                    <a:gd name="connsiteX2" fmla="*/ 2748159 w 2748191"/>
+                                                                    <a:gd name="connsiteY2" fmla="*/ 736105 h 795097"/>
+                                                                    <a:gd name="connsiteX3" fmla="*/ 353965 w 2748191"/>
+                                                                    <a:gd name="connsiteY3" fmla="*/ 795097 h 795097"/>
+                                                                    <a:gd name="connsiteX4" fmla="*/ 4565 w 2748191"/>
+                                                                    <a:gd name="connsiteY4" fmla="*/ 57720 h 795097"/>
+                                                                    <a:gd name="connsiteX0" fmla="*/ 4182 w 2776283"/>
+                                                                    <a:gd name="connsiteY0" fmla="*/ 116650 h 795097"/>
+                                                                    <a:gd name="connsiteX1" fmla="*/ 2746303 w 2776283"/>
+                                                                    <a:gd name="connsiteY1" fmla="*/ 0 h 795097"/>
+                                                                    <a:gd name="connsiteX2" fmla="*/ 2776251 w 2776283"/>
+                                                                    <a:gd name="connsiteY2" fmla="*/ 736105 h 795097"/>
+                                                                    <a:gd name="connsiteX3" fmla="*/ 382057 w 2776283"/>
+                                                                    <a:gd name="connsiteY3" fmla="*/ 795097 h 795097"/>
+                                                                    <a:gd name="connsiteX4" fmla="*/ 4182 w 2776283"/>
+                                                                    <a:gd name="connsiteY4" fmla="*/ 116650 h 795097"/>
+                                                                    <a:gd name="connsiteX0" fmla="*/ 4182 w 2776299"/>
+                                                                    <a:gd name="connsiteY0" fmla="*/ 99509 h 777956"/>
+                                                                    <a:gd name="connsiteX1" fmla="*/ 2757246 w 2776299"/>
+                                                                    <a:gd name="connsiteY1" fmla="*/ 0 h 777956"/>
+                                                                    <a:gd name="connsiteX2" fmla="*/ 2776251 w 2776299"/>
+                                                                    <a:gd name="connsiteY2" fmla="*/ 718964 h 777956"/>
+                                                                    <a:gd name="connsiteX3" fmla="*/ 382057 w 2776299"/>
+                                                                    <a:gd name="connsiteY3" fmla="*/ 777956 h 777956"/>
+                                                                    <a:gd name="connsiteX4" fmla="*/ 4182 w 2776299"/>
+                                                                    <a:gd name="connsiteY4" fmla="*/ 99509 h 777956"/>
+                                                                  </a:gdLst>
+                                                                  <a:ahLst/>
+                                                                  <a:cxnLst>
+                                                                    <a:cxn ang="0">
+                                                                      <a:pos x="connsiteX0" y="connsiteY0"/>
+                                                                    </a:cxn>
+                                                                    <a:cxn ang="0">
+                                                                      <a:pos x="connsiteX1" y="connsiteY1"/>
+                                                                    </a:cxn>
+                                                                    <a:cxn ang="0">
+                                                                      <a:pos x="connsiteX2" y="connsiteY2"/>
+                                                                    </a:cxn>
+                                                                    <a:cxn ang="0">
+                                                                      <a:pos x="connsiteX3" y="connsiteY3"/>
+                                                                    </a:cxn>
+                                                                    <a:cxn ang="0">
+                                                                      <a:pos x="connsiteX4" y="connsiteY4"/>
+                                                                    </a:cxn>
+                                                                  </a:cxnLst>
+                                                                  <a:rect l="l" t="t" r="r" b="b"/>
+                                                                  <a:pathLst>
+                                                                    <a:path w="2776299" h="777956">
+                                                                      <a:moveTo>
+                                                                        <a:pt x="4182" y="99509"/>
+                                                                      </a:moveTo>
+                                                                      <a:lnTo>
+                                                                        <a:pt x="2757246" y="0"/>
+                                                                      </a:lnTo>
+                                                                      <a:cubicBezTo>
+                                                                        <a:pt x="2756048" y="238349"/>
+                                                                        <a:pt x="2777449" y="480615"/>
+                                                                        <a:pt x="2776251" y="718964"/>
+                                                                      </a:cubicBezTo>
+                                                                      <a:lnTo>
+                                                                        <a:pt x="382057" y="777956"/>
+                                                                      </a:lnTo>
+                                                                      <a:cubicBezTo>
+                                                                        <a:pt x="265590" y="532164"/>
+                                                                        <a:pt x="-39132" y="198548"/>
+                                                                        <a:pt x="4182" y="99509"/>
+                                                                      </a:cubicBezTo>
+                                                                      <a:close/>
+                                                                    </a:path>
+                                                                  </a:pathLst>
+                                                                </a:custGeom>
+                                                                <a:solidFill>
+                                                                  <a:srgbClr val="00B050"/>
+                                                                </a:solidFill>
+                                                                <a:ln>
+                                                                  <a:noFill/>
+                                                                </a:ln>
+                                                              </p:spPr>
+                                                              <p:style>
+                                                                <a:lnRef idx="2">
+                                                                  <a:schemeClr val="accent1">
+                                                                    <a:shade val="50000"/>
+                                                                  </a:schemeClr>
+                                                                </a:lnRef>
+                                                                <a:fillRef idx="1">
+                                                                  <a:schemeClr val="accent1"/>
+                                                                </a:fillRef>
+                                                                <a:effectRef idx="0">
+                                                                  <a:schemeClr val="accent1"/>
+                                                                </a:effectRef>
+                                                                <a:fontRef idx="minor">
+                                                                  <a:schemeClr val="lt1"/>
+                                                                </a:fontRef>
+                                                              </p:style>
+                                                              <p:txBody>
+                                                                <a:bodyPr rtlCol="0" anchor="ctr"/>
+                                                                <a:lstStyle/>
+                                                                <a:p>
+                                                                  <a:pPr algn="ctr"/>
+                                                                  <a:endParaRPr lang="nb-NO" sz="1400" dirty="0">
+                                                                    <a:solidFill>
+                                                                      <a:srgbClr val="00B050"/>
+                                                                    </a:solidFill>
+                                                                  </a:endParaRPr>
+                                                                </a:p>
+                                                              </p:txBody>
+                                                            </p:sp>
+                                                            <p:sp>
+                                                              <p:nvSpPr>
+                                                                <p:cNvPr id="62" name="Rectangle 7"/>
+                                                                <p:cNvSpPr/>
+                                                                <p:nvPr/>
+                                                              </p:nvSpPr>
+                                                              <p:spPr>
+                                                                <a:xfrm rot="19740000">
+                                                                  <a:off x="-600245" y="5075061"/>
+                                                                  <a:ext cx="4631314" cy="703706"/>
+                                                                </a:xfrm>
+                                                                <a:custGeom>
+                                                                  <a:avLst/>
+                                                                  <a:gdLst>
+                                                                    <a:gd name="connsiteX0" fmla="*/ 0 w 2409568"/>
+                                                                    <a:gd name="connsiteY0" fmla="*/ 0 h 633075"/>
+                                                                    <a:gd name="connsiteX1" fmla="*/ 2409568 w 2409568"/>
+                                                                    <a:gd name="connsiteY1" fmla="*/ 0 h 633075"/>
+                                                                    <a:gd name="connsiteX2" fmla="*/ 2409568 w 2409568"/>
+                                                                    <a:gd name="connsiteY2" fmla="*/ 633075 h 633075"/>
+                                                                    <a:gd name="connsiteX3" fmla="*/ 0 w 2409568"/>
+                                                                    <a:gd name="connsiteY3" fmla="*/ 633075 h 633075"/>
+                                                                    <a:gd name="connsiteX4" fmla="*/ 0 w 2409568"/>
+                                                                    <a:gd name="connsiteY4" fmla="*/ 0 h 633075"/>
+                                                                    <a:gd name="connsiteX0" fmla="*/ 325646 w 2735214"/>
+                                                                    <a:gd name="connsiteY0" fmla="*/ 0 h 640217"/>
+                                                                    <a:gd name="connsiteX1" fmla="*/ 2735214 w 2735214"/>
+                                                                    <a:gd name="connsiteY1" fmla="*/ 0 h 640217"/>
+                                                                    <a:gd name="connsiteX2" fmla="*/ 2735214 w 2735214"/>
+                                                                    <a:gd name="connsiteY2" fmla="*/ 633075 h 640217"/>
+                                                                    <a:gd name="connsiteX3" fmla="*/ 0 w 2735214"/>
+                                                                    <a:gd name="connsiteY3" fmla="*/ 640217 h 640217"/>
+                                                                    <a:gd name="connsiteX4" fmla="*/ 325646 w 2735214"/>
+                                                                    <a:gd name="connsiteY4" fmla="*/ 0 h 640217"/>
+                                                                    <a:gd name="connsiteX0" fmla="*/ 325646 w 2735214"/>
+                                                                    <a:gd name="connsiteY0" fmla="*/ 0 h 640217"/>
+                                                                    <a:gd name="connsiteX1" fmla="*/ 2703341 w 2735214"/>
+                                                                    <a:gd name="connsiteY1" fmla="*/ 9139 h 640217"/>
+                                                                    <a:gd name="connsiteX2" fmla="*/ 2735214 w 2735214"/>
+                                                                    <a:gd name="connsiteY2" fmla="*/ 633075 h 640217"/>
+                                                                    <a:gd name="connsiteX3" fmla="*/ 0 w 2735214"/>
+                                                                    <a:gd name="connsiteY3" fmla="*/ 640217 h 640217"/>
+                                                                    <a:gd name="connsiteX4" fmla="*/ 325646 w 2735214"/>
+                                                                    <a:gd name="connsiteY4" fmla="*/ 0 h 640217"/>
+                                                                    <a:gd name="connsiteX0" fmla="*/ 325646 w 2745467"/>
+                                                                    <a:gd name="connsiteY0" fmla="*/ 0 h 640217"/>
+                                                                    <a:gd name="connsiteX1" fmla="*/ 2745467 w 2745467"/>
+                                                                    <a:gd name="connsiteY1" fmla="*/ 5683 h 640217"/>
+                                                                    <a:gd name="connsiteX2" fmla="*/ 2735214 w 2745467"/>
+                                                                    <a:gd name="connsiteY2" fmla="*/ 633075 h 640217"/>
+                                                                    <a:gd name="connsiteX3" fmla="*/ 0 w 2745467"/>
+                                                                    <a:gd name="connsiteY3" fmla="*/ 640217 h 640217"/>
+                                                                    <a:gd name="connsiteX4" fmla="*/ 325646 w 2745467"/>
+                                                                    <a:gd name="connsiteY4" fmla="*/ 0 h 640217"/>
+                                                                    <a:gd name="connsiteX0" fmla="*/ 423511 w 2843332"/>
+                                                                    <a:gd name="connsiteY0" fmla="*/ 0 h 663088"/>
+                                                                    <a:gd name="connsiteX1" fmla="*/ 2843332 w 2843332"/>
+                                                                    <a:gd name="connsiteY1" fmla="*/ 5683 h 663088"/>
+                                                                    <a:gd name="connsiteX2" fmla="*/ 2833079 w 2843332"/>
+                                                                    <a:gd name="connsiteY2" fmla="*/ 633075 h 663088"/>
+                                                                    <a:gd name="connsiteX3" fmla="*/ 0 w 2843332"/>
+                                                                    <a:gd name="connsiteY3" fmla="*/ 663088 h 663088"/>
+                                                                    <a:gd name="connsiteX4" fmla="*/ 423511 w 2843332"/>
+                                                                    <a:gd name="connsiteY4" fmla="*/ 0 h 663088"/>
+                                                                    <a:gd name="connsiteX0" fmla="*/ 0 w 2419821"/>
+                                                                    <a:gd name="connsiteY0" fmla="*/ 0 h 680951"/>
+                                                                    <a:gd name="connsiteX1" fmla="*/ 2419821 w 2419821"/>
+                                                                    <a:gd name="connsiteY1" fmla="*/ 5683 h 680951"/>
+                                                                    <a:gd name="connsiteX2" fmla="*/ 2409568 w 2419821"/>
+                                                                    <a:gd name="connsiteY2" fmla="*/ 633075 h 680951"/>
+                                                                    <a:gd name="connsiteX3" fmla="*/ 79828 w 2419821"/>
+                                                                    <a:gd name="connsiteY3" fmla="*/ 680951 h 680951"/>
+                                                                    <a:gd name="connsiteX4" fmla="*/ 0 w 2419821"/>
+                                                                    <a:gd name="connsiteY4" fmla="*/ 0 h 680951"/>
+                                                                    <a:gd name="connsiteX0" fmla="*/ 0 w 2409568"/>
+                                                                    <a:gd name="connsiteY0" fmla="*/ 0 h 680951"/>
+                                                                    <a:gd name="connsiteX1" fmla="*/ 2384585 w 2409568"/>
+                                                                    <a:gd name="connsiteY1" fmla="*/ 7412 h 680951"/>
+                                                                    <a:gd name="connsiteX2" fmla="*/ 2409568 w 2409568"/>
+                                                                    <a:gd name="connsiteY2" fmla="*/ 633075 h 680951"/>
+                                                                    <a:gd name="connsiteX3" fmla="*/ 79828 w 2409568"/>
+                                                                    <a:gd name="connsiteY3" fmla="*/ 680951 h 680951"/>
+                                                                    <a:gd name="connsiteX4" fmla="*/ 0 w 2409568"/>
+                                                                    <a:gd name="connsiteY4" fmla="*/ 0 h 680951"/>
+                                                                    <a:gd name="connsiteX0" fmla="*/ 0 w 2448398"/>
+                                                                    <a:gd name="connsiteY0" fmla="*/ 83701 h 764652"/>
+                                                                    <a:gd name="connsiteX1" fmla="*/ 2448398 w 2448398"/>
+                                                                    <a:gd name="connsiteY1" fmla="*/ 0 h 764652"/>
+                                                                    <a:gd name="connsiteX2" fmla="*/ 2409568 w 2448398"/>
+                                                                    <a:gd name="connsiteY2" fmla="*/ 716776 h 764652"/>
+                                                                    <a:gd name="connsiteX3" fmla="*/ 79828 w 2448398"/>
+                                                                    <a:gd name="connsiteY3" fmla="*/ 764652 h 764652"/>
+                                                                    <a:gd name="connsiteX4" fmla="*/ 0 w 2448398"/>
+                                                                    <a:gd name="connsiteY4" fmla="*/ 83701 h 764652"/>
+                                                                    <a:gd name="connsiteX0" fmla="*/ 0 w 2448398"/>
+                                                                    <a:gd name="connsiteY0" fmla="*/ 83701 h 764652"/>
+                                                                    <a:gd name="connsiteX1" fmla="*/ 2448398 w 2448398"/>
+                                                                    <a:gd name="connsiteY1" fmla="*/ 0 h 764652"/>
+                                                                    <a:gd name="connsiteX2" fmla="*/ 2444803 w 2448398"/>
+                                                                    <a:gd name="connsiteY2" fmla="*/ 715046 h 764652"/>
+                                                                    <a:gd name="connsiteX3" fmla="*/ 79828 w 2448398"/>
+                                                                    <a:gd name="connsiteY3" fmla="*/ 764652 h 764652"/>
+                                                                    <a:gd name="connsiteX4" fmla="*/ 0 w 2448398"/>
+                                                                    <a:gd name="connsiteY4" fmla="*/ 83701 h 764652"/>
+                                                                    <a:gd name="connsiteX0" fmla="*/ 0 w 2485288"/>
+                                                                    <a:gd name="connsiteY0" fmla="*/ 48617 h 764652"/>
+                                                                    <a:gd name="connsiteX1" fmla="*/ 2485288 w 2485288"/>
+                                                                    <a:gd name="connsiteY1" fmla="*/ 0 h 764652"/>
+                                                                    <a:gd name="connsiteX2" fmla="*/ 2481693 w 2485288"/>
+                                                                    <a:gd name="connsiteY2" fmla="*/ 715046 h 764652"/>
+                                                                    <a:gd name="connsiteX3" fmla="*/ 116718 w 2485288"/>
+                                                                    <a:gd name="connsiteY3" fmla="*/ 764652 h 764652"/>
+                                                                    <a:gd name="connsiteX4" fmla="*/ 0 w 2485288"/>
+                                                                    <a:gd name="connsiteY4" fmla="*/ 48617 h 764652"/>
+                                                                    <a:gd name="connsiteX0" fmla="*/ 0 w 2481701"/>
+                                                                    <a:gd name="connsiteY0" fmla="*/ 17143 h 733178"/>
+                                                                    <a:gd name="connsiteX1" fmla="*/ 2364465 w 2481701"/>
+                                                                    <a:gd name="connsiteY1" fmla="*/ 0 h 733178"/>
+                                                                    <a:gd name="connsiteX2" fmla="*/ 2481693 w 2481701"/>
+                                                                    <a:gd name="connsiteY2" fmla="*/ 683572 h 733178"/>
+                                                                    <a:gd name="connsiteX3" fmla="*/ 116718 w 2481701"/>
+                                                                    <a:gd name="connsiteY3" fmla="*/ 733178 h 733178"/>
+                                                                    <a:gd name="connsiteX4" fmla="*/ 0 w 2481701"/>
+                                                                    <a:gd name="connsiteY4" fmla="*/ 17143 h 733178"/>
+                                                                    <a:gd name="connsiteX0" fmla="*/ 0 w 2364465"/>
+                                                                    <a:gd name="connsiteY0" fmla="*/ 17143 h 733178"/>
+                                                                    <a:gd name="connsiteX1" fmla="*/ 2364465 w 2364465"/>
+                                                                    <a:gd name="connsiteY1" fmla="*/ 0 h 733178"/>
+                                                                    <a:gd name="connsiteX2" fmla="*/ 2352485 w 2364465"/>
+                                                                    <a:gd name="connsiteY2" fmla="*/ 709782 h 733178"/>
+                                                                    <a:gd name="connsiteX3" fmla="*/ 116718 w 2364465"/>
+                                                                    <a:gd name="connsiteY3" fmla="*/ 733178 h 733178"/>
+                                                                    <a:gd name="connsiteX4" fmla="*/ 0 w 2364465"/>
+                                                                    <a:gd name="connsiteY4" fmla="*/ 17143 h 733178"/>
+                                                                    <a:gd name="connsiteX0" fmla="*/ 0 w 2364465"/>
+                                                                    <a:gd name="connsiteY0" fmla="*/ 17143 h 733140"/>
+                                                                    <a:gd name="connsiteX1" fmla="*/ 2364465 w 2364465"/>
+                                                                    <a:gd name="connsiteY1" fmla="*/ 0 h 733140"/>
+                                                                    <a:gd name="connsiteX2" fmla="*/ 2352485 w 2364465"/>
+                                                                    <a:gd name="connsiteY2" fmla="*/ 709782 h 733140"/>
+                                                                    <a:gd name="connsiteX3" fmla="*/ 59671 w 2364465"/>
+                                                                    <a:gd name="connsiteY3" fmla="*/ 733140 h 733140"/>
+                                                                    <a:gd name="connsiteX4" fmla="*/ 0 w 2364465"/>
+                                                                    <a:gd name="connsiteY4" fmla="*/ 17143 h 733140"/>
+                                                                    <a:gd name="connsiteX0" fmla="*/ 0 w 2364465"/>
+                                                                    <a:gd name="connsiteY0" fmla="*/ 17143 h 733140"/>
+                                                                    <a:gd name="connsiteX1" fmla="*/ 2364465 w 2364465"/>
+                                                                    <a:gd name="connsiteY1" fmla="*/ 0 h 733140"/>
+                                                                    <a:gd name="connsiteX2" fmla="*/ 2355766 w 2364465"/>
+                                                                    <a:gd name="connsiteY2" fmla="*/ 700274 h 733140"/>
+                                                                    <a:gd name="connsiteX3" fmla="*/ 59671 w 2364465"/>
+                                                                    <a:gd name="connsiteY3" fmla="*/ 733140 h 733140"/>
+                                                                    <a:gd name="connsiteX4" fmla="*/ 0 w 2364465"/>
+                                                                    <a:gd name="connsiteY4" fmla="*/ 17143 h 733140"/>
+                                                                    <a:gd name="connsiteX0" fmla="*/ 0 w 2974151"/>
+                                                                    <a:gd name="connsiteY0" fmla="*/ 39302 h 733140"/>
+                                                                    <a:gd name="connsiteX1" fmla="*/ 2974151 w 2974151"/>
+                                                                    <a:gd name="connsiteY1" fmla="*/ 0 h 733140"/>
+                                                                    <a:gd name="connsiteX2" fmla="*/ 2965452 w 2974151"/>
+                                                                    <a:gd name="connsiteY2" fmla="*/ 700274 h 733140"/>
+                                                                    <a:gd name="connsiteX3" fmla="*/ 669357 w 2974151"/>
+                                                                    <a:gd name="connsiteY3" fmla="*/ 733140 h 733140"/>
+                                                                    <a:gd name="connsiteX4" fmla="*/ 0 w 2974151"/>
+                                                                    <a:gd name="connsiteY4" fmla="*/ 39302 h 733140"/>
+                                                                  </a:gdLst>
+                                                                  <a:ahLst/>
+                                                                  <a:cxnLst>
+                                                                    <a:cxn ang="0">
+                                                                      <a:pos x="connsiteX0" y="connsiteY0"/>
+                                                                    </a:cxn>
+                                                                    <a:cxn ang="0">
+                                                                      <a:pos x="connsiteX1" y="connsiteY1"/>
+                                                                    </a:cxn>
+                                                                    <a:cxn ang="0">
+                                                                      <a:pos x="connsiteX2" y="connsiteY2"/>
+                                                                    </a:cxn>
+                                                                    <a:cxn ang="0">
+                                                                      <a:pos x="connsiteX3" y="connsiteY3"/>
+                                                                    </a:cxn>
+                                                                    <a:cxn ang="0">
+                                                                      <a:pos x="connsiteX4" y="connsiteY4"/>
+                                                                    </a:cxn>
+                                                                  </a:cxnLst>
+                                                                  <a:rect l="l" t="t" r="r" b="b"/>
+                                                                  <a:pathLst>
+                                                                    <a:path w="2974151" h="733140">
+                                                                      <a:moveTo>
+                                                                        <a:pt x="0" y="39302"/>
+                                                                      </a:moveTo>
+                                                                      <a:lnTo>
+                                                                        <a:pt x="2974151" y="0"/>
+                                                                      </a:lnTo>
+                                                                      <a:cubicBezTo>
+                                                                        <a:pt x="2972953" y="238349"/>
+                                                                        <a:pt x="2966650" y="461925"/>
+                                                                        <a:pt x="2965452" y="700274"/>
+                                                                      </a:cubicBezTo>
+                                                                      <a:lnTo>
+                                                                        <a:pt x="669357" y="733140"/>
+                                                                      </a:lnTo>
+                                                                      <a:lnTo>
+                                                                        <a:pt x="0" y="39302"/>
+                                                                      </a:lnTo>
+                                                                      <a:close/>
+                                                                    </a:path>
+                                                                  </a:pathLst>
+                                                                </a:custGeom>
+                                                                <a:solidFill>
+                                                                  <a:srgbClr val="00B050"/>
+                                                                </a:solidFill>
+                                                                <a:ln>
+                                                                  <a:noFill/>
+                                                                </a:ln>
+                                                              </p:spPr>
+                                                              <p:style>
+                                                                <a:lnRef idx="2">
+                                                                  <a:schemeClr val="accent1">
+                                                                    <a:shade val="50000"/>
+                                                                  </a:schemeClr>
+                                                                </a:lnRef>
+                                                                <a:fillRef idx="1">
+                                                                  <a:schemeClr val="accent1"/>
+                                                                </a:fillRef>
+                                                                <a:effectRef idx="0">
+                                                                  <a:schemeClr val="accent1"/>
+                                                                </a:effectRef>
+                                                                <a:fontRef idx="minor">
+                                                                  <a:schemeClr val="lt1"/>
+                                                                </a:fontRef>
+                                                              </p:style>
+                                                              <p:txBody>
+                                                                <a:bodyPr rtlCol="0" anchor="ctr"/>
+                                                                <a:lstStyle/>
+                                                                <a:p>
+                                                                  <a:pPr algn="ctr"/>
+                                                                  <a:endParaRPr lang="nb-NO" sz="1400" dirty="0">
+                                                                    <a:solidFill>
+                                                                      <a:srgbClr val="00B050"/>
+                                                                    </a:solidFill>
+                                                                  </a:endParaRPr>
+                                                                </a:p>
+                                                              </p:txBody>
+                                                            </p:sp>
+                                                            <p:sp>
+                                                              <p:nvSpPr>
+                                                                <p:cNvPr id="63" name="Rectangle 7"/>
+                                                                <p:cNvSpPr/>
+                                                                <p:nvPr/>
+                                                              </p:nvSpPr>
+                                                              <p:spPr>
+                                                                <a:xfrm rot="9000000">
+                                                                  <a:off x="3208490" y="2848433"/>
+                                                                  <a:ext cx="1939288" cy="742288"/>
+                                                                </a:xfrm>
+                                                                <a:custGeom>
+                                                                  <a:avLst/>
+                                                                  <a:gdLst>
+                                                                    <a:gd name="connsiteX0" fmla="*/ 0 w 2409568"/>
+                                                                    <a:gd name="connsiteY0" fmla="*/ 0 h 633075"/>
+                                                                    <a:gd name="connsiteX1" fmla="*/ 2409568 w 2409568"/>
+                                                                    <a:gd name="connsiteY1" fmla="*/ 0 h 633075"/>
+                                                                    <a:gd name="connsiteX2" fmla="*/ 2409568 w 2409568"/>
+                                                                    <a:gd name="connsiteY2" fmla="*/ 633075 h 633075"/>
+                                                                    <a:gd name="connsiteX3" fmla="*/ 0 w 2409568"/>
+                                                                    <a:gd name="connsiteY3" fmla="*/ 633075 h 633075"/>
+                                                                    <a:gd name="connsiteX4" fmla="*/ 0 w 2409568"/>
+                                                                    <a:gd name="connsiteY4" fmla="*/ 0 h 633075"/>
+                                                                    <a:gd name="connsiteX0" fmla="*/ 325646 w 2735214"/>
+                                                                    <a:gd name="connsiteY0" fmla="*/ 0 h 640217"/>
+                                                                    <a:gd name="connsiteX1" fmla="*/ 2735214 w 2735214"/>
+                                                                    <a:gd name="connsiteY1" fmla="*/ 0 h 640217"/>
+                                                                    <a:gd name="connsiteX2" fmla="*/ 2735214 w 2735214"/>
+                                                                    <a:gd name="connsiteY2" fmla="*/ 633075 h 640217"/>
+                                                                    <a:gd name="connsiteX3" fmla="*/ 0 w 2735214"/>
+                                                                    <a:gd name="connsiteY3" fmla="*/ 640217 h 640217"/>
+                                                                    <a:gd name="connsiteX4" fmla="*/ 325646 w 2735214"/>
+                                                                    <a:gd name="connsiteY4" fmla="*/ 0 h 640217"/>
+                                                                    <a:gd name="connsiteX0" fmla="*/ 325646 w 2735214"/>
+                                                                    <a:gd name="connsiteY0" fmla="*/ 0 h 640217"/>
+                                                                    <a:gd name="connsiteX1" fmla="*/ 2703341 w 2735214"/>
+                                                                    <a:gd name="connsiteY1" fmla="*/ 9139 h 640217"/>
+                                                                    <a:gd name="connsiteX2" fmla="*/ 2735214 w 2735214"/>
+                                                                    <a:gd name="connsiteY2" fmla="*/ 633075 h 640217"/>
+                                                                    <a:gd name="connsiteX3" fmla="*/ 0 w 2735214"/>
+                                                                    <a:gd name="connsiteY3" fmla="*/ 640217 h 640217"/>
+                                                                    <a:gd name="connsiteX4" fmla="*/ 325646 w 2735214"/>
+                                                                    <a:gd name="connsiteY4" fmla="*/ 0 h 640217"/>
+                                                                    <a:gd name="connsiteX0" fmla="*/ 325646 w 2745467"/>
+                                                                    <a:gd name="connsiteY0" fmla="*/ 0 h 640217"/>
+                                                                    <a:gd name="connsiteX1" fmla="*/ 2745467 w 2745467"/>
+                                                                    <a:gd name="connsiteY1" fmla="*/ 5683 h 640217"/>
+                                                                    <a:gd name="connsiteX2" fmla="*/ 2735214 w 2745467"/>
+                                                                    <a:gd name="connsiteY2" fmla="*/ 633075 h 640217"/>
+                                                                    <a:gd name="connsiteX3" fmla="*/ 0 w 2745467"/>
+                                                                    <a:gd name="connsiteY3" fmla="*/ 640217 h 640217"/>
+                                                                    <a:gd name="connsiteX4" fmla="*/ 325646 w 2745467"/>
+                                                                    <a:gd name="connsiteY4" fmla="*/ 0 h 640217"/>
+                                                                    <a:gd name="connsiteX0" fmla="*/ 423511 w 2843332"/>
+                                                                    <a:gd name="connsiteY0" fmla="*/ 0 h 663088"/>
+                                                                    <a:gd name="connsiteX1" fmla="*/ 2843332 w 2843332"/>
+                                                                    <a:gd name="connsiteY1" fmla="*/ 5683 h 663088"/>
+                                                                    <a:gd name="connsiteX2" fmla="*/ 2833079 w 2843332"/>
+                                                                    <a:gd name="connsiteY2" fmla="*/ 633075 h 663088"/>
+                                                                    <a:gd name="connsiteX3" fmla="*/ 0 w 2843332"/>
+                                                                    <a:gd name="connsiteY3" fmla="*/ 663088 h 663088"/>
+                                                                    <a:gd name="connsiteX4" fmla="*/ 423511 w 2843332"/>
+                                                                    <a:gd name="connsiteY4" fmla="*/ 0 h 663088"/>
+                                                                    <a:gd name="connsiteX0" fmla="*/ 488636 w 2908457"/>
+                                                                    <a:gd name="connsiteY0" fmla="*/ 0 h 660103"/>
+                                                                    <a:gd name="connsiteX1" fmla="*/ 2908457 w 2908457"/>
+                                                                    <a:gd name="connsiteY1" fmla="*/ 5683 h 660103"/>
+                                                                    <a:gd name="connsiteX2" fmla="*/ 2898204 w 2908457"/>
+                                                                    <a:gd name="connsiteY2" fmla="*/ 633075 h 660103"/>
+                                                                    <a:gd name="connsiteX3" fmla="*/ 0 w 2908457"/>
+                                                                    <a:gd name="connsiteY3" fmla="*/ 660103 h 660103"/>
+                                                                    <a:gd name="connsiteX4" fmla="*/ 488636 w 2908457"/>
+                                                                    <a:gd name="connsiteY4" fmla="*/ 0 h 660103"/>
+                                                                    <a:gd name="connsiteX0" fmla="*/ 0 w 2419821"/>
+                                                                    <a:gd name="connsiteY0" fmla="*/ 0 h 647051"/>
+                                                                    <a:gd name="connsiteX1" fmla="*/ 2419821 w 2419821"/>
+                                                                    <a:gd name="connsiteY1" fmla="*/ 5683 h 647051"/>
+                                                                    <a:gd name="connsiteX2" fmla="*/ 2409568 w 2419821"/>
+                                                                    <a:gd name="connsiteY2" fmla="*/ 633075 h 647051"/>
+                                                                    <a:gd name="connsiteX3" fmla="*/ 123556 w 2419821"/>
+                                                                    <a:gd name="connsiteY3" fmla="*/ 647052 h 647051"/>
+                                                                    <a:gd name="connsiteX4" fmla="*/ 0 w 2419821"/>
+                                                                    <a:gd name="connsiteY4" fmla="*/ 0 h 647051"/>
+                                                                    <a:gd name="connsiteX0" fmla="*/ 0 w 2409568"/>
+                                                                    <a:gd name="connsiteY0" fmla="*/ 0 h 647052"/>
+                                                                    <a:gd name="connsiteX1" fmla="*/ 2369604 w 2409568"/>
+                                                                    <a:gd name="connsiteY1" fmla="*/ 2955 h 647052"/>
+                                                                    <a:gd name="connsiteX2" fmla="*/ 2409568 w 2409568"/>
+                                                                    <a:gd name="connsiteY2" fmla="*/ 633075 h 647052"/>
+                                                                    <a:gd name="connsiteX3" fmla="*/ 123556 w 2409568"/>
+                                                                    <a:gd name="connsiteY3" fmla="*/ 647052 h 647052"/>
+                                                                    <a:gd name="connsiteX4" fmla="*/ 0 w 2409568"/>
+                                                                    <a:gd name="connsiteY4" fmla="*/ 0 h 647052"/>
+                                                                    <a:gd name="connsiteX0" fmla="*/ 0 w 2409568"/>
+                                                                    <a:gd name="connsiteY0" fmla="*/ 0 h 639234"/>
+                                                                    <a:gd name="connsiteX1" fmla="*/ 2369604 w 2409568"/>
+                                                                    <a:gd name="connsiteY1" fmla="*/ 2955 h 639234"/>
+                                                                    <a:gd name="connsiteX2" fmla="*/ 2409568 w 2409568"/>
+                                                                    <a:gd name="connsiteY2" fmla="*/ 633075 h 639234"/>
+                                                                    <a:gd name="connsiteX3" fmla="*/ 63597 w 2409568"/>
+                                                                    <a:gd name="connsiteY3" fmla="*/ 639234 h 639234"/>
+                                                                    <a:gd name="connsiteX4" fmla="*/ 0 w 2409568"/>
+                                                                    <a:gd name="connsiteY4" fmla="*/ 0 h 639234"/>
+                                                                  </a:gdLst>
+                                                                  <a:ahLst/>
+                                                                  <a:cxnLst>
+                                                                    <a:cxn ang="0">
+                                                                      <a:pos x="connsiteX0" y="connsiteY0"/>
+                                                                    </a:cxn>
+                                                                    <a:cxn ang="0">
+                                                                      <a:pos x="connsiteX1" y="connsiteY1"/>
+                                                                    </a:cxn>
+                                                                    <a:cxn ang="0">
+                                                                      <a:pos x="connsiteX2" y="connsiteY2"/>
+                                                                    </a:cxn>
+                                                                    <a:cxn ang="0">
+                                                                      <a:pos x="connsiteX3" y="connsiteY3"/>
+                                                                    </a:cxn>
+                                                                    <a:cxn ang="0">
+                                                                      <a:pos x="connsiteX4" y="connsiteY4"/>
+                                                                    </a:cxn>
+                                                                  </a:cxnLst>
+                                                                  <a:rect l="l" t="t" r="r" b="b"/>
+                                                                  <a:pathLst>
+                                                                    <a:path w="2409568" h="639234">
+                                                                      <a:moveTo>
+                                                                        <a:pt x="0" y="0"/>
+                                                                      </a:moveTo>
+                                                                      <a:lnTo>
+                                                                        <a:pt x="2369604" y="2955"/>
+                                                                      </a:lnTo>
+                                                                      <a:lnTo>
+                                                                        <a:pt x="2409568" y="633075"/>
+                                                                      </a:lnTo>
+                                                                      <a:lnTo>
+                                                                        <a:pt x="63597" y="639234"/>
+                                                                      </a:lnTo>
+                                                                      <a:lnTo>
+                                                                        <a:pt x="0" y="0"/>
+                                                                      </a:lnTo>
+                                                                      <a:close/>
+                                                                    </a:path>
+                                                                  </a:pathLst>
+                                                                </a:custGeom>
+                                                                <a:solidFill>
+                                                                  <a:srgbClr val="00B050"/>
+                                                                </a:solidFill>
+                                                                <a:ln>
+                                                                  <a:noFill/>
+                                                                </a:ln>
+                                                              </p:spPr>
+                                                              <p:style>
+                                                                <a:lnRef idx="2">
+                                                                  <a:schemeClr val="accent1">
+                                                                    <a:shade val="50000"/>
+                                                                  </a:schemeClr>
+                                                                </a:lnRef>
+                                                                <a:fillRef idx="1">
+                                                                  <a:schemeClr val="accent1"/>
+                                                                </a:fillRef>
+                                                                <a:effectRef idx="0">
+                                                                  <a:schemeClr val="accent1"/>
+                                                                </a:effectRef>
+                                                                <a:fontRef idx="minor">
+                                                                  <a:schemeClr val="lt1"/>
+                                                                </a:fontRef>
+                                                              </p:style>
+                                                              <p:txBody>
+                                                                <a:bodyPr rtlCol="0" anchor="ctr"/>
+                                                                <a:lstStyle/>
+                                                                <a:p>
+                                                                  <a:pPr algn="ctr"/>
+                                                                  <a:endParaRPr lang="nb-NO" sz="1400" dirty="0"/>
+                                                                </a:p>
+                                                              </p:txBody>
+                                                            </p:sp>
+                                                            <p:sp>
+                                                              <p:nvSpPr>
+                                                                <p:cNvPr id="64" name="Rectangle 7"/>
+                                                                <p:cNvSpPr/>
+                                                                <p:nvPr/>
+                                                              </p:nvSpPr>
+                                                              <p:spPr>
+                                                                <a:xfrm rot="9000000">
+                                                                  <a:off x="2561018" y="1918115"/>
+                                                                  <a:ext cx="1891031" cy="560369"/>
+                                                                </a:xfrm>
+                                                                <a:custGeom>
+                                                                  <a:avLst/>
+                                                                  <a:gdLst>
+                                                                    <a:gd name="connsiteX0" fmla="*/ 0 w 2409568"/>
+                                                                    <a:gd name="connsiteY0" fmla="*/ 0 h 633075"/>
+                                                                    <a:gd name="connsiteX1" fmla="*/ 2409568 w 2409568"/>
+                                                                    <a:gd name="connsiteY1" fmla="*/ 0 h 633075"/>
+                                                                    <a:gd name="connsiteX2" fmla="*/ 2409568 w 2409568"/>
+                                                                    <a:gd name="connsiteY2" fmla="*/ 633075 h 633075"/>
+                                                                    <a:gd name="connsiteX3" fmla="*/ 0 w 2409568"/>
+                                                                    <a:gd name="connsiteY3" fmla="*/ 633075 h 633075"/>
+                                                                    <a:gd name="connsiteX4" fmla="*/ 0 w 2409568"/>
+                                                                    <a:gd name="connsiteY4" fmla="*/ 0 h 633075"/>
+                                                                    <a:gd name="connsiteX0" fmla="*/ 325646 w 2735214"/>
+                                                                    <a:gd name="connsiteY0" fmla="*/ 0 h 640217"/>
+                                                                    <a:gd name="connsiteX1" fmla="*/ 2735214 w 2735214"/>
+                                                                    <a:gd name="connsiteY1" fmla="*/ 0 h 640217"/>
+                                                                    <a:gd name="connsiteX2" fmla="*/ 2735214 w 2735214"/>
+                                                                    <a:gd name="connsiteY2" fmla="*/ 633075 h 640217"/>
+                                                                    <a:gd name="connsiteX3" fmla="*/ 0 w 2735214"/>
+                                                                    <a:gd name="connsiteY3" fmla="*/ 640217 h 640217"/>
+                                                                    <a:gd name="connsiteX4" fmla="*/ 325646 w 2735214"/>
+                                                                    <a:gd name="connsiteY4" fmla="*/ 0 h 640217"/>
+                                                                    <a:gd name="connsiteX0" fmla="*/ 325646 w 2735214"/>
+                                                                    <a:gd name="connsiteY0" fmla="*/ 0 h 640217"/>
+                                                                    <a:gd name="connsiteX1" fmla="*/ 2703341 w 2735214"/>
+                                                                    <a:gd name="connsiteY1" fmla="*/ 9139 h 640217"/>
+                                                                    <a:gd name="connsiteX2" fmla="*/ 2735214 w 2735214"/>
+                                                                    <a:gd name="connsiteY2" fmla="*/ 633075 h 640217"/>
+                                                                    <a:gd name="connsiteX3" fmla="*/ 0 w 2735214"/>
+                                                                    <a:gd name="connsiteY3" fmla="*/ 640217 h 640217"/>
+                                                                    <a:gd name="connsiteX4" fmla="*/ 325646 w 2735214"/>
+                                                                    <a:gd name="connsiteY4" fmla="*/ 0 h 640217"/>
+                                                                    <a:gd name="connsiteX0" fmla="*/ 325646 w 2745467"/>
+                                                                    <a:gd name="connsiteY0" fmla="*/ 0 h 640217"/>
+                                                                    <a:gd name="connsiteX1" fmla="*/ 2745467 w 2745467"/>
+                                                                    <a:gd name="connsiteY1" fmla="*/ 5683 h 640217"/>
+                                                                    <a:gd name="connsiteX2" fmla="*/ 2735214 w 2745467"/>
+                                                                    <a:gd name="connsiteY2" fmla="*/ 633075 h 640217"/>
+                                                                    <a:gd name="connsiteX3" fmla="*/ 0 w 2745467"/>
+                                                                    <a:gd name="connsiteY3" fmla="*/ 640217 h 640217"/>
+                                                                    <a:gd name="connsiteX4" fmla="*/ 325646 w 2745467"/>
+                                                                    <a:gd name="connsiteY4" fmla="*/ 0 h 640217"/>
+                                                                    <a:gd name="connsiteX0" fmla="*/ 423511 w 2843332"/>
+                                                                    <a:gd name="connsiteY0" fmla="*/ 0 h 663088"/>
+                                                                    <a:gd name="connsiteX1" fmla="*/ 2843332 w 2843332"/>
+                                                                    <a:gd name="connsiteY1" fmla="*/ 5683 h 663088"/>
+                                                                    <a:gd name="connsiteX2" fmla="*/ 2833079 w 2843332"/>
+                                                                    <a:gd name="connsiteY2" fmla="*/ 633075 h 663088"/>
+                                                                    <a:gd name="connsiteX3" fmla="*/ 0 w 2843332"/>
+                                                                    <a:gd name="connsiteY3" fmla="*/ 663088 h 663088"/>
+                                                                    <a:gd name="connsiteX4" fmla="*/ 423511 w 2843332"/>
+                                                                    <a:gd name="connsiteY4" fmla="*/ 0 h 663088"/>
+                                                                    <a:gd name="connsiteX0" fmla="*/ 488636 w 2908457"/>
+                                                                    <a:gd name="connsiteY0" fmla="*/ 0 h 660103"/>
+                                                                    <a:gd name="connsiteX1" fmla="*/ 2908457 w 2908457"/>
+                                                                    <a:gd name="connsiteY1" fmla="*/ 5683 h 660103"/>
+                                                                    <a:gd name="connsiteX2" fmla="*/ 2898204 w 2908457"/>
+                                                                    <a:gd name="connsiteY2" fmla="*/ 633075 h 660103"/>
+                                                                    <a:gd name="connsiteX3" fmla="*/ 0 w 2908457"/>
+                                                                    <a:gd name="connsiteY3" fmla="*/ 660103 h 660103"/>
+                                                                    <a:gd name="connsiteX4" fmla="*/ 488636 w 2908457"/>
+                                                                    <a:gd name="connsiteY4" fmla="*/ 0 h 660103"/>
+                                                                    <a:gd name="connsiteX0" fmla="*/ 0 w 2419821"/>
+                                                                    <a:gd name="connsiteY0" fmla="*/ 0 h 647051"/>
+                                                                    <a:gd name="connsiteX1" fmla="*/ 2419821 w 2419821"/>
+                                                                    <a:gd name="connsiteY1" fmla="*/ 5683 h 647051"/>
+                                                                    <a:gd name="connsiteX2" fmla="*/ 2409568 w 2419821"/>
+                                                                    <a:gd name="connsiteY2" fmla="*/ 633075 h 647051"/>
+                                                                    <a:gd name="connsiteX3" fmla="*/ 123556 w 2419821"/>
+                                                                    <a:gd name="connsiteY3" fmla="*/ 647052 h 647051"/>
+                                                                    <a:gd name="connsiteX4" fmla="*/ 0 w 2419821"/>
+                                                                    <a:gd name="connsiteY4" fmla="*/ 0 h 647051"/>
+                                                                    <a:gd name="connsiteX0" fmla="*/ 0 w 2409568"/>
+                                                                    <a:gd name="connsiteY0" fmla="*/ 0 h 647052"/>
+                                                                    <a:gd name="connsiteX1" fmla="*/ 2369604 w 2409568"/>
+                                                                    <a:gd name="connsiteY1" fmla="*/ 2955 h 647052"/>
+                                                                    <a:gd name="connsiteX2" fmla="*/ 2409568 w 2409568"/>
+                                                                    <a:gd name="connsiteY2" fmla="*/ 633075 h 647052"/>
+                                                                    <a:gd name="connsiteX3" fmla="*/ 123556 w 2409568"/>
+                                                                    <a:gd name="connsiteY3" fmla="*/ 647052 h 647052"/>
+                                                                    <a:gd name="connsiteX4" fmla="*/ 0 w 2409568"/>
+                                                                    <a:gd name="connsiteY4" fmla="*/ 0 h 647052"/>
+                                                                    <a:gd name="connsiteX0" fmla="*/ 0 w 2409568"/>
+                                                                    <a:gd name="connsiteY0" fmla="*/ 0 h 639234"/>
+                                                                    <a:gd name="connsiteX1" fmla="*/ 2369604 w 2409568"/>
+                                                                    <a:gd name="connsiteY1" fmla="*/ 2955 h 639234"/>
+                                                                    <a:gd name="connsiteX2" fmla="*/ 2409568 w 2409568"/>
+                                                                    <a:gd name="connsiteY2" fmla="*/ 633075 h 639234"/>
+                                                                    <a:gd name="connsiteX3" fmla="*/ 63597 w 2409568"/>
+                                                                    <a:gd name="connsiteY3" fmla="*/ 639234 h 639234"/>
+                                                                    <a:gd name="connsiteX4" fmla="*/ 0 w 2409568"/>
+                                                                    <a:gd name="connsiteY4" fmla="*/ 0 h 639234"/>
+                                                                    <a:gd name="connsiteX0" fmla="*/ 0 w 2409568"/>
+                                                                    <a:gd name="connsiteY0" fmla="*/ 0 h 633075"/>
+                                                                    <a:gd name="connsiteX1" fmla="*/ 2369604 w 2409568"/>
+                                                                    <a:gd name="connsiteY1" fmla="*/ 2955 h 633075"/>
+                                                                    <a:gd name="connsiteX2" fmla="*/ 2409568 w 2409568"/>
+                                                                    <a:gd name="connsiteY2" fmla="*/ 633075 h 633075"/>
+                                                                    <a:gd name="connsiteX3" fmla="*/ 150171 w 2409568"/>
+                                                                    <a:gd name="connsiteY3" fmla="*/ 625693 h 633075"/>
+                                                                    <a:gd name="connsiteX4" fmla="*/ 0 w 2409568"/>
+                                                                    <a:gd name="connsiteY4" fmla="*/ 0 h 633075"/>
+                                                                    <a:gd name="connsiteX0" fmla="*/ 0 w 2314760"/>
+                                                                    <a:gd name="connsiteY0" fmla="*/ 11318 h 630120"/>
+                                                                    <a:gd name="connsiteX1" fmla="*/ 2274796 w 2314760"/>
+                                                                    <a:gd name="connsiteY1" fmla="*/ 0 h 630120"/>
+                                                                    <a:gd name="connsiteX2" fmla="*/ 2314760 w 2314760"/>
+                                                                    <a:gd name="connsiteY2" fmla="*/ 630120 h 630120"/>
+                                                                    <a:gd name="connsiteX3" fmla="*/ 55363 w 2314760"/>
+                                                                    <a:gd name="connsiteY3" fmla="*/ 622738 h 630120"/>
+                                                                    <a:gd name="connsiteX4" fmla="*/ 0 w 2314760"/>
+                                                                    <a:gd name="connsiteY4" fmla="*/ 11318 h 630120"/>
+                                                                    <a:gd name="connsiteX0" fmla="*/ -1 w 2349608"/>
+                                                                    <a:gd name="connsiteY0" fmla="*/ 4865 h 630120"/>
+                                                                    <a:gd name="connsiteX1" fmla="*/ 2309644 w 2349608"/>
+                                                                    <a:gd name="connsiteY1" fmla="*/ 0 h 630120"/>
+                                                                    <a:gd name="connsiteX2" fmla="*/ 2349608 w 2349608"/>
+                                                                    <a:gd name="connsiteY2" fmla="*/ 630120 h 630120"/>
+                                                                    <a:gd name="connsiteX3" fmla="*/ 90211 w 2349608"/>
+                                                                    <a:gd name="connsiteY3" fmla="*/ 622738 h 630120"/>
+                                                                    <a:gd name="connsiteX4" fmla="*/ -1 w 2349608"/>
+                                                                    <a:gd name="connsiteY4" fmla="*/ 4865 h 630120"/>
+                                                                  </a:gdLst>
+                                                                  <a:ahLst/>
+                                                                  <a:cxnLst>
+                                                                    <a:cxn ang="0">
+                                                                      <a:pos x="connsiteX0" y="connsiteY0"/>
+                                                                    </a:cxn>
+                                                                    <a:cxn ang="0">
+                                                                      <a:pos x="connsiteX1" y="connsiteY1"/>
+                                                                    </a:cxn>
+                                                                    <a:cxn ang="0">
+                                                                      <a:pos x="connsiteX2" y="connsiteY2"/>
+                                                                    </a:cxn>
+                                                                    <a:cxn ang="0">
+                                                                      <a:pos x="connsiteX3" y="connsiteY3"/>
+                                                                    </a:cxn>
+                                                                    <a:cxn ang="0">
+                                                                      <a:pos x="connsiteX4" y="connsiteY4"/>
+                                                                    </a:cxn>
+                                                                  </a:cxnLst>
+                                                                  <a:rect l="l" t="t" r="r" b="b"/>
+                                                                  <a:pathLst>
+                                                                    <a:path w="2349608" h="630120">
+                                                                      <a:moveTo>
+                                                                        <a:pt x="-1" y="4865"/>
+                                                                      </a:moveTo>
+                                                                      <a:lnTo>
+                                                                        <a:pt x="2309644" y="0"/>
+                                                                      </a:lnTo>
+                                                                      <a:lnTo>
+                                                                        <a:pt x="2349608" y="630120"/>
+                                                                      </a:lnTo>
+                                                                      <a:lnTo>
+                                                                        <a:pt x="90211" y="622738"/>
+                                                                      </a:lnTo>
+                                                                      <a:lnTo>
+                                                                        <a:pt x="-1" y="4865"/>
+                                                                      </a:lnTo>
+                                                                      <a:close/>
+                                                                    </a:path>
+                                                                  </a:pathLst>
+                                                                </a:custGeom>
+                                                                <a:solidFill>
+                                                                  <a:srgbClr val="00B050"/>
+                                                                </a:solidFill>
+                                                                <a:ln>
+                                                                  <a:noFill/>
+                                                                </a:ln>
+                                                              </p:spPr>
+                                                              <p:style>
+                                                                <a:lnRef idx="2">
+                                                                  <a:schemeClr val="accent1">
+                                                                    <a:shade val="50000"/>
+                                                                  </a:schemeClr>
+                                                                </a:lnRef>
+                                                                <a:fillRef idx="1">
+                                                                  <a:schemeClr val="accent1"/>
+                                                                </a:fillRef>
+                                                                <a:effectRef idx="0">
+                                                                  <a:schemeClr val="accent1"/>
+                                                                </a:effectRef>
+                                                                <a:fontRef idx="minor">
+                                                                  <a:schemeClr val="lt1"/>
+                                                                </a:fontRef>
+                                                              </p:style>
+                                                              <p:txBody>
+                                                                <a:bodyPr rtlCol="0" anchor="ctr"/>
+                                                                <a:lstStyle/>
+                                                                <a:p>
+                                                                  <a:pPr algn="ctr"/>
+                                                                  <a:endParaRPr lang="nb-NO" sz="1400" dirty="0"/>
+                                                                </a:p>
+                                                              </p:txBody>
+                                                            </p:sp>
+                                                            <p:sp>
+                                                              <p:nvSpPr>
+                                                                <p:cNvPr id="65" name="Rectangle 7"/>
+                                                                <p:cNvSpPr/>
+                                                                <p:nvPr/>
+                                                              </p:nvSpPr>
+                                                              <p:spPr>
+                                                                <a:xfrm rot="9000000">
+                                                                  <a:off x="4647118" y="1655590"/>
+                                                                  <a:ext cx="1951655" cy="649107"/>
+                                                                </a:xfrm>
+                                                                <a:custGeom>
+                                                                  <a:avLst/>
+                                                                  <a:gdLst>
+                                                                    <a:gd name="connsiteX0" fmla="*/ 0 w 2409568"/>
+                                                                    <a:gd name="connsiteY0" fmla="*/ 0 h 633075"/>
+                                                                    <a:gd name="connsiteX1" fmla="*/ 2409568 w 2409568"/>
+                                                                    <a:gd name="connsiteY1" fmla="*/ 0 h 633075"/>
+                                                                    <a:gd name="connsiteX2" fmla="*/ 2409568 w 2409568"/>
+                                                                    <a:gd name="connsiteY2" fmla="*/ 633075 h 633075"/>
+                                                                    <a:gd name="connsiteX3" fmla="*/ 0 w 2409568"/>
+                                                                    <a:gd name="connsiteY3" fmla="*/ 633075 h 633075"/>
+                                                                    <a:gd name="connsiteX4" fmla="*/ 0 w 2409568"/>
+                                                                    <a:gd name="connsiteY4" fmla="*/ 0 h 633075"/>
+                                                                    <a:gd name="connsiteX0" fmla="*/ 325646 w 2735214"/>
+                                                                    <a:gd name="connsiteY0" fmla="*/ 0 h 640217"/>
+                                                                    <a:gd name="connsiteX1" fmla="*/ 2735214 w 2735214"/>
+                                                                    <a:gd name="connsiteY1" fmla="*/ 0 h 640217"/>
+                                                                    <a:gd name="connsiteX2" fmla="*/ 2735214 w 2735214"/>
+                                                                    <a:gd name="connsiteY2" fmla="*/ 633075 h 640217"/>
+                                                                    <a:gd name="connsiteX3" fmla="*/ 0 w 2735214"/>
+                                                                    <a:gd name="connsiteY3" fmla="*/ 640217 h 640217"/>
+                                                                    <a:gd name="connsiteX4" fmla="*/ 325646 w 2735214"/>
+                                                                    <a:gd name="connsiteY4" fmla="*/ 0 h 640217"/>
+                                                                    <a:gd name="connsiteX0" fmla="*/ 325646 w 2735214"/>
+                                                                    <a:gd name="connsiteY0" fmla="*/ 0 h 640217"/>
+                                                                    <a:gd name="connsiteX1" fmla="*/ 2703341 w 2735214"/>
+                                                                    <a:gd name="connsiteY1" fmla="*/ 9139 h 640217"/>
+                                                                    <a:gd name="connsiteX2" fmla="*/ 2735214 w 2735214"/>
+                                                                    <a:gd name="connsiteY2" fmla="*/ 633075 h 640217"/>
+                                                                    <a:gd name="connsiteX3" fmla="*/ 0 w 2735214"/>
+                                                                    <a:gd name="connsiteY3" fmla="*/ 640217 h 640217"/>
+                                                                    <a:gd name="connsiteX4" fmla="*/ 325646 w 2735214"/>
+                                                                    <a:gd name="connsiteY4" fmla="*/ 0 h 640217"/>
+                                                                    <a:gd name="connsiteX0" fmla="*/ 325646 w 2745467"/>
+                                                                    <a:gd name="connsiteY0" fmla="*/ 0 h 640217"/>
+                                                                    <a:gd name="connsiteX1" fmla="*/ 2745467 w 2745467"/>
+                                                                    <a:gd name="connsiteY1" fmla="*/ 5683 h 640217"/>
+                                                                    <a:gd name="connsiteX2" fmla="*/ 2735214 w 2745467"/>
+                                                                    <a:gd name="connsiteY2" fmla="*/ 633075 h 640217"/>
+                                                                    <a:gd name="connsiteX3" fmla="*/ 0 w 2745467"/>
+                                                                    <a:gd name="connsiteY3" fmla="*/ 640217 h 640217"/>
+                                                                    <a:gd name="connsiteX4" fmla="*/ 325646 w 2745467"/>
+                                                                    <a:gd name="connsiteY4" fmla="*/ 0 h 640217"/>
+                                                                    <a:gd name="connsiteX0" fmla="*/ 423511 w 2843332"/>
+                                                                    <a:gd name="connsiteY0" fmla="*/ 0 h 663088"/>
+                                                                    <a:gd name="connsiteX1" fmla="*/ 2843332 w 2843332"/>
+                                                                    <a:gd name="connsiteY1" fmla="*/ 5683 h 663088"/>
+                                                                    <a:gd name="connsiteX2" fmla="*/ 2833079 w 2843332"/>
+                                                                    <a:gd name="connsiteY2" fmla="*/ 633075 h 663088"/>
+                                                                    <a:gd name="connsiteX3" fmla="*/ 0 w 2843332"/>
+                                                                    <a:gd name="connsiteY3" fmla="*/ 663088 h 663088"/>
+                                                                    <a:gd name="connsiteX4" fmla="*/ 423511 w 2843332"/>
+                                                                    <a:gd name="connsiteY4" fmla="*/ 0 h 663088"/>
+                                                                    <a:gd name="connsiteX0" fmla="*/ 488636 w 2908457"/>
+                                                                    <a:gd name="connsiteY0" fmla="*/ 0 h 660103"/>
+                                                                    <a:gd name="connsiteX1" fmla="*/ 2908457 w 2908457"/>
+                                                                    <a:gd name="connsiteY1" fmla="*/ 5683 h 660103"/>
+                                                                    <a:gd name="connsiteX2" fmla="*/ 2898204 w 2908457"/>
+                                                                    <a:gd name="connsiteY2" fmla="*/ 633075 h 660103"/>
+                                                                    <a:gd name="connsiteX3" fmla="*/ 0 w 2908457"/>
+                                                                    <a:gd name="connsiteY3" fmla="*/ 660103 h 660103"/>
+                                                                    <a:gd name="connsiteX4" fmla="*/ 488636 w 2908457"/>
+                                                                    <a:gd name="connsiteY4" fmla="*/ 0 h 660103"/>
+                                                                    <a:gd name="connsiteX0" fmla="*/ 0 w 2419821"/>
+                                                                    <a:gd name="connsiteY0" fmla="*/ 0 h 647051"/>
+                                                                    <a:gd name="connsiteX1" fmla="*/ 2419821 w 2419821"/>
+                                                                    <a:gd name="connsiteY1" fmla="*/ 5683 h 647051"/>
+                                                                    <a:gd name="connsiteX2" fmla="*/ 2409568 w 2419821"/>
+                                                                    <a:gd name="connsiteY2" fmla="*/ 633075 h 647051"/>
+                                                                    <a:gd name="connsiteX3" fmla="*/ 123556 w 2419821"/>
+                                                                    <a:gd name="connsiteY3" fmla="*/ 647052 h 647051"/>
+                                                                    <a:gd name="connsiteX4" fmla="*/ 0 w 2419821"/>
+                                                                    <a:gd name="connsiteY4" fmla="*/ 0 h 647051"/>
+                                                                    <a:gd name="connsiteX0" fmla="*/ 0 w 2409568"/>
+                                                                    <a:gd name="connsiteY0" fmla="*/ 0 h 647052"/>
+                                                                    <a:gd name="connsiteX1" fmla="*/ 2369604 w 2409568"/>
+                                                                    <a:gd name="connsiteY1" fmla="*/ 2955 h 647052"/>
+                                                                    <a:gd name="connsiteX2" fmla="*/ 2409568 w 2409568"/>
+                                                                    <a:gd name="connsiteY2" fmla="*/ 633075 h 647052"/>
+                                                                    <a:gd name="connsiteX3" fmla="*/ 123556 w 2409568"/>
+                                                                    <a:gd name="connsiteY3" fmla="*/ 647052 h 647052"/>
+                                                                    <a:gd name="connsiteX4" fmla="*/ 0 w 2409568"/>
+                                                                    <a:gd name="connsiteY4" fmla="*/ 0 h 647052"/>
+                                                                    <a:gd name="connsiteX0" fmla="*/ 0 w 2409568"/>
+                                                                    <a:gd name="connsiteY0" fmla="*/ 0 h 647052"/>
+                                                                    <a:gd name="connsiteX1" fmla="*/ 2352731 w 2409568"/>
+                                                                    <a:gd name="connsiteY1" fmla="*/ 31924 h 647052"/>
+                                                                    <a:gd name="connsiteX2" fmla="*/ 2409568 w 2409568"/>
+                                                                    <a:gd name="connsiteY2" fmla="*/ 633075 h 647052"/>
+                                                                    <a:gd name="connsiteX3" fmla="*/ 123556 w 2409568"/>
+                                                                    <a:gd name="connsiteY3" fmla="*/ 647052 h 647052"/>
+                                                                    <a:gd name="connsiteX4" fmla="*/ 0 w 2409568"/>
+                                                                    <a:gd name="connsiteY4" fmla="*/ 0 h 647052"/>
+                                                                    <a:gd name="connsiteX0" fmla="*/ 0 w 2409568"/>
+                                                                    <a:gd name="connsiteY0" fmla="*/ 1523 h 648575"/>
+                                                                    <a:gd name="connsiteX1" fmla="*/ 2294281 w 2409568"/>
+                                                                    <a:gd name="connsiteY1" fmla="*/ 0 h 648575"/>
+                                                                    <a:gd name="connsiteX2" fmla="*/ 2409568 w 2409568"/>
+                                                                    <a:gd name="connsiteY2" fmla="*/ 634598 h 648575"/>
+                                                                    <a:gd name="connsiteX3" fmla="*/ 123556 w 2409568"/>
+                                                                    <a:gd name="connsiteY3" fmla="*/ 648575 h 648575"/>
+                                                                    <a:gd name="connsiteX4" fmla="*/ 0 w 2409568"/>
+                                                                    <a:gd name="connsiteY4" fmla="*/ 1523 h 648575"/>
+                                                                    <a:gd name="connsiteX0" fmla="*/ 0 w 2409568"/>
+                                                                    <a:gd name="connsiteY0" fmla="*/ 12273 h 659325"/>
+                                                                    <a:gd name="connsiteX1" fmla="*/ 2365490 w 2409568"/>
+                                                                    <a:gd name="connsiteY1" fmla="*/ 0 h 659325"/>
+                                                                    <a:gd name="connsiteX2" fmla="*/ 2409568 w 2409568"/>
+                                                                    <a:gd name="connsiteY2" fmla="*/ 645348 h 659325"/>
+                                                                    <a:gd name="connsiteX3" fmla="*/ 123556 w 2409568"/>
+                                                                    <a:gd name="connsiteY3" fmla="*/ 659325 h 659325"/>
+                                                                    <a:gd name="connsiteX4" fmla="*/ 0 w 2409568"/>
+                                                                    <a:gd name="connsiteY4" fmla="*/ 12273 h 659325"/>
+                                                                    <a:gd name="connsiteX0" fmla="*/ 0 w 2409568"/>
+                                                                    <a:gd name="connsiteY0" fmla="*/ 12273 h 656340"/>
+                                                                    <a:gd name="connsiteX1" fmla="*/ 2365490 w 2409568"/>
+                                                                    <a:gd name="connsiteY1" fmla="*/ 0 h 656340"/>
+                                                                    <a:gd name="connsiteX2" fmla="*/ 2409568 w 2409568"/>
+                                                                    <a:gd name="connsiteY2" fmla="*/ 645348 h 656340"/>
+                                                                    <a:gd name="connsiteX3" fmla="*/ 73338 w 2409568"/>
+                                                                    <a:gd name="connsiteY3" fmla="*/ 656340 h 656340"/>
+                                                                    <a:gd name="connsiteX4" fmla="*/ 0 w 2409568"/>
+                                                                    <a:gd name="connsiteY4" fmla="*/ 12273 h 656340"/>
+                                                                    <a:gd name="connsiteX0" fmla="*/ 0 w 2409568"/>
+                                                                    <a:gd name="connsiteY0" fmla="*/ 4111 h 648178"/>
+                                                                    <a:gd name="connsiteX1" fmla="*/ 2334759 w 2409568"/>
+                                                                    <a:gd name="connsiteY1" fmla="*/ 1 h 648178"/>
+                                                                    <a:gd name="connsiteX2" fmla="*/ 2409568 w 2409568"/>
+                                                                    <a:gd name="connsiteY2" fmla="*/ 637186 h 648178"/>
+                                                                    <a:gd name="connsiteX3" fmla="*/ 73338 w 2409568"/>
+                                                                    <a:gd name="connsiteY3" fmla="*/ 648178 h 648178"/>
+                                                                    <a:gd name="connsiteX4" fmla="*/ 0 w 2409568"/>
+                                                                    <a:gd name="connsiteY4" fmla="*/ 4111 h 648178"/>
+                                                                    <a:gd name="connsiteX0" fmla="*/ 1 w 2463903"/>
+                                                                    <a:gd name="connsiteY0" fmla="*/ 0 h 662285"/>
+                                                                    <a:gd name="connsiteX1" fmla="*/ 2389094 w 2463903"/>
+                                                                    <a:gd name="connsiteY1" fmla="*/ 14108 h 662285"/>
+                                                                    <a:gd name="connsiteX2" fmla="*/ 2463903 w 2463903"/>
+                                                                    <a:gd name="connsiteY2" fmla="*/ 651293 h 662285"/>
+                                                                    <a:gd name="connsiteX3" fmla="*/ 127673 w 2463903"/>
+                                                                    <a:gd name="connsiteY3" fmla="*/ 662285 h 662285"/>
+                                                                    <a:gd name="connsiteX4" fmla="*/ 1 w 2463903"/>
+                                                                    <a:gd name="connsiteY4" fmla="*/ 0 h 662285"/>
+                                                                    <a:gd name="connsiteX0" fmla="*/ 0 w 2463902"/>
+                                                                    <a:gd name="connsiteY0" fmla="*/ 0 h 657804"/>
+                                                                    <a:gd name="connsiteX1" fmla="*/ 2389093 w 2463902"/>
+                                                                    <a:gd name="connsiteY1" fmla="*/ 14108 h 657804"/>
+                                                                    <a:gd name="connsiteX2" fmla="*/ 2463902 w 2463902"/>
+                                                                    <a:gd name="connsiteY2" fmla="*/ 651293 h 657804"/>
+                                                                    <a:gd name="connsiteX3" fmla="*/ 52348 w 2463902"/>
+                                                                    <a:gd name="connsiteY3" fmla="*/ 657803 h 657804"/>
+                                                                    <a:gd name="connsiteX4" fmla="*/ 0 w 2463902"/>
+                                                                    <a:gd name="connsiteY4" fmla="*/ 0 h 657804"/>
+                                                                    <a:gd name="connsiteX0" fmla="*/ 0 w 2463902"/>
+                                                                    <a:gd name="connsiteY0" fmla="*/ 0 h 656708"/>
+                                                                    <a:gd name="connsiteX1" fmla="*/ 2389093 w 2463902"/>
+                                                                    <a:gd name="connsiteY1" fmla="*/ 14108 h 656708"/>
+                                                                    <a:gd name="connsiteX2" fmla="*/ 2463902 w 2463902"/>
+                                                                    <a:gd name="connsiteY2" fmla="*/ 651293 h 656708"/>
+                                                                    <a:gd name="connsiteX3" fmla="*/ 117930 w 2463902"/>
+                                                                    <a:gd name="connsiteY3" fmla="*/ 656708 h 656708"/>
+                                                                    <a:gd name="connsiteX4" fmla="*/ 0 w 2463902"/>
+                                                                    <a:gd name="connsiteY4" fmla="*/ 0 h 656708"/>
+                                                                    <a:gd name="connsiteX0" fmla="*/ 0 w 2424935"/>
+                                                                    <a:gd name="connsiteY0" fmla="*/ 8191 h 642600"/>
+                                                                    <a:gd name="connsiteX1" fmla="*/ 2350126 w 2424935"/>
+                                                                    <a:gd name="connsiteY1" fmla="*/ 0 h 642600"/>
+                                                                    <a:gd name="connsiteX2" fmla="*/ 2424935 w 2424935"/>
+                                                                    <a:gd name="connsiteY2" fmla="*/ 637185 h 642600"/>
+                                                                    <a:gd name="connsiteX3" fmla="*/ 78963 w 2424935"/>
+                                                                    <a:gd name="connsiteY3" fmla="*/ 642600 h 642600"/>
+                                                                    <a:gd name="connsiteX4" fmla="*/ 0 w 2424935"/>
+                                                                    <a:gd name="connsiteY4" fmla="*/ 8191 h 642600"/>
+                                                                  </a:gdLst>
+                                                                  <a:ahLst/>
+                                                                  <a:cxnLst>
+                                                                    <a:cxn ang="0">
+                                                                      <a:pos x="connsiteX0" y="connsiteY0"/>
+                                                                    </a:cxn>
+                                                                    <a:cxn ang="0">
+                                                                      <a:pos x="connsiteX1" y="connsiteY1"/>
+                                                                    </a:cxn>
+                                                                    <a:cxn ang="0">
+                                                                      <a:pos x="connsiteX2" y="connsiteY2"/>
+                                                                    </a:cxn>
+                                                                    <a:cxn ang="0">
+                                                                      <a:pos x="connsiteX3" y="connsiteY3"/>
+                                                                    </a:cxn>
+                                                                    <a:cxn ang="0">
+                                                                      <a:pos x="connsiteX4" y="connsiteY4"/>
+                                                                    </a:cxn>
+                                                                  </a:cxnLst>
+                                                                  <a:rect l="l" t="t" r="r" b="b"/>
+                                                                  <a:pathLst>
+                                                                    <a:path w="2424935" h="642600">
+                                                                      <a:moveTo>
+                                                                        <a:pt x="0" y="8191"/>
+                                                                      </a:moveTo>
+                                                                      <a:lnTo>
+                                                                        <a:pt x="2350126" y="0"/>
+                                                                      </a:lnTo>
+                                                                      <a:lnTo>
+                                                                        <a:pt x="2424935" y="637185"/>
+                                                                      </a:lnTo>
+                                                                      <a:lnTo>
+                                                                        <a:pt x="78963" y="642600"/>
+                                                                      </a:lnTo>
+                                                                      <a:lnTo>
+                                                                        <a:pt x="0" y="8191"/>
+                                                                      </a:lnTo>
+                                                                      <a:close/>
+                                                                    </a:path>
+                                                                  </a:pathLst>
+                                                                </a:custGeom>
+                                                                <a:solidFill>
+                                                                  <a:srgbClr val="00B050"/>
+                                                                </a:solidFill>
+                                                                <a:ln>
+                                                                  <a:noFill/>
+                                                                </a:ln>
+                                                              </p:spPr>
+                                                              <p:style>
+                                                                <a:lnRef idx="2">
+                                                                  <a:schemeClr val="accent1">
+                                                                    <a:shade val="50000"/>
+                                                                  </a:schemeClr>
+                                                                </a:lnRef>
+                                                                <a:fillRef idx="1">
+                                                                  <a:schemeClr val="accent1"/>
+                                                                </a:fillRef>
+                                                                <a:effectRef idx="0">
+                                                                  <a:schemeClr val="accent1"/>
+                                                                </a:effectRef>
+                                                                <a:fontRef idx="minor">
+                                                                  <a:schemeClr val="lt1"/>
+                                                                </a:fontRef>
+                                                              </p:style>
+                                                              <p:txBody>
+                                                                <a:bodyPr rtlCol="0" anchor="ctr"/>
+                                                                <a:lstStyle/>
+                                                                <a:p>
+                                                                  <a:pPr algn="ctr"/>
+                                                                  <a:endParaRPr lang="nb-NO" sz="1400" dirty="0"/>
+                                                                </a:p>
+                                                              </p:txBody>
+                                                            </p:sp>
+                                                            <p:sp>
+                                                              <p:nvSpPr>
+                                                                <p:cNvPr id="66" name="Rectangle 65"/>
+                                                                <p:cNvSpPr/>
+                                                                <p:nvPr/>
+                                                              </p:nvSpPr>
+                                                              <p:spPr>
+                                                                <a:xfrm>
+                                                                  <a:off x="4721477" y="866332"/>
+                                                                  <a:ext cx="487826" cy="388177"/>
+                                                                </a:xfrm>
+                                                                <a:prstGeom prst="rect">
+                                                                  <a:avLst/>
+                                                                </a:prstGeom>
+                                                              </p:spPr>
+                                                              <p:txBody>
+                                                                <a:bodyPr wrap="none">
+                                                                  <a:spAutoFit/>
+                                                                </a:bodyPr>
+                                                                <a:lstStyle/>
+                                                                <a:p>
+                                                                  <a:pPr algn="ctr"/>
+                                                                  <a:r>
+                                                                    <a:rPr lang="nb-NO" sz="1400" dirty="0" smtClean="0"/>
+                                                                    <a:t>R3</a:t>
+                                                                  </a:r>
+                                                                  <a:endParaRPr lang="nb-NO" sz="1400" dirty="0"/>
+                                                                </a:p>
+                                                              </p:txBody>
+                                                            </p:sp>
+                                                            <p:sp>
+                                                              <p:nvSpPr>
+                                                                <p:cNvPr id="67" name="Rectangle 66"/>
+                                                                <p:cNvSpPr/>
+                                                                <p:nvPr/>
+                                                              </p:nvSpPr>
+                                                              <p:spPr>
+                                                                <a:xfrm>
+                                                                  <a:off x="5040433" y="1314836"/>
+                                                                  <a:ext cx="487826" cy="388177"/>
+                                                                </a:xfrm>
+                                                                <a:prstGeom prst="rect">
+                                                                  <a:avLst/>
+                                                                </a:prstGeom>
+                                                              </p:spPr>
+                                                              <p:txBody>
+                                                                <a:bodyPr wrap="none">
+                                                                  <a:spAutoFit/>
+                                                                </a:bodyPr>
+                                                                <a:lstStyle/>
+                                                                <a:p>
+                                                                  <a:pPr algn="ctr"/>
+                                                                  <a:r>
+                                                                    <a:rPr lang="nb-NO" sz="1400" dirty="0" smtClean="0"/>
+                                                                    <a:t>R2</a:t>
+                                                                  </a:r>
+                                                                  <a:endParaRPr lang="nb-NO" sz="1400" dirty="0"/>
+                                                                </a:p>
+                                                              </p:txBody>
+                                                            </p:sp>
+                                                            <p:sp>
+                                                              <p:nvSpPr>
+                                                                <p:cNvPr id="68" name="Rectangle 67"/>
+                                                                <p:cNvSpPr/>
+                                                                <p:nvPr/>
+                                                              </p:nvSpPr>
+                                                              <p:spPr>
+                                                                <a:xfrm>
+                                                                  <a:off x="5362916" y="1747215"/>
+                                                                  <a:ext cx="487826" cy="388177"/>
+                                                                </a:xfrm>
+                                                                <a:prstGeom prst="rect">
+                                                                  <a:avLst/>
+                                                                </a:prstGeom>
+                                                              </p:spPr>
+                                                              <p:txBody>
+                                                                <a:bodyPr wrap="none">
+                                                                  <a:spAutoFit/>
+                                                                </a:bodyPr>
+                                                                <a:lstStyle/>
+                                                                <a:p>
+                                                                  <a:pPr algn="ctr"/>
+                                                                  <a:r>
+                                                                    <a:rPr lang="nb-NO" sz="1400" dirty="0" smtClean="0"/>
+                                                                    <a:t>R1</a:t>
+                                                                  </a:r>
+                                                                  <a:endParaRPr lang="nb-NO" sz="1400" dirty="0"/>
+                                                                </a:p>
+                                                              </p:txBody>
+                                                            </p:sp>
+                                                            <p:sp>
+                                                              <p:nvSpPr>
+                                                                <p:cNvPr id="69" name="Rectangle 68"/>
+                                                                <p:cNvSpPr/>
+                                                                <p:nvPr/>
+                                                              </p:nvSpPr>
+                                                              <p:spPr>
+                                                                <a:xfrm>
+                                                                  <a:off x="2565242" y="4597905"/>
+                                                                  <a:ext cx="487826" cy="388177"/>
+                                                                </a:xfrm>
+                                                                <a:prstGeom prst="rect">
+                                                                  <a:avLst/>
+                                                                </a:prstGeom>
+                                                              </p:spPr>
+                                                              <p:txBody>
+                                                                <a:bodyPr wrap="none">
+                                                                  <a:spAutoFit/>
+                                                                </a:bodyPr>
+                                                                <a:lstStyle/>
+                                                                <a:p>
+                                                                  <a:pPr algn="ctr"/>
+                                                                  <a:r>
+                                                                    <a:rPr lang="nb-NO" sz="1400" dirty="0" smtClean="0"/>
+                                                                    <a:t>R1</a:t>
+                                                                  </a:r>
+                                                                  <a:endParaRPr lang="nb-NO" sz="1400" dirty="0"/>
+                                                                </a:p>
+                                                              </p:txBody>
+                                                            </p:sp>
+                                                            <p:sp>
+                                                              <p:nvSpPr>
+                                                                <p:cNvPr id="70" name="Rectangle 69"/>
+                                                                <p:cNvSpPr/>
+                                                                <p:nvPr/>
+                                                              </p:nvSpPr>
+                                                              <p:spPr>
+                                                                <a:xfrm>
+                                                                  <a:off x="3804548" y="3012931"/>
+                                                                  <a:ext cx="487826" cy="388177"/>
+                                                                </a:xfrm>
+                                                                <a:prstGeom prst="rect">
+                                                                  <a:avLst/>
+                                                                </a:prstGeom>
+                                                              </p:spPr>
+                                                              <p:txBody>
+                                                                <a:bodyPr wrap="none">
+                                                                  <a:spAutoFit/>
+                                                                </a:bodyPr>
+                                                                <a:lstStyle/>
+                                                                <a:p>
+                                                                  <a:pPr algn="ctr"/>
+                                                                  <a:r>
+                                                                    <a:rPr lang="nb-NO" sz="1400" dirty="0" smtClean="0"/>
+                                                                    <a:t>R1</a:t>
+                                                                  </a:r>
+                                                                  <a:endParaRPr lang="nb-NO" sz="1400" dirty="0"/>
+                                                                </a:p>
+                                                              </p:txBody>
+                                                            </p:sp>
+                                                            <p:sp>
+                                                              <p:nvSpPr>
+                                                                <p:cNvPr id="71" name="Rectangle 70"/>
+                                                                <p:cNvSpPr/>
+                                                                <p:nvPr/>
+                                                              </p:nvSpPr>
+                                                              <p:spPr>
+                                                                <a:xfrm>
+                                                                  <a:off x="2078665" y="3410370"/>
+                                                                  <a:ext cx="487826" cy="388177"/>
+                                                                </a:xfrm>
+                                                                <a:prstGeom prst="rect">
+                                                                  <a:avLst/>
+                                                                </a:prstGeom>
+                                                              </p:spPr>
+                                                              <p:txBody>
+                                                                <a:bodyPr wrap="none">
+                                                                  <a:spAutoFit/>
+                                                                </a:bodyPr>
+                                                                <a:lstStyle/>
+                                                                <a:p>
+                                                                  <a:pPr algn="ctr"/>
+                                                                  <a:r>
+                                                                    <a:rPr lang="nb-NO" sz="1400" dirty="0" smtClean="0"/>
+                                                                    <a:t>R3</a:t>
+                                                                  </a:r>
+                                                                  <a:endParaRPr lang="nb-NO" sz="1400" dirty="0"/>
+                                                                </a:p>
+                                                              </p:txBody>
+                                                            </p:sp>
+                                                            <p:sp>
+                                                              <p:nvSpPr>
+                                                                <p:cNvPr id="72" name="Rectangle 71"/>
+                                                                <p:cNvSpPr/>
+                                                                <p:nvPr/>
+                                                              </p:nvSpPr>
+                                                              <p:spPr>
+                                                                <a:xfrm>
+                                                                  <a:off x="3333801" y="1963188"/>
+                                                                  <a:ext cx="487826" cy="388177"/>
+                                                                </a:xfrm>
+                                                                <a:prstGeom prst="rect">
+                                                                  <a:avLst/>
+                                                                </a:prstGeom>
+                                                              </p:spPr>
+                                                              <p:txBody>
+                                                                <a:bodyPr wrap="none">
+                                                                  <a:spAutoFit/>
+                                                                </a:bodyPr>
+                                                                <a:lstStyle/>
+                                                                <a:p>
+                                                                  <a:pPr algn="ctr"/>
+                                                                  <a:r>
+                                                                    <a:rPr lang="nb-NO" sz="1400" dirty="0" smtClean="0"/>
+                                                                    <a:t>R3</a:t>
+                                                                  </a:r>
+                                                                  <a:endParaRPr lang="nb-NO" sz="1400" dirty="0"/>
+                                                                </a:p>
+                                                              </p:txBody>
+                                                            </p:sp>
+                                                            <p:cxnSp>
+                                                              <p:nvCxnSpPr>
+                                                                <p:cNvPr id="73" name="Straight Connector 72"/>
+                                                                <p:cNvCxnSpPr/>
+                                                                <p:nvPr/>
+                                                              </p:nvCxnSpPr>
+                                                              <p:spPr>
+                                                                <a:xfrm>
+                                                                  <a:off x="5087561" y="-383074"/>
+                                                                  <a:ext cx="1970268" cy="2715594"/>
+                                                                </a:xfrm>
+                                                                <a:prstGeom prst="line">
+                                                                  <a:avLst/>
+                                                                </a:prstGeom>
+                                                              </p:spPr>
+                                                              <p:style>
+                                                                <a:lnRef idx="3">
+                                                                  <a:schemeClr val="dk1"/>
+                                                                </a:lnRef>
+                                                                <a:fillRef idx="0">
+                                                                  <a:schemeClr val="dk1"/>
+                                                                </a:fillRef>
+                                                                <a:effectRef idx="2">
+                                                                  <a:schemeClr val="dk1"/>
+                                                                </a:effectRef>
+                                                                <a:fontRef idx="minor">
+                                                                  <a:schemeClr val="tx1"/>
+                                                                </a:fontRef>
+                                                              </p:style>
+                                                            </p:cxnSp>
+                                                            <p:cxnSp>
+                                                              <p:nvCxnSpPr>
+                                                                <p:cNvPr id="74" name="Straight Connector 73"/>
+                                                                <p:cNvCxnSpPr/>
+                                                                <p:nvPr/>
+                                                              </p:nvCxnSpPr>
+                                                              <p:spPr>
+                                                                <a:xfrm>
+                                                                  <a:off x="1956626" y="1536454"/>
+                                                                  <a:ext cx="2171966" cy="3363712"/>
+                                                                </a:xfrm>
+                                                                <a:prstGeom prst="line">
+                                                                  <a:avLst/>
+                                                                </a:prstGeom>
+                                                                <a:ln w="28575"/>
+                                                              </p:spPr>
+                                                              <p:style>
+                                                                <a:lnRef idx="3">
+                                                                  <a:schemeClr val="dk1"/>
+                                                                </a:lnRef>
+                                                                <a:fillRef idx="0">
+                                                                  <a:schemeClr val="dk1"/>
+                                                                </a:fillRef>
+                                                                <a:effectRef idx="2">
+                                                                  <a:schemeClr val="dk1"/>
+                                                                </a:effectRef>
+                                                                <a:fontRef idx="minor">
+                                                                  <a:schemeClr val="tx1"/>
+                                                                </a:fontRef>
+                                                              </p:style>
+                                                            </p:cxnSp>
+                                                            <p:sp>
+                                                              <p:nvSpPr>
+                                                                <p:cNvPr id="57" name="Rectangle 56"/>
+                                                                <p:cNvSpPr/>
+                                                                <p:nvPr/>
+                                                              </p:nvSpPr>
+                                                              <p:spPr>
+                                                                <a:xfrm>
+                                                                  <a:off x="2374250" y="4160249"/>
+                                                                  <a:ext cx="487826" cy="388177"/>
+                                                                </a:xfrm>
+                                                                <a:prstGeom prst="rect">
+                                                                  <a:avLst/>
+                                                                </a:prstGeom>
+                                                              </p:spPr>
+                                                              <p:txBody>
+                                                                <a:bodyPr wrap="none">
+                                                                  <a:spAutoFit/>
+                                                                </a:bodyPr>
+                                                                <a:lstStyle/>
+                                                                <a:p>
+                                                                  <a:pPr algn="ctr"/>
+                                                                  <a:r>
+                                                                    <a:rPr lang="nb-NO" sz="1400" dirty="0" smtClean="0"/>
+                                                                    <a:t>R2</a:t>
+                                                                  </a:r>
+                                                                  <a:endParaRPr lang="nb-NO" sz="1400" dirty="0"/>
+                                                                </a:p>
+                                                              </p:txBody>
+                                                            </p:sp>
+                                                          </p:grpSp>
+                                                        </p:grpSp>
+                                                        <p:grpSp>
+                                                          <p:nvGrpSpPr>
+                                                            <p:cNvPr id="45" name="Group 44"/>
+                                                            <p:cNvGrpSpPr/>
+                                                            <p:nvPr/>
+                                                          </p:nvGrpSpPr>
+                                                          <p:grpSpPr>
+                                                            <a:xfrm>
+                                                              <a:off x="5226427" y="-76129"/>
+                                                              <a:ext cx="2618828" cy="1511609"/>
+                                                              <a:chOff x="5226427" y="-76129"/>
+                                                              <a:chExt cx="2618828" cy="1511609"/>
+                                                            </a:xfrm>
+                                                          </p:grpSpPr>
+                                                          <p:sp>
+                                                            <p:nvSpPr>
+                                                              <p:cNvPr id="46" name="Rectangle 7"/>
+                                                              <p:cNvSpPr/>
+                                                              <p:nvPr/>
+                                                            </p:nvSpPr>
+                                                            <p:spPr>
+                                                              <a:xfrm rot="9000000">
+                                                                <a:off x="5226427" y="-76129"/>
+                                                                <a:ext cx="1957658" cy="527518"/>
+                                                              </a:xfrm>
+                                                              <a:custGeom>
+                                                                <a:avLst/>
+                                                                <a:gdLst>
+                                                                  <a:gd name="connsiteX0" fmla="*/ 0 w 2409568"/>
+                                                                  <a:gd name="connsiteY0" fmla="*/ 0 h 633075"/>
+                                                                  <a:gd name="connsiteX1" fmla="*/ 2409568 w 2409568"/>
+                                                                  <a:gd name="connsiteY1" fmla="*/ 0 h 633075"/>
+                                                                  <a:gd name="connsiteX2" fmla="*/ 2409568 w 2409568"/>
+                                                                  <a:gd name="connsiteY2" fmla="*/ 633075 h 633075"/>
+                                                                  <a:gd name="connsiteX3" fmla="*/ 0 w 2409568"/>
+                                                                  <a:gd name="connsiteY3" fmla="*/ 633075 h 633075"/>
+                                                                  <a:gd name="connsiteX4" fmla="*/ 0 w 2409568"/>
+                                                                  <a:gd name="connsiteY4" fmla="*/ 0 h 633075"/>
+                                                                  <a:gd name="connsiteX0" fmla="*/ 325646 w 2735214"/>
+                                                                  <a:gd name="connsiteY0" fmla="*/ 0 h 640217"/>
+                                                                  <a:gd name="connsiteX1" fmla="*/ 2735214 w 2735214"/>
+                                                                  <a:gd name="connsiteY1" fmla="*/ 0 h 640217"/>
+                                                                  <a:gd name="connsiteX2" fmla="*/ 2735214 w 2735214"/>
+                                                                  <a:gd name="connsiteY2" fmla="*/ 633075 h 640217"/>
+                                                                  <a:gd name="connsiteX3" fmla="*/ 0 w 2735214"/>
+                                                                  <a:gd name="connsiteY3" fmla="*/ 640217 h 640217"/>
+                                                                  <a:gd name="connsiteX4" fmla="*/ 325646 w 2735214"/>
+                                                                  <a:gd name="connsiteY4" fmla="*/ 0 h 640217"/>
+                                                                  <a:gd name="connsiteX0" fmla="*/ 325646 w 2735214"/>
+                                                                  <a:gd name="connsiteY0" fmla="*/ 0 h 640217"/>
+                                                                  <a:gd name="connsiteX1" fmla="*/ 2703341 w 2735214"/>
+                                                                  <a:gd name="connsiteY1" fmla="*/ 9139 h 640217"/>
+                                                                  <a:gd name="connsiteX2" fmla="*/ 2735214 w 2735214"/>
+                                                                  <a:gd name="connsiteY2" fmla="*/ 633075 h 640217"/>
+                                                                  <a:gd name="connsiteX3" fmla="*/ 0 w 2735214"/>
+                                                                  <a:gd name="connsiteY3" fmla="*/ 640217 h 640217"/>
+                                                                  <a:gd name="connsiteX4" fmla="*/ 325646 w 2735214"/>
+                                                                  <a:gd name="connsiteY4" fmla="*/ 0 h 640217"/>
+                                                                  <a:gd name="connsiteX0" fmla="*/ 325646 w 2745467"/>
+                                                                  <a:gd name="connsiteY0" fmla="*/ 0 h 640217"/>
+                                                                  <a:gd name="connsiteX1" fmla="*/ 2745467 w 2745467"/>
+                                                                  <a:gd name="connsiteY1" fmla="*/ 5683 h 640217"/>
+                                                                  <a:gd name="connsiteX2" fmla="*/ 2735214 w 2745467"/>
+                                                                  <a:gd name="connsiteY2" fmla="*/ 633075 h 640217"/>
+                                                                  <a:gd name="connsiteX3" fmla="*/ 0 w 2745467"/>
+                                                                  <a:gd name="connsiteY3" fmla="*/ 640217 h 640217"/>
+                                                                  <a:gd name="connsiteX4" fmla="*/ 325646 w 2745467"/>
+                                                                  <a:gd name="connsiteY4" fmla="*/ 0 h 640217"/>
+                                                                  <a:gd name="connsiteX0" fmla="*/ 423511 w 2843332"/>
+                                                                  <a:gd name="connsiteY0" fmla="*/ 0 h 663088"/>
+                                                                  <a:gd name="connsiteX1" fmla="*/ 2843332 w 2843332"/>
+                                                                  <a:gd name="connsiteY1" fmla="*/ 5683 h 663088"/>
+                                                                  <a:gd name="connsiteX2" fmla="*/ 2833079 w 2843332"/>
+                                                                  <a:gd name="connsiteY2" fmla="*/ 633075 h 663088"/>
+                                                                  <a:gd name="connsiteX3" fmla="*/ 0 w 2843332"/>
+                                                                  <a:gd name="connsiteY3" fmla="*/ 663088 h 663088"/>
+                                                                  <a:gd name="connsiteX4" fmla="*/ 423511 w 2843332"/>
+                                                                  <a:gd name="connsiteY4" fmla="*/ 0 h 663088"/>
+                                                                  <a:gd name="connsiteX0" fmla="*/ 488636 w 2908457"/>
+                                                                  <a:gd name="connsiteY0" fmla="*/ 0 h 660103"/>
+                                                                  <a:gd name="connsiteX1" fmla="*/ 2908457 w 2908457"/>
+                                                                  <a:gd name="connsiteY1" fmla="*/ 5683 h 660103"/>
+                                                                  <a:gd name="connsiteX2" fmla="*/ 2898204 w 2908457"/>
+                                                                  <a:gd name="connsiteY2" fmla="*/ 633075 h 660103"/>
+                                                                  <a:gd name="connsiteX3" fmla="*/ 0 w 2908457"/>
+                                                                  <a:gd name="connsiteY3" fmla="*/ 660103 h 660103"/>
+                                                                  <a:gd name="connsiteX4" fmla="*/ 488636 w 2908457"/>
+                                                                  <a:gd name="connsiteY4" fmla="*/ 0 h 660103"/>
+                                                                  <a:gd name="connsiteX0" fmla="*/ 0 w 2419821"/>
+                                                                  <a:gd name="connsiteY0" fmla="*/ 0 h 647051"/>
+                                                                  <a:gd name="connsiteX1" fmla="*/ 2419821 w 2419821"/>
+                                                                  <a:gd name="connsiteY1" fmla="*/ 5683 h 647051"/>
+                                                                  <a:gd name="connsiteX2" fmla="*/ 2409568 w 2419821"/>
+                                                                  <a:gd name="connsiteY2" fmla="*/ 633075 h 647051"/>
+                                                                  <a:gd name="connsiteX3" fmla="*/ 123556 w 2419821"/>
+                                                                  <a:gd name="connsiteY3" fmla="*/ 647052 h 647051"/>
+                                                                  <a:gd name="connsiteX4" fmla="*/ 0 w 2419821"/>
+                                                                  <a:gd name="connsiteY4" fmla="*/ 0 h 647051"/>
+                                                                  <a:gd name="connsiteX0" fmla="*/ 0 w 2409568"/>
+                                                                  <a:gd name="connsiteY0" fmla="*/ 0 h 647052"/>
+                                                                  <a:gd name="connsiteX1" fmla="*/ 2369604 w 2409568"/>
+                                                                  <a:gd name="connsiteY1" fmla="*/ 2955 h 647052"/>
+                                                                  <a:gd name="connsiteX2" fmla="*/ 2409568 w 2409568"/>
+                                                                  <a:gd name="connsiteY2" fmla="*/ 633075 h 647052"/>
+                                                                  <a:gd name="connsiteX3" fmla="*/ 123556 w 2409568"/>
+                                                                  <a:gd name="connsiteY3" fmla="*/ 647052 h 647052"/>
+                                                                  <a:gd name="connsiteX4" fmla="*/ 0 w 2409568"/>
+                                                                  <a:gd name="connsiteY4" fmla="*/ 0 h 647052"/>
+                                                                  <a:gd name="connsiteX0" fmla="*/ 0 w 2409568"/>
+                                                                  <a:gd name="connsiteY0" fmla="*/ 0 h 647052"/>
+                                                                  <a:gd name="connsiteX1" fmla="*/ 2352731 w 2409568"/>
+                                                                  <a:gd name="connsiteY1" fmla="*/ 31924 h 647052"/>
+                                                                  <a:gd name="connsiteX2" fmla="*/ 2409568 w 2409568"/>
+                                                                  <a:gd name="connsiteY2" fmla="*/ 633075 h 647052"/>
+                                                                  <a:gd name="connsiteX3" fmla="*/ 123556 w 2409568"/>
+                                                                  <a:gd name="connsiteY3" fmla="*/ 647052 h 647052"/>
+                                                                  <a:gd name="connsiteX4" fmla="*/ 0 w 2409568"/>
+                                                                  <a:gd name="connsiteY4" fmla="*/ 0 h 647052"/>
+                                                                  <a:gd name="connsiteX0" fmla="*/ 0 w 2409568"/>
+                                                                  <a:gd name="connsiteY0" fmla="*/ 1523 h 648575"/>
+                                                                  <a:gd name="connsiteX1" fmla="*/ 2294281 w 2409568"/>
+                                                                  <a:gd name="connsiteY1" fmla="*/ 0 h 648575"/>
+                                                                  <a:gd name="connsiteX2" fmla="*/ 2409568 w 2409568"/>
+                                                                  <a:gd name="connsiteY2" fmla="*/ 634598 h 648575"/>
+                                                                  <a:gd name="connsiteX3" fmla="*/ 123556 w 2409568"/>
+                                                                  <a:gd name="connsiteY3" fmla="*/ 648575 h 648575"/>
+                                                                  <a:gd name="connsiteX4" fmla="*/ 0 w 2409568"/>
+                                                                  <a:gd name="connsiteY4" fmla="*/ 1523 h 648575"/>
+                                                                  <a:gd name="connsiteX0" fmla="*/ 0 w 2409568"/>
+                                                                  <a:gd name="connsiteY0" fmla="*/ 12273 h 659325"/>
+                                                                  <a:gd name="connsiteX1" fmla="*/ 2365490 w 2409568"/>
+                                                                  <a:gd name="connsiteY1" fmla="*/ 0 h 659325"/>
+                                                                  <a:gd name="connsiteX2" fmla="*/ 2409568 w 2409568"/>
+                                                                  <a:gd name="connsiteY2" fmla="*/ 645348 h 659325"/>
+                                                                  <a:gd name="connsiteX3" fmla="*/ 123556 w 2409568"/>
+                                                                  <a:gd name="connsiteY3" fmla="*/ 659325 h 659325"/>
+                                                                  <a:gd name="connsiteX4" fmla="*/ 0 w 2409568"/>
+                                                                  <a:gd name="connsiteY4" fmla="*/ 12273 h 659325"/>
+                                                                  <a:gd name="connsiteX0" fmla="*/ 0 w 2409568"/>
+                                                                  <a:gd name="connsiteY0" fmla="*/ 12273 h 656340"/>
+                                                                  <a:gd name="connsiteX1" fmla="*/ 2365490 w 2409568"/>
+                                                                  <a:gd name="connsiteY1" fmla="*/ 0 h 656340"/>
+                                                                  <a:gd name="connsiteX2" fmla="*/ 2409568 w 2409568"/>
+                                                                  <a:gd name="connsiteY2" fmla="*/ 645348 h 656340"/>
+                                                                  <a:gd name="connsiteX3" fmla="*/ 73338 w 2409568"/>
+                                                                  <a:gd name="connsiteY3" fmla="*/ 656340 h 656340"/>
+                                                                  <a:gd name="connsiteX4" fmla="*/ 0 w 2409568"/>
+                                                                  <a:gd name="connsiteY4" fmla="*/ 12273 h 656340"/>
+                                                                  <a:gd name="connsiteX0" fmla="*/ 0 w 2409568"/>
+                                                                  <a:gd name="connsiteY0" fmla="*/ 4111 h 648178"/>
+                                                                  <a:gd name="connsiteX1" fmla="*/ 2334759 w 2409568"/>
+                                                                  <a:gd name="connsiteY1" fmla="*/ 1 h 648178"/>
+                                                                  <a:gd name="connsiteX2" fmla="*/ 2409568 w 2409568"/>
+                                                                  <a:gd name="connsiteY2" fmla="*/ 637186 h 648178"/>
+                                                                  <a:gd name="connsiteX3" fmla="*/ 73338 w 2409568"/>
+                                                                  <a:gd name="connsiteY3" fmla="*/ 648178 h 648178"/>
+                                                                  <a:gd name="connsiteX4" fmla="*/ 0 w 2409568"/>
+                                                                  <a:gd name="connsiteY4" fmla="*/ 4111 h 648178"/>
+                                                                  <a:gd name="connsiteX0" fmla="*/ 1 w 2463903"/>
+                                                                  <a:gd name="connsiteY0" fmla="*/ 0 h 662285"/>
+                                                                  <a:gd name="connsiteX1" fmla="*/ 2389094 w 2463903"/>
+                                                                  <a:gd name="connsiteY1" fmla="*/ 14108 h 662285"/>
+                                                                  <a:gd name="connsiteX2" fmla="*/ 2463903 w 2463903"/>
+                                                                  <a:gd name="connsiteY2" fmla="*/ 651293 h 662285"/>
+                                                                  <a:gd name="connsiteX3" fmla="*/ 127673 w 2463903"/>
+                                                                  <a:gd name="connsiteY3" fmla="*/ 662285 h 662285"/>
+                                                                  <a:gd name="connsiteX4" fmla="*/ 1 w 2463903"/>
+                                                                  <a:gd name="connsiteY4" fmla="*/ 0 h 662285"/>
+                                                                  <a:gd name="connsiteX0" fmla="*/ 0 w 2463902"/>
+                                                                  <a:gd name="connsiteY0" fmla="*/ 0 h 657804"/>
+                                                                  <a:gd name="connsiteX1" fmla="*/ 2389093 w 2463902"/>
+                                                                  <a:gd name="connsiteY1" fmla="*/ 14108 h 657804"/>
+                                                                  <a:gd name="connsiteX2" fmla="*/ 2463902 w 2463902"/>
+                                                                  <a:gd name="connsiteY2" fmla="*/ 651293 h 657804"/>
+                                                                  <a:gd name="connsiteX3" fmla="*/ 52348 w 2463902"/>
+                                                                  <a:gd name="connsiteY3" fmla="*/ 657803 h 657804"/>
+                                                                  <a:gd name="connsiteX4" fmla="*/ 0 w 2463902"/>
+                                                                  <a:gd name="connsiteY4" fmla="*/ 0 h 657804"/>
+                                                                  <a:gd name="connsiteX0" fmla="*/ 0 w 2463902"/>
+                                                                  <a:gd name="connsiteY0" fmla="*/ 0 h 663779"/>
+                                                                  <a:gd name="connsiteX1" fmla="*/ 2389093 w 2463902"/>
+                                                                  <a:gd name="connsiteY1" fmla="*/ 14108 h 663779"/>
+                                                                  <a:gd name="connsiteX2" fmla="*/ 2463902 w 2463902"/>
+                                                                  <a:gd name="connsiteY2" fmla="*/ 651293 h 663779"/>
+                                                                  <a:gd name="connsiteX3" fmla="*/ 152780 w 2463902"/>
+                                                                  <a:gd name="connsiteY3" fmla="*/ 663779 h 663779"/>
+                                                                  <a:gd name="connsiteX4" fmla="*/ 0 w 2463902"/>
+                                                                  <a:gd name="connsiteY4" fmla="*/ 0 h 663779"/>
+                                                                  <a:gd name="connsiteX0" fmla="*/ 0 w 2423426"/>
+                                                                  <a:gd name="connsiteY0" fmla="*/ 0 h 666366"/>
+                                                                  <a:gd name="connsiteX1" fmla="*/ 2348617 w 2423426"/>
+                                                                  <a:gd name="connsiteY1" fmla="*/ 16695 h 666366"/>
+                                                                  <a:gd name="connsiteX2" fmla="*/ 2423426 w 2423426"/>
+                                                                  <a:gd name="connsiteY2" fmla="*/ 653880 h 666366"/>
+                                                                  <a:gd name="connsiteX3" fmla="*/ 112304 w 2423426"/>
+                                                                  <a:gd name="connsiteY3" fmla="*/ 666366 h 666366"/>
+                                                                  <a:gd name="connsiteX4" fmla="*/ 0 w 2423426"/>
+                                                                  <a:gd name="connsiteY4" fmla="*/ 0 h 666366"/>
+                                                                  <a:gd name="connsiteX0" fmla="*/ 0 w 2394201"/>
+                                                                  <a:gd name="connsiteY0" fmla="*/ 28 h 649670"/>
+                                                                  <a:gd name="connsiteX1" fmla="*/ 2319392 w 2394201"/>
+                                                                  <a:gd name="connsiteY1" fmla="*/ -1 h 649670"/>
+                                                                  <a:gd name="connsiteX2" fmla="*/ 2394201 w 2394201"/>
+                                                                  <a:gd name="connsiteY2" fmla="*/ 637184 h 649670"/>
+                                                                  <a:gd name="connsiteX3" fmla="*/ 83079 w 2394201"/>
+                                                                  <a:gd name="connsiteY3" fmla="*/ 649670 h 649670"/>
+                                                                  <a:gd name="connsiteX4" fmla="*/ 0 w 2394201"/>
+                                                                  <a:gd name="connsiteY4" fmla="*/ 28 h 649670"/>
+                                                                  <a:gd name="connsiteX0" fmla="*/ 0 w 2432392"/>
+                                                                  <a:gd name="connsiteY0" fmla="*/ 29 h 649671"/>
+                                                                  <a:gd name="connsiteX1" fmla="*/ 2319392 w 2432392"/>
+                                                                  <a:gd name="connsiteY1" fmla="*/ 0 h 649671"/>
+                                                                  <a:gd name="connsiteX2" fmla="*/ 2432392 w 2432392"/>
+                                                                  <a:gd name="connsiteY2" fmla="*/ 644855 h 649671"/>
+                                                                  <a:gd name="connsiteX3" fmla="*/ 83079 w 2432392"/>
+                                                                  <a:gd name="connsiteY3" fmla="*/ 649671 h 649671"/>
+                                                                  <a:gd name="connsiteX4" fmla="*/ 0 w 2432392"/>
+                                                                  <a:gd name="connsiteY4" fmla="*/ 29 h 649671"/>
+                                                                  <a:gd name="connsiteX0" fmla="*/ 0 w 2432392"/>
+                                                                  <a:gd name="connsiteY0" fmla="*/ 0 h 649642"/>
+                                                                  <a:gd name="connsiteX1" fmla="*/ 2346907 w 2432392"/>
+                                                                  <a:gd name="connsiteY1" fmla="*/ 1592 h 649642"/>
+                                                                  <a:gd name="connsiteX2" fmla="*/ 2432392 w 2432392"/>
+                                                                  <a:gd name="connsiteY2" fmla="*/ 644826 h 649642"/>
+                                                                  <a:gd name="connsiteX3" fmla="*/ 83079 w 2432392"/>
+                                                                  <a:gd name="connsiteY3" fmla="*/ 649642 h 649642"/>
+                                                                  <a:gd name="connsiteX4" fmla="*/ 0 w 2432392"/>
+                                                                  <a:gd name="connsiteY4" fmla="*/ 0 h 649642"/>
+                                                                </a:gdLst>
+                                                                <a:ahLst/>
+                                                                <a:cxnLst>
+                                                                  <a:cxn ang="0">
+                                                                    <a:pos x="connsiteX0" y="connsiteY0"/>
+                                                                  </a:cxn>
+                                                                  <a:cxn ang="0">
+                                                                    <a:pos x="connsiteX1" y="connsiteY1"/>
+                                                                  </a:cxn>
+                                                                  <a:cxn ang="0">
+                                                                    <a:pos x="connsiteX2" y="connsiteY2"/>
+                                                                  </a:cxn>
+                                                                  <a:cxn ang="0">
+                                                                    <a:pos x="connsiteX3" y="connsiteY3"/>
+                                                                  </a:cxn>
+                                                                  <a:cxn ang="0">
+                                                                    <a:pos x="connsiteX4" y="connsiteY4"/>
+                                                                  </a:cxn>
+                                                                </a:cxnLst>
+                                                                <a:rect l="l" t="t" r="r" b="b"/>
+                                                                <a:pathLst>
+                                                                  <a:path w="2432392" h="649642">
+                                                                    <a:moveTo>
+                                                                      <a:pt x="0" y="0"/>
+                                                                    </a:moveTo>
+                                                                    <a:lnTo>
+                                                                      <a:pt x="2346907" y="1592"/>
+                                                                    </a:lnTo>
+                                                                    <a:lnTo>
+                                                                      <a:pt x="2432392" y="644826"/>
+                                                                    </a:lnTo>
+                                                                    <a:lnTo>
+                                                                      <a:pt x="83079" y="649642"/>
+                                                                    </a:lnTo>
+                                                                    <a:lnTo>
+                                                                      <a:pt x="0" y="0"/>
+                                                                    </a:lnTo>
+                                                                    <a:close/>
+                                                                  </a:path>
+                                                                </a:pathLst>
+                                                              </a:custGeom>
+                                                              <a:solidFill>
+                                                                <a:srgbClr val="00B050"/>
+                                                              </a:solidFill>
+                                                              <a:ln>
+                                                                <a:noFill/>
+                                                              </a:ln>
+                                                            </p:spPr>
+                                                            <p:style>
+                                                              <a:lnRef idx="2">
+                                                                <a:schemeClr val="accent1">
+                                                                  <a:shade val="50000"/>
+                                                                </a:schemeClr>
+                                                              </a:lnRef>
+                                                              <a:fillRef idx="1">
+                                                                <a:schemeClr val="accent1"/>
+                                                              </a:fillRef>
+                                                              <a:effectRef idx="0">
+                                                                <a:schemeClr val="accent1"/>
+                                                              </a:effectRef>
+                                                              <a:fontRef idx="minor">
+                                                                <a:schemeClr val="lt1"/>
+                                                              </a:fontRef>
+                                                            </p:style>
+                                                            <p:txBody>
+                                                              <a:bodyPr rtlCol="0" anchor="ctr"/>
+                                                              <a:lstStyle/>
+                                                              <a:p>
+                                                                <a:pPr algn="ctr"/>
+                                                                <a:endParaRPr lang="nb-NO" sz="1400" dirty="0"/>
+                                                              </a:p>
+                                                            </p:txBody>
+                                                          </p:sp>
+                                                          <p:sp>
+                                                            <p:nvSpPr>
+                                                              <p:cNvPr id="48" name="Rectangle 7"/>
+                                                              <p:cNvSpPr/>
+                                                              <p:nvPr/>
+                                                            </p:nvSpPr>
+                                                            <p:spPr>
+                                                              <a:xfrm rot="9000000">
+                                                                <a:off x="5893600" y="751749"/>
+                                                                <a:ext cx="1951655" cy="683731"/>
+                                                              </a:xfrm>
+                                                              <a:custGeom>
+                                                                <a:avLst/>
+                                                                <a:gdLst>
+                                                                  <a:gd name="connsiteX0" fmla="*/ 0 w 2409568"/>
+                                                                  <a:gd name="connsiteY0" fmla="*/ 0 h 633075"/>
+                                                                  <a:gd name="connsiteX1" fmla="*/ 2409568 w 2409568"/>
+                                                                  <a:gd name="connsiteY1" fmla="*/ 0 h 633075"/>
+                                                                  <a:gd name="connsiteX2" fmla="*/ 2409568 w 2409568"/>
+                                                                  <a:gd name="connsiteY2" fmla="*/ 633075 h 633075"/>
+                                                                  <a:gd name="connsiteX3" fmla="*/ 0 w 2409568"/>
+                                                                  <a:gd name="connsiteY3" fmla="*/ 633075 h 633075"/>
+                                                                  <a:gd name="connsiteX4" fmla="*/ 0 w 2409568"/>
+                                                                  <a:gd name="connsiteY4" fmla="*/ 0 h 633075"/>
+                                                                  <a:gd name="connsiteX0" fmla="*/ 325646 w 2735214"/>
+                                                                  <a:gd name="connsiteY0" fmla="*/ 0 h 640217"/>
+                                                                  <a:gd name="connsiteX1" fmla="*/ 2735214 w 2735214"/>
+                                                                  <a:gd name="connsiteY1" fmla="*/ 0 h 640217"/>
+                                                                  <a:gd name="connsiteX2" fmla="*/ 2735214 w 2735214"/>
+                                                                  <a:gd name="connsiteY2" fmla="*/ 633075 h 640217"/>
+                                                                  <a:gd name="connsiteX3" fmla="*/ 0 w 2735214"/>
+                                                                  <a:gd name="connsiteY3" fmla="*/ 640217 h 640217"/>
+                                                                  <a:gd name="connsiteX4" fmla="*/ 325646 w 2735214"/>
+                                                                  <a:gd name="connsiteY4" fmla="*/ 0 h 640217"/>
+                                                                  <a:gd name="connsiteX0" fmla="*/ 325646 w 2735214"/>
+                                                                  <a:gd name="connsiteY0" fmla="*/ 0 h 640217"/>
+                                                                  <a:gd name="connsiteX1" fmla="*/ 2703341 w 2735214"/>
+                                                                  <a:gd name="connsiteY1" fmla="*/ 9139 h 640217"/>
+                                                                  <a:gd name="connsiteX2" fmla="*/ 2735214 w 2735214"/>
+                                                                  <a:gd name="connsiteY2" fmla="*/ 633075 h 640217"/>
+                                                                  <a:gd name="connsiteX3" fmla="*/ 0 w 2735214"/>
+                                                                  <a:gd name="connsiteY3" fmla="*/ 640217 h 640217"/>
+                                                                  <a:gd name="connsiteX4" fmla="*/ 325646 w 2735214"/>
+                                                                  <a:gd name="connsiteY4" fmla="*/ 0 h 640217"/>
+                                                                  <a:gd name="connsiteX0" fmla="*/ 325646 w 2745467"/>
+                                                                  <a:gd name="connsiteY0" fmla="*/ 0 h 640217"/>
+                                                                  <a:gd name="connsiteX1" fmla="*/ 2745467 w 2745467"/>
+                                                                  <a:gd name="connsiteY1" fmla="*/ 5683 h 640217"/>
+                                                                  <a:gd name="connsiteX2" fmla="*/ 2735214 w 2745467"/>
+                                                                  <a:gd name="connsiteY2" fmla="*/ 633075 h 640217"/>
+                                                                  <a:gd name="connsiteX3" fmla="*/ 0 w 2745467"/>
+                                                                  <a:gd name="connsiteY3" fmla="*/ 640217 h 640217"/>
+                                                                  <a:gd name="connsiteX4" fmla="*/ 325646 w 2745467"/>
+                                                                  <a:gd name="connsiteY4" fmla="*/ 0 h 640217"/>
+                                                                  <a:gd name="connsiteX0" fmla="*/ 423511 w 2843332"/>
+                                                                  <a:gd name="connsiteY0" fmla="*/ 0 h 663088"/>
+                                                                  <a:gd name="connsiteX1" fmla="*/ 2843332 w 2843332"/>
+                                                                  <a:gd name="connsiteY1" fmla="*/ 5683 h 663088"/>
+                                                                  <a:gd name="connsiteX2" fmla="*/ 2833079 w 2843332"/>
+                                                                  <a:gd name="connsiteY2" fmla="*/ 633075 h 663088"/>
+                                                                  <a:gd name="connsiteX3" fmla="*/ 0 w 2843332"/>
+                                                                  <a:gd name="connsiteY3" fmla="*/ 663088 h 663088"/>
+                                                                  <a:gd name="connsiteX4" fmla="*/ 423511 w 2843332"/>
+                                                                  <a:gd name="connsiteY4" fmla="*/ 0 h 663088"/>
+                                                                  <a:gd name="connsiteX0" fmla="*/ 488636 w 2908457"/>
+                                                                  <a:gd name="connsiteY0" fmla="*/ 0 h 660103"/>
+                                                                  <a:gd name="connsiteX1" fmla="*/ 2908457 w 2908457"/>
+                                                                  <a:gd name="connsiteY1" fmla="*/ 5683 h 660103"/>
+                                                                  <a:gd name="connsiteX2" fmla="*/ 2898204 w 2908457"/>
+                                                                  <a:gd name="connsiteY2" fmla="*/ 633075 h 660103"/>
+                                                                  <a:gd name="connsiteX3" fmla="*/ 0 w 2908457"/>
+                                                                  <a:gd name="connsiteY3" fmla="*/ 660103 h 660103"/>
+                                                                  <a:gd name="connsiteX4" fmla="*/ 488636 w 2908457"/>
+                                                                  <a:gd name="connsiteY4" fmla="*/ 0 h 660103"/>
+                                                                  <a:gd name="connsiteX0" fmla="*/ 0 w 2419821"/>
+                                                                  <a:gd name="connsiteY0" fmla="*/ 0 h 647051"/>
+                                                                  <a:gd name="connsiteX1" fmla="*/ 2419821 w 2419821"/>
+                                                                  <a:gd name="connsiteY1" fmla="*/ 5683 h 647051"/>
+                                                                  <a:gd name="connsiteX2" fmla="*/ 2409568 w 2419821"/>
+                                                                  <a:gd name="connsiteY2" fmla="*/ 633075 h 647051"/>
+                                                                  <a:gd name="connsiteX3" fmla="*/ 123556 w 2419821"/>
+                                                                  <a:gd name="connsiteY3" fmla="*/ 647052 h 647051"/>
+                                                                  <a:gd name="connsiteX4" fmla="*/ 0 w 2419821"/>
+                                                                  <a:gd name="connsiteY4" fmla="*/ 0 h 647051"/>
+                                                                  <a:gd name="connsiteX0" fmla="*/ 0 w 2409568"/>
+                                                                  <a:gd name="connsiteY0" fmla="*/ 0 h 647052"/>
+                                                                  <a:gd name="connsiteX1" fmla="*/ 2369604 w 2409568"/>
+                                                                  <a:gd name="connsiteY1" fmla="*/ 2955 h 647052"/>
+                                                                  <a:gd name="connsiteX2" fmla="*/ 2409568 w 2409568"/>
+                                                                  <a:gd name="connsiteY2" fmla="*/ 633075 h 647052"/>
+                                                                  <a:gd name="connsiteX3" fmla="*/ 123556 w 2409568"/>
+                                                                  <a:gd name="connsiteY3" fmla="*/ 647052 h 647052"/>
+                                                                  <a:gd name="connsiteX4" fmla="*/ 0 w 2409568"/>
+                                                                  <a:gd name="connsiteY4" fmla="*/ 0 h 647052"/>
+                                                                  <a:gd name="connsiteX0" fmla="*/ 0 w 2409568"/>
+                                                                  <a:gd name="connsiteY0" fmla="*/ 0 h 647052"/>
+                                                                  <a:gd name="connsiteX1" fmla="*/ 2352731 w 2409568"/>
+                                                                  <a:gd name="connsiteY1" fmla="*/ 31924 h 647052"/>
+                                                                  <a:gd name="connsiteX2" fmla="*/ 2409568 w 2409568"/>
+                                                                  <a:gd name="connsiteY2" fmla="*/ 633075 h 647052"/>
+                                                                  <a:gd name="connsiteX3" fmla="*/ 123556 w 2409568"/>
+                                                                  <a:gd name="connsiteY3" fmla="*/ 647052 h 647052"/>
+                                                                  <a:gd name="connsiteX4" fmla="*/ 0 w 2409568"/>
+                                                                  <a:gd name="connsiteY4" fmla="*/ 0 h 647052"/>
+                                                                  <a:gd name="connsiteX0" fmla="*/ 0 w 2409568"/>
+                                                                  <a:gd name="connsiteY0" fmla="*/ 1523 h 648575"/>
+                                                                  <a:gd name="connsiteX1" fmla="*/ 2294281 w 2409568"/>
+                                                                  <a:gd name="connsiteY1" fmla="*/ 0 h 648575"/>
+                                                                  <a:gd name="connsiteX2" fmla="*/ 2409568 w 2409568"/>
+                                                                  <a:gd name="connsiteY2" fmla="*/ 634598 h 648575"/>
+                                                                  <a:gd name="connsiteX3" fmla="*/ 123556 w 2409568"/>
+                                                                  <a:gd name="connsiteY3" fmla="*/ 648575 h 648575"/>
+                                                                  <a:gd name="connsiteX4" fmla="*/ 0 w 2409568"/>
+                                                                  <a:gd name="connsiteY4" fmla="*/ 1523 h 648575"/>
+                                                                  <a:gd name="connsiteX0" fmla="*/ 0 w 2409568"/>
+                                                                  <a:gd name="connsiteY0" fmla="*/ 12273 h 659325"/>
+                                                                  <a:gd name="connsiteX1" fmla="*/ 2365490 w 2409568"/>
+                                                                  <a:gd name="connsiteY1" fmla="*/ 0 h 659325"/>
+                                                                  <a:gd name="connsiteX2" fmla="*/ 2409568 w 2409568"/>
+                                                                  <a:gd name="connsiteY2" fmla="*/ 645348 h 659325"/>
+                                                                  <a:gd name="connsiteX3" fmla="*/ 123556 w 2409568"/>
+                                                                  <a:gd name="connsiteY3" fmla="*/ 659325 h 659325"/>
+                                                                  <a:gd name="connsiteX4" fmla="*/ 0 w 2409568"/>
+                                                                  <a:gd name="connsiteY4" fmla="*/ 12273 h 659325"/>
+                                                                  <a:gd name="connsiteX0" fmla="*/ 0 w 2409568"/>
+                                                                  <a:gd name="connsiteY0" fmla="*/ 12273 h 656340"/>
+                                                                  <a:gd name="connsiteX1" fmla="*/ 2365490 w 2409568"/>
+                                                                  <a:gd name="connsiteY1" fmla="*/ 0 h 656340"/>
+                                                                  <a:gd name="connsiteX2" fmla="*/ 2409568 w 2409568"/>
+                                                                  <a:gd name="connsiteY2" fmla="*/ 645348 h 656340"/>
+                                                                  <a:gd name="connsiteX3" fmla="*/ 73338 w 2409568"/>
+                                                                  <a:gd name="connsiteY3" fmla="*/ 656340 h 656340"/>
+                                                                  <a:gd name="connsiteX4" fmla="*/ 0 w 2409568"/>
+                                                                  <a:gd name="connsiteY4" fmla="*/ 12273 h 656340"/>
+                                                                  <a:gd name="connsiteX0" fmla="*/ 0 w 2409568"/>
+                                                                  <a:gd name="connsiteY0" fmla="*/ 4111 h 648178"/>
+                                                                  <a:gd name="connsiteX1" fmla="*/ 2334759 w 2409568"/>
+                                                                  <a:gd name="connsiteY1" fmla="*/ 1 h 648178"/>
+                                                                  <a:gd name="connsiteX2" fmla="*/ 2409568 w 2409568"/>
+                                                                  <a:gd name="connsiteY2" fmla="*/ 637186 h 648178"/>
+                                                                  <a:gd name="connsiteX3" fmla="*/ 73338 w 2409568"/>
+                                                                  <a:gd name="connsiteY3" fmla="*/ 648178 h 648178"/>
+                                                                  <a:gd name="connsiteX4" fmla="*/ 0 w 2409568"/>
+                                                                  <a:gd name="connsiteY4" fmla="*/ 4111 h 648178"/>
+                                                                  <a:gd name="connsiteX0" fmla="*/ 1 w 2463903"/>
+                                                                  <a:gd name="connsiteY0" fmla="*/ 0 h 662285"/>
+                                                                  <a:gd name="connsiteX1" fmla="*/ 2389094 w 2463903"/>
+                                                                  <a:gd name="connsiteY1" fmla="*/ 14108 h 662285"/>
+                                                                  <a:gd name="connsiteX2" fmla="*/ 2463903 w 2463903"/>
+                                                                  <a:gd name="connsiteY2" fmla="*/ 651293 h 662285"/>
+                                                                  <a:gd name="connsiteX3" fmla="*/ 127673 w 2463903"/>
+                                                                  <a:gd name="connsiteY3" fmla="*/ 662285 h 662285"/>
+                                                                  <a:gd name="connsiteX4" fmla="*/ 1 w 2463903"/>
+                                                                  <a:gd name="connsiteY4" fmla="*/ 0 h 662285"/>
+                                                                  <a:gd name="connsiteX0" fmla="*/ 0 w 2463902"/>
+                                                                  <a:gd name="connsiteY0" fmla="*/ 0 h 657804"/>
+                                                                  <a:gd name="connsiteX1" fmla="*/ 2389093 w 2463902"/>
+                                                                  <a:gd name="connsiteY1" fmla="*/ 14108 h 657804"/>
+                                                                  <a:gd name="connsiteX2" fmla="*/ 2463902 w 2463902"/>
+                                                                  <a:gd name="connsiteY2" fmla="*/ 651293 h 657804"/>
+                                                                  <a:gd name="connsiteX3" fmla="*/ 52348 w 2463902"/>
+                                                                  <a:gd name="connsiteY3" fmla="*/ 657803 h 657804"/>
+                                                                  <a:gd name="connsiteX4" fmla="*/ 0 w 2463902"/>
+                                                                  <a:gd name="connsiteY4" fmla="*/ 0 h 657804"/>
+                                                                  <a:gd name="connsiteX0" fmla="*/ 0 w 2463902"/>
+                                                                  <a:gd name="connsiteY0" fmla="*/ 0 h 656708"/>
+                                                                  <a:gd name="connsiteX1" fmla="*/ 2389093 w 2463902"/>
+                                                                  <a:gd name="connsiteY1" fmla="*/ 14108 h 656708"/>
+                                                                  <a:gd name="connsiteX2" fmla="*/ 2463902 w 2463902"/>
+                                                                  <a:gd name="connsiteY2" fmla="*/ 651293 h 656708"/>
+                                                                  <a:gd name="connsiteX3" fmla="*/ 117930 w 2463902"/>
+                                                                  <a:gd name="connsiteY3" fmla="*/ 656708 h 656708"/>
+                                                                  <a:gd name="connsiteX4" fmla="*/ 0 w 2463902"/>
+                                                                  <a:gd name="connsiteY4" fmla="*/ 0 h 656708"/>
+                                                                  <a:gd name="connsiteX0" fmla="*/ 0 w 2424935"/>
+                                                                  <a:gd name="connsiteY0" fmla="*/ 8191 h 642600"/>
+                                                                  <a:gd name="connsiteX1" fmla="*/ 2350126 w 2424935"/>
+                                                                  <a:gd name="connsiteY1" fmla="*/ 0 h 642600"/>
+                                                                  <a:gd name="connsiteX2" fmla="*/ 2424935 w 2424935"/>
+                                                                  <a:gd name="connsiteY2" fmla="*/ 637185 h 642600"/>
+                                                                  <a:gd name="connsiteX3" fmla="*/ 78963 w 2424935"/>
+                                                                  <a:gd name="connsiteY3" fmla="*/ 642600 h 642600"/>
+                                                                  <a:gd name="connsiteX4" fmla="*/ 0 w 2424935"/>
+                                                                  <a:gd name="connsiteY4" fmla="*/ 8191 h 642600"/>
+                                                                </a:gdLst>
+                                                                <a:ahLst/>
+                                                                <a:cxnLst>
+                                                                  <a:cxn ang="0">
+                                                                    <a:pos x="connsiteX0" y="connsiteY0"/>
+                                                                  </a:cxn>
+                                                                  <a:cxn ang="0">
+                                                                    <a:pos x="connsiteX1" y="connsiteY1"/>
+                                                                  </a:cxn>
+                                                                  <a:cxn ang="0">
+                                                                    <a:pos x="connsiteX2" y="connsiteY2"/>
+                                                                  </a:cxn>
+                                                                  <a:cxn ang="0">
+                                                                    <a:pos x="connsiteX3" y="connsiteY3"/>
+                                                                  </a:cxn>
+                                                                  <a:cxn ang="0">
+                                                                    <a:pos x="connsiteX4" y="connsiteY4"/>
+                                                                  </a:cxn>
+                                                                </a:cxnLst>
+                                                                <a:rect l="l" t="t" r="r" b="b"/>
+                                                                <a:pathLst>
+                                                                  <a:path w="2424935" h="642600">
+                                                                    <a:moveTo>
+                                                                      <a:pt x="0" y="8191"/>
+                                                                    </a:moveTo>
+                                                                    <a:lnTo>
+                                                                      <a:pt x="2350126" y="0"/>
+                                                                    </a:lnTo>
+                                                                    <a:lnTo>
+                                                                      <a:pt x="2424935" y="637185"/>
+                                                                    </a:lnTo>
+                                                                    <a:lnTo>
+                                                                      <a:pt x="78963" y="642600"/>
+                                                                    </a:lnTo>
+                                                                    <a:lnTo>
+                                                                      <a:pt x="0" y="8191"/>
+                                                                    </a:lnTo>
+                                                                    <a:close/>
+                                                                  </a:path>
+                                                                </a:pathLst>
+                                                              </a:custGeom>
+                                                              <a:solidFill>
+                                                                <a:srgbClr val="00B050"/>
+                                                              </a:solidFill>
+                                                              <a:ln>
+                                                                <a:noFill/>
+                                                              </a:ln>
+                                                            </p:spPr>
+                                                            <p:style>
+                                                              <a:lnRef idx="2">
+                                                                <a:schemeClr val="accent1">
+                                                                  <a:shade val="50000"/>
+                                                                </a:schemeClr>
+                                                              </a:lnRef>
+                                                              <a:fillRef idx="1">
+                                                                <a:schemeClr val="accent1"/>
+                                                              </a:fillRef>
+                                                              <a:effectRef idx="0">
+                                                                <a:schemeClr val="accent1"/>
+                                                              </a:effectRef>
+                                                              <a:fontRef idx="minor">
+                                                                <a:schemeClr val="lt1"/>
+                                                              </a:fontRef>
+                                                            </p:style>
+                                                            <p:txBody>
+                                                              <a:bodyPr rtlCol="0" anchor="ctr"/>
+                                                              <a:lstStyle/>
+                                                              <a:p>
+                                                                <a:pPr algn="ctr"/>
+                                                                <a:endParaRPr lang="nb-NO" sz="1400" dirty="0"/>
+                                                              </a:p>
+                                                            </p:txBody>
+                                                          </p:sp>
+                                                          <p:sp>
+                                                            <p:nvSpPr>
+                                                              <p:cNvPr id="49" name="Rectangle 48"/>
+                                                              <p:cNvSpPr/>
+                                                              <p:nvPr/>
+                                                            </p:nvSpPr>
+                                                            <p:spPr>
+                                                              <a:xfrm>
+                                                                <a:off x="5909619" y="-35190"/>
+                                                                <a:ext cx="487826" cy="388177"/>
+                                                              </a:xfrm>
+                                                              <a:prstGeom prst="rect">
+                                                                <a:avLst/>
+                                                              </a:prstGeom>
+                                                            </p:spPr>
+                                                            <p:txBody>
+                                                              <a:bodyPr wrap="none">
+                                                                <a:spAutoFit/>
+                                                              </a:bodyPr>
+                                                              <a:lstStyle/>
+                                                              <a:p>
+                                                                <a:pPr algn="ctr"/>
+                                                                <a:r>
+                                                                  <a:rPr lang="nb-NO" sz="1400" dirty="0" smtClean="0"/>
+                                                                  <a:t>R3</a:t>
+                                                                </a:r>
+                                                                <a:endParaRPr lang="nb-NO" sz="1400" dirty="0"/>
+                                                              </a:p>
+                                                            </p:txBody>
+                                                          </p:sp>
+                                                          <p:sp>
+                                                            <p:nvSpPr>
+                                                              <p:cNvPr id="50" name="Rectangle 49"/>
+                                                              <p:cNvSpPr/>
+                                                              <p:nvPr/>
+                                                            </p:nvSpPr>
+                                                            <p:spPr>
+                                                              <a:xfrm>
+                                                                <a:off x="6228575" y="413313"/>
+                                                                <a:ext cx="487826" cy="388177"/>
+                                                              </a:xfrm>
+                                                              <a:prstGeom prst="rect">
+                                                                <a:avLst/>
+                                                              </a:prstGeom>
+                                                            </p:spPr>
+                                                            <p:txBody>
+                                                              <a:bodyPr wrap="none">
+                                                                <a:spAutoFit/>
+                                                              </a:bodyPr>
+                                                              <a:lstStyle/>
+                                                              <a:p>
+                                                                <a:pPr algn="ctr"/>
+                                                                <a:r>
+                                                                  <a:rPr lang="nb-NO" sz="1400" dirty="0" smtClean="0"/>
+                                                                  <a:t>R2</a:t>
+                                                                </a:r>
+                                                                <a:endParaRPr lang="nb-NO" sz="1400" dirty="0"/>
+                                                              </a:p>
+                                                            </p:txBody>
+                                                          </p:sp>
+                                                          <p:sp>
+                                                            <p:nvSpPr>
+                                                              <p:cNvPr id="51" name="Rectangle 50"/>
+                                                              <p:cNvSpPr/>
+                                                              <p:nvPr/>
+                                                            </p:nvSpPr>
+                                                            <p:spPr>
+                                                              <a:xfrm>
+                                                                <a:off x="6551058" y="845693"/>
+                                                                <a:ext cx="487826" cy="388177"/>
+                                                              </a:xfrm>
+                                                              <a:prstGeom prst="rect">
+                                                                <a:avLst/>
+                                                              </a:prstGeom>
+                                                            </p:spPr>
+                                                            <p:txBody>
+                                                              <a:bodyPr wrap="none">
+                                                                <a:spAutoFit/>
+                                                              </a:bodyPr>
+                                                              <a:lstStyle/>
+                                                              <a:p>
+                                                                <a:pPr algn="ctr"/>
+                                                                <a:r>
+                                                                  <a:rPr lang="nb-NO" sz="1400" dirty="0" smtClean="0"/>
+                                                                  <a:t>R1</a:t>
+                                                                </a:r>
+                                                                <a:endParaRPr lang="nb-NO" sz="1400" dirty="0"/>
+                                                              </a:p>
+                                                            </p:txBody>
+                                                          </p:sp>
+                                                        </p:grpSp>
+                                                      </p:grpSp>
+                                                      <p:cxnSp>
+                                                        <p:nvCxnSpPr>
+                                                          <p:cNvPr id="43" name="Straight Connector 42"/>
+                                                          <p:cNvCxnSpPr/>
+                                                          <p:nvPr/>
+                                                        </p:nvCxnSpPr>
+                                                        <p:spPr>
+                                                          <a:xfrm>
+                                                            <a:off x="6563762" y="0"/>
+                                                            <a:ext cx="1376127" cy="1816813"/>
+                                                          </a:xfrm>
+                                                          <a:prstGeom prst="line">
+                                                            <a:avLst/>
+                                                          </a:prstGeom>
+                                                        </p:spPr>
+                                                        <p:style>
+                                                          <a:lnRef idx="3">
+                                                            <a:schemeClr val="dk1"/>
+                                                          </a:lnRef>
+                                                          <a:fillRef idx="0">
+                                                            <a:schemeClr val="dk1"/>
+                                                          </a:fillRef>
+                                                          <a:effectRef idx="2">
+                                                            <a:schemeClr val="dk1"/>
+                                                          </a:effectRef>
+                                                          <a:fontRef idx="minor">
+                                                            <a:schemeClr val="tx1"/>
+                                                          </a:fontRef>
+                                                        </p:style>
+                                                      </p:cxnSp>
+                                                    </p:grpSp>
+                                                    <p:sp>
+                                                      <p:nvSpPr>
+                                                        <p:cNvPr id="41" name="TextBox 40"/>
+                                                        <p:cNvSpPr txBox="1"/>
+                                                        <p:nvPr/>
+                                                      </p:nvSpPr>
+                                                      <p:spPr>
+                                                        <a:xfrm>
+                                                          <a:off x="485371" y="6400002"/>
+                                                          <a:ext cx="433723" cy="357675"/>
+                                                        </a:xfrm>
+                                                        <a:prstGeom prst="rect">
+                                                          <a:avLst/>
+                                                        </a:prstGeom>
+                                                        <a:noFill/>
+                                                        <a:ln>
+                                                          <a:solidFill>
+                                                            <a:srgbClr val="FF0000"/>
+                                                          </a:solidFill>
+                                                        </a:ln>
+                                                      </p:spPr>
+                                                      <p:txBody>
+                                                        <a:bodyPr wrap="none" rtlCol="0">
+                                                          <a:spAutoFit/>
+                                                        </a:bodyPr>
+                                                        <a:lstStyle/>
+                                                        <a:p>
+                                                          <a:r>
+                                                            <a:rPr lang="nb-NO" sz="1400" dirty="0" smtClean="0"/>
+                                                            <a:t>SR</a:t>
+                                                          </a:r>
+                                                          <a:endParaRPr lang="nb-NO" sz="1400" dirty="0"/>
+                                                        </a:p>
+                                                      </p:txBody>
+                                                    </p:sp>
+                                                  </p:grpSp>
+                                                  <p:cxnSp>
+                                                    <p:nvCxnSpPr>
+                                                      <p:cNvPr id="37" name="Straight Arrow Connector 36"/>
+                                                      <p:cNvCxnSpPr/>
+                                                      <p:nvPr/>
+                                                    </p:nvCxnSpPr>
+                                                    <p:spPr>
+                                                      <a:xfrm flipV="1">
+                                                        <a:off x="1204111" y="6237839"/>
+                                                        <a:ext cx="986828" cy="443618"/>
+                                                      </a:xfrm>
+                                                      <a:prstGeom prst="straightConnector1">
+                                                        <a:avLst/>
+                                                      </a:prstGeom>
+                                                      <a:ln>
+                                                        <a:solidFill>
+                                                          <a:srgbClr val="FF0000"/>
+                                                        </a:solidFill>
+                                                        <a:tailEnd type="triangle"/>
+                                                      </a:ln>
+                                                    </p:spPr>
+                                                    <p:style>
+                                                      <a:lnRef idx="1">
+                                                        <a:schemeClr val="accent1"/>
+                                                      </a:lnRef>
+                                                      <a:fillRef idx="0">
+                                                        <a:schemeClr val="accent1"/>
+                                                      </a:fillRef>
+                                                      <a:effectRef idx="0">
+                                                        <a:schemeClr val="accent1"/>
+                                                      </a:effectRef>
+                                                      <a:fontRef idx="minor">
+                                                        <a:schemeClr val="tx1"/>
+                                                      </a:fontRef>
+                                                    </p:style>
+                                                  </p:cxnSp>
+                                                  <p:cxnSp>
+                                                    <p:nvCxnSpPr>
+                                                      <p:cNvPr id="38" name="Straight Arrow Connector 37"/>
+                                                      <p:cNvCxnSpPr/>
+                                                      <p:nvPr/>
+                                                    </p:nvCxnSpPr>
+                                                    <p:spPr>
+                                                      <a:xfrm flipV="1">
+                                                        <a:off x="2903365" y="5481736"/>
+                                                        <a:ext cx="460961" cy="311996"/>
+                                                      </a:xfrm>
+                                                      <a:prstGeom prst="straightConnector1">
+                                                        <a:avLst/>
+                                                      </a:prstGeom>
+                                                      <a:ln>
+                                                        <a:solidFill>
+                                                          <a:srgbClr val="FF0000"/>
+                                                        </a:solidFill>
+                                                        <a:tailEnd type="triangle"/>
+                                                      </a:ln>
+                                                    </p:spPr>
+                                                    <p:style>
+                                                      <a:lnRef idx="1">
+                                                        <a:schemeClr val="accent1"/>
+                                                      </a:lnRef>
+                                                      <a:fillRef idx="0">
+                                                        <a:schemeClr val="accent1"/>
+                                                      </a:fillRef>
+                                                      <a:effectRef idx="0">
+                                                        <a:schemeClr val="accent1"/>
+                                                      </a:effectRef>
+                                                      <a:fontRef idx="minor">
+                                                        <a:schemeClr val="tx1"/>
+                                                      </a:fontRef>
+                                                    </p:style>
+                                                  </p:cxnSp>
+                                                  <p:cxnSp>
+                                                    <p:nvCxnSpPr>
+                                                      <p:cNvPr id="39" name="Straight Arrow Connector 38"/>
+                                                      <p:cNvCxnSpPr/>
+                                                      <p:nvPr/>
+                                                    </p:nvCxnSpPr>
+                                                    <p:spPr>
+                                                      <a:xfrm flipV="1">
+                                                        <a:off x="4572729" y="4564842"/>
+                                                        <a:ext cx="460961" cy="311996"/>
+                                                      </a:xfrm>
+                                                      <a:prstGeom prst="straightConnector1">
+                                                        <a:avLst/>
+                                                      </a:prstGeom>
+                                                      <a:ln>
+                                                        <a:solidFill>
+                                                          <a:srgbClr val="FF0000"/>
+                                                        </a:solidFill>
+                                                        <a:tailEnd type="triangle"/>
+                                                      </a:ln>
+                                                    </p:spPr>
+                                                    <p:style>
+                                                      <a:lnRef idx="1">
+                                                        <a:schemeClr val="accent1"/>
+                                                      </a:lnRef>
+                                                      <a:fillRef idx="0">
+                                                        <a:schemeClr val="accent1"/>
+                                                      </a:fillRef>
+                                                      <a:effectRef idx="0">
+                                                        <a:schemeClr val="accent1"/>
+                                                      </a:effectRef>
+                                                      <a:fontRef idx="minor">
+                                                        <a:schemeClr val="tx1"/>
+                                                      </a:fontRef>
+                                                    </p:style>
+                                                  </p:cxnSp>
+                                                </p:grpSp>
+                                                <p:cxnSp>
+                                                  <p:nvCxnSpPr>
+                                                    <p:cNvPr id="33" name="Straight Arrow Connector 32"/>
+                                                    <p:cNvCxnSpPr/>
+                                                    <p:nvPr/>
+                                                  </p:nvCxnSpPr>
+                                                  <p:spPr>
+                                                    <a:xfrm flipV="1">
+                                                      <a:off x="5877805" y="2941477"/>
+                                                      <a:ext cx="460961" cy="311996"/>
+                                                    </a:xfrm>
+                                                    <a:prstGeom prst="straightConnector1">
+                                                      <a:avLst/>
+                                                    </a:prstGeom>
+                                                    <a:ln>
+                                                      <a:solidFill>
+                                                        <a:srgbClr val="FF0000"/>
+                                                      </a:solidFill>
+                                                      <a:tailEnd type="triangle"/>
+                                                    </a:ln>
+                                                  </p:spPr>
+                                                  <p:style>
+                                                    <a:lnRef idx="1">
+                                                      <a:schemeClr val="accent1"/>
+                                                    </a:lnRef>
+                                                    <a:fillRef idx="0">
+                                                      <a:schemeClr val="accent1"/>
+                                                    </a:fillRef>
+                                                    <a:effectRef idx="0">
+                                                      <a:schemeClr val="accent1"/>
+                                                    </a:effectRef>
+                                                    <a:fontRef idx="minor">
+                                                      <a:schemeClr val="tx1"/>
+                                                    </a:fontRef>
+                                                  </p:style>
+                                                </p:cxnSp>
+                                                <p:cxnSp>
+                                                  <p:nvCxnSpPr>
+                                                    <p:cNvPr id="34" name="Straight Arrow Connector 33"/>
+                                                    <p:cNvCxnSpPr/>
+                                                    <p:nvPr/>
+                                                  </p:nvCxnSpPr>
+                                                  <p:spPr>
+                                                    <a:xfrm flipV="1">
+                                                      <a:off x="7314022" y="1877771"/>
+                                                      <a:ext cx="460961" cy="311996"/>
+                                                    </a:xfrm>
+                                                    <a:prstGeom prst="straightConnector1">
+                                                      <a:avLst/>
+                                                    </a:prstGeom>
+                                                    <a:ln>
+                                                      <a:solidFill>
+                                                        <a:srgbClr val="FF0000"/>
+                                                      </a:solidFill>
+                                                      <a:tailEnd type="triangle"/>
+                                                    </a:ln>
+                                                  </p:spPr>
+                                                  <p:style>
+                                                    <a:lnRef idx="1">
+                                                      <a:schemeClr val="accent1"/>
+                                                    </a:lnRef>
+                                                    <a:fillRef idx="0">
+                                                      <a:schemeClr val="accent1"/>
+                                                    </a:fillRef>
+                                                    <a:effectRef idx="0">
+                                                      <a:schemeClr val="accent1"/>
+                                                    </a:effectRef>
+                                                    <a:fontRef idx="minor">
+                                                      <a:schemeClr val="tx1"/>
+                                                    </a:fontRef>
+                                                  </p:style>
+                                                </p:cxnSp>
+                                                <p:cxnSp>
+                                                  <p:nvCxnSpPr>
+                                                    <p:cNvPr id="35" name="Straight Arrow Connector 34"/>
+                                                    <p:cNvCxnSpPr/>
+                                                    <p:nvPr/>
+                                                  </p:nvCxnSpPr>
+                                                  <p:spPr>
+                                                    <a:xfrm flipV="1">
+                                                      <a:off x="8492304" y="592709"/>
+                                                      <a:ext cx="460961" cy="311996"/>
+                                                    </a:xfrm>
+                                                    <a:prstGeom prst="straightConnector1">
+                                                      <a:avLst/>
+                                                    </a:prstGeom>
+                                                    <a:ln>
+                                                      <a:solidFill>
+                                                        <a:srgbClr val="FF0000"/>
+                                                      </a:solidFill>
+                                                      <a:tailEnd type="triangle"/>
+                                                    </a:ln>
+                                                  </p:spPr>
+                                                  <p:style>
+                                                    <a:lnRef idx="1">
+                                                      <a:schemeClr val="accent1"/>
+                                                    </a:lnRef>
+                                                    <a:fillRef idx="0">
+                                                      <a:schemeClr val="accent1"/>
+                                                    </a:fillRef>
+                                                    <a:effectRef idx="0">
+                                                      <a:schemeClr val="accent1"/>
+                                                    </a:effectRef>
+                                                    <a:fontRef idx="minor">
+                                                      <a:schemeClr val="tx1"/>
+                                                    </a:fontRef>
+                                                  </p:style>
+                                                </p:cxnSp>
+                                              </p:grpSp>
+                                              <p:sp>
+                                                <p:nvSpPr>
+                                                  <p:cNvPr id="31" name="Rectangle 7"/>
+                                                  <p:cNvSpPr/>
+                                                  <p:nvPr/>
+                                                </p:nvSpPr>
+                                                <p:spPr>
+                                                  <a:xfrm rot="9000000">
+                                                    <a:off x="8966755" y="-175437"/>
+                                                    <a:ext cx="1814203" cy="711458"/>
+                                                  </a:xfrm>
+                                                  <a:custGeom>
+                                                    <a:avLst/>
+                                                    <a:gdLst>
+                                                      <a:gd name="connsiteX0" fmla="*/ 0 w 2409568"/>
+                                                      <a:gd name="connsiteY0" fmla="*/ 0 h 633075"/>
+                                                      <a:gd name="connsiteX1" fmla="*/ 2409568 w 2409568"/>
+                                                      <a:gd name="connsiteY1" fmla="*/ 0 h 633075"/>
+                                                      <a:gd name="connsiteX2" fmla="*/ 2409568 w 2409568"/>
+                                                      <a:gd name="connsiteY2" fmla="*/ 633075 h 633075"/>
+                                                      <a:gd name="connsiteX3" fmla="*/ 0 w 2409568"/>
+                                                      <a:gd name="connsiteY3" fmla="*/ 633075 h 633075"/>
+                                                      <a:gd name="connsiteX4" fmla="*/ 0 w 2409568"/>
+                                                      <a:gd name="connsiteY4" fmla="*/ 0 h 633075"/>
+                                                      <a:gd name="connsiteX0" fmla="*/ 325646 w 2735214"/>
+                                                      <a:gd name="connsiteY0" fmla="*/ 0 h 640217"/>
+                                                      <a:gd name="connsiteX1" fmla="*/ 2735214 w 2735214"/>
+                                                      <a:gd name="connsiteY1" fmla="*/ 0 h 640217"/>
+                                                      <a:gd name="connsiteX2" fmla="*/ 2735214 w 2735214"/>
+                                                      <a:gd name="connsiteY2" fmla="*/ 633075 h 640217"/>
+                                                      <a:gd name="connsiteX3" fmla="*/ 0 w 2735214"/>
+                                                      <a:gd name="connsiteY3" fmla="*/ 640217 h 640217"/>
+                                                      <a:gd name="connsiteX4" fmla="*/ 325646 w 2735214"/>
+                                                      <a:gd name="connsiteY4" fmla="*/ 0 h 640217"/>
+                                                      <a:gd name="connsiteX0" fmla="*/ 325646 w 2735214"/>
+                                                      <a:gd name="connsiteY0" fmla="*/ 0 h 640217"/>
+                                                      <a:gd name="connsiteX1" fmla="*/ 2703341 w 2735214"/>
+                                                      <a:gd name="connsiteY1" fmla="*/ 9139 h 640217"/>
+                                                      <a:gd name="connsiteX2" fmla="*/ 2735214 w 2735214"/>
+                                                      <a:gd name="connsiteY2" fmla="*/ 633075 h 640217"/>
+                                                      <a:gd name="connsiteX3" fmla="*/ 0 w 2735214"/>
+                                                      <a:gd name="connsiteY3" fmla="*/ 640217 h 640217"/>
+                                                      <a:gd name="connsiteX4" fmla="*/ 325646 w 2735214"/>
+                                                      <a:gd name="connsiteY4" fmla="*/ 0 h 640217"/>
+                                                      <a:gd name="connsiteX0" fmla="*/ 325646 w 2745467"/>
+                                                      <a:gd name="connsiteY0" fmla="*/ 0 h 640217"/>
+                                                      <a:gd name="connsiteX1" fmla="*/ 2745467 w 2745467"/>
+                                                      <a:gd name="connsiteY1" fmla="*/ 5683 h 640217"/>
+                                                      <a:gd name="connsiteX2" fmla="*/ 2735214 w 2745467"/>
+                                                      <a:gd name="connsiteY2" fmla="*/ 633075 h 640217"/>
+                                                      <a:gd name="connsiteX3" fmla="*/ 0 w 2745467"/>
+                                                      <a:gd name="connsiteY3" fmla="*/ 640217 h 640217"/>
+                                                      <a:gd name="connsiteX4" fmla="*/ 325646 w 2745467"/>
+                                                      <a:gd name="connsiteY4" fmla="*/ 0 h 640217"/>
+                                                      <a:gd name="connsiteX0" fmla="*/ 423511 w 2843332"/>
+                                                      <a:gd name="connsiteY0" fmla="*/ 0 h 663088"/>
+                                                      <a:gd name="connsiteX1" fmla="*/ 2843332 w 2843332"/>
+                                                      <a:gd name="connsiteY1" fmla="*/ 5683 h 663088"/>
+                                                      <a:gd name="connsiteX2" fmla="*/ 2833079 w 2843332"/>
+                                                      <a:gd name="connsiteY2" fmla="*/ 633075 h 663088"/>
+                                                      <a:gd name="connsiteX3" fmla="*/ 0 w 2843332"/>
+                                                      <a:gd name="connsiteY3" fmla="*/ 663088 h 663088"/>
+                                                      <a:gd name="connsiteX4" fmla="*/ 423511 w 2843332"/>
+                                                      <a:gd name="connsiteY4" fmla="*/ 0 h 663088"/>
+                                                      <a:gd name="connsiteX0" fmla="*/ 488636 w 2908457"/>
+                                                      <a:gd name="connsiteY0" fmla="*/ 0 h 660103"/>
+                                                      <a:gd name="connsiteX1" fmla="*/ 2908457 w 2908457"/>
+                                                      <a:gd name="connsiteY1" fmla="*/ 5683 h 660103"/>
+                                                      <a:gd name="connsiteX2" fmla="*/ 2898204 w 2908457"/>
+                                                      <a:gd name="connsiteY2" fmla="*/ 633075 h 660103"/>
+                                                      <a:gd name="connsiteX3" fmla="*/ 0 w 2908457"/>
+                                                      <a:gd name="connsiteY3" fmla="*/ 660103 h 660103"/>
+                                                      <a:gd name="connsiteX4" fmla="*/ 488636 w 2908457"/>
+                                                      <a:gd name="connsiteY4" fmla="*/ 0 h 660103"/>
+                                                      <a:gd name="connsiteX0" fmla="*/ 0 w 2419821"/>
+                                                      <a:gd name="connsiteY0" fmla="*/ 0 h 647051"/>
+                                                      <a:gd name="connsiteX1" fmla="*/ 2419821 w 2419821"/>
+                                                      <a:gd name="connsiteY1" fmla="*/ 5683 h 647051"/>
+                                                      <a:gd name="connsiteX2" fmla="*/ 2409568 w 2419821"/>
+                                                      <a:gd name="connsiteY2" fmla="*/ 633075 h 647051"/>
+                                                      <a:gd name="connsiteX3" fmla="*/ 123556 w 2419821"/>
+                                                      <a:gd name="connsiteY3" fmla="*/ 647052 h 647051"/>
+                                                      <a:gd name="connsiteX4" fmla="*/ 0 w 2419821"/>
+                                                      <a:gd name="connsiteY4" fmla="*/ 0 h 647051"/>
+                                                      <a:gd name="connsiteX0" fmla="*/ 0 w 2409568"/>
+                                                      <a:gd name="connsiteY0" fmla="*/ 0 h 647052"/>
+                                                      <a:gd name="connsiteX1" fmla="*/ 2369604 w 2409568"/>
+                                                      <a:gd name="connsiteY1" fmla="*/ 2955 h 647052"/>
+                                                      <a:gd name="connsiteX2" fmla="*/ 2409568 w 2409568"/>
+                                                      <a:gd name="connsiteY2" fmla="*/ 633075 h 647052"/>
+                                                      <a:gd name="connsiteX3" fmla="*/ 123556 w 2409568"/>
+                                                      <a:gd name="connsiteY3" fmla="*/ 647052 h 647052"/>
+                                                      <a:gd name="connsiteX4" fmla="*/ 0 w 2409568"/>
+                                                      <a:gd name="connsiteY4" fmla="*/ 0 h 647052"/>
+                                                      <a:gd name="connsiteX0" fmla="*/ 0 w 2409568"/>
+                                                      <a:gd name="connsiteY0" fmla="*/ 0 h 647052"/>
+                                                      <a:gd name="connsiteX1" fmla="*/ 2352731 w 2409568"/>
+                                                      <a:gd name="connsiteY1" fmla="*/ 31924 h 647052"/>
+                                                      <a:gd name="connsiteX2" fmla="*/ 2409568 w 2409568"/>
+                                                      <a:gd name="connsiteY2" fmla="*/ 633075 h 647052"/>
+                                                      <a:gd name="connsiteX3" fmla="*/ 123556 w 2409568"/>
+                                                      <a:gd name="connsiteY3" fmla="*/ 647052 h 647052"/>
+                                                      <a:gd name="connsiteX4" fmla="*/ 0 w 2409568"/>
+                                                      <a:gd name="connsiteY4" fmla="*/ 0 h 647052"/>
+                                                      <a:gd name="connsiteX0" fmla="*/ 0 w 2409568"/>
+                                                      <a:gd name="connsiteY0" fmla="*/ 1523 h 648575"/>
+                                                      <a:gd name="connsiteX1" fmla="*/ 2294281 w 2409568"/>
+                                                      <a:gd name="connsiteY1" fmla="*/ 0 h 648575"/>
+                                                      <a:gd name="connsiteX2" fmla="*/ 2409568 w 2409568"/>
+                                                      <a:gd name="connsiteY2" fmla="*/ 634598 h 648575"/>
+                                                      <a:gd name="connsiteX3" fmla="*/ 123556 w 2409568"/>
+                                                      <a:gd name="connsiteY3" fmla="*/ 648575 h 648575"/>
+                                                      <a:gd name="connsiteX4" fmla="*/ 0 w 2409568"/>
+                                                      <a:gd name="connsiteY4" fmla="*/ 1523 h 648575"/>
+                                                      <a:gd name="connsiteX0" fmla="*/ 0 w 2409568"/>
+                                                      <a:gd name="connsiteY0" fmla="*/ 12273 h 659325"/>
+                                                      <a:gd name="connsiteX1" fmla="*/ 2365490 w 2409568"/>
+                                                      <a:gd name="connsiteY1" fmla="*/ 0 h 659325"/>
+                                                      <a:gd name="connsiteX2" fmla="*/ 2409568 w 2409568"/>
+                                                      <a:gd name="connsiteY2" fmla="*/ 645348 h 659325"/>
+                                                      <a:gd name="connsiteX3" fmla="*/ 123556 w 2409568"/>
+                                                      <a:gd name="connsiteY3" fmla="*/ 659325 h 659325"/>
+                                                      <a:gd name="connsiteX4" fmla="*/ 0 w 2409568"/>
+                                                      <a:gd name="connsiteY4" fmla="*/ 12273 h 659325"/>
+                                                      <a:gd name="connsiteX0" fmla="*/ 0 w 2409568"/>
+                                                      <a:gd name="connsiteY0" fmla="*/ 12273 h 656340"/>
+                                                      <a:gd name="connsiteX1" fmla="*/ 2365490 w 2409568"/>
+                                                      <a:gd name="connsiteY1" fmla="*/ 0 h 656340"/>
+                                                      <a:gd name="connsiteX2" fmla="*/ 2409568 w 2409568"/>
+                                                      <a:gd name="connsiteY2" fmla="*/ 645348 h 656340"/>
+                                                      <a:gd name="connsiteX3" fmla="*/ 73338 w 2409568"/>
+                                                      <a:gd name="connsiteY3" fmla="*/ 656340 h 656340"/>
+                                                      <a:gd name="connsiteX4" fmla="*/ 0 w 2409568"/>
+                                                      <a:gd name="connsiteY4" fmla="*/ 12273 h 656340"/>
+                                                      <a:gd name="connsiteX0" fmla="*/ 0 w 2409568"/>
+                                                      <a:gd name="connsiteY0" fmla="*/ 4111 h 648178"/>
+                                                      <a:gd name="connsiteX1" fmla="*/ 2334759 w 2409568"/>
+                                                      <a:gd name="connsiteY1" fmla="*/ 1 h 648178"/>
+                                                      <a:gd name="connsiteX2" fmla="*/ 2409568 w 2409568"/>
+                                                      <a:gd name="connsiteY2" fmla="*/ 637186 h 648178"/>
+                                                      <a:gd name="connsiteX3" fmla="*/ 73338 w 2409568"/>
+                                                      <a:gd name="connsiteY3" fmla="*/ 648178 h 648178"/>
+                                                      <a:gd name="connsiteX4" fmla="*/ 0 w 2409568"/>
+                                                      <a:gd name="connsiteY4" fmla="*/ 4111 h 648178"/>
+                                                      <a:gd name="connsiteX0" fmla="*/ 1 w 2463903"/>
+                                                      <a:gd name="connsiteY0" fmla="*/ 0 h 662285"/>
+                                                      <a:gd name="connsiteX1" fmla="*/ 2389094 w 2463903"/>
+                                                      <a:gd name="connsiteY1" fmla="*/ 14108 h 662285"/>
+                                                      <a:gd name="connsiteX2" fmla="*/ 2463903 w 2463903"/>
+                                                      <a:gd name="connsiteY2" fmla="*/ 651293 h 662285"/>
+                                                      <a:gd name="connsiteX3" fmla="*/ 127673 w 2463903"/>
+                                                      <a:gd name="connsiteY3" fmla="*/ 662285 h 662285"/>
+                                                      <a:gd name="connsiteX4" fmla="*/ 1 w 2463903"/>
+                                                      <a:gd name="connsiteY4" fmla="*/ 0 h 662285"/>
+                                                      <a:gd name="connsiteX0" fmla="*/ 0 w 2463902"/>
+                                                      <a:gd name="connsiteY0" fmla="*/ 0 h 657804"/>
+                                                      <a:gd name="connsiteX1" fmla="*/ 2389093 w 2463902"/>
+                                                      <a:gd name="connsiteY1" fmla="*/ 14108 h 657804"/>
+                                                      <a:gd name="connsiteX2" fmla="*/ 2463902 w 2463902"/>
+                                                      <a:gd name="connsiteY2" fmla="*/ 651293 h 657804"/>
+                                                      <a:gd name="connsiteX3" fmla="*/ 52348 w 2463902"/>
+                                                      <a:gd name="connsiteY3" fmla="*/ 657803 h 657804"/>
+                                                      <a:gd name="connsiteX4" fmla="*/ 0 w 2463902"/>
+                                                      <a:gd name="connsiteY4" fmla="*/ 0 h 657804"/>
+                                                      <a:gd name="connsiteX0" fmla="*/ 0 w 2463902"/>
+                                                      <a:gd name="connsiteY0" fmla="*/ 0 h 656708"/>
+                                                      <a:gd name="connsiteX1" fmla="*/ 2389093 w 2463902"/>
+                                                      <a:gd name="connsiteY1" fmla="*/ 14108 h 656708"/>
+                                                      <a:gd name="connsiteX2" fmla="*/ 2463902 w 2463902"/>
+                                                      <a:gd name="connsiteY2" fmla="*/ 651293 h 656708"/>
+                                                      <a:gd name="connsiteX3" fmla="*/ 117930 w 2463902"/>
+                                                      <a:gd name="connsiteY3" fmla="*/ 656708 h 656708"/>
+                                                      <a:gd name="connsiteX4" fmla="*/ 0 w 2463902"/>
+                                                      <a:gd name="connsiteY4" fmla="*/ 0 h 656708"/>
+                                                      <a:gd name="connsiteX0" fmla="*/ 0 w 2424935"/>
+                                                      <a:gd name="connsiteY0" fmla="*/ 8191 h 642600"/>
+                                                      <a:gd name="connsiteX1" fmla="*/ 2350126 w 2424935"/>
+                                                      <a:gd name="connsiteY1" fmla="*/ 0 h 642600"/>
+                                                      <a:gd name="connsiteX2" fmla="*/ 2424935 w 2424935"/>
+                                                      <a:gd name="connsiteY2" fmla="*/ 637185 h 642600"/>
+                                                      <a:gd name="connsiteX3" fmla="*/ 78963 w 2424935"/>
+                                                      <a:gd name="connsiteY3" fmla="*/ 642600 h 642600"/>
+                                                      <a:gd name="connsiteX4" fmla="*/ 0 w 2424935"/>
+                                                      <a:gd name="connsiteY4" fmla="*/ 8191 h 642600"/>
+                                                      <a:gd name="connsiteX0" fmla="*/ 0 w 2424935"/>
+                                                      <a:gd name="connsiteY0" fmla="*/ 0 h 634409"/>
+                                                      <a:gd name="connsiteX1" fmla="*/ 2291312 w 2424935"/>
+                                                      <a:gd name="connsiteY1" fmla="*/ 16368 h 634409"/>
+                                                      <a:gd name="connsiteX2" fmla="*/ 2424935 w 2424935"/>
+                                                      <a:gd name="connsiteY2" fmla="*/ 628994 h 634409"/>
+                                                      <a:gd name="connsiteX3" fmla="*/ 78963 w 2424935"/>
+                                                      <a:gd name="connsiteY3" fmla="*/ 634409 h 634409"/>
+                                                      <a:gd name="connsiteX4" fmla="*/ 0 w 2424935"/>
+                                                      <a:gd name="connsiteY4" fmla="*/ 0 h 634409"/>
+                                                      <a:gd name="connsiteX0" fmla="*/ 0 w 2424935"/>
+                                                      <a:gd name="connsiteY0" fmla="*/ 0 h 628994"/>
+                                                      <a:gd name="connsiteX1" fmla="*/ 2291312 w 2424935"/>
+                                                      <a:gd name="connsiteY1" fmla="*/ 16368 h 628994"/>
+                                                      <a:gd name="connsiteX2" fmla="*/ 2424935 w 2424935"/>
+                                                      <a:gd name="connsiteY2" fmla="*/ 628994 h 628994"/>
+                                                      <a:gd name="connsiteX3" fmla="*/ 1314901 w 2424935"/>
+                                                      <a:gd name="connsiteY3" fmla="*/ 556298 h 628994"/>
+                                                      <a:gd name="connsiteX4" fmla="*/ 0 w 2424935"/>
+                                                      <a:gd name="connsiteY4" fmla="*/ 0 h 628994"/>
+                                                      <a:gd name="connsiteX0" fmla="*/ 1 w 2470103"/>
+                                                      <a:gd name="connsiteY0" fmla="*/ 13175 h 612626"/>
+                                                      <a:gd name="connsiteX1" fmla="*/ 2336480 w 2470103"/>
+                                                      <a:gd name="connsiteY1" fmla="*/ 0 h 612626"/>
+                                                      <a:gd name="connsiteX2" fmla="*/ 2470103 w 2470103"/>
+                                                      <a:gd name="connsiteY2" fmla="*/ 612626 h 612626"/>
+                                                      <a:gd name="connsiteX3" fmla="*/ 1360069 w 2470103"/>
+                                                      <a:gd name="connsiteY3" fmla="*/ 539930 h 612626"/>
+                                                      <a:gd name="connsiteX4" fmla="*/ 1 w 2470103"/>
+                                                      <a:gd name="connsiteY4" fmla="*/ 13175 h 612626"/>
+                                                    </a:gdLst>
+                                                    <a:ahLst/>
+                                                    <a:cxnLst>
+                                                      <a:cxn ang="0">
+                                                        <a:pos x="connsiteX0" y="connsiteY0"/>
+                                                      </a:cxn>
+                                                      <a:cxn ang="0">
+                                                        <a:pos x="connsiteX1" y="connsiteY1"/>
+                                                      </a:cxn>
+                                                      <a:cxn ang="0">
+                                                        <a:pos x="connsiteX2" y="connsiteY2"/>
+                                                      </a:cxn>
+                                                      <a:cxn ang="0">
+                                                        <a:pos x="connsiteX3" y="connsiteY3"/>
+                                                      </a:cxn>
+                                                      <a:cxn ang="0">
+                                                        <a:pos x="connsiteX4" y="connsiteY4"/>
+                                                      </a:cxn>
+                                                    </a:cxnLst>
+                                                    <a:rect l="l" t="t" r="r" b="b"/>
+                                                    <a:pathLst>
+                                                      <a:path w="2470103" h="612626">
+                                                        <a:moveTo>
+                                                          <a:pt x="1" y="13175"/>
+                                                        </a:moveTo>
+                                                        <a:lnTo>
+                                                          <a:pt x="2336480" y="0"/>
+                                                        </a:lnTo>
+                                                        <a:lnTo>
+                                                          <a:pt x="2470103" y="612626"/>
+                                                        </a:lnTo>
+                                                        <a:lnTo>
+                                                          <a:pt x="1360069" y="539930"/>
+                                                        </a:lnTo>
+                                                        <a:lnTo>
+                                                          <a:pt x="1" y="13175"/>
+                                                        </a:lnTo>
+                                                        <a:close/>
+                                                      </a:path>
+                                                    </a:pathLst>
+                                                  </a:custGeom>
+                                                  <a:solidFill>
+                                                    <a:srgbClr val="00B050"/>
+                                                  </a:solidFill>
+                                                  <a:ln>
+                                                    <a:noFill/>
+                                                  </a:ln>
+                                                </p:spPr>
+                                                <p:style>
+                                                  <a:lnRef idx="2">
+                                                    <a:schemeClr val="accent1">
+                                                      <a:shade val="50000"/>
+                                                    </a:schemeClr>
+                                                  </a:lnRef>
+                                                  <a:fillRef idx="1">
+                                                    <a:schemeClr val="accent1"/>
+                                                  </a:fillRef>
+                                                  <a:effectRef idx="0">
+                                                    <a:schemeClr val="accent1"/>
+                                                  </a:effectRef>
+                                                  <a:fontRef idx="minor">
+                                                    <a:schemeClr val="lt1"/>
+                                                  </a:fontRef>
+                                                </p:style>
+                                                <p:txBody>
+                                                  <a:bodyPr rtlCol="0" anchor="ctr"/>
+                                                  <a:lstStyle/>
+                                                  <a:p>
+                                                    <a:pPr algn="ctr"/>
+                                                    <a:endParaRPr lang="nb-NO" sz="1400" dirty="0"/>
+                                                  </a:p>
+                                                </p:txBody>
+                                              </p:sp>
+                                            </p:grpSp>
+                                            <p:cxnSp>
+                                              <p:nvCxnSpPr>
+                                                <p:cNvPr id="29" name="Straight Arrow Connector 28"/>
+                                                <p:cNvCxnSpPr/>
+                                                <p:nvPr/>
+                                              </p:nvCxnSpPr>
+                                              <p:spPr>
+                                                <a:xfrm flipH="1" flipV="1">
+                                                  <a:off x="6465056" y="2714600"/>
+                                                  <a:ext cx="138452" cy="155853"/>
+                                                </a:xfrm>
+                                                <a:prstGeom prst="straightConnector1">
+                                                  <a:avLst/>
+                                                </a:prstGeom>
+                                                <a:ln>
+                                                  <a:solidFill>
+                                                    <a:srgbClr val="FF0000"/>
+                                                  </a:solidFill>
+                                                  <a:tailEnd type="triangle"/>
+                                                </a:ln>
+                                              </p:spPr>
+                                              <p:style>
+                                                <a:lnRef idx="1">
+                                                  <a:schemeClr val="accent1"/>
+                                                </a:lnRef>
+                                                <a:fillRef idx="0">
+                                                  <a:schemeClr val="accent1"/>
+                                                </a:fillRef>
+                                                <a:effectRef idx="0">
+                                                  <a:schemeClr val="accent1"/>
+                                                </a:effectRef>
+                                                <a:fontRef idx="minor">
+                                                  <a:schemeClr val="tx1"/>
+                                                </a:fontRef>
+                                              </p:style>
+                                            </p:cxnSp>
+                                          </p:grpSp>
+                                          <p:cxnSp>
+                                            <p:nvCxnSpPr>
+                                              <p:cNvPr id="27" name="Straight Arrow Connector 26"/>
+                                              <p:cNvCxnSpPr/>
+                                              <p:nvPr/>
+                                            </p:nvCxnSpPr>
+                                            <p:spPr>
+                                              <a:xfrm flipH="1" flipV="1">
+                                                <a:off x="7705757" y="1452611"/>
+                                                <a:ext cx="138452" cy="155853"/>
+                                              </a:xfrm>
+                                              <a:prstGeom prst="straightConnector1">
+                                                <a:avLst/>
+                                              </a:prstGeom>
+                                              <a:ln>
+                                                <a:solidFill>
+                                                  <a:srgbClr val="FF0000"/>
+                                                </a:solidFill>
+                                                <a:tailEnd type="triangle"/>
+                                              </a:ln>
+                                            </p:spPr>
+                                            <p:style>
+                                              <a:lnRef idx="1">
+                                                <a:schemeClr val="accent1"/>
+                                              </a:lnRef>
+                                              <a:fillRef idx="0">
+                                                <a:schemeClr val="accent1"/>
+                                              </a:fillRef>
+                                              <a:effectRef idx="0">
+                                                <a:schemeClr val="accent1"/>
+                                              </a:effectRef>
+                                              <a:fontRef idx="minor">
+                                                <a:schemeClr val="tx1"/>
+                                              </a:fontRef>
+                                            </p:style>
+                                          </p:cxnSp>
+                                        </p:grpSp>
+                                        <p:cxnSp>
+                                          <p:nvCxnSpPr>
+                                            <p:cNvPr id="25" name="Straight Arrow Connector 24"/>
+                                            <p:cNvCxnSpPr/>
+                                            <p:nvPr/>
+                                          </p:nvCxnSpPr>
+                                          <p:spPr>
+                                            <a:xfrm flipH="1" flipV="1">
+                                              <a:off x="5168829" y="3851097"/>
+                                              <a:ext cx="138452" cy="155853"/>
+                                            </a:xfrm>
+                                            <a:prstGeom prst="straightConnector1">
+                                              <a:avLst/>
+                                            </a:prstGeom>
+                                            <a:ln>
+                                              <a:solidFill>
+                                                <a:srgbClr val="FF0000"/>
+                                              </a:solidFill>
+                                              <a:tailEnd type="triangle"/>
+                                            </a:ln>
+                                          </p:spPr>
+                                          <p:style>
+                                            <a:lnRef idx="1">
+                                              <a:schemeClr val="accent1"/>
+                                            </a:lnRef>
+                                            <a:fillRef idx="0">
+                                              <a:schemeClr val="accent1"/>
+                                            </a:fillRef>
+                                            <a:effectRef idx="0">
+                                              <a:schemeClr val="accent1"/>
+                                            </a:effectRef>
+                                            <a:fontRef idx="minor">
+                                              <a:schemeClr val="tx1"/>
+                                            </a:fontRef>
+                                          </p:style>
+                                        </p:cxnSp>
+                                      </p:grpSp>
+                                      <p:sp>
+                                        <p:nvSpPr>
+                                          <p:cNvPr id="23" name="TextBox 22"/>
+                                          <p:cNvSpPr txBox="1"/>
+                                          <p:nvPr/>
+                                        </p:nvSpPr>
+                                        <p:spPr>
+                                          <a:xfrm>
+                                            <a:off x="3706972" y="3302633"/>
+                                            <a:ext cx="707438" cy="369332"/>
+                                          </a:xfrm>
+                                          <a:prstGeom prst="rect">
+                                            <a:avLst/>
+                                          </a:prstGeom>
+                                          <a:noFill/>
+                                        </p:spPr>
+                                        <p:txBody>
+                                          <a:bodyPr wrap="none" rtlCol="0">
+                                            <a:spAutoFit/>
+                                          </a:bodyPr>
+                                          <a:lstStyle/>
+                                          <a:p>
+                                            <a:r>
+                                              <a:rPr lang="nb-NO" sz="1400" dirty="0" smtClean="0"/>
+                                              <a:t>Trap1</a:t>
+                                            </a:r>
+                                            <a:endParaRPr lang="nb-NO" sz="1400" dirty="0"/>
+                                          </a:p>
+                                        </p:txBody>
+                                      </p:sp>
+                                    </p:grpSp>
+                                    <p:sp>
+                                      <p:nvSpPr>
+                                        <p:cNvPr id="21" name="TextBox 20"/>
+                                        <p:cNvSpPr txBox="1"/>
+                                        <p:nvPr/>
+                                      </p:nvSpPr>
+                                      <p:spPr>
+                                        <a:xfrm>
+                                          <a:off x="5236257" y="2135481"/>
+                                          <a:ext cx="707438" cy="369332"/>
+                                        </a:xfrm>
+                                        <a:prstGeom prst="rect">
+                                          <a:avLst/>
+                                        </a:prstGeom>
+                                        <a:noFill/>
+                                      </p:spPr>
+                                      <p:txBody>
+                                        <a:bodyPr wrap="none" rtlCol="0">
+                                          <a:spAutoFit/>
+                                        </a:bodyPr>
+                                        <a:lstStyle/>
+                                        <a:p>
+                                          <a:r>
+                                            <a:rPr lang="nb-NO" sz="1400" dirty="0" smtClean="0"/>
+                                            <a:t>Trap2</a:t>
+                                          </a:r>
+                                          <a:endParaRPr lang="nb-NO" sz="1400" dirty="0"/>
+                                        </a:p>
+                                      </p:txBody>
+                                    </p:sp>
+                                  </p:grpSp>
+                                  <p:sp>
+                                    <p:nvSpPr>
+                                      <p:cNvPr id="19" name="TextBox 18"/>
+                                      <p:cNvSpPr txBox="1"/>
+                                      <p:nvPr/>
+                                    </p:nvSpPr>
+                                    <p:spPr>
+                                      <a:xfrm>
+                                        <a:off x="6707159" y="1106134"/>
+                                        <a:ext cx="707438" cy="369332"/>
+                                      </a:xfrm>
+                                      <a:prstGeom prst="rect">
+                                        <a:avLst/>
+                                      </a:prstGeom>
+                                      <a:noFill/>
+                                    </p:spPr>
+                                    <p:txBody>
+                                      <a:bodyPr wrap="none" rtlCol="0">
+                                        <a:spAutoFit/>
+                                      </a:bodyPr>
+                                      <a:lstStyle/>
+                                      <a:p>
+                                        <a:r>
+                                          <a:rPr lang="nb-NO" sz="1400" dirty="0" smtClean="0"/>
+                                          <a:t>Trap3</a:t>
+                                        </a:r>
+                                        <a:endParaRPr lang="nb-NO" sz="1400" dirty="0"/>
+                                      </a:p>
+                                    </p:txBody>
+                                  </p:sp>
+                                </p:grpSp>
+                                <p:sp>
+                                  <p:nvSpPr>
+                                    <p:cNvPr id="17" name="TextBox 16"/>
+                                    <p:cNvSpPr txBox="1"/>
+                                    <p:nvPr/>
+                                  </p:nvSpPr>
+                                  <p:spPr>
+                                    <a:xfrm>
+                                      <a:off x="7631786" y="-17766"/>
+                                      <a:ext cx="707438" cy="369332"/>
+                                    </a:xfrm>
+                                    <a:prstGeom prst="rect">
+                                      <a:avLst/>
+                                    </a:prstGeom>
+                                    <a:noFill/>
+                                  </p:spPr>
+                                  <p:txBody>
+                                    <a:bodyPr wrap="none" rtlCol="0">
+                                      <a:spAutoFit/>
+                                    </a:bodyPr>
+                                    <a:lstStyle/>
+                                    <a:p>
+                                      <a:r>
+                                        <a:rPr lang="nb-NO" sz="1400" dirty="0" smtClean="0"/>
+                                        <a:t>Trap4</a:t>
+                                      </a:r>
+                                      <a:endParaRPr lang="nb-NO" sz="1400" dirty="0"/>
+                                    </a:p>
+                                  </p:txBody>
+                                </p:sp>
+                              </p:grpSp>
+                              <p:sp>
+                                <p:nvSpPr>
+                                  <p:cNvPr id="15" name="TextBox 14"/>
+                                  <p:cNvSpPr txBox="1"/>
+                                  <p:nvPr/>
+                                </p:nvSpPr>
+                                <p:spPr>
+                                  <a:xfrm>
+                                    <a:off x="9372878" y="143032"/>
+                                    <a:ext cx="445177" cy="357675"/>
+                                  </a:xfrm>
+                                  <a:prstGeom prst="rect">
+                                    <a:avLst/>
+                                  </a:prstGeom>
+                                  <a:noFill/>
+                                </p:spPr>
+                                <p:txBody>
+                                  <a:bodyPr wrap="none" rtlCol="0">
+                                    <a:spAutoFit/>
+                                  </a:bodyPr>
+                                  <a:lstStyle/>
+                                  <a:p>
+                                    <a:r>
+                                      <a:rPr lang="nb-NO" sz="1400" dirty="0"/>
+                                      <a:t>R</a:t>
+                                    </a:r>
+                                    <a:r>
+                                      <a:rPr lang="nb-NO" sz="1400" dirty="0" smtClean="0"/>
+                                      <a:t>1</a:t>
+                                    </a:r>
+                                    <a:endParaRPr lang="nb-NO" sz="1400" dirty="0"/>
+                                  </a:p>
+                                </p:txBody>
+                              </p:sp>
+                            </p:grpSp>
+                            <p:sp>
+                              <p:nvSpPr>
+                                <p:cNvPr id="13" name="TextBox 12"/>
+                                <p:cNvSpPr txBox="1"/>
+                                <p:nvPr/>
+                              </p:nvSpPr>
+                              <p:spPr>
+                                <a:xfrm>
+                                  <a:off x="3776370" y="2128540"/>
+                                  <a:ext cx="426087" cy="357675"/>
+                                </a:xfrm>
+                                <a:prstGeom prst="rect">
+                                  <a:avLst/>
+                                </a:prstGeom>
+                                <a:noFill/>
+                              </p:spPr>
+                              <p:txBody>
+                                <a:bodyPr wrap="none" rtlCol="0">
+                                  <a:spAutoFit/>
+                                </a:bodyPr>
+                                <a:lstStyle/>
+                                <a:p>
+                                  <a:r>
+                                    <a:rPr lang="nb-NO" sz="1400" dirty="0" smtClean="0"/>
+                                    <a:t>F1</a:t>
+                                  </a:r>
+                                  <a:endParaRPr lang="nb-NO" sz="1400" dirty="0"/>
+                                </a:p>
+                              </p:txBody>
+                            </p:sp>
+                          </p:grpSp>
+                          <p:sp>
+                            <p:nvSpPr>
+                              <p:cNvPr id="11" name="TextBox 10"/>
+                              <p:cNvSpPr txBox="1"/>
+                              <p:nvPr/>
+                            </p:nvSpPr>
+                            <p:spPr>
+                              <a:xfrm>
+                                <a:off x="5722453" y="1793083"/>
+                                <a:ext cx="426087" cy="357675"/>
+                              </a:xfrm>
+                              <a:prstGeom prst="rect">
+                                <a:avLst/>
+                              </a:prstGeom>
+                              <a:noFill/>
+                            </p:spPr>
+                            <p:txBody>
+                              <a:bodyPr wrap="none" rtlCol="0">
+                                <a:spAutoFit/>
+                              </a:bodyPr>
+                              <a:lstStyle/>
+                              <a:p>
+                                <a:r>
+                                  <a:rPr lang="nb-NO" sz="1400" dirty="0" smtClean="0"/>
+                                  <a:t>F2</a:t>
+                                </a:r>
+                                <a:endParaRPr lang="nb-NO" sz="1400" dirty="0"/>
+                              </a:p>
+                            </p:txBody>
+                          </p:sp>
+                        </p:grpSp>
+                        <p:sp>
+                          <p:nvSpPr>
+                            <p:cNvPr id="9" name="TextBox 8"/>
+                            <p:cNvSpPr txBox="1"/>
+                            <p:nvPr/>
+                          </p:nvSpPr>
+                          <p:spPr>
+                            <a:xfrm>
+                              <a:off x="6734665" y="323037"/>
+                              <a:ext cx="426087" cy="357675"/>
+                            </a:xfrm>
+                            <a:prstGeom prst="rect">
+                              <a:avLst/>
+                            </a:prstGeom>
+                            <a:noFill/>
+                          </p:spPr>
+                          <p:txBody>
+                            <a:bodyPr wrap="none" rtlCol="0">
+                              <a:spAutoFit/>
+                            </a:bodyPr>
+                            <a:lstStyle/>
+                            <a:p>
+                              <a:r>
+                                <a:rPr lang="nb-NO" sz="1400" dirty="0" smtClean="0"/>
+                                <a:t>F3</a:t>
+                              </a:r>
+                              <a:endParaRPr lang="nb-NO" sz="1400" dirty="0"/>
+                            </a:p>
+                          </p:txBody>
+                        </p:sp>
+                      </p:grpSp>
+                      <p:sp>
+                        <p:nvSpPr>
+                          <p:cNvPr id="7" name="TextBox 6"/>
+                          <p:cNvSpPr txBox="1"/>
+                          <p:nvPr/>
+                        </p:nvSpPr>
+                        <p:spPr>
+                          <a:xfrm>
+                            <a:off x="9837813" y="1430325"/>
+                            <a:ext cx="426087" cy="357675"/>
+                          </a:xfrm>
+                          <a:prstGeom prst="rect">
+                            <a:avLst/>
+                          </a:prstGeom>
+                          <a:noFill/>
+                        </p:spPr>
+                        <p:txBody>
+                          <a:bodyPr wrap="none" rtlCol="0">
+                            <a:spAutoFit/>
+                          </a:bodyPr>
+                          <a:lstStyle/>
+                          <a:p>
+                            <a:r>
+                              <a:rPr lang="nb-NO" sz="1400" dirty="0" smtClean="0"/>
+                              <a:t>F4</a:t>
+                            </a:r>
+                            <a:endParaRPr lang="nb-NO" sz="1400" dirty="0"/>
+                          </a:p>
+                        </p:txBody>
+                      </p:sp>
+                    </p:grpSp>
+                  </p:grpSp>
+                </p:grpSp>
+                <p:grpSp>
+                  <p:nvGrpSpPr>
+                    <p:cNvPr id="90" name="Group 89"/>
+                    <p:cNvGrpSpPr/>
+                    <p:nvPr/>
+                  </p:nvGrpSpPr>
+                  <p:grpSpPr>
+                    <a:xfrm>
+                      <a:off x="2246217" y="4369236"/>
+                      <a:ext cx="3378274" cy="2169676"/>
+                      <a:chOff x="995011" y="1149906"/>
+                      <a:chExt cx="3411194" cy="2218699"/>
+                    </a:xfrm>
+                  </p:grpSpPr>
+                  <p:sp>
+                    <p:nvSpPr>
+                      <p:cNvPr id="85" name="Freeform 84"/>
+                      <p:cNvSpPr/>
+                      <p:nvPr/>
+                    </p:nvSpPr>
+                    <p:spPr>
+                      <a:xfrm>
+                        <a:off x="995011" y="2339786"/>
+                        <a:ext cx="1742662" cy="1028819"/>
+                      </a:xfrm>
+                      <a:custGeom>
+                        <a:avLst/>
+                        <a:gdLst>
+                          <a:gd name="connsiteX0" fmla="*/ 0 w 1453661"/>
+                          <a:gd name="connsiteY0" fmla="*/ 926123 h 926123"/>
+                          <a:gd name="connsiteX1" fmla="*/ 0 w 1453661"/>
+                          <a:gd name="connsiteY1" fmla="*/ 926123 h 926123"/>
+                          <a:gd name="connsiteX2" fmla="*/ 504092 w 1453661"/>
+                          <a:gd name="connsiteY2" fmla="*/ 844062 h 926123"/>
+                          <a:gd name="connsiteX3" fmla="*/ 574430 w 1453661"/>
+                          <a:gd name="connsiteY3" fmla="*/ 820616 h 926123"/>
+                          <a:gd name="connsiteX4" fmla="*/ 621323 w 1453661"/>
+                          <a:gd name="connsiteY4" fmla="*/ 808893 h 926123"/>
+                          <a:gd name="connsiteX5" fmla="*/ 715107 w 1453661"/>
+                          <a:gd name="connsiteY5" fmla="*/ 773723 h 926123"/>
+                          <a:gd name="connsiteX6" fmla="*/ 773723 w 1453661"/>
+                          <a:gd name="connsiteY6" fmla="*/ 762000 h 926123"/>
+                          <a:gd name="connsiteX7" fmla="*/ 832338 w 1453661"/>
+                          <a:gd name="connsiteY7" fmla="*/ 691662 h 926123"/>
+                          <a:gd name="connsiteX8" fmla="*/ 879230 w 1453661"/>
+                          <a:gd name="connsiteY8" fmla="*/ 668216 h 926123"/>
+                          <a:gd name="connsiteX9" fmla="*/ 914400 w 1453661"/>
+                          <a:gd name="connsiteY9" fmla="*/ 644770 h 926123"/>
+                          <a:gd name="connsiteX10" fmla="*/ 961292 w 1453661"/>
+                          <a:gd name="connsiteY10" fmla="*/ 609600 h 926123"/>
+                          <a:gd name="connsiteX11" fmla="*/ 996461 w 1453661"/>
+                          <a:gd name="connsiteY11" fmla="*/ 597877 h 926123"/>
+                          <a:gd name="connsiteX12" fmla="*/ 1031630 w 1453661"/>
+                          <a:gd name="connsiteY12" fmla="*/ 574431 h 926123"/>
+                          <a:gd name="connsiteX13" fmla="*/ 1066800 w 1453661"/>
+                          <a:gd name="connsiteY13" fmla="*/ 492370 h 926123"/>
+                          <a:gd name="connsiteX14" fmla="*/ 1090246 w 1453661"/>
+                          <a:gd name="connsiteY14" fmla="*/ 468923 h 926123"/>
+                          <a:gd name="connsiteX15" fmla="*/ 1184030 w 1453661"/>
+                          <a:gd name="connsiteY15" fmla="*/ 363416 h 926123"/>
+                          <a:gd name="connsiteX16" fmla="*/ 1254369 w 1453661"/>
+                          <a:gd name="connsiteY16" fmla="*/ 316523 h 926123"/>
+                          <a:gd name="connsiteX17" fmla="*/ 1324707 w 1453661"/>
+                          <a:gd name="connsiteY17" fmla="*/ 257908 h 926123"/>
+                          <a:gd name="connsiteX18" fmla="*/ 1395046 w 1453661"/>
+                          <a:gd name="connsiteY18" fmla="*/ 164123 h 926123"/>
+                          <a:gd name="connsiteX19" fmla="*/ 1430215 w 1453661"/>
+                          <a:gd name="connsiteY19" fmla="*/ 46893 h 926123"/>
+                          <a:gd name="connsiteX20" fmla="*/ 1453661 w 1453661"/>
+                          <a:gd name="connsiteY20" fmla="*/ 0 h 926123"/>
+                          <a:gd name="connsiteX21" fmla="*/ 0 w 1453661"/>
+                          <a:gd name="connsiteY21" fmla="*/ 926123 h 926123"/>
+                          <a:gd name="connsiteX0" fmla="*/ 0 w 1453661"/>
+                          <a:gd name="connsiteY0" fmla="*/ 926123 h 926123"/>
+                          <a:gd name="connsiteX1" fmla="*/ 0 w 1453661"/>
+                          <a:gd name="connsiteY1" fmla="*/ 926123 h 926123"/>
+                          <a:gd name="connsiteX2" fmla="*/ 504092 w 1453661"/>
+                          <a:gd name="connsiteY2" fmla="*/ 844062 h 926123"/>
+                          <a:gd name="connsiteX3" fmla="*/ 574430 w 1453661"/>
+                          <a:gd name="connsiteY3" fmla="*/ 820616 h 926123"/>
+                          <a:gd name="connsiteX4" fmla="*/ 621323 w 1453661"/>
+                          <a:gd name="connsiteY4" fmla="*/ 808893 h 926123"/>
+                          <a:gd name="connsiteX5" fmla="*/ 715107 w 1453661"/>
+                          <a:gd name="connsiteY5" fmla="*/ 773723 h 926123"/>
+                          <a:gd name="connsiteX6" fmla="*/ 773723 w 1453661"/>
+                          <a:gd name="connsiteY6" fmla="*/ 762000 h 926123"/>
+                          <a:gd name="connsiteX7" fmla="*/ 832338 w 1453661"/>
+                          <a:gd name="connsiteY7" fmla="*/ 691662 h 926123"/>
+                          <a:gd name="connsiteX8" fmla="*/ 879230 w 1453661"/>
+                          <a:gd name="connsiteY8" fmla="*/ 668216 h 926123"/>
+                          <a:gd name="connsiteX9" fmla="*/ 914400 w 1453661"/>
+                          <a:gd name="connsiteY9" fmla="*/ 644770 h 926123"/>
+                          <a:gd name="connsiteX10" fmla="*/ 961292 w 1453661"/>
+                          <a:gd name="connsiteY10" fmla="*/ 609600 h 926123"/>
+                          <a:gd name="connsiteX11" fmla="*/ 996461 w 1453661"/>
+                          <a:gd name="connsiteY11" fmla="*/ 597877 h 926123"/>
+                          <a:gd name="connsiteX12" fmla="*/ 1031630 w 1453661"/>
+                          <a:gd name="connsiteY12" fmla="*/ 574431 h 926123"/>
+                          <a:gd name="connsiteX13" fmla="*/ 1066800 w 1453661"/>
+                          <a:gd name="connsiteY13" fmla="*/ 492370 h 926123"/>
+                          <a:gd name="connsiteX14" fmla="*/ 1148919 w 1453661"/>
+                          <a:gd name="connsiteY14" fmla="*/ 458370 h 926123"/>
+                          <a:gd name="connsiteX15" fmla="*/ 1184030 w 1453661"/>
+                          <a:gd name="connsiteY15" fmla="*/ 363416 h 926123"/>
+                          <a:gd name="connsiteX16" fmla="*/ 1254369 w 1453661"/>
+                          <a:gd name="connsiteY16" fmla="*/ 316523 h 926123"/>
+                          <a:gd name="connsiteX17" fmla="*/ 1324707 w 1453661"/>
+                          <a:gd name="connsiteY17" fmla="*/ 257908 h 926123"/>
+                          <a:gd name="connsiteX18" fmla="*/ 1395046 w 1453661"/>
+                          <a:gd name="connsiteY18" fmla="*/ 164123 h 926123"/>
+                          <a:gd name="connsiteX19" fmla="*/ 1430215 w 1453661"/>
+                          <a:gd name="connsiteY19" fmla="*/ 46893 h 926123"/>
+                          <a:gd name="connsiteX20" fmla="*/ 1453661 w 1453661"/>
+                          <a:gd name="connsiteY20" fmla="*/ 0 h 926123"/>
+                          <a:gd name="connsiteX21" fmla="*/ 0 w 1453661"/>
+                          <a:gd name="connsiteY21" fmla="*/ 926123 h 926123"/>
+                          <a:gd name="connsiteX0" fmla="*/ 0 w 1453661"/>
+                          <a:gd name="connsiteY0" fmla="*/ 926123 h 926123"/>
+                          <a:gd name="connsiteX1" fmla="*/ 0 w 1453661"/>
+                          <a:gd name="connsiteY1" fmla="*/ 926123 h 926123"/>
+                          <a:gd name="connsiteX2" fmla="*/ 504092 w 1453661"/>
+                          <a:gd name="connsiteY2" fmla="*/ 844062 h 926123"/>
+                          <a:gd name="connsiteX3" fmla="*/ 574430 w 1453661"/>
+                          <a:gd name="connsiteY3" fmla="*/ 820616 h 926123"/>
+                          <a:gd name="connsiteX4" fmla="*/ 621323 w 1453661"/>
+                          <a:gd name="connsiteY4" fmla="*/ 808893 h 926123"/>
+                          <a:gd name="connsiteX5" fmla="*/ 715107 w 1453661"/>
+                          <a:gd name="connsiteY5" fmla="*/ 773723 h 926123"/>
+                          <a:gd name="connsiteX6" fmla="*/ 773723 w 1453661"/>
+                          <a:gd name="connsiteY6" fmla="*/ 762000 h 926123"/>
+                          <a:gd name="connsiteX7" fmla="*/ 832338 w 1453661"/>
+                          <a:gd name="connsiteY7" fmla="*/ 691662 h 926123"/>
+                          <a:gd name="connsiteX8" fmla="*/ 879230 w 1453661"/>
+                          <a:gd name="connsiteY8" fmla="*/ 668216 h 926123"/>
+                          <a:gd name="connsiteX9" fmla="*/ 914400 w 1453661"/>
+                          <a:gd name="connsiteY9" fmla="*/ 644770 h 926123"/>
+                          <a:gd name="connsiteX10" fmla="*/ 961292 w 1453661"/>
+                          <a:gd name="connsiteY10" fmla="*/ 609600 h 926123"/>
+                          <a:gd name="connsiteX11" fmla="*/ 996461 w 1453661"/>
+                          <a:gd name="connsiteY11" fmla="*/ 597877 h 926123"/>
+                          <a:gd name="connsiteX12" fmla="*/ 1031630 w 1453661"/>
+                          <a:gd name="connsiteY12" fmla="*/ 574431 h 926123"/>
+                          <a:gd name="connsiteX13" fmla="*/ 1066800 w 1453661"/>
+                          <a:gd name="connsiteY13" fmla="*/ 492370 h 926123"/>
+                          <a:gd name="connsiteX14" fmla="*/ 1148919 w 1453661"/>
+                          <a:gd name="connsiteY14" fmla="*/ 458370 h 926123"/>
+                          <a:gd name="connsiteX15" fmla="*/ 1184030 w 1453661"/>
+                          <a:gd name="connsiteY15" fmla="*/ 363416 h 926123"/>
+                          <a:gd name="connsiteX16" fmla="*/ 1254369 w 1453661"/>
+                          <a:gd name="connsiteY16" fmla="*/ 316523 h 926123"/>
+                          <a:gd name="connsiteX17" fmla="*/ 1324707 w 1453661"/>
+                          <a:gd name="connsiteY17" fmla="*/ 257908 h 926123"/>
+                          <a:gd name="connsiteX18" fmla="*/ 1395046 w 1453661"/>
+                          <a:gd name="connsiteY18" fmla="*/ 164123 h 926123"/>
+                          <a:gd name="connsiteX19" fmla="*/ 1430215 w 1453661"/>
+                          <a:gd name="connsiteY19" fmla="*/ 46893 h 926123"/>
+                          <a:gd name="connsiteX20" fmla="*/ 1453661 w 1453661"/>
+                          <a:gd name="connsiteY20" fmla="*/ 0 h 926123"/>
+                          <a:gd name="connsiteX21" fmla="*/ 0 w 1453661"/>
+                          <a:gd name="connsiteY21" fmla="*/ 926123 h 926123"/>
+                        </a:gdLst>
+                        <a:ahLst/>
+                        <a:cxnLst>
+                          <a:cxn ang="0">
+                            <a:pos x="connsiteX0" y="connsiteY0"/>
+                          </a:cxn>
+                          <a:cxn ang="0">
+                            <a:pos x="connsiteX1" y="connsiteY1"/>
+                          </a:cxn>
+                          <a:cxn ang="0">
+                            <a:pos x="connsiteX2" y="connsiteY2"/>
+                          </a:cxn>
+                          <a:cxn ang="0">
+                            <a:pos x="connsiteX3" y="connsiteY3"/>
+                          </a:cxn>
+                          <a:cxn ang="0">
+                            <a:pos x="connsiteX4" y="connsiteY4"/>
+                          </a:cxn>
+                          <a:cxn ang="0">
+                            <a:pos x="connsiteX5" y="connsiteY5"/>
+                          </a:cxn>
+                          <a:cxn ang="0">
+                            <a:pos x="connsiteX6" y="connsiteY6"/>
+                          </a:cxn>
+                          <a:cxn ang="0">
+                            <a:pos x="connsiteX7" y="connsiteY7"/>
+                          </a:cxn>
+                          <a:cxn ang="0">
+                            <a:pos x="connsiteX8" y="connsiteY8"/>
+                          </a:cxn>
+                          <a:cxn ang="0">
+                            <a:pos x="connsiteX9" y="connsiteY9"/>
+                          </a:cxn>
+                          <a:cxn ang="0">
+                            <a:pos x="connsiteX10" y="connsiteY10"/>
+                          </a:cxn>
+                          <a:cxn ang="0">
+                            <a:pos x="connsiteX11" y="connsiteY11"/>
+                          </a:cxn>
+                          <a:cxn ang="0">
+                            <a:pos x="connsiteX12" y="connsiteY12"/>
+                          </a:cxn>
+                          <a:cxn ang="0">
+                            <a:pos x="connsiteX13" y="connsiteY13"/>
+                          </a:cxn>
+                          <a:cxn ang="0">
+                            <a:pos x="connsiteX14" y="connsiteY14"/>
+                          </a:cxn>
+                          <a:cxn ang="0">
+                            <a:pos x="connsiteX15" y="connsiteY15"/>
+                          </a:cxn>
+                          <a:cxn ang="0">
+                            <a:pos x="connsiteX16" y="connsiteY16"/>
+                          </a:cxn>
+                          <a:cxn ang="0">
+                            <a:pos x="connsiteX17" y="connsiteY17"/>
+                          </a:cxn>
+                          <a:cxn ang="0">
+                            <a:pos x="connsiteX18" y="connsiteY18"/>
+                          </a:cxn>
+                          <a:cxn ang="0">
+                            <a:pos x="connsiteX19" y="connsiteY19"/>
+                          </a:cxn>
+                          <a:cxn ang="0">
+                            <a:pos x="connsiteX20" y="connsiteY20"/>
+                          </a:cxn>
+                          <a:cxn ang="0">
+                            <a:pos x="connsiteX21" y="connsiteY21"/>
+                          </a:cxn>
+                        </a:cxnLst>
+                        <a:rect l="l" t="t" r="r" b="b"/>
+                        <a:pathLst>
+                          <a:path w="1453661" h="926123">
+                            <a:moveTo>
+                              <a:pt x="0" y="926123"/>
+                            </a:moveTo>
+                            <a:lnTo>
+                              <a:pt x="0" y="926123"/>
+                            </a:lnTo>
+                            <a:cubicBezTo>
+                              <a:pt x="168031" y="898769"/>
+                              <a:pt x="336650" y="874816"/>
+                              <a:pt x="504092" y="844062"/>
+                            </a:cubicBezTo>
+                            <a:cubicBezTo>
+                              <a:pt x="528400" y="839597"/>
+                              <a:pt x="550454" y="826610"/>
+                              <a:pt x="574430" y="820616"/>
+                            </a:cubicBezTo>
+                            <a:cubicBezTo>
+                              <a:pt x="590061" y="816708"/>
+                              <a:pt x="606038" y="813988"/>
+                              <a:pt x="621323" y="808893"/>
+                            </a:cubicBezTo>
+                            <a:cubicBezTo>
+                              <a:pt x="653570" y="798144"/>
+                              <a:pt x="682196" y="781951"/>
+                              <a:pt x="715107" y="773723"/>
+                            </a:cubicBezTo>
+                            <a:cubicBezTo>
+                              <a:pt x="734438" y="768890"/>
+                              <a:pt x="754184" y="765908"/>
+                              <a:pt x="773723" y="762000"/>
+                            </a:cubicBezTo>
+                            <a:cubicBezTo>
+                              <a:pt x="792418" y="733957"/>
+                              <a:pt x="803618" y="712176"/>
+                              <a:pt x="832338" y="691662"/>
+                            </a:cubicBezTo>
+                            <a:cubicBezTo>
+                              <a:pt x="846558" y="681505"/>
+                              <a:pt x="864057" y="676886"/>
+                              <a:pt x="879230" y="668216"/>
+                            </a:cubicBezTo>
+                            <a:cubicBezTo>
+                              <a:pt x="891463" y="661226"/>
+                              <a:pt x="902935" y="652959"/>
+                              <a:pt x="914400" y="644770"/>
+                            </a:cubicBezTo>
+                            <a:cubicBezTo>
+                              <a:pt x="930299" y="633413"/>
+                              <a:pt x="944328" y="619294"/>
+                              <a:pt x="961292" y="609600"/>
+                            </a:cubicBezTo>
+                            <a:cubicBezTo>
+                              <a:pt x="972021" y="603469"/>
+                              <a:pt x="985408" y="603403"/>
+                              <a:pt x="996461" y="597877"/>
+                            </a:cubicBezTo>
+                            <a:cubicBezTo>
+                              <a:pt x="1009063" y="591576"/>
+                              <a:pt x="1019907" y="582246"/>
+                              <a:pt x="1031630" y="574431"/>
+                            </a:cubicBezTo>
+                            <a:cubicBezTo>
+                              <a:pt x="1116971" y="446420"/>
+                              <a:pt x="1047252" y="511714"/>
+                              <a:pt x="1066800" y="492370"/>
+                            </a:cubicBezTo>
+                            <a:cubicBezTo>
+                              <a:pt x="1086348" y="473027"/>
+                              <a:pt x="1142014" y="467001"/>
+                              <a:pt x="1148919" y="458370"/>
+                            </a:cubicBezTo>
+                            <a:cubicBezTo>
+                              <a:pt x="1189189" y="408031"/>
+                              <a:pt x="1166455" y="387057"/>
+                              <a:pt x="1184030" y="363416"/>
+                            </a:cubicBezTo>
+                            <a:cubicBezTo>
+                              <a:pt x="1201605" y="339775"/>
+                              <a:pt x="1234443" y="336449"/>
+                              <a:pt x="1254369" y="316523"/>
+                            </a:cubicBezTo>
+                            <a:cubicBezTo>
+                              <a:pt x="1299501" y="271391"/>
+                              <a:pt x="1275744" y="290550"/>
+                              <a:pt x="1324707" y="257908"/>
+                            </a:cubicBezTo>
+                            <a:cubicBezTo>
+                              <a:pt x="1377731" y="178374"/>
+                              <a:pt x="1351675" y="207496"/>
+                              <a:pt x="1395046" y="164123"/>
+                            </a:cubicBezTo>
+                            <a:cubicBezTo>
+                              <a:pt x="1403460" y="130467"/>
+                              <a:pt x="1415944" y="75435"/>
+                              <a:pt x="1430215" y="46893"/>
+                            </a:cubicBezTo>
+                            <a:lnTo>
+                              <a:pt x="1453661" y="0"/>
+                            </a:lnTo>
+                            <a:lnTo>
+                              <a:pt x="0" y="926123"/>
+                            </a:lnTo>
+                            <a:close/>
+                          </a:path>
+                        </a:pathLst>
+                      </a:custGeom>
+                      <a:pattFill prst="lgCheck">
+                        <a:fgClr>
+                          <a:schemeClr val="accent4">
+                            <a:lumMod val="60000"/>
+                            <a:lumOff val="40000"/>
+                          </a:schemeClr>
+                        </a:fgClr>
+                        <a:bgClr>
+                          <a:schemeClr val="bg1"/>
+                        </a:bgClr>
+                      </a:pattFill>
+                      <a:ln>
+                        <a:noFill/>
+                      </a:ln>
+                    </p:spPr>
+                    <p:style>
+                      <a:lnRef idx="2">
+                        <a:schemeClr val="accent1">
+                          <a:shade val="50000"/>
+                        </a:schemeClr>
+                      </a:lnRef>
+                      <a:fillRef idx="1">
+                        <a:schemeClr val="accent1"/>
+                      </a:fillRef>
+                      <a:effectRef idx="0">
+                        <a:schemeClr val="accent1"/>
+                      </a:effectRef>
+                      <a:fontRef idx="minor">
+                        <a:schemeClr val="lt1"/>
+                      </a:fontRef>
+                    </p:style>
+                    <p:txBody>
+                      <a:bodyPr rtlCol="0" anchor="ctr"/>
+                      <a:lstStyle/>
+                      <a:p>
+                        <a:pPr algn="ctr"/>
+                        <a:endParaRPr lang="nb-NO" dirty="0">
+                          <a:solidFill>
+                            <a:schemeClr val="tx1"/>
+                          </a:solidFill>
+                        </a:endParaRPr>
+                      </a:p>
+                    </p:txBody>
+                  </p:sp>
+                  <p:sp>
+                    <p:nvSpPr>
+                      <p:cNvPr id="88" name="Freeform 87"/>
+                      <p:cNvSpPr/>
+                      <p:nvPr/>
+                    </p:nvSpPr>
+                    <p:spPr>
+                      <a:xfrm>
+                        <a:off x="2224358" y="1464653"/>
+                        <a:ext cx="1686307" cy="1069662"/>
+                      </a:xfrm>
+                      <a:custGeom>
+                        <a:avLst/>
+                        <a:gdLst>
+                          <a:gd name="connsiteX0" fmla="*/ 164123 w 1348154"/>
+                          <a:gd name="connsiteY0" fmla="*/ 715108 h 844062"/>
+                          <a:gd name="connsiteX1" fmla="*/ 1348154 w 1348154"/>
+                          <a:gd name="connsiteY1" fmla="*/ 0 h 844062"/>
+                          <a:gd name="connsiteX2" fmla="*/ 1066800 w 1348154"/>
+                          <a:gd name="connsiteY2" fmla="*/ 339969 h 844062"/>
+                          <a:gd name="connsiteX3" fmla="*/ 926123 w 1348154"/>
+                          <a:gd name="connsiteY3" fmla="*/ 574431 h 844062"/>
+                          <a:gd name="connsiteX4" fmla="*/ 410308 w 1348154"/>
+                          <a:gd name="connsiteY4" fmla="*/ 820616 h 844062"/>
+                          <a:gd name="connsiteX5" fmla="*/ 0 w 1348154"/>
+                          <a:gd name="connsiteY5" fmla="*/ 844062 h 844062"/>
+                          <a:gd name="connsiteX6" fmla="*/ 164123 w 1348154"/>
+                          <a:gd name="connsiteY6" fmla="*/ 715108 h 844062"/>
+                          <a:gd name="connsiteX0" fmla="*/ 164123 w 1916345"/>
+                          <a:gd name="connsiteY0" fmla="*/ 1110710 h 1239664"/>
+                          <a:gd name="connsiteX1" fmla="*/ 1916345 w 1916345"/>
+                          <a:gd name="connsiteY1" fmla="*/ 0 h 1239664"/>
+                          <a:gd name="connsiteX2" fmla="*/ 1066800 w 1916345"/>
+                          <a:gd name="connsiteY2" fmla="*/ 735571 h 1239664"/>
+                          <a:gd name="connsiteX3" fmla="*/ 926123 w 1916345"/>
+                          <a:gd name="connsiteY3" fmla="*/ 970033 h 1239664"/>
+                          <a:gd name="connsiteX4" fmla="*/ 410308 w 1916345"/>
+                          <a:gd name="connsiteY4" fmla="*/ 1216218 h 1239664"/>
+                          <a:gd name="connsiteX5" fmla="*/ 0 w 1916345"/>
+                          <a:gd name="connsiteY5" fmla="*/ 1239664 h 1239664"/>
+                          <a:gd name="connsiteX6" fmla="*/ 164123 w 1916345"/>
+                          <a:gd name="connsiteY6" fmla="*/ 1110710 h 1239664"/>
+                          <a:gd name="connsiteX0" fmla="*/ 164123 w 1916345"/>
+                          <a:gd name="connsiteY0" fmla="*/ 1110710 h 1239664"/>
+                          <a:gd name="connsiteX1" fmla="*/ 1916345 w 1916345"/>
+                          <a:gd name="connsiteY1" fmla="*/ 0 h 1239664"/>
+                          <a:gd name="connsiteX2" fmla="*/ 1421919 w 1916345"/>
+                          <a:gd name="connsiteY2" fmla="*/ 471835 h 1239664"/>
+                          <a:gd name="connsiteX3" fmla="*/ 926123 w 1916345"/>
+                          <a:gd name="connsiteY3" fmla="*/ 970033 h 1239664"/>
+                          <a:gd name="connsiteX4" fmla="*/ 410308 w 1916345"/>
+                          <a:gd name="connsiteY4" fmla="*/ 1216218 h 1239664"/>
+                          <a:gd name="connsiteX5" fmla="*/ 0 w 1916345"/>
+                          <a:gd name="connsiteY5" fmla="*/ 1239664 h 1239664"/>
+                          <a:gd name="connsiteX6" fmla="*/ 164123 w 1916345"/>
+                          <a:gd name="connsiteY6" fmla="*/ 1110710 h 1239664"/>
+                          <a:gd name="connsiteX0" fmla="*/ 164123 w 1916345"/>
+                          <a:gd name="connsiteY0" fmla="*/ 1110710 h 1239664"/>
+                          <a:gd name="connsiteX1" fmla="*/ 1916345 w 1916345"/>
+                          <a:gd name="connsiteY1" fmla="*/ 0 h 1239664"/>
+                          <a:gd name="connsiteX2" fmla="*/ 1421919 w 1916345"/>
+                          <a:gd name="connsiteY2" fmla="*/ 471835 h 1239664"/>
+                          <a:gd name="connsiteX3" fmla="*/ 1080008 w 1916345"/>
+                          <a:gd name="connsiteY3" fmla="*/ 958045 h 1239664"/>
+                          <a:gd name="connsiteX4" fmla="*/ 410308 w 1916345"/>
+                          <a:gd name="connsiteY4" fmla="*/ 1216218 h 1239664"/>
+                          <a:gd name="connsiteX5" fmla="*/ 0 w 1916345"/>
+                          <a:gd name="connsiteY5" fmla="*/ 1239664 h 1239664"/>
+                          <a:gd name="connsiteX6" fmla="*/ 164123 w 1916345"/>
+                          <a:gd name="connsiteY6" fmla="*/ 1110710 h 1239664"/>
+                          <a:gd name="connsiteX0" fmla="*/ 164123 w 1916345"/>
+                          <a:gd name="connsiteY0" fmla="*/ 1110710 h 1239664"/>
+                          <a:gd name="connsiteX1" fmla="*/ 1916345 w 1916345"/>
+                          <a:gd name="connsiteY1" fmla="*/ 0 h 1239664"/>
+                          <a:gd name="connsiteX2" fmla="*/ 1457430 w 1916345"/>
+                          <a:gd name="connsiteY2" fmla="*/ 531775 h 1239664"/>
+                          <a:gd name="connsiteX3" fmla="*/ 1080008 w 1916345"/>
+                          <a:gd name="connsiteY3" fmla="*/ 958045 h 1239664"/>
+                          <a:gd name="connsiteX4" fmla="*/ 410308 w 1916345"/>
+                          <a:gd name="connsiteY4" fmla="*/ 1216218 h 1239664"/>
+                          <a:gd name="connsiteX5" fmla="*/ 0 w 1916345"/>
+                          <a:gd name="connsiteY5" fmla="*/ 1239664 h 1239664"/>
+                          <a:gd name="connsiteX6" fmla="*/ 164123 w 1916345"/>
+                          <a:gd name="connsiteY6" fmla="*/ 1110710 h 1239664"/>
+                        </a:gdLst>
+                        <a:ahLst/>
+                        <a:cxnLst>
+                          <a:cxn ang="0">
+                            <a:pos x="connsiteX0" y="connsiteY0"/>
+                          </a:cxn>
+                          <a:cxn ang="0">
+                            <a:pos x="connsiteX1" y="connsiteY1"/>
+                          </a:cxn>
+                          <a:cxn ang="0">
+                            <a:pos x="connsiteX2" y="connsiteY2"/>
+                          </a:cxn>
+                          <a:cxn ang="0">
+                            <a:pos x="connsiteX3" y="connsiteY3"/>
+                          </a:cxn>
+                          <a:cxn ang="0">
+                            <a:pos x="connsiteX4" y="connsiteY4"/>
+                          </a:cxn>
+                          <a:cxn ang="0">
+                            <a:pos x="connsiteX5" y="connsiteY5"/>
+                          </a:cxn>
+                          <a:cxn ang="0">
+                            <a:pos x="connsiteX6" y="connsiteY6"/>
+                          </a:cxn>
+                        </a:cxnLst>
+                        <a:rect l="l" t="t" r="r" b="b"/>
+                        <a:pathLst>
+                          <a:path w="1916345" h="1239664">
+                            <a:moveTo>
+                              <a:pt x="164123" y="1110710"/>
+                            </a:moveTo>
+                            <a:lnTo>
+                              <a:pt x="1916345" y="0"/>
+                            </a:lnTo>
+                            <a:lnTo>
+                              <a:pt x="1457430" y="531775"/>
+                            </a:lnTo>
+                            <a:lnTo>
+                              <a:pt x="1080008" y="958045"/>
+                            </a:lnTo>
+                            <a:lnTo>
+                              <a:pt x="410308" y="1216218"/>
+                            </a:lnTo>
+                            <a:lnTo>
+                              <a:pt x="0" y="1239664"/>
+                            </a:lnTo>
+                            <a:lnTo>
+                              <a:pt x="164123" y="1110710"/>
+                            </a:lnTo>
+                            <a:close/>
+                          </a:path>
+                        </a:pathLst>
+                      </a:custGeom>
+                      <a:pattFill prst="lgCheck">
+                        <a:fgClr>
+                          <a:schemeClr val="accent4">
+                            <a:lumMod val="60000"/>
+                            <a:lumOff val="40000"/>
+                          </a:schemeClr>
+                        </a:fgClr>
+                        <a:bgClr>
+                          <a:schemeClr val="bg1"/>
+                        </a:bgClr>
+                      </a:pattFill>
+                      <a:ln>
+                        <a:noFill/>
+                      </a:ln>
+                    </p:spPr>
+                    <p:style>
+                      <a:lnRef idx="2">
+                        <a:schemeClr val="accent1">
+                          <a:shade val="50000"/>
+                        </a:schemeClr>
+                      </a:lnRef>
+                      <a:fillRef idx="1">
+                        <a:schemeClr val="accent1"/>
+                      </a:fillRef>
+                      <a:effectRef idx="0">
+                        <a:schemeClr val="accent1"/>
+                      </a:effectRef>
+                      <a:fontRef idx="minor">
+                        <a:schemeClr val="lt1"/>
+                      </a:fontRef>
+                    </p:style>
+                    <p:txBody>
+                      <a:bodyPr rtlCol="0" anchor="ctr"/>
+                      <a:lstStyle/>
+                      <a:p>
+                        <a:pPr algn="ctr"/>
+                        <a:endParaRPr lang="nb-NO"/>
+                      </a:p>
+                    </p:txBody>
+                  </p:sp>
+                  <p:sp>
+                    <p:nvSpPr>
+                      <p:cNvPr id="89" name="Freeform 88"/>
+                      <p:cNvSpPr/>
+                      <p:nvPr/>
+                    </p:nvSpPr>
+                    <p:spPr>
+                      <a:xfrm>
+                        <a:off x="3650678" y="1149906"/>
+                        <a:ext cx="755527" cy="666005"/>
+                      </a:xfrm>
+                      <a:custGeom>
+                        <a:avLst/>
+                        <a:gdLst>
+                          <a:gd name="connsiteX0" fmla="*/ 0 w 1172308"/>
+                          <a:gd name="connsiteY0" fmla="*/ 879230 h 879230"/>
+                          <a:gd name="connsiteX1" fmla="*/ 1172308 w 1172308"/>
+                          <a:gd name="connsiteY1" fmla="*/ 128953 h 879230"/>
+                          <a:gd name="connsiteX2" fmla="*/ 1090247 w 1172308"/>
+                          <a:gd name="connsiteY2" fmla="*/ 0 h 879230"/>
+                          <a:gd name="connsiteX3" fmla="*/ 222739 w 1172308"/>
+                          <a:gd name="connsiteY3" fmla="*/ 550984 h 879230"/>
+                          <a:gd name="connsiteX4" fmla="*/ 0 w 1172308"/>
+                          <a:gd name="connsiteY4" fmla="*/ 879230 h 879230"/>
+                          <a:gd name="connsiteX0" fmla="*/ 0 w 1172308"/>
+                          <a:gd name="connsiteY0" fmla="*/ 855179 h 855179"/>
+                          <a:gd name="connsiteX1" fmla="*/ 1172308 w 1172308"/>
+                          <a:gd name="connsiteY1" fmla="*/ 104902 h 855179"/>
+                          <a:gd name="connsiteX2" fmla="*/ 864929 w 1172308"/>
+                          <a:gd name="connsiteY2" fmla="*/ 0 h 855179"/>
+                          <a:gd name="connsiteX3" fmla="*/ 222739 w 1172308"/>
+                          <a:gd name="connsiteY3" fmla="*/ 526933 h 855179"/>
+                          <a:gd name="connsiteX4" fmla="*/ 0 w 1172308"/>
+                          <a:gd name="connsiteY4" fmla="*/ 855179 h 855179"/>
+                          <a:gd name="connsiteX0" fmla="*/ 0 w 1422663"/>
+                          <a:gd name="connsiteY0" fmla="*/ 1071643 h 1071643"/>
+                          <a:gd name="connsiteX1" fmla="*/ 1422663 w 1422663"/>
+                          <a:gd name="connsiteY1" fmla="*/ 104902 h 1071643"/>
+                          <a:gd name="connsiteX2" fmla="*/ 1115284 w 1422663"/>
+                          <a:gd name="connsiteY2" fmla="*/ 0 h 1071643"/>
+                          <a:gd name="connsiteX3" fmla="*/ 473094 w 1422663"/>
+                          <a:gd name="connsiteY3" fmla="*/ 526933 h 1071643"/>
+                          <a:gd name="connsiteX4" fmla="*/ 0 w 1422663"/>
+                          <a:gd name="connsiteY4" fmla="*/ 1071643 h 1071643"/>
+                          <a:gd name="connsiteX0" fmla="*/ 0 w 1322520"/>
+                          <a:gd name="connsiteY0" fmla="*/ 1071643 h 1071643"/>
+                          <a:gd name="connsiteX1" fmla="*/ 1322520 w 1322520"/>
+                          <a:gd name="connsiteY1" fmla="*/ 249211 h 1071643"/>
+                          <a:gd name="connsiteX2" fmla="*/ 1115284 w 1322520"/>
+                          <a:gd name="connsiteY2" fmla="*/ 0 h 1071643"/>
+                          <a:gd name="connsiteX3" fmla="*/ 473094 w 1322520"/>
+                          <a:gd name="connsiteY3" fmla="*/ 526933 h 1071643"/>
+                          <a:gd name="connsiteX4" fmla="*/ 0 w 1322520"/>
+                          <a:gd name="connsiteY4" fmla="*/ 1071643 h 1071643"/>
+                          <a:gd name="connsiteX0" fmla="*/ 0 w 1322520"/>
+                          <a:gd name="connsiteY0" fmla="*/ 1071643 h 1071643"/>
+                          <a:gd name="connsiteX1" fmla="*/ 1322520 w 1322520"/>
+                          <a:gd name="connsiteY1" fmla="*/ 249211 h 1071643"/>
+                          <a:gd name="connsiteX2" fmla="*/ 1115284 w 1322520"/>
+                          <a:gd name="connsiteY2" fmla="*/ 0 h 1071643"/>
+                          <a:gd name="connsiteX3" fmla="*/ 197705 w 1322520"/>
+                          <a:gd name="connsiteY3" fmla="*/ 599089 h 1071643"/>
+                          <a:gd name="connsiteX4" fmla="*/ 0 w 1322520"/>
+                          <a:gd name="connsiteY4" fmla="*/ 1071643 h 1071643"/>
+                          <a:gd name="connsiteX0" fmla="*/ 0 w 1597910"/>
+                          <a:gd name="connsiteY0" fmla="*/ 1336210 h 1336210"/>
+                          <a:gd name="connsiteX1" fmla="*/ 1597910 w 1597910"/>
+                          <a:gd name="connsiteY1" fmla="*/ 249211 h 1336210"/>
+                          <a:gd name="connsiteX2" fmla="*/ 1390674 w 1597910"/>
+                          <a:gd name="connsiteY2" fmla="*/ 0 h 1336210"/>
+                          <a:gd name="connsiteX3" fmla="*/ 473095 w 1597910"/>
+                          <a:gd name="connsiteY3" fmla="*/ 599089 h 1336210"/>
+                          <a:gd name="connsiteX4" fmla="*/ 0 w 1597910"/>
+                          <a:gd name="connsiteY4" fmla="*/ 1336210 h 1336210"/>
+                        </a:gdLst>
+                        <a:ahLst/>
+                        <a:cxnLst>
+                          <a:cxn ang="0">
+                            <a:pos x="connsiteX0" y="connsiteY0"/>
+                          </a:cxn>
+                          <a:cxn ang="0">
+                            <a:pos x="connsiteX1" y="connsiteY1"/>
+                          </a:cxn>
+                          <a:cxn ang="0">
+                            <a:pos x="connsiteX2" y="connsiteY2"/>
+                          </a:cxn>
+                          <a:cxn ang="0">
+                            <a:pos x="connsiteX3" y="connsiteY3"/>
+                          </a:cxn>
+                          <a:cxn ang="0">
+                            <a:pos x="connsiteX4" y="connsiteY4"/>
+                          </a:cxn>
+                        </a:cxnLst>
+                        <a:rect l="l" t="t" r="r" b="b"/>
+                        <a:pathLst>
+                          <a:path w="1597910" h="1336210">
+                            <a:moveTo>
+                              <a:pt x="0" y="1336210"/>
+                            </a:moveTo>
+                            <a:lnTo>
+                              <a:pt x="1597910" y="249211"/>
+                            </a:lnTo>
+                            <a:lnTo>
+                              <a:pt x="1390674" y="0"/>
+                            </a:lnTo>
+                            <a:lnTo>
+                              <a:pt x="473095" y="599089"/>
+                            </a:lnTo>
+                            <a:lnTo>
+                              <a:pt x="0" y="1336210"/>
+                            </a:lnTo>
+                            <a:close/>
+                          </a:path>
+                        </a:pathLst>
+                      </a:custGeom>
+                      <a:solidFill>
+                        <a:schemeClr val="accent4">
+                          <a:lumMod val="60000"/>
+                          <a:lumOff val="40000"/>
+                        </a:schemeClr>
+                      </a:solidFill>
+                      <a:ln>
+                        <a:noFill/>
+                      </a:ln>
+                    </p:spPr>
+                    <p:style>
+                      <a:lnRef idx="2">
+                        <a:schemeClr val="accent1">
+                          <a:shade val="50000"/>
+                        </a:schemeClr>
+                      </a:lnRef>
+                      <a:fillRef idx="1">
+                        <a:schemeClr val="accent1"/>
+                      </a:fillRef>
+                      <a:effectRef idx="0">
+                        <a:schemeClr val="accent1"/>
+                      </a:effectRef>
+                      <a:fontRef idx="minor">
+                        <a:schemeClr val="lt1"/>
+                      </a:fontRef>
+                    </p:style>
+                    <p:txBody>
+                      <a:bodyPr rtlCol="0" anchor="ctr"/>
+                      <a:lstStyle/>
+                      <a:p>
+                        <a:pPr algn="ctr"/>
+                        <a:endParaRPr lang="nb-NO"/>
+                      </a:p>
+                    </p:txBody>
+                  </p:sp>
+                </p:grpSp>
+              </p:grpSp>
+              <p:cxnSp>
+                <p:nvCxnSpPr>
+                  <p:cNvPr id="92" name="Straight Arrow Connector 91"/>
+                  <p:cNvCxnSpPr/>
+                  <p:nvPr/>
+                </p:nvCxnSpPr>
+                <p:spPr>
+                  <a:xfrm flipV="1">
+                    <a:off x="4006830" y="4968383"/>
+                    <a:ext cx="828650" cy="381730"/>
+                  </a:xfrm>
+                  <a:prstGeom prst="straightConnector1">
+                    <a:avLst/>
+                  </a:prstGeom>
+                  <a:ln>
+                    <a:solidFill>
+                      <a:srgbClr val="FF0000"/>
+                    </a:solidFill>
+                    <a:tailEnd type="triangle"/>
+                  </a:ln>
+                </p:spPr>
+                <p:style>
+                  <a:lnRef idx="1">
+                    <a:schemeClr val="accent1"/>
+                  </a:lnRef>
+                  <a:fillRef idx="0">
+                    <a:schemeClr val="accent1"/>
+                  </a:fillRef>
+                  <a:effectRef idx="0">
+                    <a:schemeClr val="accent1"/>
+                  </a:effectRef>
+                  <a:fontRef idx="minor">
+                    <a:schemeClr val="tx1"/>
+                  </a:fontRef>
+                </p:style>
+              </p:cxnSp>
+            </p:grpSp>
+            <p:sp>
+              <p:nvSpPr>
+                <p:cNvPr id="94" name="Freeform 93"/>
+                <p:cNvSpPr/>
+                <p:nvPr/>
+              </p:nvSpPr>
+              <p:spPr>
+                <a:xfrm>
+                  <a:off x="1922586" y="5709444"/>
+                  <a:ext cx="1614344" cy="843755"/>
+                </a:xfrm>
+                <a:custGeom>
+                  <a:avLst/>
+                  <a:gdLst>
+                    <a:gd name="connsiteX0" fmla="*/ 0 w 1664677"/>
+                    <a:gd name="connsiteY0" fmla="*/ 844062 h 844062"/>
+                    <a:gd name="connsiteX1" fmla="*/ 1453661 w 1664677"/>
+                    <a:gd name="connsiteY1" fmla="*/ 35170 h 844062"/>
+                    <a:gd name="connsiteX2" fmla="*/ 1524000 w 1664677"/>
+                    <a:gd name="connsiteY2" fmla="*/ 0 h 844062"/>
+                    <a:gd name="connsiteX3" fmla="*/ 1664677 w 1664677"/>
+                    <a:gd name="connsiteY3" fmla="*/ 0 h 844062"/>
+                    <a:gd name="connsiteX4" fmla="*/ 281353 w 1664677"/>
+                    <a:gd name="connsiteY4" fmla="*/ 844062 h 844062"/>
+                    <a:gd name="connsiteX5" fmla="*/ 0 w 1664677"/>
+                    <a:gd name="connsiteY5" fmla="*/ 844062 h 844062"/>
+                    <a:gd name="connsiteX0" fmla="*/ 0 w 1727397"/>
+                    <a:gd name="connsiteY0" fmla="*/ 844062 h 844062"/>
+                    <a:gd name="connsiteX1" fmla="*/ 1453661 w 1727397"/>
+                    <a:gd name="connsiteY1" fmla="*/ 35170 h 844062"/>
+                    <a:gd name="connsiteX2" fmla="*/ 1524000 w 1727397"/>
+                    <a:gd name="connsiteY2" fmla="*/ 0 h 844062"/>
+                    <a:gd name="connsiteX3" fmla="*/ 1727397 w 1727397"/>
+                    <a:gd name="connsiteY3" fmla="*/ 35182 h 844062"/>
+                    <a:gd name="connsiteX4" fmla="*/ 281353 w 1727397"/>
+                    <a:gd name="connsiteY4" fmla="*/ 844062 h 844062"/>
+                    <a:gd name="connsiteX5" fmla="*/ 0 w 1727397"/>
+                    <a:gd name="connsiteY5" fmla="*/ 844062 h 844062"/>
+                  </a:gdLst>
+                  <a:ahLst/>
+                  <a:cxnLst>
+                    <a:cxn ang="0">
+                      <a:pos x="connsiteX0" y="connsiteY0"/>
+                    </a:cxn>
+                    <a:cxn ang="0">
+                      <a:pos x="connsiteX1" y="connsiteY1"/>
+                    </a:cxn>
+                    <a:cxn ang="0">
+                      <a:pos x="connsiteX2" y="connsiteY2"/>
+                    </a:cxn>
+                    <a:cxn ang="0">
+                      <a:pos x="connsiteX3" y="connsiteY3"/>
+                    </a:cxn>
+                    <a:cxn ang="0">
+                      <a:pos x="connsiteX4" y="connsiteY4"/>
+                    </a:cxn>
+                    <a:cxn ang="0">
+                      <a:pos x="connsiteX5" y="connsiteY5"/>
+                    </a:cxn>
+                  </a:cxnLst>
+                  <a:rect l="l" t="t" r="r" b="b"/>
+                  <a:pathLst>
+                    <a:path w="1727397" h="844062">
+                      <a:moveTo>
+                        <a:pt x="0" y="844062"/>
+                      </a:moveTo>
+                      <a:lnTo>
+                        <a:pt x="1453661" y="35170"/>
+                      </a:lnTo>
+                      <a:lnTo>
+                        <a:pt x="1524000" y="0"/>
+                      </a:lnTo>
+                      <a:lnTo>
+                        <a:pt x="1727397" y="35182"/>
+                      </a:lnTo>
+                      <a:lnTo>
+                        <a:pt x="281353" y="844062"/>
+                      </a:lnTo>
+                      <a:lnTo>
+                        <a:pt x="0" y="844062"/>
+                      </a:lnTo>
+                      <a:close/>
+                    </a:path>
+                  </a:pathLst>
+                </a:custGeom>
+                <a:solidFill>
+                  <a:schemeClr val="accent4">
+                    <a:lumMod val="40000"/>
+                    <a:lumOff val="60000"/>
+                  </a:schemeClr>
+                </a:solidFill>
+                <a:ln>
+                  <a:noFill/>
+                </a:ln>
+              </p:spPr>
+              <p:style>
+                <a:lnRef idx="2">
+                  <a:schemeClr val="accent1">
+                    <a:shade val="50000"/>
+                  </a:schemeClr>
+                </a:lnRef>
+                <a:fillRef idx="1">
+                  <a:schemeClr val="accent1"/>
+                </a:fillRef>
+                <a:effectRef idx="0">
+                  <a:schemeClr val="accent1"/>
+                </a:effectRef>
+                <a:fontRef idx="minor">
+                  <a:schemeClr val="lt1"/>
+                </a:fontRef>
+              </p:style>
+              <p:txBody>
+                <a:bodyPr rtlCol="0" anchor="ctr"/>
+                <a:lstStyle/>
+                <a:p>
+                  <a:pPr algn="ctr"/>
+                  <a:endParaRPr lang="nb-NO"/>
+                </a:p>
+              </p:txBody>
+            </p:sp>
+          </p:grpSp>
+        </p:grpSp>
+        <p:cxnSp>
+          <p:nvCxnSpPr>
+            <p:cNvPr id="107" name="Straight Arrow Connector 106"/>
+            <p:cNvCxnSpPr/>
+            <p:nvPr/>
+          </p:nvCxnSpPr>
+          <p:spPr>
+            <a:xfrm flipV="1">
+              <a:off x="1963363" y="6009027"/>
+              <a:ext cx="1041165" cy="386101"/>
+            </a:xfrm>
+            <a:prstGeom prst="straightConnector1">
+              <a:avLst/>
+            </a:prstGeom>
+            <a:ln>
+              <a:solidFill>
+                <a:srgbClr val="FF0000"/>
+              </a:solidFill>
+              <a:tailEnd type="triangle"/>
+            </a:ln>
+          </p:spPr>
+          <p:style>
+            <a:lnRef idx="1">
+              <a:schemeClr val="accent1"/>
+            </a:lnRef>
+            <a:fillRef idx="0">
+              <a:schemeClr val="accent1"/>
+            </a:fillRef>
+            <a:effectRef idx="0">
+              <a:schemeClr val="accent1"/>
+            </a:effectRef>
+            <a:fontRef idx="minor">
+              <a:schemeClr val="tx1"/>
+            </a:fontRef>
+          </p:style>
+        </p:cxnSp>
+      </p:grpSp>
+    </p:spTree>
+    <p:extLst>
+      <p:ext uri="{BB962C8B-B14F-4D97-AF65-F5344CB8AC3E}">
+        <p14:creationId xmlns:p14="http://schemas.microsoft.com/office/powerpoint/2010/main" val="1915702763"/>
+      </p:ext>
+    </p:extLst>
+  </p:cSld>
+  <p:clrMapOvr>
+    <a:masterClrMapping/>
+  </p:clrMapOvr>
+</p:sld>
+</file>
+
 <file path=ppt/theme/theme1.xml><?xml version="1.0" encoding="utf-8"?>
 <a:theme xmlns:a="http://schemas.openxmlformats.org/drawingml/2006/main" name="Office Theme">
   <a:themeElements>

--- a/Use case - Hydrocarbons accumulation.pptx
+++ b/Use case - Hydrocarbons accumulation.pptx
@@ -12,7 +12,7 @@
     <p:sldId id="257" r:id="rId3"/>
     <p:sldId id="258" r:id="rId4"/>
     <p:sldId id="260" r:id="rId5"/>
-    <p:sldId id="259" r:id="rId6"/>
+    <p:sldId id="261" r:id="rId6"/>
   </p:sldIdLst>
   <p:sldSz cx="12192000" cy="6858000"/>
   <p:notesSz cx="6858000" cy="9144000"/>
@@ -201,7 +201,7 @@
           <a:p>
             <a:fld id="{6B2A15CB-664D-4830-9EA4-27796825A25D}" type="datetimeFigureOut">
               <a:rPr lang="nb-NO" smtClean="0"/>
-              <a:t>17.01.2019</a:t>
+              <a:t>18.01.2019</a:t>
             </a:fld>
             <a:endParaRPr lang="nb-NO"/>
           </a:p>
@@ -600,7 +600,7 @@
           <a:p>
             <a:fld id="{A633C1C8-95AF-4880-8893-8625E4421F7B}" type="datetime1">
               <a:rPr lang="nb-NO" smtClean="0"/>
-              <a:t>17.01.2019</a:t>
+              <a:t>18.01.2019</a:t>
             </a:fld>
             <a:endParaRPr lang="nb-NO"/>
           </a:p>
@@ -770,7 +770,7 @@
           <a:p>
             <a:fld id="{D6CB3B24-54D0-4549-BFEE-D3C8E478EE60}" type="datetime1">
               <a:rPr lang="nb-NO" smtClean="0"/>
-              <a:t>17.01.2019</a:t>
+              <a:t>18.01.2019</a:t>
             </a:fld>
             <a:endParaRPr lang="nb-NO"/>
           </a:p>
@@ -950,7 +950,7 @@
           <a:p>
             <a:fld id="{6244CEE8-045C-4D90-8B0F-9185B74536CF}" type="datetime1">
               <a:rPr lang="nb-NO" smtClean="0"/>
-              <a:t>17.01.2019</a:t>
+              <a:t>18.01.2019</a:t>
             </a:fld>
             <a:endParaRPr lang="nb-NO"/>
           </a:p>
@@ -1120,7 +1120,7 @@
           <a:p>
             <a:fld id="{0BF30CB0-DCFE-4EAE-ADDC-CAD8AB1F9870}" type="datetime1">
               <a:rPr lang="nb-NO" smtClean="0"/>
-              <a:t>17.01.2019</a:t>
+              <a:t>18.01.2019</a:t>
             </a:fld>
             <a:endParaRPr lang="nb-NO"/>
           </a:p>
@@ -1366,7 +1366,7 @@
           <a:p>
             <a:fld id="{1377CAEB-BB00-4759-9FF9-D2439DE2817D}" type="datetime1">
               <a:rPr lang="nb-NO" smtClean="0"/>
-              <a:t>17.01.2019</a:t>
+              <a:t>18.01.2019</a:t>
             </a:fld>
             <a:endParaRPr lang="nb-NO"/>
           </a:p>
@@ -1598,7 +1598,7 @@
           <a:p>
             <a:fld id="{FDF79DEE-87EF-4A0C-A1C6-4EDE8D07193C}" type="datetime1">
               <a:rPr lang="nb-NO" smtClean="0"/>
-              <a:t>17.01.2019</a:t>
+              <a:t>18.01.2019</a:t>
             </a:fld>
             <a:endParaRPr lang="nb-NO"/>
           </a:p>
@@ -1965,7 +1965,7 @@
           <a:p>
             <a:fld id="{AC195D7B-C9F1-4187-916F-59326C4FB91E}" type="datetime1">
               <a:rPr lang="nb-NO" smtClean="0"/>
-              <a:t>17.01.2019</a:t>
+              <a:t>18.01.2019</a:t>
             </a:fld>
             <a:endParaRPr lang="nb-NO"/>
           </a:p>
@@ -2083,7 +2083,7 @@
           <a:p>
             <a:fld id="{DF6118D9-7F91-43D2-BB96-93C20A1DE500}" type="datetime1">
               <a:rPr lang="nb-NO" smtClean="0"/>
-              <a:t>17.01.2019</a:t>
+              <a:t>18.01.2019</a:t>
             </a:fld>
             <a:endParaRPr lang="nb-NO"/>
           </a:p>
@@ -2178,7 +2178,7 @@
           <a:p>
             <a:fld id="{28DB77A6-762F-416B-9494-0EE6E926EDAA}" type="datetime1">
               <a:rPr lang="nb-NO" smtClean="0"/>
-              <a:t>17.01.2019</a:t>
+              <a:t>18.01.2019</a:t>
             </a:fld>
             <a:endParaRPr lang="nb-NO"/>
           </a:p>
@@ -2455,7 +2455,7 @@
           <a:p>
             <a:fld id="{F93E5D7B-255A-438A-BCE9-B20F4E91AC97}" type="datetime1">
               <a:rPr lang="nb-NO" smtClean="0"/>
-              <a:t>17.01.2019</a:t>
+              <a:t>18.01.2019</a:t>
             </a:fld>
             <a:endParaRPr lang="nb-NO"/>
           </a:p>
@@ -2708,7 +2708,7 @@
           <a:p>
             <a:fld id="{2697C88B-F6B5-4853-BF93-2AD79DFD64E1}" type="datetime1">
               <a:rPr lang="nb-NO" smtClean="0"/>
-              <a:t>17.01.2019</a:t>
+              <a:t>18.01.2019</a:t>
             </a:fld>
             <a:endParaRPr lang="nb-NO"/>
           </a:p>
@@ -2921,7 +2921,7 @@
           <a:p>
             <a:fld id="{5D31363F-C92B-4642-9D00-1E6A0DA91778}" type="datetime1">
               <a:rPr lang="nb-NO" smtClean="0"/>
-              <a:t>17.01.2019</a:t>
+              <a:t>18.01.2019</a:t>
             </a:fld>
             <a:endParaRPr lang="nb-NO"/>
           </a:p>
@@ -13222,7 +13222,9 @@
           </a:xfrm>
         </p:spPr>
         <p:txBody>
-          <a:bodyPr/>
+          <a:bodyPr>
+            <a:normAutofit fontScale="90000"/>
+          </a:bodyPr>
           <a:lstStyle/>
           <a:p>
             <a:r>
@@ -13252,6 +13254,65 @@
             <a:r>
               <a:rPr lang="nb-NO" dirty="0" err="1" smtClean="0"/>
               <a:t>facies</a:t>
+            </a:r>
+            <a:r>
+              <a:rPr lang="nb-NO" dirty="0" smtClean="0"/>
+              <a:t/>
+            </a:r>
+            <a:br>
+              <a:rPr lang="nb-NO" dirty="0" smtClean="0"/>
+            </a:br>
+            <a:r>
+              <a:rPr lang="nb-NO" dirty="0" err="1" smtClean="0"/>
+              <a:t>of</a:t>
+            </a:r>
+            <a:r>
+              <a:rPr lang="nb-NO" dirty="0" smtClean="0"/>
+              <a:t> </a:t>
+            </a:r>
+            <a:r>
+              <a:rPr lang="nb-NO" dirty="0" err="1" smtClean="0"/>
+              <a:t>the</a:t>
+            </a:r>
+            <a:r>
+              <a:rPr lang="nb-NO" dirty="0" smtClean="0"/>
+              <a:t> submarine fan – </a:t>
+            </a:r>
+            <a:r>
+              <a:rPr lang="nb-NO" dirty="0" err="1" smtClean="0"/>
+              <a:t>implication</a:t>
+            </a:r>
+            <a:r>
+              <a:rPr lang="nb-NO" dirty="0" smtClean="0"/>
+              <a:t> for </a:t>
+            </a:r>
+            <a:r>
+              <a:rPr lang="nb-NO" dirty="0" err="1" smtClean="0"/>
+              <a:t>the</a:t>
+            </a:r>
+            <a:r>
+              <a:rPr lang="nb-NO" dirty="0" smtClean="0"/>
+              <a:t> </a:t>
+            </a:r>
+            <a:r>
+              <a:rPr lang="nb-NO" dirty="0" err="1" smtClean="0"/>
+              <a:t>migration-accumulation</a:t>
+            </a:r>
+            <a:r>
+              <a:rPr lang="nb-NO" dirty="0" smtClean="0"/>
+              <a:t> </a:t>
+            </a:r>
+            <a:r>
+              <a:rPr lang="nb-NO" dirty="0" err="1" smtClean="0"/>
+              <a:t>of</a:t>
+            </a:r>
+            <a:r>
+              <a:rPr lang="nb-NO" dirty="0" smtClean="0"/>
+              <a:t> </a:t>
+            </a:r>
+            <a:r>
+              <a:rPr lang="nb-NO" dirty="0" err="1" smtClean="0"/>
+              <a:t>hydrocarbons</a:t>
             </a:r>
             <a:endParaRPr lang="nb-NO" dirty="0"/>
           </a:p>
@@ -13335,14 +13396,14 @@
       </p:sp>
       <p:sp>
         <p:nvSpPr>
-          <p:cNvPr id="102" name="TextBox 101"/>
+          <p:cNvPr id="217" name="TextBox 216"/>
           <p:cNvSpPr txBox="1"/>
           <p:nvPr/>
         </p:nvSpPr>
         <p:spPr>
           <a:xfrm rot="-1800000">
-            <a:off x="420828" y="2453014"/>
-            <a:ext cx="2379113" cy="646331"/>
+            <a:off x="6159501" y="-7045"/>
+            <a:ext cx="1208985" cy="738664"/>
           </a:xfrm>
           <a:prstGeom prst="rect">
             <a:avLst/>
@@ -13356,37 +13417,40 @@
           <a:lstStyle/>
           <a:p>
             <a:r>
-              <a:rPr lang="nb-NO" dirty="0" err="1" smtClean="0"/>
+              <a:rPr lang="nb-NO" sz="1400" dirty="0" err="1" smtClean="0"/>
               <a:t>Middle</a:t>
             </a:r>
             <a:r>
-              <a:rPr lang="nb-NO" dirty="0" smtClean="0"/>
+              <a:rPr lang="nb-NO" sz="1400" dirty="0" smtClean="0"/>
               <a:t> fan;</a:t>
             </a:r>
           </a:p>
           <a:p>
             <a:r>
-              <a:rPr lang="nb-NO" dirty="0" smtClean="0"/>
+              <a:rPr lang="nb-NO" sz="1400" dirty="0" smtClean="0"/>
               <a:t>Channels and </a:t>
             </a:r>
-            <a:r>
-              <a:rPr lang="nb-NO" dirty="0" err="1" smtClean="0"/>
+            <a:endParaRPr lang="nb-NO" sz="1400" dirty="0" smtClean="0"/>
+          </a:p>
+          <a:p>
+            <a:r>
+              <a:rPr lang="nb-NO" sz="1400" dirty="0" err="1" smtClean="0"/>
               <a:t>overbank</a:t>
             </a:r>
-            <a:endParaRPr lang="nb-NO" dirty="0"/>
+            <a:endParaRPr lang="nb-NO" sz="1400" dirty="0"/>
           </a:p>
         </p:txBody>
       </p:sp>
       <p:sp>
         <p:nvSpPr>
-          <p:cNvPr id="103" name="TextBox 102"/>
+          <p:cNvPr id="218" name="TextBox 217"/>
           <p:cNvSpPr txBox="1"/>
           <p:nvPr/>
         </p:nvSpPr>
         <p:spPr>
           <a:xfrm rot="-1800000">
-            <a:off x="4553756" y="181581"/>
-            <a:ext cx="2167260" cy="646331"/>
+            <a:off x="1529211" y="1272056"/>
+            <a:ext cx="2629198" cy="369332"/>
           </a:xfrm>
           <a:prstGeom prst="rect">
             <a:avLst/>
@@ -13394,7 +13458,7 @@
           <a:noFill/>
         </p:spPr>
         <p:txBody>
-          <a:bodyPr wrap="none" rtlCol="0">
+          <a:bodyPr wrap="square" rtlCol="0">
             <a:spAutoFit/>
           </a:bodyPr>
           <a:lstStyle/>
@@ -13405,47 +13469,25 @@
             </a:r>
             <a:r>
               <a:rPr lang="nb-NO" dirty="0" smtClean="0"/>
-              <a:t> fan:</a:t>
-            </a:r>
-          </a:p>
-          <a:p>
-            <a:r>
-              <a:rPr lang="nb-NO" dirty="0" err="1" smtClean="0"/>
-              <a:t>Lobe</a:t>
+              <a:t> fan</a:t>
             </a:r>
             <a:r>
               <a:rPr lang="nb-NO" dirty="0" smtClean="0"/>
-              <a:t> and </a:t>
-            </a:r>
-            <a:r>
-              <a:rPr lang="nb-NO" dirty="0" err="1" smtClean="0"/>
-              <a:t>lobe</a:t>
-            </a:r>
-            <a:r>
-              <a:rPr lang="nb-NO" dirty="0" smtClean="0"/>
-              <a:t> </a:t>
-            </a:r>
-            <a:r>
-              <a:rPr lang="nb-NO" dirty="0" err="1" smtClean="0"/>
-              <a:t>fringe</a:t>
-            </a:r>
-            <a:r>
-              <a:rPr lang="nb-NO" dirty="0" smtClean="0"/>
-              <a:t> </a:t>
-            </a:r>
-            <a:endParaRPr lang="nb-NO" dirty="0"/>
+              <a:t>:</a:t>
+            </a:r>
+            <a:endParaRPr lang="nb-NO" dirty="0" smtClean="0"/>
           </a:p>
         </p:txBody>
       </p:sp>
       <p:sp>
         <p:nvSpPr>
-          <p:cNvPr id="104" name="Left Brace 103"/>
+          <p:cNvPr id="219" name="Left Brace 218"/>
           <p:cNvSpPr/>
           <p:nvPr/>
         </p:nvSpPr>
         <p:spPr>
           <a:xfrm rot="3600000">
-            <a:off x="5089334" y="234802"/>
+            <a:off x="4763403" y="305162"/>
             <a:ext cx="663031" cy="2832541"/>
           </a:xfrm>
           <a:prstGeom prst="leftBrace">
@@ -13480,13 +13522,13 @@
       </p:sp>
       <p:sp>
         <p:nvSpPr>
-          <p:cNvPr id="105" name="Left Brace 104"/>
+          <p:cNvPr id="220" name="Left Brace 219"/>
           <p:cNvSpPr/>
           <p:nvPr/>
         </p:nvSpPr>
         <p:spPr>
           <a:xfrm rot="3600000">
-            <a:off x="1818542" y="1238815"/>
+            <a:off x="1492611" y="1309175"/>
             <a:ext cx="663031" cy="4625338"/>
           </a:xfrm>
           <a:prstGeom prst="leftBrace">
@@ -13521,13 +13563,13 @@
       </p:sp>
       <p:sp>
         <p:nvSpPr>
-          <p:cNvPr id="106" name="Left Brace 105"/>
+          <p:cNvPr id="221" name="Left Brace 220"/>
           <p:cNvSpPr/>
           <p:nvPr/>
         </p:nvSpPr>
         <p:spPr>
           <a:xfrm rot="3600000">
-            <a:off x="6984172" y="-202409"/>
+            <a:off x="6658241" y="-132049"/>
             <a:ext cx="663031" cy="1492285"/>
           </a:xfrm>
           <a:prstGeom prst="leftBrace">
@@ -13560,58 +13602,126 @@
           </a:p>
         </p:txBody>
       </p:sp>
+      <p:sp>
+        <p:nvSpPr>
+          <p:cNvPr id="222" name="TextBox 221"/>
+          <p:cNvSpPr txBox="1"/>
+          <p:nvPr/>
+        </p:nvSpPr>
+        <p:spPr>
+          <a:xfrm rot="-1800000">
+            <a:off x="4372992" y="951750"/>
+            <a:ext cx="641522" cy="369332"/>
+          </a:xfrm>
+          <a:prstGeom prst="rect">
+            <a:avLst/>
+          </a:prstGeom>
+          <a:noFill/>
+        </p:spPr>
+        <p:txBody>
+          <a:bodyPr wrap="none" rtlCol="0">
+            <a:spAutoFit/>
+          </a:bodyPr>
+          <a:lstStyle/>
+          <a:p>
+            <a:r>
+              <a:rPr lang="nb-NO" dirty="0" err="1" smtClean="0"/>
+              <a:t>Lobe</a:t>
+            </a:r>
+            <a:endParaRPr lang="nb-NO" dirty="0"/>
+          </a:p>
+        </p:txBody>
+      </p:sp>
+      <p:sp>
+        <p:nvSpPr>
+          <p:cNvPr id="223" name="TextBox 222"/>
+          <p:cNvSpPr txBox="1"/>
+          <p:nvPr/>
+        </p:nvSpPr>
+        <p:spPr>
+          <a:xfrm rot="-1800000">
+            <a:off x="873707" y="2909099"/>
+            <a:ext cx="1242328" cy="369332"/>
+          </a:xfrm>
+          <a:prstGeom prst="rect">
+            <a:avLst/>
+          </a:prstGeom>
+          <a:noFill/>
+        </p:spPr>
+        <p:txBody>
+          <a:bodyPr wrap="none" rtlCol="0">
+            <a:spAutoFit/>
+          </a:bodyPr>
+          <a:lstStyle/>
+          <a:p>
+            <a:r>
+              <a:rPr lang="nb-NO" dirty="0" err="1" smtClean="0"/>
+              <a:t>Lobe</a:t>
+            </a:r>
+            <a:r>
+              <a:rPr lang="nb-NO" dirty="0" smtClean="0"/>
+              <a:t> </a:t>
+            </a:r>
+            <a:r>
+              <a:rPr lang="nb-NO" dirty="0" err="1" smtClean="0"/>
+              <a:t>fringe</a:t>
+            </a:r>
+            <a:endParaRPr lang="nb-NO" dirty="0"/>
+          </a:p>
+        </p:txBody>
+      </p:sp>
       <p:grpSp>
         <p:nvGrpSpPr>
-          <p:cNvPr id="109" name="Group 108"/>
+          <p:cNvPr id="228" name="Group 227"/>
           <p:cNvGrpSpPr/>
           <p:nvPr/>
         </p:nvGrpSpPr>
         <p:grpSpPr>
           <a:xfrm>
-            <a:off x="760934" y="573016"/>
-            <a:ext cx="9305636" cy="5980183"/>
-            <a:chOff x="760934" y="573016"/>
-            <a:chExt cx="9305636" cy="5980183"/>
+            <a:off x="416264" y="573016"/>
+            <a:ext cx="9307729" cy="5965896"/>
+            <a:chOff x="416264" y="573016"/>
+            <a:chExt cx="9307729" cy="5965896"/>
           </a:xfrm>
         </p:grpSpPr>
         <p:grpSp>
           <p:nvGrpSpPr>
-            <p:cNvPr id="100" name="Group 99"/>
+            <p:cNvPr id="216" name="Group 215"/>
             <p:cNvGrpSpPr/>
             <p:nvPr/>
           </p:nvGrpSpPr>
           <p:grpSpPr>
             <a:xfrm>
-              <a:off x="760934" y="573016"/>
-              <a:ext cx="9305636" cy="5980183"/>
-              <a:chOff x="760934" y="573016"/>
-              <a:chExt cx="9305636" cy="5980183"/>
+              <a:off x="416264" y="573016"/>
+              <a:ext cx="9307729" cy="5965896"/>
+              <a:chOff x="416264" y="573016"/>
+              <a:chExt cx="9307729" cy="5965896"/>
             </a:xfrm>
           </p:grpSpPr>
           <p:grpSp>
             <p:nvGrpSpPr>
-              <p:cNvPr id="99" name="Group 98"/>
+              <p:cNvPr id="210" name="Group 209"/>
               <p:cNvGrpSpPr/>
               <p:nvPr/>
             </p:nvGrpSpPr>
             <p:grpSpPr>
               <a:xfrm>
-                <a:off x="7326384" y="1441226"/>
-                <a:ext cx="1499239" cy="418028"/>
-                <a:chOff x="1689494" y="1159220"/>
-                <a:chExt cx="1499239" cy="418028"/>
+                <a:off x="416264" y="573016"/>
+                <a:ext cx="9307729" cy="5965896"/>
+                <a:chOff x="416264" y="573016"/>
+                <a:chExt cx="9307729" cy="5965896"/>
               </a:xfrm>
             </p:grpSpPr>
             <p:sp>
               <p:nvSpPr>
-                <p:cNvPr id="96" name="Rectangle 7"/>
+                <p:cNvPr id="209" name="Rectangle 7"/>
                 <p:cNvSpPr/>
                 <p:nvPr/>
               </p:nvSpPr>
               <p:spPr>
                 <a:xfrm rot="9000000">
-                  <a:off x="1689494" y="1159220"/>
-                  <a:ext cx="1499239" cy="418028"/>
+                  <a:off x="7003282" y="1449298"/>
+                  <a:ext cx="1486073" cy="450730"/>
                 </a:xfrm>
                 <a:custGeom>
                   <a:avLst/>
@@ -13697,65 +13807,15 @@
                     <a:gd name="connsiteX4" fmla="*/ 0 w 2409568"/>
                     <a:gd name="connsiteY4" fmla="*/ 0 h 647052"/>
                     <a:gd name="connsiteX0" fmla="*/ 0 w 2409568"/>
-                    <a:gd name="connsiteY0" fmla="*/ 0 h 647052"/>
-                    <a:gd name="connsiteX1" fmla="*/ 2352731 w 2409568"/>
-                    <a:gd name="connsiteY1" fmla="*/ 31924 h 647052"/>
+                    <a:gd name="connsiteY0" fmla="*/ 0 h 639234"/>
+                    <a:gd name="connsiteX1" fmla="*/ 2369604 w 2409568"/>
+                    <a:gd name="connsiteY1" fmla="*/ 2955 h 639234"/>
                     <a:gd name="connsiteX2" fmla="*/ 2409568 w 2409568"/>
-                    <a:gd name="connsiteY2" fmla="*/ 633075 h 647052"/>
-                    <a:gd name="connsiteX3" fmla="*/ 123556 w 2409568"/>
-                    <a:gd name="connsiteY3" fmla="*/ 647052 h 647052"/>
+                    <a:gd name="connsiteY2" fmla="*/ 633075 h 639234"/>
+                    <a:gd name="connsiteX3" fmla="*/ 63597 w 2409568"/>
+                    <a:gd name="connsiteY3" fmla="*/ 639234 h 639234"/>
                     <a:gd name="connsiteX4" fmla="*/ 0 w 2409568"/>
-                    <a:gd name="connsiteY4" fmla="*/ 0 h 647052"/>
-                    <a:gd name="connsiteX0" fmla="*/ 0 w 2409568"/>
-                    <a:gd name="connsiteY0" fmla="*/ 1523 h 648575"/>
-                    <a:gd name="connsiteX1" fmla="*/ 2294281 w 2409568"/>
-                    <a:gd name="connsiteY1" fmla="*/ 0 h 648575"/>
-                    <a:gd name="connsiteX2" fmla="*/ 2409568 w 2409568"/>
-                    <a:gd name="connsiteY2" fmla="*/ 634598 h 648575"/>
-                    <a:gd name="connsiteX3" fmla="*/ 123556 w 2409568"/>
-                    <a:gd name="connsiteY3" fmla="*/ 648575 h 648575"/>
-                    <a:gd name="connsiteX4" fmla="*/ 0 w 2409568"/>
-                    <a:gd name="connsiteY4" fmla="*/ 1523 h 648575"/>
-                    <a:gd name="connsiteX0" fmla="*/ 0 w 2409568"/>
-                    <a:gd name="connsiteY0" fmla="*/ 12273 h 659325"/>
-                    <a:gd name="connsiteX1" fmla="*/ 2365490 w 2409568"/>
-                    <a:gd name="connsiteY1" fmla="*/ 0 h 659325"/>
-                    <a:gd name="connsiteX2" fmla="*/ 2409568 w 2409568"/>
-                    <a:gd name="connsiteY2" fmla="*/ 645348 h 659325"/>
-                    <a:gd name="connsiteX3" fmla="*/ 123556 w 2409568"/>
-                    <a:gd name="connsiteY3" fmla="*/ 659325 h 659325"/>
-                    <a:gd name="connsiteX4" fmla="*/ 0 w 2409568"/>
-                    <a:gd name="connsiteY4" fmla="*/ 12273 h 659325"/>
-                    <a:gd name="connsiteX0" fmla="*/ 0 w 2409568"/>
-                    <a:gd name="connsiteY0" fmla="*/ 12273 h 656340"/>
-                    <a:gd name="connsiteX1" fmla="*/ 2365490 w 2409568"/>
-                    <a:gd name="connsiteY1" fmla="*/ 0 h 656340"/>
-                    <a:gd name="connsiteX2" fmla="*/ 2409568 w 2409568"/>
-                    <a:gd name="connsiteY2" fmla="*/ 645348 h 656340"/>
-                    <a:gd name="connsiteX3" fmla="*/ 73338 w 2409568"/>
-                    <a:gd name="connsiteY3" fmla="*/ 656340 h 656340"/>
-                    <a:gd name="connsiteX4" fmla="*/ 0 w 2409568"/>
-                    <a:gd name="connsiteY4" fmla="*/ 12273 h 656340"/>
-                    <a:gd name="connsiteX0" fmla="*/ 0 w 2409568"/>
-                    <a:gd name="connsiteY0" fmla="*/ 4111 h 648178"/>
-                    <a:gd name="connsiteX1" fmla="*/ 2334759 w 2409568"/>
-                    <a:gd name="connsiteY1" fmla="*/ 1 h 648178"/>
-                    <a:gd name="connsiteX2" fmla="*/ 2409568 w 2409568"/>
-                    <a:gd name="connsiteY2" fmla="*/ 637186 h 648178"/>
-                    <a:gd name="connsiteX3" fmla="*/ 73338 w 2409568"/>
-                    <a:gd name="connsiteY3" fmla="*/ 648178 h 648178"/>
-                    <a:gd name="connsiteX4" fmla="*/ 0 w 2409568"/>
-                    <a:gd name="connsiteY4" fmla="*/ 4111 h 648178"/>
-                    <a:gd name="connsiteX0" fmla="*/ 0 w 2430918"/>
-                    <a:gd name="connsiteY0" fmla="*/ 4110 h 649287"/>
-                    <a:gd name="connsiteX1" fmla="*/ 2334759 w 2430918"/>
-                    <a:gd name="connsiteY1" fmla="*/ 0 h 649287"/>
-                    <a:gd name="connsiteX2" fmla="*/ 2430918 w 2430918"/>
-                    <a:gd name="connsiteY2" fmla="*/ 649288 h 649287"/>
-                    <a:gd name="connsiteX3" fmla="*/ 73338 w 2430918"/>
-                    <a:gd name="connsiteY3" fmla="*/ 648177 h 649287"/>
-                    <a:gd name="connsiteX4" fmla="*/ 0 w 2430918"/>
-                    <a:gd name="connsiteY4" fmla="*/ 4110 h 649287"/>
+                    <a:gd name="connsiteY4" fmla="*/ 0 h 639234"/>
                   </a:gdLst>
                   <a:ahLst/>
                   <a:cxnLst>
@@ -13777,21 +13837,21 @@
                   </a:cxnLst>
                   <a:rect l="l" t="t" r="r" b="b"/>
                   <a:pathLst>
-                    <a:path w="2430918" h="649287">
+                    <a:path w="2409568" h="639234">
                       <a:moveTo>
-                        <a:pt x="0" y="4110"/>
+                        <a:pt x="0" y="0"/>
                       </a:moveTo>
                       <a:lnTo>
-                        <a:pt x="2334759" y="0"/>
+                        <a:pt x="2369604" y="2955"/>
                       </a:lnTo>
                       <a:lnTo>
-                        <a:pt x="2430918" y="649288"/>
+                        <a:pt x="2409568" y="633075"/>
                       </a:lnTo>
                       <a:lnTo>
-                        <a:pt x="73338" y="648177"/>
+                        <a:pt x="63597" y="639234"/>
                       </a:lnTo>
                       <a:lnTo>
-                        <a:pt x="0" y="4110"/>
+                        <a:pt x="0" y="0"/>
                       </a:lnTo>
                       <a:close/>
                     </a:path>
@@ -13799,7 +13859,8 @@
                 </a:custGeom>
                 <a:solidFill>
                   <a:schemeClr val="accent6">
-                    <a:alpha val="52000"/>
+                    <a:lumMod val="40000"/>
+                    <a:lumOff val="60000"/>
                   </a:schemeClr>
                 </a:solidFill>
                 <a:ln>
@@ -13831,158 +13892,51 @@
                 </a:p>
               </p:txBody>
             </p:sp>
-            <p:sp>
-              <p:nvSpPr>
-                <p:cNvPr id="97" name="Rectangle 96"/>
-                <p:cNvSpPr/>
-                <p:nvPr/>
-              </p:nvSpPr>
-              <p:spPr>
-                <a:xfrm rot="8940000">
-                  <a:off x="1694009" y="1273957"/>
-                  <a:ext cx="1396967" cy="45719"/>
-                </a:xfrm>
-                <a:prstGeom prst="rect">
-                  <a:avLst/>
-                </a:prstGeom>
-                <a:solidFill>
-                  <a:srgbClr val="FFFF00"/>
-                </a:solidFill>
-                <a:ln>
-                  <a:noFill/>
-                </a:ln>
-              </p:spPr>
-              <p:style>
-                <a:lnRef idx="2">
-                  <a:schemeClr val="accent1">
-                    <a:shade val="50000"/>
-                  </a:schemeClr>
-                </a:lnRef>
-                <a:fillRef idx="1">
-                  <a:schemeClr val="accent1"/>
-                </a:fillRef>
-                <a:effectRef idx="0">
-                  <a:schemeClr val="accent1"/>
-                </a:effectRef>
-                <a:fontRef idx="minor">
-                  <a:schemeClr val="lt1"/>
-                </a:fontRef>
-              </p:style>
-              <p:txBody>
-                <a:bodyPr rtlCol="0" anchor="ctr"/>
-                <a:lstStyle/>
-                <a:p>
-                  <a:pPr algn="ctr"/>
-                  <a:endParaRPr lang="nb-NO"/>
-                </a:p>
-              </p:txBody>
-            </p:sp>
-            <p:sp>
-              <p:nvSpPr>
-                <p:cNvPr id="98" name="Rectangle 97"/>
-                <p:cNvSpPr/>
-                <p:nvPr/>
-              </p:nvSpPr>
-              <p:spPr>
-                <a:xfrm rot="8940000">
-                  <a:off x="1781877" y="1432502"/>
-                  <a:ext cx="1396967" cy="45719"/>
-                </a:xfrm>
-                <a:prstGeom prst="rect">
-                  <a:avLst/>
-                </a:prstGeom>
-                <a:solidFill>
-                  <a:srgbClr val="FFFF00"/>
-                </a:solidFill>
-                <a:ln>
-                  <a:noFill/>
-                </a:ln>
-              </p:spPr>
-              <p:style>
-                <a:lnRef idx="2">
-                  <a:schemeClr val="accent1">
-                    <a:shade val="50000"/>
-                  </a:schemeClr>
-                </a:lnRef>
-                <a:fillRef idx="1">
-                  <a:schemeClr val="accent1"/>
-                </a:fillRef>
-                <a:effectRef idx="0">
-                  <a:schemeClr val="accent1"/>
-                </a:effectRef>
-                <a:fontRef idx="minor">
-                  <a:schemeClr val="lt1"/>
-                </a:fontRef>
-              </p:style>
-              <p:txBody>
-                <a:bodyPr rtlCol="0" anchor="ctr"/>
-                <a:lstStyle/>
-                <a:p>
-                  <a:pPr algn="ctr"/>
-                  <a:endParaRPr lang="nb-NO"/>
-                </a:p>
-              </p:txBody>
-            </p:sp>
-          </p:grpSp>
-          <p:grpSp>
-            <p:nvGrpSpPr>
-              <p:cNvPr id="95" name="Group 94"/>
-              <p:cNvGrpSpPr/>
-              <p:nvPr/>
-            </p:nvGrpSpPr>
-            <p:grpSpPr>
-              <a:xfrm>
-                <a:off x="760934" y="573016"/>
-                <a:ext cx="9305636" cy="5980183"/>
-                <a:chOff x="760934" y="573016"/>
-                <a:chExt cx="9305636" cy="5980183"/>
-              </a:xfrm>
-            </p:grpSpPr>
             <p:grpSp>
               <p:nvGrpSpPr>
-                <p:cNvPr id="93" name="Group 92"/>
+                <p:cNvPr id="208" name="Group 207"/>
                 <p:cNvGrpSpPr/>
                 <p:nvPr/>
               </p:nvGrpSpPr>
               <p:grpSpPr>
                 <a:xfrm>
-                  <a:off x="760934" y="573016"/>
-                  <a:ext cx="9305636" cy="5965896"/>
-                  <a:chOff x="831273" y="573016"/>
-                  <a:chExt cx="9305636" cy="5965896"/>
+                  <a:off x="416264" y="573016"/>
+                  <a:ext cx="9307729" cy="5965896"/>
+                  <a:chOff x="416264" y="573016"/>
+                  <a:chExt cx="9307729" cy="5965896"/>
                 </a:xfrm>
               </p:grpSpPr>
               <p:grpSp>
                 <p:nvGrpSpPr>
-                  <p:cNvPr id="91" name="Group 90"/>
+                  <p:cNvPr id="192" name="Group 191"/>
                   <p:cNvGrpSpPr/>
                   <p:nvPr/>
                 </p:nvGrpSpPr>
                 <p:grpSpPr>
                   <a:xfrm>
-                    <a:off x="831273" y="573016"/>
-                    <a:ext cx="9305636" cy="5965896"/>
-                    <a:chOff x="831273" y="573016"/>
-                    <a:chExt cx="9305636" cy="5965896"/>
+                    <a:off x="416264" y="573016"/>
+                    <a:ext cx="9307729" cy="5965896"/>
+                    <a:chOff x="521771" y="573016"/>
+                    <a:chExt cx="9307729" cy="5965896"/>
                   </a:xfrm>
                 </p:grpSpPr>
                 <p:grpSp>
                   <p:nvGrpSpPr>
-                    <p:cNvPr id="84" name="Group 83"/>
+                    <p:cNvPr id="110" name="Group 109"/>
                     <p:cNvGrpSpPr/>
                     <p:nvPr/>
                   </p:nvGrpSpPr>
                   <p:grpSpPr>
                     <a:xfrm>
-                      <a:off x="831273" y="573016"/>
-                      <a:ext cx="9305636" cy="5965896"/>
-                      <a:chOff x="831273" y="573016"/>
-                      <a:chExt cx="9305636" cy="5965896"/>
+                      <a:off x="521771" y="573016"/>
+                      <a:ext cx="9307729" cy="5965896"/>
+                      <a:chOff x="829180" y="573016"/>
+                      <a:chExt cx="9307729" cy="5965896"/>
                     </a:xfrm>
                   </p:grpSpPr>
                   <p:sp>
                     <p:nvSpPr>
-                      <p:cNvPr id="83" name="Rectangle 7"/>
+                      <p:cNvPr id="115" name="Rectangle 7"/>
                       <p:cNvSpPr/>
                       <p:nvPr/>
                     </p:nvSpPr>
@@ -14125,7 +14079,7 @@
                           </a:path>
                         </a:pathLst>
                       </a:custGeom>
-                      <a:pattFill prst="solidDmnd">
+                      <a:pattFill prst="lgConfetti">
                         <a:fgClr>
                           <a:srgbClr val="FFFF00"/>
                         </a:fgClr>
@@ -14164,27 +14118,27 @@
                   </p:sp>
                   <p:grpSp>
                     <p:nvGrpSpPr>
-                      <p:cNvPr id="82" name="Group 81"/>
+                      <p:cNvPr id="116" name="Group 115"/>
                       <p:cNvGrpSpPr/>
                       <p:nvPr/>
                     </p:nvGrpSpPr>
                     <p:grpSpPr>
                       <a:xfrm>
-                        <a:off x="831273" y="573016"/>
-                        <a:ext cx="9305636" cy="5965896"/>
-                        <a:chOff x="831273" y="573016"/>
-                        <a:chExt cx="9305636" cy="5965896"/>
+                        <a:off x="829180" y="573016"/>
+                        <a:ext cx="9307729" cy="5965896"/>
+                        <a:chOff x="829180" y="573016"/>
+                        <a:chExt cx="9307729" cy="5965896"/>
                       </a:xfrm>
                     </p:grpSpPr>
                     <p:sp>
                       <p:nvSpPr>
-                        <p:cNvPr id="75" name="Rectangle 7"/>
+                        <p:cNvPr id="117" name="Rectangle 7"/>
                         <p:cNvSpPr/>
                         <p:nvPr/>
                       </p:nvSpPr>
                       <p:spPr>
                         <a:xfrm rot="19740000">
-                          <a:off x="1720787" y="5428483"/>
+                          <a:off x="1719026" y="5406817"/>
                           <a:ext cx="4276582" cy="453000"/>
                         </a:xfrm>
                         <a:custGeom>
@@ -14383,7 +14337,7 @@
                     </p:sp>
                     <p:sp>
                       <p:nvSpPr>
-                        <p:cNvPr id="76" name="Rectangle 7"/>
+                        <p:cNvPr id="118" name="Rectangle 7"/>
                         <p:cNvSpPr/>
                         <p:nvPr/>
                       </p:nvSpPr>
@@ -14565,13 +14519,13 @@
                     </p:sp>
                     <p:sp>
                       <p:nvSpPr>
-                        <p:cNvPr id="77" name="Rectangle 76"/>
+                        <p:cNvPr id="119" name="Rectangle 118"/>
                         <p:cNvSpPr/>
                         <p:nvPr/>
                       </p:nvSpPr>
                       <p:spPr>
                         <a:xfrm rot="9000000" flipV="1">
-                          <a:off x="6375855" y="2653069"/>
+                          <a:off x="5250871" y="3604194"/>
                           <a:ext cx="1402412" cy="45719"/>
                         </a:xfrm>
                         <a:prstGeom prst="rect">
@@ -14613,14 +14567,14 @@
                     </p:sp>
                     <p:sp>
                       <p:nvSpPr>
-                        <p:cNvPr id="78" name="Rectangle 77"/>
+                        <p:cNvPr id="120" name="Rectangle 119"/>
                         <p:cNvSpPr/>
                         <p:nvPr/>
                       </p:nvSpPr>
                       <p:spPr>
                         <a:xfrm rot="9000000" flipV="1">
-                          <a:off x="6503952" y="2842366"/>
-                          <a:ext cx="1402412" cy="45719"/>
+                          <a:off x="5347408" y="3748726"/>
+                          <a:ext cx="1440447" cy="82627"/>
                         </a:xfrm>
                         <a:prstGeom prst="rect">
                           <a:avLst/>
@@ -14661,280 +14615,1181 @@
                     </p:sp>
                     <p:grpSp>
                       <p:nvGrpSpPr>
-                        <p:cNvPr id="5" name="Group 4"/>
+                        <p:cNvPr id="121" name="Group 120"/>
                         <p:cNvGrpSpPr/>
                         <p:nvPr/>
                       </p:nvGrpSpPr>
                       <p:grpSpPr>
                         <a:xfrm>
-                          <a:off x="831273" y="573016"/>
-                          <a:ext cx="9305636" cy="5965896"/>
-                          <a:chOff x="-300996" y="-175437"/>
-                          <a:chExt cx="11081954" cy="6933114"/>
+                          <a:off x="829180" y="573016"/>
+                          <a:ext cx="9307729" cy="5965896"/>
+                          <a:chOff x="-303488" y="-175437"/>
+                          <a:chExt cx="11084446" cy="6933114"/>
                         </a:xfrm>
                       </p:grpSpPr>
                       <p:grpSp>
                         <p:nvGrpSpPr>
-                          <p:cNvPr id="6" name="Group 5"/>
+                          <p:cNvPr id="122" name="Group 121"/>
                           <p:cNvGrpSpPr/>
                           <p:nvPr/>
                         </p:nvGrpSpPr>
                         <p:grpSpPr>
                           <a:xfrm>
-                            <a:off x="-300996" y="-175437"/>
-                            <a:ext cx="11081954" cy="6933114"/>
-                            <a:chOff x="-300996" y="-175437"/>
-                            <a:chExt cx="11081954" cy="6933114"/>
+                            <a:off x="-303488" y="-175437"/>
+                            <a:ext cx="11084446" cy="6933114"/>
+                            <a:chOff x="-303488" y="-175437"/>
+                            <a:chExt cx="11084446" cy="6933114"/>
                           </a:xfrm>
                         </p:grpSpPr>
                         <p:grpSp>
                           <p:nvGrpSpPr>
-                            <p:cNvPr id="8" name="Group 7"/>
+                            <p:cNvPr id="124" name="Group 123"/>
                             <p:cNvGrpSpPr/>
                             <p:nvPr/>
                           </p:nvGrpSpPr>
                           <p:grpSpPr>
                             <a:xfrm>
-                              <a:off x="-300996" y="-175437"/>
-                              <a:ext cx="11081954" cy="6933114"/>
-                              <a:chOff x="-300996" y="-175437"/>
-                              <a:chExt cx="11081954" cy="6933114"/>
+                              <a:off x="-303488" y="-175437"/>
+                              <a:ext cx="11084446" cy="6933114"/>
+                              <a:chOff x="-303488" y="-175437"/>
+                              <a:chExt cx="11084446" cy="6933114"/>
                             </a:xfrm>
                           </p:grpSpPr>
                           <p:grpSp>
                             <p:nvGrpSpPr>
-                              <p:cNvPr id="10" name="Group 9"/>
+                              <p:cNvPr id="126" name="Group 125"/>
                               <p:cNvGrpSpPr/>
                               <p:nvPr/>
                             </p:nvGrpSpPr>
                             <p:grpSpPr>
                               <a:xfrm>
-                                <a:off x="-300996" y="-175437"/>
-                                <a:ext cx="11081954" cy="6933114"/>
-                                <a:chOff x="-300996" y="-175437"/>
-                                <a:chExt cx="11081954" cy="6933114"/>
+                                <a:off x="-303488" y="-175437"/>
+                                <a:ext cx="11084446" cy="6933114"/>
+                                <a:chOff x="-303488" y="-175437"/>
+                                <a:chExt cx="11084446" cy="6933114"/>
                               </a:xfrm>
                             </p:grpSpPr>
                             <p:grpSp>
                               <p:nvGrpSpPr>
-                                <p:cNvPr id="12" name="Group 11"/>
+                                <p:cNvPr id="128" name="Group 127"/>
                                 <p:cNvGrpSpPr/>
                                 <p:nvPr/>
                               </p:nvGrpSpPr>
                               <p:grpSpPr>
                                 <a:xfrm>
-                                  <a:off x="-300996" y="-175437"/>
-                                  <a:ext cx="11081954" cy="6933114"/>
-                                  <a:chOff x="-300996" y="-175437"/>
-                                  <a:chExt cx="11081954" cy="6933114"/>
+                                  <a:off x="-303488" y="-175437"/>
+                                  <a:ext cx="11084446" cy="6933114"/>
+                                  <a:chOff x="-303488" y="-175437"/>
+                                  <a:chExt cx="11084446" cy="6933114"/>
                                 </a:xfrm>
                               </p:grpSpPr>
                               <p:grpSp>
                                 <p:nvGrpSpPr>
-                                  <p:cNvPr id="14" name="Group 13"/>
+                                  <p:cNvPr id="130" name="Group 129"/>
                                   <p:cNvGrpSpPr/>
                                   <p:nvPr/>
                                 </p:nvGrpSpPr>
                                 <p:grpSpPr>
                                   <a:xfrm>
-                                    <a:off x="-300996" y="-175437"/>
-                                    <a:ext cx="11081954" cy="6933114"/>
-                                    <a:chOff x="-300996" y="-175437"/>
-                                    <a:chExt cx="11081954" cy="6933114"/>
+                                    <a:off x="-303488" y="-175437"/>
+                                    <a:ext cx="11084446" cy="6933114"/>
+                                    <a:chOff x="-303488" y="-175437"/>
+                                    <a:chExt cx="11084446" cy="6933114"/>
                                   </a:xfrm>
                                 </p:grpSpPr>
                                 <p:grpSp>
                                   <p:nvGrpSpPr>
-                                    <p:cNvPr id="16" name="Group 15"/>
+                                    <p:cNvPr id="132" name="Group 131"/>
                                     <p:cNvGrpSpPr/>
                                     <p:nvPr/>
                                   </p:nvGrpSpPr>
                                   <p:grpSpPr>
                                     <a:xfrm>
-                                      <a:off x="-300996" y="-175437"/>
-                                      <a:ext cx="11081954" cy="6933114"/>
-                                      <a:chOff x="-300996" y="-175437"/>
-                                      <a:chExt cx="11081954" cy="6933114"/>
+                                      <a:off x="-303488" y="-175437"/>
+                                      <a:ext cx="11084446" cy="6933114"/>
+                                      <a:chOff x="-303488" y="-175437"/>
+                                      <a:chExt cx="11084446" cy="6933114"/>
                                     </a:xfrm>
                                   </p:grpSpPr>
                                   <p:grpSp>
                                     <p:nvGrpSpPr>
-                                      <p:cNvPr id="18" name="Group 17"/>
+                                      <p:cNvPr id="134" name="Group 133"/>
                                       <p:cNvGrpSpPr/>
                                       <p:nvPr/>
                                     </p:nvGrpSpPr>
                                     <p:grpSpPr>
                                       <a:xfrm>
-                                        <a:off x="-300996" y="-175437"/>
-                                        <a:ext cx="11081954" cy="6933114"/>
-                                        <a:chOff x="-300996" y="-175437"/>
-                                        <a:chExt cx="11081954" cy="6933114"/>
+                                        <a:off x="-303488" y="-175437"/>
+                                        <a:ext cx="11084446" cy="6933114"/>
+                                        <a:chOff x="-303488" y="-175437"/>
+                                        <a:chExt cx="11084446" cy="6933114"/>
                                       </a:xfrm>
                                     </p:grpSpPr>
                                     <p:grpSp>
                                       <p:nvGrpSpPr>
-                                        <p:cNvPr id="20" name="Group 19"/>
+                                        <p:cNvPr id="136" name="Group 135"/>
                                         <p:cNvGrpSpPr/>
                                         <p:nvPr/>
                                       </p:nvGrpSpPr>
                                       <p:grpSpPr>
                                         <a:xfrm>
-                                          <a:off x="-300996" y="-175437"/>
-                                          <a:ext cx="11081954" cy="6933114"/>
-                                          <a:chOff x="-300996" y="-175437"/>
-                                          <a:chExt cx="11081954" cy="6933114"/>
+                                          <a:off x="-303488" y="-175437"/>
+                                          <a:ext cx="11084446" cy="6933114"/>
+                                          <a:chOff x="-303488" y="-175437"/>
+                                          <a:chExt cx="11084446" cy="6933114"/>
                                         </a:xfrm>
                                       </p:grpSpPr>
                                       <p:grpSp>
                                         <p:nvGrpSpPr>
-                                          <p:cNvPr id="22" name="Group 21"/>
+                                          <p:cNvPr id="138" name="Group 137"/>
                                           <p:cNvGrpSpPr/>
                                           <p:nvPr/>
                                         </p:nvGrpSpPr>
                                         <p:grpSpPr>
                                           <a:xfrm>
-                                            <a:off x="-300996" y="-175437"/>
-                                            <a:ext cx="11081954" cy="6933114"/>
-                                            <a:chOff x="-300996" y="-175437"/>
-                                            <a:chExt cx="11081954" cy="6933114"/>
+                                            <a:off x="-303488" y="-175437"/>
+                                            <a:ext cx="11084446" cy="6933114"/>
+                                            <a:chOff x="-303488" y="-175437"/>
+                                            <a:chExt cx="11084446" cy="6933114"/>
                                           </a:xfrm>
                                         </p:grpSpPr>
                                         <p:grpSp>
                                           <p:nvGrpSpPr>
-                                            <p:cNvPr id="24" name="Group 23"/>
+                                            <p:cNvPr id="140" name="Group 139"/>
                                             <p:cNvGrpSpPr/>
                                             <p:nvPr/>
                                           </p:nvGrpSpPr>
                                           <p:grpSpPr>
                                             <a:xfrm>
-                                              <a:off x="-300996" y="-175437"/>
-                                              <a:ext cx="11081954" cy="6933114"/>
-                                              <a:chOff x="-300996" y="-175437"/>
-                                              <a:chExt cx="11081954" cy="6933114"/>
+                                              <a:off x="-303488" y="-175437"/>
+                                              <a:ext cx="11084446" cy="6933114"/>
+                                              <a:chOff x="-303488" y="-175437"/>
+                                              <a:chExt cx="11084446" cy="6933114"/>
                                             </a:xfrm>
                                           </p:grpSpPr>
                                           <p:grpSp>
                                             <p:nvGrpSpPr>
-                                              <p:cNvPr id="26" name="Group 25"/>
+                                              <p:cNvPr id="142" name="Group 141"/>
                                               <p:cNvGrpSpPr/>
                                               <p:nvPr/>
                                             </p:nvGrpSpPr>
                                             <p:grpSpPr>
                                               <a:xfrm>
-                                                <a:off x="-300996" y="-175437"/>
-                                                <a:ext cx="11081954" cy="6933114"/>
-                                                <a:chOff x="-300996" y="-175437"/>
-                                                <a:chExt cx="11081954" cy="6933114"/>
+                                                <a:off x="-303488" y="-175437"/>
+                                                <a:ext cx="11084446" cy="6933114"/>
+                                                <a:chOff x="-303488" y="-175437"/>
+                                                <a:chExt cx="11084446" cy="6933114"/>
                                               </a:xfrm>
                                             </p:grpSpPr>
                                             <p:grpSp>
                                               <p:nvGrpSpPr>
-                                                <p:cNvPr id="28" name="Group 27"/>
+                                                <p:cNvPr id="144" name="Group 143"/>
                                                 <p:cNvGrpSpPr/>
                                                 <p:nvPr/>
                                               </p:nvGrpSpPr>
                                               <p:grpSpPr>
                                                 <a:xfrm>
-                                                  <a:off x="-300996" y="-175437"/>
-                                                  <a:ext cx="11081954" cy="6933114"/>
-                                                  <a:chOff x="-300996" y="-175437"/>
-                                                  <a:chExt cx="11081954" cy="6933114"/>
+                                                  <a:off x="-303488" y="-175437"/>
+                                                  <a:ext cx="11084446" cy="6933114"/>
+                                                  <a:chOff x="-303488" y="-175437"/>
+                                                  <a:chExt cx="11084446" cy="6933114"/>
                                                 </a:xfrm>
                                               </p:grpSpPr>
                                               <p:grpSp>
                                                 <p:nvGrpSpPr>
-                                                  <p:cNvPr id="30" name="Group 29"/>
+                                                  <p:cNvPr id="146" name="Group 145"/>
                                                   <p:cNvGrpSpPr/>
                                                   <p:nvPr/>
                                                 </p:nvGrpSpPr>
                                                 <p:grpSpPr>
                                                   <a:xfrm>
-                                                    <a:off x="-300996" y="-27159"/>
-                                                    <a:ext cx="10314129" cy="6784836"/>
-                                                    <a:chOff x="-300996" y="-27159"/>
-                                                    <a:chExt cx="10314129" cy="6784836"/>
+                                                    <a:off x="-303488" y="-27159"/>
+                                                    <a:ext cx="10316621" cy="6784836"/>
+                                                    <a:chOff x="-303488" y="-27159"/>
+                                                    <a:chExt cx="10316621" cy="6784836"/>
                                                   </a:xfrm>
                                                 </p:grpSpPr>
                                                 <p:grpSp>
                                                   <p:nvGrpSpPr>
-                                                    <p:cNvPr id="32" name="Group 31"/>
+                                                    <p:cNvPr id="152" name="Group 151"/>
                                                     <p:cNvGrpSpPr/>
                                                     <p:nvPr/>
                                                   </p:nvGrpSpPr>
                                                   <p:grpSpPr>
                                                     <a:xfrm>
-                                                      <a:off x="-300996" y="-27159"/>
-                                                      <a:ext cx="10314129" cy="6784836"/>
-                                                      <a:chOff x="-300996" y="-27159"/>
-                                                      <a:chExt cx="10314129" cy="6784836"/>
+                                                      <a:off x="-303488" y="-27159"/>
+                                                      <a:ext cx="10316621" cy="6784836"/>
+                                                      <a:chOff x="-303488" y="-27159"/>
+                                                      <a:chExt cx="10316621" cy="6784836"/>
                                                     </a:xfrm>
                                                   </p:grpSpPr>
                                                   <p:grpSp>
                                                     <p:nvGrpSpPr>
-                                                      <p:cNvPr id="36" name="Group 35"/>
+                                                      <p:cNvPr id="156" name="Group 155"/>
                                                       <p:cNvGrpSpPr/>
                                                       <p:nvPr/>
                                                     </p:nvGrpSpPr>
                                                     <p:grpSpPr>
                                                       <a:xfrm>
-                                                        <a:off x="-300996" y="-27159"/>
-                                                        <a:ext cx="10314129" cy="6784836"/>
-                                                        <a:chOff x="-300996" y="-27159"/>
-                                                        <a:chExt cx="10314129" cy="6784836"/>
+                                                        <a:off x="-303488" y="-27159"/>
+                                                        <a:ext cx="10316621" cy="6343239"/>
+                                                        <a:chOff x="-2376732" y="0"/>
+                                                        <a:chExt cx="10316621" cy="6343239"/>
                                                       </a:xfrm>
                                                     </p:grpSpPr>
                                                     <p:grpSp>
                                                       <p:nvGrpSpPr>
-                                                        <p:cNvPr id="40" name="Group 39"/>
+                                                        <p:cNvPr id="158" name="Group 157"/>
                                                         <p:cNvGrpSpPr/>
                                                         <p:nvPr/>
                                                       </p:nvGrpSpPr>
                                                       <p:grpSpPr>
                                                         <a:xfrm>
-                                                          <a:off x="-300996" y="-27159"/>
-                                                          <a:ext cx="10314129" cy="6343239"/>
-                                                          <a:chOff x="-2374240" y="0"/>
-                                                          <a:chExt cx="10314129" cy="6343239"/>
+                                                          <a:off x="-2376732" y="468740"/>
+                                                          <a:ext cx="9915314" cy="5874499"/>
+                                                          <a:chOff x="-3019961" y="-76129"/>
+                                                          <a:chExt cx="10865216" cy="6375469"/>
                                                         </a:xfrm>
                                                       </p:grpSpPr>
                                                       <p:grpSp>
                                                         <p:nvGrpSpPr>
-                                                          <p:cNvPr id="42" name="Group 41"/>
+                                                          <p:cNvPr id="160" name="Group 159"/>
                                                           <p:cNvGrpSpPr/>
                                                           <p:nvPr/>
                                                         </p:nvGrpSpPr>
                                                         <p:grpSpPr>
                                                           <a:xfrm>
-                                                            <a:off x="-2374240" y="468740"/>
-                                                            <a:ext cx="9912822" cy="5874499"/>
-                                                            <a:chOff x="-3017230" y="-76129"/>
-                                                            <a:chExt cx="10862485" cy="6375469"/>
+                                                            <a:off x="-3019961" y="137499"/>
+                                                            <a:ext cx="10005362" cy="6161841"/>
+                                                            <a:chOff x="-3019961" y="137499"/>
+                                                            <a:chExt cx="10005362" cy="6161841"/>
                                                           </a:xfrm>
                                                         </p:grpSpPr>
+                                                        <p:sp>
+                                                          <p:nvSpPr>
+                                                            <p:cNvPr id="167" name="Rectangle 7"/>
+                                                            <p:cNvSpPr/>
+                                                            <p:nvPr/>
+                                                          </p:nvSpPr>
+                                                          <p:spPr>
+                                                            <a:xfrm rot="9000000">
+                                                              <a:off x="3946184" y="1340658"/>
+                                                              <a:ext cx="1926920" cy="527189"/>
+                                                            </a:xfrm>
+                                                            <a:custGeom>
+                                                              <a:avLst/>
+                                                              <a:gdLst>
+                                                                <a:gd name="connsiteX0" fmla="*/ 0 w 2409568"/>
+                                                                <a:gd name="connsiteY0" fmla="*/ 0 h 633075"/>
+                                                                <a:gd name="connsiteX1" fmla="*/ 2409568 w 2409568"/>
+                                                                <a:gd name="connsiteY1" fmla="*/ 0 h 633075"/>
+                                                                <a:gd name="connsiteX2" fmla="*/ 2409568 w 2409568"/>
+                                                                <a:gd name="connsiteY2" fmla="*/ 633075 h 633075"/>
+                                                                <a:gd name="connsiteX3" fmla="*/ 0 w 2409568"/>
+                                                                <a:gd name="connsiteY3" fmla="*/ 633075 h 633075"/>
+                                                                <a:gd name="connsiteX4" fmla="*/ 0 w 2409568"/>
+                                                                <a:gd name="connsiteY4" fmla="*/ 0 h 633075"/>
+                                                                <a:gd name="connsiteX0" fmla="*/ 325646 w 2735214"/>
+                                                                <a:gd name="connsiteY0" fmla="*/ 0 h 640217"/>
+                                                                <a:gd name="connsiteX1" fmla="*/ 2735214 w 2735214"/>
+                                                                <a:gd name="connsiteY1" fmla="*/ 0 h 640217"/>
+                                                                <a:gd name="connsiteX2" fmla="*/ 2735214 w 2735214"/>
+                                                                <a:gd name="connsiteY2" fmla="*/ 633075 h 640217"/>
+                                                                <a:gd name="connsiteX3" fmla="*/ 0 w 2735214"/>
+                                                                <a:gd name="connsiteY3" fmla="*/ 640217 h 640217"/>
+                                                                <a:gd name="connsiteX4" fmla="*/ 325646 w 2735214"/>
+                                                                <a:gd name="connsiteY4" fmla="*/ 0 h 640217"/>
+                                                                <a:gd name="connsiteX0" fmla="*/ 325646 w 2735214"/>
+                                                                <a:gd name="connsiteY0" fmla="*/ 0 h 640217"/>
+                                                                <a:gd name="connsiteX1" fmla="*/ 2703341 w 2735214"/>
+                                                                <a:gd name="connsiteY1" fmla="*/ 9139 h 640217"/>
+                                                                <a:gd name="connsiteX2" fmla="*/ 2735214 w 2735214"/>
+                                                                <a:gd name="connsiteY2" fmla="*/ 633075 h 640217"/>
+                                                                <a:gd name="connsiteX3" fmla="*/ 0 w 2735214"/>
+                                                                <a:gd name="connsiteY3" fmla="*/ 640217 h 640217"/>
+                                                                <a:gd name="connsiteX4" fmla="*/ 325646 w 2735214"/>
+                                                                <a:gd name="connsiteY4" fmla="*/ 0 h 640217"/>
+                                                                <a:gd name="connsiteX0" fmla="*/ 325646 w 2745467"/>
+                                                                <a:gd name="connsiteY0" fmla="*/ 0 h 640217"/>
+                                                                <a:gd name="connsiteX1" fmla="*/ 2745467 w 2745467"/>
+                                                                <a:gd name="connsiteY1" fmla="*/ 5683 h 640217"/>
+                                                                <a:gd name="connsiteX2" fmla="*/ 2735214 w 2745467"/>
+                                                                <a:gd name="connsiteY2" fmla="*/ 633075 h 640217"/>
+                                                                <a:gd name="connsiteX3" fmla="*/ 0 w 2745467"/>
+                                                                <a:gd name="connsiteY3" fmla="*/ 640217 h 640217"/>
+                                                                <a:gd name="connsiteX4" fmla="*/ 325646 w 2745467"/>
+                                                                <a:gd name="connsiteY4" fmla="*/ 0 h 640217"/>
+                                                                <a:gd name="connsiteX0" fmla="*/ 423511 w 2843332"/>
+                                                                <a:gd name="connsiteY0" fmla="*/ 0 h 663088"/>
+                                                                <a:gd name="connsiteX1" fmla="*/ 2843332 w 2843332"/>
+                                                                <a:gd name="connsiteY1" fmla="*/ 5683 h 663088"/>
+                                                                <a:gd name="connsiteX2" fmla="*/ 2833079 w 2843332"/>
+                                                                <a:gd name="connsiteY2" fmla="*/ 633075 h 663088"/>
+                                                                <a:gd name="connsiteX3" fmla="*/ 0 w 2843332"/>
+                                                                <a:gd name="connsiteY3" fmla="*/ 663088 h 663088"/>
+                                                                <a:gd name="connsiteX4" fmla="*/ 423511 w 2843332"/>
+                                                                <a:gd name="connsiteY4" fmla="*/ 0 h 663088"/>
+                                                                <a:gd name="connsiteX0" fmla="*/ 488636 w 2908457"/>
+                                                                <a:gd name="connsiteY0" fmla="*/ 0 h 660103"/>
+                                                                <a:gd name="connsiteX1" fmla="*/ 2908457 w 2908457"/>
+                                                                <a:gd name="connsiteY1" fmla="*/ 5683 h 660103"/>
+                                                                <a:gd name="connsiteX2" fmla="*/ 2898204 w 2908457"/>
+                                                                <a:gd name="connsiteY2" fmla="*/ 633075 h 660103"/>
+                                                                <a:gd name="connsiteX3" fmla="*/ 0 w 2908457"/>
+                                                                <a:gd name="connsiteY3" fmla="*/ 660103 h 660103"/>
+                                                                <a:gd name="connsiteX4" fmla="*/ 488636 w 2908457"/>
+                                                                <a:gd name="connsiteY4" fmla="*/ 0 h 660103"/>
+                                                                <a:gd name="connsiteX0" fmla="*/ 0 w 2419821"/>
+                                                                <a:gd name="connsiteY0" fmla="*/ 0 h 647051"/>
+                                                                <a:gd name="connsiteX1" fmla="*/ 2419821 w 2419821"/>
+                                                                <a:gd name="connsiteY1" fmla="*/ 5683 h 647051"/>
+                                                                <a:gd name="connsiteX2" fmla="*/ 2409568 w 2419821"/>
+                                                                <a:gd name="connsiteY2" fmla="*/ 633075 h 647051"/>
+                                                                <a:gd name="connsiteX3" fmla="*/ 123556 w 2419821"/>
+                                                                <a:gd name="connsiteY3" fmla="*/ 647052 h 647051"/>
+                                                                <a:gd name="connsiteX4" fmla="*/ 0 w 2419821"/>
+                                                                <a:gd name="connsiteY4" fmla="*/ 0 h 647051"/>
+                                                                <a:gd name="connsiteX0" fmla="*/ 0 w 2409568"/>
+                                                                <a:gd name="connsiteY0" fmla="*/ 0 h 647052"/>
+                                                                <a:gd name="connsiteX1" fmla="*/ 2369604 w 2409568"/>
+                                                                <a:gd name="connsiteY1" fmla="*/ 2955 h 647052"/>
+                                                                <a:gd name="connsiteX2" fmla="*/ 2409568 w 2409568"/>
+                                                                <a:gd name="connsiteY2" fmla="*/ 633075 h 647052"/>
+                                                                <a:gd name="connsiteX3" fmla="*/ 123556 w 2409568"/>
+                                                                <a:gd name="connsiteY3" fmla="*/ 647052 h 647052"/>
+                                                                <a:gd name="connsiteX4" fmla="*/ 0 w 2409568"/>
+                                                                <a:gd name="connsiteY4" fmla="*/ 0 h 647052"/>
+                                                                <a:gd name="connsiteX0" fmla="*/ 0 w 2409568"/>
+                                                                <a:gd name="connsiteY0" fmla="*/ 0 h 647052"/>
+                                                                <a:gd name="connsiteX1" fmla="*/ 2352731 w 2409568"/>
+                                                                <a:gd name="connsiteY1" fmla="*/ 31924 h 647052"/>
+                                                                <a:gd name="connsiteX2" fmla="*/ 2409568 w 2409568"/>
+                                                                <a:gd name="connsiteY2" fmla="*/ 633075 h 647052"/>
+                                                                <a:gd name="connsiteX3" fmla="*/ 123556 w 2409568"/>
+                                                                <a:gd name="connsiteY3" fmla="*/ 647052 h 647052"/>
+                                                                <a:gd name="connsiteX4" fmla="*/ 0 w 2409568"/>
+                                                                <a:gd name="connsiteY4" fmla="*/ 0 h 647052"/>
+                                                                <a:gd name="connsiteX0" fmla="*/ 0 w 2409568"/>
+                                                                <a:gd name="connsiteY0" fmla="*/ 1523 h 648575"/>
+                                                                <a:gd name="connsiteX1" fmla="*/ 2294281 w 2409568"/>
+                                                                <a:gd name="connsiteY1" fmla="*/ 0 h 648575"/>
+                                                                <a:gd name="connsiteX2" fmla="*/ 2409568 w 2409568"/>
+                                                                <a:gd name="connsiteY2" fmla="*/ 634598 h 648575"/>
+                                                                <a:gd name="connsiteX3" fmla="*/ 123556 w 2409568"/>
+                                                                <a:gd name="connsiteY3" fmla="*/ 648575 h 648575"/>
+                                                                <a:gd name="connsiteX4" fmla="*/ 0 w 2409568"/>
+                                                                <a:gd name="connsiteY4" fmla="*/ 1523 h 648575"/>
+                                                                <a:gd name="connsiteX0" fmla="*/ 0 w 2409568"/>
+                                                                <a:gd name="connsiteY0" fmla="*/ 12273 h 659325"/>
+                                                                <a:gd name="connsiteX1" fmla="*/ 2365490 w 2409568"/>
+                                                                <a:gd name="connsiteY1" fmla="*/ 0 h 659325"/>
+                                                                <a:gd name="connsiteX2" fmla="*/ 2409568 w 2409568"/>
+                                                                <a:gd name="connsiteY2" fmla="*/ 645348 h 659325"/>
+                                                                <a:gd name="connsiteX3" fmla="*/ 123556 w 2409568"/>
+                                                                <a:gd name="connsiteY3" fmla="*/ 659325 h 659325"/>
+                                                                <a:gd name="connsiteX4" fmla="*/ 0 w 2409568"/>
+                                                                <a:gd name="connsiteY4" fmla="*/ 12273 h 659325"/>
+                                                                <a:gd name="connsiteX0" fmla="*/ 0 w 2409568"/>
+                                                                <a:gd name="connsiteY0" fmla="*/ 12273 h 656340"/>
+                                                                <a:gd name="connsiteX1" fmla="*/ 2365490 w 2409568"/>
+                                                                <a:gd name="connsiteY1" fmla="*/ 0 h 656340"/>
+                                                                <a:gd name="connsiteX2" fmla="*/ 2409568 w 2409568"/>
+                                                                <a:gd name="connsiteY2" fmla="*/ 645348 h 656340"/>
+                                                                <a:gd name="connsiteX3" fmla="*/ 73338 w 2409568"/>
+                                                                <a:gd name="connsiteY3" fmla="*/ 656340 h 656340"/>
+                                                                <a:gd name="connsiteX4" fmla="*/ 0 w 2409568"/>
+                                                                <a:gd name="connsiteY4" fmla="*/ 12273 h 656340"/>
+                                                                <a:gd name="connsiteX0" fmla="*/ 0 w 2409568"/>
+                                                                <a:gd name="connsiteY0" fmla="*/ 4111 h 648178"/>
+                                                                <a:gd name="connsiteX1" fmla="*/ 2334759 w 2409568"/>
+                                                                <a:gd name="connsiteY1" fmla="*/ 1 h 648178"/>
+                                                                <a:gd name="connsiteX2" fmla="*/ 2409568 w 2409568"/>
+                                                                <a:gd name="connsiteY2" fmla="*/ 637186 h 648178"/>
+                                                                <a:gd name="connsiteX3" fmla="*/ 73338 w 2409568"/>
+                                                                <a:gd name="connsiteY3" fmla="*/ 648178 h 648178"/>
+                                                                <a:gd name="connsiteX4" fmla="*/ 0 w 2409568"/>
+                                                                <a:gd name="connsiteY4" fmla="*/ 4111 h 648178"/>
+                                                                <a:gd name="connsiteX0" fmla="*/ 1 w 2463903"/>
+                                                                <a:gd name="connsiteY0" fmla="*/ 0 h 662285"/>
+                                                                <a:gd name="connsiteX1" fmla="*/ 2389094 w 2463903"/>
+                                                                <a:gd name="connsiteY1" fmla="*/ 14108 h 662285"/>
+                                                                <a:gd name="connsiteX2" fmla="*/ 2463903 w 2463903"/>
+                                                                <a:gd name="connsiteY2" fmla="*/ 651293 h 662285"/>
+                                                                <a:gd name="connsiteX3" fmla="*/ 127673 w 2463903"/>
+                                                                <a:gd name="connsiteY3" fmla="*/ 662285 h 662285"/>
+                                                                <a:gd name="connsiteX4" fmla="*/ 1 w 2463903"/>
+                                                                <a:gd name="connsiteY4" fmla="*/ 0 h 662285"/>
+                                                                <a:gd name="connsiteX0" fmla="*/ 0 w 2463902"/>
+                                                                <a:gd name="connsiteY0" fmla="*/ 0 h 657804"/>
+                                                                <a:gd name="connsiteX1" fmla="*/ 2389093 w 2463902"/>
+                                                                <a:gd name="connsiteY1" fmla="*/ 14108 h 657804"/>
+                                                                <a:gd name="connsiteX2" fmla="*/ 2463902 w 2463902"/>
+                                                                <a:gd name="connsiteY2" fmla="*/ 651293 h 657804"/>
+                                                                <a:gd name="connsiteX3" fmla="*/ 52348 w 2463902"/>
+                                                                <a:gd name="connsiteY3" fmla="*/ 657803 h 657804"/>
+                                                                <a:gd name="connsiteX4" fmla="*/ 0 w 2463902"/>
+                                                                <a:gd name="connsiteY4" fmla="*/ 0 h 657804"/>
+                                                                <a:gd name="connsiteX0" fmla="*/ 0 w 2463902"/>
+                                                                <a:gd name="connsiteY0" fmla="*/ 0 h 663779"/>
+                                                                <a:gd name="connsiteX1" fmla="*/ 2389093 w 2463902"/>
+                                                                <a:gd name="connsiteY1" fmla="*/ 14108 h 663779"/>
+                                                                <a:gd name="connsiteX2" fmla="*/ 2463902 w 2463902"/>
+                                                                <a:gd name="connsiteY2" fmla="*/ 651293 h 663779"/>
+                                                                <a:gd name="connsiteX3" fmla="*/ 152780 w 2463902"/>
+                                                                <a:gd name="connsiteY3" fmla="*/ 663779 h 663779"/>
+                                                                <a:gd name="connsiteX4" fmla="*/ 0 w 2463902"/>
+                                                                <a:gd name="connsiteY4" fmla="*/ 0 h 663779"/>
+                                                                <a:gd name="connsiteX0" fmla="*/ 0 w 2423426"/>
+                                                                <a:gd name="connsiteY0" fmla="*/ 0 h 666366"/>
+                                                                <a:gd name="connsiteX1" fmla="*/ 2348617 w 2423426"/>
+                                                                <a:gd name="connsiteY1" fmla="*/ 16695 h 666366"/>
+                                                                <a:gd name="connsiteX2" fmla="*/ 2423426 w 2423426"/>
+                                                                <a:gd name="connsiteY2" fmla="*/ 653880 h 666366"/>
+                                                                <a:gd name="connsiteX3" fmla="*/ 112304 w 2423426"/>
+                                                                <a:gd name="connsiteY3" fmla="*/ 666366 h 666366"/>
+                                                                <a:gd name="connsiteX4" fmla="*/ 0 w 2423426"/>
+                                                                <a:gd name="connsiteY4" fmla="*/ 0 h 666366"/>
+                                                                <a:gd name="connsiteX0" fmla="*/ 0 w 2394201"/>
+                                                                <a:gd name="connsiteY0" fmla="*/ 28 h 649670"/>
+                                                                <a:gd name="connsiteX1" fmla="*/ 2319392 w 2394201"/>
+                                                                <a:gd name="connsiteY1" fmla="*/ -1 h 649670"/>
+                                                                <a:gd name="connsiteX2" fmla="*/ 2394201 w 2394201"/>
+                                                                <a:gd name="connsiteY2" fmla="*/ 637184 h 649670"/>
+                                                                <a:gd name="connsiteX3" fmla="*/ 83079 w 2394201"/>
+                                                                <a:gd name="connsiteY3" fmla="*/ 649670 h 649670"/>
+                                                                <a:gd name="connsiteX4" fmla="*/ 0 w 2394201"/>
+                                                                <a:gd name="connsiteY4" fmla="*/ 28 h 649670"/>
+                                                                <a:gd name="connsiteX0" fmla="*/ 0 w 2394201"/>
+                                                                <a:gd name="connsiteY0" fmla="*/ 2837 h 652479"/>
+                                                                <a:gd name="connsiteX1" fmla="*/ 2363744 w 2394201"/>
+                                                                <a:gd name="connsiteY1" fmla="*/ 0 h 652479"/>
+                                                                <a:gd name="connsiteX2" fmla="*/ 2394201 w 2394201"/>
+                                                                <a:gd name="connsiteY2" fmla="*/ 639993 h 652479"/>
+                                                                <a:gd name="connsiteX3" fmla="*/ 83079 w 2394201"/>
+                                                                <a:gd name="connsiteY3" fmla="*/ 652479 h 652479"/>
+                                                                <a:gd name="connsiteX4" fmla="*/ 0 w 2394201"/>
+                                                                <a:gd name="connsiteY4" fmla="*/ 2837 h 652479"/>
+                                                                <a:gd name="connsiteX0" fmla="*/ 0 w 2394201"/>
+                                                                <a:gd name="connsiteY0" fmla="*/ 2837 h 649237"/>
+                                                                <a:gd name="connsiteX1" fmla="*/ 2363744 w 2394201"/>
+                                                                <a:gd name="connsiteY1" fmla="*/ 0 h 649237"/>
+                                                                <a:gd name="connsiteX2" fmla="*/ 2394201 w 2394201"/>
+                                                                <a:gd name="connsiteY2" fmla="*/ 639993 h 649237"/>
+                                                                <a:gd name="connsiteX3" fmla="*/ 28052 w 2394201"/>
+                                                                <a:gd name="connsiteY3" fmla="*/ 649237 h 649237"/>
+                                                                <a:gd name="connsiteX4" fmla="*/ 0 w 2394201"/>
+                                                                <a:gd name="connsiteY4" fmla="*/ 2837 h 649237"/>
+                                                              </a:gdLst>
+                                                              <a:ahLst/>
+                                                              <a:cxnLst>
+                                                                <a:cxn ang="0">
+                                                                  <a:pos x="connsiteX0" y="connsiteY0"/>
+                                                                </a:cxn>
+                                                                <a:cxn ang="0">
+                                                                  <a:pos x="connsiteX1" y="connsiteY1"/>
+                                                                </a:cxn>
+                                                                <a:cxn ang="0">
+                                                                  <a:pos x="connsiteX2" y="connsiteY2"/>
+                                                                </a:cxn>
+                                                                <a:cxn ang="0">
+                                                                  <a:pos x="connsiteX3" y="connsiteY3"/>
+                                                                </a:cxn>
+                                                                <a:cxn ang="0">
+                                                                  <a:pos x="connsiteX4" y="connsiteY4"/>
+                                                                </a:cxn>
+                                                              </a:cxnLst>
+                                                              <a:rect l="l" t="t" r="r" b="b"/>
+                                                              <a:pathLst>
+                                                                <a:path w="2394201" h="649237">
+                                                                  <a:moveTo>
+                                                                    <a:pt x="0" y="2837"/>
+                                                                  </a:moveTo>
+                                                                  <a:lnTo>
+                                                                    <a:pt x="2363744" y="0"/>
+                                                                  </a:lnTo>
+                                                                  <a:lnTo>
+                                                                    <a:pt x="2394201" y="639993"/>
+                                                                  </a:lnTo>
+                                                                  <a:lnTo>
+                                                                    <a:pt x="28052" y="649237"/>
+                                                                  </a:lnTo>
+                                                                  <a:lnTo>
+                                                                    <a:pt x="0" y="2837"/>
+                                                                  </a:lnTo>
+                                                                  <a:close/>
+                                                                </a:path>
+                                                              </a:pathLst>
+                                                            </a:custGeom>
+                                                            <a:solidFill>
+                                                              <a:srgbClr val="00B050"/>
+                                                            </a:solidFill>
+                                                            <a:ln>
+                                                              <a:noFill/>
+                                                            </a:ln>
+                                                          </p:spPr>
+                                                          <p:style>
+                                                            <a:lnRef idx="2">
+                                                              <a:schemeClr val="accent1">
+                                                                <a:shade val="50000"/>
+                                                              </a:schemeClr>
+                                                            </a:lnRef>
+                                                            <a:fillRef idx="1">
+                                                              <a:schemeClr val="accent1"/>
+                                                            </a:fillRef>
+                                                            <a:effectRef idx="0">
+                                                              <a:schemeClr val="accent1"/>
+                                                            </a:effectRef>
+                                                            <a:fontRef idx="minor">
+                                                              <a:schemeClr val="lt1"/>
+                                                            </a:fontRef>
+                                                          </p:style>
+                                                          <p:txBody>
+                                                            <a:bodyPr rtlCol="0" anchor="ctr"/>
+                                                            <a:lstStyle/>
+                                                            <a:p>
+                                                              <a:pPr algn="ctr"/>
+                                                              <a:endParaRPr lang="nb-NO" sz="1400" dirty="0"/>
+                                                            </a:p>
+                                                          </p:txBody>
+                                                        </p:sp>
                                                         <p:grpSp>
                                                           <p:nvGrpSpPr>
-                                                            <p:cNvPr id="44" name="Group 43"/>
+                                                            <p:cNvPr id="168" name="Group 167"/>
                                                             <p:cNvGrpSpPr/>
                                                             <p:nvPr/>
                                                           </p:nvGrpSpPr>
                                                           <p:grpSpPr>
                                                             <a:xfrm>
-                                                              <a:off x="-3017230" y="137499"/>
-                                                              <a:ext cx="10002631" cy="6161841"/>
-                                                              <a:chOff x="-3017230" y="137499"/>
-                                                              <a:chExt cx="10002631" cy="6161841"/>
+                                                              <a:off x="-3019961" y="137499"/>
+                                                              <a:ext cx="10005362" cy="6161841"/>
+                                                              <a:chOff x="-2947533" y="-383074"/>
+                                                              <a:chExt cx="10005362" cy="6161841"/>
                                                             </a:xfrm>
                                                           </p:grpSpPr>
                                                           <p:sp>
                                                             <p:nvSpPr>
-                                                              <p:cNvPr id="52" name="Rectangle 7"/>
+                                                              <p:cNvPr id="169" name="Rectangle 168"/>
+                                                              <p:cNvSpPr/>
+                                                              <p:nvPr/>
+                                                            </p:nvSpPr>
+                                                            <p:spPr>
+                                                              <a:xfrm>
+                                                                <a:off x="3471140" y="2500378"/>
+                                                                <a:ext cx="487826" cy="388177"/>
+                                                              </a:xfrm>
+                                                              <a:prstGeom prst="rect">
+                                                                <a:avLst/>
+                                                              </a:prstGeom>
+                                                            </p:spPr>
+                                                            <p:txBody>
+                                                              <a:bodyPr wrap="none">
+                                                                <a:spAutoFit/>
+                                                              </a:bodyPr>
+                                                              <a:lstStyle/>
+                                                              <a:p>
+                                                                <a:pPr algn="ctr"/>
+                                                                <a:r>
+                                                                  <a:rPr lang="nb-NO" sz="1400" dirty="0" smtClean="0"/>
+                                                                  <a:t>R2</a:t>
+                                                                </a:r>
+                                                                <a:endParaRPr lang="nb-NO" sz="1400" dirty="0"/>
+                                                              </a:p>
+                                                            </p:txBody>
+                                                          </p:sp>
+                                                          <p:sp>
+                                                            <p:nvSpPr>
+                                                              <p:cNvPr id="170" name="TextBox 169"/>
+                                                              <p:cNvSpPr txBox="1"/>
+                                                              <p:nvPr/>
+                                                            </p:nvSpPr>
+                                                            <p:spPr>
+                                                              <a:xfrm>
+                                                                <a:off x="2914110" y="3182644"/>
+                                                                <a:ext cx="241069" cy="388177"/>
+                                                              </a:xfrm>
+                                                              <a:prstGeom prst="rect">
+                                                                <a:avLst/>
+                                                              </a:prstGeom>
+                                                              <a:noFill/>
+                                                            </p:spPr>
+                                                            <p:txBody>
+                                                              <a:bodyPr wrap="none" rtlCol="0">
+                                                                <a:spAutoFit/>
+                                                              </a:bodyPr>
+                                                              <a:lstStyle/>
+                                                              <a:p>
+                                                                <a:endParaRPr lang="nb-NO" sz="1400" dirty="0"/>
+                                                              </a:p>
+                                                            </p:txBody>
+                                                          </p:sp>
+                                                          <p:cxnSp>
+                                                            <p:nvCxnSpPr>
+                                                              <p:cNvPr id="171" name="Straight Connector 170"/>
+                                                              <p:cNvCxnSpPr/>
+                                                              <p:nvPr/>
+                                                            </p:nvCxnSpPr>
+                                                            <p:spPr>
+                                                              <a:xfrm>
+                                                                <a:off x="3538989" y="705621"/>
+                                                                <a:ext cx="2162214" cy="2988193"/>
+                                                              </a:xfrm>
+                                                              <a:prstGeom prst="line">
+                                                                <a:avLst/>
+                                                              </a:prstGeom>
+                                                            </p:spPr>
+                                                            <p:style>
+                                                              <a:lnRef idx="3">
+                                                                <a:schemeClr val="dk1"/>
+                                                              </a:lnRef>
+                                                              <a:fillRef idx="0">
+                                                                <a:schemeClr val="dk1"/>
+                                                              </a:fillRef>
+                                                              <a:effectRef idx="2">
+                                                                <a:schemeClr val="dk1"/>
+                                                              </a:effectRef>
+                                                              <a:fontRef idx="minor">
+                                                                <a:schemeClr val="tx1"/>
+                                                              </a:fontRef>
+                                                            </p:style>
+                                                          </p:cxnSp>
+                                                          <p:sp>
+                                                            <p:nvSpPr>
+                                                              <p:cNvPr id="172" name="Rectangle 7"/>
+                                                              <p:cNvSpPr/>
+                                                              <p:nvPr/>
+                                                            </p:nvSpPr>
+                                                            <p:spPr>
+                                                              <a:xfrm rot="19740000">
+                                                                <a:off x="-2947533" y="4519227"/>
+                                                                <a:ext cx="6473350" cy="699169"/>
+                                                              </a:xfrm>
+                                                              <a:custGeom>
+                                                                <a:avLst/>
+                                                                <a:gdLst>
+                                                                  <a:gd name="connsiteX0" fmla="*/ 0 w 2409568"/>
+                                                                  <a:gd name="connsiteY0" fmla="*/ 0 h 633075"/>
+                                                                  <a:gd name="connsiteX1" fmla="*/ 2409568 w 2409568"/>
+                                                                  <a:gd name="connsiteY1" fmla="*/ 0 h 633075"/>
+                                                                  <a:gd name="connsiteX2" fmla="*/ 2409568 w 2409568"/>
+                                                                  <a:gd name="connsiteY2" fmla="*/ 633075 h 633075"/>
+                                                                  <a:gd name="connsiteX3" fmla="*/ 0 w 2409568"/>
+                                                                  <a:gd name="connsiteY3" fmla="*/ 633075 h 633075"/>
+                                                                  <a:gd name="connsiteX4" fmla="*/ 0 w 2409568"/>
+                                                                  <a:gd name="connsiteY4" fmla="*/ 0 h 633075"/>
+                                                                  <a:gd name="connsiteX0" fmla="*/ 325646 w 2735214"/>
+                                                                  <a:gd name="connsiteY0" fmla="*/ 0 h 640217"/>
+                                                                  <a:gd name="connsiteX1" fmla="*/ 2735214 w 2735214"/>
+                                                                  <a:gd name="connsiteY1" fmla="*/ 0 h 640217"/>
+                                                                  <a:gd name="connsiteX2" fmla="*/ 2735214 w 2735214"/>
+                                                                  <a:gd name="connsiteY2" fmla="*/ 633075 h 640217"/>
+                                                                  <a:gd name="connsiteX3" fmla="*/ 0 w 2735214"/>
+                                                                  <a:gd name="connsiteY3" fmla="*/ 640217 h 640217"/>
+                                                                  <a:gd name="connsiteX4" fmla="*/ 325646 w 2735214"/>
+                                                                  <a:gd name="connsiteY4" fmla="*/ 0 h 640217"/>
+                                                                  <a:gd name="connsiteX0" fmla="*/ 325646 w 2735214"/>
+                                                                  <a:gd name="connsiteY0" fmla="*/ 0 h 640217"/>
+                                                                  <a:gd name="connsiteX1" fmla="*/ 2703341 w 2735214"/>
+                                                                  <a:gd name="connsiteY1" fmla="*/ 9139 h 640217"/>
+                                                                  <a:gd name="connsiteX2" fmla="*/ 2735214 w 2735214"/>
+                                                                  <a:gd name="connsiteY2" fmla="*/ 633075 h 640217"/>
+                                                                  <a:gd name="connsiteX3" fmla="*/ 0 w 2735214"/>
+                                                                  <a:gd name="connsiteY3" fmla="*/ 640217 h 640217"/>
+                                                                  <a:gd name="connsiteX4" fmla="*/ 325646 w 2735214"/>
+                                                                  <a:gd name="connsiteY4" fmla="*/ 0 h 640217"/>
+                                                                  <a:gd name="connsiteX0" fmla="*/ 325646 w 2745467"/>
+                                                                  <a:gd name="connsiteY0" fmla="*/ 0 h 640217"/>
+                                                                  <a:gd name="connsiteX1" fmla="*/ 2745467 w 2745467"/>
+                                                                  <a:gd name="connsiteY1" fmla="*/ 5683 h 640217"/>
+                                                                  <a:gd name="connsiteX2" fmla="*/ 2735214 w 2745467"/>
+                                                                  <a:gd name="connsiteY2" fmla="*/ 633075 h 640217"/>
+                                                                  <a:gd name="connsiteX3" fmla="*/ 0 w 2745467"/>
+                                                                  <a:gd name="connsiteY3" fmla="*/ 640217 h 640217"/>
+                                                                  <a:gd name="connsiteX4" fmla="*/ 325646 w 2745467"/>
+                                                                  <a:gd name="connsiteY4" fmla="*/ 0 h 640217"/>
+                                                                  <a:gd name="connsiteX0" fmla="*/ 423511 w 2843332"/>
+                                                                  <a:gd name="connsiteY0" fmla="*/ 0 h 663088"/>
+                                                                  <a:gd name="connsiteX1" fmla="*/ 2843332 w 2843332"/>
+                                                                  <a:gd name="connsiteY1" fmla="*/ 5683 h 663088"/>
+                                                                  <a:gd name="connsiteX2" fmla="*/ 2833079 w 2843332"/>
+                                                                  <a:gd name="connsiteY2" fmla="*/ 633075 h 663088"/>
+                                                                  <a:gd name="connsiteX3" fmla="*/ 0 w 2843332"/>
+                                                                  <a:gd name="connsiteY3" fmla="*/ 663088 h 663088"/>
+                                                                  <a:gd name="connsiteX4" fmla="*/ 423511 w 2843332"/>
+                                                                  <a:gd name="connsiteY4" fmla="*/ 0 h 663088"/>
+                                                                  <a:gd name="connsiteX0" fmla="*/ 0 w 2419821"/>
+                                                                  <a:gd name="connsiteY0" fmla="*/ 0 h 680951"/>
+                                                                  <a:gd name="connsiteX1" fmla="*/ 2419821 w 2419821"/>
+                                                                  <a:gd name="connsiteY1" fmla="*/ 5683 h 680951"/>
+                                                                  <a:gd name="connsiteX2" fmla="*/ 2409568 w 2419821"/>
+                                                                  <a:gd name="connsiteY2" fmla="*/ 633075 h 680951"/>
+                                                                  <a:gd name="connsiteX3" fmla="*/ 79828 w 2419821"/>
+                                                                  <a:gd name="connsiteY3" fmla="*/ 680951 h 680951"/>
+                                                                  <a:gd name="connsiteX4" fmla="*/ 0 w 2419821"/>
+                                                                  <a:gd name="connsiteY4" fmla="*/ 0 h 680951"/>
+                                                                  <a:gd name="connsiteX0" fmla="*/ 0 w 2409568"/>
+                                                                  <a:gd name="connsiteY0" fmla="*/ 0 h 680951"/>
+                                                                  <a:gd name="connsiteX1" fmla="*/ 2384585 w 2409568"/>
+                                                                  <a:gd name="connsiteY1" fmla="*/ 7412 h 680951"/>
+                                                                  <a:gd name="connsiteX2" fmla="*/ 2409568 w 2409568"/>
+                                                                  <a:gd name="connsiteY2" fmla="*/ 633075 h 680951"/>
+                                                                  <a:gd name="connsiteX3" fmla="*/ 79828 w 2409568"/>
+                                                                  <a:gd name="connsiteY3" fmla="*/ 680951 h 680951"/>
+                                                                  <a:gd name="connsiteX4" fmla="*/ 0 w 2409568"/>
+                                                                  <a:gd name="connsiteY4" fmla="*/ 0 h 680951"/>
+                                                                  <a:gd name="connsiteX0" fmla="*/ 0 w 2448398"/>
+                                                                  <a:gd name="connsiteY0" fmla="*/ 83701 h 764652"/>
+                                                                  <a:gd name="connsiteX1" fmla="*/ 2448398 w 2448398"/>
+                                                                  <a:gd name="connsiteY1" fmla="*/ 0 h 764652"/>
+                                                                  <a:gd name="connsiteX2" fmla="*/ 2409568 w 2448398"/>
+                                                                  <a:gd name="connsiteY2" fmla="*/ 716776 h 764652"/>
+                                                                  <a:gd name="connsiteX3" fmla="*/ 79828 w 2448398"/>
+                                                                  <a:gd name="connsiteY3" fmla="*/ 764652 h 764652"/>
+                                                                  <a:gd name="connsiteX4" fmla="*/ 0 w 2448398"/>
+                                                                  <a:gd name="connsiteY4" fmla="*/ 83701 h 764652"/>
+                                                                  <a:gd name="connsiteX0" fmla="*/ 0 w 2448398"/>
+                                                                  <a:gd name="connsiteY0" fmla="*/ 83701 h 764652"/>
+                                                                  <a:gd name="connsiteX1" fmla="*/ 2448398 w 2448398"/>
+                                                                  <a:gd name="connsiteY1" fmla="*/ 0 h 764652"/>
+                                                                  <a:gd name="connsiteX2" fmla="*/ 2444803 w 2448398"/>
+                                                                  <a:gd name="connsiteY2" fmla="*/ 715046 h 764652"/>
+                                                                  <a:gd name="connsiteX3" fmla="*/ 79828 w 2448398"/>
+                                                                  <a:gd name="connsiteY3" fmla="*/ 764652 h 764652"/>
+                                                                  <a:gd name="connsiteX4" fmla="*/ 0 w 2448398"/>
+                                                                  <a:gd name="connsiteY4" fmla="*/ 83701 h 764652"/>
+                                                                  <a:gd name="connsiteX0" fmla="*/ 0 w 2485288"/>
+                                                                  <a:gd name="connsiteY0" fmla="*/ 48617 h 764652"/>
+                                                                  <a:gd name="connsiteX1" fmla="*/ 2485288 w 2485288"/>
+                                                                  <a:gd name="connsiteY1" fmla="*/ 0 h 764652"/>
+                                                                  <a:gd name="connsiteX2" fmla="*/ 2481693 w 2485288"/>
+                                                                  <a:gd name="connsiteY2" fmla="*/ 715046 h 764652"/>
+                                                                  <a:gd name="connsiteX3" fmla="*/ 116718 w 2485288"/>
+                                                                  <a:gd name="connsiteY3" fmla="*/ 764652 h 764652"/>
+                                                                  <a:gd name="connsiteX4" fmla="*/ 0 w 2485288"/>
+                                                                  <a:gd name="connsiteY4" fmla="*/ 48617 h 764652"/>
+                                                                  <a:gd name="connsiteX0" fmla="*/ 0 w 2515268"/>
+                                                                  <a:gd name="connsiteY0" fmla="*/ 48617 h 764652"/>
+                                                                  <a:gd name="connsiteX1" fmla="*/ 2485288 w 2515268"/>
+                                                                  <a:gd name="connsiteY1" fmla="*/ 0 h 764652"/>
+                                                                  <a:gd name="connsiteX2" fmla="*/ 2515236 w 2515268"/>
+                                                                  <a:gd name="connsiteY2" fmla="*/ 736105 h 764652"/>
+                                                                  <a:gd name="connsiteX3" fmla="*/ 116718 w 2515268"/>
+                                                                  <a:gd name="connsiteY3" fmla="*/ 764652 h 764652"/>
+                                                                  <a:gd name="connsiteX4" fmla="*/ 0 w 2515268"/>
+                                                                  <a:gd name="connsiteY4" fmla="*/ 48617 h 764652"/>
+                                                                  <a:gd name="connsiteX0" fmla="*/ 0 w 2515268"/>
+                                                                  <a:gd name="connsiteY0" fmla="*/ 48617 h 781751"/>
+                                                                  <a:gd name="connsiteX1" fmla="*/ 2485288 w 2515268"/>
+                                                                  <a:gd name="connsiteY1" fmla="*/ 0 h 781751"/>
+                                                                  <a:gd name="connsiteX2" fmla="*/ 2515236 w 2515268"/>
+                                                                  <a:gd name="connsiteY2" fmla="*/ 736105 h 781751"/>
+                                                                  <a:gd name="connsiteX3" fmla="*/ 96120 w 2515268"/>
+                                                                  <a:gd name="connsiteY3" fmla="*/ 781751 h 781751"/>
+                                                                  <a:gd name="connsiteX4" fmla="*/ 0 w 2515268"/>
+                                                                  <a:gd name="connsiteY4" fmla="*/ 48617 h 781751"/>
+                                                                  <a:gd name="connsiteX0" fmla="*/ 0 w 2448078"/>
+                                                                  <a:gd name="connsiteY0" fmla="*/ 67716 h 781751"/>
+                                                                  <a:gd name="connsiteX1" fmla="*/ 2418098 w 2448078"/>
+                                                                  <a:gd name="connsiteY1" fmla="*/ 0 h 781751"/>
+                                                                  <a:gd name="connsiteX2" fmla="*/ 2448046 w 2448078"/>
+                                                                  <a:gd name="connsiteY2" fmla="*/ 736105 h 781751"/>
+                                                                  <a:gd name="connsiteX3" fmla="*/ 28930 w 2448078"/>
+                                                                  <a:gd name="connsiteY3" fmla="*/ 781751 h 781751"/>
+                                                                  <a:gd name="connsiteX4" fmla="*/ 0 w 2448078"/>
+                                                                  <a:gd name="connsiteY4" fmla="*/ 67716 h 781751"/>
+                                                                  <a:gd name="connsiteX0" fmla="*/ 0 w 2448078"/>
+                                                                  <a:gd name="connsiteY0" fmla="*/ 67716 h 795097"/>
+                                                                  <a:gd name="connsiteX1" fmla="*/ 2418098 w 2448078"/>
+                                                                  <a:gd name="connsiteY1" fmla="*/ 0 h 795097"/>
+                                                                  <a:gd name="connsiteX2" fmla="*/ 2448046 w 2448078"/>
+                                                                  <a:gd name="connsiteY2" fmla="*/ 736105 h 795097"/>
+                                                                  <a:gd name="connsiteX3" fmla="*/ 53852 w 2448078"/>
+                                                                  <a:gd name="connsiteY3" fmla="*/ 795097 h 795097"/>
+                                                                  <a:gd name="connsiteX4" fmla="*/ 0 w 2448078"/>
+                                                                  <a:gd name="connsiteY4" fmla="*/ 67716 h 795097"/>
+                                                                  <a:gd name="connsiteX0" fmla="*/ 0 w 2743626"/>
+                                                                  <a:gd name="connsiteY0" fmla="*/ 57720 h 795097"/>
+                                                                  <a:gd name="connsiteX1" fmla="*/ 2713646 w 2743626"/>
+                                                                  <a:gd name="connsiteY1" fmla="*/ 0 h 795097"/>
+                                                                  <a:gd name="connsiteX2" fmla="*/ 2743594 w 2743626"/>
+                                                                  <a:gd name="connsiteY2" fmla="*/ 736105 h 795097"/>
+                                                                  <a:gd name="connsiteX3" fmla="*/ 349400 w 2743626"/>
+                                                                  <a:gd name="connsiteY3" fmla="*/ 795097 h 795097"/>
+                                                                  <a:gd name="connsiteX4" fmla="*/ 0 w 2743626"/>
+                                                                  <a:gd name="connsiteY4" fmla="*/ 57720 h 795097"/>
+                                                                  <a:gd name="connsiteX0" fmla="*/ 4565 w 2748191"/>
+                                                                  <a:gd name="connsiteY0" fmla="*/ 57720 h 795097"/>
+                                                                  <a:gd name="connsiteX1" fmla="*/ 2718211 w 2748191"/>
+                                                                  <a:gd name="connsiteY1" fmla="*/ 0 h 795097"/>
+                                                                  <a:gd name="connsiteX2" fmla="*/ 2748159 w 2748191"/>
+                                                                  <a:gd name="connsiteY2" fmla="*/ 736105 h 795097"/>
+                                                                  <a:gd name="connsiteX3" fmla="*/ 353965 w 2748191"/>
+                                                                  <a:gd name="connsiteY3" fmla="*/ 795097 h 795097"/>
+                                                                  <a:gd name="connsiteX4" fmla="*/ 4565 w 2748191"/>
+                                                                  <a:gd name="connsiteY4" fmla="*/ 57720 h 795097"/>
+                                                                  <a:gd name="connsiteX0" fmla="*/ 4182 w 2776283"/>
+                                                                  <a:gd name="connsiteY0" fmla="*/ 116650 h 795097"/>
+                                                                  <a:gd name="connsiteX1" fmla="*/ 2746303 w 2776283"/>
+                                                                  <a:gd name="connsiteY1" fmla="*/ 0 h 795097"/>
+                                                                  <a:gd name="connsiteX2" fmla="*/ 2776251 w 2776283"/>
+                                                                  <a:gd name="connsiteY2" fmla="*/ 736105 h 795097"/>
+                                                                  <a:gd name="connsiteX3" fmla="*/ 382057 w 2776283"/>
+                                                                  <a:gd name="connsiteY3" fmla="*/ 795097 h 795097"/>
+                                                                  <a:gd name="connsiteX4" fmla="*/ 4182 w 2776283"/>
+                                                                  <a:gd name="connsiteY4" fmla="*/ 116650 h 795097"/>
+                                                                  <a:gd name="connsiteX0" fmla="*/ 4182 w 2776299"/>
+                                                                  <a:gd name="connsiteY0" fmla="*/ 99509 h 777956"/>
+                                                                  <a:gd name="connsiteX1" fmla="*/ 2757246 w 2776299"/>
+                                                                  <a:gd name="connsiteY1" fmla="*/ 0 h 777956"/>
+                                                                  <a:gd name="connsiteX2" fmla="*/ 2776251 w 2776299"/>
+                                                                  <a:gd name="connsiteY2" fmla="*/ 718964 h 777956"/>
+                                                                  <a:gd name="connsiteX3" fmla="*/ 382057 w 2776299"/>
+                                                                  <a:gd name="connsiteY3" fmla="*/ 777956 h 777956"/>
+                                                                  <a:gd name="connsiteX4" fmla="*/ 4182 w 2776299"/>
+                                                                  <a:gd name="connsiteY4" fmla="*/ 99509 h 777956"/>
+                                                                  <a:gd name="connsiteX0" fmla="*/ 4182 w 2776511"/>
+                                                                  <a:gd name="connsiteY0" fmla="*/ 110931 h 789378"/>
+                                                                  <a:gd name="connsiteX1" fmla="*/ 2775254 w 2776511"/>
+                                                                  <a:gd name="connsiteY1" fmla="*/ 1 h 789378"/>
+                                                                  <a:gd name="connsiteX2" fmla="*/ 2776251 w 2776511"/>
+                                                                  <a:gd name="connsiteY2" fmla="*/ 730386 h 789378"/>
+                                                                  <a:gd name="connsiteX3" fmla="*/ 382057 w 2776511"/>
+                                                                  <a:gd name="connsiteY3" fmla="*/ 789378 h 789378"/>
+                                                                  <a:gd name="connsiteX4" fmla="*/ 4182 w 2776511"/>
+                                                                  <a:gd name="connsiteY4" fmla="*/ 110931 h 789378"/>
+                                                                </a:gdLst>
+                                                                <a:ahLst/>
+                                                                <a:cxnLst>
+                                                                  <a:cxn ang="0">
+                                                                    <a:pos x="connsiteX0" y="connsiteY0"/>
+                                                                  </a:cxn>
+                                                                  <a:cxn ang="0">
+                                                                    <a:pos x="connsiteX1" y="connsiteY1"/>
+                                                                  </a:cxn>
+                                                                  <a:cxn ang="0">
+                                                                    <a:pos x="connsiteX2" y="connsiteY2"/>
+                                                                  </a:cxn>
+                                                                  <a:cxn ang="0">
+                                                                    <a:pos x="connsiteX3" y="connsiteY3"/>
+                                                                  </a:cxn>
+                                                                  <a:cxn ang="0">
+                                                                    <a:pos x="connsiteX4" y="connsiteY4"/>
+                                                                  </a:cxn>
+                                                                </a:cxnLst>
+                                                                <a:rect l="l" t="t" r="r" b="b"/>
+                                                                <a:pathLst>
+                                                                  <a:path w="2776511" h="789378">
+                                                                    <a:moveTo>
+                                                                      <a:pt x="4182" y="110931"/>
+                                                                    </a:moveTo>
+                                                                    <a:lnTo>
+                                                                      <a:pt x="2775254" y="1"/>
+                                                                    </a:lnTo>
+                                                                    <a:cubicBezTo>
+                                                                      <a:pt x="2774056" y="238350"/>
+                                                                      <a:pt x="2777449" y="492037"/>
+                                                                      <a:pt x="2776251" y="730386"/>
+                                                                    </a:cubicBezTo>
+                                                                    <a:lnTo>
+                                                                      <a:pt x="382057" y="789378"/>
+                                                                    </a:lnTo>
+                                                                    <a:cubicBezTo>
+                                                                      <a:pt x="265590" y="543586"/>
+                                                                      <a:pt x="-39132" y="209970"/>
+                                                                      <a:pt x="4182" y="110931"/>
+                                                                    </a:cubicBezTo>
+                                                                    <a:close/>
+                                                                  </a:path>
+                                                                </a:pathLst>
+                                                              </a:custGeom>
+                                                              <a:solidFill>
+                                                                <a:srgbClr val="00B050"/>
+                                                              </a:solidFill>
+                                                              <a:ln>
+                                                                <a:noFill/>
+                                                              </a:ln>
+                                                            </p:spPr>
+                                                            <p:style>
+                                                              <a:lnRef idx="2">
+                                                                <a:schemeClr val="accent1">
+                                                                  <a:shade val="50000"/>
+                                                                </a:schemeClr>
+                                                              </a:lnRef>
+                                                              <a:fillRef idx="1">
+                                                                <a:schemeClr val="accent1"/>
+                                                              </a:fillRef>
+                                                              <a:effectRef idx="0">
+                                                                <a:schemeClr val="accent1"/>
+                                                              </a:effectRef>
+                                                              <a:fontRef idx="minor">
+                                                                <a:schemeClr val="lt1"/>
+                                                              </a:fontRef>
+                                                            </p:style>
+                                                            <p:txBody>
+                                                              <a:bodyPr rtlCol="0" anchor="ctr"/>
+                                                              <a:lstStyle/>
+                                                              <a:p>
+                                                                <a:pPr algn="ctr"/>
+                                                                <a:endParaRPr lang="nb-NO" sz="1400" dirty="0">
+                                                                  <a:solidFill>
+                                                                    <a:srgbClr val="00B050"/>
+                                                                  </a:solidFill>
+                                                                </a:endParaRPr>
+                                                              </a:p>
+                                                            </p:txBody>
+                                                          </p:sp>
+                                                          <p:sp>
+                                                            <p:nvSpPr>
+                                                              <p:cNvPr id="173" name="Rectangle 7"/>
+                                                              <p:cNvSpPr/>
+                                                              <p:nvPr/>
+                                                            </p:nvSpPr>
+                                                            <p:spPr>
+                                                              <a:xfrm rot="19740000">
+                                                                <a:off x="-600245" y="5075061"/>
+                                                                <a:ext cx="4631314" cy="703706"/>
+                                                              </a:xfrm>
+                                                              <a:custGeom>
+                                                                <a:avLst/>
+                                                                <a:gdLst>
+                                                                  <a:gd name="connsiteX0" fmla="*/ 0 w 2409568"/>
+                                                                  <a:gd name="connsiteY0" fmla="*/ 0 h 633075"/>
+                                                                  <a:gd name="connsiteX1" fmla="*/ 2409568 w 2409568"/>
+                                                                  <a:gd name="connsiteY1" fmla="*/ 0 h 633075"/>
+                                                                  <a:gd name="connsiteX2" fmla="*/ 2409568 w 2409568"/>
+                                                                  <a:gd name="connsiteY2" fmla="*/ 633075 h 633075"/>
+                                                                  <a:gd name="connsiteX3" fmla="*/ 0 w 2409568"/>
+                                                                  <a:gd name="connsiteY3" fmla="*/ 633075 h 633075"/>
+                                                                  <a:gd name="connsiteX4" fmla="*/ 0 w 2409568"/>
+                                                                  <a:gd name="connsiteY4" fmla="*/ 0 h 633075"/>
+                                                                  <a:gd name="connsiteX0" fmla="*/ 325646 w 2735214"/>
+                                                                  <a:gd name="connsiteY0" fmla="*/ 0 h 640217"/>
+                                                                  <a:gd name="connsiteX1" fmla="*/ 2735214 w 2735214"/>
+                                                                  <a:gd name="connsiteY1" fmla="*/ 0 h 640217"/>
+                                                                  <a:gd name="connsiteX2" fmla="*/ 2735214 w 2735214"/>
+                                                                  <a:gd name="connsiteY2" fmla="*/ 633075 h 640217"/>
+                                                                  <a:gd name="connsiteX3" fmla="*/ 0 w 2735214"/>
+                                                                  <a:gd name="connsiteY3" fmla="*/ 640217 h 640217"/>
+                                                                  <a:gd name="connsiteX4" fmla="*/ 325646 w 2735214"/>
+                                                                  <a:gd name="connsiteY4" fmla="*/ 0 h 640217"/>
+                                                                  <a:gd name="connsiteX0" fmla="*/ 325646 w 2735214"/>
+                                                                  <a:gd name="connsiteY0" fmla="*/ 0 h 640217"/>
+                                                                  <a:gd name="connsiteX1" fmla="*/ 2703341 w 2735214"/>
+                                                                  <a:gd name="connsiteY1" fmla="*/ 9139 h 640217"/>
+                                                                  <a:gd name="connsiteX2" fmla="*/ 2735214 w 2735214"/>
+                                                                  <a:gd name="connsiteY2" fmla="*/ 633075 h 640217"/>
+                                                                  <a:gd name="connsiteX3" fmla="*/ 0 w 2735214"/>
+                                                                  <a:gd name="connsiteY3" fmla="*/ 640217 h 640217"/>
+                                                                  <a:gd name="connsiteX4" fmla="*/ 325646 w 2735214"/>
+                                                                  <a:gd name="connsiteY4" fmla="*/ 0 h 640217"/>
+                                                                  <a:gd name="connsiteX0" fmla="*/ 325646 w 2745467"/>
+                                                                  <a:gd name="connsiteY0" fmla="*/ 0 h 640217"/>
+                                                                  <a:gd name="connsiteX1" fmla="*/ 2745467 w 2745467"/>
+                                                                  <a:gd name="connsiteY1" fmla="*/ 5683 h 640217"/>
+                                                                  <a:gd name="connsiteX2" fmla="*/ 2735214 w 2745467"/>
+                                                                  <a:gd name="connsiteY2" fmla="*/ 633075 h 640217"/>
+                                                                  <a:gd name="connsiteX3" fmla="*/ 0 w 2745467"/>
+                                                                  <a:gd name="connsiteY3" fmla="*/ 640217 h 640217"/>
+                                                                  <a:gd name="connsiteX4" fmla="*/ 325646 w 2745467"/>
+                                                                  <a:gd name="connsiteY4" fmla="*/ 0 h 640217"/>
+                                                                  <a:gd name="connsiteX0" fmla="*/ 423511 w 2843332"/>
+                                                                  <a:gd name="connsiteY0" fmla="*/ 0 h 663088"/>
+                                                                  <a:gd name="connsiteX1" fmla="*/ 2843332 w 2843332"/>
+                                                                  <a:gd name="connsiteY1" fmla="*/ 5683 h 663088"/>
+                                                                  <a:gd name="connsiteX2" fmla="*/ 2833079 w 2843332"/>
+                                                                  <a:gd name="connsiteY2" fmla="*/ 633075 h 663088"/>
+                                                                  <a:gd name="connsiteX3" fmla="*/ 0 w 2843332"/>
+                                                                  <a:gd name="connsiteY3" fmla="*/ 663088 h 663088"/>
+                                                                  <a:gd name="connsiteX4" fmla="*/ 423511 w 2843332"/>
+                                                                  <a:gd name="connsiteY4" fmla="*/ 0 h 663088"/>
+                                                                  <a:gd name="connsiteX0" fmla="*/ 0 w 2419821"/>
+                                                                  <a:gd name="connsiteY0" fmla="*/ 0 h 680951"/>
+                                                                  <a:gd name="connsiteX1" fmla="*/ 2419821 w 2419821"/>
+                                                                  <a:gd name="connsiteY1" fmla="*/ 5683 h 680951"/>
+                                                                  <a:gd name="connsiteX2" fmla="*/ 2409568 w 2419821"/>
+                                                                  <a:gd name="connsiteY2" fmla="*/ 633075 h 680951"/>
+                                                                  <a:gd name="connsiteX3" fmla="*/ 79828 w 2419821"/>
+                                                                  <a:gd name="connsiteY3" fmla="*/ 680951 h 680951"/>
+                                                                  <a:gd name="connsiteX4" fmla="*/ 0 w 2419821"/>
+                                                                  <a:gd name="connsiteY4" fmla="*/ 0 h 680951"/>
+                                                                  <a:gd name="connsiteX0" fmla="*/ 0 w 2409568"/>
+                                                                  <a:gd name="connsiteY0" fmla="*/ 0 h 680951"/>
+                                                                  <a:gd name="connsiteX1" fmla="*/ 2384585 w 2409568"/>
+                                                                  <a:gd name="connsiteY1" fmla="*/ 7412 h 680951"/>
+                                                                  <a:gd name="connsiteX2" fmla="*/ 2409568 w 2409568"/>
+                                                                  <a:gd name="connsiteY2" fmla="*/ 633075 h 680951"/>
+                                                                  <a:gd name="connsiteX3" fmla="*/ 79828 w 2409568"/>
+                                                                  <a:gd name="connsiteY3" fmla="*/ 680951 h 680951"/>
+                                                                  <a:gd name="connsiteX4" fmla="*/ 0 w 2409568"/>
+                                                                  <a:gd name="connsiteY4" fmla="*/ 0 h 680951"/>
+                                                                  <a:gd name="connsiteX0" fmla="*/ 0 w 2448398"/>
+                                                                  <a:gd name="connsiteY0" fmla="*/ 83701 h 764652"/>
+                                                                  <a:gd name="connsiteX1" fmla="*/ 2448398 w 2448398"/>
+                                                                  <a:gd name="connsiteY1" fmla="*/ 0 h 764652"/>
+                                                                  <a:gd name="connsiteX2" fmla="*/ 2409568 w 2448398"/>
+                                                                  <a:gd name="connsiteY2" fmla="*/ 716776 h 764652"/>
+                                                                  <a:gd name="connsiteX3" fmla="*/ 79828 w 2448398"/>
+                                                                  <a:gd name="connsiteY3" fmla="*/ 764652 h 764652"/>
+                                                                  <a:gd name="connsiteX4" fmla="*/ 0 w 2448398"/>
+                                                                  <a:gd name="connsiteY4" fmla="*/ 83701 h 764652"/>
+                                                                  <a:gd name="connsiteX0" fmla="*/ 0 w 2448398"/>
+                                                                  <a:gd name="connsiteY0" fmla="*/ 83701 h 764652"/>
+                                                                  <a:gd name="connsiteX1" fmla="*/ 2448398 w 2448398"/>
+                                                                  <a:gd name="connsiteY1" fmla="*/ 0 h 764652"/>
+                                                                  <a:gd name="connsiteX2" fmla="*/ 2444803 w 2448398"/>
+                                                                  <a:gd name="connsiteY2" fmla="*/ 715046 h 764652"/>
+                                                                  <a:gd name="connsiteX3" fmla="*/ 79828 w 2448398"/>
+                                                                  <a:gd name="connsiteY3" fmla="*/ 764652 h 764652"/>
+                                                                  <a:gd name="connsiteX4" fmla="*/ 0 w 2448398"/>
+                                                                  <a:gd name="connsiteY4" fmla="*/ 83701 h 764652"/>
+                                                                  <a:gd name="connsiteX0" fmla="*/ 0 w 2485288"/>
+                                                                  <a:gd name="connsiteY0" fmla="*/ 48617 h 764652"/>
+                                                                  <a:gd name="connsiteX1" fmla="*/ 2485288 w 2485288"/>
+                                                                  <a:gd name="connsiteY1" fmla="*/ 0 h 764652"/>
+                                                                  <a:gd name="connsiteX2" fmla="*/ 2481693 w 2485288"/>
+                                                                  <a:gd name="connsiteY2" fmla="*/ 715046 h 764652"/>
+                                                                  <a:gd name="connsiteX3" fmla="*/ 116718 w 2485288"/>
+                                                                  <a:gd name="connsiteY3" fmla="*/ 764652 h 764652"/>
+                                                                  <a:gd name="connsiteX4" fmla="*/ 0 w 2485288"/>
+                                                                  <a:gd name="connsiteY4" fmla="*/ 48617 h 764652"/>
+                                                                  <a:gd name="connsiteX0" fmla="*/ 0 w 2481701"/>
+                                                                  <a:gd name="connsiteY0" fmla="*/ 17143 h 733178"/>
+                                                                  <a:gd name="connsiteX1" fmla="*/ 2364465 w 2481701"/>
+                                                                  <a:gd name="connsiteY1" fmla="*/ 0 h 733178"/>
+                                                                  <a:gd name="connsiteX2" fmla="*/ 2481693 w 2481701"/>
+                                                                  <a:gd name="connsiteY2" fmla="*/ 683572 h 733178"/>
+                                                                  <a:gd name="connsiteX3" fmla="*/ 116718 w 2481701"/>
+                                                                  <a:gd name="connsiteY3" fmla="*/ 733178 h 733178"/>
+                                                                  <a:gd name="connsiteX4" fmla="*/ 0 w 2481701"/>
+                                                                  <a:gd name="connsiteY4" fmla="*/ 17143 h 733178"/>
+                                                                  <a:gd name="connsiteX0" fmla="*/ 0 w 2364465"/>
+                                                                  <a:gd name="connsiteY0" fmla="*/ 17143 h 733178"/>
+                                                                  <a:gd name="connsiteX1" fmla="*/ 2364465 w 2364465"/>
+                                                                  <a:gd name="connsiteY1" fmla="*/ 0 h 733178"/>
+                                                                  <a:gd name="connsiteX2" fmla="*/ 2352485 w 2364465"/>
+                                                                  <a:gd name="connsiteY2" fmla="*/ 709782 h 733178"/>
+                                                                  <a:gd name="connsiteX3" fmla="*/ 116718 w 2364465"/>
+                                                                  <a:gd name="connsiteY3" fmla="*/ 733178 h 733178"/>
+                                                                  <a:gd name="connsiteX4" fmla="*/ 0 w 2364465"/>
+                                                                  <a:gd name="connsiteY4" fmla="*/ 17143 h 733178"/>
+                                                                  <a:gd name="connsiteX0" fmla="*/ 0 w 2364465"/>
+                                                                  <a:gd name="connsiteY0" fmla="*/ 17143 h 733140"/>
+                                                                  <a:gd name="connsiteX1" fmla="*/ 2364465 w 2364465"/>
+                                                                  <a:gd name="connsiteY1" fmla="*/ 0 h 733140"/>
+                                                                  <a:gd name="connsiteX2" fmla="*/ 2352485 w 2364465"/>
+                                                                  <a:gd name="connsiteY2" fmla="*/ 709782 h 733140"/>
+                                                                  <a:gd name="connsiteX3" fmla="*/ 59671 w 2364465"/>
+                                                                  <a:gd name="connsiteY3" fmla="*/ 733140 h 733140"/>
+                                                                  <a:gd name="connsiteX4" fmla="*/ 0 w 2364465"/>
+                                                                  <a:gd name="connsiteY4" fmla="*/ 17143 h 733140"/>
+                                                                  <a:gd name="connsiteX0" fmla="*/ 0 w 2364465"/>
+                                                                  <a:gd name="connsiteY0" fmla="*/ 17143 h 733140"/>
+                                                                  <a:gd name="connsiteX1" fmla="*/ 2364465 w 2364465"/>
+                                                                  <a:gd name="connsiteY1" fmla="*/ 0 h 733140"/>
+                                                                  <a:gd name="connsiteX2" fmla="*/ 2355766 w 2364465"/>
+                                                                  <a:gd name="connsiteY2" fmla="*/ 700274 h 733140"/>
+                                                                  <a:gd name="connsiteX3" fmla="*/ 59671 w 2364465"/>
+                                                                  <a:gd name="connsiteY3" fmla="*/ 733140 h 733140"/>
+                                                                  <a:gd name="connsiteX4" fmla="*/ 0 w 2364465"/>
+                                                                  <a:gd name="connsiteY4" fmla="*/ 17143 h 733140"/>
+                                                                  <a:gd name="connsiteX0" fmla="*/ 0 w 2974151"/>
+                                                                  <a:gd name="connsiteY0" fmla="*/ 39302 h 733140"/>
+                                                                  <a:gd name="connsiteX1" fmla="*/ 2974151 w 2974151"/>
+                                                                  <a:gd name="connsiteY1" fmla="*/ 0 h 733140"/>
+                                                                  <a:gd name="connsiteX2" fmla="*/ 2965452 w 2974151"/>
+                                                                  <a:gd name="connsiteY2" fmla="*/ 700274 h 733140"/>
+                                                                  <a:gd name="connsiteX3" fmla="*/ 669357 w 2974151"/>
+                                                                  <a:gd name="connsiteY3" fmla="*/ 733140 h 733140"/>
+                                                                  <a:gd name="connsiteX4" fmla="*/ 0 w 2974151"/>
+                                                                  <a:gd name="connsiteY4" fmla="*/ 39302 h 733140"/>
+                                                                </a:gdLst>
+                                                                <a:ahLst/>
+                                                                <a:cxnLst>
+                                                                  <a:cxn ang="0">
+                                                                    <a:pos x="connsiteX0" y="connsiteY0"/>
+                                                                  </a:cxn>
+                                                                  <a:cxn ang="0">
+                                                                    <a:pos x="connsiteX1" y="connsiteY1"/>
+                                                                  </a:cxn>
+                                                                  <a:cxn ang="0">
+                                                                    <a:pos x="connsiteX2" y="connsiteY2"/>
+                                                                  </a:cxn>
+                                                                  <a:cxn ang="0">
+                                                                    <a:pos x="connsiteX3" y="connsiteY3"/>
+                                                                  </a:cxn>
+                                                                  <a:cxn ang="0">
+                                                                    <a:pos x="connsiteX4" y="connsiteY4"/>
+                                                                  </a:cxn>
+                                                                </a:cxnLst>
+                                                                <a:rect l="l" t="t" r="r" b="b"/>
+                                                                <a:pathLst>
+                                                                  <a:path w="2974151" h="733140">
+                                                                    <a:moveTo>
+                                                                      <a:pt x="0" y="39302"/>
+                                                                    </a:moveTo>
+                                                                    <a:lnTo>
+                                                                      <a:pt x="2974151" y="0"/>
+                                                                    </a:lnTo>
+                                                                    <a:cubicBezTo>
+                                                                      <a:pt x="2972953" y="238349"/>
+                                                                      <a:pt x="2966650" y="461925"/>
+                                                                      <a:pt x="2965452" y="700274"/>
+                                                                    </a:cubicBezTo>
+                                                                    <a:lnTo>
+                                                                      <a:pt x="669357" y="733140"/>
+                                                                    </a:lnTo>
+                                                                    <a:lnTo>
+                                                                      <a:pt x="0" y="39302"/>
+                                                                    </a:lnTo>
+                                                                    <a:close/>
+                                                                  </a:path>
+                                                                </a:pathLst>
+                                                              </a:custGeom>
+                                                              <a:solidFill>
+                                                                <a:srgbClr val="00B050"/>
+                                                              </a:solidFill>
+                                                              <a:ln>
+                                                                <a:noFill/>
+                                                              </a:ln>
+                                                            </p:spPr>
+                                                            <p:style>
+                                                              <a:lnRef idx="2">
+                                                                <a:schemeClr val="accent1">
+                                                                  <a:shade val="50000"/>
+                                                                </a:schemeClr>
+                                                              </a:lnRef>
+                                                              <a:fillRef idx="1">
+                                                                <a:schemeClr val="accent1"/>
+                                                              </a:fillRef>
+                                                              <a:effectRef idx="0">
+                                                                <a:schemeClr val="accent1"/>
+                                                              </a:effectRef>
+                                                              <a:fontRef idx="minor">
+                                                                <a:schemeClr val="lt1"/>
+                                                              </a:fontRef>
+                                                            </p:style>
+                                                            <p:txBody>
+                                                              <a:bodyPr rtlCol="0" anchor="ctr"/>
+                                                              <a:lstStyle/>
+                                                              <a:p>
+                                                                <a:pPr algn="ctr"/>
+                                                                <a:endParaRPr lang="nb-NO" sz="1400" dirty="0">
+                                                                  <a:solidFill>
+                                                                    <a:srgbClr val="00B050"/>
+                                                                  </a:solidFill>
+                                                                </a:endParaRPr>
+                                                              </a:p>
+                                                            </p:txBody>
+                                                          </p:sp>
+                                                          <p:sp>
+                                                            <p:nvSpPr>
+                                                              <p:cNvPr id="174" name="Rectangle 7"/>
                                                               <p:cNvSpPr/>
                                                               <p:nvPr/>
                                                             </p:nvSpPr>
                                                             <p:spPr>
                                                               <a:xfrm rot="9000000">
-                                                                <a:off x="3946184" y="1340658"/>
-                                                                <a:ext cx="1926920" cy="527189"/>
+                                                                <a:off x="3208490" y="2848433"/>
+                                                                <a:ext cx="1939288" cy="742288"/>
                                                               </a:xfrm>
                                                               <a:custGeom>
                                                                 <a:avLst/>
@@ -15020,125 +15875,15 @@
                                                                   <a:gd name="connsiteX4" fmla="*/ 0 w 2409568"/>
                                                                   <a:gd name="connsiteY4" fmla="*/ 0 h 647052"/>
                                                                   <a:gd name="connsiteX0" fmla="*/ 0 w 2409568"/>
-                                                                  <a:gd name="connsiteY0" fmla="*/ 0 h 647052"/>
-                                                                  <a:gd name="connsiteX1" fmla="*/ 2352731 w 2409568"/>
-                                                                  <a:gd name="connsiteY1" fmla="*/ 31924 h 647052"/>
+                                                                  <a:gd name="connsiteY0" fmla="*/ 0 h 639234"/>
+                                                                  <a:gd name="connsiteX1" fmla="*/ 2369604 w 2409568"/>
+                                                                  <a:gd name="connsiteY1" fmla="*/ 2955 h 639234"/>
                                                                   <a:gd name="connsiteX2" fmla="*/ 2409568 w 2409568"/>
-                                                                  <a:gd name="connsiteY2" fmla="*/ 633075 h 647052"/>
-                                                                  <a:gd name="connsiteX3" fmla="*/ 123556 w 2409568"/>
-                                                                  <a:gd name="connsiteY3" fmla="*/ 647052 h 647052"/>
+                                                                  <a:gd name="connsiteY2" fmla="*/ 633075 h 639234"/>
+                                                                  <a:gd name="connsiteX3" fmla="*/ 63597 w 2409568"/>
+                                                                  <a:gd name="connsiteY3" fmla="*/ 639234 h 639234"/>
                                                                   <a:gd name="connsiteX4" fmla="*/ 0 w 2409568"/>
-                                                                  <a:gd name="connsiteY4" fmla="*/ 0 h 647052"/>
-                                                                  <a:gd name="connsiteX0" fmla="*/ 0 w 2409568"/>
-                                                                  <a:gd name="connsiteY0" fmla="*/ 1523 h 648575"/>
-                                                                  <a:gd name="connsiteX1" fmla="*/ 2294281 w 2409568"/>
-                                                                  <a:gd name="connsiteY1" fmla="*/ 0 h 648575"/>
-                                                                  <a:gd name="connsiteX2" fmla="*/ 2409568 w 2409568"/>
-                                                                  <a:gd name="connsiteY2" fmla="*/ 634598 h 648575"/>
-                                                                  <a:gd name="connsiteX3" fmla="*/ 123556 w 2409568"/>
-                                                                  <a:gd name="connsiteY3" fmla="*/ 648575 h 648575"/>
-                                                                  <a:gd name="connsiteX4" fmla="*/ 0 w 2409568"/>
-                                                                  <a:gd name="connsiteY4" fmla="*/ 1523 h 648575"/>
-                                                                  <a:gd name="connsiteX0" fmla="*/ 0 w 2409568"/>
-                                                                  <a:gd name="connsiteY0" fmla="*/ 12273 h 659325"/>
-                                                                  <a:gd name="connsiteX1" fmla="*/ 2365490 w 2409568"/>
-                                                                  <a:gd name="connsiteY1" fmla="*/ 0 h 659325"/>
-                                                                  <a:gd name="connsiteX2" fmla="*/ 2409568 w 2409568"/>
-                                                                  <a:gd name="connsiteY2" fmla="*/ 645348 h 659325"/>
-                                                                  <a:gd name="connsiteX3" fmla="*/ 123556 w 2409568"/>
-                                                                  <a:gd name="connsiteY3" fmla="*/ 659325 h 659325"/>
-                                                                  <a:gd name="connsiteX4" fmla="*/ 0 w 2409568"/>
-                                                                  <a:gd name="connsiteY4" fmla="*/ 12273 h 659325"/>
-                                                                  <a:gd name="connsiteX0" fmla="*/ 0 w 2409568"/>
-                                                                  <a:gd name="connsiteY0" fmla="*/ 12273 h 656340"/>
-                                                                  <a:gd name="connsiteX1" fmla="*/ 2365490 w 2409568"/>
-                                                                  <a:gd name="connsiteY1" fmla="*/ 0 h 656340"/>
-                                                                  <a:gd name="connsiteX2" fmla="*/ 2409568 w 2409568"/>
-                                                                  <a:gd name="connsiteY2" fmla="*/ 645348 h 656340"/>
-                                                                  <a:gd name="connsiteX3" fmla="*/ 73338 w 2409568"/>
-                                                                  <a:gd name="connsiteY3" fmla="*/ 656340 h 656340"/>
-                                                                  <a:gd name="connsiteX4" fmla="*/ 0 w 2409568"/>
-                                                                  <a:gd name="connsiteY4" fmla="*/ 12273 h 656340"/>
-                                                                  <a:gd name="connsiteX0" fmla="*/ 0 w 2409568"/>
-                                                                  <a:gd name="connsiteY0" fmla="*/ 4111 h 648178"/>
-                                                                  <a:gd name="connsiteX1" fmla="*/ 2334759 w 2409568"/>
-                                                                  <a:gd name="connsiteY1" fmla="*/ 1 h 648178"/>
-                                                                  <a:gd name="connsiteX2" fmla="*/ 2409568 w 2409568"/>
-                                                                  <a:gd name="connsiteY2" fmla="*/ 637186 h 648178"/>
-                                                                  <a:gd name="connsiteX3" fmla="*/ 73338 w 2409568"/>
-                                                                  <a:gd name="connsiteY3" fmla="*/ 648178 h 648178"/>
-                                                                  <a:gd name="connsiteX4" fmla="*/ 0 w 2409568"/>
-                                                                  <a:gd name="connsiteY4" fmla="*/ 4111 h 648178"/>
-                                                                  <a:gd name="connsiteX0" fmla="*/ 1 w 2463903"/>
-                                                                  <a:gd name="connsiteY0" fmla="*/ 0 h 662285"/>
-                                                                  <a:gd name="connsiteX1" fmla="*/ 2389094 w 2463903"/>
-                                                                  <a:gd name="connsiteY1" fmla="*/ 14108 h 662285"/>
-                                                                  <a:gd name="connsiteX2" fmla="*/ 2463903 w 2463903"/>
-                                                                  <a:gd name="connsiteY2" fmla="*/ 651293 h 662285"/>
-                                                                  <a:gd name="connsiteX3" fmla="*/ 127673 w 2463903"/>
-                                                                  <a:gd name="connsiteY3" fmla="*/ 662285 h 662285"/>
-                                                                  <a:gd name="connsiteX4" fmla="*/ 1 w 2463903"/>
-                                                                  <a:gd name="connsiteY4" fmla="*/ 0 h 662285"/>
-                                                                  <a:gd name="connsiteX0" fmla="*/ 0 w 2463902"/>
-                                                                  <a:gd name="connsiteY0" fmla="*/ 0 h 657804"/>
-                                                                  <a:gd name="connsiteX1" fmla="*/ 2389093 w 2463902"/>
-                                                                  <a:gd name="connsiteY1" fmla="*/ 14108 h 657804"/>
-                                                                  <a:gd name="connsiteX2" fmla="*/ 2463902 w 2463902"/>
-                                                                  <a:gd name="connsiteY2" fmla="*/ 651293 h 657804"/>
-                                                                  <a:gd name="connsiteX3" fmla="*/ 52348 w 2463902"/>
-                                                                  <a:gd name="connsiteY3" fmla="*/ 657803 h 657804"/>
-                                                                  <a:gd name="connsiteX4" fmla="*/ 0 w 2463902"/>
-                                                                  <a:gd name="connsiteY4" fmla="*/ 0 h 657804"/>
-                                                                  <a:gd name="connsiteX0" fmla="*/ 0 w 2463902"/>
-                                                                  <a:gd name="connsiteY0" fmla="*/ 0 h 663779"/>
-                                                                  <a:gd name="connsiteX1" fmla="*/ 2389093 w 2463902"/>
-                                                                  <a:gd name="connsiteY1" fmla="*/ 14108 h 663779"/>
-                                                                  <a:gd name="connsiteX2" fmla="*/ 2463902 w 2463902"/>
-                                                                  <a:gd name="connsiteY2" fmla="*/ 651293 h 663779"/>
-                                                                  <a:gd name="connsiteX3" fmla="*/ 152780 w 2463902"/>
-                                                                  <a:gd name="connsiteY3" fmla="*/ 663779 h 663779"/>
-                                                                  <a:gd name="connsiteX4" fmla="*/ 0 w 2463902"/>
-                                                                  <a:gd name="connsiteY4" fmla="*/ 0 h 663779"/>
-                                                                  <a:gd name="connsiteX0" fmla="*/ 0 w 2423426"/>
-                                                                  <a:gd name="connsiteY0" fmla="*/ 0 h 666366"/>
-                                                                  <a:gd name="connsiteX1" fmla="*/ 2348617 w 2423426"/>
-                                                                  <a:gd name="connsiteY1" fmla="*/ 16695 h 666366"/>
-                                                                  <a:gd name="connsiteX2" fmla="*/ 2423426 w 2423426"/>
-                                                                  <a:gd name="connsiteY2" fmla="*/ 653880 h 666366"/>
-                                                                  <a:gd name="connsiteX3" fmla="*/ 112304 w 2423426"/>
-                                                                  <a:gd name="connsiteY3" fmla="*/ 666366 h 666366"/>
-                                                                  <a:gd name="connsiteX4" fmla="*/ 0 w 2423426"/>
-                                                                  <a:gd name="connsiteY4" fmla="*/ 0 h 666366"/>
-                                                                  <a:gd name="connsiteX0" fmla="*/ 0 w 2394201"/>
-                                                                  <a:gd name="connsiteY0" fmla="*/ 28 h 649670"/>
-                                                                  <a:gd name="connsiteX1" fmla="*/ 2319392 w 2394201"/>
-                                                                  <a:gd name="connsiteY1" fmla="*/ -1 h 649670"/>
-                                                                  <a:gd name="connsiteX2" fmla="*/ 2394201 w 2394201"/>
-                                                                  <a:gd name="connsiteY2" fmla="*/ 637184 h 649670"/>
-                                                                  <a:gd name="connsiteX3" fmla="*/ 83079 w 2394201"/>
-                                                                  <a:gd name="connsiteY3" fmla="*/ 649670 h 649670"/>
-                                                                  <a:gd name="connsiteX4" fmla="*/ 0 w 2394201"/>
-                                                                  <a:gd name="connsiteY4" fmla="*/ 28 h 649670"/>
-                                                                  <a:gd name="connsiteX0" fmla="*/ 0 w 2394201"/>
-                                                                  <a:gd name="connsiteY0" fmla="*/ 2837 h 652479"/>
-                                                                  <a:gd name="connsiteX1" fmla="*/ 2363744 w 2394201"/>
-                                                                  <a:gd name="connsiteY1" fmla="*/ 0 h 652479"/>
-                                                                  <a:gd name="connsiteX2" fmla="*/ 2394201 w 2394201"/>
-                                                                  <a:gd name="connsiteY2" fmla="*/ 639993 h 652479"/>
-                                                                  <a:gd name="connsiteX3" fmla="*/ 83079 w 2394201"/>
-                                                                  <a:gd name="connsiteY3" fmla="*/ 652479 h 652479"/>
-                                                                  <a:gd name="connsiteX4" fmla="*/ 0 w 2394201"/>
-                                                                  <a:gd name="connsiteY4" fmla="*/ 2837 h 652479"/>
-                                                                  <a:gd name="connsiteX0" fmla="*/ 0 w 2394201"/>
-                                                                  <a:gd name="connsiteY0" fmla="*/ 2837 h 649237"/>
-                                                                  <a:gd name="connsiteX1" fmla="*/ 2363744 w 2394201"/>
-                                                                  <a:gd name="connsiteY1" fmla="*/ 0 h 649237"/>
-                                                                  <a:gd name="connsiteX2" fmla="*/ 2394201 w 2394201"/>
-                                                                  <a:gd name="connsiteY2" fmla="*/ 639993 h 649237"/>
-                                                                  <a:gd name="connsiteX3" fmla="*/ 28052 w 2394201"/>
-                                                                  <a:gd name="connsiteY3" fmla="*/ 649237 h 649237"/>
-                                                                  <a:gd name="connsiteX4" fmla="*/ 0 w 2394201"/>
-                                                                  <a:gd name="connsiteY4" fmla="*/ 2837 h 649237"/>
+                                                                  <a:gd name="connsiteY4" fmla="*/ 0 h 639234"/>
                                                                 </a:gdLst>
                                                                 <a:ahLst/>
                                                                 <a:cxnLst>
@@ -15160,21 +15905,21 @@
                                                                 </a:cxnLst>
                                                                 <a:rect l="l" t="t" r="r" b="b"/>
                                                                 <a:pathLst>
-                                                                  <a:path w="2394201" h="649237">
+                                                                  <a:path w="2409568" h="639234">
                                                                     <a:moveTo>
-                                                                      <a:pt x="0" y="2837"/>
+                                                                      <a:pt x="0" y="0"/>
                                                                     </a:moveTo>
                                                                     <a:lnTo>
-                                                                      <a:pt x="2363744" y="0"/>
+                                                                      <a:pt x="2369604" y="2955"/>
                                                                     </a:lnTo>
                                                                     <a:lnTo>
-                                                                      <a:pt x="2394201" y="639993"/>
+                                                                      <a:pt x="2409568" y="633075"/>
                                                                     </a:lnTo>
                                                                     <a:lnTo>
-                                                                      <a:pt x="28052" y="649237"/>
+                                                                      <a:pt x="63597" y="639234"/>
                                                                     </a:lnTo>
                                                                     <a:lnTo>
-                                                                      <a:pt x="0" y="2837"/>
+                                                                      <a:pt x="0" y="0"/>
                                                                     </a:lnTo>
                                                                     <a:close/>
                                                                   </a:path>
@@ -15212,1592 +15957,16 @@
                                                               </a:p>
                                                             </p:txBody>
                                                           </p:sp>
-                                                          <p:grpSp>
-                                                            <p:nvGrpSpPr>
-                                                              <p:cNvPr id="53" name="Group 52"/>
-                                                              <p:cNvGrpSpPr/>
-                                                              <p:nvPr/>
-                                                            </p:nvGrpSpPr>
-                                                            <p:grpSpPr>
-                                                              <a:xfrm>
-                                                                <a:off x="-3017230" y="137499"/>
-                                                                <a:ext cx="10002631" cy="6161841"/>
-                                                                <a:chOff x="-2944802" y="-383074"/>
-                                                                <a:chExt cx="10002631" cy="6161841"/>
-                                                              </a:xfrm>
-                                                            </p:grpSpPr>
-                                                            <p:sp>
-                                                              <p:nvSpPr>
-                                                                <p:cNvPr id="56" name="Rectangle 55"/>
-                                                                <p:cNvSpPr/>
-                                                                <p:nvPr/>
-                                                              </p:nvSpPr>
-                                                              <p:spPr>
-                                                                <a:xfrm>
-                                                                  <a:off x="3471140" y="2500378"/>
-                                                                  <a:ext cx="487826" cy="388177"/>
-                                                                </a:xfrm>
-                                                                <a:prstGeom prst="rect">
-                                                                  <a:avLst/>
-                                                                </a:prstGeom>
-                                                              </p:spPr>
-                                                              <p:txBody>
-                                                                <a:bodyPr wrap="none">
-                                                                  <a:spAutoFit/>
-                                                                </a:bodyPr>
-                                                                <a:lstStyle/>
-                                                                <a:p>
-                                                                  <a:pPr algn="ctr"/>
-                                                                  <a:r>
-                                                                    <a:rPr lang="nb-NO" sz="1400" dirty="0" smtClean="0"/>
-                                                                    <a:t>R2</a:t>
-                                                                  </a:r>
-                                                                  <a:endParaRPr lang="nb-NO" sz="1400" dirty="0"/>
-                                                                </a:p>
-                                                              </p:txBody>
-                                                            </p:sp>
-                                                            <p:sp>
-                                                              <p:nvSpPr>
-                                                                <p:cNvPr id="58" name="TextBox 57"/>
-                                                                <p:cNvSpPr txBox="1"/>
-                                                                <p:nvPr/>
-                                                              </p:nvSpPr>
-                                                              <p:spPr>
-                                                                <a:xfrm>
-                                                                  <a:off x="2914110" y="3182644"/>
-                                                                  <a:ext cx="241069" cy="388177"/>
-                                                                </a:xfrm>
-                                                                <a:prstGeom prst="rect">
-                                                                  <a:avLst/>
-                                                                </a:prstGeom>
-                                                                <a:noFill/>
-                                                              </p:spPr>
-                                                              <p:txBody>
-                                                                <a:bodyPr wrap="none" rtlCol="0">
-                                                                  <a:spAutoFit/>
-                                                                </a:bodyPr>
-                                                                <a:lstStyle/>
-                                                                <a:p>
-                                                                  <a:endParaRPr lang="nb-NO" sz="1400" dirty="0"/>
-                                                                </a:p>
-                                                              </p:txBody>
-                                                            </p:sp>
-                                                            <p:cxnSp>
-                                                              <p:nvCxnSpPr>
-                                                                <p:cNvPr id="59" name="Straight Connector 58"/>
-                                                                <p:cNvCxnSpPr/>
-                                                                <p:nvPr/>
-                                                              </p:nvCxnSpPr>
-                                                              <p:spPr>
-                                                                <a:xfrm>
-                                                                  <a:off x="3538989" y="705621"/>
-                                                                  <a:ext cx="2162214" cy="2988193"/>
-                                                                </a:xfrm>
-                                                                <a:prstGeom prst="line">
-                                                                  <a:avLst/>
-                                                                </a:prstGeom>
-                                                              </p:spPr>
-                                                              <p:style>
-                                                                <a:lnRef idx="3">
-                                                                  <a:schemeClr val="dk1"/>
-                                                                </a:lnRef>
-                                                                <a:fillRef idx="0">
-                                                                  <a:schemeClr val="dk1"/>
-                                                                </a:fillRef>
-                                                                <a:effectRef idx="2">
-                                                                  <a:schemeClr val="dk1"/>
-                                                                </a:effectRef>
-                                                                <a:fontRef idx="minor">
-                                                                  <a:schemeClr val="tx1"/>
-                                                                </a:fontRef>
-                                                              </p:style>
-                                                            </p:cxnSp>
-                                                            <p:sp>
-                                                              <p:nvSpPr>
-                                                                <p:cNvPr id="61" name="Rectangle 7"/>
-                                                                <p:cNvSpPr/>
-                                                                <p:nvPr/>
-                                                              </p:nvSpPr>
-                                                              <p:spPr>
-                                                                <a:xfrm rot="19740000">
-                                                                  <a:off x="-2944802" y="4528745"/>
-                                                                  <a:ext cx="6472855" cy="689053"/>
-                                                                </a:xfrm>
-                                                                <a:custGeom>
-                                                                  <a:avLst/>
-                                                                  <a:gdLst>
-                                                                    <a:gd name="connsiteX0" fmla="*/ 0 w 2409568"/>
-                                                                    <a:gd name="connsiteY0" fmla="*/ 0 h 633075"/>
-                                                                    <a:gd name="connsiteX1" fmla="*/ 2409568 w 2409568"/>
-                                                                    <a:gd name="connsiteY1" fmla="*/ 0 h 633075"/>
-                                                                    <a:gd name="connsiteX2" fmla="*/ 2409568 w 2409568"/>
-                                                                    <a:gd name="connsiteY2" fmla="*/ 633075 h 633075"/>
-                                                                    <a:gd name="connsiteX3" fmla="*/ 0 w 2409568"/>
-                                                                    <a:gd name="connsiteY3" fmla="*/ 633075 h 633075"/>
-                                                                    <a:gd name="connsiteX4" fmla="*/ 0 w 2409568"/>
-                                                                    <a:gd name="connsiteY4" fmla="*/ 0 h 633075"/>
-                                                                    <a:gd name="connsiteX0" fmla="*/ 325646 w 2735214"/>
-                                                                    <a:gd name="connsiteY0" fmla="*/ 0 h 640217"/>
-                                                                    <a:gd name="connsiteX1" fmla="*/ 2735214 w 2735214"/>
-                                                                    <a:gd name="connsiteY1" fmla="*/ 0 h 640217"/>
-                                                                    <a:gd name="connsiteX2" fmla="*/ 2735214 w 2735214"/>
-                                                                    <a:gd name="connsiteY2" fmla="*/ 633075 h 640217"/>
-                                                                    <a:gd name="connsiteX3" fmla="*/ 0 w 2735214"/>
-                                                                    <a:gd name="connsiteY3" fmla="*/ 640217 h 640217"/>
-                                                                    <a:gd name="connsiteX4" fmla="*/ 325646 w 2735214"/>
-                                                                    <a:gd name="connsiteY4" fmla="*/ 0 h 640217"/>
-                                                                    <a:gd name="connsiteX0" fmla="*/ 325646 w 2735214"/>
-                                                                    <a:gd name="connsiteY0" fmla="*/ 0 h 640217"/>
-                                                                    <a:gd name="connsiteX1" fmla="*/ 2703341 w 2735214"/>
-                                                                    <a:gd name="connsiteY1" fmla="*/ 9139 h 640217"/>
-                                                                    <a:gd name="connsiteX2" fmla="*/ 2735214 w 2735214"/>
-                                                                    <a:gd name="connsiteY2" fmla="*/ 633075 h 640217"/>
-                                                                    <a:gd name="connsiteX3" fmla="*/ 0 w 2735214"/>
-                                                                    <a:gd name="connsiteY3" fmla="*/ 640217 h 640217"/>
-                                                                    <a:gd name="connsiteX4" fmla="*/ 325646 w 2735214"/>
-                                                                    <a:gd name="connsiteY4" fmla="*/ 0 h 640217"/>
-                                                                    <a:gd name="connsiteX0" fmla="*/ 325646 w 2745467"/>
-                                                                    <a:gd name="connsiteY0" fmla="*/ 0 h 640217"/>
-                                                                    <a:gd name="connsiteX1" fmla="*/ 2745467 w 2745467"/>
-                                                                    <a:gd name="connsiteY1" fmla="*/ 5683 h 640217"/>
-                                                                    <a:gd name="connsiteX2" fmla="*/ 2735214 w 2745467"/>
-                                                                    <a:gd name="connsiteY2" fmla="*/ 633075 h 640217"/>
-                                                                    <a:gd name="connsiteX3" fmla="*/ 0 w 2745467"/>
-                                                                    <a:gd name="connsiteY3" fmla="*/ 640217 h 640217"/>
-                                                                    <a:gd name="connsiteX4" fmla="*/ 325646 w 2745467"/>
-                                                                    <a:gd name="connsiteY4" fmla="*/ 0 h 640217"/>
-                                                                    <a:gd name="connsiteX0" fmla="*/ 423511 w 2843332"/>
-                                                                    <a:gd name="connsiteY0" fmla="*/ 0 h 663088"/>
-                                                                    <a:gd name="connsiteX1" fmla="*/ 2843332 w 2843332"/>
-                                                                    <a:gd name="connsiteY1" fmla="*/ 5683 h 663088"/>
-                                                                    <a:gd name="connsiteX2" fmla="*/ 2833079 w 2843332"/>
-                                                                    <a:gd name="connsiteY2" fmla="*/ 633075 h 663088"/>
-                                                                    <a:gd name="connsiteX3" fmla="*/ 0 w 2843332"/>
-                                                                    <a:gd name="connsiteY3" fmla="*/ 663088 h 663088"/>
-                                                                    <a:gd name="connsiteX4" fmla="*/ 423511 w 2843332"/>
-                                                                    <a:gd name="connsiteY4" fmla="*/ 0 h 663088"/>
-                                                                    <a:gd name="connsiteX0" fmla="*/ 0 w 2419821"/>
-                                                                    <a:gd name="connsiteY0" fmla="*/ 0 h 680951"/>
-                                                                    <a:gd name="connsiteX1" fmla="*/ 2419821 w 2419821"/>
-                                                                    <a:gd name="connsiteY1" fmla="*/ 5683 h 680951"/>
-                                                                    <a:gd name="connsiteX2" fmla="*/ 2409568 w 2419821"/>
-                                                                    <a:gd name="connsiteY2" fmla="*/ 633075 h 680951"/>
-                                                                    <a:gd name="connsiteX3" fmla="*/ 79828 w 2419821"/>
-                                                                    <a:gd name="connsiteY3" fmla="*/ 680951 h 680951"/>
-                                                                    <a:gd name="connsiteX4" fmla="*/ 0 w 2419821"/>
-                                                                    <a:gd name="connsiteY4" fmla="*/ 0 h 680951"/>
-                                                                    <a:gd name="connsiteX0" fmla="*/ 0 w 2409568"/>
-                                                                    <a:gd name="connsiteY0" fmla="*/ 0 h 680951"/>
-                                                                    <a:gd name="connsiteX1" fmla="*/ 2384585 w 2409568"/>
-                                                                    <a:gd name="connsiteY1" fmla="*/ 7412 h 680951"/>
-                                                                    <a:gd name="connsiteX2" fmla="*/ 2409568 w 2409568"/>
-                                                                    <a:gd name="connsiteY2" fmla="*/ 633075 h 680951"/>
-                                                                    <a:gd name="connsiteX3" fmla="*/ 79828 w 2409568"/>
-                                                                    <a:gd name="connsiteY3" fmla="*/ 680951 h 680951"/>
-                                                                    <a:gd name="connsiteX4" fmla="*/ 0 w 2409568"/>
-                                                                    <a:gd name="connsiteY4" fmla="*/ 0 h 680951"/>
-                                                                    <a:gd name="connsiteX0" fmla="*/ 0 w 2448398"/>
-                                                                    <a:gd name="connsiteY0" fmla="*/ 83701 h 764652"/>
-                                                                    <a:gd name="connsiteX1" fmla="*/ 2448398 w 2448398"/>
-                                                                    <a:gd name="connsiteY1" fmla="*/ 0 h 764652"/>
-                                                                    <a:gd name="connsiteX2" fmla="*/ 2409568 w 2448398"/>
-                                                                    <a:gd name="connsiteY2" fmla="*/ 716776 h 764652"/>
-                                                                    <a:gd name="connsiteX3" fmla="*/ 79828 w 2448398"/>
-                                                                    <a:gd name="connsiteY3" fmla="*/ 764652 h 764652"/>
-                                                                    <a:gd name="connsiteX4" fmla="*/ 0 w 2448398"/>
-                                                                    <a:gd name="connsiteY4" fmla="*/ 83701 h 764652"/>
-                                                                    <a:gd name="connsiteX0" fmla="*/ 0 w 2448398"/>
-                                                                    <a:gd name="connsiteY0" fmla="*/ 83701 h 764652"/>
-                                                                    <a:gd name="connsiteX1" fmla="*/ 2448398 w 2448398"/>
-                                                                    <a:gd name="connsiteY1" fmla="*/ 0 h 764652"/>
-                                                                    <a:gd name="connsiteX2" fmla="*/ 2444803 w 2448398"/>
-                                                                    <a:gd name="connsiteY2" fmla="*/ 715046 h 764652"/>
-                                                                    <a:gd name="connsiteX3" fmla="*/ 79828 w 2448398"/>
-                                                                    <a:gd name="connsiteY3" fmla="*/ 764652 h 764652"/>
-                                                                    <a:gd name="connsiteX4" fmla="*/ 0 w 2448398"/>
-                                                                    <a:gd name="connsiteY4" fmla="*/ 83701 h 764652"/>
-                                                                    <a:gd name="connsiteX0" fmla="*/ 0 w 2485288"/>
-                                                                    <a:gd name="connsiteY0" fmla="*/ 48617 h 764652"/>
-                                                                    <a:gd name="connsiteX1" fmla="*/ 2485288 w 2485288"/>
-                                                                    <a:gd name="connsiteY1" fmla="*/ 0 h 764652"/>
-                                                                    <a:gd name="connsiteX2" fmla="*/ 2481693 w 2485288"/>
-                                                                    <a:gd name="connsiteY2" fmla="*/ 715046 h 764652"/>
-                                                                    <a:gd name="connsiteX3" fmla="*/ 116718 w 2485288"/>
-                                                                    <a:gd name="connsiteY3" fmla="*/ 764652 h 764652"/>
-                                                                    <a:gd name="connsiteX4" fmla="*/ 0 w 2485288"/>
-                                                                    <a:gd name="connsiteY4" fmla="*/ 48617 h 764652"/>
-                                                                    <a:gd name="connsiteX0" fmla="*/ 0 w 2515268"/>
-                                                                    <a:gd name="connsiteY0" fmla="*/ 48617 h 764652"/>
-                                                                    <a:gd name="connsiteX1" fmla="*/ 2485288 w 2515268"/>
-                                                                    <a:gd name="connsiteY1" fmla="*/ 0 h 764652"/>
-                                                                    <a:gd name="connsiteX2" fmla="*/ 2515236 w 2515268"/>
-                                                                    <a:gd name="connsiteY2" fmla="*/ 736105 h 764652"/>
-                                                                    <a:gd name="connsiteX3" fmla="*/ 116718 w 2515268"/>
-                                                                    <a:gd name="connsiteY3" fmla="*/ 764652 h 764652"/>
-                                                                    <a:gd name="connsiteX4" fmla="*/ 0 w 2515268"/>
-                                                                    <a:gd name="connsiteY4" fmla="*/ 48617 h 764652"/>
-                                                                    <a:gd name="connsiteX0" fmla="*/ 0 w 2515268"/>
-                                                                    <a:gd name="connsiteY0" fmla="*/ 48617 h 781751"/>
-                                                                    <a:gd name="connsiteX1" fmla="*/ 2485288 w 2515268"/>
-                                                                    <a:gd name="connsiteY1" fmla="*/ 0 h 781751"/>
-                                                                    <a:gd name="connsiteX2" fmla="*/ 2515236 w 2515268"/>
-                                                                    <a:gd name="connsiteY2" fmla="*/ 736105 h 781751"/>
-                                                                    <a:gd name="connsiteX3" fmla="*/ 96120 w 2515268"/>
-                                                                    <a:gd name="connsiteY3" fmla="*/ 781751 h 781751"/>
-                                                                    <a:gd name="connsiteX4" fmla="*/ 0 w 2515268"/>
-                                                                    <a:gd name="connsiteY4" fmla="*/ 48617 h 781751"/>
-                                                                    <a:gd name="connsiteX0" fmla="*/ 0 w 2448078"/>
-                                                                    <a:gd name="connsiteY0" fmla="*/ 67716 h 781751"/>
-                                                                    <a:gd name="connsiteX1" fmla="*/ 2418098 w 2448078"/>
-                                                                    <a:gd name="connsiteY1" fmla="*/ 0 h 781751"/>
-                                                                    <a:gd name="connsiteX2" fmla="*/ 2448046 w 2448078"/>
-                                                                    <a:gd name="connsiteY2" fmla="*/ 736105 h 781751"/>
-                                                                    <a:gd name="connsiteX3" fmla="*/ 28930 w 2448078"/>
-                                                                    <a:gd name="connsiteY3" fmla="*/ 781751 h 781751"/>
-                                                                    <a:gd name="connsiteX4" fmla="*/ 0 w 2448078"/>
-                                                                    <a:gd name="connsiteY4" fmla="*/ 67716 h 781751"/>
-                                                                    <a:gd name="connsiteX0" fmla="*/ 0 w 2448078"/>
-                                                                    <a:gd name="connsiteY0" fmla="*/ 67716 h 795097"/>
-                                                                    <a:gd name="connsiteX1" fmla="*/ 2418098 w 2448078"/>
-                                                                    <a:gd name="connsiteY1" fmla="*/ 0 h 795097"/>
-                                                                    <a:gd name="connsiteX2" fmla="*/ 2448046 w 2448078"/>
-                                                                    <a:gd name="connsiteY2" fmla="*/ 736105 h 795097"/>
-                                                                    <a:gd name="connsiteX3" fmla="*/ 53852 w 2448078"/>
-                                                                    <a:gd name="connsiteY3" fmla="*/ 795097 h 795097"/>
-                                                                    <a:gd name="connsiteX4" fmla="*/ 0 w 2448078"/>
-                                                                    <a:gd name="connsiteY4" fmla="*/ 67716 h 795097"/>
-                                                                    <a:gd name="connsiteX0" fmla="*/ 0 w 2743626"/>
-                                                                    <a:gd name="connsiteY0" fmla="*/ 57720 h 795097"/>
-                                                                    <a:gd name="connsiteX1" fmla="*/ 2713646 w 2743626"/>
-                                                                    <a:gd name="connsiteY1" fmla="*/ 0 h 795097"/>
-                                                                    <a:gd name="connsiteX2" fmla="*/ 2743594 w 2743626"/>
-                                                                    <a:gd name="connsiteY2" fmla="*/ 736105 h 795097"/>
-                                                                    <a:gd name="connsiteX3" fmla="*/ 349400 w 2743626"/>
-                                                                    <a:gd name="connsiteY3" fmla="*/ 795097 h 795097"/>
-                                                                    <a:gd name="connsiteX4" fmla="*/ 0 w 2743626"/>
-                                                                    <a:gd name="connsiteY4" fmla="*/ 57720 h 795097"/>
-                                                                    <a:gd name="connsiteX0" fmla="*/ 4565 w 2748191"/>
-                                                                    <a:gd name="connsiteY0" fmla="*/ 57720 h 795097"/>
-                                                                    <a:gd name="connsiteX1" fmla="*/ 2718211 w 2748191"/>
-                                                                    <a:gd name="connsiteY1" fmla="*/ 0 h 795097"/>
-                                                                    <a:gd name="connsiteX2" fmla="*/ 2748159 w 2748191"/>
-                                                                    <a:gd name="connsiteY2" fmla="*/ 736105 h 795097"/>
-                                                                    <a:gd name="connsiteX3" fmla="*/ 353965 w 2748191"/>
-                                                                    <a:gd name="connsiteY3" fmla="*/ 795097 h 795097"/>
-                                                                    <a:gd name="connsiteX4" fmla="*/ 4565 w 2748191"/>
-                                                                    <a:gd name="connsiteY4" fmla="*/ 57720 h 795097"/>
-                                                                    <a:gd name="connsiteX0" fmla="*/ 4182 w 2776283"/>
-                                                                    <a:gd name="connsiteY0" fmla="*/ 116650 h 795097"/>
-                                                                    <a:gd name="connsiteX1" fmla="*/ 2746303 w 2776283"/>
-                                                                    <a:gd name="connsiteY1" fmla="*/ 0 h 795097"/>
-                                                                    <a:gd name="connsiteX2" fmla="*/ 2776251 w 2776283"/>
-                                                                    <a:gd name="connsiteY2" fmla="*/ 736105 h 795097"/>
-                                                                    <a:gd name="connsiteX3" fmla="*/ 382057 w 2776283"/>
-                                                                    <a:gd name="connsiteY3" fmla="*/ 795097 h 795097"/>
-                                                                    <a:gd name="connsiteX4" fmla="*/ 4182 w 2776283"/>
-                                                                    <a:gd name="connsiteY4" fmla="*/ 116650 h 795097"/>
-                                                                    <a:gd name="connsiteX0" fmla="*/ 4182 w 2776299"/>
-                                                                    <a:gd name="connsiteY0" fmla="*/ 99509 h 777956"/>
-                                                                    <a:gd name="connsiteX1" fmla="*/ 2757246 w 2776299"/>
-                                                                    <a:gd name="connsiteY1" fmla="*/ 0 h 777956"/>
-                                                                    <a:gd name="connsiteX2" fmla="*/ 2776251 w 2776299"/>
-                                                                    <a:gd name="connsiteY2" fmla="*/ 718964 h 777956"/>
-                                                                    <a:gd name="connsiteX3" fmla="*/ 382057 w 2776299"/>
-                                                                    <a:gd name="connsiteY3" fmla="*/ 777956 h 777956"/>
-                                                                    <a:gd name="connsiteX4" fmla="*/ 4182 w 2776299"/>
-                                                                    <a:gd name="connsiteY4" fmla="*/ 99509 h 777956"/>
-                                                                  </a:gdLst>
-                                                                  <a:ahLst/>
-                                                                  <a:cxnLst>
-                                                                    <a:cxn ang="0">
-                                                                      <a:pos x="connsiteX0" y="connsiteY0"/>
-                                                                    </a:cxn>
-                                                                    <a:cxn ang="0">
-                                                                      <a:pos x="connsiteX1" y="connsiteY1"/>
-                                                                    </a:cxn>
-                                                                    <a:cxn ang="0">
-                                                                      <a:pos x="connsiteX2" y="connsiteY2"/>
-                                                                    </a:cxn>
-                                                                    <a:cxn ang="0">
-                                                                      <a:pos x="connsiteX3" y="connsiteY3"/>
-                                                                    </a:cxn>
-                                                                    <a:cxn ang="0">
-                                                                      <a:pos x="connsiteX4" y="connsiteY4"/>
-                                                                    </a:cxn>
-                                                                  </a:cxnLst>
-                                                                  <a:rect l="l" t="t" r="r" b="b"/>
-                                                                  <a:pathLst>
-                                                                    <a:path w="2776299" h="777956">
-                                                                      <a:moveTo>
-                                                                        <a:pt x="4182" y="99509"/>
-                                                                      </a:moveTo>
-                                                                      <a:lnTo>
-                                                                        <a:pt x="2757246" y="0"/>
-                                                                      </a:lnTo>
-                                                                      <a:cubicBezTo>
-                                                                        <a:pt x="2756048" y="238349"/>
-                                                                        <a:pt x="2777449" y="480615"/>
-                                                                        <a:pt x="2776251" y="718964"/>
-                                                                      </a:cubicBezTo>
-                                                                      <a:lnTo>
-                                                                        <a:pt x="382057" y="777956"/>
-                                                                      </a:lnTo>
-                                                                      <a:cubicBezTo>
-                                                                        <a:pt x="265590" y="532164"/>
-                                                                        <a:pt x="-39132" y="198548"/>
-                                                                        <a:pt x="4182" y="99509"/>
-                                                                      </a:cubicBezTo>
-                                                                      <a:close/>
-                                                                    </a:path>
-                                                                  </a:pathLst>
-                                                                </a:custGeom>
-                                                                <a:solidFill>
-                                                                  <a:srgbClr val="00B050"/>
-                                                                </a:solidFill>
-                                                                <a:ln>
-                                                                  <a:noFill/>
-                                                                </a:ln>
-                                                              </p:spPr>
-                                                              <p:style>
-                                                                <a:lnRef idx="2">
-                                                                  <a:schemeClr val="accent1">
-                                                                    <a:shade val="50000"/>
-                                                                  </a:schemeClr>
-                                                                </a:lnRef>
-                                                                <a:fillRef idx="1">
-                                                                  <a:schemeClr val="accent1"/>
-                                                                </a:fillRef>
-                                                                <a:effectRef idx="0">
-                                                                  <a:schemeClr val="accent1"/>
-                                                                </a:effectRef>
-                                                                <a:fontRef idx="minor">
-                                                                  <a:schemeClr val="lt1"/>
-                                                                </a:fontRef>
-                                                              </p:style>
-                                                              <p:txBody>
-                                                                <a:bodyPr rtlCol="0" anchor="ctr"/>
-                                                                <a:lstStyle/>
-                                                                <a:p>
-                                                                  <a:pPr algn="ctr"/>
-                                                                  <a:endParaRPr lang="nb-NO" sz="1400" dirty="0">
-                                                                    <a:solidFill>
-                                                                      <a:srgbClr val="00B050"/>
-                                                                    </a:solidFill>
-                                                                  </a:endParaRPr>
-                                                                </a:p>
-                                                              </p:txBody>
-                                                            </p:sp>
-                                                            <p:sp>
-                                                              <p:nvSpPr>
-                                                                <p:cNvPr id="62" name="Rectangle 7"/>
-                                                                <p:cNvSpPr/>
-                                                                <p:nvPr/>
-                                                              </p:nvSpPr>
-                                                              <p:spPr>
-                                                                <a:xfrm rot="19740000">
-                                                                  <a:off x="-600245" y="5075061"/>
-                                                                  <a:ext cx="4631314" cy="703706"/>
-                                                                </a:xfrm>
-                                                                <a:custGeom>
-                                                                  <a:avLst/>
-                                                                  <a:gdLst>
-                                                                    <a:gd name="connsiteX0" fmla="*/ 0 w 2409568"/>
-                                                                    <a:gd name="connsiteY0" fmla="*/ 0 h 633075"/>
-                                                                    <a:gd name="connsiteX1" fmla="*/ 2409568 w 2409568"/>
-                                                                    <a:gd name="connsiteY1" fmla="*/ 0 h 633075"/>
-                                                                    <a:gd name="connsiteX2" fmla="*/ 2409568 w 2409568"/>
-                                                                    <a:gd name="connsiteY2" fmla="*/ 633075 h 633075"/>
-                                                                    <a:gd name="connsiteX3" fmla="*/ 0 w 2409568"/>
-                                                                    <a:gd name="connsiteY3" fmla="*/ 633075 h 633075"/>
-                                                                    <a:gd name="connsiteX4" fmla="*/ 0 w 2409568"/>
-                                                                    <a:gd name="connsiteY4" fmla="*/ 0 h 633075"/>
-                                                                    <a:gd name="connsiteX0" fmla="*/ 325646 w 2735214"/>
-                                                                    <a:gd name="connsiteY0" fmla="*/ 0 h 640217"/>
-                                                                    <a:gd name="connsiteX1" fmla="*/ 2735214 w 2735214"/>
-                                                                    <a:gd name="connsiteY1" fmla="*/ 0 h 640217"/>
-                                                                    <a:gd name="connsiteX2" fmla="*/ 2735214 w 2735214"/>
-                                                                    <a:gd name="connsiteY2" fmla="*/ 633075 h 640217"/>
-                                                                    <a:gd name="connsiteX3" fmla="*/ 0 w 2735214"/>
-                                                                    <a:gd name="connsiteY3" fmla="*/ 640217 h 640217"/>
-                                                                    <a:gd name="connsiteX4" fmla="*/ 325646 w 2735214"/>
-                                                                    <a:gd name="connsiteY4" fmla="*/ 0 h 640217"/>
-                                                                    <a:gd name="connsiteX0" fmla="*/ 325646 w 2735214"/>
-                                                                    <a:gd name="connsiteY0" fmla="*/ 0 h 640217"/>
-                                                                    <a:gd name="connsiteX1" fmla="*/ 2703341 w 2735214"/>
-                                                                    <a:gd name="connsiteY1" fmla="*/ 9139 h 640217"/>
-                                                                    <a:gd name="connsiteX2" fmla="*/ 2735214 w 2735214"/>
-                                                                    <a:gd name="connsiteY2" fmla="*/ 633075 h 640217"/>
-                                                                    <a:gd name="connsiteX3" fmla="*/ 0 w 2735214"/>
-                                                                    <a:gd name="connsiteY3" fmla="*/ 640217 h 640217"/>
-                                                                    <a:gd name="connsiteX4" fmla="*/ 325646 w 2735214"/>
-                                                                    <a:gd name="connsiteY4" fmla="*/ 0 h 640217"/>
-                                                                    <a:gd name="connsiteX0" fmla="*/ 325646 w 2745467"/>
-                                                                    <a:gd name="connsiteY0" fmla="*/ 0 h 640217"/>
-                                                                    <a:gd name="connsiteX1" fmla="*/ 2745467 w 2745467"/>
-                                                                    <a:gd name="connsiteY1" fmla="*/ 5683 h 640217"/>
-                                                                    <a:gd name="connsiteX2" fmla="*/ 2735214 w 2745467"/>
-                                                                    <a:gd name="connsiteY2" fmla="*/ 633075 h 640217"/>
-                                                                    <a:gd name="connsiteX3" fmla="*/ 0 w 2745467"/>
-                                                                    <a:gd name="connsiteY3" fmla="*/ 640217 h 640217"/>
-                                                                    <a:gd name="connsiteX4" fmla="*/ 325646 w 2745467"/>
-                                                                    <a:gd name="connsiteY4" fmla="*/ 0 h 640217"/>
-                                                                    <a:gd name="connsiteX0" fmla="*/ 423511 w 2843332"/>
-                                                                    <a:gd name="connsiteY0" fmla="*/ 0 h 663088"/>
-                                                                    <a:gd name="connsiteX1" fmla="*/ 2843332 w 2843332"/>
-                                                                    <a:gd name="connsiteY1" fmla="*/ 5683 h 663088"/>
-                                                                    <a:gd name="connsiteX2" fmla="*/ 2833079 w 2843332"/>
-                                                                    <a:gd name="connsiteY2" fmla="*/ 633075 h 663088"/>
-                                                                    <a:gd name="connsiteX3" fmla="*/ 0 w 2843332"/>
-                                                                    <a:gd name="connsiteY3" fmla="*/ 663088 h 663088"/>
-                                                                    <a:gd name="connsiteX4" fmla="*/ 423511 w 2843332"/>
-                                                                    <a:gd name="connsiteY4" fmla="*/ 0 h 663088"/>
-                                                                    <a:gd name="connsiteX0" fmla="*/ 0 w 2419821"/>
-                                                                    <a:gd name="connsiteY0" fmla="*/ 0 h 680951"/>
-                                                                    <a:gd name="connsiteX1" fmla="*/ 2419821 w 2419821"/>
-                                                                    <a:gd name="connsiteY1" fmla="*/ 5683 h 680951"/>
-                                                                    <a:gd name="connsiteX2" fmla="*/ 2409568 w 2419821"/>
-                                                                    <a:gd name="connsiteY2" fmla="*/ 633075 h 680951"/>
-                                                                    <a:gd name="connsiteX3" fmla="*/ 79828 w 2419821"/>
-                                                                    <a:gd name="connsiteY3" fmla="*/ 680951 h 680951"/>
-                                                                    <a:gd name="connsiteX4" fmla="*/ 0 w 2419821"/>
-                                                                    <a:gd name="connsiteY4" fmla="*/ 0 h 680951"/>
-                                                                    <a:gd name="connsiteX0" fmla="*/ 0 w 2409568"/>
-                                                                    <a:gd name="connsiteY0" fmla="*/ 0 h 680951"/>
-                                                                    <a:gd name="connsiteX1" fmla="*/ 2384585 w 2409568"/>
-                                                                    <a:gd name="connsiteY1" fmla="*/ 7412 h 680951"/>
-                                                                    <a:gd name="connsiteX2" fmla="*/ 2409568 w 2409568"/>
-                                                                    <a:gd name="connsiteY2" fmla="*/ 633075 h 680951"/>
-                                                                    <a:gd name="connsiteX3" fmla="*/ 79828 w 2409568"/>
-                                                                    <a:gd name="connsiteY3" fmla="*/ 680951 h 680951"/>
-                                                                    <a:gd name="connsiteX4" fmla="*/ 0 w 2409568"/>
-                                                                    <a:gd name="connsiteY4" fmla="*/ 0 h 680951"/>
-                                                                    <a:gd name="connsiteX0" fmla="*/ 0 w 2448398"/>
-                                                                    <a:gd name="connsiteY0" fmla="*/ 83701 h 764652"/>
-                                                                    <a:gd name="connsiteX1" fmla="*/ 2448398 w 2448398"/>
-                                                                    <a:gd name="connsiteY1" fmla="*/ 0 h 764652"/>
-                                                                    <a:gd name="connsiteX2" fmla="*/ 2409568 w 2448398"/>
-                                                                    <a:gd name="connsiteY2" fmla="*/ 716776 h 764652"/>
-                                                                    <a:gd name="connsiteX3" fmla="*/ 79828 w 2448398"/>
-                                                                    <a:gd name="connsiteY3" fmla="*/ 764652 h 764652"/>
-                                                                    <a:gd name="connsiteX4" fmla="*/ 0 w 2448398"/>
-                                                                    <a:gd name="connsiteY4" fmla="*/ 83701 h 764652"/>
-                                                                    <a:gd name="connsiteX0" fmla="*/ 0 w 2448398"/>
-                                                                    <a:gd name="connsiteY0" fmla="*/ 83701 h 764652"/>
-                                                                    <a:gd name="connsiteX1" fmla="*/ 2448398 w 2448398"/>
-                                                                    <a:gd name="connsiteY1" fmla="*/ 0 h 764652"/>
-                                                                    <a:gd name="connsiteX2" fmla="*/ 2444803 w 2448398"/>
-                                                                    <a:gd name="connsiteY2" fmla="*/ 715046 h 764652"/>
-                                                                    <a:gd name="connsiteX3" fmla="*/ 79828 w 2448398"/>
-                                                                    <a:gd name="connsiteY3" fmla="*/ 764652 h 764652"/>
-                                                                    <a:gd name="connsiteX4" fmla="*/ 0 w 2448398"/>
-                                                                    <a:gd name="connsiteY4" fmla="*/ 83701 h 764652"/>
-                                                                    <a:gd name="connsiteX0" fmla="*/ 0 w 2485288"/>
-                                                                    <a:gd name="connsiteY0" fmla="*/ 48617 h 764652"/>
-                                                                    <a:gd name="connsiteX1" fmla="*/ 2485288 w 2485288"/>
-                                                                    <a:gd name="connsiteY1" fmla="*/ 0 h 764652"/>
-                                                                    <a:gd name="connsiteX2" fmla="*/ 2481693 w 2485288"/>
-                                                                    <a:gd name="connsiteY2" fmla="*/ 715046 h 764652"/>
-                                                                    <a:gd name="connsiteX3" fmla="*/ 116718 w 2485288"/>
-                                                                    <a:gd name="connsiteY3" fmla="*/ 764652 h 764652"/>
-                                                                    <a:gd name="connsiteX4" fmla="*/ 0 w 2485288"/>
-                                                                    <a:gd name="connsiteY4" fmla="*/ 48617 h 764652"/>
-                                                                    <a:gd name="connsiteX0" fmla="*/ 0 w 2481701"/>
-                                                                    <a:gd name="connsiteY0" fmla="*/ 17143 h 733178"/>
-                                                                    <a:gd name="connsiteX1" fmla="*/ 2364465 w 2481701"/>
-                                                                    <a:gd name="connsiteY1" fmla="*/ 0 h 733178"/>
-                                                                    <a:gd name="connsiteX2" fmla="*/ 2481693 w 2481701"/>
-                                                                    <a:gd name="connsiteY2" fmla="*/ 683572 h 733178"/>
-                                                                    <a:gd name="connsiteX3" fmla="*/ 116718 w 2481701"/>
-                                                                    <a:gd name="connsiteY3" fmla="*/ 733178 h 733178"/>
-                                                                    <a:gd name="connsiteX4" fmla="*/ 0 w 2481701"/>
-                                                                    <a:gd name="connsiteY4" fmla="*/ 17143 h 733178"/>
-                                                                    <a:gd name="connsiteX0" fmla="*/ 0 w 2364465"/>
-                                                                    <a:gd name="connsiteY0" fmla="*/ 17143 h 733178"/>
-                                                                    <a:gd name="connsiteX1" fmla="*/ 2364465 w 2364465"/>
-                                                                    <a:gd name="connsiteY1" fmla="*/ 0 h 733178"/>
-                                                                    <a:gd name="connsiteX2" fmla="*/ 2352485 w 2364465"/>
-                                                                    <a:gd name="connsiteY2" fmla="*/ 709782 h 733178"/>
-                                                                    <a:gd name="connsiteX3" fmla="*/ 116718 w 2364465"/>
-                                                                    <a:gd name="connsiteY3" fmla="*/ 733178 h 733178"/>
-                                                                    <a:gd name="connsiteX4" fmla="*/ 0 w 2364465"/>
-                                                                    <a:gd name="connsiteY4" fmla="*/ 17143 h 733178"/>
-                                                                    <a:gd name="connsiteX0" fmla="*/ 0 w 2364465"/>
-                                                                    <a:gd name="connsiteY0" fmla="*/ 17143 h 733140"/>
-                                                                    <a:gd name="connsiteX1" fmla="*/ 2364465 w 2364465"/>
-                                                                    <a:gd name="connsiteY1" fmla="*/ 0 h 733140"/>
-                                                                    <a:gd name="connsiteX2" fmla="*/ 2352485 w 2364465"/>
-                                                                    <a:gd name="connsiteY2" fmla="*/ 709782 h 733140"/>
-                                                                    <a:gd name="connsiteX3" fmla="*/ 59671 w 2364465"/>
-                                                                    <a:gd name="connsiteY3" fmla="*/ 733140 h 733140"/>
-                                                                    <a:gd name="connsiteX4" fmla="*/ 0 w 2364465"/>
-                                                                    <a:gd name="connsiteY4" fmla="*/ 17143 h 733140"/>
-                                                                    <a:gd name="connsiteX0" fmla="*/ 0 w 2364465"/>
-                                                                    <a:gd name="connsiteY0" fmla="*/ 17143 h 733140"/>
-                                                                    <a:gd name="connsiteX1" fmla="*/ 2364465 w 2364465"/>
-                                                                    <a:gd name="connsiteY1" fmla="*/ 0 h 733140"/>
-                                                                    <a:gd name="connsiteX2" fmla="*/ 2355766 w 2364465"/>
-                                                                    <a:gd name="connsiteY2" fmla="*/ 700274 h 733140"/>
-                                                                    <a:gd name="connsiteX3" fmla="*/ 59671 w 2364465"/>
-                                                                    <a:gd name="connsiteY3" fmla="*/ 733140 h 733140"/>
-                                                                    <a:gd name="connsiteX4" fmla="*/ 0 w 2364465"/>
-                                                                    <a:gd name="connsiteY4" fmla="*/ 17143 h 733140"/>
-                                                                    <a:gd name="connsiteX0" fmla="*/ 0 w 2974151"/>
-                                                                    <a:gd name="connsiteY0" fmla="*/ 39302 h 733140"/>
-                                                                    <a:gd name="connsiteX1" fmla="*/ 2974151 w 2974151"/>
-                                                                    <a:gd name="connsiteY1" fmla="*/ 0 h 733140"/>
-                                                                    <a:gd name="connsiteX2" fmla="*/ 2965452 w 2974151"/>
-                                                                    <a:gd name="connsiteY2" fmla="*/ 700274 h 733140"/>
-                                                                    <a:gd name="connsiteX3" fmla="*/ 669357 w 2974151"/>
-                                                                    <a:gd name="connsiteY3" fmla="*/ 733140 h 733140"/>
-                                                                    <a:gd name="connsiteX4" fmla="*/ 0 w 2974151"/>
-                                                                    <a:gd name="connsiteY4" fmla="*/ 39302 h 733140"/>
-                                                                  </a:gdLst>
-                                                                  <a:ahLst/>
-                                                                  <a:cxnLst>
-                                                                    <a:cxn ang="0">
-                                                                      <a:pos x="connsiteX0" y="connsiteY0"/>
-                                                                    </a:cxn>
-                                                                    <a:cxn ang="0">
-                                                                      <a:pos x="connsiteX1" y="connsiteY1"/>
-                                                                    </a:cxn>
-                                                                    <a:cxn ang="0">
-                                                                      <a:pos x="connsiteX2" y="connsiteY2"/>
-                                                                    </a:cxn>
-                                                                    <a:cxn ang="0">
-                                                                      <a:pos x="connsiteX3" y="connsiteY3"/>
-                                                                    </a:cxn>
-                                                                    <a:cxn ang="0">
-                                                                      <a:pos x="connsiteX4" y="connsiteY4"/>
-                                                                    </a:cxn>
-                                                                  </a:cxnLst>
-                                                                  <a:rect l="l" t="t" r="r" b="b"/>
-                                                                  <a:pathLst>
-                                                                    <a:path w="2974151" h="733140">
-                                                                      <a:moveTo>
-                                                                        <a:pt x="0" y="39302"/>
-                                                                      </a:moveTo>
-                                                                      <a:lnTo>
-                                                                        <a:pt x="2974151" y="0"/>
-                                                                      </a:lnTo>
-                                                                      <a:cubicBezTo>
-                                                                        <a:pt x="2972953" y="238349"/>
-                                                                        <a:pt x="2966650" y="461925"/>
-                                                                        <a:pt x="2965452" y="700274"/>
-                                                                      </a:cubicBezTo>
-                                                                      <a:lnTo>
-                                                                        <a:pt x="669357" y="733140"/>
-                                                                      </a:lnTo>
-                                                                      <a:lnTo>
-                                                                        <a:pt x="0" y="39302"/>
-                                                                      </a:lnTo>
-                                                                      <a:close/>
-                                                                    </a:path>
-                                                                  </a:pathLst>
-                                                                </a:custGeom>
-                                                                <a:solidFill>
-                                                                  <a:srgbClr val="00B050"/>
-                                                                </a:solidFill>
-                                                                <a:ln>
-                                                                  <a:noFill/>
-                                                                </a:ln>
-                                                              </p:spPr>
-                                                              <p:style>
-                                                                <a:lnRef idx="2">
-                                                                  <a:schemeClr val="accent1">
-                                                                    <a:shade val="50000"/>
-                                                                  </a:schemeClr>
-                                                                </a:lnRef>
-                                                                <a:fillRef idx="1">
-                                                                  <a:schemeClr val="accent1"/>
-                                                                </a:fillRef>
-                                                                <a:effectRef idx="0">
-                                                                  <a:schemeClr val="accent1"/>
-                                                                </a:effectRef>
-                                                                <a:fontRef idx="minor">
-                                                                  <a:schemeClr val="lt1"/>
-                                                                </a:fontRef>
-                                                              </p:style>
-                                                              <p:txBody>
-                                                                <a:bodyPr rtlCol="0" anchor="ctr"/>
-                                                                <a:lstStyle/>
-                                                                <a:p>
-                                                                  <a:pPr algn="ctr"/>
-                                                                  <a:endParaRPr lang="nb-NO" sz="1400" dirty="0">
-                                                                    <a:solidFill>
-                                                                      <a:srgbClr val="00B050"/>
-                                                                    </a:solidFill>
-                                                                  </a:endParaRPr>
-                                                                </a:p>
-                                                              </p:txBody>
-                                                            </p:sp>
-                                                            <p:sp>
-                                                              <p:nvSpPr>
-                                                                <p:cNvPr id="63" name="Rectangle 7"/>
-                                                                <p:cNvSpPr/>
-                                                                <p:nvPr/>
-                                                              </p:nvSpPr>
-                                                              <p:spPr>
-                                                                <a:xfrm rot="9000000">
-                                                                  <a:off x="3208490" y="2848433"/>
-                                                                  <a:ext cx="1939288" cy="742288"/>
-                                                                </a:xfrm>
-                                                                <a:custGeom>
-                                                                  <a:avLst/>
-                                                                  <a:gdLst>
-                                                                    <a:gd name="connsiteX0" fmla="*/ 0 w 2409568"/>
-                                                                    <a:gd name="connsiteY0" fmla="*/ 0 h 633075"/>
-                                                                    <a:gd name="connsiteX1" fmla="*/ 2409568 w 2409568"/>
-                                                                    <a:gd name="connsiteY1" fmla="*/ 0 h 633075"/>
-                                                                    <a:gd name="connsiteX2" fmla="*/ 2409568 w 2409568"/>
-                                                                    <a:gd name="connsiteY2" fmla="*/ 633075 h 633075"/>
-                                                                    <a:gd name="connsiteX3" fmla="*/ 0 w 2409568"/>
-                                                                    <a:gd name="connsiteY3" fmla="*/ 633075 h 633075"/>
-                                                                    <a:gd name="connsiteX4" fmla="*/ 0 w 2409568"/>
-                                                                    <a:gd name="connsiteY4" fmla="*/ 0 h 633075"/>
-                                                                    <a:gd name="connsiteX0" fmla="*/ 325646 w 2735214"/>
-                                                                    <a:gd name="connsiteY0" fmla="*/ 0 h 640217"/>
-                                                                    <a:gd name="connsiteX1" fmla="*/ 2735214 w 2735214"/>
-                                                                    <a:gd name="connsiteY1" fmla="*/ 0 h 640217"/>
-                                                                    <a:gd name="connsiteX2" fmla="*/ 2735214 w 2735214"/>
-                                                                    <a:gd name="connsiteY2" fmla="*/ 633075 h 640217"/>
-                                                                    <a:gd name="connsiteX3" fmla="*/ 0 w 2735214"/>
-                                                                    <a:gd name="connsiteY3" fmla="*/ 640217 h 640217"/>
-                                                                    <a:gd name="connsiteX4" fmla="*/ 325646 w 2735214"/>
-                                                                    <a:gd name="connsiteY4" fmla="*/ 0 h 640217"/>
-                                                                    <a:gd name="connsiteX0" fmla="*/ 325646 w 2735214"/>
-                                                                    <a:gd name="connsiteY0" fmla="*/ 0 h 640217"/>
-                                                                    <a:gd name="connsiteX1" fmla="*/ 2703341 w 2735214"/>
-                                                                    <a:gd name="connsiteY1" fmla="*/ 9139 h 640217"/>
-                                                                    <a:gd name="connsiteX2" fmla="*/ 2735214 w 2735214"/>
-                                                                    <a:gd name="connsiteY2" fmla="*/ 633075 h 640217"/>
-                                                                    <a:gd name="connsiteX3" fmla="*/ 0 w 2735214"/>
-                                                                    <a:gd name="connsiteY3" fmla="*/ 640217 h 640217"/>
-                                                                    <a:gd name="connsiteX4" fmla="*/ 325646 w 2735214"/>
-                                                                    <a:gd name="connsiteY4" fmla="*/ 0 h 640217"/>
-                                                                    <a:gd name="connsiteX0" fmla="*/ 325646 w 2745467"/>
-                                                                    <a:gd name="connsiteY0" fmla="*/ 0 h 640217"/>
-                                                                    <a:gd name="connsiteX1" fmla="*/ 2745467 w 2745467"/>
-                                                                    <a:gd name="connsiteY1" fmla="*/ 5683 h 640217"/>
-                                                                    <a:gd name="connsiteX2" fmla="*/ 2735214 w 2745467"/>
-                                                                    <a:gd name="connsiteY2" fmla="*/ 633075 h 640217"/>
-                                                                    <a:gd name="connsiteX3" fmla="*/ 0 w 2745467"/>
-                                                                    <a:gd name="connsiteY3" fmla="*/ 640217 h 640217"/>
-                                                                    <a:gd name="connsiteX4" fmla="*/ 325646 w 2745467"/>
-                                                                    <a:gd name="connsiteY4" fmla="*/ 0 h 640217"/>
-                                                                    <a:gd name="connsiteX0" fmla="*/ 423511 w 2843332"/>
-                                                                    <a:gd name="connsiteY0" fmla="*/ 0 h 663088"/>
-                                                                    <a:gd name="connsiteX1" fmla="*/ 2843332 w 2843332"/>
-                                                                    <a:gd name="connsiteY1" fmla="*/ 5683 h 663088"/>
-                                                                    <a:gd name="connsiteX2" fmla="*/ 2833079 w 2843332"/>
-                                                                    <a:gd name="connsiteY2" fmla="*/ 633075 h 663088"/>
-                                                                    <a:gd name="connsiteX3" fmla="*/ 0 w 2843332"/>
-                                                                    <a:gd name="connsiteY3" fmla="*/ 663088 h 663088"/>
-                                                                    <a:gd name="connsiteX4" fmla="*/ 423511 w 2843332"/>
-                                                                    <a:gd name="connsiteY4" fmla="*/ 0 h 663088"/>
-                                                                    <a:gd name="connsiteX0" fmla="*/ 488636 w 2908457"/>
-                                                                    <a:gd name="connsiteY0" fmla="*/ 0 h 660103"/>
-                                                                    <a:gd name="connsiteX1" fmla="*/ 2908457 w 2908457"/>
-                                                                    <a:gd name="connsiteY1" fmla="*/ 5683 h 660103"/>
-                                                                    <a:gd name="connsiteX2" fmla="*/ 2898204 w 2908457"/>
-                                                                    <a:gd name="connsiteY2" fmla="*/ 633075 h 660103"/>
-                                                                    <a:gd name="connsiteX3" fmla="*/ 0 w 2908457"/>
-                                                                    <a:gd name="connsiteY3" fmla="*/ 660103 h 660103"/>
-                                                                    <a:gd name="connsiteX4" fmla="*/ 488636 w 2908457"/>
-                                                                    <a:gd name="connsiteY4" fmla="*/ 0 h 660103"/>
-                                                                    <a:gd name="connsiteX0" fmla="*/ 0 w 2419821"/>
-                                                                    <a:gd name="connsiteY0" fmla="*/ 0 h 647051"/>
-                                                                    <a:gd name="connsiteX1" fmla="*/ 2419821 w 2419821"/>
-                                                                    <a:gd name="connsiteY1" fmla="*/ 5683 h 647051"/>
-                                                                    <a:gd name="connsiteX2" fmla="*/ 2409568 w 2419821"/>
-                                                                    <a:gd name="connsiteY2" fmla="*/ 633075 h 647051"/>
-                                                                    <a:gd name="connsiteX3" fmla="*/ 123556 w 2419821"/>
-                                                                    <a:gd name="connsiteY3" fmla="*/ 647052 h 647051"/>
-                                                                    <a:gd name="connsiteX4" fmla="*/ 0 w 2419821"/>
-                                                                    <a:gd name="connsiteY4" fmla="*/ 0 h 647051"/>
-                                                                    <a:gd name="connsiteX0" fmla="*/ 0 w 2409568"/>
-                                                                    <a:gd name="connsiteY0" fmla="*/ 0 h 647052"/>
-                                                                    <a:gd name="connsiteX1" fmla="*/ 2369604 w 2409568"/>
-                                                                    <a:gd name="connsiteY1" fmla="*/ 2955 h 647052"/>
-                                                                    <a:gd name="connsiteX2" fmla="*/ 2409568 w 2409568"/>
-                                                                    <a:gd name="connsiteY2" fmla="*/ 633075 h 647052"/>
-                                                                    <a:gd name="connsiteX3" fmla="*/ 123556 w 2409568"/>
-                                                                    <a:gd name="connsiteY3" fmla="*/ 647052 h 647052"/>
-                                                                    <a:gd name="connsiteX4" fmla="*/ 0 w 2409568"/>
-                                                                    <a:gd name="connsiteY4" fmla="*/ 0 h 647052"/>
-                                                                    <a:gd name="connsiteX0" fmla="*/ 0 w 2409568"/>
-                                                                    <a:gd name="connsiteY0" fmla="*/ 0 h 639234"/>
-                                                                    <a:gd name="connsiteX1" fmla="*/ 2369604 w 2409568"/>
-                                                                    <a:gd name="connsiteY1" fmla="*/ 2955 h 639234"/>
-                                                                    <a:gd name="connsiteX2" fmla="*/ 2409568 w 2409568"/>
-                                                                    <a:gd name="connsiteY2" fmla="*/ 633075 h 639234"/>
-                                                                    <a:gd name="connsiteX3" fmla="*/ 63597 w 2409568"/>
-                                                                    <a:gd name="connsiteY3" fmla="*/ 639234 h 639234"/>
-                                                                    <a:gd name="connsiteX4" fmla="*/ 0 w 2409568"/>
-                                                                    <a:gd name="connsiteY4" fmla="*/ 0 h 639234"/>
-                                                                  </a:gdLst>
-                                                                  <a:ahLst/>
-                                                                  <a:cxnLst>
-                                                                    <a:cxn ang="0">
-                                                                      <a:pos x="connsiteX0" y="connsiteY0"/>
-                                                                    </a:cxn>
-                                                                    <a:cxn ang="0">
-                                                                      <a:pos x="connsiteX1" y="connsiteY1"/>
-                                                                    </a:cxn>
-                                                                    <a:cxn ang="0">
-                                                                      <a:pos x="connsiteX2" y="connsiteY2"/>
-                                                                    </a:cxn>
-                                                                    <a:cxn ang="0">
-                                                                      <a:pos x="connsiteX3" y="connsiteY3"/>
-                                                                    </a:cxn>
-                                                                    <a:cxn ang="0">
-                                                                      <a:pos x="connsiteX4" y="connsiteY4"/>
-                                                                    </a:cxn>
-                                                                  </a:cxnLst>
-                                                                  <a:rect l="l" t="t" r="r" b="b"/>
-                                                                  <a:pathLst>
-                                                                    <a:path w="2409568" h="639234">
-                                                                      <a:moveTo>
-                                                                        <a:pt x="0" y="0"/>
-                                                                      </a:moveTo>
-                                                                      <a:lnTo>
-                                                                        <a:pt x="2369604" y="2955"/>
-                                                                      </a:lnTo>
-                                                                      <a:lnTo>
-                                                                        <a:pt x="2409568" y="633075"/>
-                                                                      </a:lnTo>
-                                                                      <a:lnTo>
-                                                                        <a:pt x="63597" y="639234"/>
-                                                                      </a:lnTo>
-                                                                      <a:lnTo>
-                                                                        <a:pt x="0" y="0"/>
-                                                                      </a:lnTo>
-                                                                      <a:close/>
-                                                                    </a:path>
-                                                                  </a:pathLst>
-                                                                </a:custGeom>
-                                                                <a:solidFill>
-                                                                  <a:srgbClr val="00B050"/>
-                                                                </a:solidFill>
-                                                                <a:ln>
-                                                                  <a:noFill/>
-                                                                </a:ln>
-                                                              </p:spPr>
-                                                              <p:style>
-                                                                <a:lnRef idx="2">
-                                                                  <a:schemeClr val="accent1">
-                                                                    <a:shade val="50000"/>
-                                                                  </a:schemeClr>
-                                                                </a:lnRef>
-                                                                <a:fillRef idx="1">
-                                                                  <a:schemeClr val="accent1"/>
-                                                                </a:fillRef>
-                                                                <a:effectRef idx="0">
-                                                                  <a:schemeClr val="accent1"/>
-                                                                </a:effectRef>
-                                                                <a:fontRef idx="minor">
-                                                                  <a:schemeClr val="lt1"/>
-                                                                </a:fontRef>
-                                                              </p:style>
-                                                              <p:txBody>
-                                                                <a:bodyPr rtlCol="0" anchor="ctr"/>
-                                                                <a:lstStyle/>
-                                                                <a:p>
-                                                                  <a:pPr algn="ctr"/>
-                                                                  <a:endParaRPr lang="nb-NO" sz="1400" dirty="0"/>
-                                                                </a:p>
-                                                              </p:txBody>
-                                                            </p:sp>
-                                                            <p:sp>
-                                                              <p:nvSpPr>
-                                                                <p:cNvPr id="64" name="Rectangle 7"/>
-                                                                <p:cNvSpPr/>
-                                                                <p:nvPr/>
-                                                              </p:nvSpPr>
-                                                              <p:spPr>
-                                                                <a:xfrm rot="9000000">
-                                                                  <a:off x="2561018" y="1918115"/>
-                                                                  <a:ext cx="1891031" cy="560369"/>
-                                                                </a:xfrm>
-                                                                <a:custGeom>
-                                                                  <a:avLst/>
-                                                                  <a:gdLst>
-                                                                    <a:gd name="connsiteX0" fmla="*/ 0 w 2409568"/>
-                                                                    <a:gd name="connsiteY0" fmla="*/ 0 h 633075"/>
-                                                                    <a:gd name="connsiteX1" fmla="*/ 2409568 w 2409568"/>
-                                                                    <a:gd name="connsiteY1" fmla="*/ 0 h 633075"/>
-                                                                    <a:gd name="connsiteX2" fmla="*/ 2409568 w 2409568"/>
-                                                                    <a:gd name="connsiteY2" fmla="*/ 633075 h 633075"/>
-                                                                    <a:gd name="connsiteX3" fmla="*/ 0 w 2409568"/>
-                                                                    <a:gd name="connsiteY3" fmla="*/ 633075 h 633075"/>
-                                                                    <a:gd name="connsiteX4" fmla="*/ 0 w 2409568"/>
-                                                                    <a:gd name="connsiteY4" fmla="*/ 0 h 633075"/>
-                                                                    <a:gd name="connsiteX0" fmla="*/ 325646 w 2735214"/>
-                                                                    <a:gd name="connsiteY0" fmla="*/ 0 h 640217"/>
-                                                                    <a:gd name="connsiteX1" fmla="*/ 2735214 w 2735214"/>
-                                                                    <a:gd name="connsiteY1" fmla="*/ 0 h 640217"/>
-                                                                    <a:gd name="connsiteX2" fmla="*/ 2735214 w 2735214"/>
-                                                                    <a:gd name="connsiteY2" fmla="*/ 633075 h 640217"/>
-                                                                    <a:gd name="connsiteX3" fmla="*/ 0 w 2735214"/>
-                                                                    <a:gd name="connsiteY3" fmla="*/ 640217 h 640217"/>
-                                                                    <a:gd name="connsiteX4" fmla="*/ 325646 w 2735214"/>
-                                                                    <a:gd name="connsiteY4" fmla="*/ 0 h 640217"/>
-                                                                    <a:gd name="connsiteX0" fmla="*/ 325646 w 2735214"/>
-                                                                    <a:gd name="connsiteY0" fmla="*/ 0 h 640217"/>
-                                                                    <a:gd name="connsiteX1" fmla="*/ 2703341 w 2735214"/>
-                                                                    <a:gd name="connsiteY1" fmla="*/ 9139 h 640217"/>
-                                                                    <a:gd name="connsiteX2" fmla="*/ 2735214 w 2735214"/>
-                                                                    <a:gd name="connsiteY2" fmla="*/ 633075 h 640217"/>
-                                                                    <a:gd name="connsiteX3" fmla="*/ 0 w 2735214"/>
-                                                                    <a:gd name="connsiteY3" fmla="*/ 640217 h 640217"/>
-                                                                    <a:gd name="connsiteX4" fmla="*/ 325646 w 2735214"/>
-                                                                    <a:gd name="connsiteY4" fmla="*/ 0 h 640217"/>
-                                                                    <a:gd name="connsiteX0" fmla="*/ 325646 w 2745467"/>
-                                                                    <a:gd name="connsiteY0" fmla="*/ 0 h 640217"/>
-                                                                    <a:gd name="connsiteX1" fmla="*/ 2745467 w 2745467"/>
-                                                                    <a:gd name="connsiteY1" fmla="*/ 5683 h 640217"/>
-                                                                    <a:gd name="connsiteX2" fmla="*/ 2735214 w 2745467"/>
-                                                                    <a:gd name="connsiteY2" fmla="*/ 633075 h 640217"/>
-                                                                    <a:gd name="connsiteX3" fmla="*/ 0 w 2745467"/>
-                                                                    <a:gd name="connsiteY3" fmla="*/ 640217 h 640217"/>
-                                                                    <a:gd name="connsiteX4" fmla="*/ 325646 w 2745467"/>
-                                                                    <a:gd name="connsiteY4" fmla="*/ 0 h 640217"/>
-                                                                    <a:gd name="connsiteX0" fmla="*/ 423511 w 2843332"/>
-                                                                    <a:gd name="connsiteY0" fmla="*/ 0 h 663088"/>
-                                                                    <a:gd name="connsiteX1" fmla="*/ 2843332 w 2843332"/>
-                                                                    <a:gd name="connsiteY1" fmla="*/ 5683 h 663088"/>
-                                                                    <a:gd name="connsiteX2" fmla="*/ 2833079 w 2843332"/>
-                                                                    <a:gd name="connsiteY2" fmla="*/ 633075 h 663088"/>
-                                                                    <a:gd name="connsiteX3" fmla="*/ 0 w 2843332"/>
-                                                                    <a:gd name="connsiteY3" fmla="*/ 663088 h 663088"/>
-                                                                    <a:gd name="connsiteX4" fmla="*/ 423511 w 2843332"/>
-                                                                    <a:gd name="connsiteY4" fmla="*/ 0 h 663088"/>
-                                                                    <a:gd name="connsiteX0" fmla="*/ 488636 w 2908457"/>
-                                                                    <a:gd name="connsiteY0" fmla="*/ 0 h 660103"/>
-                                                                    <a:gd name="connsiteX1" fmla="*/ 2908457 w 2908457"/>
-                                                                    <a:gd name="connsiteY1" fmla="*/ 5683 h 660103"/>
-                                                                    <a:gd name="connsiteX2" fmla="*/ 2898204 w 2908457"/>
-                                                                    <a:gd name="connsiteY2" fmla="*/ 633075 h 660103"/>
-                                                                    <a:gd name="connsiteX3" fmla="*/ 0 w 2908457"/>
-                                                                    <a:gd name="connsiteY3" fmla="*/ 660103 h 660103"/>
-                                                                    <a:gd name="connsiteX4" fmla="*/ 488636 w 2908457"/>
-                                                                    <a:gd name="connsiteY4" fmla="*/ 0 h 660103"/>
-                                                                    <a:gd name="connsiteX0" fmla="*/ 0 w 2419821"/>
-                                                                    <a:gd name="connsiteY0" fmla="*/ 0 h 647051"/>
-                                                                    <a:gd name="connsiteX1" fmla="*/ 2419821 w 2419821"/>
-                                                                    <a:gd name="connsiteY1" fmla="*/ 5683 h 647051"/>
-                                                                    <a:gd name="connsiteX2" fmla="*/ 2409568 w 2419821"/>
-                                                                    <a:gd name="connsiteY2" fmla="*/ 633075 h 647051"/>
-                                                                    <a:gd name="connsiteX3" fmla="*/ 123556 w 2419821"/>
-                                                                    <a:gd name="connsiteY3" fmla="*/ 647052 h 647051"/>
-                                                                    <a:gd name="connsiteX4" fmla="*/ 0 w 2419821"/>
-                                                                    <a:gd name="connsiteY4" fmla="*/ 0 h 647051"/>
-                                                                    <a:gd name="connsiteX0" fmla="*/ 0 w 2409568"/>
-                                                                    <a:gd name="connsiteY0" fmla="*/ 0 h 647052"/>
-                                                                    <a:gd name="connsiteX1" fmla="*/ 2369604 w 2409568"/>
-                                                                    <a:gd name="connsiteY1" fmla="*/ 2955 h 647052"/>
-                                                                    <a:gd name="connsiteX2" fmla="*/ 2409568 w 2409568"/>
-                                                                    <a:gd name="connsiteY2" fmla="*/ 633075 h 647052"/>
-                                                                    <a:gd name="connsiteX3" fmla="*/ 123556 w 2409568"/>
-                                                                    <a:gd name="connsiteY3" fmla="*/ 647052 h 647052"/>
-                                                                    <a:gd name="connsiteX4" fmla="*/ 0 w 2409568"/>
-                                                                    <a:gd name="connsiteY4" fmla="*/ 0 h 647052"/>
-                                                                    <a:gd name="connsiteX0" fmla="*/ 0 w 2409568"/>
-                                                                    <a:gd name="connsiteY0" fmla="*/ 0 h 639234"/>
-                                                                    <a:gd name="connsiteX1" fmla="*/ 2369604 w 2409568"/>
-                                                                    <a:gd name="connsiteY1" fmla="*/ 2955 h 639234"/>
-                                                                    <a:gd name="connsiteX2" fmla="*/ 2409568 w 2409568"/>
-                                                                    <a:gd name="connsiteY2" fmla="*/ 633075 h 639234"/>
-                                                                    <a:gd name="connsiteX3" fmla="*/ 63597 w 2409568"/>
-                                                                    <a:gd name="connsiteY3" fmla="*/ 639234 h 639234"/>
-                                                                    <a:gd name="connsiteX4" fmla="*/ 0 w 2409568"/>
-                                                                    <a:gd name="connsiteY4" fmla="*/ 0 h 639234"/>
-                                                                    <a:gd name="connsiteX0" fmla="*/ 0 w 2409568"/>
-                                                                    <a:gd name="connsiteY0" fmla="*/ 0 h 633075"/>
-                                                                    <a:gd name="connsiteX1" fmla="*/ 2369604 w 2409568"/>
-                                                                    <a:gd name="connsiteY1" fmla="*/ 2955 h 633075"/>
-                                                                    <a:gd name="connsiteX2" fmla="*/ 2409568 w 2409568"/>
-                                                                    <a:gd name="connsiteY2" fmla="*/ 633075 h 633075"/>
-                                                                    <a:gd name="connsiteX3" fmla="*/ 150171 w 2409568"/>
-                                                                    <a:gd name="connsiteY3" fmla="*/ 625693 h 633075"/>
-                                                                    <a:gd name="connsiteX4" fmla="*/ 0 w 2409568"/>
-                                                                    <a:gd name="connsiteY4" fmla="*/ 0 h 633075"/>
-                                                                    <a:gd name="connsiteX0" fmla="*/ 0 w 2314760"/>
-                                                                    <a:gd name="connsiteY0" fmla="*/ 11318 h 630120"/>
-                                                                    <a:gd name="connsiteX1" fmla="*/ 2274796 w 2314760"/>
-                                                                    <a:gd name="connsiteY1" fmla="*/ 0 h 630120"/>
-                                                                    <a:gd name="connsiteX2" fmla="*/ 2314760 w 2314760"/>
-                                                                    <a:gd name="connsiteY2" fmla="*/ 630120 h 630120"/>
-                                                                    <a:gd name="connsiteX3" fmla="*/ 55363 w 2314760"/>
-                                                                    <a:gd name="connsiteY3" fmla="*/ 622738 h 630120"/>
-                                                                    <a:gd name="connsiteX4" fmla="*/ 0 w 2314760"/>
-                                                                    <a:gd name="connsiteY4" fmla="*/ 11318 h 630120"/>
-                                                                    <a:gd name="connsiteX0" fmla="*/ -1 w 2349608"/>
-                                                                    <a:gd name="connsiteY0" fmla="*/ 4865 h 630120"/>
-                                                                    <a:gd name="connsiteX1" fmla="*/ 2309644 w 2349608"/>
-                                                                    <a:gd name="connsiteY1" fmla="*/ 0 h 630120"/>
-                                                                    <a:gd name="connsiteX2" fmla="*/ 2349608 w 2349608"/>
-                                                                    <a:gd name="connsiteY2" fmla="*/ 630120 h 630120"/>
-                                                                    <a:gd name="connsiteX3" fmla="*/ 90211 w 2349608"/>
-                                                                    <a:gd name="connsiteY3" fmla="*/ 622738 h 630120"/>
-                                                                    <a:gd name="connsiteX4" fmla="*/ -1 w 2349608"/>
-                                                                    <a:gd name="connsiteY4" fmla="*/ 4865 h 630120"/>
-                                                                  </a:gdLst>
-                                                                  <a:ahLst/>
-                                                                  <a:cxnLst>
-                                                                    <a:cxn ang="0">
-                                                                      <a:pos x="connsiteX0" y="connsiteY0"/>
-                                                                    </a:cxn>
-                                                                    <a:cxn ang="0">
-                                                                      <a:pos x="connsiteX1" y="connsiteY1"/>
-                                                                    </a:cxn>
-                                                                    <a:cxn ang="0">
-                                                                      <a:pos x="connsiteX2" y="connsiteY2"/>
-                                                                    </a:cxn>
-                                                                    <a:cxn ang="0">
-                                                                      <a:pos x="connsiteX3" y="connsiteY3"/>
-                                                                    </a:cxn>
-                                                                    <a:cxn ang="0">
-                                                                      <a:pos x="connsiteX4" y="connsiteY4"/>
-                                                                    </a:cxn>
-                                                                  </a:cxnLst>
-                                                                  <a:rect l="l" t="t" r="r" b="b"/>
-                                                                  <a:pathLst>
-                                                                    <a:path w="2349608" h="630120">
-                                                                      <a:moveTo>
-                                                                        <a:pt x="-1" y="4865"/>
-                                                                      </a:moveTo>
-                                                                      <a:lnTo>
-                                                                        <a:pt x="2309644" y="0"/>
-                                                                      </a:lnTo>
-                                                                      <a:lnTo>
-                                                                        <a:pt x="2349608" y="630120"/>
-                                                                      </a:lnTo>
-                                                                      <a:lnTo>
-                                                                        <a:pt x="90211" y="622738"/>
-                                                                      </a:lnTo>
-                                                                      <a:lnTo>
-                                                                        <a:pt x="-1" y="4865"/>
-                                                                      </a:lnTo>
-                                                                      <a:close/>
-                                                                    </a:path>
-                                                                  </a:pathLst>
-                                                                </a:custGeom>
-                                                                <a:solidFill>
-                                                                  <a:srgbClr val="00B050"/>
-                                                                </a:solidFill>
-                                                                <a:ln>
-                                                                  <a:noFill/>
-                                                                </a:ln>
-                                                              </p:spPr>
-                                                              <p:style>
-                                                                <a:lnRef idx="2">
-                                                                  <a:schemeClr val="accent1">
-                                                                    <a:shade val="50000"/>
-                                                                  </a:schemeClr>
-                                                                </a:lnRef>
-                                                                <a:fillRef idx="1">
-                                                                  <a:schemeClr val="accent1"/>
-                                                                </a:fillRef>
-                                                                <a:effectRef idx="0">
-                                                                  <a:schemeClr val="accent1"/>
-                                                                </a:effectRef>
-                                                                <a:fontRef idx="minor">
-                                                                  <a:schemeClr val="lt1"/>
-                                                                </a:fontRef>
-                                                              </p:style>
-                                                              <p:txBody>
-                                                                <a:bodyPr rtlCol="0" anchor="ctr"/>
-                                                                <a:lstStyle/>
-                                                                <a:p>
-                                                                  <a:pPr algn="ctr"/>
-                                                                  <a:endParaRPr lang="nb-NO" sz="1400" dirty="0"/>
-                                                                </a:p>
-                                                              </p:txBody>
-                                                            </p:sp>
-                                                            <p:sp>
-                                                              <p:nvSpPr>
-                                                                <p:cNvPr id="65" name="Rectangle 7"/>
-                                                                <p:cNvSpPr/>
-                                                                <p:nvPr/>
-                                                              </p:nvSpPr>
-                                                              <p:spPr>
-                                                                <a:xfrm rot="9000000">
-                                                                  <a:off x="4647118" y="1655590"/>
-                                                                  <a:ext cx="1951655" cy="649107"/>
-                                                                </a:xfrm>
-                                                                <a:custGeom>
-                                                                  <a:avLst/>
-                                                                  <a:gdLst>
-                                                                    <a:gd name="connsiteX0" fmla="*/ 0 w 2409568"/>
-                                                                    <a:gd name="connsiteY0" fmla="*/ 0 h 633075"/>
-                                                                    <a:gd name="connsiteX1" fmla="*/ 2409568 w 2409568"/>
-                                                                    <a:gd name="connsiteY1" fmla="*/ 0 h 633075"/>
-                                                                    <a:gd name="connsiteX2" fmla="*/ 2409568 w 2409568"/>
-                                                                    <a:gd name="connsiteY2" fmla="*/ 633075 h 633075"/>
-                                                                    <a:gd name="connsiteX3" fmla="*/ 0 w 2409568"/>
-                                                                    <a:gd name="connsiteY3" fmla="*/ 633075 h 633075"/>
-                                                                    <a:gd name="connsiteX4" fmla="*/ 0 w 2409568"/>
-                                                                    <a:gd name="connsiteY4" fmla="*/ 0 h 633075"/>
-                                                                    <a:gd name="connsiteX0" fmla="*/ 325646 w 2735214"/>
-                                                                    <a:gd name="connsiteY0" fmla="*/ 0 h 640217"/>
-                                                                    <a:gd name="connsiteX1" fmla="*/ 2735214 w 2735214"/>
-                                                                    <a:gd name="connsiteY1" fmla="*/ 0 h 640217"/>
-                                                                    <a:gd name="connsiteX2" fmla="*/ 2735214 w 2735214"/>
-                                                                    <a:gd name="connsiteY2" fmla="*/ 633075 h 640217"/>
-                                                                    <a:gd name="connsiteX3" fmla="*/ 0 w 2735214"/>
-                                                                    <a:gd name="connsiteY3" fmla="*/ 640217 h 640217"/>
-                                                                    <a:gd name="connsiteX4" fmla="*/ 325646 w 2735214"/>
-                                                                    <a:gd name="connsiteY4" fmla="*/ 0 h 640217"/>
-                                                                    <a:gd name="connsiteX0" fmla="*/ 325646 w 2735214"/>
-                                                                    <a:gd name="connsiteY0" fmla="*/ 0 h 640217"/>
-                                                                    <a:gd name="connsiteX1" fmla="*/ 2703341 w 2735214"/>
-                                                                    <a:gd name="connsiteY1" fmla="*/ 9139 h 640217"/>
-                                                                    <a:gd name="connsiteX2" fmla="*/ 2735214 w 2735214"/>
-                                                                    <a:gd name="connsiteY2" fmla="*/ 633075 h 640217"/>
-                                                                    <a:gd name="connsiteX3" fmla="*/ 0 w 2735214"/>
-                                                                    <a:gd name="connsiteY3" fmla="*/ 640217 h 640217"/>
-                                                                    <a:gd name="connsiteX4" fmla="*/ 325646 w 2735214"/>
-                                                                    <a:gd name="connsiteY4" fmla="*/ 0 h 640217"/>
-                                                                    <a:gd name="connsiteX0" fmla="*/ 325646 w 2745467"/>
-                                                                    <a:gd name="connsiteY0" fmla="*/ 0 h 640217"/>
-                                                                    <a:gd name="connsiteX1" fmla="*/ 2745467 w 2745467"/>
-                                                                    <a:gd name="connsiteY1" fmla="*/ 5683 h 640217"/>
-                                                                    <a:gd name="connsiteX2" fmla="*/ 2735214 w 2745467"/>
-                                                                    <a:gd name="connsiteY2" fmla="*/ 633075 h 640217"/>
-                                                                    <a:gd name="connsiteX3" fmla="*/ 0 w 2745467"/>
-                                                                    <a:gd name="connsiteY3" fmla="*/ 640217 h 640217"/>
-                                                                    <a:gd name="connsiteX4" fmla="*/ 325646 w 2745467"/>
-                                                                    <a:gd name="connsiteY4" fmla="*/ 0 h 640217"/>
-                                                                    <a:gd name="connsiteX0" fmla="*/ 423511 w 2843332"/>
-                                                                    <a:gd name="connsiteY0" fmla="*/ 0 h 663088"/>
-                                                                    <a:gd name="connsiteX1" fmla="*/ 2843332 w 2843332"/>
-                                                                    <a:gd name="connsiteY1" fmla="*/ 5683 h 663088"/>
-                                                                    <a:gd name="connsiteX2" fmla="*/ 2833079 w 2843332"/>
-                                                                    <a:gd name="connsiteY2" fmla="*/ 633075 h 663088"/>
-                                                                    <a:gd name="connsiteX3" fmla="*/ 0 w 2843332"/>
-                                                                    <a:gd name="connsiteY3" fmla="*/ 663088 h 663088"/>
-                                                                    <a:gd name="connsiteX4" fmla="*/ 423511 w 2843332"/>
-                                                                    <a:gd name="connsiteY4" fmla="*/ 0 h 663088"/>
-                                                                    <a:gd name="connsiteX0" fmla="*/ 488636 w 2908457"/>
-                                                                    <a:gd name="connsiteY0" fmla="*/ 0 h 660103"/>
-                                                                    <a:gd name="connsiteX1" fmla="*/ 2908457 w 2908457"/>
-                                                                    <a:gd name="connsiteY1" fmla="*/ 5683 h 660103"/>
-                                                                    <a:gd name="connsiteX2" fmla="*/ 2898204 w 2908457"/>
-                                                                    <a:gd name="connsiteY2" fmla="*/ 633075 h 660103"/>
-                                                                    <a:gd name="connsiteX3" fmla="*/ 0 w 2908457"/>
-                                                                    <a:gd name="connsiteY3" fmla="*/ 660103 h 660103"/>
-                                                                    <a:gd name="connsiteX4" fmla="*/ 488636 w 2908457"/>
-                                                                    <a:gd name="connsiteY4" fmla="*/ 0 h 660103"/>
-                                                                    <a:gd name="connsiteX0" fmla="*/ 0 w 2419821"/>
-                                                                    <a:gd name="connsiteY0" fmla="*/ 0 h 647051"/>
-                                                                    <a:gd name="connsiteX1" fmla="*/ 2419821 w 2419821"/>
-                                                                    <a:gd name="connsiteY1" fmla="*/ 5683 h 647051"/>
-                                                                    <a:gd name="connsiteX2" fmla="*/ 2409568 w 2419821"/>
-                                                                    <a:gd name="connsiteY2" fmla="*/ 633075 h 647051"/>
-                                                                    <a:gd name="connsiteX3" fmla="*/ 123556 w 2419821"/>
-                                                                    <a:gd name="connsiteY3" fmla="*/ 647052 h 647051"/>
-                                                                    <a:gd name="connsiteX4" fmla="*/ 0 w 2419821"/>
-                                                                    <a:gd name="connsiteY4" fmla="*/ 0 h 647051"/>
-                                                                    <a:gd name="connsiteX0" fmla="*/ 0 w 2409568"/>
-                                                                    <a:gd name="connsiteY0" fmla="*/ 0 h 647052"/>
-                                                                    <a:gd name="connsiteX1" fmla="*/ 2369604 w 2409568"/>
-                                                                    <a:gd name="connsiteY1" fmla="*/ 2955 h 647052"/>
-                                                                    <a:gd name="connsiteX2" fmla="*/ 2409568 w 2409568"/>
-                                                                    <a:gd name="connsiteY2" fmla="*/ 633075 h 647052"/>
-                                                                    <a:gd name="connsiteX3" fmla="*/ 123556 w 2409568"/>
-                                                                    <a:gd name="connsiteY3" fmla="*/ 647052 h 647052"/>
-                                                                    <a:gd name="connsiteX4" fmla="*/ 0 w 2409568"/>
-                                                                    <a:gd name="connsiteY4" fmla="*/ 0 h 647052"/>
-                                                                    <a:gd name="connsiteX0" fmla="*/ 0 w 2409568"/>
-                                                                    <a:gd name="connsiteY0" fmla="*/ 0 h 647052"/>
-                                                                    <a:gd name="connsiteX1" fmla="*/ 2352731 w 2409568"/>
-                                                                    <a:gd name="connsiteY1" fmla="*/ 31924 h 647052"/>
-                                                                    <a:gd name="connsiteX2" fmla="*/ 2409568 w 2409568"/>
-                                                                    <a:gd name="connsiteY2" fmla="*/ 633075 h 647052"/>
-                                                                    <a:gd name="connsiteX3" fmla="*/ 123556 w 2409568"/>
-                                                                    <a:gd name="connsiteY3" fmla="*/ 647052 h 647052"/>
-                                                                    <a:gd name="connsiteX4" fmla="*/ 0 w 2409568"/>
-                                                                    <a:gd name="connsiteY4" fmla="*/ 0 h 647052"/>
-                                                                    <a:gd name="connsiteX0" fmla="*/ 0 w 2409568"/>
-                                                                    <a:gd name="connsiteY0" fmla="*/ 1523 h 648575"/>
-                                                                    <a:gd name="connsiteX1" fmla="*/ 2294281 w 2409568"/>
-                                                                    <a:gd name="connsiteY1" fmla="*/ 0 h 648575"/>
-                                                                    <a:gd name="connsiteX2" fmla="*/ 2409568 w 2409568"/>
-                                                                    <a:gd name="connsiteY2" fmla="*/ 634598 h 648575"/>
-                                                                    <a:gd name="connsiteX3" fmla="*/ 123556 w 2409568"/>
-                                                                    <a:gd name="connsiteY3" fmla="*/ 648575 h 648575"/>
-                                                                    <a:gd name="connsiteX4" fmla="*/ 0 w 2409568"/>
-                                                                    <a:gd name="connsiteY4" fmla="*/ 1523 h 648575"/>
-                                                                    <a:gd name="connsiteX0" fmla="*/ 0 w 2409568"/>
-                                                                    <a:gd name="connsiteY0" fmla="*/ 12273 h 659325"/>
-                                                                    <a:gd name="connsiteX1" fmla="*/ 2365490 w 2409568"/>
-                                                                    <a:gd name="connsiteY1" fmla="*/ 0 h 659325"/>
-                                                                    <a:gd name="connsiteX2" fmla="*/ 2409568 w 2409568"/>
-                                                                    <a:gd name="connsiteY2" fmla="*/ 645348 h 659325"/>
-                                                                    <a:gd name="connsiteX3" fmla="*/ 123556 w 2409568"/>
-                                                                    <a:gd name="connsiteY3" fmla="*/ 659325 h 659325"/>
-                                                                    <a:gd name="connsiteX4" fmla="*/ 0 w 2409568"/>
-                                                                    <a:gd name="connsiteY4" fmla="*/ 12273 h 659325"/>
-                                                                    <a:gd name="connsiteX0" fmla="*/ 0 w 2409568"/>
-                                                                    <a:gd name="connsiteY0" fmla="*/ 12273 h 656340"/>
-                                                                    <a:gd name="connsiteX1" fmla="*/ 2365490 w 2409568"/>
-                                                                    <a:gd name="connsiteY1" fmla="*/ 0 h 656340"/>
-                                                                    <a:gd name="connsiteX2" fmla="*/ 2409568 w 2409568"/>
-                                                                    <a:gd name="connsiteY2" fmla="*/ 645348 h 656340"/>
-                                                                    <a:gd name="connsiteX3" fmla="*/ 73338 w 2409568"/>
-                                                                    <a:gd name="connsiteY3" fmla="*/ 656340 h 656340"/>
-                                                                    <a:gd name="connsiteX4" fmla="*/ 0 w 2409568"/>
-                                                                    <a:gd name="connsiteY4" fmla="*/ 12273 h 656340"/>
-                                                                    <a:gd name="connsiteX0" fmla="*/ 0 w 2409568"/>
-                                                                    <a:gd name="connsiteY0" fmla="*/ 4111 h 648178"/>
-                                                                    <a:gd name="connsiteX1" fmla="*/ 2334759 w 2409568"/>
-                                                                    <a:gd name="connsiteY1" fmla="*/ 1 h 648178"/>
-                                                                    <a:gd name="connsiteX2" fmla="*/ 2409568 w 2409568"/>
-                                                                    <a:gd name="connsiteY2" fmla="*/ 637186 h 648178"/>
-                                                                    <a:gd name="connsiteX3" fmla="*/ 73338 w 2409568"/>
-                                                                    <a:gd name="connsiteY3" fmla="*/ 648178 h 648178"/>
-                                                                    <a:gd name="connsiteX4" fmla="*/ 0 w 2409568"/>
-                                                                    <a:gd name="connsiteY4" fmla="*/ 4111 h 648178"/>
-                                                                    <a:gd name="connsiteX0" fmla="*/ 1 w 2463903"/>
-                                                                    <a:gd name="connsiteY0" fmla="*/ 0 h 662285"/>
-                                                                    <a:gd name="connsiteX1" fmla="*/ 2389094 w 2463903"/>
-                                                                    <a:gd name="connsiteY1" fmla="*/ 14108 h 662285"/>
-                                                                    <a:gd name="connsiteX2" fmla="*/ 2463903 w 2463903"/>
-                                                                    <a:gd name="connsiteY2" fmla="*/ 651293 h 662285"/>
-                                                                    <a:gd name="connsiteX3" fmla="*/ 127673 w 2463903"/>
-                                                                    <a:gd name="connsiteY3" fmla="*/ 662285 h 662285"/>
-                                                                    <a:gd name="connsiteX4" fmla="*/ 1 w 2463903"/>
-                                                                    <a:gd name="connsiteY4" fmla="*/ 0 h 662285"/>
-                                                                    <a:gd name="connsiteX0" fmla="*/ 0 w 2463902"/>
-                                                                    <a:gd name="connsiteY0" fmla="*/ 0 h 657804"/>
-                                                                    <a:gd name="connsiteX1" fmla="*/ 2389093 w 2463902"/>
-                                                                    <a:gd name="connsiteY1" fmla="*/ 14108 h 657804"/>
-                                                                    <a:gd name="connsiteX2" fmla="*/ 2463902 w 2463902"/>
-                                                                    <a:gd name="connsiteY2" fmla="*/ 651293 h 657804"/>
-                                                                    <a:gd name="connsiteX3" fmla="*/ 52348 w 2463902"/>
-                                                                    <a:gd name="connsiteY3" fmla="*/ 657803 h 657804"/>
-                                                                    <a:gd name="connsiteX4" fmla="*/ 0 w 2463902"/>
-                                                                    <a:gd name="connsiteY4" fmla="*/ 0 h 657804"/>
-                                                                    <a:gd name="connsiteX0" fmla="*/ 0 w 2463902"/>
-                                                                    <a:gd name="connsiteY0" fmla="*/ 0 h 656708"/>
-                                                                    <a:gd name="connsiteX1" fmla="*/ 2389093 w 2463902"/>
-                                                                    <a:gd name="connsiteY1" fmla="*/ 14108 h 656708"/>
-                                                                    <a:gd name="connsiteX2" fmla="*/ 2463902 w 2463902"/>
-                                                                    <a:gd name="connsiteY2" fmla="*/ 651293 h 656708"/>
-                                                                    <a:gd name="connsiteX3" fmla="*/ 117930 w 2463902"/>
-                                                                    <a:gd name="connsiteY3" fmla="*/ 656708 h 656708"/>
-                                                                    <a:gd name="connsiteX4" fmla="*/ 0 w 2463902"/>
-                                                                    <a:gd name="connsiteY4" fmla="*/ 0 h 656708"/>
-                                                                    <a:gd name="connsiteX0" fmla="*/ 0 w 2424935"/>
-                                                                    <a:gd name="connsiteY0" fmla="*/ 8191 h 642600"/>
-                                                                    <a:gd name="connsiteX1" fmla="*/ 2350126 w 2424935"/>
-                                                                    <a:gd name="connsiteY1" fmla="*/ 0 h 642600"/>
-                                                                    <a:gd name="connsiteX2" fmla="*/ 2424935 w 2424935"/>
-                                                                    <a:gd name="connsiteY2" fmla="*/ 637185 h 642600"/>
-                                                                    <a:gd name="connsiteX3" fmla="*/ 78963 w 2424935"/>
-                                                                    <a:gd name="connsiteY3" fmla="*/ 642600 h 642600"/>
-                                                                    <a:gd name="connsiteX4" fmla="*/ 0 w 2424935"/>
-                                                                    <a:gd name="connsiteY4" fmla="*/ 8191 h 642600"/>
-                                                                  </a:gdLst>
-                                                                  <a:ahLst/>
-                                                                  <a:cxnLst>
-                                                                    <a:cxn ang="0">
-                                                                      <a:pos x="connsiteX0" y="connsiteY0"/>
-                                                                    </a:cxn>
-                                                                    <a:cxn ang="0">
-                                                                      <a:pos x="connsiteX1" y="connsiteY1"/>
-                                                                    </a:cxn>
-                                                                    <a:cxn ang="0">
-                                                                      <a:pos x="connsiteX2" y="connsiteY2"/>
-                                                                    </a:cxn>
-                                                                    <a:cxn ang="0">
-                                                                      <a:pos x="connsiteX3" y="connsiteY3"/>
-                                                                    </a:cxn>
-                                                                    <a:cxn ang="0">
-                                                                      <a:pos x="connsiteX4" y="connsiteY4"/>
-                                                                    </a:cxn>
-                                                                  </a:cxnLst>
-                                                                  <a:rect l="l" t="t" r="r" b="b"/>
-                                                                  <a:pathLst>
-                                                                    <a:path w="2424935" h="642600">
-                                                                      <a:moveTo>
-                                                                        <a:pt x="0" y="8191"/>
-                                                                      </a:moveTo>
-                                                                      <a:lnTo>
-                                                                        <a:pt x="2350126" y="0"/>
-                                                                      </a:lnTo>
-                                                                      <a:lnTo>
-                                                                        <a:pt x="2424935" y="637185"/>
-                                                                      </a:lnTo>
-                                                                      <a:lnTo>
-                                                                        <a:pt x="78963" y="642600"/>
-                                                                      </a:lnTo>
-                                                                      <a:lnTo>
-                                                                        <a:pt x="0" y="8191"/>
-                                                                      </a:lnTo>
-                                                                      <a:close/>
-                                                                    </a:path>
-                                                                  </a:pathLst>
-                                                                </a:custGeom>
-                                                                <a:solidFill>
-                                                                  <a:srgbClr val="00B050"/>
-                                                                </a:solidFill>
-                                                                <a:ln>
-                                                                  <a:noFill/>
-                                                                </a:ln>
-                                                              </p:spPr>
-                                                              <p:style>
-                                                                <a:lnRef idx="2">
-                                                                  <a:schemeClr val="accent1">
-                                                                    <a:shade val="50000"/>
-                                                                  </a:schemeClr>
-                                                                </a:lnRef>
-                                                                <a:fillRef idx="1">
-                                                                  <a:schemeClr val="accent1"/>
-                                                                </a:fillRef>
-                                                                <a:effectRef idx="0">
-                                                                  <a:schemeClr val="accent1"/>
-                                                                </a:effectRef>
-                                                                <a:fontRef idx="minor">
-                                                                  <a:schemeClr val="lt1"/>
-                                                                </a:fontRef>
-                                                              </p:style>
-                                                              <p:txBody>
-                                                                <a:bodyPr rtlCol="0" anchor="ctr"/>
-                                                                <a:lstStyle/>
-                                                                <a:p>
-                                                                  <a:pPr algn="ctr"/>
-                                                                  <a:endParaRPr lang="nb-NO" sz="1400" dirty="0"/>
-                                                                </a:p>
-                                                              </p:txBody>
-                                                            </p:sp>
-                                                            <p:sp>
-                                                              <p:nvSpPr>
-                                                                <p:cNvPr id="66" name="Rectangle 65"/>
-                                                                <p:cNvSpPr/>
-                                                                <p:nvPr/>
-                                                              </p:nvSpPr>
-                                                              <p:spPr>
-                                                                <a:xfrm>
-                                                                  <a:off x="4721477" y="866332"/>
-                                                                  <a:ext cx="487826" cy="388177"/>
-                                                                </a:xfrm>
-                                                                <a:prstGeom prst="rect">
-                                                                  <a:avLst/>
-                                                                </a:prstGeom>
-                                                              </p:spPr>
-                                                              <p:txBody>
-                                                                <a:bodyPr wrap="none">
-                                                                  <a:spAutoFit/>
-                                                                </a:bodyPr>
-                                                                <a:lstStyle/>
-                                                                <a:p>
-                                                                  <a:pPr algn="ctr"/>
-                                                                  <a:r>
-                                                                    <a:rPr lang="nb-NO" sz="1400" dirty="0" smtClean="0"/>
-                                                                    <a:t>R3</a:t>
-                                                                  </a:r>
-                                                                  <a:endParaRPr lang="nb-NO" sz="1400" dirty="0"/>
-                                                                </a:p>
-                                                              </p:txBody>
-                                                            </p:sp>
-                                                            <p:sp>
-                                                              <p:nvSpPr>
-                                                                <p:cNvPr id="67" name="Rectangle 66"/>
-                                                                <p:cNvSpPr/>
-                                                                <p:nvPr/>
-                                                              </p:nvSpPr>
-                                                              <p:spPr>
-                                                                <a:xfrm>
-                                                                  <a:off x="5040433" y="1314836"/>
-                                                                  <a:ext cx="487826" cy="388177"/>
-                                                                </a:xfrm>
-                                                                <a:prstGeom prst="rect">
-                                                                  <a:avLst/>
-                                                                </a:prstGeom>
-                                                              </p:spPr>
-                                                              <p:txBody>
-                                                                <a:bodyPr wrap="none">
-                                                                  <a:spAutoFit/>
-                                                                </a:bodyPr>
-                                                                <a:lstStyle/>
-                                                                <a:p>
-                                                                  <a:pPr algn="ctr"/>
-                                                                  <a:r>
-                                                                    <a:rPr lang="nb-NO" sz="1400" dirty="0" smtClean="0"/>
-                                                                    <a:t>R2</a:t>
-                                                                  </a:r>
-                                                                  <a:endParaRPr lang="nb-NO" sz="1400" dirty="0"/>
-                                                                </a:p>
-                                                              </p:txBody>
-                                                            </p:sp>
-                                                            <p:sp>
-                                                              <p:nvSpPr>
-                                                                <p:cNvPr id="68" name="Rectangle 67"/>
-                                                                <p:cNvSpPr/>
-                                                                <p:nvPr/>
-                                                              </p:nvSpPr>
-                                                              <p:spPr>
-                                                                <a:xfrm>
-                                                                  <a:off x="5362916" y="1747215"/>
-                                                                  <a:ext cx="487826" cy="388177"/>
-                                                                </a:xfrm>
-                                                                <a:prstGeom prst="rect">
-                                                                  <a:avLst/>
-                                                                </a:prstGeom>
-                                                              </p:spPr>
-                                                              <p:txBody>
-                                                                <a:bodyPr wrap="none">
-                                                                  <a:spAutoFit/>
-                                                                </a:bodyPr>
-                                                                <a:lstStyle/>
-                                                                <a:p>
-                                                                  <a:pPr algn="ctr"/>
-                                                                  <a:r>
-                                                                    <a:rPr lang="nb-NO" sz="1400" dirty="0" smtClean="0"/>
-                                                                    <a:t>R1</a:t>
-                                                                  </a:r>
-                                                                  <a:endParaRPr lang="nb-NO" sz="1400" dirty="0"/>
-                                                                </a:p>
-                                                              </p:txBody>
-                                                            </p:sp>
-                                                            <p:sp>
-                                                              <p:nvSpPr>
-                                                                <p:cNvPr id="69" name="Rectangle 68"/>
-                                                                <p:cNvSpPr/>
-                                                                <p:nvPr/>
-                                                              </p:nvSpPr>
-                                                              <p:spPr>
-                                                                <a:xfrm>
-                                                                  <a:off x="2565242" y="4597905"/>
-                                                                  <a:ext cx="487826" cy="388177"/>
-                                                                </a:xfrm>
-                                                                <a:prstGeom prst="rect">
-                                                                  <a:avLst/>
-                                                                </a:prstGeom>
-                                                              </p:spPr>
-                                                              <p:txBody>
-                                                                <a:bodyPr wrap="none">
-                                                                  <a:spAutoFit/>
-                                                                </a:bodyPr>
-                                                                <a:lstStyle/>
-                                                                <a:p>
-                                                                  <a:pPr algn="ctr"/>
-                                                                  <a:r>
-                                                                    <a:rPr lang="nb-NO" sz="1400" dirty="0" smtClean="0"/>
-                                                                    <a:t>R1</a:t>
-                                                                  </a:r>
-                                                                  <a:endParaRPr lang="nb-NO" sz="1400" dirty="0"/>
-                                                                </a:p>
-                                                              </p:txBody>
-                                                            </p:sp>
-                                                            <p:sp>
-                                                              <p:nvSpPr>
-                                                                <p:cNvPr id="70" name="Rectangle 69"/>
-                                                                <p:cNvSpPr/>
-                                                                <p:nvPr/>
-                                                              </p:nvSpPr>
-                                                              <p:spPr>
-                                                                <a:xfrm>
-                                                                  <a:off x="3804548" y="3012931"/>
-                                                                  <a:ext cx="487826" cy="388177"/>
-                                                                </a:xfrm>
-                                                                <a:prstGeom prst="rect">
-                                                                  <a:avLst/>
-                                                                </a:prstGeom>
-                                                              </p:spPr>
-                                                              <p:txBody>
-                                                                <a:bodyPr wrap="none">
-                                                                  <a:spAutoFit/>
-                                                                </a:bodyPr>
-                                                                <a:lstStyle/>
-                                                                <a:p>
-                                                                  <a:pPr algn="ctr"/>
-                                                                  <a:r>
-                                                                    <a:rPr lang="nb-NO" sz="1400" dirty="0" smtClean="0"/>
-                                                                    <a:t>R1</a:t>
-                                                                  </a:r>
-                                                                  <a:endParaRPr lang="nb-NO" sz="1400" dirty="0"/>
-                                                                </a:p>
-                                                              </p:txBody>
-                                                            </p:sp>
-                                                            <p:sp>
-                                                              <p:nvSpPr>
-                                                                <p:cNvPr id="71" name="Rectangle 70"/>
-                                                                <p:cNvSpPr/>
-                                                                <p:nvPr/>
-                                                              </p:nvSpPr>
-                                                              <p:spPr>
-                                                                <a:xfrm>
-                                                                  <a:off x="2078665" y="3410370"/>
-                                                                  <a:ext cx="487826" cy="388177"/>
-                                                                </a:xfrm>
-                                                                <a:prstGeom prst="rect">
-                                                                  <a:avLst/>
-                                                                </a:prstGeom>
-                                                              </p:spPr>
-                                                              <p:txBody>
-                                                                <a:bodyPr wrap="none">
-                                                                  <a:spAutoFit/>
-                                                                </a:bodyPr>
-                                                                <a:lstStyle/>
-                                                                <a:p>
-                                                                  <a:pPr algn="ctr"/>
-                                                                  <a:r>
-                                                                    <a:rPr lang="nb-NO" sz="1400" dirty="0" smtClean="0"/>
-                                                                    <a:t>R3</a:t>
-                                                                  </a:r>
-                                                                  <a:endParaRPr lang="nb-NO" sz="1400" dirty="0"/>
-                                                                </a:p>
-                                                              </p:txBody>
-                                                            </p:sp>
-                                                            <p:sp>
-                                                              <p:nvSpPr>
-                                                                <p:cNvPr id="72" name="Rectangle 71"/>
-                                                                <p:cNvSpPr/>
-                                                                <p:nvPr/>
-                                                              </p:nvSpPr>
-                                                              <p:spPr>
-                                                                <a:xfrm>
-                                                                  <a:off x="3333801" y="1963188"/>
-                                                                  <a:ext cx="487826" cy="388177"/>
-                                                                </a:xfrm>
-                                                                <a:prstGeom prst="rect">
-                                                                  <a:avLst/>
-                                                                </a:prstGeom>
-                                                              </p:spPr>
-                                                              <p:txBody>
-                                                                <a:bodyPr wrap="none">
-                                                                  <a:spAutoFit/>
-                                                                </a:bodyPr>
-                                                                <a:lstStyle/>
-                                                                <a:p>
-                                                                  <a:pPr algn="ctr"/>
-                                                                  <a:r>
-                                                                    <a:rPr lang="nb-NO" sz="1400" dirty="0" smtClean="0"/>
-                                                                    <a:t>R3</a:t>
-                                                                  </a:r>
-                                                                  <a:endParaRPr lang="nb-NO" sz="1400" dirty="0"/>
-                                                                </a:p>
-                                                              </p:txBody>
-                                                            </p:sp>
-                                                            <p:cxnSp>
-                                                              <p:nvCxnSpPr>
-                                                                <p:cNvPr id="73" name="Straight Connector 72"/>
-                                                                <p:cNvCxnSpPr/>
-                                                                <p:nvPr/>
-                                                              </p:nvCxnSpPr>
-                                                              <p:spPr>
-                                                                <a:xfrm>
-                                                                  <a:off x="5087561" y="-383074"/>
-                                                                  <a:ext cx="1970268" cy="2715594"/>
-                                                                </a:xfrm>
-                                                                <a:prstGeom prst="line">
-                                                                  <a:avLst/>
-                                                                </a:prstGeom>
-                                                              </p:spPr>
-                                                              <p:style>
-                                                                <a:lnRef idx="3">
-                                                                  <a:schemeClr val="dk1"/>
-                                                                </a:lnRef>
-                                                                <a:fillRef idx="0">
-                                                                  <a:schemeClr val="dk1"/>
-                                                                </a:fillRef>
-                                                                <a:effectRef idx="2">
-                                                                  <a:schemeClr val="dk1"/>
-                                                                </a:effectRef>
-                                                                <a:fontRef idx="minor">
-                                                                  <a:schemeClr val="tx1"/>
-                                                                </a:fontRef>
-                                                              </p:style>
-                                                            </p:cxnSp>
-                                                            <p:cxnSp>
-                                                              <p:nvCxnSpPr>
-                                                                <p:cNvPr id="74" name="Straight Connector 73"/>
-                                                                <p:cNvCxnSpPr/>
-                                                                <p:nvPr/>
-                                                              </p:nvCxnSpPr>
-                                                              <p:spPr>
-                                                                <a:xfrm>
-                                                                  <a:off x="1956626" y="1536454"/>
-                                                                  <a:ext cx="2171966" cy="3363712"/>
-                                                                </a:xfrm>
-                                                                <a:prstGeom prst="line">
-                                                                  <a:avLst/>
-                                                                </a:prstGeom>
-                                                                <a:ln w="28575"/>
-                                                              </p:spPr>
-                                                              <p:style>
-                                                                <a:lnRef idx="3">
-                                                                  <a:schemeClr val="dk1"/>
-                                                                </a:lnRef>
-                                                                <a:fillRef idx="0">
-                                                                  <a:schemeClr val="dk1"/>
-                                                                </a:fillRef>
-                                                                <a:effectRef idx="2">
-                                                                  <a:schemeClr val="dk1"/>
-                                                                </a:effectRef>
-                                                                <a:fontRef idx="minor">
-                                                                  <a:schemeClr val="tx1"/>
-                                                                </a:fontRef>
-                                                              </p:style>
-                                                            </p:cxnSp>
-                                                            <p:sp>
-                                                              <p:nvSpPr>
-                                                                <p:cNvPr id="57" name="Rectangle 56"/>
-                                                                <p:cNvSpPr/>
-                                                                <p:nvPr/>
-                                                              </p:nvSpPr>
-                                                              <p:spPr>
-                                                                <a:xfrm>
-                                                                  <a:off x="2374250" y="4160249"/>
-                                                                  <a:ext cx="487826" cy="388177"/>
-                                                                </a:xfrm>
-                                                                <a:prstGeom prst="rect">
-                                                                  <a:avLst/>
-                                                                </a:prstGeom>
-                                                              </p:spPr>
-                                                              <p:txBody>
-                                                                <a:bodyPr wrap="none">
-                                                                  <a:spAutoFit/>
-                                                                </a:bodyPr>
-                                                                <a:lstStyle/>
-                                                                <a:p>
-                                                                  <a:pPr algn="ctr"/>
-                                                                  <a:r>
-                                                                    <a:rPr lang="nb-NO" sz="1400" dirty="0" smtClean="0"/>
-                                                                    <a:t>R2</a:t>
-                                                                  </a:r>
-                                                                  <a:endParaRPr lang="nb-NO" sz="1400" dirty="0"/>
-                                                                </a:p>
-                                                              </p:txBody>
-                                                            </p:sp>
-                                                          </p:grpSp>
-                                                        </p:grpSp>
-                                                        <p:grpSp>
-                                                          <p:nvGrpSpPr>
-                                                            <p:cNvPr id="45" name="Group 44"/>
-                                                            <p:cNvGrpSpPr/>
-                                                            <p:nvPr/>
-                                                          </p:nvGrpSpPr>
-                                                          <p:grpSpPr>
-                                                            <a:xfrm>
-                                                              <a:off x="5226427" y="-76129"/>
-                                                              <a:ext cx="2618828" cy="1511609"/>
-                                                              <a:chOff x="5226427" y="-76129"/>
-                                                              <a:chExt cx="2618828" cy="1511609"/>
-                                                            </a:xfrm>
-                                                          </p:grpSpPr>
                                                           <p:sp>
                                                             <p:nvSpPr>
-                                                              <p:cNvPr id="46" name="Rectangle 7"/>
+                                                              <p:cNvPr id="175" name="Rectangle 7"/>
                                                               <p:cNvSpPr/>
                                                               <p:nvPr/>
                                                             </p:nvSpPr>
                                                             <p:spPr>
                                                               <a:xfrm rot="9000000">
-                                                                <a:off x="5226427" y="-76129"/>
-                                                                <a:ext cx="1957658" cy="527518"/>
+                                                                <a:off x="2561018" y="1918115"/>
+                                                                <a:ext cx="1891031" cy="560369"/>
                                                               </a:xfrm>
                                                               <a:custGeom>
                                                                 <a:avLst/>
@@ -16883,125 +16052,45 @@
                                                                   <a:gd name="connsiteX4" fmla="*/ 0 w 2409568"/>
                                                                   <a:gd name="connsiteY4" fmla="*/ 0 h 647052"/>
                                                                   <a:gd name="connsiteX0" fmla="*/ 0 w 2409568"/>
-                                                                  <a:gd name="connsiteY0" fmla="*/ 0 h 647052"/>
-                                                                  <a:gd name="connsiteX1" fmla="*/ 2352731 w 2409568"/>
-                                                                  <a:gd name="connsiteY1" fmla="*/ 31924 h 647052"/>
+                                                                  <a:gd name="connsiteY0" fmla="*/ 0 h 639234"/>
+                                                                  <a:gd name="connsiteX1" fmla="*/ 2369604 w 2409568"/>
+                                                                  <a:gd name="connsiteY1" fmla="*/ 2955 h 639234"/>
                                                                   <a:gd name="connsiteX2" fmla="*/ 2409568 w 2409568"/>
-                                                                  <a:gd name="connsiteY2" fmla="*/ 633075 h 647052"/>
-                                                                  <a:gd name="connsiteX3" fmla="*/ 123556 w 2409568"/>
-                                                                  <a:gd name="connsiteY3" fmla="*/ 647052 h 647052"/>
+                                                                  <a:gd name="connsiteY2" fmla="*/ 633075 h 639234"/>
+                                                                  <a:gd name="connsiteX3" fmla="*/ 63597 w 2409568"/>
+                                                                  <a:gd name="connsiteY3" fmla="*/ 639234 h 639234"/>
                                                                   <a:gd name="connsiteX4" fmla="*/ 0 w 2409568"/>
-                                                                  <a:gd name="connsiteY4" fmla="*/ 0 h 647052"/>
+                                                                  <a:gd name="connsiteY4" fmla="*/ 0 h 639234"/>
                                                                   <a:gd name="connsiteX0" fmla="*/ 0 w 2409568"/>
-                                                                  <a:gd name="connsiteY0" fmla="*/ 1523 h 648575"/>
-                                                                  <a:gd name="connsiteX1" fmla="*/ 2294281 w 2409568"/>
-                                                                  <a:gd name="connsiteY1" fmla="*/ 0 h 648575"/>
+                                                                  <a:gd name="connsiteY0" fmla="*/ 0 h 633075"/>
+                                                                  <a:gd name="connsiteX1" fmla="*/ 2369604 w 2409568"/>
+                                                                  <a:gd name="connsiteY1" fmla="*/ 2955 h 633075"/>
                                                                   <a:gd name="connsiteX2" fmla="*/ 2409568 w 2409568"/>
-                                                                  <a:gd name="connsiteY2" fmla="*/ 634598 h 648575"/>
-                                                                  <a:gd name="connsiteX3" fmla="*/ 123556 w 2409568"/>
-                                                                  <a:gd name="connsiteY3" fmla="*/ 648575 h 648575"/>
+                                                                  <a:gd name="connsiteY2" fmla="*/ 633075 h 633075"/>
+                                                                  <a:gd name="connsiteX3" fmla="*/ 150171 w 2409568"/>
+                                                                  <a:gd name="connsiteY3" fmla="*/ 625693 h 633075"/>
                                                                   <a:gd name="connsiteX4" fmla="*/ 0 w 2409568"/>
-                                                                  <a:gd name="connsiteY4" fmla="*/ 1523 h 648575"/>
-                                                                  <a:gd name="connsiteX0" fmla="*/ 0 w 2409568"/>
-                                                                  <a:gd name="connsiteY0" fmla="*/ 12273 h 659325"/>
-                                                                  <a:gd name="connsiteX1" fmla="*/ 2365490 w 2409568"/>
-                                                                  <a:gd name="connsiteY1" fmla="*/ 0 h 659325"/>
-                                                                  <a:gd name="connsiteX2" fmla="*/ 2409568 w 2409568"/>
-                                                                  <a:gd name="connsiteY2" fmla="*/ 645348 h 659325"/>
-                                                                  <a:gd name="connsiteX3" fmla="*/ 123556 w 2409568"/>
-                                                                  <a:gd name="connsiteY3" fmla="*/ 659325 h 659325"/>
-                                                                  <a:gd name="connsiteX4" fmla="*/ 0 w 2409568"/>
-                                                                  <a:gd name="connsiteY4" fmla="*/ 12273 h 659325"/>
-                                                                  <a:gd name="connsiteX0" fmla="*/ 0 w 2409568"/>
-                                                                  <a:gd name="connsiteY0" fmla="*/ 12273 h 656340"/>
-                                                                  <a:gd name="connsiteX1" fmla="*/ 2365490 w 2409568"/>
-                                                                  <a:gd name="connsiteY1" fmla="*/ 0 h 656340"/>
-                                                                  <a:gd name="connsiteX2" fmla="*/ 2409568 w 2409568"/>
-                                                                  <a:gd name="connsiteY2" fmla="*/ 645348 h 656340"/>
-                                                                  <a:gd name="connsiteX3" fmla="*/ 73338 w 2409568"/>
-                                                                  <a:gd name="connsiteY3" fmla="*/ 656340 h 656340"/>
-                                                                  <a:gd name="connsiteX4" fmla="*/ 0 w 2409568"/>
-                                                                  <a:gd name="connsiteY4" fmla="*/ 12273 h 656340"/>
-                                                                  <a:gd name="connsiteX0" fmla="*/ 0 w 2409568"/>
-                                                                  <a:gd name="connsiteY0" fmla="*/ 4111 h 648178"/>
-                                                                  <a:gd name="connsiteX1" fmla="*/ 2334759 w 2409568"/>
-                                                                  <a:gd name="connsiteY1" fmla="*/ 1 h 648178"/>
-                                                                  <a:gd name="connsiteX2" fmla="*/ 2409568 w 2409568"/>
-                                                                  <a:gd name="connsiteY2" fmla="*/ 637186 h 648178"/>
-                                                                  <a:gd name="connsiteX3" fmla="*/ 73338 w 2409568"/>
-                                                                  <a:gd name="connsiteY3" fmla="*/ 648178 h 648178"/>
-                                                                  <a:gd name="connsiteX4" fmla="*/ 0 w 2409568"/>
-                                                                  <a:gd name="connsiteY4" fmla="*/ 4111 h 648178"/>
-                                                                  <a:gd name="connsiteX0" fmla="*/ 1 w 2463903"/>
-                                                                  <a:gd name="connsiteY0" fmla="*/ 0 h 662285"/>
-                                                                  <a:gd name="connsiteX1" fmla="*/ 2389094 w 2463903"/>
-                                                                  <a:gd name="connsiteY1" fmla="*/ 14108 h 662285"/>
-                                                                  <a:gd name="connsiteX2" fmla="*/ 2463903 w 2463903"/>
-                                                                  <a:gd name="connsiteY2" fmla="*/ 651293 h 662285"/>
-                                                                  <a:gd name="connsiteX3" fmla="*/ 127673 w 2463903"/>
-                                                                  <a:gd name="connsiteY3" fmla="*/ 662285 h 662285"/>
-                                                                  <a:gd name="connsiteX4" fmla="*/ 1 w 2463903"/>
-                                                                  <a:gd name="connsiteY4" fmla="*/ 0 h 662285"/>
-                                                                  <a:gd name="connsiteX0" fmla="*/ 0 w 2463902"/>
-                                                                  <a:gd name="connsiteY0" fmla="*/ 0 h 657804"/>
-                                                                  <a:gd name="connsiteX1" fmla="*/ 2389093 w 2463902"/>
-                                                                  <a:gd name="connsiteY1" fmla="*/ 14108 h 657804"/>
-                                                                  <a:gd name="connsiteX2" fmla="*/ 2463902 w 2463902"/>
-                                                                  <a:gd name="connsiteY2" fmla="*/ 651293 h 657804"/>
-                                                                  <a:gd name="connsiteX3" fmla="*/ 52348 w 2463902"/>
-                                                                  <a:gd name="connsiteY3" fmla="*/ 657803 h 657804"/>
-                                                                  <a:gd name="connsiteX4" fmla="*/ 0 w 2463902"/>
-                                                                  <a:gd name="connsiteY4" fmla="*/ 0 h 657804"/>
-                                                                  <a:gd name="connsiteX0" fmla="*/ 0 w 2463902"/>
-                                                                  <a:gd name="connsiteY0" fmla="*/ 0 h 663779"/>
-                                                                  <a:gd name="connsiteX1" fmla="*/ 2389093 w 2463902"/>
-                                                                  <a:gd name="connsiteY1" fmla="*/ 14108 h 663779"/>
-                                                                  <a:gd name="connsiteX2" fmla="*/ 2463902 w 2463902"/>
-                                                                  <a:gd name="connsiteY2" fmla="*/ 651293 h 663779"/>
-                                                                  <a:gd name="connsiteX3" fmla="*/ 152780 w 2463902"/>
-                                                                  <a:gd name="connsiteY3" fmla="*/ 663779 h 663779"/>
-                                                                  <a:gd name="connsiteX4" fmla="*/ 0 w 2463902"/>
-                                                                  <a:gd name="connsiteY4" fmla="*/ 0 h 663779"/>
-                                                                  <a:gd name="connsiteX0" fmla="*/ 0 w 2423426"/>
-                                                                  <a:gd name="connsiteY0" fmla="*/ 0 h 666366"/>
-                                                                  <a:gd name="connsiteX1" fmla="*/ 2348617 w 2423426"/>
-                                                                  <a:gd name="connsiteY1" fmla="*/ 16695 h 666366"/>
-                                                                  <a:gd name="connsiteX2" fmla="*/ 2423426 w 2423426"/>
-                                                                  <a:gd name="connsiteY2" fmla="*/ 653880 h 666366"/>
-                                                                  <a:gd name="connsiteX3" fmla="*/ 112304 w 2423426"/>
-                                                                  <a:gd name="connsiteY3" fmla="*/ 666366 h 666366"/>
-                                                                  <a:gd name="connsiteX4" fmla="*/ 0 w 2423426"/>
-                                                                  <a:gd name="connsiteY4" fmla="*/ 0 h 666366"/>
-                                                                  <a:gd name="connsiteX0" fmla="*/ 0 w 2394201"/>
-                                                                  <a:gd name="connsiteY0" fmla="*/ 28 h 649670"/>
-                                                                  <a:gd name="connsiteX1" fmla="*/ 2319392 w 2394201"/>
-                                                                  <a:gd name="connsiteY1" fmla="*/ -1 h 649670"/>
-                                                                  <a:gd name="connsiteX2" fmla="*/ 2394201 w 2394201"/>
-                                                                  <a:gd name="connsiteY2" fmla="*/ 637184 h 649670"/>
-                                                                  <a:gd name="connsiteX3" fmla="*/ 83079 w 2394201"/>
-                                                                  <a:gd name="connsiteY3" fmla="*/ 649670 h 649670"/>
-                                                                  <a:gd name="connsiteX4" fmla="*/ 0 w 2394201"/>
-                                                                  <a:gd name="connsiteY4" fmla="*/ 28 h 649670"/>
-                                                                  <a:gd name="connsiteX0" fmla="*/ 0 w 2432392"/>
-                                                                  <a:gd name="connsiteY0" fmla="*/ 29 h 649671"/>
-                                                                  <a:gd name="connsiteX1" fmla="*/ 2319392 w 2432392"/>
-                                                                  <a:gd name="connsiteY1" fmla="*/ 0 h 649671"/>
-                                                                  <a:gd name="connsiteX2" fmla="*/ 2432392 w 2432392"/>
-                                                                  <a:gd name="connsiteY2" fmla="*/ 644855 h 649671"/>
-                                                                  <a:gd name="connsiteX3" fmla="*/ 83079 w 2432392"/>
-                                                                  <a:gd name="connsiteY3" fmla="*/ 649671 h 649671"/>
-                                                                  <a:gd name="connsiteX4" fmla="*/ 0 w 2432392"/>
-                                                                  <a:gd name="connsiteY4" fmla="*/ 29 h 649671"/>
-                                                                  <a:gd name="connsiteX0" fmla="*/ 0 w 2432392"/>
-                                                                  <a:gd name="connsiteY0" fmla="*/ 0 h 649642"/>
-                                                                  <a:gd name="connsiteX1" fmla="*/ 2346907 w 2432392"/>
-                                                                  <a:gd name="connsiteY1" fmla="*/ 1592 h 649642"/>
-                                                                  <a:gd name="connsiteX2" fmla="*/ 2432392 w 2432392"/>
-                                                                  <a:gd name="connsiteY2" fmla="*/ 644826 h 649642"/>
-                                                                  <a:gd name="connsiteX3" fmla="*/ 83079 w 2432392"/>
-                                                                  <a:gd name="connsiteY3" fmla="*/ 649642 h 649642"/>
-                                                                  <a:gd name="connsiteX4" fmla="*/ 0 w 2432392"/>
-                                                                  <a:gd name="connsiteY4" fmla="*/ 0 h 649642"/>
+                                                                  <a:gd name="connsiteY4" fmla="*/ 0 h 633075"/>
+                                                                  <a:gd name="connsiteX0" fmla="*/ 0 w 2314760"/>
+                                                                  <a:gd name="connsiteY0" fmla="*/ 11318 h 630120"/>
+                                                                  <a:gd name="connsiteX1" fmla="*/ 2274796 w 2314760"/>
+                                                                  <a:gd name="connsiteY1" fmla="*/ 0 h 630120"/>
+                                                                  <a:gd name="connsiteX2" fmla="*/ 2314760 w 2314760"/>
+                                                                  <a:gd name="connsiteY2" fmla="*/ 630120 h 630120"/>
+                                                                  <a:gd name="connsiteX3" fmla="*/ 55363 w 2314760"/>
+                                                                  <a:gd name="connsiteY3" fmla="*/ 622738 h 630120"/>
+                                                                  <a:gd name="connsiteX4" fmla="*/ 0 w 2314760"/>
+                                                                  <a:gd name="connsiteY4" fmla="*/ 11318 h 630120"/>
+                                                                  <a:gd name="connsiteX0" fmla="*/ -1 w 2349608"/>
+                                                                  <a:gd name="connsiteY0" fmla="*/ 4865 h 630120"/>
+                                                                  <a:gd name="connsiteX1" fmla="*/ 2309644 w 2349608"/>
+                                                                  <a:gd name="connsiteY1" fmla="*/ 0 h 630120"/>
+                                                                  <a:gd name="connsiteX2" fmla="*/ 2349608 w 2349608"/>
+                                                                  <a:gd name="connsiteY2" fmla="*/ 630120 h 630120"/>
+                                                                  <a:gd name="connsiteX3" fmla="*/ 90211 w 2349608"/>
+                                                                  <a:gd name="connsiteY3" fmla="*/ 622738 h 630120"/>
+                                                                  <a:gd name="connsiteX4" fmla="*/ -1 w 2349608"/>
+                                                                  <a:gd name="connsiteY4" fmla="*/ 4865 h 630120"/>
                                                                 </a:gdLst>
                                                                 <a:ahLst/>
                                                                 <a:cxnLst>
@@ -17023,21 +16112,21 @@
                                                                 </a:cxnLst>
                                                                 <a:rect l="l" t="t" r="r" b="b"/>
                                                                 <a:pathLst>
-                                                                  <a:path w="2432392" h="649642">
+                                                                  <a:path w="2349608" h="630120">
                                                                     <a:moveTo>
-                                                                      <a:pt x="0" y="0"/>
+                                                                      <a:pt x="-1" y="4865"/>
                                                                     </a:moveTo>
                                                                     <a:lnTo>
-                                                                      <a:pt x="2346907" y="1592"/>
+                                                                      <a:pt x="2309644" y="0"/>
                                                                     </a:lnTo>
                                                                     <a:lnTo>
-                                                                      <a:pt x="2432392" y="644826"/>
+                                                                      <a:pt x="2349608" y="630120"/>
                                                                     </a:lnTo>
                                                                     <a:lnTo>
-                                                                      <a:pt x="83079" y="649642"/>
+                                                                      <a:pt x="90211" y="622738"/>
                                                                     </a:lnTo>
                                                                     <a:lnTo>
-                                                                      <a:pt x="0" y="0"/>
+                                                                      <a:pt x="-1" y="4865"/>
                                                                     </a:lnTo>
                                                                     <a:close/>
                                                                   </a:path>
@@ -17077,14 +16166,14 @@
                                                           </p:sp>
                                                           <p:sp>
                                                             <p:nvSpPr>
-                                                              <p:cNvPr id="48" name="Rectangle 7"/>
+                                                              <p:cNvPr id="176" name="Rectangle 7"/>
                                                               <p:cNvSpPr/>
                                                               <p:nvPr/>
                                                             </p:nvSpPr>
                                                             <p:spPr>
                                                               <a:xfrm rot="9000000">
-                                                                <a:off x="5893600" y="751749"/>
-                                                                <a:ext cx="1951655" cy="683731"/>
+                                                                <a:off x="4647118" y="1655590"/>
+                                                                <a:ext cx="1951655" cy="649107"/>
                                                               </a:xfrm>
                                                               <a:custGeom>
                                                                 <a:avLst/>
@@ -17334,13 +16423,13 @@
                                                           </p:sp>
                                                           <p:sp>
                                                             <p:nvSpPr>
-                                                              <p:cNvPr id="49" name="Rectangle 48"/>
+                                                              <p:cNvPr id="177" name="Rectangle 176"/>
                                                               <p:cNvSpPr/>
                                                               <p:nvPr/>
                                                             </p:nvSpPr>
                                                             <p:spPr>
                                                               <a:xfrm>
-                                                                <a:off x="5909619" y="-35190"/>
+                                                                <a:off x="4721477" y="866332"/>
                                                                 <a:ext cx="487826" cy="388177"/>
                                                               </a:xfrm>
                                                               <a:prstGeom prst="rect">
@@ -17364,13 +16453,13 @@
                                                           </p:sp>
                                                           <p:sp>
                                                             <p:nvSpPr>
-                                                              <p:cNvPr id="50" name="Rectangle 49"/>
+                                                              <p:cNvPr id="178" name="Rectangle 177"/>
                                                               <p:cNvSpPr/>
                                                               <p:nvPr/>
                                                             </p:nvSpPr>
                                                             <p:spPr>
                                                               <a:xfrm>
-                                                                <a:off x="6228575" y="413313"/>
+                                                                <a:off x="5040433" y="1314836"/>
                                                                 <a:ext cx="487826" cy="388177"/>
                                                               </a:xfrm>
                                                               <a:prstGeom prst="rect">
@@ -17394,13 +16483,13 @@
                                                           </p:sp>
                                                           <p:sp>
                                                             <p:nvSpPr>
-                                                              <p:cNvPr id="51" name="Rectangle 50"/>
+                                                              <p:cNvPr id="179" name="Rectangle 178"/>
                                                               <p:cNvSpPr/>
                                                               <p:nvPr/>
                                                             </p:nvSpPr>
                                                             <p:spPr>
                                                               <a:xfrm>
-                                                                <a:off x="6551058" y="845693"/>
+                                                                <a:off x="5362916" y="1747215"/>
                                                                 <a:ext cx="487826" cy="388177"/>
                                                               </a:xfrm>
                                                               <a:prstGeom prst="rect">
@@ -17422,187 +16511,939 @@
                                                               </a:p>
                                                             </p:txBody>
                                                           </p:sp>
+                                                          <p:sp>
+                                                            <p:nvSpPr>
+                                                              <p:cNvPr id="180" name="Rectangle 179"/>
+                                                              <p:cNvSpPr/>
+                                                              <p:nvPr/>
+                                                            </p:nvSpPr>
+                                                            <p:spPr>
+                                                              <a:xfrm>
+                                                                <a:off x="2565242" y="4597905"/>
+                                                                <a:ext cx="487826" cy="388177"/>
+                                                              </a:xfrm>
+                                                              <a:prstGeom prst="rect">
+                                                                <a:avLst/>
+                                                              </a:prstGeom>
+                                                            </p:spPr>
+                                                            <p:txBody>
+                                                              <a:bodyPr wrap="none">
+                                                                <a:spAutoFit/>
+                                                              </a:bodyPr>
+                                                              <a:lstStyle/>
+                                                              <a:p>
+                                                                <a:pPr algn="ctr"/>
+                                                                <a:r>
+                                                                  <a:rPr lang="nb-NO" sz="1400" dirty="0" smtClean="0"/>
+                                                                  <a:t>R1</a:t>
+                                                                </a:r>
+                                                                <a:endParaRPr lang="nb-NO" sz="1400" dirty="0"/>
+                                                              </a:p>
+                                                            </p:txBody>
+                                                          </p:sp>
+                                                          <p:sp>
+                                                            <p:nvSpPr>
+                                                              <p:cNvPr id="181" name="Rectangle 180"/>
+                                                              <p:cNvSpPr/>
+                                                              <p:nvPr/>
+                                                            </p:nvSpPr>
+                                                            <p:spPr>
+                                                              <a:xfrm>
+                                                                <a:off x="3804548" y="3012931"/>
+                                                                <a:ext cx="487826" cy="388177"/>
+                                                              </a:xfrm>
+                                                              <a:prstGeom prst="rect">
+                                                                <a:avLst/>
+                                                              </a:prstGeom>
+                                                            </p:spPr>
+                                                            <p:txBody>
+                                                              <a:bodyPr wrap="none">
+                                                                <a:spAutoFit/>
+                                                              </a:bodyPr>
+                                                              <a:lstStyle/>
+                                                              <a:p>
+                                                                <a:pPr algn="ctr"/>
+                                                                <a:r>
+                                                                  <a:rPr lang="nb-NO" sz="1400" dirty="0" smtClean="0"/>
+                                                                  <a:t>R1</a:t>
+                                                                </a:r>
+                                                                <a:endParaRPr lang="nb-NO" sz="1400" dirty="0"/>
+                                                              </a:p>
+                                                            </p:txBody>
+                                                          </p:sp>
+                                                          <p:sp>
+                                                            <p:nvSpPr>
+                                                              <p:cNvPr id="182" name="Rectangle 181"/>
+                                                              <p:cNvSpPr/>
+                                                              <p:nvPr/>
+                                                            </p:nvSpPr>
+                                                            <p:spPr>
+                                                              <a:xfrm>
+                                                                <a:off x="2078665" y="3410370"/>
+                                                                <a:ext cx="487826" cy="388177"/>
+                                                              </a:xfrm>
+                                                              <a:prstGeom prst="rect">
+                                                                <a:avLst/>
+                                                              </a:prstGeom>
+                                                            </p:spPr>
+                                                            <p:txBody>
+                                                              <a:bodyPr wrap="none">
+                                                                <a:spAutoFit/>
+                                                              </a:bodyPr>
+                                                              <a:lstStyle/>
+                                                              <a:p>
+                                                                <a:pPr algn="ctr"/>
+                                                                <a:r>
+                                                                  <a:rPr lang="nb-NO" sz="1400" dirty="0" smtClean="0"/>
+                                                                  <a:t>R3</a:t>
+                                                                </a:r>
+                                                                <a:endParaRPr lang="nb-NO" sz="1400" dirty="0"/>
+                                                              </a:p>
+                                                            </p:txBody>
+                                                          </p:sp>
+                                                          <p:sp>
+                                                            <p:nvSpPr>
+                                                              <p:cNvPr id="183" name="Rectangle 182"/>
+                                                              <p:cNvSpPr/>
+                                                              <p:nvPr/>
+                                                            </p:nvSpPr>
+                                                            <p:spPr>
+                                                              <a:xfrm>
+                                                                <a:off x="3333801" y="1963188"/>
+                                                                <a:ext cx="487826" cy="388177"/>
+                                                              </a:xfrm>
+                                                              <a:prstGeom prst="rect">
+                                                                <a:avLst/>
+                                                              </a:prstGeom>
+                                                            </p:spPr>
+                                                            <p:txBody>
+                                                              <a:bodyPr wrap="none">
+                                                                <a:spAutoFit/>
+                                                              </a:bodyPr>
+                                                              <a:lstStyle/>
+                                                              <a:p>
+                                                                <a:pPr algn="ctr"/>
+                                                                <a:r>
+                                                                  <a:rPr lang="nb-NO" sz="1400" dirty="0" smtClean="0"/>
+                                                                  <a:t>R3</a:t>
+                                                                </a:r>
+                                                                <a:endParaRPr lang="nb-NO" sz="1400" dirty="0"/>
+                                                              </a:p>
+                                                            </p:txBody>
+                                                          </p:sp>
+                                                          <p:cxnSp>
+                                                            <p:nvCxnSpPr>
+                                                              <p:cNvPr id="184" name="Straight Connector 183"/>
+                                                              <p:cNvCxnSpPr/>
+                                                              <p:nvPr/>
+                                                            </p:nvCxnSpPr>
+                                                            <p:spPr>
+                                                              <a:xfrm>
+                                                                <a:off x="5087561" y="-383074"/>
+                                                                <a:ext cx="1970268" cy="2715594"/>
+                                                              </a:xfrm>
+                                                              <a:prstGeom prst="line">
+                                                                <a:avLst/>
+                                                              </a:prstGeom>
+                                                            </p:spPr>
+                                                            <p:style>
+                                                              <a:lnRef idx="3">
+                                                                <a:schemeClr val="dk1"/>
+                                                              </a:lnRef>
+                                                              <a:fillRef idx="0">
+                                                                <a:schemeClr val="dk1"/>
+                                                              </a:fillRef>
+                                                              <a:effectRef idx="2">
+                                                                <a:schemeClr val="dk1"/>
+                                                              </a:effectRef>
+                                                              <a:fontRef idx="minor">
+                                                                <a:schemeClr val="tx1"/>
+                                                              </a:fontRef>
+                                                            </p:style>
+                                                          </p:cxnSp>
+                                                          <p:cxnSp>
+                                                            <p:nvCxnSpPr>
+                                                              <p:cNvPr id="185" name="Straight Connector 184"/>
+                                                              <p:cNvCxnSpPr/>
+                                                              <p:nvPr/>
+                                                            </p:nvCxnSpPr>
+                                                            <p:spPr>
+                                                              <a:xfrm>
+                                                                <a:off x="1956626" y="1536454"/>
+                                                                <a:ext cx="2171966" cy="3363712"/>
+                                                              </a:xfrm>
+                                                              <a:prstGeom prst="line">
+                                                                <a:avLst/>
+                                                              </a:prstGeom>
+                                                              <a:ln w="28575"/>
+                                                            </p:spPr>
+                                                            <p:style>
+                                                              <a:lnRef idx="3">
+                                                                <a:schemeClr val="dk1"/>
+                                                              </a:lnRef>
+                                                              <a:fillRef idx="0">
+                                                                <a:schemeClr val="dk1"/>
+                                                              </a:fillRef>
+                                                              <a:effectRef idx="2">
+                                                                <a:schemeClr val="dk1"/>
+                                                              </a:effectRef>
+                                                              <a:fontRef idx="minor">
+                                                                <a:schemeClr val="tx1"/>
+                                                              </a:fontRef>
+                                                            </p:style>
+                                                          </p:cxnSp>
+                                                          <p:sp>
+                                                            <p:nvSpPr>
+                                                              <p:cNvPr id="186" name="Rectangle 185"/>
+                                                              <p:cNvSpPr/>
+                                                              <p:nvPr/>
+                                                            </p:nvSpPr>
+                                                            <p:spPr>
+                                                              <a:xfrm>
+                                                                <a:off x="2374250" y="4160249"/>
+                                                                <a:ext cx="487826" cy="388177"/>
+                                                              </a:xfrm>
+                                                              <a:prstGeom prst="rect">
+                                                                <a:avLst/>
+                                                              </a:prstGeom>
+                                                            </p:spPr>
+                                                            <p:txBody>
+                                                              <a:bodyPr wrap="none">
+                                                                <a:spAutoFit/>
+                                                              </a:bodyPr>
+                                                              <a:lstStyle/>
+                                                              <a:p>
+                                                                <a:pPr algn="ctr"/>
+                                                                <a:r>
+                                                                  <a:rPr lang="nb-NO" sz="1400" dirty="0" smtClean="0"/>
+                                                                  <a:t>R2</a:t>
+                                                                </a:r>
+                                                                <a:endParaRPr lang="nb-NO" sz="1400" dirty="0"/>
+                                                              </a:p>
+                                                            </p:txBody>
+                                                          </p:sp>
                                                         </p:grpSp>
                                                       </p:grpSp>
-                                                      <p:cxnSp>
-                                                        <p:nvCxnSpPr>
-                                                          <p:cNvPr id="43" name="Straight Connector 42"/>
-                                                          <p:cNvCxnSpPr/>
+                                                      <p:grpSp>
+                                                        <p:nvGrpSpPr>
+                                                          <p:cNvPr id="161" name="Group 160"/>
+                                                          <p:cNvGrpSpPr/>
                                                           <p:nvPr/>
-                                                        </p:nvCxnSpPr>
-                                                        <p:spPr>
+                                                        </p:nvGrpSpPr>
+                                                        <p:grpSpPr>
                                                           <a:xfrm>
-                                                            <a:off x="6563762" y="0"/>
-                                                            <a:ext cx="1376127" cy="1816813"/>
+                                                            <a:off x="5226427" y="-76129"/>
+                                                            <a:ext cx="2618828" cy="1511609"/>
+                                                            <a:chOff x="5226427" y="-76129"/>
+                                                            <a:chExt cx="2618828" cy="1511609"/>
                                                           </a:xfrm>
-                                                          <a:prstGeom prst="line">
-                                                            <a:avLst/>
-                                                          </a:prstGeom>
-                                                        </p:spPr>
-                                                        <p:style>
-                                                          <a:lnRef idx="3">
-                                                            <a:schemeClr val="dk1"/>
-                                                          </a:lnRef>
-                                                          <a:fillRef idx="0">
-                                                            <a:schemeClr val="dk1"/>
-                                                          </a:fillRef>
-                                                          <a:effectRef idx="2">
-                                                            <a:schemeClr val="dk1"/>
-                                                          </a:effectRef>
-                                                          <a:fontRef idx="minor">
-                                                            <a:schemeClr val="tx1"/>
-                                                          </a:fontRef>
-                                                        </p:style>
-                                                      </p:cxnSp>
+                                                        </p:grpSpPr>
+                                                        <p:sp>
+                                                          <p:nvSpPr>
+                                                            <p:cNvPr id="162" name="Rectangle 7"/>
+                                                            <p:cNvSpPr/>
+                                                            <p:nvPr/>
+                                                          </p:nvSpPr>
+                                                          <p:spPr>
+                                                            <a:xfrm rot="9000000">
+                                                              <a:off x="5226427" y="-76129"/>
+                                                              <a:ext cx="1957658" cy="527518"/>
+                                                            </a:xfrm>
+                                                            <a:custGeom>
+                                                              <a:avLst/>
+                                                              <a:gdLst>
+                                                                <a:gd name="connsiteX0" fmla="*/ 0 w 2409568"/>
+                                                                <a:gd name="connsiteY0" fmla="*/ 0 h 633075"/>
+                                                                <a:gd name="connsiteX1" fmla="*/ 2409568 w 2409568"/>
+                                                                <a:gd name="connsiteY1" fmla="*/ 0 h 633075"/>
+                                                                <a:gd name="connsiteX2" fmla="*/ 2409568 w 2409568"/>
+                                                                <a:gd name="connsiteY2" fmla="*/ 633075 h 633075"/>
+                                                                <a:gd name="connsiteX3" fmla="*/ 0 w 2409568"/>
+                                                                <a:gd name="connsiteY3" fmla="*/ 633075 h 633075"/>
+                                                                <a:gd name="connsiteX4" fmla="*/ 0 w 2409568"/>
+                                                                <a:gd name="connsiteY4" fmla="*/ 0 h 633075"/>
+                                                                <a:gd name="connsiteX0" fmla="*/ 325646 w 2735214"/>
+                                                                <a:gd name="connsiteY0" fmla="*/ 0 h 640217"/>
+                                                                <a:gd name="connsiteX1" fmla="*/ 2735214 w 2735214"/>
+                                                                <a:gd name="connsiteY1" fmla="*/ 0 h 640217"/>
+                                                                <a:gd name="connsiteX2" fmla="*/ 2735214 w 2735214"/>
+                                                                <a:gd name="connsiteY2" fmla="*/ 633075 h 640217"/>
+                                                                <a:gd name="connsiteX3" fmla="*/ 0 w 2735214"/>
+                                                                <a:gd name="connsiteY3" fmla="*/ 640217 h 640217"/>
+                                                                <a:gd name="connsiteX4" fmla="*/ 325646 w 2735214"/>
+                                                                <a:gd name="connsiteY4" fmla="*/ 0 h 640217"/>
+                                                                <a:gd name="connsiteX0" fmla="*/ 325646 w 2735214"/>
+                                                                <a:gd name="connsiteY0" fmla="*/ 0 h 640217"/>
+                                                                <a:gd name="connsiteX1" fmla="*/ 2703341 w 2735214"/>
+                                                                <a:gd name="connsiteY1" fmla="*/ 9139 h 640217"/>
+                                                                <a:gd name="connsiteX2" fmla="*/ 2735214 w 2735214"/>
+                                                                <a:gd name="connsiteY2" fmla="*/ 633075 h 640217"/>
+                                                                <a:gd name="connsiteX3" fmla="*/ 0 w 2735214"/>
+                                                                <a:gd name="connsiteY3" fmla="*/ 640217 h 640217"/>
+                                                                <a:gd name="connsiteX4" fmla="*/ 325646 w 2735214"/>
+                                                                <a:gd name="connsiteY4" fmla="*/ 0 h 640217"/>
+                                                                <a:gd name="connsiteX0" fmla="*/ 325646 w 2745467"/>
+                                                                <a:gd name="connsiteY0" fmla="*/ 0 h 640217"/>
+                                                                <a:gd name="connsiteX1" fmla="*/ 2745467 w 2745467"/>
+                                                                <a:gd name="connsiteY1" fmla="*/ 5683 h 640217"/>
+                                                                <a:gd name="connsiteX2" fmla="*/ 2735214 w 2745467"/>
+                                                                <a:gd name="connsiteY2" fmla="*/ 633075 h 640217"/>
+                                                                <a:gd name="connsiteX3" fmla="*/ 0 w 2745467"/>
+                                                                <a:gd name="connsiteY3" fmla="*/ 640217 h 640217"/>
+                                                                <a:gd name="connsiteX4" fmla="*/ 325646 w 2745467"/>
+                                                                <a:gd name="connsiteY4" fmla="*/ 0 h 640217"/>
+                                                                <a:gd name="connsiteX0" fmla="*/ 423511 w 2843332"/>
+                                                                <a:gd name="connsiteY0" fmla="*/ 0 h 663088"/>
+                                                                <a:gd name="connsiteX1" fmla="*/ 2843332 w 2843332"/>
+                                                                <a:gd name="connsiteY1" fmla="*/ 5683 h 663088"/>
+                                                                <a:gd name="connsiteX2" fmla="*/ 2833079 w 2843332"/>
+                                                                <a:gd name="connsiteY2" fmla="*/ 633075 h 663088"/>
+                                                                <a:gd name="connsiteX3" fmla="*/ 0 w 2843332"/>
+                                                                <a:gd name="connsiteY3" fmla="*/ 663088 h 663088"/>
+                                                                <a:gd name="connsiteX4" fmla="*/ 423511 w 2843332"/>
+                                                                <a:gd name="connsiteY4" fmla="*/ 0 h 663088"/>
+                                                                <a:gd name="connsiteX0" fmla="*/ 488636 w 2908457"/>
+                                                                <a:gd name="connsiteY0" fmla="*/ 0 h 660103"/>
+                                                                <a:gd name="connsiteX1" fmla="*/ 2908457 w 2908457"/>
+                                                                <a:gd name="connsiteY1" fmla="*/ 5683 h 660103"/>
+                                                                <a:gd name="connsiteX2" fmla="*/ 2898204 w 2908457"/>
+                                                                <a:gd name="connsiteY2" fmla="*/ 633075 h 660103"/>
+                                                                <a:gd name="connsiteX3" fmla="*/ 0 w 2908457"/>
+                                                                <a:gd name="connsiteY3" fmla="*/ 660103 h 660103"/>
+                                                                <a:gd name="connsiteX4" fmla="*/ 488636 w 2908457"/>
+                                                                <a:gd name="connsiteY4" fmla="*/ 0 h 660103"/>
+                                                                <a:gd name="connsiteX0" fmla="*/ 0 w 2419821"/>
+                                                                <a:gd name="connsiteY0" fmla="*/ 0 h 647051"/>
+                                                                <a:gd name="connsiteX1" fmla="*/ 2419821 w 2419821"/>
+                                                                <a:gd name="connsiteY1" fmla="*/ 5683 h 647051"/>
+                                                                <a:gd name="connsiteX2" fmla="*/ 2409568 w 2419821"/>
+                                                                <a:gd name="connsiteY2" fmla="*/ 633075 h 647051"/>
+                                                                <a:gd name="connsiteX3" fmla="*/ 123556 w 2419821"/>
+                                                                <a:gd name="connsiteY3" fmla="*/ 647052 h 647051"/>
+                                                                <a:gd name="connsiteX4" fmla="*/ 0 w 2419821"/>
+                                                                <a:gd name="connsiteY4" fmla="*/ 0 h 647051"/>
+                                                                <a:gd name="connsiteX0" fmla="*/ 0 w 2409568"/>
+                                                                <a:gd name="connsiteY0" fmla="*/ 0 h 647052"/>
+                                                                <a:gd name="connsiteX1" fmla="*/ 2369604 w 2409568"/>
+                                                                <a:gd name="connsiteY1" fmla="*/ 2955 h 647052"/>
+                                                                <a:gd name="connsiteX2" fmla="*/ 2409568 w 2409568"/>
+                                                                <a:gd name="connsiteY2" fmla="*/ 633075 h 647052"/>
+                                                                <a:gd name="connsiteX3" fmla="*/ 123556 w 2409568"/>
+                                                                <a:gd name="connsiteY3" fmla="*/ 647052 h 647052"/>
+                                                                <a:gd name="connsiteX4" fmla="*/ 0 w 2409568"/>
+                                                                <a:gd name="connsiteY4" fmla="*/ 0 h 647052"/>
+                                                                <a:gd name="connsiteX0" fmla="*/ 0 w 2409568"/>
+                                                                <a:gd name="connsiteY0" fmla="*/ 0 h 647052"/>
+                                                                <a:gd name="connsiteX1" fmla="*/ 2352731 w 2409568"/>
+                                                                <a:gd name="connsiteY1" fmla="*/ 31924 h 647052"/>
+                                                                <a:gd name="connsiteX2" fmla="*/ 2409568 w 2409568"/>
+                                                                <a:gd name="connsiteY2" fmla="*/ 633075 h 647052"/>
+                                                                <a:gd name="connsiteX3" fmla="*/ 123556 w 2409568"/>
+                                                                <a:gd name="connsiteY3" fmla="*/ 647052 h 647052"/>
+                                                                <a:gd name="connsiteX4" fmla="*/ 0 w 2409568"/>
+                                                                <a:gd name="connsiteY4" fmla="*/ 0 h 647052"/>
+                                                                <a:gd name="connsiteX0" fmla="*/ 0 w 2409568"/>
+                                                                <a:gd name="connsiteY0" fmla="*/ 1523 h 648575"/>
+                                                                <a:gd name="connsiteX1" fmla="*/ 2294281 w 2409568"/>
+                                                                <a:gd name="connsiteY1" fmla="*/ 0 h 648575"/>
+                                                                <a:gd name="connsiteX2" fmla="*/ 2409568 w 2409568"/>
+                                                                <a:gd name="connsiteY2" fmla="*/ 634598 h 648575"/>
+                                                                <a:gd name="connsiteX3" fmla="*/ 123556 w 2409568"/>
+                                                                <a:gd name="connsiteY3" fmla="*/ 648575 h 648575"/>
+                                                                <a:gd name="connsiteX4" fmla="*/ 0 w 2409568"/>
+                                                                <a:gd name="connsiteY4" fmla="*/ 1523 h 648575"/>
+                                                                <a:gd name="connsiteX0" fmla="*/ 0 w 2409568"/>
+                                                                <a:gd name="connsiteY0" fmla="*/ 12273 h 659325"/>
+                                                                <a:gd name="connsiteX1" fmla="*/ 2365490 w 2409568"/>
+                                                                <a:gd name="connsiteY1" fmla="*/ 0 h 659325"/>
+                                                                <a:gd name="connsiteX2" fmla="*/ 2409568 w 2409568"/>
+                                                                <a:gd name="connsiteY2" fmla="*/ 645348 h 659325"/>
+                                                                <a:gd name="connsiteX3" fmla="*/ 123556 w 2409568"/>
+                                                                <a:gd name="connsiteY3" fmla="*/ 659325 h 659325"/>
+                                                                <a:gd name="connsiteX4" fmla="*/ 0 w 2409568"/>
+                                                                <a:gd name="connsiteY4" fmla="*/ 12273 h 659325"/>
+                                                                <a:gd name="connsiteX0" fmla="*/ 0 w 2409568"/>
+                                                                <a:gd name="connsiteY0" fmla="*/ 12273 h 656340"/>
+                                                                <a:gd name="connsiteX1" fmla="*/ 2365490 w 2409568"/>
+                                                                <a:gd name="connsiteY1" fmla="*/ 0 h 656340"/>
+                                                                <a:gd name="connsiteX2" fmla="*/ 2409568 w 2409568"/>
+                                                                <a:gd name="connsiteY2" fmla="*/ 645348 h 656340"/>
+                                                                <a:gd name="connsiteX3" fmla="*/ 73338 w 2409568"/>
+                                                                <a:gd name="connsiteY3" fmla="*/ 656340 h 656340"/>
+                                                                <a:gd name="connsiteX4" fmla="*/ 0 w 2409568"/>
+                                                                <a:gd name="connsiteY4" fmla="*/ 12273 h 656340"/>
+                                                                <a:gd name="connsiteX0" fmla="*/ 0 w 2409568"/>
+                                                                <a:gd name="connsiteY0" fmla="*/ 4111 h 648178"/>
+                                                                <a:gd name="connsiteX1" fmla="*/ 2334759 w 2409568"/>
+                                                                <a:gd name="connsiteY1" fmla="*/ 1 h 648178"/>
+                                                                <a:gd name="connsiteX2" fmla="*/ 2409568 w 2409568"/>
+                                                                <a:gd name="connsiteY2" fmla="*/ 637186 h 648178"/>
+                                                                <a:gd name="connsiteX3" fmla="*/ 73338 w 2409568"/>
+                                                                <a:gd name="connsiteY3" fmla="*/ 648178 h 648178"/>
+                                                                <a:gd name="connsiteX4" fmla="*/ 0 w 2409568"/>
+                                                                <a:gd name="connsiteY4" fmla="*/ 4111 h 648178"/>
+                                                                <a:gd name="connsiteX0" fmla="*/ 1 w 2463903"/>
+                                                                <a:gd name="connsiteY0" fmla="*/ 0 h 662285"/>
+                                                                <a:gd name="connsiteX1" fmla="*/ 2389094 w 2463903"/>
+                                                                <a:gd name="connsiteY1" fmla="*/ 14108 h 662285"/>
+                                                                <a:gd name="connsiteX2" fmla="*/ 2463903 w 2463903"/>
+                                                                <a:gd name="connsiteY2" fmla="*/ 651293 h 662285"/>
+                                                                <a:gd name="connsiteX3" fmla="*/ 127673 w 2463903"/>
+                                                                <a:gd name="connsiteY3" fmla="*/ 662285 h 662285"/>
+                                                                <a:gd name="connsiteX4" fmla="*/ 1 w 2463903"/>
+                                                                <a:gd name="connsiteY4" fmla="*/ 0 h 662285"/>
+                                                                <a:gd name="connsiteX0" fmla="*/ 0 w 2463902"/>
+                                                                <a:gd name="connsiteY0" fmla="*/ 0 h 657804"/>
+                                                                <a:gd name="connsiteX1" fmla="*/ 2389093 w 2463902"/>
+                                                                <a:gd name="connsiteY1" fmla="*/ 14108 h 657804"/>
+                                                                <a:gd name="connsiteX2" fmla="*/ 2463902 w 2463902"/>
+                                                                <a:gd name="connsiteY2" fmla="*/ 651293 h 657804"/>
+                                                                <a:gd name="connsiteX3" fmla="*/ 52348 w 2463902"/>
+                                                                <a:gd name="connsiteY3" fmla="*/ 657803 h 657804"/>
+                                                                <a:gd name="connsiteX4" fmla="*/ 0 w 2463902"/>
+                                                                <a:gd name="connsiteY4" fmla="*/ 0 h 657804"/>
+                                                                <a:gd name="connsiteX0" fmla="*/ 0 w 2463902"/>
+                                                                <a:gd name="connsiteY0" fmla="*/ 0 h 663779"/>
+                                                                <a:gd name="connsiteX1" fmla="*/ 2389093 w 2463902"/>
+                                                                <a:gd name="connsiteY1" fmla="*/ 14108 h 663779"/>
+                                                                <a:gd name="connsiteX2" fmla="*/ 2463902 w 2463902"/>
+                                                                <a:gd name="connsiteY2" fmla="*/ 651293 h 663779"/>
+                                                                <a:gd name="connsiteX3" fmla="*/ 152780 w 2463902"/>
+                                                                <a:gd name="connsiteY3" fmla="*/ 663779 h 663779"/>
+                                                                <a:gd name="connsiteX4" fmla="*/ 0 w 2463902"/>
+                                                                <a:gd name="connsiteY4" fmla="*/ 0 h 663779"/>
+                                                                <a:gd name="connsiteX0" fmla="*/ 0 w 2423426"/>
+                                                                <a:gd name="connsiteY0" fmla="*/ 0 h 666366"/>
+                                                                <a:gd name="connsiteX1" fmla="*/ 2348617 w 2423426"/>
+                                                                <a:gd name="connsiteY1" fmla="*/ 16695 h 666366"/>
+                                                                <a:gd name="connsiteX2" fmla="*/ 2423426 w 2423426"/>
+                                                                <a:gd name="connsiteY2" fmla="*/ 653880 h 666366"/>
+                                                                <a:gd name="connsiteX3" fmla="*/ 112304 w 2423426"/>
+                                                                <a:gd name="connsiteY3" fmla="*/ 666366 h 666366"/>
+                                                                <a:gd name="connsiteX4" fmla="*/ 0 w 2423426"/>
+                                                                <a:gd name="connsiteY4" fmla="*/ 0 h 666366"/>
+                                                                <a:gd name="connsiteX0" fmla="*/ 0 w 2394201"/>
+                                                                <a:gd name="connsiteY0" fmla="*/ 28 h 649670"/>
+                                                                <a:gd name="connsiteX1" fmla="*/ 2319392 w 2394201"/>
+                                                                <a:gd name="connsiteY1" fmla="*/ -1 h 649670"/>
+                                                                <a:gd name="connsiteX2" fmla="*/ 2394201 w 2394201"/>
+                                                                <a:gd name="connsiteY2" fmla="*/ 637184 h 649670"/>
+                                                                <a:gd name="connsiteX3" fmla="*/ 83079 w 2394201"/>
+                                                                <a:gd name="connsiteY3" fmla="*/ 649670 h 649670"/>
+                                                                <a:gd name="connsiteX4" fmla="*/ 0 w 2394201"/>
+                                                                <a:gd name="connsiteY4" fmla="*/ 28 h 649670"/>
+                                                                <a:gd name="connsiteX0" fmla="*/ 0 w 2432392"/>
+                                                                <a:gd name="connsiteY0" fmla="*/ 29 h 649671"/>
+                                                                <a:gd name="connsiteX1" fmla="*/ 2319392 w 2432392"/>
+                                                                <a:gd name="connsiteY1" fmla="*/ 0 h 649671"/>
+                                                                <a:gd name="connsiteX2" fmla="*/ 2432392 w 2432392"/>
+                                                                <a:gd name="connsiteY2" fmla="*/ 644855 h 649671"/>
+                                                                <a:gd name="connsiteX3" fmla="*/ 83079 w 2432392"/>
+                                                                <a:gd name="connsiteY3" fmla="*/ 649671 h 649671"/>
+                                                                <a:gd name="connsiteX4" fmla="*/ 0 w 2432392"/>
+                                                                <a:gd name="connsiteY4" fmla="*/ 29 h 649671"/>
+                                                                <a:gd name="connsiteX0" fmla="*/ 0 w 2432392"/>
+                                                                <a:gd name="connsiteY0" fmla="*/ 0 h 649642"/>
+                                                                <a:gd name="connsiteX1" fmla="*/ 2346907 w 2432392"/>
+                                                                <a:gd name="connsiteY1" fmla="*/ 1592 h 649642"/>
+                                                                <a:gd name="connsiteX2" fmla="*/ 2432392 w 2432392"/>
+                                                                <a:gd name="connsiteY2" fmla="*/ 644826 h 649642"/>
+                                                                <a:gd name="connsiteX3" fmla="*/ 83079 w 2432392"/>
+                                                                <a:gd name="connsiteY3" fmla="*/ 649642 h 649642"/>
+                                                                <a:gd name="connsiteX4" fmla="*/ 0 w 2432392"/>
+                                                                <a:gd name="connsiteY4" fmla="*/ 0 h 649642"/>
+                                                              </a:gdLst>
+                                                              <a:ahLst/>
+                                                              <a:cxnLst>
+                                                                <a:cxn ang="0">
+                                                                  <a:pos x="connsiteX0" y="connsiteY0"/>
+                                                                </a:cxn>
+                                                                <a:cxn ang="0">
+                                                                  <a:pos x="connsiteX1" y="connsiteY1"/>
+                                                                </a:cxn>
+                                                                <a:cxn ang="0">
+                                                                  <a:pos x="connsiteX2" y="connsiteY2"/>
+                                                                </a:cxn>
+                                                                <a:cxn ang="0">
+                                                                  <a:pos x="connsiteX3" y="connsiteY3"/>
+                                                                </a:cxn>
+                                                                <a:cxn ang="0">
+                                                                  <a:pos x="connsiteX4" y="connsiteY4"/>
+                                                                </a:cxn>
+                                                              </a:cxnLst>
+                                                              <a:rect l="l" t="t" r="r" b="b"/>
+                                                              <a:pathLst>
+                                                                <a:path w="2432392" h="649642">
+                                                                  <a:moveTo>
+                                                                    <a:pt x="0" y="0"/>
+                                                                  </a:moveTo>
+                                                                  <a:lnTo>
+                                                                    <a:pt x="2346907" y="1592"/>
+                                                                  </a:lnTo>
+                                                                  <a:lnTo>
+                                                                    <a:pt x="2432392" y="644826"/>
+                                                                  </a:lnTo>
+                                                                  <a:lnTo>
+                                                                    <a:pt x="83079" y="649642"/>
+                                                                  </a:lnTo>
+                                                                  <a:lnTo>
+                                                                    <a:pt x="0" y="0"/>
+                                                                  </a:lnTo>
+                                                                  <a:close/>
+                                                                </a:path>
+                                                              </a:pathLst>
+                                                            </a:custGeom>
+                                                            <a:solidFill>
+                                                              <a:srgbClr val="00B050"/>
+                                                            </a:solidFill>
+                                                            <a:ln>
+                                                              <a:noFill/>
+                                                            </a:ln>
+                                                          </p:spPr>
+                                                          <p:style>
+                                                            <a:lnRef idx="2">
+                                                              <a:schemeClr val="accent1">
+                                                                <a:shade val="50000"/>
+                                                              </a:schemeClr>
+                                                            </a:lnRef>
+                                                            <a:fillRef idx="1">
+                                                              <a:schemeClr val="accent1"/>
+                                                            </a:fillRef>
+                                                            <a:effectRef idx="0">
+                                                              <a:schemeClr val="accent1"/>
+                                                            </a:effectRef>
+                                                            <a:fontRef idx="minor">
+                                                              <a:schemeClr val="lt1"/>
+                                                            </a:fontRef>
+                                                          </p:style>
+                                                          <p:txBody>
+                                                            <a:bodyPr rtlCol="0" anchor="ctr"/>
+                                                            <a:lstStyle/>
+                                                            <a:p>
+                                                              <a:pPr algn="ctr"/>
+                                                              <a:endParaRPr lang="nb-NO" sz="1400" dirty="0"/>
+                                                            </a:p>
+                                                          </p:txBody>
+                                                        </p:sp>
+                                                        <p:sp>
+                                                          <p:nvSpPr>
+                                                            <p:cNvPr id="163" name="Rectangle 7"/>
+                                                            <p:cNvSpPr/>
+                                                            <p:nvPr/>
+                                                          </p:nvSpPr>
+                                                          <p:spPr>
+                                                            <a:xfrm rot="9000000">
+                                                              <a:off x="5893600" y="751749"/>
+                                                              <a:ext cx="1951655" cy="683731"/>
+                                                            </a:xfrm>
+                                                            <a:custGeom>
+                                                              <a:avLst/>
+                                                              <a:gdLst>
+                                                                <a:gd name="connsiteX0" fmla="*/ 0 w 2409568"/>
+                                                                <a:gd name="connsiteY0" fmla="*/ 0 h 633075"/>
+                                                                <a:gd name="connsiteX1" fmla="*/ 2409568 w 2409568"/>
+                                                                <a:gd name="connsiteY1" fmla="*/ 0 h 633075"/>
+                                                                <a:gd name="connsiteX2" fmla="*/ 2409568 w 2409568"/>
+                                                                <a:gd name="connsiteY2" fmla="*/ 633075 h 633075"/>
+                                                                <a:gd name="connsiteX3" fmla="*/ 0 w 2409568"/>
+                                                                <a:gd name="connsiteY3" fmla="*/ 633075 h 633075"/>
+                                                                <a:gd name="connsiteX4" fmla="*/ 0 w 2409568"/>
+                                                                <a:gd name="connsiteY4" fmla="*/ 0 h 633075"/>
+                                                                <a:gd name="connsiteX0" fmla="*/ 325646 w 2735214"/>
+                                                                <a:gd name="connsiteY0" fmla="*/ 0 h 640217"/>
+                                                                <a:gd name="connsiteX1" fmla="*/ 2735214 w 2735214"/>
+                                                                <a:gd name="connsiteY1" fmla="*/ 0 h 640217"/>
+                                                                <a:gd name="connsiteX2" fmla="*/ 2735214 w 2735214"/>
+                                                                <a:gd name="connsiteY2" fmla="*/ 633075 h 640217"/>
+                                                                <a:gd name="connsiteX3" fmla="*/ 0 w 2735214"/>
+                                                                <a:gd name="connsiteY3" fmla="*/ 640217 h 640217"/>
+                                                                <a:gd name="connsiteX4" fmla="*/ 325646 w 2735214"/>
+                                                                <a:gd name="connsiteY4" fmla="*/ 0 h 640217"/>
+                                                                <a:gd name="connsiteX0" fmla="*/ 325646 w 2735214"/>
+                                                                <a:gd name="connsiteY0" fmla="*/ 0 h 640217"/>
+                                                                <a:gd name="connsiteX1" fmla="*/ 2703341 w 2735214"/>
+                                                                <a:gd name="connsiteY1" fmla="*/ 9139 h 640217"/>
+                                                                <a:gd name="connsiteX2" fmla="*/ 2735214 w 2735214"/>
+                                                                <a:gd name="connsiteY2" fmla="*/ 633075 h 640217"/>
+                                                                <a:gd name="connsiteX3" fmla="*/ 0 w 2735214"/>
+                                                                <a:gd name="connsiteY3" fmla="*/ 640217 h 640217"/>
+                                                                <a:gd name="connsiteX4" fmla="*/ 325646 w 2735214"/>
+                                                                <a:gd name="connsiteY4" fmla="*/ 0 h 640217"/>
+                                                                <a:gd name="connsiteX0" fmla="*/ 325646 w 2745467"/>
+                                                                <a:gd name="connsiteY0" fmla="*/ 0 h 640217"/>
+                                                                <a:gd name="connsiteX1" fmla="*/ 2745467 w 2745467"/>
+                                                                <a:gd name="connsiteY1" fmla="*/ 5683 h 640217"/>
+                                                                <a:gd name="connsiteX2" fmla="*/ 2735214 w 2745467"/>
+                                                                <a:gd name="connsiteY2" fmla="*/ 633075 h 640217"/>
+                                                                <a:gd name="connsiteX3" fmla="*/ 0 w 2745467"/>
+                                                                <a:gd name="connsiteY3" fmla="*/ 640217 h 640217"/>
+                                                                <a:gd name="connsiteX4" fmla="*/ 325646 w 2745467"/>
+                                                                <a:gd name="connsiteY4" fmla="*/ 0 h 640217"/>
+                                                                <a:gd name="connsiteX0" fmla="*/ 423511 w 2843332"/>
+                                                                <a:gd name="connsiteY0" fmla="*/ 0 h 663088"/>
+                                                                <a:gd name="connsiteX1" fmla="*/ 2843332 w 2843332"/>
+                                                                <a:gd name="connsiteY1" fmla="*/ 5683 h 663088"/>
+                                                                <a:gd name="connsiteX2" fmla="*/ 2833079 w 2843332"/>
+                                                                <a:gd name="connsiteY2" fmla="*/ 633075 h 663088"/>
+                                                                <a:gd name="connsiteX3" fmla="*/ 0 w 2843332"/>
+                                                                <a:gd name="connsiteY3" fmla="*/ 663088 h 663088"/>
+                                                                <a:gd name="connsiteX4" fmla="*/ 423511 w 2843332"/>
+                                                                <a:gd name="connsiteY4" fmla="*/ 0 h 663088"/>
+                                                                <a:gd name="connsiteX0" fmla="*/ 488636 w 2908457"/>
+                                                                <a:gd name="connsiteY0" fmla="*/ 0 h 660103"/>
+                                                                <a:gd name="connsiteX1" fmla="*/ 2908457 w 2908457"/>
+                                                                <a:gd name="connsiteY1" fmla="*/ 5683 h 660103"/>
+                                                                <a:gd name="connsiteX2" fmla="*/ 2898204 w 2908457"/>
+                                                                <a:gd name="connsiteY2" fmla="*/ 633075 h 660103"/>
+                                                                <a:gd name="connsiteX3" fmla="*/ 0 w 2908457"/>
+                                                                <a:gd name="connsiteY3" fmla="*/ 660103 h 660103"/>
+                                                                <a:gd name="connsiteX4" fmla="*/ 488636 w 2908457"/>
+                                                                <a:gd name="connsiteY4" fmla="*/ 0 h 660103"/>
+                                                                <a:gd name="connsiteX0" fmla="*/ 0 w 2419821"/>
+                                                                <a:gd name="connsiteY0" fmla="*/ 0 h 647051"/>
+                                                                <a:gd name="connsiteX1" fmla="*/ 2419821 w 2419821"/>
+                                                                <a:gd name="connsiteY1" fmla="*/ 5683 h 647051"/>
+                                                                <a:gd name="connsiteX2" fmla="*/ 2409568 w 2419821"/>
+                                                                <a:gd name="connsiteY2" fmla="*/ 633075 h 647051"/>
+                                                                <a:gd name="connsiteX3" fmla="*/ 123556 w 2419821"/>
+                                                                <a:gd name="connsiteY3" fmla="*/ 647052 h 647051"/>
+                                                                <a:gd name="connsiteX4" fmla="*/ 0 w 2419821"/>
+                                                                <a:gd name="connsiteY4" fmla="*/ 0 h 647051"/>
+                                                                <a:gd name="connsiteX0" fmla="*/ 0 w 2409568"/>
+                                                                <a:gd name="connsiteY0" fmla="*/ 0 h 647052"/>
+                                                                <a:gd name="connsiteX1" fmla="*/ 2369604 w 2409568"/>
+                                                                <a:gd name="connsiteY1" fmla="*/ 2955 h 647052"/>
+                                                                <a:gd name="connsiteX2" fmla="*/ 2409568 w 2409568"/>
+                                                                <a:gd name="connsiteY2" fmla="*/ 633075 h 647052"/>
+                                                                <a:gd name="connsiteX3" fmla="*/ 123556 w 2409568"/>
+                                                                <a:gd name="connsiteY3" fmla="*/ 647052 h 647052"/>
+                                                                <a:gd name="connsiteX4" fmla="*/ 0 w 2409568"/>
+                                                                <a:gd name="connsiteY4" fmla="*/ 0 h 647052"/>
+                                                                <a:gd name="connsiteX0" fmla="*/ 0 w 2409568"/>
+                                                                <a:gd name="connsiteY0" fmla="*/ 0 h 647052"/>
+                                                                <a:gd name="connsiteX1" fmla="*/ 2352731 w 2409568"/>
+                                                                <a:gd name="connsiteY1" fmla="*/ 31924 h 647052"/>
+                                                                <a:gd name="connsiteX2" fmla="*/ 2409568 w 2409568"/>
+                                                                <a:gd name="connsiteY2" fmla="*/ 633075 h 647052"/>
+                                                                <a:gd name="connsiteX3" fmla="*/ 123556 w 2409568"/>
+                                                                <a:gd name="connsiteY3" fmla="*/ 647052 h 647052"/>
+                                                                <a:gd name="connsiteX4" fmla="*/ 0 w 2409568"/>
+                                                                <a:gd name="connsiteY4" fmla="*/ 0 h 647052"/>
+                                                                <a:gd name="connsiteX0" fmla="*/ 0 w 2409568"/>
+                                                                <a:gd name="connsiteY0" fmla="*/ 1523 h 648575"/>
+                                                                <a:gd name="connsiteX1" fmla="*/ 2294281 w 2409568"/>
+                                                                <a:gd name="connsiteY1" fmla="*/ 0 h 648575"/>
+                                                                <a:gd name="connsiteX2" fmla="*/ 2409568 w 2409568"/>
+                                                                <a:gd name="connsiteY2" fmla="*/ 634598 h 648575"/>
+                                                                <a:gd name="connsiteX3" fmla="*/ 123556 w 2409568"/>
+                                                                <a:gd name="connsiteY3" fmla="*/ 648575 h 648575"/>
+                                                                <a:gd name="connsiteX4" fmla="*/ 0 w 2409568"/>
+                                                                <a:gd name="connsiteY4" fmla="*/ 1523 h 648575"/>
+                                                                <a:gd name="connsiteX0" fmla="*/ 0 w 2409568"/>
+                                                                <a:gd name="connsiteY0" fmla="*/ 12273 h 659325"/>
+                                                                <a:gd name="connsiteX1" fmla="*/ 2365490 w 2409568"/>
+                                                                <a:gd name="connsiteY1" fmla="*/ 0 h 659325"/>
+                                                                <a:gd name="connsiteX2" fmla="*/ 2409568 w 2409568"/>
+                                                                <a:gd name="connsiteY2" fmla="*/ 645348 h 659325"/>
+                                                                <a:gd name="connsiteX3" fmla="*/ 123556 w 2409568"/>
+                                                                <a:gd name="connsiteY3" fmla="*/ 659325 h 659325"/>
+                                                                <a:gd name="connsiteX4" fmla="*/ 0 w 2409568"/>
+                                                                <a:gd name="connsiteY4" fmla="*/ 12273 h 659325"/>
+                                                                <a:gd name="connsiteX0" fmla="*/ 0 w 2409568"/>
+                                                                <a:gd name="connsiteY0" fmla="*/ 12273 h 656340"/>
+                                                                <a:gd name="connsiteX1" fmla="*/ 2365490 w 2409568"/>
+                                                                <a:gd name="connsiteY1" fmla="*/ 0 h 656340"/>
+                                                                <a:gd name="connsiteX2" fmla="*/ 2409568 w 2409568"/>
+                                                                <a:gd name="connsiteY2" fmla="*/ 645348 h 656340"/>
+                                                                <a:gd name="connsiteX3" fmla="*/ 73338 w 2409568"/>
+                                                                <a:gd name="connsiteY3" fmla="*/ 656340 h 656340"/>
+                                                                <a:gd name="connsiteX4" fmla="*/ 0 w 2409568"/>
+                                                                <a:gd name="connsiteY4" fmla="*/ 12273 h 656340"/>
+                                                                <a:gd name="connsiteX0" fmla="*/ 0 w 2409568"/>
+                                                                <a:gd name="connsiteY0" fmla="*/ 4111 h 648178"/>
+                                                                <a:gd name="connsiteX1" fmla="*/ 2334759 w 2409568"/>
+                                                                <a:gd name="connsiteY1" fmla="*/ 1 h 648178"/>
+                                                                <a:gd name="connsiteX2" fmla="*/ 2409568 w 2409568"/>
+                                                                <a:gd name="connsiteY2" fmla="*/ 637186 h 648178"/>
+                                                                <a:gd name="connsiteX3" fmla="*/ 73338 w 2409568"/>
+                                                                <a:gd name="connsiteY3" fmla="*/ 648178 h 648178"/>
+                                                                <a:gd name="connsiteX4" fmla="*/ 0 w 2409568"/>
+                                                                <a:gd name="connsiteY4" fmla="*/ 4111 h 648178"/>
+                                                                <a:gd name="connsiteX0" fmla="*/ 1 w 2463903"/>
+                                                                <a:gd name="connsiteY0" fmla="*/ 0 h 662285"/>
+                                                                <a:gd name="connsiteX1" fmla="*/ 2389094 w 2463903"/>
+                                                                <a:gd name="connsiteY1" fmla="*/ 14108 h 662285"/>
+                                                                <a:gd name="connsiteX2" fmla="*/ 2463903 w 2463903"/>
+                                                                <a:gd name="connsiteY2" fmla="*/ 651293 h 662285"/>
+                                                                <a:gd name="connsiteX3" fmla="*/ 127673 w 2463903"/>
+                                                                <a:gd name="connsiteY3" fmla="*/ 662285 h 662285"/>
+                                                                <a:gd name="connsiteX4" fmla="*/ 1 w 2463903"/>
+                                                                <a:gd name="connsiteY4" fmla="*/ 0 h 662285"/>
+                                                                <a:gd name="connsiteX0" fmla="*/ 0 w 2463902"/>
+                                                                <a:gd name="connsiteY0" fmla="*/ 0 h 657804"/>
+                                                                <a:gd name="connsiteX1" fmla="*/ 2389093 w 2463902"/>
+                                                                <a:gd name="connsiteY1" fmla="*/ 14108 h 657804"/>
+                                                                <a:gd name="connsiteX2" fmla="*/ 2463902 w 2463902"/>
+                                                                <a:gd name="connsiteY2" fmla="*/ 651293 h 657804"/>
+                                                                <a:gd name="connsiteX3" fmla="*/ 52348 w 2463902"/>
+                                                                <a:gd name="connsiteY3" fmla="*/ 657803 h 657804"/>
+                                                                <a:gd name="connsiteX4" fmla="*/ 0 w 2463902"/>
+                                                                <a:gd name="connsiteY4" fmla="*/ 0 h 657804"/>
+                                                                <a:gd name="connsiteX0" fmla="*/ 0 w 2463902"/>
+                                                                <a:gd name="connsiteY0" fmla="*/ 0 h 656708"/>
+                                                                <a:gd name="connsiteX1" fmla="*/ 2389093 w 2463902"/>
+                                                                <a:gd name="connsiteY1" fmla="*/ 14108 h 656708"/>
+                                                                <a:gd name="connsiteX2" fmla="*/ 2463902 w 2463902"/>
+                                                                <a:gd name="connsiteY2" fmla="*/ 651293 h 656708"/>
+                                                                <a:gd name="connsiteX3" fmla="*/ 117930 w 2463902"/>
+                                                                <a:gd name="connsiteY3" fmla="*/ 656708 h 656708"/>
+                                                                <a:gd name="connsiteX4" fmla="*/ 0 w 2463902"/>
+                                                                <a:gd name="connsiteY4" fmla="*/ 0 h 656708"/>
+                                                                <a:gd name="connsiteX0" fmla="*/ 0 w 2424935"/>
+                                                                <a:gd name="connsiteY0" fmla="*/ 8191 h 642600"/>
+                                                                <a:gd name="connsiteX1" fmla="*/ 2350126 w 2424935"/>
+                                                                <a:gd name="connsiteY1" fmla="*/ 0 h 642600"/>
+                                                                <a:gd name="connsiteX2" fmla="*/ 2424935 w 2424935"/>
+                                                                <a:gd name="connsiteY2" fmla="*/ 637185 h 642600"/>
+                                                                <a:gd name="connsiteX3" fmla="*/ 78963 w 2424935"/>
+                                                                <a:gd name="connsiteY3" fmla="*/ 642600 h 642600"/>
+                                                                <a:gd name="connsiteX4" fmla="*/ 0 w 2424935"/>
+                                                                <a:gd name="connsiteY4" fmla="*/ 8191 h 642600"/>
+                                                              </a:gdLst>
+                                                              <a:ahLst/>
+                                                              <a:cxnLst>
+                                                                <a:cxn ang="0">
+                                                                  <a:pos x="connsiteX0" y="connsiteY0"/>
+                                                                </a:cxn>
+                                                                <a:cxn ang="0">
+                                                                  <a:pos x="connsiteX1" y="connsiteY1"/>
+                                                                </a:cxn>
+                                                                <a:cxn ang="0">
+                                                                  <a:pos x="connsiteX2" y="connsiteY2"/>
+                                                                </a:cxn>
+                                                                <a:cxn ang="0">
+                                                                  <a:pos x="connsiteX3" y="connsiteY3"/>
+                                                                </a:cxn>
+                                                                <a:cxn ang="0">
+                                                                  <a:pos x="connsiteX4" y="connsiteY4"/>
+                                                                </a:cxn>
+                                                              </a:cxnLst>
+                                                              <a:rect l="l" t="t" r="r" b="b"/>
+                                                              <a:pathLst>
+                                                                <a:path w="2424935" h="642600">
+                                                                  <a:moveTo>
+                                                                    <a:pt x="0" y="8191"/>
+                                                                  </a:moveTo>
+                                                                  <a:lnTo>
+                                                                    <a:pt x="2350126" y="0"/>
+                                                                  </a:lnTo>
+                                                                  <a:lnTo>
+                                                                    <a:pt x="2424935" y="637185"/>
+                                                                  </a:lnTo>
+                                                                  <a:lnTo>
+                                                                    <a:pt x="78963" y="642600"/>
+                                                                  </a:lnTo>
+                                                                  <a:lnTo>
+                                                                    <a:pt x="0" y="8191"/>
+                                                                  </a:lnTo>
+                                                                  <a:close/>
+                                                                </a:path>
+                                                              </a:pathLst>
+                                                            </a:custGeom>
+                                                            <a:solidFill>
+                                                              <a:srgbClr val="00B050"/>
+                                                            </a:solidFill>
+                                                            <a:ln>
+                                                              <a:noFill/>
+                                                            </a:ln>
+                                                          </p:spPr>
+                                                          <p:style>
+                                                            <a:lnRef idx="2">
+                                                              <a:schemeClr val="accent1">
+                                                                <a:shade val="50000"/>
+                                                              </a:schemeClr>
+                                                            </a:lnRef>
+                                                            <a:fillRef idx="1">
+                                                              <a:schemeClr val="accent1"/>
+                                                            </a:fillRef>
+                                                            <a:effectRef idx="0">
+                                                              <a:schemeClr val="accent1"/>
+                                                            </a:effectRef>
+                                                            <a:fontRef idx="minor">
+                                                              <a:schemeClr val="lt1"/>
+                                                            </a:fontRef>
+                                                          </p:style>
+                                                          <p:txBody>
+                                                            <a:bodyPr rtlCol="0" anchor="ctr"/>
+                                                            <a:lstStyle/>
+                                                            <a:p>
+                                                              <a:pPr algn="ctr"/>
+                                                              <a:endParaRPr lang="nb-NO" sz="1400" dirty="0"/>
+                                                            </a:p>
+                                                          </p:txBody>
+                                                        </p:sp>
+                                                        <p:sp>
+                                                          <p:nvSpPr>
+                                                            <p:cNvPr id="164" name="Rectangle 163"/>
+                                                            <p:cNvSpPr/>
+                                                            <p:nvPr/>
+                                                          </p:nvSpPr>
+                                                          <p:spPr>
+                                                            <a:xfrm>
+                                                              <a:off x="5909619" y="-35190"/>
+                                                              <a:ext cx="487826" cy="388177"/>
+                                                            </a:xfrm>
+                                                            <a:prstGeom prst="rect">
+                                                              <a:avLst/>
+                                                            </a:prstGeom>
+                                                          </p:spPr>
+                                                          <p:txBody>
+                                                            <a:bodyPr wrap="none">
+                                                              <a:spAutoFit/>
+                                                            </a:bodyPr>
+                                                            <a:lstStyle/>
+                                                            <a:p>
+                                                              <a:pPr algn="ctr"/>
+                                                              <a:r>
+                                                                <a:rPr lang="nb-NO" sz="1400" dirty="0" smtClean="0"/>
+                                                                <a:t>R3</a:t>
+                                                              </a:r>
+                                                              <a:endParaRPr lang="nb-NO" sz="1400" dirty="0"/>
+                                                            </a:p>
+                                                          </p:txBody>
+                                                        </p:sp>
+                                                        <p:sp>
+                                                          <p:nvSpPr>
+                                                            <p:cNvPr id="165" name="Rectangle 164"/>
+                                                            <p:cNvSpPr/>
+                                                            <p:nvPr/>
+                                                          </p:nvSpPr>
+                                                          <p:spPr>
+                                                            <a:xfrm>
+                                                              <a:off x="6228575" y="413313"/>
+                                                              <a:ext cx="487826" cy="388177"/>
+                                                            </a:xfrm>
+                                                            <a:prstGeom prst="rect">
+                                                              <a:avLst/>
+                                                            </a:prstGeom>
+                                                          </p:spPr>
+                                                          <p:txBody>
+                                                            <a:bodyPr wrap="none">
+                                                              <a:spAutoFit/>
+                                                            </a:bodyPr>
+                                                            <a:lstStyle/>
+                                                            <a:p>
+                                                              <a:pPr algn="ctr"/>
+                                                              <a:r>
+                                                                <a:rPr lang="nb-NO" sz="1400" dirty="0" smtClean="0"/>
+                                                                <a:t>R2</a:t>
+                                                              </a:r>
+                                                              <a:endParaRPr lang="nb-NO" sz="1400" dirty="0"/>
+                                                            </a:p>
+                                                          </p:txBody>
+                                                        </p:sp>
+                                                        <p:sp>
+                                                          <p:nvSpPr>
+                                                            <p:cNvPr id="166" name="Rectangle 165"/>
+                                                            <p:cNvSpPr/>
+                                                            <p:nvPr/>
+                                                          </p:nvSpPr>
+                                                          <p:spPr>
+                                                            <a:xfrm>
+                                                              <a:off x="6551058" y="845693"/>
+                                                              <a:ext cx="487826" cy="388177"/>
+                                                            </a:xfrm>
+                                                            <a:prstGeom prst="rect">
+                                                              <a:avLst/>
+                                                            </a:prstGeom>
+                                                          </p:spPr>
+                                                          <p:txBody>
+                                                            <a:bodyPr wrap="none">
+                                                              <a:spAutoFit/>
+                                                            </a:bodyPr>
+                                                            <a:lstStyle/>
+                                                            <a:p>
+                                                              <a:pPr algn="ctr"/>
+                                                              <a:r>
+                                                                <a:rPr lang="nb-NO" sz="1400" dirty="0" smtClean="0"/>
+                                                                <a:t>R1</a:t>
+                                                              </a:r>
+                                                              <a:endParaRPr lang="nb-NO" sz="1400" dirty="0"/>
+                                                            </a:p>
+                                                          </p:txBody>
+                                                        </p:sp>
+                                                      </p:grpSp>
                                                     </p:grpSp>
-                                                    <p:sp>
-                                                      <p:nvSpPr>
-                                                        <p:cNvPr id="41" name="TextBox 40"/>
-                                                        <p:cNvSpPr txBox="1"/>
+                                                    <p:cxnSp>
+                                                      <p:nvCxnSpPr>
+                                                        <p:cNvPr id="159" name="Straight Connector 158"/>
+                                                        <p:cNvCxnSpPr/>
                                                         <p:nvPr/>
-                                                      </p:nvSpPr>
+                                                      </p:nvCxnSpPr>
                                                       <p:spPr>
                                                         <a:xfrm>
-                                                          <a:off x="485371" y="6400002"/>
-                                                          <a:ext cx="433723" cy="357675"/>
+                                                          <a:off x="6563762" y="0"/>
+                                                          <a:ext cx="1376127" cy="1816813"/>
                                                         </a:xfrm>
-                                                        <a:prstGeom prst="rect">
+                                                        <a:prstGeom prst="line">
                                                           <a:avLst/>
                                                         </a:prstGeom>
-                                                        <a:noFill/>
-                                                        <a:ln>
-                                                          <a:solidFill>
-                                                            <a:srgbClr val="FF0000"/>
-                                                          </a:solidFill>
-                                                        </a:ln>
                                                       </p:spPr>
-                                                      <p:txBody>
-                                                        <a:bodyPr wrap="none" rtlCol="0">
-                                                          <a:spAutoFit/>
-                                                        </a:bodyPr>
-                                                        <a:lstStyle/>
-                                                        <a:p>
-                                                          <a:r>
-                                                            <a:rPr lang="nb-NO" sz="1400" dirty="0" smtClean="0"/>
-                                                            <a:t>SR</a:t>
-                                                          </a:r>
-                                                          <a:endParaRPr lang="nb-NO" sz="1400" dirty="0"/>
-                                                        </a:p>
-                                                      </p:txBody>
-                                                    </p:sp>
+                                                      <p:style>
+                                                        <a:lnRef idx="3">
+                                                          <a:schemeClr val="dk1"/>
+                                                        </a:lnRef>
+                                                        <a:fillRef idx="0">
+                                                          <a:schemeClr val="dk1"/>
+                                                        </a:fillRef>
+                                                        <a:effectRef idx="2">
+                                                          <a:schemeClr val="dk1"/>
+                                                        </a:effectRef>
+                                                        <a:fontRef idx="minor">
+                                                          <a:schemeClr val="tx1"/>
+                                                        </a:fontRef>
+                                                      </p:style>
+                                                    </p:cxnSp>
                                                   </p:grpSp>
-                                                  <p:cxnSp>
-                                                    <p:nvCxnSpPr>
-                                                      <p:cNvPr id="37" name="Straight Arrow Connector 36"/>
-                                                      <p:cNvCxnSpPr/>
+                                                  <p:sp>
+                                                    <p:nvSpPr>
+                                                      <p:cNvPr id="157" name="TextBox 156"/>
+                                                      <p:cNvSpPr txBox="1"/>
                                                       <p:nvPr/>
-                                                    </p:nvCxnSpPr>
+                                                    </p:nvSpPr>
                                                     <p:spPr>
-                                                      <a:xfrm flipV="1">
-                                                        <a:off x="1204111" y="6237839"/>
-                                                        <a:ext cx="986828" cy="443618"/>
+                                                      <a:xfrm>
+                                                        <a:off x="485371" y="6400002"/>
+                                                        <a:ext cx="433723" cy="357675"/>
                                                       </a:xfrm>
-                                                      <a:prstGeom prst="straightConnector1">
+                                                      <a:prstGeom prst="rect">
                                                         <a:avLst/>
                                                       </a:prstGeom>
+                                                      <a:noFill/>
                                                       <a:ln>
                                                         <a:solidFill>
                                                           <a:srgbClr val="FF0000"/>
                                                         </a:solidFill>
-                                                        <a:tailEnd type="triangle"/>
                                                       </a:ln>
                                                     </p:spPr>
-                                                    <p:style>
-                                                      <a:lnRef idx="1">
-                                                        <a:schemeClr val="accent1"/>
-                                                      </a:lnRef>
-                                                      <a:fillRef idx="0">
-                                                        <a:schemeClr val="accent1"/>
-                                                      </a:fillRef>
-                                                      <a:effectRef idx="0">
-                                                        <a:schemeClr val="accent1"/>
-                                                      </a:effectRef>
-                                                      <a:fontRef idx="minor">
-                                                        <a:schemeClr val="tx1"/>
-                                                      </a:fontRef>
-                                                    </p:style>
-                                                  </p:cxnSp>
-                                                  <p:cxnSp>
-                                                    <p:nvCxnSpPr>
-                                                      <p:cNvPr id="38" name="Straight Arrow Connector 37"/>
-                                                      <p:cNvCxnSpPr/>
-                                                      <p:nvPr/>
-                                                    </p:nvCxnSpPr>
-                                                    <p:spPr>
-                                                      <a:xfrm flipV="1">
-                                                        <a:off x="2903365" y="5481736"/>
-                                                        <a:ext cx="460961" cy="311996"/>
-                                                      </a:xfrm>
-                                                      <a:prstGeom prst="straightConnector1">
-                                                        <a:avLst/>
-                                                      </a:prstGeom>
-                                                      <a:ln>
-                                                        <a:solidFill>
-                                                          <a:srgbClr val="FF0000"/>
-                                                        </a:solidFill>
-                                                        <a:tailEnd type="triangle"/>
-                                                      </a:ln>
-                                                    </p:spPr>
-                                                    <p:style>
-                                                      <a:lnRef idx="1">
-                                                        <a:schemeClr val="accent1"/>
-                                                      </a:lnRef>
-                                                      <a:fillRef idx="0">
-                                                        <a:schemeClr val="accent1"/>
-                                                      </a:fillRef>
-                                                      <a:effectRef idx="0">
-                                                        <a:schemeClr val="accent1"/>
-                                                      </a:effectRef>
-                                                      <a:fontRef idx="minor">
-                                                        <a:schemeClr val="tx1"/>
-                                                      </a:fontRef>
-                                                    </p:style>
-                                                  </p:cxnSp>
-                                                  <p:cxnSp>
-                                                    <p:nvCxnSpPr>
-                                                      <p:cNvPr id="39" name="Straight Arrow Connector 38"/>
-                                                      <p:cNvCxnSpPr/>
-                                                      <p:nvPr/>
-                                                    </p:nvCxnSpPr>
-                                                    <p:spPr>
-                                                      <a:xfrm flipV="1">
-                                                        <a:off x="4572729" y="4564842"/>
-                                                        <a:ext cx="460961" cy="311996"/>
-                                                      </a:xfrm>
-                                                      <a:prstGeom prst="straightConnector1">
-                                                        <a:avLst/>
-                                                      </a:prstGeom>
-                                                      <a:ln>
-                                                        <a:solidFill>
-                                                          <a:srgbClr val="FF0000"/>
-                                                        </a:solidFill>
-                                                        <a:tailEnd type="triangle"/>
-                                                      </a:ln>
-                                                    </p:spPr>
-                                                    <p:style>
-                                                      <a:lnRef idx="1">
-                                                        <a:schemeClr val="accent1"/>
-                                                      </a:lnRef>
-                                                      <a:fillRef idx="0">
-                                                        <a:schemeClr val="accent1"/>
-                                                      </a:fillRef>
-                                                      <a:effectRef idx="0">
-                                                        <a:schemeClr val="accent1"/>
-                                                      </a:effectRef>
-                                                      <a:fontRef idx="minor">
-                                                        <a:schemeClr val="tx1"/>
-                                                      </a:fontRef>
-                                                    </p:style>
-                                                  </p:cxnSp>
+                                                    <p:txBody>
+                                                      <a:bodyPr wrap="none" rtlCol="0">
+                                                        <a:spAutoFit/>
+                                                      </a:bodyPr>
+                                                      <a:lstStyle/>
+                                                      <a:p>
+                                                        <a:r>
+                                                          <a:rPr lang="nb-NO" sz="1400" dirty="0" smtClean="0"/>
+                                                          <a:t>SR</a:t>
+                                                        </a:r>
+                                                        <a:endParaRPr lang="nb-NO" sz="1400" dirty="0"/>
+                                                      </a:p>
+                                                    </p:txBody>
+                                                  </p:sp>
                                                 </p:grpSp>
                                                 <p:cxnSp>
                                                   <p:nvCxnSpPr>
-                                                    <p:cNvPr id="33" name="Straight Arrow Connector 32"/>
+                                                    <p:cNvPr id="149" name="Straight Arrow Connector 148"/>
                                                     <p:cNvCxnSpPr/>
                                                     <p:nvPr/>
                                                   </p:nvCxnSpPr>
@@ -17638,7 +17479,7 @@
                                                 </p:cxnSp>
                                                 <p:cxnSp>
                                                   <p:nvCxnSpPr>
-                                                    <p:cNvPr id="34" name="Straight Arrow Connector 33"/>
+                                                    <p:cNvPr id="150" name="Straight Arrow Connector 149"/>
                                                     <p:cNvCxnSpPr/>
                                                     <p:nvPr/>
                                                   </p:nvCxnSpPr>
@@ -17672,46 +17513,10 @@
                                                     </a:fontRef>
                                                   </p:style>
                                                 </p:cxnSp>
-                                                <p:cxnSp>
-                                                  <p:nvCxnSpPr>
-                                                    <p:cNvPr id="35" name="Straight Arrow Connector 34"/>
-                                                    <p:cNvCxnSpPr/>
-                                                    <p:nvPr/>
-                                                  </p:nvCxnSpPr>
-                                                  <p:spPr>
-                                                    <a:xfrm flipV="1">
-                                                      <a:off x="8492304" y="592709"/>
-                                                      <a:ext cx="460961" cy="311996"/>
-                                                    </a:xfrm>
-                                                    <a:prstGeom prst="straightConnector1">
-                                                      <a:avLst/>
-                                                    </a:prstGeom>
-                                                    <a:ln>
-                                                      <a:solidFill>
-                                                        <a:srgbClr val="FF0000"/>
-                                                      </a:solidFill>
-                                                      <a:tailEnd type="triangle"/>
-                                                    </a:ln>
-                                                  </p:spPr>
-                                                  <p:style>
-                                                    <a:lnRef idx="1">
-                                                      <a:schemeClr val="accent1"/>
-                                                    </a:lnRef>
-                                                    <a:fillRef idx="0">
-                                                      <a:schemeClr val="accent1"/>
-                                                    </a:fillRef>
-                                                    <a:effectRef idx="0">
-                                                      <a:schemeClr val="accent1"/>
-                                                    </a:effectRef>
-                                                    <a:fontRef idx="minor">
-                                                      <a:schemeClr val="tx1"/>
-                                                    </a:fontRef>
-                                                  </p:style>
-                                                </p:cxnSp>
                                               </p:grpSp>
                                               <p:sp>
                                                 <p:nvSpPr>
-                                                  <p:cNvPr id="31" name="Rectangle 7"/>
+                                                  <p:cNvPr id="147" name="Rectangle 7"/>
                                                   <p:cNvSpPr/>
                                                   <p:nvPr/>
                                                 </p:nvSpPr>
@@ -17999,7 +17804,7 @@
                                             </p:grpSp>
                                             <p:cxnSp>
                                               <p:nvCxnSpPr>
-                                                <p:cNvPr id="29" name="Straight Arrow Connector 28"/>
+                                                <p:cNvPr id="145" name="Straight Arrow Connector 144"/>
                                                 <p:cNvCxnSpPr/>
                                                 <p:nvPr/>
                                               </p:nvCxnSpPr>
@@ -18036,7 +17841,7 @@
                                           </p:grpSp>
                                           <p:cxnSp>
                                             <p:nvCxnSpPr>
-                                              <p:cNvPr id="27" name="Straight Arrow Connector 26"/>
+                                              <p:cNvPr id="143" name="Straight Arrow Connector 142"/>
                                               <p:cNvCxnSpPr/>
                                               <p:nvPr/>
                                             </p:nvCxnSpPr>
@@ -18073,7 +17878,7 @@
                                         </p:grpSp>
                                         <p:cxnSp>
                                           <p:nvCxnSpPr>
-                                            <p:cNvPr id="25" name="Straight Arrow Connector 24"/>
+                                            <p:cNvPr id="141" name="Straight Arrow Connector 140"/>
                                             <p:cNvCxnSpPr/>
                                             <p:nvPr/>
                                           </p:nvCxnSpPr>
@@ -18110,7 +17915,7 @@
                                       </p:grpSp>
                                       <p:sp>
                                         <p:nvSpPr>
-                                          <p:cNvPr id="23" name="TextBox 22"/>
+                                          <p:cNvPr id="139" name="TextBox 138"/>
                                           <p:cNvSpPr txBox="1"/>
                                           <p:nvPr/>
                                         </p:nvSpPr>
@@ -18141,7 +17946,7 @@
                                     </p:grpSp>
                                     <p:sp>
                                       <p:nvSpPr>
-                                        <p:cNvPr id="21" name="TextBox 20"/>
+                                        <p:cNvPr id="137" name="TextBox 136"/>
                                         <p:cNvSpPr txBox="1"/>
                                         <p:nvPr/>
                                       </p:nvSpPr>
@@ -18172,7 +17977,7 @@
                                   </p:grpSp>
                                   <p:sp>
                                     <p:nvSpPr>
-                                      <p:cNvPr id="19" name="TextBox 18"/>
+                                      <p:cNvPr id="135" name="TextBox 134"/>
                                       <p:cNvSpPr txBox="1"/>
                                       <p:nvPr/>
                                     </p:nvSpPr>
@@ -18203,7 +18008,7 @@
                                 </p:grpSp>
                                 <p:sp>
                                   <p:nvSpPr>
-                                    <p:cNvPr id="17" name="TextBox 16"/>
+                                    <p:cNvPr id="133" name="TextBox 132"/>
                                     <p:cNvSpPr txBox="1"/>
                                     <p:nvPr/>
                                   </p:nvSpPr>
@@ -18234,7 +18039,7 @@
                               </p:grpSp>
                               <p:sp>
                                 <p:nvSpPr>
-                                  <p:cNvPr id="15" name="TextBox 14"/>
+                                  <p:cNvPr id="131" name="TextBox 130"/>
                                   <p:cNvSpPr txBox="1"/>
                                   <p:nvPr/>
                                 </p:nvSpPr>
@@ -18269,7 +18074,7 @@
                             </p:grpSp>
                             <p:sp>
                               <p:nvSpPr>
-                                <p:cNvPr id="13" name="TextBox 12"/>
+                                <p:cNvPr id="129" name="TextBox 128"/>
                                 <p:cNvSpPr txBox="1"/>
                                 <p:nvPr/>
                               </p:nvSpPr>
@@ -18300,7 +18105,7 @@
                           </p:grpSp>
                           <p:sp>
                             <p:nvSpPr>
-                              <p:cNvPr id="11" name="TextBox 10"/>
+                              <p:cNvPr id="127" name="TextBox 126"/>
                               <p:cNvSpPr txBox="1"/>
                               <p:nvPr/>
                             </p:nvSpPr>
@@ -18331,7 +18136,7 @@
                         </p:grpSp>
                         <p:sp>
                           <p:nvSpPr>
-                            <p:cNvPr id="9" name="TextBox 8"/>
+                            <p:cNvPr id="125" name="TextBox 124"/>
                             <p:cNvSpPr txBox="1"/>
                             <p:nvPr/>
                           </p:nvSpPr>
@@ -18362,7 +18167,7 @@
                       </p:grpSp>
                       <p:sp>
                         <p:nvSpPr>
-                          <p:cNvPr id="7" name="TextBox 6"/>
+                          <p:cNvPr id="123" name="TextBox 122"/>
                           <p:cNvSpPr txBox="1"/>
                           <p:nvPr/>
                         </p:nvSpPr>
@@ -18393,728 +18198,181 @@
                     </p:grpSp>
                   </p:grpSp>
                 </p:grpSp>
-                <p:grpSp>
-                  <p:nvGrpSpPr>
-                    <p:cNvPr id="90" name="Group 89"/>
-                    <p:cNvGrpSpPr/>
+                <p:sp>
+                  <p:nvSpPr>
+                    <p:cNvPr id="190" name="Rectangle 189"/>
+                    <p:cNvSpPr/>
                     <p:nvPr/>
-                  </p:nvGrpSpPr>
-                  <p:grpSpPr>
-                    <a:xfrm>
-                      <a:off x="2246217" y="4369236"/>
-                      <a:ext cx="3378274" cy="2169676"/>
-                      <a:chOff x="995011" y="1149906"/>
-                      <a:chExt cx="3411194" cy="2218699"/>
+                  </p:nvSpPr>
+                  <p:spPr>
+                    <a:xfrm rot="-1860000" flipV="1">
+                      <a:off x="1868465" y="5559879"/>
+                      <a:ext cx="3800792" cy="45719"/>
                     </a:xfrm>
-                  </p:grpSpPr>
-                  <p:sp>
-                    <p:nvSpPr>
-                      <p:cNvPr id="85" name="Freeform 84"/>
-                      <p:cNvSpPr/>
-                      <p:nvPr/>
-                    </p:nvSpPr>
-                    <p:spPr>
-                      <a:xfrm>
-                        <a:off x="995011" y="2339786"/>
-                        <a:ext cx="1742662" cy="1028819"/>
-                      </a:xfrm>
-                      <a:custGeom>
-                        <a:avLst/>
-                        <a:gdLst>
-                          <a:gd name="connsiteX0" fmla="*/ 0 w 1453661"/>
-                          <a:gd name="connsiteY0" fmla="*/ 926123 h 926123"/>
-                          <a:gd name="connsiteX1" fmla="*/ 0 w 1453661"/>
-                          <a:gd name="connsiteY1" fmla="*/ 926123 h 926123"/>
-                          <a:gd name="connsiteX2" fmla="*/ 504092 w 1453661"/>
-                          <a:gd name="connsiteY2" fmla="*/ 844062 h 926123"/>
-                          <a:gd name="connsiteX3" fmla="*/ 574430 w 1453661"/>
-                          <a:gd name="connsiteY3" fmla="*/ 820616 h 926123"/>
-                          <a:gd name="connsiteX4" fmla="*/ 621323 w 1453661"/>
-                          <a:gd name="connsiteY4" fmla="*/ 808893 h 926123"/>
-                          <a:gd name="connsiteX5" fmla="*/ 715107 w 1453661"/>
-                          <a:gd name="connsiteY5" fmla="*/ 773723 h 926123"/>
-                          <a:gd name="connsiteX6" fmla="*/ 773723 w 1453661"/>
-                          <a:gd name="connsiteY6" fmla="*/ 762000 h 926123"/>
-                          <a:gd name="connsiteX7" fmla="*/ 832338 w 1453661"/>
-                          <a:gd name="connsiteY7" fmla="*/ 691662 h 926123"/>
-                          <a:gd name="connsiteX8" fmla="*/ 879230 w 1453661"/>
-                          <a:gd name="connsiteY8" fmla="*/ 668216 h 926123"/>
-                          <a:gd name="connsiteX9" fmla="*/ 914400 w 1453661"/>
-                          <a:gd name="connsiteY9" fmla="*/ 644770 h 926123"/>
-                          <a:gd name="connsiteX10" fmla="*/ 961292 w 1453661"/>
-                          <a:gd name="connsiteY10" fmla="*/ 609600 h 926123"/>
-                          <a:gd name="connsiteX11" fmla="*/ 996461 w 1453661"/>
-                          <a:gd name="connsiteY11" fmla="*/ 597877 h 926123"/>
-                          <a:gd name="connsiteX12" fmla="*/ 1031630 w 1453661"/>
-                          <a:gd name="connsiteY12" fmla="*/ 574431 h 926123"/>
-                          <a:gd name="connsiteX13" fmla="*/ 1066800 w 1453661"/>
-                          <a:gd name="connsiteY13" fmla="*/ 492370 h 926123"/>
-                          <a:gd name="connsiteX14" fmla="*/ 1090246 w 1453661"/>
-                          <a:gd name="connsiteY14" fmla="*/ 468923 h 926123"/>
-                          <a:gd name="connsiteX15" fmla="*/ 1184030 w 1453661"/>
-                          <a:gd name="connsiteY15" fmla="*/ 363416 h 926123"/>
-                          <a:gd name="connsiteX16" fmla="*/ 1254369 w 1453661"/>
-                          <a:gd name="connsiteY16" fmla="*/ 316523 h 926123"/>
-                          <a:gd name="connsiteX17" fmla="*/ 1324707 w 1453661"/>
-                          <a:gd name="connsiteY17" fmla="*/ 257908 h 926123"/>
-                          <a:gd name="connsiteX18" fmla="*/ 1395046 w 1453661"/>
-                          <a:gd name="connsiteY18" fmla="*/ 164123 h 926123"/>
-                          <a:gd name="connsiteX19" fmla="*/ 1430215 w 1453661"/>
-                          <a:gd name="connsiteY19" fmla="*/ 46893 h 926123"/>
-                          <a:gd name="connsiteX20" fmla="*/ 1453661 w 1453661"/>
-                          <a:gd name="connsiteY20" fmla="*/ 0 h 926123"/>
-                          <a:gd name="connsiteX21" fmla="*/ 0 w 1453661"/>
-                          <a:gd name="connsiteY21" fmla="*/ 926123 h 926123"/>
-                          <a:gd name="connsiteX0" fmla="*/ 0 w 1453661"/>
-                          <a:gd name="connsiteY0" fmla="*/ 926123 h 926123"/>
-                          <a:gd name="connsiteX1" fmla="*/ 0 w 1453661"/>
-                          <a:gd name="connsiteY1" fmla="*/ 926123 h 926123"/>
-                          <a:gd name="connsiteX2" fmla="*/ 504092 w 1453661"/>
-                          <a:gd name="connsiteY2" fmla="*/ 844062 h 926123"/>
-                          <a:gd name="connsiteX3" fmla="*/ 574430 w 1453661"/>
-                          <a:gd name="connsiteY3" fmla="*/ 820616 h 926123"/>
-                          <a:gd name="connsiteX4" fmla="*/ 621323 w 1453661"/>
-                          <a:gd name="connsiteY4" fmla="*/ 808893 h 926123"/>
-                          <a:gd name="connsiteX5" fmla="*/ 715107 w 1453661"/>
-                          <a:gd name="connsiteY5" fmla="*/ 773723 h 926123"/>
-                          <a:gd name="connsiteX6" fmla="*/ 773723 w 1453661"/>
-                          <a:gd name="connsiteY6" fmla="*/ 762000 h 926123"/>
-                          <a:gd name="connsiteX7" fmla="*/ 832338 w 1453661"/>
-                          <a:gd name="connsiteY7" fmla="*/ 691662 h 926123"/>
-                          <a:gd name="connsiteX8" fmla="*/ 879230 w 1453661"/>
-                          <a:gd name="connsiteY8" fmla="*/ 668216 h 926123"/>
-                          <a:gd name="connsiteX9" fmla="*/ 914400 w 1453661"/>
-                          <a:gd name="connsiteY9" fmla="*/ 644770 h 926123"/>
-                          <a:gd name="connsiteX10" fmla="*/ 961292 w 1453661"/>
-                          <a:gd name="connsiteY10" fmla="*/ 609600 h 926123"/>
-                          <a:gd name="connsiteX11" fmla="*/ 996461 w 1453661"/>
-                          <a:gd name="connsiteY11" fmla="*/ 597877 h 926123"/>
-                          <a:gd name="connsiteX12" fmla="*/ 1031630 w 1453661"/>
-                          <a:gd name="connsiteY12" fmla="*/ 574431 h 926123"/>
-                          <a:gd name="connsiteX13" fmla="*/ 1066800 w 1453661"/>
-                          <a:gd name="connsiteY13" fmla="*/ 492370 h 926123"/>
-                          <a:gd name="connsiteX14" fmla="*/ 1148919 w 1453661"/>
-                          <a:gd name="connsiteY14" fmla="*/ 458370 h 926123"/>
-                          <a:gd name="connsiteX15" fmla="*/ 1184030 w 1453661"/>
-                          <a:gd name="connsiteY15" fmla="*/ 363416 h 926123"/>
-                          <a:gd name="connsiteX16" fmla="*/ 1254369 w 1453661"/>
-                          <a:gd name="connsiteY16" fmla="*/ 316523 h 926123"/>
-                          <a:gd name="connsiteX17" fmla="*/ 1324707 w 1453661"/>
-                          <a:gd name="connsiteY17" fmla="*/ 257908 h 926123"/>
-                          <a:gd name="connsiteX18" fmla="*/ 1395046 w 1453661"/>
-                          <a:gd name="connsiteY18" fmla="*/ 164123 h 926123"/>
-                          <a:gd name="connsiteX19" fmla="*/ 1430215 w 1453661"/>
-                          <a:gd name="connsiteY19" fmla="*/ 46893 h 926123"/>
-                          <a:gd name="connsiteX20" fmla="*/ 1453661 w 1453661"/>
-                          <a:gd name="connsiteY20" fmla="*/ 0 h 926123"/>
-                          <a:gd name="connsiteX21" fmla="*/ 0 w 1453661"/>
-                          <a:gd name="connsiteY21" fmla="*/ 926123 h 926123"/>
-                          <a:gd name="connsiteX0" fmla="*/ 0 w 1453661"/>
-                          <a:gd name="connsiteY0" fmla="*/ 926123 h 926123"/>
-                          <a:gd name="connsiteX1" fmla="*/ 0 w 1453661"/>
-                          <a:gd name="connsiteY1" fmla="*/ 926123 h 926123"/>
-                          <a:gd name="connsiteX2" fmla="*/ 504092 w 1453661"/>
-                          <a:gd name="connsiteY2" fmla="*/ 844062 h 926123"/>
-                          <a:gd name="connsiteX3" fmla="*/ 574430 w 1453661"/>
-                          <a:gd name="connsiteY3" fmla="*/ 820616 h 926123"/>
-                          <a:gd name="connsiteX4" fmla="*/ 621323 w 1453661"/>
-                          <a:gd name="connsiteY4" fmla="*/ 808893 h 926123"/>
-                          <a:gd name="connsiteX5" fmla="*/ 715107 w 1453661"/>
-                          <a:gd name="connsiteY5" fmla="*/ 773723 h 926123"/>
-                          <a:gd name="connsiteX6" fmla="*/ 773723 w 1453661"/>
-                          <a:gd name="connsiteY6" fmla="*/ 762000 h 926123"/>
-                          <a:gd name="connsiteX7" fmla="*/ 832338 w 1453661"/>
-                          <a:gd name="connsiteY7" fmla="*/ 691662 h 926123"/>
-                          <a:gd name="connsiteX8" fmla="*/ 879230 w 1453661"/>
-                          <a:gd name="connsiteY8" fmla="*/ 668216 h 926123"/>
-                          <a:gd name="connsiteX9" fmla="*/ 914400 w 1453661"/>
-                          <a:gd name="connsiteY9" fmla="*/ 644770 h 926123"/>
-                          <a:gd name="connsiteX10" fmla="*/ 961292 w 1453661"/>
-                          <a:gd name="connsiteY10" fmla="*/ 609600 h 926123"/>
-                          <a:gd name="connsiteX11" fmla="*/ 996461 w 1453661"/>
-                          <a:gd name="connsiteY11" fmla="*/ 597877 h 926123"/>
-                          <a:gd name="connsiteX12" fmla="*/ 1031630 w 1453661"/>
-                          <a:gd name="connsiteY12" fmla="*/ 574431 h 926123"/>
-                          <a:gd name="connsiteX13" fmla="*/ 1066800 w 1453661"/>
-                          <a:gd name="connsiteY13" fmla="*/ 492370 h 926123"/>
-                          <a:gd name="connsiteX14" fmla="*/ 1148919 w 1453661"/>
-                          <a:gd name="connsiteY14" fmla="*/ 458370 h 926123"/>
-                          <a:gd name="connsiteX15" fmla="*/ 1184030 w 1453661"/>
-                          <a:gd name="connsiteY15" fmla="*/ 363416 h 926123"/>
-                          <a:gd name="connsiteX16" fmla="*/ 1254369 w 1453661"/>
-                          <a:gd name="connsiteY16" fmla="*/ 316523 h 926123"/>
-                          <a:gd name="connsiteX17" fmla="*/ 1324707 w 1453661"/>
-                          <a:gd name="connsiteY17" fmla="*/ 257908 h 926123"/>
-                          <a:gd name="connsiteX18" fmla="*/ 1395046 w 1453661"/>
-                          <a:gd name="connsiteY18" fmla="*/ 164123 h 926123"/>
-                          <a:gd name="connsiteX19" fmla="*/ 1430215 w 1453661"/>
-                          <a:gd name="connsiteY19" fmla="*/ 46893 h 926123"/>
-                          <a:gd name="connsiteX20" fmla="*/ 1453661 w 1453661"/>
-                          <a:gd name="connsiteY20" fmla="*/ 0 h 926123"/>
-                          <a:gd name="connsiteX21" fmla="*/ 0 w 1453661"/>
-                          <a:gd name="connsiteY21" fmla="*/ 926123 h 926123"/>
-                        </a:gdLst>
-                        <a:ahLst/>
-                        <a:cxnLst>
-                          <a:cxn ang="0">
-                            <a:pos x="connsiteX0" y="connsiteY0"/>
-                          </a:cxn>
-                          <a:cxn ang="0">
-                            <a:pos x="connsiteX1" y="connsiteY1"/>
-                          </a:cxn>
-                          <a:cxn ang="0">
-                            <a:pos x="connsiteX2" y="connsiteY2"/>
-                          </a:cxn>
-                          <a:cxn ang="0">
-                            <a:pos x="connsiteX3" y="connsiteY3"/>
-                          </a:cxn>
-                          <a:cxn ang="0">
-                            <a:pos x="connsiteX4" y="connsiteY4"/>
-                          </a:cxn>
-                          <a:cxn ang="0">
-                            <a:pos x="connsiteX5" y="connsiteY5"/>
-                          </a:cxn>
-                          <a:cxn ang="0">
-                            <a:pos x="connsiteX6" y="connsiteY6"/>
-                          </a:cxn>
-                          <a:cxn ang="0">
-                            <a:pos x="connsiteX7" y="connsiteY7"/>
-                          </a:cxn>
-                          <a:cxn ang="0">
-                            <a:pos x="connsiteX8" y="connsiteY8"/>
-                          </a:cxn>
-                          <a:cxn ang="0">
-                            <a:pos x="connsiteX9" y="connsiteY9"/>
-                          </a:cxn>
-                          <a:cxn ang="0">
-                            <a:pos x="connsiteX10" y="connsiteY10"/>
-                          </a:cxn>
-                          <a:cxn ang="0">
-                            <a:pos x="connsiteX11" y="connsiteY11"/>
-                          </a:cxn>
-                          <a:cxn ang="0">
-                            <a:pos x="connsiteX12" y="connsiteY12"/>
-                          </a:cxn>
-                          <a:cxn ang="0">
-                            <a:pos x="connsiteX13" y="connsiteY13"/>
-                          </a:cxn>
-                          <a:cxn ang="0">
-                            <a:pos x="connsiteX14" y="connsiteY14"/>
-                          </a:cxn>
-                          <a:cxn ang="0">
-                            <a:pos x="connsiteX15" y="connsiteY15"/>
-                          </a:cxn>
-                          <a:cxn ang="0">
-                            <a:pos x="connsiteX16" y="connsiteY16"/>
-                          </a:cxn>
-                          <a:cxn ang="0">
-                            <a:pos x="connsiteX17" y="connsiteY17"/>
-                          </a:cxn>
-                          <a:cxn ang="0">
-                            <a:pos x="connsiteX18" y="connsiteY18"/>
-                          </a:cxn>
-                          <a:cxn ang="0">
-                            <a:pos x="connsiteX19" y="connsiteY19"/>
-                          </a:cxn>
-                          <a:cxn ang="0">
-                            <a:pos x="connsiteX20" y="connsiteY20"/>
-                          </a:cxn>
-                          <a:cxn ang="0">
-                            <a:pos x="connsiteX21" y="connsiteY21"/>
-                          </a:cxn>
-                        </a:cxnLst>
-                        <a:rect l="l" t="t" r="r" b="b"/>
-                        <a:pathLst>
-                          <a:path w="1453661" h="926123">
-                            <a:moveTo>
-                              <a:pt x="0" y="926123"/>
-                            </a:moveTo>
-                            <a:lnTo>
-                              <a:pt x="0" y="926123"/>
-                            </a:lnTo>
-                            <a:cubicBezTo>
-                              <a:pt x="168031" y="898769"/>
-                              <a:pt x="336650" y="874816"/>
-                              <a:pt x="504092" y="844062"/>
-                            </a:cubicBezTo>
-                            <a:cubicBezTo>
-                              <a:pt x="528400" y="839597"/>
-                              <a:pt x="550454" y="826610"/>
-                              <a:pt x="574430" y="820616"/>
-                            </a:cubicBezTo>
-                            <a:cubicBezTo>
-                              <a:pt x="590061" y="816708"/>
-                              <a:pt x="606038" y="813988"/>
-                              <a:pt x="621323" y="808893"/>
-                            </a:cubicBezTo>
-                            <a:cubicBezTo>
-                              <a:pt x="653570" y="798144"/>
-                              <a:pt x="682196" y="781951"/>
-                              <a:pt x="715107" y="773723"/>
-                            </a:cubicBezTo>
-                            <a:cubicBezTo>
-                              <a:pt x="734438" y="768890"/>
-                              <a:pt x="754184" y="765908"/>
-                              <a:pt x="773723" y="762000"/>
-                            </a:cubicBezTo>
-                            <a:cubicBezTo>
-                              <a:pt x="792418" y="733957"/>
-                              <a:pt x="803618" y="712176"/>
-                              <a:pt x="832338" y="691662"/>
-                            </a:cubicBezTo>
-                            <a:cubicBezTo>
-                              <a:pt x="846558" y="681505"/>
-                              <a:pt x="864057" y="676886"/>
-                              <a:pt x="879230" y="668216"/>
-                            </a:cubicBezTo>
-                            <a:cubicBezTo>
-                              <a:pt x="891463" y="661226"/>
-                              <a:pt x="902935" y="652959"/>
-                              <a:pt x="914400" y="644770"/>
-                            </a:cubicBezTo>
-                            <a:cubicBezTo>
-                              <a:pt x="930299" y="633413"/>
-                              <a:pt x="944328" y="619294"/>
-                              <a:pt x="961292" y="609600"/>
-                            </a:cubicBezTo>
-                            <a:cubicBezTo>
-                              <a:pt x="972021" y="603469"/>
-                              <a:pt x="985408" y="603403"/>
-                              <a:pt x="996461" y="597877"/>
-                            </a:cubicBezTo>
-                            <a:cubicBezTo>
-                              <a:pt x="1009063" y="591576"/>
-                              <a:pt x="1019907" y="582246"/>
-                              <a:pt x="1031630" y="574431"/>
-                            </a:cubicBezTo>
-                            <a:cubicBezTo>
-                              <a:pt x="1116971" y="446420"/>
-                              <a:pt x="1047252" y="511714"/>
-                              <a:pt x="1066800" y="492370"/>
-                            </a:cubicBezTo>
-                            <a:cubicBezTo>
-                              <a:pt x="1086348" y="473027"/>
-                              <a:pt x="1142014" y="467001"/>
-                              <a:pt x="1148919" y="458370"/>
-                            </a:cubicBezTo>
-                            <a:cubicBezTo>
-                              <a:pt x="1189189" y="408031"/>
-                              <a:pt x="1166455" y="387057"/>
-                              <a:pt x="1184030" y="363416"/>
-                            </a:cubicBezTo>
-                            <a:cubicBezTo>
-                              <a:pt x="1201605" y="339775"/>
-                              <a:pt x="1234443" y="336449"/>
-                              <a:pt x="1254369" y="316523"/>
-                            </a:cubicBezTo>
-                            <a:cubicBezTo>
-                              <a:pt x="1299501" y="271391"/>
-                              <a:pt x="1275744" y="290550"/>
-                              <a:pt x="1324707" y="257908"/>
-                            </a:cubicBezTo>
-                            <a:cubicBezTo>
-                              <a:pt x="1377731" y="178374"/>
-                              <a:pt x="1351675" y="207496"/>
-                              <a:pt x="1395046" y="164123"/>
-                            </a:cubicBezTo>
-                            <a:cubicBezTo>
-                              <a:pt x="1403460" y="130467"/>
-                              <a:pt x="1415944" y="75435"/>
-                              <a:pt x="1430215" y="46893"/>
-                            </a:cubicBezTo>
-                            <a:lnTo>
-                              <a:pt x="1453661" y="0"/>
-                            </a:lnTo>
-                            <a:lnTo>
-                              <a:pt x="0" y="926123"/>
-                            </a:lnTo>
-                            <a:close/>
-                          </a:path>
-                        </a:pathLst>
-                      </a:custGeom>
-                      <a:pattFill prst="lgCheck">
-                        <a:fgClr>
-                          <a:schemeClr val="accent4">
-                            <a:lumMod val="60000"/>
-                            <a:lumOff val="40000"/>
-                          </a:schemeClr>
-                        </a:fgClr>
-                        <a:bgClr>
-                          <a:schemeClr val="bg1"/>
-                        </a:bgClr>
-                      </a:pattFill>
-                      <a:ln>
-                        <a:noFill/>
-                      </a:ln>
-                    </p:spPr>
-                    <p:style>
-                      <a:lnRef idx="2">
-                        <a:schemeClr val="accent1">
-                          <a:shade val="50000"/>
-                        </a:schemeClr>
-                      </a:lnRef>
-                      <a:fillRef idx="1">
-                        <a:schemeClr val="accent1"/>
-                      </a:fillRef>
-                      <a:effectRef idx="0">
-                        <a:schemeClr val="accent1"/>
-                      </a:effectRef>
-                      <a:fontRef idx="minor">
-                        <a:schemeClr val="lt1"/>
-                      </a:fontRef>
-                    </p:style>
-                    <p:txBody>
-                      <a:bodyPr rtlCol="0" anchor="ctr"/>
-                      <a:lstStyle/>
-                      <a:p>
-                        <a:pPr algn="ctr"/>
-                        <a:endParaRPr lang="nb-NO" dirty="0">
-                          <a:solidFill>
-                            <a:schemeClr val="tx1"/>
-                          </a:solidFill>
-                        </a:endParaRPr>
-                      </a:p>
-                    </p:txBody>
-                  </p:sp>
-                  <p:sp>
-                    <p:nvSpPr>
-                      <p:cNvPr id="88" name="Freeform 87"/>
-                      <p:cNvSpPr/>
-                      <p:nvPr/>
-                    </p:nvSpPr>
-                    <p:spPr>
-                      <a:xfrm>
-                        <a:off x="2224358" y="1464653"/>
-                        <a:ext cx="1686307" cy="1069662"/>
-                      </a:xfrm>
-                      <a:custGeom>
-                        <a:avLst/>
-                        <a:gdLst>
-                          <a:gd name="connsiteX0" fmla="*/ 164123 w 1348154"/>
-                          <a:gd name="connsiteY0" fmla="*/ 715108 h 844062"/>
-                          <a:gd name="connsiteX1" fmla="*/ 1348154 w 1348154"/>
-                          <a:gd name="connsiteY1" fmla="*/ 0 h 844062"/>
-                          <a:gd name="connsiteX2" fmla="*/ 1066800 w 1348154"/>
-                          <a:gd name="connsiteY2" fmla="*/ 339969 h 844062"/>
-                          <a:gd name="connsiteX3" fmla="*/ 926123 w 1348154"/>
-                          <a:gd name="connsiteY3" fmla="*/ 574431 h 844062"/>
-                          <a:gd name="connsiteX4" fmla="*/ 410308 w 1348154"/>
-                          <a:gd name="connsiteY4" fmla="*/ 820616 h 844062"/>
-                          <a:gd name="connsiteX5" fmla="*/ 0 w 1348154"/>
-                          <a:gd name="connsiteY5" fmla="*/ 844062 h 844062"/>
-                          <a:gd name="connsiteX6" fmla="*/ 164123 w 1348154"/>
-                          <a:gd name="connsiteY6" fmla="*/ 715108 h 844062"/>
-                          <a:gd name="connsiteX0" fmla="*/ 164123 w 1916345"/>
-                          <a:gd name="connsiteY0" fmla="*/ 1110710 h 1239664"/>
-                          <a:gd name="connsiteX1" fmla="*/ 1916345 w 1916345"/>
-                          <a:gd name="connsiteY1" fmla="*/ 0 h 1239664"/>
-                          <a:gd name="connsiteX2" fmla="*/ 1066800 w 1916345"/>
-                          <a:gd name="connsiteY2" fmla="*/ 735571 h 1239664"/>
-                          <a:gd name="connsiteX3" fmla="*/ 926123 w 1916345"/>
-                          <a:gd name="connsiteY3" fmla="*/ 970033 h 1239664"/>
-                          <a:gd name="connsiteX4" fmla="*/ 410308 w 1916345"/>
-                          <a:gd name="connsiteY4" fmla="*/ 1216218 h 1239664"/>
-                          <a:gd name="connsiteX5" fmla="*/ 0 w 1916345"/>
-                          <a:gd name="connsiteY5" fmla="*/ 1239664 h 1239664"/>
-                          <a:gd name="connsiteX6" fmla="*/ 164123 w 1916345"/>
-                          <a:gd name="connsiteY6" fmla="*/ 1110710 h 1239664"/>
-                          <a:gd name="connsiteX0" fmla="*/ 164123 w 1916345"/>
-                          <a:gd name="connsiteY0" fmla="*/ 1110710 h 1239664"/>
-                          <a:gd name="connsiteX1" fmla="*/ 1916345 w 1916345"/>
-                          <a:gd name="connsiteY1" fmla="*/ 0 h 1239664"/>
-                          <a:gd name="connsiteX2" fmla="*/ 1421919 w 1916345"/>
-                          <a:gd name="connsiteY2" fmla="*/ 471835 h 1239664"/>
-                          <a:gd name="connsiteX3" fmla="*/ 926123 w 1916345"/>
-                          <a:gd name="connsiteY3" fmla="*/ 970033 h 1239664"/>
-                          <a:gd name="connsiteX4" fmla="*/ 410308 w 1916345"/>
-                          <a:gd name="connsiteY4" fmla="*/ 1216218 h 1239664"/>
-                          <a:gd name="connsiteX5" fmla="*/ 0 w 1916345"/>
-                          <a:gd name="connsiteY5" fmla="*/ 1239664 h 1239664"/>
-                          <a:gd name="connsiteX6" fmla="*/ 164123 w 1916345"/>
-                          <a:gd name="connsiteY6" fmla="*/ 1110710 h 1239664"/>
-                          <a:gd name="connsiteX0" fmla="*/ 164123 w 1916345"/>
-                          <a:gd name="connsiteY0" fmla="*/ 1110710 h 1239664"/>
-                          <a:gd name="connsiteX1" fmla="*/ 1916345 w 1916345"/>
-                          <a:gd name="connsiteY1" fmla="*/ 0 h 1239664"/>
-                          <a:gd name="connsiteX2" fmla="*/ 1421919 w 1916345"/>
-                          <a:gd name="connsiteY2" fmla="*/ 471835 h 1239664"/>
-                          <a:gd name="connsiteX3" fmla="*/ 1080008 w 1916345"/>
-                          <a:gd name="connsiteY3" fmla="*/ 958045 h 1239664"/>
-                          <a:gd name="connsiteX4" fmla="*/ 410308 w 1916345"/>
-                          <a:gd name="connsiteY4" fmla="*/ 1216218 h 1239664"/>
-                          <a:gd name="connsiteX5" fmla="*/ 0 w 1916345"/>
-                          <a:gd name="connsiteY5" fmla="*/ 1239664 h 1239664"/>
-                          <a:gd name="connsiteX6" fmla="*/ 164123 w 1916345"/>
-                          <a:gd name="connsiteY6" fmla="*/ 1110710 h 1239664"/>
-                          <a:gd name="connsiteX0" fmla="*/ 164123 w 1916345"/>
-                          <a:gd name="connsiteY0" fmla="*/ 1110710 h 1239664"/>
-                          <a:gd name="connsiteX1" fmla="*/ 1916345 w 1916345"/>
-                          <a:gd name="connsiteY1" fmla="*/ 0 h 1239664"/>
-                          <a:gd name="connsiteX2" fmla="*/ 1457430 w 1916345"/>
-                          <a:gd name="connsiteY2" fmla="*/ 531775 h 1239664"/>
-                          <a:gd name="connsiteX3" fmla="*/ 1080008 w 1916345"/>
-                          <a:gd name="connsiteY3" fmla="*/ 958045 h 1239664"/>
-                          <a:gd name="connsiteX4" fmla="*/ 410308 w 1916345"/>
-                          <a:gd name="connsiteY4" fmla="*/ 1216218 h 1239664"/>
-                          <a:gd name="connsiteX5" fmla="*/ 0 w 1916345"/>
-                          <a:gd name="connsiteY5" fmla="*/ 1239664 h 1239664"/>
-                          <a:gd name="connsiteX6" fmla="*/ 164123 w 1916345"/>
-                          <a:gd name="connsiteY6" fmla="*/ 1110710 h 1239664"/>
-                        </a:gdLst>
-                        <a:ahLst/>
-                        <a:cxnLst>
-                          <a:cxn ang="0">
-                            <a:pos x="connsiteX0" y="connsiteY0"/>
-                          </a:cxn>
-                          <a:cxn ang="0">
-                            <a:pos x="connsiteX1" y="connsiteY1"/>
-                          </a:cxn>
-                          <a:cxn ang="0">
-                            <a:pos x="connsiteX2" y="connsiteY2"/>
-                          </a:cxn>
-                          <a:cxn ang="0">
-                            <a:pos x="connsiteX3" y="connsiteY3"/>
-                          </a:cxn>
-                          <a:cxn ang="0">
-                            <a:pos x="connsiteX4" y="connsiteY4"/>
-                          </a:cxn>
-                          <a:cxn ang="0">
-                            <a:pos x="connsiteX5" y="connsiteY5"/>
-                          </a:cxn>
-                          <a:cxn ang="0">
-                            <a:pos x="connsiteX6" y="connsiteY6"/>
-                          </a:cxn>
-                        </a:cxnLst>
-                        <a:rect l="l" t="t" r="r" b="b"/>
-                        <a:pathLst>
-                          <a:path w="1916345" h="1239664">
-                            <a:moveTo>
-                              <a:pt x="164123" y="1110710"/>
-                            </a:moveTo>
-                            <a:lnTo>
-                              <a:pt x="1916345" y="0"/>
-                            </a:lnTo>
-                            <a:lnTo>
-                              <a:pt x="1457430" y="531775"/>
-                            </a:lnTo>
-                            <a:lnTo>
-                              <a:pt x="1080008" y="958045"/>
-                            </a:lnTo>
-                            <a:lnTo>
-                              <a:pt x="410308" y="1216218"/>
-                            </a:lnTo>
-                            <a:lnTo>
-                              <a:pt x="0" y="1239664"/>
-                            </a:lnTo>
-                            <a:lnTo>
-                              <a:pt x="164123" y="1110710"/>
-                            </a:lnTo>
-                            <a:close/>
-                          </a:path>
-                        </a:pathLst>
-                      </a:custGeom>
-                      <a:pattFill prst="lgCheck">
-                        <a:fgClr>
-                          <a:schemeClr val="accent4">
-                            <a:lumMod val="60000"/>
-                            <a:lumOff val="40000"/>
-                          </a:schemeClr>
-                        </a:fgClr>
-                        <a:bgClr>
-                          <a:schemeClr val="bg1"/>
-                        </a:bgClr>
-                      </a:pattFill>
-                      <a:ln>
-                        <a:noFill/>
-                      </a:ln>
-                    </p:spPr>
-                    <p:style>
-                      <a:lnRef idx="2">
-                        <a:schemeClr val="accent1">
-                          <a:shade val="50000"/>
-                        </a:schemeClr>
-                      </a:lnRef>
-                      <a:fillRef idx="1">
-                        <a:schemeClr val="accent1"/>
-                      </a:fillRef>
-                      <a:effectRef idx="0">
-                        <a:schemeClr val="accent1"/>
-                      </a:effectRef>
-                      <a:fontRef idx="minor">
-                        <a:schemeClr val="lt1"/>
-                      </a:fontRef>
-                    </p:style>
-                    <p:txBody>
-                      <a:bodyPr rtlCol="0" anchor="ctr"/>
-                      <a:lstStyle/>
-                      <a:p>
-                        <a:pPr algn="ctr"/>
-                        <a:endParaRPr lang="nb-NO"/>
-                      </a:p>
-                    </p:txBody>
-                  </p:sp>
-                  <p:sp>
-                    <p:nvSpPr>
-                      <p:cNvPr id="89" name="Freeform 88"/>
-                      <p:cNvSpPr/>
-                      <p:nvPr/>
-                    </p:nvSpPr>
-                    <p:spPr>
-                      <a:xfrm>
-                        <a:off x="3650678" y="1149906"/>
-                        <a:ext cx="755527" cy="666005"/>
-                      </a:xfrm>
-                      <a:custGeom>
-                        <a:avLst/>
-                        <a:gdLst>
-                          <a:gd name="connsiteX0" fmla="*/ 0 w 1172308"/>
-                          <a:gd name="connsiteY0" fmla="*/ 879230 h 879230"/>
-                          <a:gd name="connsiteX1" fmla="*/ 1172308 w 1172308"/>
-                          <a:gd name="connsiteY1" fmla="*/ 128953 h 879230"/>
-                          <a:gd name="connsiteX2" fmla="*/ 1090247 w 1172308"/>
-                          <a:gd name="connsiteY2" fmla="*/ 0 h 879230"/>
-                          <a:gd name="connsiteX3" fmla="*/ 222739 w 1172308"/>
-                          <a:gd name="connsiteY3" fmla="*/ 550984 h 879230"/>
-                          <a:gd name="connsiteX4" fmla="*/ 0 w 1172308"/>
-                          <a:gd name="connsiteY4" fmla="*/ 879230 h 879230"/>
-                          <a:gd name="connsiteX0" fmla="*/ 0 w 1172308"/>
-                          <a:gd name="connsiteY0" fmla="*/ 855179 h 855179"/>
-                          <a:gd name="connsiteX1" fmla="*/ 1172308 w 1172308"/>
-                          <a:gd name="connsiteY1" fmla="*/ 104902 h 855179"/>
-                          <a:gd name="connsiteX2" fmla="*/ 864929 w 1172308"/>
-                          <a:gd name="connsiteY2" fmla="*/ 0 h 855179"/>
-                          <a:gd name="connsiteX3" fmla="*/ 222739 w 1172308"/>
-                          <a:gd name="connsiteY3" fmla="*/ 526933 h 855179"/>
-                          <a:gd name="connsiteX4" fmla="*/ 0 w 1172308"/>
-                          <a:gd name="connsiteY4" fmla="*/ 855179 h 855179"/>
-                          <a:gd name="connsiteX0" fmla="*/ 0 w 1422663"/>
-                          <a:gd name="connsiteY0" fmla="*/ 1071643 h 1071643"/>
-                          <a:gd name="connsiteX1" fmla="*/ 1422663 w 1422663"/>
-                          <a:gd name="connsiteY1" fmla="*/ 104902 h 1071643"/>
-                          <a:gd name="connsiteX2" fmla="*/ 1115284 w 1422663"/>
-                          <a:gd name="connsiteY2" fmla="*/ 0 h 1071643"/>
-                          <a:gd name="connsiteX3" fmla="*/ 473094 w 1422663"/>
-                          <a:gd name="connsiteY3" fmla="*/ 526933 h 1071643"/>
-                          <a:gd name="connsiteX4" fmla="*/ 0 w 1422663"/>
-                          <a:gd name="connsiteY4" fmla="*/ 1071643 h 1071643"/>
-                          <a:gd name="connsiteX0" fmla="*/ 0 w 1322520"/>
-                          <a:gd name="connsiteY0" fmla="*/ 1071643 h 1071643"/>
-                          <a:gd name="connsiteX1" fmla="*/ 1322520 w 1322520"/>
-                          <a:gd name="connsiteY1" fmla="*/ 249211 h 1071643"/>
-                          <a:gd name="connsiteX2" fmla="*/ 1115284 w 1322520"/>
-                          <a:gd name="connsiteY2" fmla="*/ 0 h 1071643"/>
-                          <a:gd name="connsiteX3" fmla="*/ 473094 w 1322520"/>
-                          <a:gd name="connsiteY3" fmla="*/ 526933 h 1071643"/>
-                          <a:gd name="connsiteX4" fmla="*/ 0 w 1322520"/>
-                          <a:gd name="connsiteY4" fmla="*/ 1071643 h 1071643"/>
-                          <a:gd name="connsiteX0" fmla="*/ 0 w 1322520"/>
-                          <a:gd name="connsiteY0" fmla="*/ 1071643 h 1071643"/>
-                          <a:gd name="connsiteX1" fmla="*/ 1322520 w 1322520"/>
-                          <a:gd name="connsiteY1" fmla="*/ 249211 h 1071643"/>
-                          <a:gd name="connsiteX2" fmla="*/ 1115284 w 1322520"/>
-                          <a:gd name="connsiteY2" fmla="*/ 0 h 1071643"/>
-                          <a:gd name="connsiteX3" fmla="*/ 197705 w 1322520"/>
-                          <a:gd name="connsiteY3" fmla="*/ 599089 h 1071643"/>
-                          <a:gd name="connsiteX4" fmla="*/ 0 w 1322520"/>
-                          <a:gd name="connsiteY4" fmla="*/ 1071643 h 1071643"/>
-                          <a:gd name="connsiteX0" fmla="*/ 0 w 1597910"/>
-                          <a:gd name="connsiteY0" fmla="*/ 1336210 h 1336210"/>
-                          <a:gd name="connsiteX1" fmla="*/ 1597910 w 1597910"/>
-                          <a:gd name="connsiteY1" fmla="*/ 249211 h 1336210"/>
-                          <a:gd name="connsiteX2" fmla="*/ 1390674 w 1597910"/>
-                          <a:gd name="connsiteY2" fmla="*/ 0 h 1336210"/>
-                          <a:gd name="connsiteX3" fmla="*/ 473095 w 1597910"/>
-                          <a:gd name="connsiteY3" fmla="*/ 599089 h 1336210"/>
-                          <a:gd name="connsiteX4" fmla="*/ 0 w 1597910"/>
-                          <a:gd name="connsiteY4" fmla="*/ 1336210 h 1336210"/>
-                        </a:gdLst>
-                        <a:ahLst/>
-                        <a:cxnLst>
-                          <a:cxn ang="0">
-                            <a:pos x="connsiteX0" y="connsiteY0"/>
-                          </a:cxn>
-                          <a:cxn ang="0">
-                            <a:pos x="connsiteX1" y="connsiteY1"/>
-                          </a:cxn>
-                          <a:cxn ang="0">
-                            <a:pos x="connsiteX2" y="connsiteY2"/>
-                          </a:cxn>
-                          <a:cxn ang="0">
-                            <a:pos x="connsiteX3" y="connsiteY3"/>
-                          </a:cxn>
-                          <a:cxn ang="0">
-                            <a:pos x="connsiteX4" y="connsiteY4"/>
-                          </a:cxn>
-                        </a:cxnLst>
-                        <a:rect l="l" t="t" r="r" b="b"/>
-                        <a:pathLst>
-                          <a:path w="1597910" h="1336210">
-                            <a:moveTo>
-                              <a:pt x="0" y="1336210"/>
-                            </a:moveTo>
-                            <a:lnTo>
-                              <a:pt x="1597910" y="249211"/>
-                            </a:lnTo>
-                            <a:lnTo>
-                              <a:pt x="1390674" y="0"/>
-                            </a:lnTo>
-                            <a:lnTo>
-                              <a:pt x="473095" y="599089"/>
-                            </a:lnTo>
-                            <a:lnTo>
-                              <a:pt x="0" y="1336210"/>
-                            </a:lnTo>
-                            <a:close/>
-                          </a:path>
-                        </a:pathLst>
-                      </a:custGeom>
-                      <a:solidFill>
-                        <a:schemeClr val="accent4">
-                          <a:lumMod val="60000"/>
-                          <a:lumOff val="40000"/>
-                        </a:schemeClr>
-                      </a:solidFill>
-                      <a:ln>
-                        <a:noFill/>
-                      </a:ln>
-                    </p:spPr>
-                    <p:style>
-                      <a:lnRef idx="2">
-                        <a:schemeClr val="accent1">
-                          <a:shade val="50000"/>
-                        </a:schemeClr>
-                      </a:lnRef>
-                      <a:fillRef idx="1">
-                        <a:schemeClr val="accent1"/>
-                      </a:fillRef>
-                      <a:effectRef idx="0">
-                        <a:schemeClr val="accent1"/>
-                      </a:effectRef>
-                      <a:fontRef idx="minor">
-                        <a:schemeClr val="lt1"/>
-                      </a:fontRef>
-                    </p:style>
-                    <p:txBody>
-                      <a:bodyPr rtlCol="0" anchor="ctr"/>
-                      <a:lstStyle/>
-                      <a:p>
-                        <a:pPr algn="ctr"/>
-                        <a:endParaRPr lang="nb-NO"/>
-                      </a:p>
-                    </p:txBody>
-                  </p:sp>
-                </p:grpSp>
+                    <a:prstGeom prst="rect">
+                      <a:avLst/>
+                    </a:prstGeom>
+                    <a:solidFill>
+                      <a:srgbClr val="FFFF00"/>
+                    </a:solidFill>
+                    <a:ln>
+                      <a:noFill/>
+                    </a:ln>
+                  </p:spPr>
+                  <p:style>
+                    <a:lnRef idx="2">
+                      <a:schemeClr val="accent1">
+                        <a:shade val="50000"/>
+                      </a:schemeClr>
+                    </a:lnRef>
+                    <a:fillRef idx="1">
+                      <a:schemeClr val="accent1"/>
+                    </a:fillRef>
+                    <a:effectRef idx="0">
+                      <a:schemeClr val="accent1"/>
+                    </a:effectRef>
+                    <a:fontRef idx="minor">
+                      <a:schemeClr val="lt1"/>
+                    </a:fontRef>
+                  </p:style>
+                  <p:txBody>
+                    <a:bodyPr rtlCol="0" anchor="ctr"/>
+                    <a:lstStyle/>
+                    <a:p>
+                      <a:pPr algn="ctr"/>
+                      <a:endParaRPr lang="nb-NO"/>
+                    </a:p>
+                  </p:txBody>
+                </p:sp>
+                <p:sp>
+                  <p:nvSpPr>
+                    <p:cNvPr id="191" name="Rectangle 190"/>
+                    <p:cNvSpPr/>
+                    <p:nvPr/>
+                  </p:nvSpPr>
+                  <p:spPr>
+                    <a:xfrm rot="-1860000" flipV="1">
+                      <a:off x="1506375" y="5472002"/>
+                      <a:ext cx="4096031" cy="45719"/>
+                    </a:xfrm>
+                    <a:prstGeom prst="rect">
+                      <a:avLst/>
+                    </a:prstGeom>
+                    <a:solidFill>
+                      <a:srgbClr val="FFFF00"/>
+                    </a:solidFill>
+                    <a:ln>
+                      <a:noFill/>
+                    </a:ln>
+                  </p:spPr>
+                  <p:style>
+                    <a:lnRef idx="2">
+                      <a:schemeClr val="accent1">
+                        <a:shade val="50000"/>
+                      </a:schemeClr>
+                    </a:lnRef>
+                    <a:fillRef idx="1">
+                      <a:schemeClr val="accent1"/>
+                    </a:fillRef>
+                    <a:effectRef idx="0">
+                      <a:schemeClr val="accent1"/>
+                    </a:effectRef>
+                    <a:fontRef idx="minor">
+                      <a:schemeClr val="lt1"/>
+                    </a:fontRef>
+                  </p:style>
+                  <p:txBody>
+                    <a:bodyPr rtlCol="0" anchor="ctr"/>
+                    <a:lstStyle/>
+                    <a:p>
+                      <a:pPr algn="ctr"/>
+                      <a:endParaRPr lang="nb-NO"/>
+                    </a:p>
+                  </p:txBody>
+                </p:sp>
               </p:grpSp>
               <p:cxnSp>
                 <p:nvCxnSpPr>
-                  <p:cNvPr id="92" name="Straight Arrow Connector 91"/>
+                  <p:cNvPr id="200" name="Straight Arrow Connector 199"/>
                   <p:cNvCxnSpPr/>
                   <p:nvPr/>
                 </p:nvCxnSpPr>
                 <p:spPr>
                   <a:xfrm flipV="1">
-                    <a:off x="4006830" y="4968383"/>
-                    <a:ext cx="828650" cy="381730"/>
+                    <a:off x="1641231" y="6142892"/>
+                    <a:ext cx="683526" cy="213459"/>
+                  </a:xfrm>
+                  <a:prstGeom prst="straightConnector1">
+                    <a:avLst/>
+                  </a:prstGeom>
+                  <a:ln>
+                    <a:solidFill>
+                      <a:srgbClr val="FF0000"/>
+                    </a:solidFill>
+                    <a:tailEnd type="triangle"/>
+                  </a:ln>
+                </p:spPr>
+                <p:style>
+                  <a:lnRef idx="1">
+                    <a:schemeClr val="accent1"/>
+                  </a:lnRef>
+                  <a:fillRef idx="0">
+                    <a:schemeClr val="accent1"/>
+                  </a:fillRef>
+                  <a:effectRef idx="0">
+                    <a:schemeClr val="accent1"/>
+                  </a:effectRef>
+                  <a:fontRef idx="minor">
+                    <a:schemeClr val="tx1"/>
+                  </a:fontRef>
+                </p:style>
+              </p:cxnSp>
+              <p:cxnSp>
+                <p:nvCxnSpPr>
+                  <p:cNvPr id="205" name="Straight Arrow Connector 204"/>
+                  <p:cNvCxnSpPr/>
+                  <p:nvPr/>
+                </p:nvCxnSpPr>
+                <p:spPr>
+                  <a:xfrm flipV="1">
+                    <a:off x="2731477" y="5582738"/>
+                    <a:ext cx="556177" cy="297206"/>
+                  </a:xfrm>
+                  <a:prstGeom prst="straightConnector1">
+                    <a:avLst/>
+                  </a:prstGeom>
+                  <a:ln>
+                    <a:solidFill>
+                      <a:srgbClr val="FF0000"/>
+                    </a:solidFill>
+                    <a:tailEnd type="triangle"/>
+                  </a:ln>
+                </p:spPr>
+                <p:style>
+                  <a:lnRef idx="1">
+                    <a:schemeClr val="accent1"/>
+                  </a:lnRef>
+                  <a:fillRef idx="0">
+                    <a:schemeClr val="accent1"/>
+                  </a:fillRef>
+                  <a:effectRef idx="0">
+                    <a:schemeClr val="accent1"/>
+                  </a:effectRef>
+                  <a:fontRef idx="minor">
+                    <a:schemeClr val="tx1"/>
+                  </a:fontRef>
+                </p:style>
+              </p:cxnSp>
+              <p:cxnSp>
+                <p:nvCxnSpPr>
+                  <p:cNvPr id="207" name="Straight Arrow Connector 206"/>
+                  <p:cNvCxnSpPr/>
+                  <p:nvPr/>
+                </p:nvCxnSpPr>
+                <p:spPr>
+                  <a:xfrm flipV="1">
+                    <a:off x="4277515" y="4681074"/>
+                    <a:ext cx="556177" cy="297206"/>
                   </a:xfrm>
                   <a:prstGeom prst="straightConnector1">
                     <a:avLst/>
@@ -19142,138 +18400,591 @@
                 </p:style>
               </p:cxnSp>
             </p:grpSp>
-            <p:sp>
-              <p:nvSpPr>
-                <p:cNvPr id="94" name="Freeform 93"/>
-                <p:cNvSpPr/>
-                <p:nvPr/>
-              </p:nvSpPr>
-              <p:spPr>
-                <a:xfrm>
-                  <a:off x="1922586" y="5709444"/>
-                  <a:ext cx="1614344" cy="843755"/>
-                </a:xfrm>
-                <a:custGeom>
-                  <a:avLst/>
-                  <a:gdLst>
-                    <a:gd name="connsiteX0" fmla="*/ 0 w 1664677"/>
-                    <a:gd name="connsiteY0" fmla="*/ 844062 h 844062"/>
-                    <a:gd name="connsiteX1" fmla="*/ 1453661 w 1664677"/>
-                    <a:gd name="connsiteY1" fmla="*/ 35170 h 844062"/>
-                    <a:gd name="connsiteX2" fmla="*/ 1524000 w 1664677"/>
-                    <a:gd name="connsiteY2" fmla="*/ 0 h 844062"/>
-                    <a:gd name="connsiteX3" fmla="*/ 1664677 w 1664677"/>
-                    <a:gd name="connsiteY3" fmla="*/ 0 h 844062"/>
-                    <a:gd name="connsiteX4" fmla="*/ 281353 w 1664677"/>
-                    <a:gd name="connsiteY4" fmla="*/ 844062 h 844062"/>
-                    <a:gd name="connsiteX5" fmla="*/ 0 w 1664677"/>
-                    <a:gd name="connsiteY5" fmla="*/ 844062 h 844062"/>
-                    <a:gd name="connsiteX0" fmla="*/ 0 w 1727397"/>
-                    <a:gd name="connsiteY0" fmla="*/ 844062 h 844062"/>
-                    <a:gd name="connsiteX1" fmla="*/ 1453661 w 1727397"/>
-                    <a:gd name="connsiteY1" fmla="*/ 35170 h 844062"/>
-                    <a:gd name="connsiteX2" fmla="*/ 1524000 w 1727397"/>
-                    <a:gd name="connsiteY2" fmla="*/ 0 h 844062"/>
-                    <a:gd name="connsiteX3" fmla="*/ 1727397 w 1727397"/>
-                    <a:gd name="connsiteY3" fmla="*/ 35182 h 844062"/>
-                    <a:gd name="connsiteX4" fmla="*/ 281353 w 1727397"/>
-                    <a:gd name="connsiteY4" fmla="*/ 844062 h 844062"/>
-                    <a:gd name="connsiteX5" fmla="*/ 0 w 1727397"/>
-                    <a:gd name="connsiteY5" fmla="*/ 844062 h 844062"/>
-                  </a:gdLst>
-                  <a:ahLst/>
-                  <a:cxnLst>
-                    <a:cxn ang="0">
-                      <a:pos x="connsiteX0" y="connsiteY0"/>
-                    </a:cxn>
-                    <a:cxn ang="0">
-                      <a:pos x="connsiteX1" y="connsiteY1"/>
-                    </a:cxn>
-                    <a:cxn ang="0">
-                      <a:pos x="connsiteX2" y="connsiteY2"/>
-                    </a:cxn>
-                    <a:cxn ang="0">
-                      <a:pos x="connsiteX3" y="connsiteY3"/>
-                    </a:cxn>
-                    <a:cxn ang="0">
-                      <a:pos x="connsiteX4" y="connsiteY4"/>
-                    </a:cxn>
-                    <a:cxn ang="0">
-                      <a:pos x="connsiteX5" y="connsiteY5"/>
-                    </a:cxn>
-                  </a:cxnLst>
-                  <a:rect l="l" t="t" r="r" b="b"/>
-                  <a:pathLst>
-                    <a:path w="1727397" h="844062">
-                      <a:moveTo>
-                        <a:pt x="0" y="844062"/>
-                      </a:moveTo>
-                      <a:lnTo>
-                        <a:pt x="1453661" y="35170"/>
-                      </a:lnTo>
-                      <a:lnTo>
-                        <a:pt x="1524000" y="0"/>
-                      </a:lnTo>
-                      <a:lnTo>
-                        <a:pt x="1727397" y="35182"/>
-                      </a:lnTo>
-                      <a:lnTo>
-                        <a:pt x="281353" y="844062"/>
-                      </a:lnTo>
-                      <a:lnTo>
-                        <a:pt x="0" y="844062"/>
-                      </a:lnTo>
-                      <a:close/>
-                    </a:path>
-                  </a:pathLst>
-                </a:custGeom>
-                <a:solidFill>
-                  <a:schemeClr val="accent4">
-                    <a:lumMod val="40000"/>
-                    <a:lumOff val="60000"/>
-                  </a:schemeClr>
-                </a:solidFill>
-                <a:ln>
-                  <a:noFill/>
-                </a:ln>
-              </p:spPr>
-              <p:style>
-                <a:lnRef idx="2">
-                  <a:schemeClr val="accent1">
-                    <a:shade val="50000"/>
-                  </a:schemeClr>
-                </a:lnRef>
-                <a:fillRef idx="1">
-                  <a:schemeClr val="accent1"/>
-                </a:fillRef>
-                <a:effectRef idx="0">
-                  <a:schemeClr val="accent1"/>
-                </a:effectRef>
-                <a:fontRef idx="minor">
-                  <a:schemeClr val="lt1"/>
-                </a:fontRef>
-              </p:style>
-              <p:txBody>
-                <a:bodyPr rtlCol="0" anchor="ctr"/>
-                <a:lstStyle/>
-                <a:p>
-                  <a:pPr algn="ctr"/>
-                  <a:endParaRPr lang="nb-NO"/>
-                </a:p>
-              </p:txBody>
-            </p:sp>
           </p:grpSp>
+          <p:sp>
+            <p:nvSpPr>
+              <p:cNvPr id="211" name="Freeform 210"/>
+              <p:cNvSpPr/>
+              <p:nvPr/>
+            </p:nvSpPr>
+            <p:spPr>
+              <a:xfrm>
+                <a:off x="7137766" y="1457103"/>
+                <a:ext cx="711578" cy="394871"/>
+              </a:xfrm>
+              <a:custGeom>
+                <a:avLst/>
+                <a:gdLst>
+                  <a:gd name="connsiteX0" fmla="*/ 46892 w 668215"/>
+                  <a:gd name="connsiteY0" fmla="*/ 328246 h 410308"/>
+                  <a:gd name="connsiteX1" fmla="*/ 234462 w 668215"/>
+                  <a:gd name="connsiteY1" fmla="*/ 410308 h 410308"/>
+                  <a:gd name="connsiteX2" fmla="*/ 398585 w 668215"/>
+                  <a:gd name="connsiteY2" fmla="*/ 386861 h 410308"/>
+                  <a:gd name="connsiteX3" fmla="*/ 515815 w 668215"/>
+                  <a:gd name="connsiteY3" fmla="*/ 363415 h 410308"/>
+                  <a:gd name="connsiteX4" fmla="*/ 539262 w 668215"/>
+                  <a:gd name="connsiteY4" fmla="*/ 339969 h 410308"/>
+                  <a:gd name="connsiteX5" fmla="*/ 621323 w 668215"/>
+                  <a:gd name="connsiteY5" fmla="*/ 281354 h 410308"/>
+                  <a:gd name="connsiteX6" fmla="*/ 668215 w 668215"/>
+                  <a:gd name="connsiteY6" fmla="*/ 140677 h 410308"/>
+                  <a:gd name="connsiteX7" fmla="*/ 633046 w 668215"/>
+                  <a:gd name="connsiteY7" fmla="*/ 0 h 410308"/>
+                  <a:gd name="connsiteX8" fmla="*/ 0 w 668215"/>
+                  <a:gd name="connsiteY8" fmla="*/ 304800 h 410308"/>
+                  <a:gd name="connsiteX9" fmla="*/ 46892 w 668215"/>
+                  <a:gd name="connsiteY9" fmla="*/ 328246 h 410308"/>
+                  <a:gd name="connsiteX0" fmla="*/ 46892 w 668215"/>
+                  <a:gd name="connsiteY0" fmla="*/ 305249 h 387311"/>
+                  <a:gd name="connsiteX1" fmla="*/ 234462 w 668215"/>
+                  <a:gd name="connsiteY1" fmla="*/ 387311 h 387311"/>
+                  <a:gd name="connsiteX2" fmla="*/ 398585 w 668215"/>
+                  <a:gd name="connsiteY2" fmla="*/ 363864 h 387311"/>
+                  <a:gd name="connsiteX3" fmla="*/ 515815 w 668215"/>
+                  <a:gd name="connsiteY3" fmla="*/ 340418 h 387311"/>
+                  <a:gd name="connsiteX4" fmla="*/ 539262 w 668215"/>
+                  <a:gd name="connsiteY4" fmla="*/ 316972 h 387311"/>
+                  <a:gd name="connsiteX5" fmla="*/ 621323 w 668215"/>
+                  <a:gd name="connsiteY5" fmla="*/ 258357 h 387311"/>
+                  <a:gd name="connsiteX6" fmla="*/ 668215 w 668215"/>
+                  <a:gd name="connsiteY6" fmla="*/ 117680 h 387311"/>
+                  <a:gd name="connsiteX7" fmla="*/ 600020 w 668215"/>
+                  <a:gd name="connsiteY7" fmla="*/ 0 h 387311"/>
+                  <a:gd name="connsiteX8" fmla="*/ 0 w 668215"/>
+                  <a:gd name="connsiteY8" fmla="*/ 281803 h 387311"/>
+                  <a:gd name="connsiteX9" fmla="*/ 46892 w 668215"/>
+                  <a:gd name="connsiteY9" fmla="*/ 305249 h 387311"/>
+                </a:gdLst>
+                <a:ahLst/>
+                <a:cxnLst>
+                  <a:cxn ang="0">
+                    <a:pos x="connsiteX0" y="connsiteY0"/>
+                  </a:cxn>
+                  <a:cxn ang="0">
+                    <a:pos x="connsiteX1" y="connsiteY1"/>
+                  </a:cxn>
+                  <a:cxn ang="0">
+                    <a:pos x="connsiteX2" y="connsiteY2"/>
+                  </a:cxn>
+                  <a:cxn ang="0">
+                    <a:pos x="connsiteX3" y="connsiteY3"/>
+                  </a:cxn>
+                  <a:cxn ang="0">
+                    <a:pos x="connsiteX4" y="connsiteY4"/>
+                  </a:cxn>
+                  <a:cxn ang="0">
+                    <a:pos x="connsiteX5" y="connsiteY5"/>
+                  </a:cxn>
+                  <a:cxn ang="0">
+                    <a:pos x="connsiteX6" y="connsiteY6"/>
+                  </a:cxn>
+                  <a:cxn ang="0">
+                    <a:pos x="connsiteX7" y="connsiteY7"/>
+                  </a:cxn>
+                  <a:cxn ang="0">
+                    <a:pos x="connsiteX8" y="connsiteY8"/>
+                  </a:cxn>
+                  <a:cxn ang="0">
+                    <a:pos x="connsiteX9" y="connsiteY9"/>
+                  </a:cxn>
+                </a:cxnLst>
+                <a:rect l="l" t="t" r="r" b="b"/>
+                <a:pathLst>
+                  <a:path w="668215" h="387311">
+                    <a:moveTo>
+                      <a:pt x="46892" y="305249"/>
+                    </a:moveTo>
+                    <a:lnTo>
+                      <a:pt x="234462" y="387311"/>
+                    </a:lnTo>
+                    <a:lnTo>
+                      <a:pt x="398585" y="363864"/>
+                    </a:lnTo>
+                    <a:cubicBezTo>
+                      <a:pt x="437662" y="356049"/>
+                      <a:pt x="478009" y="353020"/>
+                      <a:pt x="515815" y="340418"/>
+                    </a:cubicBezTo>
+                    <a:cubicBezTo>
+                      <a:pt x="526301" y="336923"/>
+                      <a:pt x="539262" y="316972"/>
+                      <a:pt x="539262" y="316972"/>
+                    </a:cubicBezTo>
+                    <a:lnTo>
+                      <a:pt x="621323" y="258357"/>
+                    </a:lnTo>
+                    <a:lnTo>
+                      <a:pt x="668215" y="117680"/>
+                    </a:lnTo>
+                    <a:lnTo>
+                      <a:pt x="600020" y="0"/>
+                    </a:lnTo>
+                    <a:lnTo>
+                      <a:pt x="0" y="281803"/>
+                    </a:lnTo>
+                    <a:lnTo>
+                      <a:pt x="46892" y="305249"/>
+                    </a:lnTo>
+                    <a:close/>
+                  </a:path>
+                </a:pathLst>
+              </a:custGeom>
+              <a:pattFill prst="solidDmnd">
+                <a:fgClr>
+                  <a:srgbClr val="FFFF00"/>
+                </a:fgClr>
+                <a:bgClr>
+                  <a:schemeClr val="bg1"/>
+                </a:bgClr>
+              </a:pattFill>
+              <a:ln>
+                <a:noFill/>
+              </a:ln>
+            </p:spPr>
+            <p:style>
+              <a:lnRef idx="2">
+                <a:schemeClr val="accent1">
+                  <a:shade val="50000"/>
+                </a:schemeClr>
+              </a:lnRef>
+              <a:fillRef idx="1">
+                <a:schemeClr val="accent1"/>
+              </a:fillRef>
+              <a:effectRef idx="0">
+                <a:schemeClr val="accent1"/>
+              </a:effectRef>
+              <a:fontRef idx="minor">
+                <a:schemeClr val="lt1"/>
+              </a:fontRef>
+            </p:style>
+            <p:txBody>
+              <a:bodyPr rtlCol="0" anchor="ctr"/>
+              <a:lstStyle/>
+              <a:p>
+                <a:pPr algn="ctr"/>
+                <a:endParaRPr lang="nb-NO"/>
+              </a:p>
+            </p:txBody>
+          </p:sp>
+          <p:sp>
+            <p:nvSpPr>
+              <p:cNvPr id="212" name="Freeform 211"/>
+              <p:cNvSpPr/>
+              <p:nvPr/>
+            </p:nvSpPr>
+            <p:spPr>
+              <a:xfrm>
+                <a:off x="7632806" y="1289271"/>
+                <a:ext cx="606875" cy="374643"/>
+              </a:xfrm>
+              <a:custGeom>
+                <a:avLst/>
+                <a:gdLst>
+                  <a:gd name="connsiteX0" fmla="*/ 46892 w 668215"/>
+                  <a:gd name="connsiteY0" fmla="*/ 328246 h 410308"/>
+                  <a:gd name="connsiteX1" fmla="*/ 234462 w 668215"/>
+                  <a:gd name="connsiteY1" fmla="*/ 410308 h 410308"/>
+                  <a:gd name="connsiteX2" fmla="*/ 398585 w 668215"/>
+                  <a:gd name="connsiteY2" fmla="*/ 386861 h 410308"/>
+                  <a:gd name="connsiteX3" fmla="*/ 515815 w 668215"/>
+                  <a:gd name="connsiteY3" fmla="*/ 363415 h 410308"/>
+                  <a:gd name="connsiteX4" fmla="*/ 539262 w 668215"/>
+                  <a:gd name="connsiteY4" fmla="*/ 339969 h 410308"/>
+                  <a:gd name="connsiteX5" fmla="*/ 621323 w 668215"/>
+                  <a:gd name="connsiteY5" fmla="*/ 281354 h 410308"/>
+                  <a:gd name="connsiteX6" fmla="*/ 668215 w 668215"/>
+                  <a:gd name="connsiteY6" fmla="*/ 140677 h 410308"/>
+                  <a:gd name="connsiteX7" fmla="*/ 633046 w 668215"/>
+                  <a:gd name="connsiteY7" fmla="*/ 0 h 410308"/>
+                  <a:gd name="connsiteX8" fmla="*/ 0 w 668215"/>
+                  <a:gd name="connsiteY8" fmla="*/ 304800 h 410308"/>
+                  <a:gd name="connsiteX9" fmla="*/ 46892 w 668215"/>
+                  <a:gd name="connsiteY9" fmla="*/ 328246 h 410308"/>
+                </a:gdLst>
+                <a:ahLst/>
+                <a:cxnLst>
+                  <a:cxn ang="0">
+                    <a:pos x="connsiteX0" y="connsiteY0"/>
+                  </a:cxn>
+                  <a:cxn ang="0">
+                    <a:pos x="connsiteX1" y="connsiteY1"/>
+                  </a:cxn>
+                  <a:cxn ang="0">
+                    <a:pos x="connsiteX2" y="connsiteY2"/>
+                  </a:cxn>
+                  <a:cxn ang="0">
+                    <a:pos x="connsiteX3" y="connsiteY3"/>
+                  </a:cxn>
+                  <a:cxn ang="0">
+                    <a:pos x="connsiteX4" y="connsiteY4"/>
+                  </a:cxn>
+                  <a:cxn ang="0">
+                    <a:pos x="connsiteX5" y="connsiteY5"/>
+                  </a:cxn>
+                  <a:cxn ang="0">
+                    <a:pos x="connsiteX6" y="connsiteY6"/>
+                  </a:cxn>
+                  <a:cxn ang="0">
+                    <a:pos x="connsiteX7" y="connsiteY7"/>
+                  </a:cxn>
+                  <a:cxn ang="0">
+                    <a:pos x="connsiteX8" y="connsiteY8"/>
+                  </a:cxn>
+                  <a:cxn ang="0">
+                    <a:pos x="connsiteX9" y="connsiteY9"/>
+                  </a:cxn>
+                </a:cxnLst>
+                <a:rect l="l" t="t" r="r" b="b"/>
+                <a:pathLst>
+                  <a:path w="668215" h="410308">
+                    <a:moveTo>
+                      <a:pt x="46892" y="328246"/>
+                    </a:moveTo>
+                    <a:lnTo>
+                      <a:pt x="234462" y="410308"/>
+                    </a:lnTo>
+                    <a:lnTo>
+                      <a:pt x="398585" y="386861"/>
+                    </a:lnTo>
+                    <a:cubicBezTo>
+                      <a:pt x="437662" y="379046"/>
+                      <a:pt x="478009" y="376017"/>
+                      <a:pt x="515815" y="363415"/>
+                    </a:cubicBezTo>
+                    <a:cubicBezTo>
+                      <a:pt x="526301" y="359920"/>
+                      <a:pt x="539262" y="339969"/>
+                      <a:pt x="539262" y="339969"/>
+                    </a:cubicBezTo>
+                    <a:lnTo>
+                      <a:pt x="621323" y="281354"/>
+                    </a:lnTo>
+                    <a:lnTo>
+                      <a:pt x="668215" y="140677"/>
+                    </a:lnTo>
+                    <a:lnTo>
+                      <a:pt x="633046" y="0"/>
+                    </a:lnTo>
+                    <a:lnTo>
+                      <a:pt x="0" y="304800"/>
+                    </a:lnTo>
+                    <a:lnTo>
+                      <a:pt x="46892" y="328246"/>
+                    </a:lnTo>
+                    <a:close/>
+                  </a:path>
+                </a:pathLst>
+              </a:custGeom>
+              <a:pattFill prst="solidDmnd">
+                <a:fgClr>
+                  <a:srgbClr val="FFFF00"/>
+                </a:fgClr>
+                <a:bgClr>
+                  <a:schemeClr val="bg1"/>
+                </a:bgClr>
+              </a:pattFill>
+              <a:ln>
+                <a:noFill/>
+              </a:ln>
+            </p:spPr>
+            <p:style>
+              <a:lnRef idx="2">
+                <a:schemeClr val="accent1">
+                  <a:shade val="50000"/>
+                </a:schemeClr>
+              </a:lnRef>
+              <a:fillRef idx="1">
+                <a:schemeClr val="accent1"/>
+              </a:fillRef>
+              <a:effectRef idx="0">
+                <a:schemeClr val="accent1"/>
+              </a:effectRef>
+              <a:fontRef idx="minor">
+                <a:schemeClr val="lt1"/>
+              </a:fontRef>
+            </p:style>
+            <p:txBody>
+              <a:bodyPr rtlCol="0" anchor="ctr"/>
+              <a:lstStyle/>
+              <a:p>
+                <a:pPr algn="ctr"/>
+                <a:endParaRPr lang="nb-NO"/>
+              </a:p>
+            </p:txBody>
+          </p:sp>
+          <p:sp>
+            <p:nvSpPr>
+              <p:cNvPr id="214" name="Freeform 213"/>
+              <p:cNvSpPr/>
+              <p:nvPr/>
+            </p:nvSpPr>
+            <p:spPr>
+              <a:xfrm>
+                <a:off x="6998677" y="1735016"/>
+                <a:ext cx="316523" cy="234462"/>
+              </a:xfrm>
+              <a:custGeom>
+                <a:avLst/>
+                <a:gdLst>
+                  <a:gd name="connsiteX0" fmla="*/ 0 w 339969"/>
+                  <a:gd name="connsiteY0" fmla="*/ 152400 h 222739"/>
+                  <a:gd name="connsiteX1" fmla="*/ 187569 w 339969"/>
+                  <a:gd name="connsiteY1" fmla="*/ 0 h 222739"/>
+                  <a:gd name="connsiteX2" fmla="*/ 339969 w 339969"/>
+                  <a:gd name="connsiteY2" fmla="*/ 105508 h 222739"/>
+                  <a:gd name="connsiteX3" fmla="*/ 46892 w 339969"/>
+                  <a:gd name="connsiteY3" fmla="*/ 222739 h 222739"/>
+                  <a:gd name="connsiteX0" fmla="*/ 0 w 339969"/>
+                  <a:gd name="connsiteY0" fmla="*/ 152400 h 234462"/>
+                  <a:gd name="connsiteX1" fmla="*/ 187569 w 339969"/>
+                  <a:gd name="connsiteY1" fmla="*/ 0 h 234462"/>
+                  <a:gd name="connsiteX2" fmla="*/ 339969 w 339969"/>
+                  <a:gd name="connsiteY2" fmla="*/ 105508 h 234462"/>
+                  <a:gd name="connsiteX3" fmla="*/ 82061 w 339969"/>
+                  <a:gd name="connsiteY3" fmla="*/ 234462 h 234462"/>
+                  <a:gd name="connsiteX0" fmla="*/ 0 w 339969"/>
+                  <a:gd name="connsiteY0" fmla="*/ 152400 h 234462"/>
+                  <a:gd name="connsiteX1" fmla="*/ 187569 w 339969"/>
+                  <a:gd name="connsiteY1" fmla="*/ 0 h 234462"/>
+                  <a:gd name="connsiteX2" fmla="*/ 339969 w 339969"/>
+                  <a:gd name="connsiteY2" fmla="*/ 105508 h 234462"/>
+                  <a:gd name="connsiteX3" fmla="*/ 82061 w 339969"/>
+                  <a:gd name="connsiteY3" fmla="*/ 234462 h 234462"/>
+                  <a:gd name="connsiteX0" fmla="*/ 0 w 316523"/>
+                  <a:gd name="connsiteY0" fmla="*/ 128954 h 234462"/>
+                  <a:gd name="connsiteX1" fmla="*/ 164123 w 316523"/>
+                  <a:gd name="connsiteY1" fmla="*/ 0 h 234462"/>
+                  <a:gd name="connsiteX2" fmla="*/ 316523 w 316523"/>
+                  <a:gd name="connsiteY2" fmla="*/ 105508 h 234462"/>
+                  <a:gd name="connsiteX3" fmla="*/ 58615 w 316523"/>
+                  <a:gd name="connsiteY3" fmla="*/ 234462 h 234462"/>
+                </a:gdLst>
+                <a:ahLst/>
+                <a:cxnLst>
+                  <a:cxn ang="0">
+                    <a:pos x="connsiteX0" y="connsiteY0"/>
+                  </a:cxn>
+                  <a:cxn ang="0">
+                    <a:pos x="connsiteX1" y="connsiteY1"/>
+                  </a:cxn>
+                  <a:cxn ang="0">
+                    <a:pos x="connsiteX2" y="connsiteY2"/>
+                  </a:cxn>
+                  <a:cxn ang="0">
+                    <a:pos x="connsiteX3" y="connsiteY3"/>
+                  </a:cxn>
+                </a:cxnLst>
+                <a:rect l="l" t="t" r="r" b="b"/>
+                <a:pathLst>
+                  <a:path w="316523" h="234462">
+                    <a:moveTo>
+                      <a:pt x="0" y="128954"/>
+                    </a:moveTo>
+                    <a:lnTo>
+                      <a:pt x="164123" y="0"/>
+                    </a:lnTo>
+                    <a:lnTo>
+                      <a:pt x="316523" y="105508"/>
+                    </a:lnTo>
+                    <a:lnTo>
+                      <a:pt x="58615" y="234462"/>
+                    </a:lnTo>
+                  </a:path>
+                </a:pathLst>
+              </a:custGeom>
+              <a:solidFill>
+                <a:schemeClr val="accent4">
+                  <a:lumMod val="40000"/>
+                  <a:lumOff val="60000"/>
+                </a:schemeClr>
+              </a:solidFill>
+              <a:ln>
+                <a:noFill/>
+              </a:ln>
+            </p:spPr>
+            <p:style>
+              <a:lnRef idx="2">
+                <a:schemeClr val="accent1">
+                  <a:shade val="50000"/>
+                </a:schemeClr>
+              </a:lnRef>
+              <a:fillRef idx="1">
+                <a:schemeClr val="accent1"/>
+              </a:fillRef>
+              <a:effectRef idx="0">
+                <a:schemeClr val="accent1"/>
+              </a:effectRef>
+              <a:fontRef idx="minor">
+                <a:schemeClr val="lt1"/>
+              </a:fontRef>
+            </p:style>
+            <p:txBody>
+              <a:bodyPr rtlCol="0" anchor="ctr"/>
+              <a:lstStyle/>
+              <a:p>
+                <a:pPr algn="ctr"/>
+                <a:endParaRPr lang="nb-NO"/>
+              </a:p>
+            </p:txBody>
+          </p:sp>
+          <p:sp>
+            <p:nvSpPr>
+              <p:cNvPr id="215" name="Freeform 214"/>
+              <p:cNvSpPr/>
+              <p:nvPr/>
+            </p:nvSpPr>
+            <p:spPr>
+              <a:xfrm>
+                <a:off x="7362092" y="1113692"/>
+                <a:ext cx="926123" cy="515816"/>
+              </a:xfrm>
+              <a:custGeom>
+                <a:avLst/>
+                <a:gdLst>
+                  <a:gd name="connsiteX0" fmla="*/ 0 w 926123"/>
+                  <a:gd name="connsiteY0" fmla="*/ 515816 h 515816"/>
+                  <a:gd name="connsiteX1" fmla="*/ 855785 w 926123"/>
+                  <a:gd name="connsiteY1" fmla="*/ 0 h 515816"/>
+                  <a:gd name="connsiteX2" fmla="*/ 926123 w 926123"/>
+                  <a:gd name="connsiteY2" fmla="*/ 128954 h 515816"/>
+                  <a:gd name="connsiteX3" fmla="*/ 422031 w 926123"/>
+                  <a:gd name="connsiteY3" fmla="*/ 375139 h 515816"/>
+                  <a:gd name="connsiteX4" fmla="*/ 422031 w 926123"/>
+                  <a:gd name="connsiteY4" fmla="*/ 339970 h 515816"/>
+                  <a:gd name="connsiteX5" fmla="*/ 0 w 926123"/>
+                  <a:gd name="connsiteY5" fmla="*/ 515816 h 515816"/>
+                </a:gdLst>
+                <a:ahLst/>
+                <a:cxnLst>
+                  <a:cxn ang="0">
+                    <a:pos x="connsiteX0" y="connsiteY0"/>
+                  </a:cxn>
+                  <a:cxn ang="0">
+                    <a:pos x="connsiteX1" y="connsiteY1"/>
+                  </a:cxn>
+                  <a:cxn ang="0">
+                    <a:pos x="connsiteX2" y="connsiteY2"/>
+                  </a:cxn>
+                  <a:cxn ang="0">
+                    <a:pos x="connsiteX3" y="connsiteY3"/>
+                  </a:cxn>
+                  <a:cxn ang="0">
+                    <a:pos x="connsiteX4" y="connsiteY4"/>
+                  </a:cxn>
+                  <a:cxn ang="0">
+                    <a:pos x="connsiteX5" y="connsiteY5"/>
+                  </a:cxn>
+                </a:cxnLst>
+                <a:rect l="l" t="t" r="r" b="b"/>
+                <a:pathLst>
+                  <a:path w="926123" h="515816">
+                    <a:moveTo>
+                      <a:pt x="0" y="515816"/>
+                    </a:moveTo>
+                    <a:lnTo>
+                      <a:pt x="855785" y="0"/>
+                    </a:lnTo>
+                    <a:lnTo>
+                      <a:pt x="926123" y="128954"/>
+                    </a:lnTo>
+                    <a:lnTo>
+                      <a:pt x="422031" y="375139"/>
+                    </a:lnTo>
+                    <a:lnTo>
+                      <a:pt x="422031" y="339970"/>
+                    </a:lnTo>
+                    <a:lnTo>
+                      <a:pt x="0" y="515816"/>
+                    </a:lnTo>
+                    <a:close/>
+                  </a:path>
+                </a:pathLst>
+              </a:custGeom>
+              <a:solidFill>
+                <a:schemeClr val="accent4">
+                  <a:lumMod val="40000"/>
+                  <a:lumOff val="60000"/>
+                </a:schemeClr>
+              </a:solidFill>
+              <a:ln>
+                <a:noFill/>
+              </a:ln>
+            </p:spPr>
+            <p:style>
+              <a:lnRef idx="2">
+                <a:schemeClr val="accent1">
+                  <a:shade val="50000"/>
+                </a:schemeClr>
+              </a:lnRef>
+              <a:fillRef idx="1">
+                <a:schemeClr val="accent1"/>
+              </a:fillRef>
+              <a:effectRef idx="0">
+                <a:schemeClr val="accent1"/>
+              </a:effectRef>
+              <a:fontRef idx="minor">
+                <a:schemeClr val="lt1"/>
+              </a:fontRef>
+            </p:style>
+            <p:txBody>
+              <a:bodyPr rtlCol="0" anchor="ctr"/>
+              <a:lstStyle/>
+              <a:p>
+                <a:pPr algn="ctr"/>
+                <a:endParaRPr lang="nb-NO"/>
+              </a:p>
+            </p:txBody>
+          </p:sp>
         </p:grpSp>
         <p:cxnSp>
           <p:nvCxnSpPr>
-            <p:cNvPr id="107" name="Straight Arrow Connector 106"/>
+            <p:cNvPr id="225" name="Straight Arrow Connector 224"/>
             <p:cNvCxnSpPr/>
             <p:nvPr/>
           </p:nvCxnSpPr>
           <p:spPr>
             <a:xfrm flipV="1">
-              <a:off x="1963363" y="6009027"/>
-              <a:ext cx="1041165" cy="386101"/>
+              <a:off x="7064266" y="1606989"/>
+              <a:ext cx="474440" cy="256637"/>
+            </a:xfrm>
+            <a:prstGeom prst="straightConnector1">
+              <a:avLst/>
+            </a:prstGeom>
+            <a:ln>
+              <a:solidFill>
+                <a:srgbClr val="FF0000"/>
+              </a:solidFill>
+              <a:tailEnd type="triangle"/>
+            </a:ln>
+          </p:spPr>
+          <p:style>
+            <a:lnRef idx="1">
+              <a:schemeClr val="accent1"/>
+            </a:lnRef>
+            <a:fillRef idx="0">
+              <a:schemeClr val="accent1"/>
+            </a:fillRef>
+            <a:effectRef idx="0">
+              <a:schemeClr val="accent1"/>
+            </a:effectRef>
+            <a:fontRef idx="minor">
+              <a:schemeClr val="tx1"/>
+            </a:fontRef>
+          </p:style>
+        </p:cxnSp>
+        <p:cxnSp>
+          <p:nvCxnSpPr>
+            <p:cNvPr id="227" name="Straight Arrow Connector 226"/>
+            <p:cNvCxnSpPr>
+              <a:endCxn id="212" idx="7"/>
+            </p:cNvCxnSpPr>
+            <p:nvPr/>
+          </p:nvCxnSpPr>
+          <p:spPr>
+            <a:xfrm flipV="1">
+              <a:off x="7903806" y="1289271"/>
+              <a:ext cx="303934" cy="248966"/>
             </a:xfrm>
             <a:prstGeom prst="straightConnector1">
               <a:avLst/>
@@ -19301,10 +19012,70 @@
           </p:style>
         </p:cxnSp>
       </p:grpSp>
+      <p:sp>
+        <p:nvSpPr>
+          <p:cNvPr id="229" name="TextBox 228"/>
+          <p:cNvSpPr txBox="1"/>
+          <p:nvPr/>
+        </p:nvSpPr>
+        <p:spPr>
+          <a:xfrm>
+            <a:off x="9841225" y="233174"/>
+            <a:ext cx="997196" cy="369332"/>
+          </a:xfrm>
+          <a:prstGeom prst="rect">
+            <a:avLst/>
+          </a:prstGeom>
+          <a:noFill/>
+        </p:spPr>
+        <p:txBody>
+          <a:bodyPr wrap="none" rtlCol="0">
+            <a:spAutoFit/>
+          </a:bodyPr>
+          <a:lstStyle/>
+          <a:p>
+            <a:r>
+              <a:rPr lang="nb-NO" dirty="0" err="1" smtClean="0"/>
+              <a:t>Proximal</a:t>
+            </a:r>
+            <a:endParaRPr lang="nb-NO" dirty="0"/>
+          </a:p>
+        </p:txBody>
+      </p:sp>
+      <p:sp>
+        <p:nvSpPr>
+          <p:cNvPr id="230" name="TextBox 229"/>
+          <p:cNvSpPr txBox="1"/>
+          <p:nvPr/>
+        </p:nvSpPr>
+        <p:spPr>
+          <a:xfrm>
+            <a:off x="159529" y="233174"/>
+            <a:ext cx="705065" cy="369332"/>
+          </a:xfrm>
+          <a:prstGeom prst="rect">
+            <a:avLst/>
+          </a:prstGeom>
+          <a:noFill/>
+        </p:spPr>
+        <p:txBody>
+          <a:bodyPr wrap="none" rtlCol="0">
+            <a:spAutoFit/>
+          </a:bodyPr>
+          <a:lstStyle/>
+          <a:p>
+            <a:r>
+              <a:rPr lang="nb-NO" dirty="0" smtClean="0"/>
+              <a:t>Distal</a:t>
+            </a:r>
+            <a:endParaRPr lang="nb-NO" dirty="0"/>
+          </a:p>
+        </p:txBody>
+      </p:sp>
     </p:spTree>
     <p:extLst>
       <p:ext uri="{BB962C8B-B14F-4D97-AF65-F5344CB8AC3E}">
-        <p14:creationId xmlns:p14="http://schemas.microsoft.com/office/powerpoint/2010/main" val="1915702763"/>
+        <p14:creationId xmlns:p14="http://schemas.microsoft.com/office/powerpoint/2010/main" val="127296616"/>
       </p:ext>
     </p:extLst>
   </p:cSld>

--- a/Use case - Hydrocarbons accumulation.pptx
+++ b/Use case - Hydrocarbons accumulation.pptx
@@ -13430,7 +13430,6 @@
               <a:rPr lang="nb-NO" sz="1400" dirty="0" smtClean="0"/>
               <a:t>Channels and </a:t>
             </a:r>
-            <a:endParaRPr lang="nb-NO" sz="1400" dirty="0" smtClean="0"/>
           </a:p>
           <a:p>
             <a:r>
@@ -13469,13 +13468,8 @@
             </a:r>
             <a:r>
               <a:rPr lang="nb-NO" dirty="0" smtClean="0"/>
-              <a:t> fan</a:t>
-            </a:r>
-            <a:r>
-              <a:rPr lang="nb-NO" dirty="0" smtClean="0"/>
-              <a:t>:</a:t>
-            </a:r>
-            <a:endParaRPr lang="nb-NO" dirty="0" smtClean="0"/>
+              <a:t> fan:</a:t>
+            </a:r>
           </a:p>
         </p:txBody>
       </p:sp>
@@ -13678,7 +13672,7 @@
         </p:nvGrpSpPr>
         <p:grpSpPr>
           <a:xfrm>
-            <a:off x="416264" y="573016"/>
+            <a:off x="410009" y="573016"/>
             <a:ext cx="9307729" cy="5965896"/>
             <a:chOff x="416264" y="573016"/>
             <a:chExt cx="9307729" cy="5965896"/>
@@ -18409,7 +18403,7 @@
             </p:nvSpPr>
             <p:spPr>
               <a:xfrm>
-                <a:off x="7137766" y="1457103"/>
+                <a:off x="7193089" y="1448389"/>
                 <a:ext cx="711578" cy="394871"/>
               </a:xfrm>
               <a:custGeom>
@@ -18569,13 +18563,274 @@
           </p:sp>
           <p:sp>
             <p:nvSpPr>
+              <p:cNvPr id="214" name="Freeform 213"/>
+              <p:cNvSpPr/>
+              <p:nvPr/>
+            </p:nvSpPr>
+            <p:spPr>
+              <a:xfrm>
+                <a:off x="6998678" y="1735016"/>
+                <a:ext cx="344232" cy="234462"/>
+              </a:xfrm>
+              <a:custGeom>
+                <a:avLst/>
+                <a:gdLst>
+                  <a:gd name="connsiteX0" fmla="*/ 0 w 339969"/>
+                  <a:gd name="connsiteY0" fmla="*/ 152400 h 222739"/>
+                  <a:gd name="connsiteX1" fmla="*/ 187569 w 339969"/>
+                  <a:gd name="connsiteY1" fmla="*/ 0 h 222739"/>
+                  <a:gd name="connsiteX2" fmla="*/ 339969 w 339969"/>
+                  <a:gd name="connsiteY2" fmla="*/ 105508 h 222739"/>
+                  <a:gd name="connsiteX3" fmla="*/ 46892 w 339969"/>
+                  <a:gd name="connsiteY3" fmla="*/ 222739 h 222739"/>
+                  <a:gd name="connsiteX0" fmla="*/ 0 w 339969"/>
+                  <a:gd name="connsiteY0" fmla="*/ 152400 h 234462"/>
+                  <a:gd name="connsiteX1" fmla="*/ 187569 w 339969"/>
+                  <a:gd name="connsiteY1" fmla="*/ 0 h 234462"/>
+                  <a:gd name="connsiteX2" fmla="*/ 339969 w 339969"/>
+                  <a:gd name="connsiteY2" fmla="*/ 105508 h 234462"/>
+                  <a:gd name="connsiteX3" fmla="*/ 82061 w 339969"/>
+                  <a:gd name="connsiteY3" fmla="*/ 234462 h 234462"/>
+                  <a:gd name="connsiteX0" fmla="*/ 0 w 339969"/>
+                  <a:gd name="connsiteY0" fmla="*/ 152400 h 234462"/>
+                  <a:gd name="connsiteX1" fmla="*/ 187569 w 339969"/>
+                  <a:gd name="connsiteY1" fmla="*/ 0 h 234462"/>
+                  <a:gd name="connsiteX2" fmla="*/ 339969 w 339969"/>
+                  <a:gd name="connsiteY2" fmla="*/ 105508 h 234462"/>
+                  <a:gd name="connsiteX3" fmla="*/ 82061 w 339969"/>
+                  <a:gd name="connsiteY3" fmla="*/ 234462 h 234462"/>
+                  <a:gd name="connsiteX0" fmla="*/ 0 w 316523"/>
+                  <a:gd name="connsiteY0" fmla="*/ 128954 h 234462"/>
+                  <a:gd name="connsiteX1" fmla="*/ 164123 w 316523"/>
+                  <a:gd name="connsiteY1" fmla="*/ 0 h 234462"/>
+                  <a:gd name="connsiteX2" fmla="*/ 316523 w 316523"/>
+                  <a:gd name="connsiteY2" fmla="*/ 105508 h 234462"/>
+                  <a:gd name="connsiteX3" fmla="*/ 58615 w 316523"/>
+                  <a:gd name="connsiteY3" fmla="*/ 234462 h 234462"/>
+                  <a:gd name="connsiteX0" fmla="*/ 0 w 316523"/>
+                  <a:gd name="connsiteY0" fmla="*/ 128954 h 234462"/>
+                  <a:gd name="connsiteX1" fmla="*/ 210305 w 316523"/>
+                  <a:gd name="connsiteY1" fmla="*/ 0 h 234462"/>
+                  <a:gd name="connsiteX2" fmla="*/ 316523 w 316523"/>
+                  <a:gd name="connsiteY2" fmla="*/ 105508 h 234462"/>
+                  <a:gd name="connsiteX3" fmla="*/ 58615 w 316523"/>
+                  <a:gd name="connsiteY3" fmla="*/ 234462 h 234462"/>
+                  <a:gd name="connsiteX0" fmla="*/ 0 w 344232"/>
+                  <a:gd name="connsiteY0" fmla="*/ 128954 h 234462"/>
+                  <a:gd name="connsiteX1" fmla="*/ 210305 w 344232"/>
+                  <a:gd name="connsiteY1" fmla="*/ 0 h 234462"/>
+                  <a:gd name="connsiteX2" fmla="*/ 344232 w 344232"/>
+                  <a:gd name="connsiteY2" fmla="*/ 68563 h 234462"/>
+                  <a:gd name="connsiteX3" fmla="*/ 58615 w 344232"/>
+                  <a:gd name="connsiteY3" fmla="*/ 234462 h 234462"/>
+                </a:gdLst>
+                <a:ahLst/>
+                <a:cxnLst>
+                  <a:cxn ang="0">
+                    <a:pos x="connsiteX0" y="connsiteY0"/>
+                  </a:cxn>
+                  <a:cxn ang="0">
+                    <a:pos x="connsiteX1" y="connsiteY1"/>
+                  </a:cxn>
+                  <a:cxn ang="0">
+                    <a:pos x="connsiteX2" y="connsiteY2"/>
+                  </a:cxn>
+                  <a:cxn ang="0">
+                    <a:pos x="connsiteX3" y="connsiteY3"/>
+                  </a:cxn>
+                </a:cxnLst>
+                <a:rect l="l" t="t" r="r" b="b"/>
+                <a:pathLst>
+                  <a:path w="344232" h="234462">
+                    <a:moveTo>
+                      <a:pt x="0" y="128954"/>
+                    </a:moveTo>
+                    <a:lnTo>
+                      <a:pt x="210305" y="0"/>
+                    </a:lnTo>
+                    <a:lnTo>
+                      <a:pt x="344232" y="68563"/>
+                    </a:lnTo>
+                    <a:lnTo>
+                      <a:pt x="58615" y="234462"/>
+                    </a:lnTo>
+                  </a:path>
+                </a:pathLst>
+              </a:custGeom>
+              <a:solidFill>
+                <a:schemeClr val="accent4">
+                  <a:lumMod val="40000"/>
+                  <a:lumOff val="60000"/>
+                </a:schemeClr>
+              </a:solidFill>
+              <a:ln>
+                <a:noFill/>
+              </a:ln>
+            </p:spPr>
+            <p:style>
+              <a:lnRef idx="2">
+                <a:schemeClr val="accent1">
+                  <a:shade val="50000"/>
+                </a:schemeClr>
+              </a:lnRef>
+              <a:fillRef idx="1">
+                <a:schemeClr val="accent1"/>
+              </a:fillRef>
+              <a:effectRef idx="0">
+                <a:schemeClr val="accent1"/>
+              </a:effectRef>
+              <a:fontRef idx="minor">
+                <a:schemeClr val="lt1"/>
+              </a:fontRef>
+            </p:style>
+            <p:txBody>
+              <a:bodyPr rtlCol="0" anchor="ctr"/>
+              <a:lstStyle/>
+              <a:p>
+                <a:pPr algn="ctr"/>
+                <a:endParaRPr lang="nb-NO"/>
+              </a:p>
+            </p:txBody>
+          </p:sp>
+          <p:sp>
+            <p:nvSpPr>
+              <p:cNvPr id="215" name="Freeform 214"/>
+              <p:cNvSpPr/>
+              <p:nvPr/>
+            </p:nvSpPr>
+            <p:spPr>
+              <a:xfrm>
+                <a:off x="7362092" y="1113692"/>
+                <a:ext cx="926123" cy="515816"/>
+              </a:xfrm>
+              <a:custGeom>
+                <a:avLst/>
+                <a:gdLst>
+                  <a:gd name="connsiteX0" fmla="*/ 0 w 926123"/>
+                  <a:gd name="connsiteY0" fmla="*/ 515816 h 515816"/>
+                  <a:gd name="connsiteX1" fmla="*/ 855785 w 926123"/>
+                  <a:gd name="connsiteY1" fmla="*/ 0 h 515816"/>
+                  <a:gd name="connsiteX2" fmla="*/ 926123 w 926123"/>
+                  <a:gd name="connsiteY2" fmla="*/ 128954 h 515816"/>
+                  <a:gd name="connsiteX3" fmla="*/ 422031 w 926123"/>
+                  <a:gd name="connsiteY3" fmla="*/ 375139 h 515816"/>
+                  <a:gd name="connsiteX4" fmla="*/ 422031 w 926123"/>
+                  <a:gd name="connsiteY4" fmla="*/ 339970 h 515816"/>
+                  <a:gd name="connsiteX5" fmla="*/ 0 w 926123"/>
+                  <a:gd name="connsiteY5" fmla="*/ 515816 h 515816"/>
+                  <a:gd name="connsiteX0" fmla="*/ 0 w 926123"/>
+                  <a:gd name="connsiteY0" fmla="*/ 515816 h 515816"/>
+                  <a:gd name="connsiteX1" fmla="*/ 855785 w 926123"/>
+                  <a:gd name="connsiteY1" fmla="*/ 0 h 515816"/>
+                  <a:gd name="connsiteX2" fmla="*/ 926123 w 926123"/>
+                  <a:gd name="connsiteY2" fmla="*/ 128954 h 515816"/>
+                  <a:gd name="connsiteX3" fmla="*/ 422031 w 926123"/>
+                  <a:gd name="connsiteY3" fmla="*/ 375139 h 515816"/>
+                  <a:gd name="connsiteX4" fmla="*/ 422031 w 926123"/>
+                  <a:gd name="connsiteY4" fmla="*/ 339970 h 515816"/>
+                  <a:gd name="connsiteX5" fmla="*/ 107145 w 926123"/>
+                  <a:gd name="connsiteY5" fmla="*/ 493435 h 515816"/>
+                  <a:gd name="connsiteX6" fmla="*/ 0 w 926123"/>
+                  <a:gd name="connsiteY6" fmla="*/ 515816 h 515816"/>
+                </a:gdLst>
+                <a:ahLst/>
+                <a:cxnLst>
+                  <a:cxn ang="0">
+                    <a:pos x="connsiteX0" y="connsiteY0"/>
+                  </a:cxn>
+                  <a:cxn ang="0">
+                    <a:pos x="connsiteX1" y="connsiteY1"/>
+                  </a:cxn>
+                  <a:cxn ang="0">
+                    <a:pos x="connsiteX2" y="connsiteY2"/>
+                  </a:cxn>
+                  <a:cxn ang="0">
+                    <a:pos x="connsiteX3" y="connsiteY3"/>
+                  </a:cxn>
+                  <a:cxn ang="0">
+                    <a:pos x="connsiteX4" y="connsiteY4"/>
+                  </a:cxn>
+                  <a:cxn ang="0">
+                    <a:pos x="connsiteX5" y="connsiteY5"/>
+                  </a:cxn>
+                  <a:cxn ang="0">
+                    <a:pos x="connsiteX6" y="connsiteY6"/>
+                  </a:cxn>
+                </a:cxnLst>
+                <a:rect l="l" t="t" r="r" b="b"/>
+                <a:pathLst>
+                  <a:path w="926123" h="515816">
+                    <a:moveTo>
+                      <a:pt x="0" y="515816"/>
+                    </a:moveTo>
+                    <a:lnTo>
+                      <a:pt x="855785" y="0"/>
+                    </a:lnTo>
+                    <a:lnTo>
+                      <a:pt x="926123" y="128954"/>
+                    </a:lnTo>
+                    <a:lnTo>
+                      <a:pt x="422031" y="375139"/>
+                    </a:lnTo>
+                    <a:lnTo>
+                      <a:pt x="422031" y="339970"/>
+                    </a:lnTo>
+                    <a:cubicBezTo>
+                      <a:pt x="363251" y="360337"/>
+                      <a:pt x="165925" y="473068"/>
+                      <a:pt x="107145" y="493435"/>
+                    </a:cubicBezTo>
+                    <a:lnTo>
+                      <a:pt x="0" y="515816"/>
+                    </a:lnTo>
+                    <a:close/>
+                  </a:path>
+                </a:pathLst>
+              </a:custGeom>
+              <a:solidFill>
+                <a:schemeClr val="accent4">
+                  <a:lumMod val="40000"/>
+                  <a:lumOff val="60000"/>
+                </a:schemeClr>
+              </a:solidFill>
+              <a:ln>
+                <a:noFill/>
+              </a:ln>
+            </p:spPr>
+            <p:style>
+              <a:lnRef idx="2">
+                <a:schemeClr val="accent1">
+                  <a:shade val="50000"/>
+                </a:schemeClr>
+              </a:lnRef>
+              <a:fillRef idx="1">
+                <a:schemeClr val="accent1"/>
+              </a:fillRef>
+              <a:effectRef idx="0">
+                <a:schemeClr val="accent1"/>
+              </a:effectRef>
+              <a:fontRef idx="minor">
+                <a:schemeClr val="lt1"/>
+              </a:fontRef>
+            </p:style>
+            <p:txBody>
+              <a:bodyPr rtlCol="0" anchor="ctr"/>
+              <a:lstStyle/>
+              <a:p>
+                <a:pPr algn="ctr"/>
+                <a:endParaRPr lang="nb-NO"/>
+              </a:p>
+            </p:txBody>
+          </p:sp>
+          <p:sp>
+            <p:nvSpPr>
               <p:cNvPr id="212" name="Freeform 211"/>
               <p:cNvSpPr/>
               <p:nvPr/>
             </p:nvSpPr>
             <p:spPr>
               <a:xfrm>
-                <a:off x="7632806" y="1289271"/>
+                <a:off x="7632806" y="1188901"/>
                 <a:ext cx="606875" cy="374643"/>
               </a:xfrm>
               <a:custGeom>
@@ -18713,229 +18968,6 @@
               </a:p>
             </p:txBody>
           </p:sp>
-          <p:sp>
-            <p:nvSpPr>
-              <p:cNvPr id="214" name="Freeform 213"/>
-              <p:cNvSpPr/>
-              <p:nvPr/>
-            </p:nvSpPr>
-            <p:spPr>
-              <a:xfrm>
-                <a:off x="6998677" y="1735016"/>
-                <a:ext cx="316523" cy="234462"/>
-              </a:xfrm>
-              <a:custGeom>
-                <a:avLst/>
-                <a:gdLst>
-                  <a:gd name="connsiteX0" fmla="*/ 0 w 339969"/>
-                  <a:gd name="connsiteY0" fmla="*/ 152400 h 222739"/>
-                  <a:gd name="connsiteX1" fmla="*/ 187569 w 339969"/>
-                  <a:gd name="connsiteY1" fmla="*/ 0 h 222739"/>
-                  <a:gd name="connsiteX2" fmla="*/ 339969 w 339969"/>
-                  <a:gd name="connsiteY2" fmla="*/ 105508 h 222739"/>
-                  <a:gd name="connsiteX3" fmla="*/ 46892 w 339969"/>
-                  <a:gd name="connsiteY3" fmla="*/ 222739 h 222739"/>
-                  <a:gd name="connsiteX0" fmla="*/ 0 w 339969"/>
-                  <a:gd name="connsiteY0" fmla="*/ 152400 h 234462"/>
-                  <a:gd name="connsiteX1" fmla="*/ 187569 w 339969"/>
-                  <a:gd name="connsiteY1" fmla="*/ 0 h 234462"/>
-                  <a:gd name="connsiteX2" fmla="*/ 339969 w 339969"/>
-                  <a:gd name="connsiteY2" fmla="*/ 105508 h 234462"/>
-                  <a:gd name="connsiteX3" fmla="*/ 82061 w 339969"/>
-                  <a:gd name="connsiteY3" fmla="*/ 234462 h 234462"/>
-                  <a:gd name="connsiteX0" fmla="*/ 0 w 339969"/>
-                  <a:gd name="connsiteY0" fmla="*/ 152400 h 234462"/>
-                  <a:gd name="connsiteX1" fmla="*/ 187569 w 339969"/>
-                  <a:gd name="connsiteY1" fmla="*/ 0 h 234462"/>
-                  <a:gd name="connsiteX2" fmla="*/ 339969 w 339969"/>
-                  <a:gd name="connsiteY2" fmla="*/ 105508 h 234462"/>
-                  <a:gd name="connsiteX3" fmla="*/ 82061 w 339969"/>
-                  <a:gd name="connsiteY3" fmla="*/ 234462 h 234462"/>
-                  <a:gd name="connsiteX0" fmla="*/ 0 w 316523"/>
-                  <a:gd name="connsiteY0" fmla="*/ 128954 h 234462"/>
-                  <a:gd name="connsiteX1" fmla="*/ 164123 w 316523"/>
-                  <a:gd name="connsiteY1" fmla="*/ 0 h 234462"/>
-                  <a:gd name="connsiteX2" fmla="*/ 316523 w 316523"/>
-                  <a:gd name="connsiteY2" fmla="*/ 105508 h 234462"/>
-                  <a:gd name="connsiteX3" fmla="*/ 58615 w 316523"/>
-                  <a:gd name="connsiteY3" fmla="*/ 234462 h 234462"/>
-                </a:gdLst>
-                <a:ahLst/>
-                <a:cxnLst>
-                  <a:cxn ang="0">
-                    <a:pos x="connsiteX0" y="connsiteY0"/>
-                  </a:cxn>
-                  <a:cxn ang="0">
-                    <a:pos x="connsiteX1" y="connsiteY1"/>
-                  </a:cxn>
-                  <a:cxn ang="0">
-                    <a:pos x="connsiteX2" y="connsiteY2"/>
-                  </a:cxn>
-                  <a:cxn ang="0">
-                    <a:pos x="connsiteX3" y="connsiteY3"/>
-                  </a:cxn>
-                </a:cxnLst>
-                <a:rect l="l" t="t" r="r" b="b"/>
-                <a:pathLst>
-                  <a:path w="316523" h="234462">
-                    <a:moveTo>
-                      <a:pt x="0" y="128954"/>
-                    </a:moveTo>
-                    <a:lnTo>
-                      <a:pt x="164123" y="0"/>
-                    </a:lnTo>
-                    <a:lnTo>
-                      <a:pt x="316523" y="105508"/>
-                    </a:lnTo>
-                    <a:lnTo>
-                      <a:pt x="58615" y="234462"/>
-                    </a:lnTo>
-                  </a:path>
-                </a:pathLst>
-              </a:custGeom>
-              <a:solidFill>
-                <a:schemeClr val="accent4">
-                  <a:lumMod val="40000"/>
-                  <a:lumOff val="60000"/>
-                </a:schemeClr>
-              </a:solidFill>
-              <a:ln>
-                <a:noFill/>
-              </a:ln>
-            </p:spPr>
-            <p:style>
-              <a:lnRef idx="2">
-                <a:schemeClr val="accent1">
-                  <a:shade val="50000"/>
-                </a:schemeClr>
-              </a:lnRef>
-              <a:fillRef idx="1">
-                <a:schemeClr val="accent1"/>
-              </a:fillRef>
-              <a:effectRef idx="0">
-                <a:schemeClr val="accent1"/>
-              </a:effectRef>
-              <a:fontRef idx="minor">
-                <a:schemeClr val="lt1"/>
-              </a:fontRef>
-            </p:style>
-            <p:txBody>
-              <a:bodyPr rtlCol="0" anchor="ctr"/>
-              <a:lstStyle/>
-              <a:p>
-                <a:pPr algn="ctr"/>
-                <a:endParaRPr lang="nb-NO"/>
-              </a:p>
-            </p:txBody>
-          </p:sp>
-          <p:sp>
-            <p:nvSpPr>
-              <p:cNvPr id="215" name="Freeform 214"/>
-              <p:cNvSpPr/>
-              <p:nvPr/>
-            </p:nvSpPr>
-            <p:spPr>
-              <a:xfrm>
-                <a:off x="7362092" y="1113692"/>
-                <a:ext cx="926123" cy="515816"/>
-              </a:xfrm>
-              <a:custGeom>
-                <a:avLst/>
-                <a:gdLst>
-                  <a:gd name="connsiteX0" fmla="*/ 0 w 926123"/>
-                  <a:gd name="connsiteY0" fmla="*/ 515816 h 515816"/>
-                  <a:gd name="connsiteX1" fmla="*/ 855785 w 926123"/>
-                  <a:gd name="connsiteY1" fmla="*/ 0 h 515816"/>
-                  <a:gd name="connsiteX2" fmla="*/ 926123 w 926123"/>
-                  <a:gd name="connsiteY2" fmla="*/ 128954 h 515816"/>
-                  <a:gd name="connsiteX3" fmla="*/ 422031 w 926123"/>
-                  <a:gd name="connsiteY3" fmla="*/ 375139 h 515816"/>
-                  <a:gd name="connsiteX4" fmla="*/ 422031 w 926123"/>
-                  <a:gd name="connsiteY4" fmla="*/ 339970 h 515816"/>
-                  <a:gd name="connsiteX5" fmla="*/ 0 w 926123"/>
-                  <a:gd name="connsiteY5" fmla="*/ 515816 h 515816"/>
-                </a:gdLst>
-                <a:ahLst/>
-                <a:cxnLst>
-                  <a:cxn ang="0">
-                    <a:pos x="connsiteX0" y="connsiteY0"/>
-                  </a:cxn>
-                  <a:cxn ang="0">
-                    <a:pos x="connsiteX1" y="connsiteY1"/>
-                  </a:cxn>
-                  <a:cxn ang="0">
-                    <a:pos x="connsiteX2" y="connsiteY2"/>
-                  </a:cxn>
-                  <a:cxn ang="0">
-                    <a:pos x="connsiteX3" y="connsiteY3"/>
-                  </a:cxn>
-                  <a:cxn ang="0">
-                    <a:pos x="connsiteX4" y="connsiteY4"/>
-                  </a:cxn>
-                  <a:cxn ang="0">
-                    <a:pos x="connsiteX5" y="connsiteY5"/>
-                  </a:cxn>
-                </a:cxnLst>
-                <a:rect l="l" t="t" r="r" b="b"/>
-                <a:pathLst>
-                  <a:path w="926123" h="515816">
-                    <a:moveTo>
-                      <a:pt x="0" y="515816"/>
-                    </a:moveTo>
-                    <a:lnTo>
-                      <a:pt x="855785" y="0"/>
-                    </a:lnTo>
-                    <a:lnTo>
-                      <a:pt x="926123" y="128954"/>
-                    </a:lnTo>
-                    <a:lnTo>
-                      <a:pt x="422031" y="375139"/>
-                    </a:lnTo>
-                    <a:lnTo>
-                      <a:pt x="422031" y="339970"/>
-                    </a:lnTo>
-                    <a:lnTo>
-                      <a:pt x="0" y="515816"/>
-                    </a:lnTo>
-                    <a:close/>
-                  </a:path>
-                </a:pathLst>
-              </a:custGeom>
-              <a:solidFill>
-                <a:schemeClr val="accent4">
-                  <a:lumMod val="40000"/>
-                  <a:lumOff val="60000"/>
-                </a:schemeClr>
-              </a:solidFill>
-              <a:ln>
-                <a:noFill/>
-              </a:ln>
-            </p:spPr>
-            <p:style>
-              <a:lnRef idx="2">
-                <a:schemeClr val="accent1">
-                  <a:shade val="50000"/>
-                </a:schemeClr>
-              </a:lnRef>
-              <a:fillRef idx="1">
-                <a:schemeClr val="accent1"/>
-              </a:fillRef>
-              <a:effectRef idx="0">
-                <a:schemeClr val="accent1"/>
-              </a:effectRef>
-              <a:fontRef idx="minor">
-                <a:schemeClr val="lt1"/>
-              </a:fontRef>
-            </p:style>
-            <p:txBody>
-              <a:bodyPr rtlCol="0" anchor="ctr"/>
-              <a:lstStyle/>
-              <a:p>
-                <a:pPr algn="ctr"/>
-                <a:endParaRPr lang="nb-NO"/>
-              </a:p>
-            </p:txBody>
-          </p:sp>
         </p:grpSp>
         <p:cxnSp>
           <p:nvCxnSpPr>
@@ -18983,7 +19015,7 @@
           </p:nvCxnSpPr>
           <p:spPr>
             <a:xfrm flipV="1">
-              <a:off x="7903806" y="1289271"/>
+              <a:off x="7903806" y="1188901"/>
               <a:ext cx="303934" cy="248966"/>
             </a:xfrm>
             <a:prstGeom prst="straightConnector1">

--- a/Use case - Hydrocarbons accumulation.pptx
+++ b/Use case - Hydrocarbons accumulation.pptx
@@ -13481,7 +13481,7 @@
         </p:nvSpPr>
         <p:spPr>
           <a:xfrm rot="3600000">
-            <a:off x="4763403" y="305162"/>
+            <a:off x="4808663" y="277329"/>
             <a:ext cx="663031" cy="2832541"/>
           </a:xfrm>
           <a:prstGeom prst="leftBrace">
@@ -13522,7 +13522,7 @@
         </p:nvSpPr>
         <p:spPr>
           <a:xfrm rot="3600000">
-            <a:off x="1492611" y="1309175"/>
+            <a:off x="1557346" y="1271869"/>
             <a:ext cx="663031" cy="4625338"/>
           </a:xfrm>
           <a:prstGeom prst="leftBrace">
@@ -13563,8 +13563,8 @@
         </p:nvSpPr>
         <p:spPr>
           <a:xfrm rot="3600000">
-            <a:off x="6658241" y="-132049"/>
-            <a:ext cx="663031" cy="1492285"/>
+            <a:off x="6691181" y="-113030"/>
+            <a:ext cx="663031" cy="1416210"/>
           </a:xfrm>
           <a:prstGeom prst="leftBrace">
             <a:avLst>
@@ -15224,8 +15224,8 @@
                                                             </p:nvCxnSpPr>
                                                             <p:spPr>
                                                               <a:xfrm>
-                                                                <a:off x="3538989" y="705621"/>
-                                                                <a:ext cx="2162214" cy="2988193"/>
+                                                                <a:off x="3538989" y="705622"/>
+                                                                <a:ext cx="2188955" cy="3087272"/>
                                                               </a:xfrm>
                                                               <a:prstGeom prst="line">
                                                                 <a:avLst/>
@@ -16166,8 +16166,8 @@
                                                             </p:nvSpPr>
                                                             <p:spPr>
                                                               <a:xfrm rot="9000000">
-                                                                <a:off x="4647118" y="1655590"/>
-                                                                <a:ext cx="1951655" cy="649107"/>
+                                                                <a:off x="4644977" y="1656143"/>
+                                                                <a:ext cx="1951655" cy="640833"/>
                                                               </a:xfrm>
                                                               <a:custGeom>
                                                                 <a:avLst/>
@@ -16342,6 +16342,16 @@
                                                                   <a:gd name="connsiteY3" fmla="*/ 642600 h 642600"/>
                                                                   <a:gd name="connsiteX4" fmla="*/ 0 w 2424935"/>
                                                                   <a:gd name="connsiteY4" fmla="*/ 8191 h 642600"/>
+                                                                  <a:gd name="connsiteX0" fmla="*/ 0 w 2424935"/>
+                                                                  <a:gd name="connsiteY0" fmla="*/ 0 h 634409"/>
+                                                                  <a:gd name="connsiteX1" fmla="*/ 2389033 w 2424935"/>
+                                                                  <a:gd name="connsiteY1" fmla="*/ 9107 h 634409"/>
+                                                                  <a:gd name="connsiteX2" fmla="*/ 2424935 w 2424935"/>
+                                                                  <a:gd name="connsiteY2" fmla="*/ 628994 h 634409"/>
+                                                                  <a:gd name="connsiteX3" fmla="*/ 78963 w 2424935"/>
+                                                                  <a:gd name="connsiteY3" fmla="*/ 634409 h 634409"/>
+                                                                  <a:gd name="connsiteX4" fmla="*/ 0 w 2424935"/>
+                                                                  <a:gd name="connsiteY4" fmla="*/ 0 h 634409"/>
                                                                 </a:gdLst>
                                                                 <a:ahLst/>
                                                                 <a:cxnLst>
@@ -16363,21 +16373,21 @@
                                                                 </a:cxnLst>
                                                                 <a:rect l="l" t="t" r="r" b="b"/>
                                                                 <a:pathLst>
-                                                                  <a:path w="2424935" h="642600">
+                                                                  <a:path w="2424935" h="634409">
                                                                     <a:moveTo>
-                                                                      <a:pt x="0" y="8191"/>
+                                                                      <a:pt x="0" y="0"/>
                                                                     </a:moveTo>
                                                                     <a:lnTo>
-                                                                      <a:pt x="2350126" y="0"/>
+                                                                      <a:pt x="2389033" y="9107"/>
                                                                     </a:lnTo>
                                                                     <a:lnTo>
-                                                                      <a:pt x="2424935" y="637185"/>
+                                                                      <a:pt x="2424935" y="628994"/>
                                                                     </a:lnTo>
                                                                     <a:lnTo>
-                                                                      <a:pt x="78963" y="642600"/>
+                                                                      <a:pt x="78963" y="634409"/>
                                                                     </a:lnTo>
                                                                     <a:lnTo>
-                                                                      <a:pt x="0" y="8191"/>
+                                                                      <a:pt x="0" y="0"/>
                                                                     </a:lnTo>
                                                                     <a:close/>
                                                                   </a:path>
